--- a/异步编程.pptx
+++ b/异步编程.pptx
@@ -7,29 +7,31 @@
     <p:sldMasterId id="2147484198" r:id="rId6"/>
   </p:sldMasterIdLst>
   <p:notesMasterIdLst>
-    <p:notesMasterId r:id="rId24"/>
+    <p:notesMasterId r:id="rId26"/>
   </p:notesMasterIdLst>
   <p:handoutMasterIdLst>
-    <p:handoutMasterId r:id="rId25"/>
+    <p:handoutMasterId r:id="rId27"/>
   </p:handoutMasterIdLst>
   <p:sldIdLst>
     <p:sldId id="291" r:id="rId7"/>
     <p:sldId id="335" r:id="rId8"/>
-    <p:sldId id="336" r:id="rId9"/>
-    <p:sldId id="337" r:id="rId10"/>
-    <p:sldId id="339" r:id="rId11"/>
-    <p:sldId id="338" r:id="rId12"/>
-    <p:sldId id="334" r:id="rId13"/>
-    <p:sldId id="292" r:id="rId14"/>
-    <p:sldId id="325" r:id="rId15"/>
-    <p:sldId id="326" r:id="rId16"/>
-    <p:sldId id="327" r:id="rId17"/>
-    <p:sldId id="328" r:id="rId18"/>
-    <p:sldId id="329" r:id="rId19"/>
-    <p:sldId id="331" r:id="rId20"/>
-    <p:sldId id="330" r:id="rId21"/>
-    <p:sldId id="332" r:id="rId22"/>
-    <p:sldId id="293" r:id="rId23"/>
+    <p:sldId id="340" r:id="rId9"/>
+    <p:sldId id="341" r:id="rId10"/>
+    <p:sldId id="336" r:id="rId11"/>
+    <p:sldId id="337" r:id="rId12"/>
+    <p:sldId id="339" r:id="rId13"/>
+    <p:sldId id="338" r:id="rId14"/>
+    <p:sldId id="334" r:id="rId15"/>
+    <p:sldId id="292" r:id="rId16"/>
+    <p:sldId id="325" r:id="rId17"/>
+    <p:sldId id="326" r:id="rId18"/>
+    <p:sldId id="327" r:id="rId19"/>
+    <p:sldId id="328" r:id="rId20"/>
+    <p:sldId id="329" r:id="rId21"/>
+    <p:sldId id="331" r:id="rId22"/>
+    <p:sldId id="330" r:id="rId23"/>
+    <p:sldId id="332" r:id="rId24"/>
+    <p:sldId id="293" r:id="rId25"/>
   </p:sldIdLst>
   <p:sldSz cx="9144000" cy="6858000" type="screen4x3"/>
   <p:notesSz cx="6858000" cy="9144000"/>
@@ -165,6 +167,8 @@
           <p14:sldIdLst>
             <p14:sldId id="291"/>
             <p14:sldId id="335"/>
+            <p14:sldId id="340"/>
+            <p14:sldId id="341"/>
             <p14:sldId id="336"/>
             <p14:sldId id="337"/>
             <p14:sldId id="339"/>
@@ -320,7 +324,7 @@
               <a:pPr>
                 <a:defRPr/>
               </a:pPr>
-              <a:t>4/2/2018</a:t>
+              <a:t>4/13/2018</a:t>
             </a:fld>
             <a:endParaRPr lang="en-US" altLang="zh-CN"/>
           </a:p>
@@ -535,7 +539,7 @@
               <a:pPr>
                 <a:defRPr/>
               </a:pPr>
-              <a:t>4/2/2018</a:t>
+              <a:t>4/13/2018</a:t>
             </a:fld>
             <a:endParaRPr lang="en-US" altLang="zh-CN"/>
           </a:p>
@@ -4944,15 +4948,7 @@
                 <a:ea typeface="ＭＳ Ｐゴシック" pitchFamily="34" charset="-128"/>
                 <a:cs typeface="Calibri" pitchFamily="34" charset="0"/>
               </a:rPr>
-              <a:t>异步、多线程编程</a:t>
-            </a:r>
-            <a:r>
-              <a:rPr lang="zh-CN" altLang="en-US" dirty="0" smtClean="0">
-                <a:latin typeface="Calibri" pitchFamily="34" charset="0"/>
-                <a:ea typeface="ＭＳ Ｐゴシック" pitchFamily="34" charset="-128"/>
-                <a:cs typeface="Calibri" pitchFamily="34" charset="0"/>
-              </a:rPr>
-              <a:t>交流</a:t>
+              <a:t>异步、多线程编程交流</a:t>
             </a:r>
             <a:endParaRPr lang="en-US" altLang="zh-CN" dirty="0">
               <a:latin typeface="Calibri" pitchFamily="34" charset="0"/>
@@ -5037,6 +5033,188 @@
           <a:lstStyle/>
           <a:p>
             <a:r>
+              <a:rPr lang="zh-CN" altLang="en-US" dirty="0" smtClean="0"/>
+              <a:t>基于委托的</a:t>
+            </a:r>
+            <a:r>
+              <a:rPr lang="en-US" altLang="zh-CN" dirty="0" smtClean="0"/>
+              <a:t>Invoke </a:t>
+            </a:r>
+            <a:r>
+              <a:rPr lang="en-US" altLang="zh-CN" dirty="0" err="1" smtClean="0"/>
+              <a:t>BeginInvoke</a:t>
+            </a:r>
+            <a:endParaRPr lang="zh-CN" altLang="en-US" dirty="0"/>
+          </a:p>
+        </p:txBody>
+      </p:sp>
+      <p:sp>
+        <p:nvSpPr>
+          <p:cNvPr id="4" name="内容占位符 3">
+            <a:extLst>
+              <a:ext uri="{FF2B5EF4-FFF2-40B4-BE49-F238E27FC236}">
+                <a16:creationId xmlns:a16="http://schemas.microsoft.com/office/drawing/2014/main" xmlns="" id="{62CD55B7-E798-45C3-A64E-53D4169A931B}"/>
+              </a:ext>
+            </a:extLst>
+          </p:cNvPr>
+          <p:cNvSpPr>
+            <a:spLocks noGrp="1"/>
+          </p:cNvSpPr>
+          <p:nvPr>
+            <p:ph sz="quarter" idx="11"/>
+          </p:nvPr>
+        </p:nvSpPr>
+        <p:spPr/>
+        <p:txBody>
+          <a:bodyPr/>
+          <a:lstStyle/>
+          <a:p>
+            <a:r>
+              <a:rPr lang="en-US" altLang="zh-CN" dirty="0" smtClean="0"/>
+              <a:t>CLR</a:t>
+            </a:r>
+            <a:r>
+              <a:rPr lang="zh-CN" altLang="en-US" dirty="0"/>
+              <a:t>为每一个委托类型提供了一个</a:t>
+            </a:r>
+            <a:r>
+              <a:rPr lang="en-US" altLang="zh-CN" dirty="0"/>
+              <a:t>Invoke</a:t>
+            </a:r>
+            <a:r>
+              <a:rPr lang="zh-CN" altLang="en-US" dirty="0"/>
+              <a:t>方法，并且该方法和</a:t>
+            </a:r>
+            <a:r>
+              <a:rPr lang="en-US" altLang="zh-CN" dirty="0"/>
+              <a:t>delegate</a:t>
+            </a:r>
+            <a:r>
+              <a:rPr lang="zh-CN" altLang="en-US" dirty="0"/>
+              <a:t>拥有相同的</a:t>
+            </a:r>
+            <a:r>
+              <a:rPr lang="zh-CN" altLang="en-US" dirty="0" smtClean="0"/>
+              <a:t>签名</a:t>
+            </a:r>
+            <a:endParaRPr lang="en-US" altLang="zh-CN" dirty="0" smtClean="0"/>
+          </a:p>
+          <a:p>
+            <a:r>
+              <a:rPr lang="en-US" altLang="zh-CN" dirty="0" smtClean="0"/>
+              <a:t>CLR</a:t>
+            </a:r>
+            <a:r>
+              <a:rPr lang="zh-CN" altLang="en-US" dirty="0"/>
+              <a:t>为每一个委托类型提供了</a:t>
+            </a:r>
+            <a:r>
+              <a:rPr lang="en-US" altLang="zh-CN" dirty="0" err="1"/>
+              <a:t>BeginInvoke</a:t>
+            </a:r>
+            <a:r>
+              <a:rPr lang="zh-CN" altLang="en-US" dirty="0"/>
+              <a:t>和</a:t>
+            </a:r>
+            <a:r>
+              <a:rPr lang="en-US" altLang="zh-CN" dirty="0" err="1"/>
+              <a:t>EndInvoke</a:t>
+            </a:r>
+            <a:r>
+              <a:rPr lang="zh-CN" altLang="en-US" dirty="0"/>
+              <a:t>方法，来确保委托的异步</a:t>
+            </a:r>
+            <a:r>
+              <a:rPr lang="zh-CN" altLang="en-US" dirty="0" smtClean="0"/>
+              <a:t>调用</a:t>
+            </a:r>
+            <a:endParaRPr lang="en-US" altLang="zh-CN" dirty="0" smtClean="0"/>
+          </a:p>
+          <a:p>
+            <a:endParaRPr lang="en-US" altLang="zh-CN" dirty="0"/>
+          </a:p>
+          <a:p>
+            <a:r>
+              <a:rPr lang="zh-CN" altLang="en-US" dirty="0"/>
+              <a:t>通过一个委托来进行同步方法的异步调用，也是</a:t>
+            </a:r>
+            <a:r>
+              <a:rPr lang="en-US" altLang="zh-CN" dirty="0" err="1"/>
+              <a:t>.net</a:t>
+            </a:r>
+            <a:r>
+              <a:rPr lang="zh-CN" altLang="en-US" dirty="0"/>
+              <a:t>提供的异步调用机制之一。但是</a:t>
+            </a:r>
+            <a:r>
+              <a:rPr lang="en-US" altLang="zh-CN" dirty="0" err="1"/>
+              <a:t>Delegate.BeginInvoke</a:t>
+            </a:r>
+            <a:r>
+              <a:rPr lang="zh-CN" altLang="en-US" dirty="0"/>
+              <a:t>方法是从</a:t>
+            </a:r>
+            <a:r>
+              <a:rPr lang="en-US" altLang="zh-CN" dirty="0" err="1"/>
+              <a:t>ThreadPool</a:t>
+            </a:r>
+            <a:r>
+              <a:rPr lang="zh-CN" altLang="en-US" dirty="0"/>
+              <a:t>取出一个线程来执行这个方法，以获得异步执行效果的。也就是说，如果采用这种方式提交多个异步委托，那么这些调用的顺序无法得到保证。而且由于是使用线程池里面的线程来完成任务，使用频繁，会对系统的性能造成影响。</a:t>
+            </a:r>
+            <a:endParaRPr lang="en-US" altLang="zh-CN" dirty="0" smtClean="0"/>
+          </a:p>
+          <a:p>
+            <a:endParaRPr lang="zh-CN" altLang="en-US" dirty="0"/>
+          </a:p>
+        </p:txBody>
+      </p:sp>
+    </p:spTree>
+    <p:extLst>
+      <p:ext uri="{BB962C8B-B14F-4D97-AF65-F5344CB8AC3E}">
+        <p14:creationId xmlns:p14="http://schemas.microsoft.com/office/powerpoint/2010/main" val="1009121632"/>
+      </p:ext>
+    </p:extLst>
+  </p:cSld>
+  <p:clrMapOvr>
+    <a:masterClrMapping/>
+  </p:clrMapOvr>
+</p:sld>
+</file>
+
+<file path=ppt/slides/slide11.xml><?xml version="1.0" encoding="utf-8"?>
+<p:sld xmlns:a="http://schemas.openxmlformats.org/drawingml/2006/main" xmlns:r="http://schemas.openxmlformats.org/officeDocument/2006/relationships" xmlns:p="http://schemas.openxmlformats.org/presentationml/2006/main">
+  <p:cSld>
+    <p:spTree>
+      <p:nvGrpSpPr>
+        <p:cNvPr id="1" name=""/>
+        <p:cNvGrpSpPr/>
+        <p:nvPr/>
+      </p:nvGrpSpPr>
+      <p:grpSpPr>
+        <a:xfrm>
+          <a:off x="0" y="0"/>
+          <a:ext cx="0" cy="0"/>
+          <a:chOff x="0" y="0"/>
+          <a:chExt cx="0" cy="0"/>
+        </a:xfrm>
+      </p:grpSpPr>
+      <p:sp>
+        <p:nvSpPr>
+          <p:cNvPr id="2" name="标题 1"/>
+          <p:cNvSpPr>
+            <a:spLocks noGrp="1"/>
+          </p:cNvSpPr>
+          <p:nvPr>
+            <p:ph type="title"/>
+          </p:nvPr>
+        </p:nvSpPr>
+        <p:spPr/>
+        <p:txBody>
+          <a:bodyPr/>
+          <a:lstStyle/>
+          <a:p>
+            <a:r>
               <a:rPr lang="en-US" altLang="zh-CN" dirty="0" smtClean="0"/>
               <a:t>Controller</a:t>
             </a:r>
@@ -5071,6 +5249,151 @@
           <a:bodyPr/>
           <a:lstStyle/>
           <a:p>
+            <a:r>
+              <a:rPr lang="en-US" altLang="zh-CN" dirty="0"/>
+              <a:t>Windows GUI</a:t>
+            </a:r>
+            <a:r>
+              <a:rPr lang="zh-CN" altLang="en-US" dirty="0"/>
+              <a:t>程序是基于消息机制的，有个主线程维护着一个消息</a:t>
+            </a:r>
+            <a:r>
+              <a:rPr lang="zh-CN" altLang="en-US" dirty="0" smtClean="0"/>
+              <a:t>泵。这个</a:t>
+            </a:r>
+            <a:r>
+              <a:rPr lang="zh-CN" altLang="en-US" dirty="0"/>
+              <a:t>消息泵让</a:t>
+            </a:r>
+            <a:r>
+              <a:rPr lang="en-US" altLang="zh-CN" dirty="0"/>
+              <a:t>windows</a:t>
+            </a:r>
+            <a:r>
+              <a:rPr lang="zh-CN" altLang="en-US" dirty="0"/>
+              <a:t>程序生生不息</a:t>
+            </a:r>
+            <a:r>
+              <a:rPr lang="zh-CN" altLang="en-US" dirty="0" smtClean="0"/>
+              <a:t>。</a:t>
+            </a:r>
+            <a:endParaRPr lang="en-US" altLang="zh-CN" dirty="0" smtClean="0"/>
+          </a:p>
+          <a:p>
+            <a:endParaRPr lang="en-US" altLang="zh-CN" dirty="0" smtClean="0"/>
+          </a:p>
+          <a:p>
+            <a:endParaRPr lang="en-US" altLang="zh-CN" dirty="0" smtClean="0"/>
+          </a:p>
+          <a:p>
+            <a:endParaRPr lang="zh-CN" altLang="en-US" dirty="0"/>
+          </a:p>
+        </p:txBody>
+      </p:sp>
+      <p:pic>
+        <p:nvPicPr>
+          <p:cNvPr id="6" name="图片 5"/>
+          <p:cNvPicPr>
+            <a:picLocks noChangeAspect="1"/>
+          </p:cNvPicPr>
+          <p:nvPr/>
+        </p:nvPicPr>
+        <p:blipFill>
+          <a:blip r:embed="rId2"/>
+          <a:stretch>
+            <a:fillRect/>
+          </a:stretch>
+        </p:blipFill>
+        <p:spPr>
+          <a:xfrm>
+            <a:off x="827584" y="2204864"/>
+            <a:ext cx="5229225" cy="3562350"/>
+          </a:xfrm>
+          <a:prstGeom prst="rect">
+            <a:avLst/>
+          </a:prstGeom>
+        </p:spPr>
+      </p:pic>
+    </p:spTree>
+    <p:extLst>
+      <p:ext uri="{BB962C8B-B14F-4D97-AF65-F5344CB8AC3E}">
+        <p14:creationId xmlns:p14="http://schemas.microsoft.com/office/powerpoint/2010/main" val="3384948909"/>
+      </p:ext>
+    </p:extLst>
+  </p:cSld>
+  <p:clrMapOvr>
+    <a:masterClrMapping/>
+  </p:clrMapOvr>
+</p:sld>
+</file>
+
+<file path=ppt/slides/slide12.xml><?xml version="1.0" encoding="utf-8"?>
+<p:sld xmlns:a="http://schemas.openxmlformats.org/drawingml/2006/main" xmlns:r="http://schemas.openxmlformats.org/officeDocument/2006/relationships" xmlns:p="http://schemas.openxmlformats.org/presentationml/2006/main">
+  <p:cSld>
+    <p:spTree>
+      <p:nvGrpSpPr>
+        <p:cNvPr id="1" name=""/>
+        <p:cNvGrpSpPr/>
+        <p:nvPr/>
+      </p:nvGrpSpPr>
+      <p:grpSpPr>
+        <a:xfrm>
+          <a:off x="0" y="0"/>
+          <a:ext cx="0" cy="0"/>
+          <a:chOff x="0" y="0"/>
+          <a:chExt cx="0" cy="0"/>
+        </a:xfrm>
+      </p:grpSpPr>
+      <p:sp>
+        <p:nvSpPr>
+          <p:cNvPr id="2" name="标题 1"/>
+          <p:cNvSpPr>
+            <a:spLocks noGrp="1"/>
+          </p:cNvSpPr>
+          <p:nvPr>
+            <p:ph type="title"/>
+          </p:nvPr>
+        </p:nvSpPr>
+        <p:spPr/>
+        <p:txBody>
+          <a:bodyPr/>
+          <a:lstStyle/>
+          <a:p>
+            <a:r>
+              <a:rPr lang="en-US" altLang="zh-CN" dirty="0" smtClean="0"/>
+              <a:t>Controller</a:t>
+            </a:r>
+            <a:r>
+              <a:rPr lang="zh-CN" altLang="en-US" dirty="0" smtClean="0"/>
+              <a:t>的</a:t>
+            </a:r>
+            <a:r>
+              <a:rPr lang="en-US" altLang="zh-CN" dirty="0" smtClean="0"/>
+              <a:t>Invoke </a:t>
+            </a:r>
+            <a:r>
+              <a:rPr lang="en-US" altLang="zh-CN" dirty="0" err="1" smtClean="0"/>
+              <a:t>BeginInvoke</a:t>
+            </a:r>
+            <a:endParaRPr lang="zh-CN" altLang="en-US" dirty="0"/>
+          </a:p>
+        </p:txBody>
+      </p:sp>
+      <p:sp>
+        <p:nvSpPr>
+          <p:cNvPr id="5" name="内容占位符 4"/>
+          <p:cNvSpPr>
+            <a:spLocks noGrp="1"/>
+          </p:cNvSpPr>
+          <p:nvPr>
+            <p:ph sz="quarter" idx="11"/>
+          </p:nvPr>
+        </p:nvSpPr>
+        <p:spPr/>
+        <p:txBody>
+          <a:bodyPr/>
+          <a:lstStyle/>
+          <a:p>
             <a:pPr marL="0" indent="0">
               <a:buNone/>
             </a:pPr>
@@ -5155,7 +5478,7 @@
 </p:sld>
 </file>
 
-<file path=ppt/slides/slide11.xml><?xml version="1.0" encoding="utf-8"?>
+<file path=ppt/slides/slide13.xml><?xml version="1.0" encoding="utf-8"?>
 <p:sld xmlns:a="http://schemas.openxmlformats.org/drawingml/2006/main" xmlns:r="http://schemas.openxmlformats.org/officeDocument/2006/relationships" xmlns:p="http://schemas.openxmlformats.org/presentationml/2006/main">
   <p:cSld>
     <p:spTree>
@@ -5318,7 +5641,7 @@
 </p:sld>
 </file>
 
-<file path=ppt/slides/slide12.xml><?xml version="1.0" encoding="utf-8"?>
+<file path=ppt/slides/slide14.xml><?xml version="1.0" encoding="utf-8"?>
 <p:sld xmlns:a="http://schemas.openxmlformats.org/drawingml/2006/main" xmlns:r="http://schemas.openxmlformats.org/officeDocument/2006/relationships" xmlns:p="http://schemas.openxmlformats.org/presentationml/2006/main">
   <p:cSld>
     <p:spTree>
@@ -5489,283 +5812,6 @@
     <p:extLst>
       <p:ext uri="{BB962C8B-B14F-4D97-AF65-F5344CB8AC3E}">
         <p14:creationId xmlns:p14="http://schemas.microsoft.com/office/powerpoint/2010/main" val="207883104"/>
-      </p:ext>
-    </p:extLst>
-  </p:cSld>
-  <p:clrMapOvr>
-    <a:masterClrMapping/>
-  </p:clrMapOvr>
-</p:sld>
-</file>
-
-<file path=ppt/slides/slide13.xml><?xml version="1.0" encoding="utf-8"?>
-<p:sld xmlns:a="http://schemas.openxmlformats.org/drawingml/2006/main" xmlns:r="http://schemas.openxmlformats.org/officeDocument/2006/relationships" xmlns:p="http://schemas.openxmlformats.org/presentationml/2006/main">
-  <p:cSld>
-    <p:spTree>
-      <p:nvGrpSpPr>
-        <p:cNvPr id="1" name=""/>
-        <p:cNvGrpSpPr/>
-        <p:nvPr/>
-      </p:nvGrpSpPr>
-      <p:grpSpPr>
-        <a:xfrm>
-          <a:off x="0" y="0"/>
-          <a:ext cx="0" cy="0"/>
-          <a:chOff x="0" y="0"/>
-          <a:chExt cx="0" cy="0"/>
-        </a:xfrm>
-      </p:grpSpPr>
-      <p:sp>
-        <p:nvSpPr>
-          <p:cNvPr id="2" name="标题 1"/>
-          <p:cNvSpPr>
-            <a:spLocks noGrp="1"/>
-          </p:cNvSpPr>
-          <p:nvPr>
-            <p:ph type="title"/>
-          </p:nvPr>
-        </p:nvSpPr>
-        <p:spPr/>
-        <p:txBody>
-          <a:bodyPr/>
-          <a:lstStyle/>
-          <a:p>
-            <a:r>
-              <a:rPr lang="en-US" altLang="zh-CN" dirty="0" smtClean="0"/>
-              <a:t>Framework </a:t>
-            </a:r>
-            <a:r>
-              <a:rPr lang="zh-CN" altLang="en-US" dirty="0" smtClean="0"/>
-              <a:t>其他的异步实现</a:t>
-            </a:r>
-            <a:endParaRPr lang="zh-CN" altLang="en-US" dirty="0"/>
-          </a:p>
-        </p:txBody>
-      </p:sp>
-      <p:sp>
-        <p:nvSpPr>
-          <p:cNvPr id="5" name="内容占位符 4"/>
-          <p:cNvSpPr>
-            <a:spLocks noGrp="1"/>
-          </p:cNvSpPr>
-          <p:nvPr>
-            <p:ph sz="quarter" idx="11"/>
-          </p:nvPr>
-        </p:nvSpPr>
-        <p:spPr/>
-        <p:txBody>
-          <a:bodyPr/>
-          <a:lstStyle/>
-          <a:p>
-            <a:r>
-              <a:rPr lang="en-US" altLang="zh-CN" dirty="0" err="1" smtClean="0"/>
-              <a:t>ISynchronizeInvoke</a:t>
-            </a:r>
-            <a:endParaRPr lang="en-US" altLang="zh-CN" dirty="0" smtClean="0"/>
-          </a:p>
-          <a:p>
-            <a:endParaRPr lang="en-US" altLang="zh-CN" dirty="0" smtClean="0"/>
-          </a:p>
-          <a:p>
-            <a:endParaRPr lang="zh-CN" altLang="en-US" dirty="0"/>
-          </a:p>
-        </p:txBody>
-      </p:sp>
-    </p:spTree>
-    <p:extLst>
-      <p:ext uri="{BB962C8B-B14F-4D97-AF65-F5344CB8AC3E}">
-        <p14:creationId xmlns:p14="http://schemas.microsoft.com/office/powerpoint/2010/main" val="1230372374"/>
-      </p:ext>
-    </p:extLst>
-  </p:cSld>
-  <p:clrMapOvr>
-    <a:masterClrMapping/>
-  </p:clrMapOvr>
-</p:sld>
-</file>
-
-<file path=ppt/slides/slide14.xml><?xml version="1.0" encoding="utf-8"?>
-<p:sld xmlns:a="http://schemas.openxmlformats.org/drawingml/2006/main" xmlns:r="http://schemas.openxmlformats.org/officeDocument/2006/relationships" xmlns:p="http://schemas.openxmlformats.org/presentationml/2006/main">
-  <p:cSld>
-    <p:spTree>
-      <p:nvGrpSpPr>
-        <p:cNvPr id="1" name=""/>
-        <p:cNvGrpSpPr/>
-        <p:nvPr/>
-      </p:nvGrpSpPr>
-      <p:grpSpPr>
-        <a:xfrm>
-          <a:off x="0" y="0"/>
-          <a:ext cx="0" cy="0"/>
-          <a:chOff x="0" y="0"/>
-          <a:chExt cx="0" cy="0"/>
-        </a:xfrm>
-      </p:grpSpPr>
-      <p:sp>
-        <p:nvSpPr>
-          <p:cNvPr id="2" name="标题 1">
-            <a:extLst>
-              <a:ext uri="{FF2B5EF4-FFF2-40B4-BE49-F238E27FC236}">
-                <a16:creationId xmlns="" xmlns:a16="http://schemas.microsoft.com/office/drawing/2014/main" id="{508C5496-4B94-4E74-B852-01660F8B2C58}"/>
-              </a:ext>
-            </a:extLst>
-          </p:cNvPr>
-          <p:cNvSpPr>
-            <a:spLocks noGrp="1"/>
-          </p:cNvSpPr>
-          <p:nvPr>
-            <p:ph type="title"/>
-          </p:nvPr>
-        </p:nvSpPr>
-        <p:spPr/>
-        <p:txBody>
-          <a:bodyPr/>
-          <a:lstStyle/>
-          <a:p>
-            <a:r>
-              <a:rPr lang="zh-CN" altLang="en-US" dirty="0"/>
-              <a:t>基于事件的异步编程模式</a:t>
-            </a:r>
-            <a:r>
-              <a:rPr lang="en-US" altLang="zh-CN" dirty="0"/>
-              <a:t>(Event-Based Asynchronous Pattern EAP) </a:t>
-            </a:r>
-            <a:endParaRPr lang="zh-CN" altLang="en-US" dirty="0"/>
-          </a:p>
-        </p:txBody>
-      </p:sp>
-      <p:sp>
-        <p:nvSpPr>
-          <p:cNvPr id="3" name="内容占位符 2">
-            <a:extLst>
-              <a:ext uri="{FF2B5EF4-FFF2-40B4-BE49-F238E27FC236}">
-                <a16:creationId xmlns="" xmlns:a16="http://schemas.microsoft.com/office/drawing/2014/main" id="{58AF2E9D-F75B-4B1B-B93B-4C9C7AB0286D}"/>
-              </a:ext>
-            </a:extLst>
-          </p:cNvPr>
-          <p:cNvSpPr>
-            <a:spLocks noGrp="1"/>
-          </p:cNvSpPr>
-          <p:nvPr>
-            <p:ph sz="quarter" idx="11"/>
-          </p:nvPr>
-        </p:nvSpPr>
-        <p:spPr/>
-        <p:txBody>
-          <a:bodyPr/>
-          <a:lstStyle/>
-          <a:p>
-            <a:r>
-              <a:rPr lang="en-US" altLang="zh-CN" dirty="0"/>
-              <a:t>– </a:t>
-            </a:r>
-            <a:r>
-              <a:rPr lang="en-US" altLang="zh-CN" dirty="0" smtClean="0"/>
-              <a:t>EAP</a:t>
-            </a:r>
-            <a:endParaRPr lang="en-US" altLang="zh-CN" dirty="0"/>
-          </a:p>
-          <a:p>
-            <a:r>
-              <a:rPr lang="en-US" altLang="zh-CN" dirty="0" err="1"/>
-              <a:t>.Net</a:t>
-            </a:r>
-            <a:r>
-              <a:rPr lang="en-US" altLang="zh-CN" dirty="0"/>
-              <a:t> Framework 2 </a:t>
-            </a:r>
-            <a:r>
-              <a:rPr lang="zh-CN" altLang="en-US" dirty="0"/>
-              <a:t>为异步操作引入了这个模式。一个以</a:t>
-            </a:r>
-            <a:r>
-              <a:rPr lang="en-US" altLang="zh-CN" dirty="0" err="1"/>
-              <a:t>Async</a:t>
-            </a:r>
-            <a:r>
-              <a:rPr lang="zh-CN" altLang="en-US" dirty="0"/>
-              <a:t>为后缀的方法加载异步执行，当异步执行完成或取消时，异步操作会抛出一个事件，一个委托可以与这个事件绑定，并提供处理事件的回调函数</a:t>
-            </a:r>
-            <a:r>
-              <a:rPr lang="zh-CN" altLang="en-US" dirty="0" smtClean="0"/>
-              <a:t>。（多文件下载</a:t>
-            </a:r>
-            <a:r>
-              <a:rPr lang="en-US" altLang="zh-CN" dirty="0" smtClean="0"/>
-              <a:t>demo</a:t>
-            </a:r>
-            <a:r>
-              <a:rPr lang="zh-CN" altLang="en-US" dirty="0" smtClean="0"/>
-              <a:t>）</a:t>
-            </a:r>
-            <a:endParaRPr lang="en-US" altLang="zh-CN" dirty="0" smtClean="0"/>
-          </a:p>
-          <a:p>
-            <a:pPr latinLnBrk="0"/>
-            <a:r>
-              <a:rPr lang="en-US" altLang="zh-CN" dirty="0"/>
-              <a:t>1</a:t>
-            </a:r>
-            <a:r>
-              <a:rPr lang="zh-CN" altLang="en-US" dirty="0"/>
-              <a:t>、要进行异步的方法其方法名应该以</a:t>
-            </a:r>
-            <a:r>
-              <a:rPr lang="en-US" altLang="zh-CN" dirty="0" err="1"/>
-              <a:t>XXXAsync</a:t>
-            </a:r>
-            <a:r>
-              <a:rPr lang="zh-CN" altLang="en-US" dirty="0"/>
-              <a:t>结尾</a:t>
-            </a:r>
-          </a:p>
-          <a:p>
-            <a:pPr latinLnBrk="0"/>
-            <a:r>
-              <a:rPr lang="en-US" altLang="zh-CN" dirty="0"/>
-              <a:t>2</a:t>
-            </a:r>
-            <a:r>
-              <a:rPr lang="zh-CN" altLang="en-US" dirty="0"/>
-              <a:t>、要有一个名为</a:t>
-            </a:r>
-            <a:r>
-              <a:rPr lang="en-US" altLang="zh-CN" dirty="0" err="1"/>
-              <a:t>XXXCompleted</a:t>
-            </a:r>
-            <a:r>
-              <a:rPr lang="zh-CN" altLang="en-US" dirty="0"/>
-              <a:t>的事件监听异步方法的完成</a:t>
-            </a:r>
-          </a:p>
-          <a:p>
-            <a:pPr latinLnBrk="0"/>
-            <a:r>
-              <a:rPr lang="en-US" altLang="zh-CN" dirty="0"/>
-              <a:t>3</a:t>
-            </a:r>
-            <a:r>
-              <a:rPr lang="zh-CN" altLang="en-US" dirty="0"/>
-              <a:t>、可增加一个</a:t>
-            </a:r>
-            <a:r>
-              <a:rPr lang="en-US" altLang="zh-CN" dirty="0" err="1"/>
-              <a:t>CancelAsync</a:t>
-            </a:r>
-            <a:r>
-              <a:rPr lang="zh-CN" altLang="en-US" dirty="0"/>
-              <a:t>方法用于取消正在执行的异步方法（可选）</a:t>
-            </a:r>
-          </a:p>
-          <a:p>
-            <a:endParaRPr lang="zh-CN" altLang="en-US" dirty="0"/>
-          </a:p>
-        </p:txBody>
-      </p:sp>
-    </p:spTree>
-    <p:extLst>
-      <p:ext uri="{BB962C8B-B14F-4D97-AF65-F5344CB8AC3E}">
-        <p14:creationId xmlns:p14="http://schemas.microsoft.com/office/powerpoint/2010/main" val="2685003196"/>
       </p:ext>
     </p:extLst>
   </p:cSld>
@@ -5808,16 +5854,13 @@
           <a:lstStyle/>
           <a:p>
             <a:r>
-              <a:rPr lang="en-US" altLang="zh-CN" b="1" dirty="0" err="1" smtClean="0"/>
-              <a:t>async</a:t>
-            </a:r>
-            <a:r>
-              <a:rPr lang="en-US" altLang="zh-CN" b="1" dirty="0" smtClean="0"/>
-              <a:t>/await</a:t>
-            </a:r>
-            <a:br>
-              <a:rPr lang="en-US" altLang="zh-CN" b="1" dirty="0" smtClean="0"/>
-            </a:br>
+              <a:rPr lang="en-US" altLang="zh-CN" dirty="0" smtClean="0"/>
+              <a:t>Framework </a:t>
+            </a:r>
+            <a:r>
+              <a:rPr lang="zh-CN" altLang="en-US" dirty="0" smtClean="0"/>
+              <a:t>其他的异步实现</a:t>
+            </a:r>
             <a:endParaRPr lang="zh-CN" altLang="en-US" dirty="0"/>
           </a:p>
         </p:txBody>
@@ -5838,216 +5881,15 @@
           <a:lstStyle/>
           <a:p>
             <a:r>
-              <a:rPr lang="en-US" altLang="zh-CN" dirty="0" smtClean="0"/>
-              <a:t>C#5.0</a:t>
-            </a:r>
-            <a:r>
-              <a:rPr lang="zh-CN" altLang="en-US" dirty="0" smtClean="0"/>
-              <a:t>出来的语法糖</a:t>
+              <a:rPr lang="en-US" altLang="zh-CN" dirty="0" err="1" smtClean="0"/>
+              <a:t>ISynchronizeInvoke</a:t>
             </a:r>
             <a:endParaRPr lang="en-US" altLang="zh-CN" dirty="0" smtClean="0"/>
           </a:p>
           <a:p>
-            <a:r>
-              <a:rPr lang="zh-CN" altLang="en-US" dirty="0" smtClean="0"/>
-              <a:t>它的好处是代码易读性高</a:t>
-            </a:r>
             <a:endParaRPr lang="en-US" altLang="zh-CN" dirty="0" smtClean="0"/>
           </a:p>
           <a:p>
-            <a:r>
-              <a:rPr lang="zh-CN" altLang="en-US" dirty="0" smtClean="0"/>
-              <a:t>特别对于网站，网站的并发量是由</a:t>
-            </a:r>
-            <a:r>
-              <a:rPr lang="en-US" altLang="zh-CN" dirty="0" smtClean="0"/>
-              <a:t>IIS</a:t>
-            </a:r>
-            <a:r>
-              <a:rPr lang="zh-CN" altLang="en-US" dirty="0" smtClean="0"/>
-              <a:t>相应站点配置的应用池队列大小、最大工作进程数和最大并发连接数决定的</a:t>
-            </a:r>
-            <a:endParaRPr lang="en-US" altLang="zh-CN" dirty="0" smtClean="0"/>
-          </a:p>
-          <a:p>
-            <a:r>
-              <a:rPr lang="en-US" altLang="zh-CN" dirty="0" smtClean="0"/>
-              <a:t>IIS</a:t>
-            </a:r>
-            <a:r>
-              <a:rPr lang="zh-CN" altLang="en-US" dirty="0"/>
-              <a:t>最大并发连接数 </a:t>
-            </a:r>
-            <a:r>
-              <a:rPr lang="en-US" altLang="zh-CN" dirty="0"/>
-              <a:t>= </a:t>
-            </a:r>
-            <a:r>
-              <a:rPr lang="zh-CN" altLang="en-US" dirty="0"/>
-              <a:t>队列长度 </a:t>
-            </a:r>
-            <a:r>
-              <a:rPr lang="en-US" altLang="zh-CN" dirty="0"/>
-              <a:t>+ IIS</a:t>
-            </a:r>
-            <a:r>
-              <a:rPr lang="zh-CN" altLang="en-US" dirty="0"/>
-              <a:t>最大并发</a:t>
-            </a:r>
-            <a:r>
-              <a:rPr lang="zh-CN" altLang="en-US" dirty="0" smtClean="0"/>
-              <a:t>工作线程数</a:t>
-            </a:r>
-            <a:endParaRPr lang="en-US" altLang="zh-CN" dirty="0"/>
-          </a:p>
-          <a:p>
-            <a:r>
-              <a:rPr lang="en-US" altLang="zh-CN" dirty="0"/>
-              <a:t>IIS</a:t>
-            </a:r>
-            <a:r>
-              <a:rPr lang="zh-CN" altLang="en-US" dirty="0"/>
-              <a:t>的默认值对我们网站并发处理能力的影响。</a:t>
-            </a:r>
-            <a:r>
-              <a:rPr lang="en-US" altLang="zh-CN" dirty="0"/>
-              <a:t>IIS</a:t>
-            </a:r>
-            <a:r>
-              <a:rPr lang="zh-CN" altLang="en-US" dirty="0"/>
-              <a:t>默认的</a:t>
-            </a:r>
-            <a:r>
-              <a:rPr lang="en-US" altLang="zh-CN" dirty="0"/>
-              <a:t>【</a:t>
-            </a:r>
-            <a:r>
-              <a:rPr lang="zh-CN" altLang="en-US" dirty="0"/>
-              <a:t>最大并发连接数</a:t>
-            </a:r>
-            <a:r>
-              <a:rPr lang="en-US" altLang="zh-CN" dirty="0"/>
-              <a:t>】</a:t>
-            </a:r>
-            <a:r>
-              <a:rPr lang="zh-CN" altLang="en-US" dirty="0"/>
-              <a:t>为</a:t>
-            </a:r>
-            <a:r>
-              <a:rPr lang="en-US" altLang="zh-CN" dirty="0"/>
-              <a:t>4294967295</a:t>
-            </a:r>
-            <a:r>
-              <a:rPr lang="zh-CN" altLang="en-US" dirty="0"/>
-              <a:t>（</a:t>
-            </a:r>
-            <a:r>
-              <a:rPr lang="en-US" altLang="zh-CN" dirty="0"/>
-              <a:t>42</a:t>
-            </a:r>
-            <a:r>
-              <a:rPr lang="zh-CN" altLang="en-US" dirty="0"/>
-              <a:t>亿多），而</a:t>
-            </a:r>
-            <a:r>
-              <a:rPr lang="en-US" altLang="zh-CN" dirty="0"/>
-              <a:t>【</a:t>
-            </a:r>
-            <a:r>
-              <a:rPr lang="zh-CN" altLang="en-US" dirty="0"/>
-              <a:t>队列长度</a:t>
-            </a:r>
-            <a:r>
-              <a:rPr lang="en-US" altLang="zh-CN" dirty="0"/>
-              <a:t>】</a:t>
-            </a:r>
-            <a:r>
-              <a:rPr lang="zh-CN" altLang="en-US" dirty="0"/>
-              <a:t>默认值为</a:t>
-            </a:r>
-            <a:r>
-              <a:rPr lang="en-US" altLang="zh-CN" dirty="0"/>
-              <a:t>1000</a:t>
-            </a:r>
-            <a:r>
-              <a:rPr lang="zh-CN" altLang="en-US" dirty="0"/>
-              <a:t>。对于</a:t>
-            </a:r>
-            <a:r>
-              <a:rPr lang="en-US" altLang="zh-CN" dirty="0"/>
-              <a:t>windows server</a:t>
-            </a:r>
-            <a:r>
-              <a:rPr lang="zh-CN" altLang="en-US" dirty="0"/>
-              <a:t>版本的</a:t>
-            </a:r>
-            <a:r>
-              <a:rPr lang="en-US" altLang="zh-CN" dirty="0"/>
-              <a:t>IIS</a:t>
-            </a:r>
-            <a:r>
-              <a:rPr lang="zh-CN" altLang="en-US" dirty="0"/>
-              <a:t>，最大并发工作线程数可能几百（猜测，可能没有限制），按照这个默认值，那么</a:t>
-            </a:r>
-            <a:r>
-              <a:rPr lang="en-US" altLang="zh-CN" dirty="0"/>
-              <a:t>IIS</a:t>
-            </a:r>
-            <a:r>
-              <a:rPr lang="zh-CN" altLang="en-US" dirty="0"/>
-              <a:t>同时处理的请求数也就</a:t>
-            </a:r>
-            <a:r>
-              <a:rPr lang="en-US" altLang="zh-CN" dirty="0"/>
-              <a:t>1000</a:t>
-            </a:r>
-            <a:r>
-              <a:rPr lang="zh-CN" altLang="en-US" dirty="0"/>
-              <a:t>多</a:t>
-            </a:r>
-            <a:r>
-              <a:rPr lang="zh-CN" altLang="en-US" dirty="0" smtClean="0"/>
-              <a:t>。</a:t>
-            </a:r>
-            <a:endParaRPr lang="en-US" altLang="zh-CN" dirty="0" smtClean="0"/>
-          </a:p>
-          <a:p>
-            <a:r>
-              <a:rPr lang="en-US" altLang="zh-CN" dirty="0" err="1" smtClean="0"/>
-              <a:t>Async</a:t>
-            </a:r>
-            <a:r>
-              <a:rPr lang="en-US" altLang="zh-CN" dirty="0" smtClean="0"/>
-              <a:t> await </a:t>
-            </a:r>
-            <a:r>
-              <a:rPr lang="zh-CN" altLang="en-US" dirty="0" smtClean="0"/>
-              <a:t>可以有效的释放当前的</a:t>
-            </a:r>
-            <a:r>
-              <a:rPr lang="en-US" altLang="zh-CN" dirty="0" smtClean="0"/>
-              <a:t>worker</a:t>
-            </a:r>
-            <a:r>
-              <a:rPr lang="zh-CN" altLang="en-US" dirty="0" smtClean="0"/>
-              <a:t>线程，调用</a:t>
-            </a:r>
-            <a:r>
-              <a:rPr lang="en-US" altLang="zh-CN" dirty="0" smtClean="0"/>
-              <a:t>CLR</a:t>
-            </a:r>
-            <a:r>
-              <a:rPr lang="zh-CN" altLang="en-US" dirty="0" smtClean="0"/>
-              <a:t>线程池执行异步操作，</a:t>
-            </a:r>
-            <a:r>
-              <a:rPr lang="en-US" altLang="zh-CN" dirty="0" smtClean="0"/>
-              <a:t>worker</a:t>
-            </a:r>
-            <a:r>
-              <a:rPr lang="zh-CN" altLang="en-US" dirty="0" smtClean="0"/>
-              <a:t>线程可以处理其他请求，提高了网站的并发量</a:t>
-            </a:r>
             <a:endParaRPr lang="zh-CN" altLang="en-US" dirty="0"/>
           </a:p>
         </p:txBody>
@@ -6055,7 +5897,7 @@
     </p:spTree>
     <p:extLst>
       <p:ext uri="{BB962C8B-B14F-4D97-AF65-F5344CB8AC3E}">
-        <p14:creationId xmlns:p14="http://schemas.microsoft.com/office/powerpoint/2010/main" val="3478088573"/>
+        <p14:creationId xmlns:p14="http://schemas.microsoft.com/office/powerpoint/2010/main" val="1230372374"/>
       </p:ext>
     </p:extLst>
   </p:cSld>
@@ -6066,6 +5908,197 @@
 </file>
 
 <file path=ppt/slides/slide16.xml><?xml version="1.0" encoding="utf-8"?>
+<p:sld xmlns:a="http://schemas.openxmlformats.org/drawingml/2006/main" xmlns:r="http://schemas.openxmlformats.org/officeDocument/2006/relationships" xmlns:p="http://schemas.openxmlformats.org/presentationml/2006/main">
+  <p:cSld>
+    <p:spTree>
+      <p:nvGrpSpPr>
+        <p:cNvPr id="1" name=""/>
+        <p:cNvGrpSpPr/>
+        <p:nvPr/>
+      </p:nvGrpSpPr>
+      <p:grpSpPr>
+        <a:xfrm>
+          <a:off x="0" y="0"/>
+          <a:ext cx="0" cy="0"/>
+          <a:chOff x="0" y="0"/>
+          <a:chExt cx="0" cy="0"/>
+        </a:xfrm>
+      </p:grpSpPr>
+      <p:sp>
+        <p:nvSpPr>
+          <p:cNvPr id="2" name="标题 1">
+            <a:extLst>
+              <a:ext uri="{FF2B5EF4-FFF2-40B4-BE49-F238E27FC236}">
+                <a16:creationId xmlns:a16="http://schemas.microsoft.com/office/drawing/2014/main" xmlns="" id="{508C5496-4B94-4E74-B852-01660F8B2C58}"/>
+              </a:ext>
+            </a:extLst>
+          </p:cNvPr>
+          <p:cNvSpPr>
+            <a:spLocks noGrp="1"/>
+          </p:cNvSpPr>
+          <p:nvPr>
+            <p:ph type="title"/>
+          </p:nvPr>
+        </p:nvSpPr>
+        <p:spPr/>
+        <p:txBody>
+          <a:bodyPr/>
+          <a:lstStyle/>
+          <a:p>
+            <a:r>
+              <a:rPr lang="zh-CN" altLang="en-US" dirty="0"/>
+              <a:t>基于事件的异步编程模式</a:t>
+            </a:r>
+            <a:r>
+              <a:rPr lang="en-US" altLang="zh-CN" dirty="0"/>
+              <a:t>(Event-Based Asynchronous Pattern EAP) </a:t>
+            </a:r>
+            <a:endParaRPr lang="zh-CN" altLang="en-US" dirty="0"/>
+          </a:p>
+        </p:txBody>
+      </p:sp>
+      <p:sp>
+        <p:nvSpPr>
+          <p:cNvPr id="3" name="内容占位符 2">
+            <a:extLst>
+              <a:ext uri="{FF2B5EF4-FFF2-40B4-BE49-F238E27FC236}">
+                <a16:creationId xmlns:a16="http://schemas.microsoft.com/office/drawing/2014/main" xmlns="" id="{58AF2E9D-F75B-4B1B-B93B-4C9C7AB0286D}"/>
+              </a:ext>
+            </a:extLst>
+          </p:cNvPr>
+          <p:cNvSpPr>
+            <a:spLocks noGrp="1"/>
+          </p:cNvSpPr>
+          <p:nvPr>
+            <p:ph sz="quarter" idx="11"/>
+          </p:nvPr>
+        </p:nvSpPr>
+        <p:spPr/>
+        <p:txBody>
+          <a:bodyPr/>
+          <a:lstStyle/>
+          <a:p>
+            <a:r>
+              <a:rPr lang="en-US" altLang="zh-CN" dirty="0"/>
+              <a:t>– </a:t>
+            </a:r>
+            <a:r>
+              <a:rPr lang="en-US" altLang="zh-CN" dirty="0" smtClean="0"/>
+              <a:t>EAP</a:t>
+            </a:r>
+            <a:endParaRPr lang="en-US" altLang="zh-CN" dirty="0"/>
+          </a:p>
+          <a:p>
+            <a:r>
+              <a:rPr lang="en-US" altLang="zh-CN" dirty="0" err="1"/>
+              <a:t>.Net</a:t>
+            </a:r>
+            <a:r>
+              <a:rPr lang="en-US" altLang="zh-CN" dirty="0"/>
+              <a:t> Framework 2 </a:t>
+            </a:r>
+            <a:r>
+              <a:rPr lang="zh-CN" altLang="en-US" dirty="0"/>
+              <a:t>为异步操作引入了这个模式。一个以</a:t>
+            </a:r>
+            <a:r>
+              <a:rPr lang="en-US" altLang="zh-CN" dirty="0" err="1"/>
+              <a:t>Async</a:t>
+            </a:r>
+            <a:r>
+              <a:rPr lang="zh-CN" altLang="en-US" dirty="0"/>
+              <a:t>为后缀的方法加载异步执行，当异步执行完成或取消时，异步操作会抛出一个事件，一个委托可以与这个事件绑定，并提供处理事件的回调函数</a:t>
+            </a:r>
+            <a:r>
+              <a:rPr lang="zh-CN" altLang="en-US" dirty="0" smtClean="0"/>
+              <a:t>。（多文件下载</a:t>
+            </a:r>
+            <a:r>
+              <a:rPr lang="en-US" altLang="zh-CN" dirty="0" smtClean="0"/>
+              <a:t>demo</a:t>
+            </a:r>
+            <a:r>
+              <a:rPr lang="zh-CN" altLang="en-US" dirty="0" smtClean="0"/>
+              <a:t>）</a:t>
+            </a:r>
+            <a:endParaRPr lang="en-US" altLang="zh-CN" dirty="0" smtClean="0"/>
+          </a:p>
+          <a:p>
+            <a:pPr latinLnBrk="0"/>
+            <a:r>
+              <a:rPr lang="en-US" altLang="zh-CN" dirty="0"/>
+              <a:t>1</a:t>
+            </a:r>
+            <a:r>
+              <a:rPr lang="zh-CN" altLang="en-US" dirty="0"/>
+              <a:t>、要进行异步的方法其方法名应该以</a:t>
+            </a:r>
+            <a:r>
+              <a:rPr lang="en-US" altLang="zh-CN" dirty="0" err="1"/>
+              <a:t>XXXAsync</a:t>
+            </a:r>
+            <a:r>
+              <a:rPr lang="zh-CN" altLang="en-US" dirty="0"/>
+              <a:t>结尾</a:t>
+            </a:r>
+          </a:p>
+          <a:p>
+            <a:pPr latinLnBrk="0"/>
+            <a:r>
+              <a:rPr lang="en-US" altLang="zh-CN" dirty="0"/>
+              <a:t>2</a:t>
+            </a:r>
+            <a:r>
+              <a:rPr lang="zh-CN" altLang="en-US" dirty="0"/>
+              <a:t>、要有一个名为</a:t>
+            </a:r>
+            <a:r>
+              <a:rPr lang="en-US" altLang="zh-CN" dirty="0" err="1"/>
+              <a:t>XXXCompleted</a:t>
+            </a:r>
+            <a:r>
+              <a:rPr lang="zh-CN" altLang="en-US" dirty="0"/>
+              <a:t>的事件监听异步方法的完成</a:t>
+            </a:r>
+          </a:p>
+          <a:p>
+            <a:pPr latinLnBrk="0"/>
+            <a:r>
+              <a:rPr lang="en-US" altLang="zh-CN" dirty="0"/>
+              <a:t>3</a:t>
+            </a:r>
+            <a:r>
+              <a:rPr lang="zh-CN" altLang="en-US" dirty="0"/>
+              <a:t>、可增加一个</a:t>
+            </a:r>
+            <a:r>
+              <a:rPr lang="en-US" altLang="zh-CN" dirty="0" err="1"/>
+              <a:t>CancelAsync</a:t>
+            </a:r>
+            <a:r>
+              <a:rPr lang="zh-CN" altLang="en-US" dirty="0"/>
+              <a:t>方法用于取消正在执行的异步方法（可选）</a:t>
+            </a:r>
+          </a:p>
+          <a:p>
+            <a:endParaRPr lang="zh-CN" altLang="en-US" dirty="0"/>
+          </a:p>
+        </p:txBody>
+      </p:sp>
+    </p:spTree>
+    <p:extLst>
+      <p:ext uri="{BB962C8B-B14F-4D97-AF65-F5344CB8AC3E}">
+        <p14:creationId xmlns:p14="http://schemas.microsoft.com/office/powerpoint/2010/main" val="2685003196"/>
+      </p:ext>
+    </p:extLst>
+  </p:cSld>
+  <p:clrMapOvr>
+    <a:masterClrMapping/>
+  </p:clrMapOvr>
+</p:sld>
+</file>
+
+<file path=ppt/slides/slide17.xml><?xml version="1.0" encoding="utf-8"?>
 <p:sld xmlns:a="http://schemas.openxmlformats.org/drawingml/2006/main" xmlns:r="http://schemas.openxmlformats.org/officeDocument/2006/relationships" xmlns:p="http://schemas.openxmlformats.org/presentationml/2006/main">
   <p:cSld>
     <p:spTree>
@@ -6128,6 +6161,296 @@
           <a:lstStyle/>
           <a:p>
             <a:r>
+              <a:rPr lang="en-US" altLang="zh-CN" dirty="0" smtClean="0"/>
+              <a:t>C#5.0</a:t>
+            </a:r>
+            <a:r>
+              <a:rPr lang="zh-CN" altLang="en-US" dirty="0" smtClean="0"/>
+              <a:t>出来的语法糖</a:t>
+            </a:r>
+            <a:endParaRPr lang="en-US" altLang="zh-CN" dirty="0" smtClean="0"/>
+          </a:p>
+          <a:p>
+            <a:r>
+              <a:rPr lang="zh-CN" altLang="en-US" dirty="0" smtClean="0"/>
+              <a:t>它的好处是代码易读性高</a:t>
+            </a:r>
+            <a:endParaRPr lang="en-US" altLang="zh-CN" dirty="0" smtClean="0"/>
+          </a:p>
+          <a:p>
+            <a:r>
+              <a:rPr lang="zh-CN" altLang="en-US" dirty="0" smtClean="0"/>
+              <a:t>特别对于网站，网站的并发量是由</a:t>
+            </a:r>
+            <a:r>
+              <a:rPr lang="en-US" altLang="zh-CN" dirty="0" smtClean="0"/>
+              <a:t>IIS</a:t>
+            </a:r>
+            <a:r>
+              <a:rPr lang="zh-CN" altLang="en-US" dirty="0" smtClean="0"/>
+              <a:t>相应站点配置的应用池队列大小、最大工作进程数和最大并发连接数决定的</a:t>
+            </a:r>
+            <a:endParaRPr lang="en-US" altLang="zh-CN" dirty="0" smtClean="0"/>
+          </a:p>
+          <a:p>
+            <a:r>
+              <a:rPr lang="en-US" altLang="zh-CN" dirty="0" smtClean="0"/>
+              <a:t>IIS</a:t>
+            </a:r>
+            <a:r>
+              <a:rPr lang="zh-CN" altLang="en-US" dirty="0"/>
+              <a:t>最大并发连接数 </a:t>
+            </a:r>
+            <a:r>
+              <a:rPr lang="en-US" altLang="zh-CN" dirty="0"/>
+              <a:t>= </a:t>
+            </a:r>
+            <a:r>
+              <a:rPr lang="zh-CN" altLang="en-US" dirty="0"/>
+              <a:t>队列长度 </a:t>
+            </a:r>
+            <a:r>
+              <a:rPr lang="en-US" altLang="zh-CN" dirty="0"/>
+              <a:t>+ IIS</a:t>
+            </a:r>
+            <a:r>
+              <a:rPr lang="zh-CN" altLang="en-US" dirty="0"/>
+              <a:t>最大并发</a:t>
+            </a:r>
+            <a:r>
+              <a:rPr lang="zh-CN" altLang="en-US" dirty="0" smtClean="0"/>
+              <a:t>工作线程数</a:t>
+            </a:r>
+            <a:endParaRPr lang="en-US" altLang="zh-CN" dirty="0"/>
+          </a:p>
+          <a:p>
+            <a:r>
+              <a:rPr lang="en-US" altLang="zh-CN" dirty="0"/>
+              <a:t>IIS</a:t>
+            </a:r>
+            <a:r>
+              <a:rPr lang="zh-CN" altLang="en-US" dirty="0"/>
+              <a:t>的默认值对我们网站并发处理能力的影响。</a:t>
+            </a:r>
+            <a:r>
+              <a:rPr lang="en-US" altLang="zh-CN" dirty="0"/>
+              <a:t>IIS</a:t>
+            </a:r>
+            <a:r>
+              <a:rPr lang="zh-CN" altLang="en-US" dirty="0"/>
+              <a:t>默认的</a:t>
+            </a:r>
+            <a:r>
+              <a:rPr lang="en-US" altLang="zh-CN" dirty="0"/>
+              <a:t>【</a:t>
+            </a:r>
+            <a:r>
+              <a:rPr lang="zh-CN" altLang="en-US" dirty="0"/>
+              <a:t>最大并发连接数</a:t>
+            </a:r>
+            <a:r>
+              <a:rPr lang="en-US" altLang="zh-CN" dirty="0"/>
+              <a:t>】</a:t>
+            </a:r>
+            <a:r>
+              <a:rPr lang="zh-CN" altLang="en-US" dirty="0"/>
+              <a:t>为</a:t>
+            </a:r>
+            <a:r>
+              <a:rPr lang="en-US" altLang="zh-CN" dirty="0"/>
+              <a:t>4294967295</a:t>
+            </a:r>
+            <a:r>
+              <a:rPr lang="zh-CN" altLang="en-US" dirty="0"/>
+              <a:t>（</a:t>
+            </a:r>
+            <a:r>
+              <a:rPr lang="en-US" altLang="zh-CN" dirty="0"/>
+              <a:t>42</a:t>
+            </a:r>
+            <a:r>
+              <a:rPr lang="zh-CN" altLang="en-US" dirty="0"/>
+              <a:t>亿多），而</a:t>
+            </a:r>
+            <a:r>
+              <a:rPr lang="en-US" altLang="zh-CN" dirty="0"/>
+              <a:t>【</a:t>
+            </a:r>
+            <a:r>
+              <a:rPr lang="zh-CN" altLang="en-US" dirty="0"/>
+              <a:t>队列长度</a:t>
+            </a:r>
+            <a:r>
+              <a:rPr lang="en-US" altLang="zh-CN" dirty="0"/>
+              <a:t>】</a:t>
+            </a:r>
+            <a:r>
+              <a:rPr lang="zh-CN" altLang="en-US" dirty="0"/>
+              <a:t>默认值为</a:t>
+            </a:r>
+            <a:r>
+              <a:rPr lang="en-US" altLang="zh-CN" dirty="0"/>
+              <a:t>1000</a:t>
+            </a:r>
+            <a:r>
+              <a:rPr lang="zh-CN" altLang="en-US" dirty="0"/>
+              <a:t>。对于</a:t>
+            </a:r>
+            <a:r>
+              <a:rPr lang="en-US" altLang="zh-CN" dirty="0"/>
+              <a:t>windows server</a:t>
+            </a:r>
+            <a:r>
+              <a:rPr lang="zh-CN" altLang="en-US" dirty="0"/>
+              <a:t>版本的</a:t>
+            </a:r>
+            <a:r>
+              <a:rPr lang="en-US" altLang="zh-CN" dirty="0"/>
+              <a:t>IIS</a:t>
+            </a:r>
+            <a:r>
+              <a:rPr lang="zh-CN" altLang="en-US" dirty="0"/>
+              <a:t>，最大并发工作线程数可能几百（猜测，可能没有限制），按照这个默认值，那么</a:t>
+            </a:r>
+            <a:r>
+              <a:rPr lang="en-US" altLang="zh-CN" dirty="0"/>
+              <a:t>IIS</a:t>
+            </a:r>
+            <a:r>
+              <a:rPr lang="zh-CN" altLang="en-US" dirty="0"/>
+              <a:t>同时处理的请求数也就</a:t>
+            </a:r>
+            <a:r>
+              <a:rPr lang="en-US" altLang="zh-CN" dirty="0"/>
+              <a:t>1000</a:t>
+            </a:r>
+            <a:r>
+              <a:rPr lang="zh-CN" altLang="en-US" dirty="0"/>
+              <a:t>多</a:t>
+            </a:r>
+            <a:r>
+              <a:rPr lang="zh-CN" altLang="en-US" dirty="0" smtClean="0"/>
+              <a:t>。</a:t>
+            </a:r>
+            <a:endParaRPr lang="en-US" altLang="zh-CN" dirty="0" smtClean="0"/>
+          </a:p>
+          <a:p>
+            <a:r>
+              <a:rPr lang="en-US" altLang="zh-CN" dirty="0" err="1" smtClean="0"/>
+              <a:t>Async</a:t>
+            </a:r>
+            <a:r>
+              <a:rPr lang="en-US" altLang="zh-CN" dirty="0" smtClean="0"/>
+              <a:t> await </a:t>
+            </a:r>
+            <a:r>
+              <a:rPr lang="zh-CN" altLang="en-US" dirty="0" smtClean="0"/>
+              <a:t>可以有效的释放当前的</a:t>
+            </a:r>
+            <a:r>
+              <a:rPr lang="en-US" altLang="zh-CN" dirty="0" smtClean="0"/>
+              <a:t>worker</a:t>
+            </a:r>
+            <a:r>
+              <a:rPr lang="zh-CN" altLang="en-US" dirty="0" smtClean="0"/>
+              <a:t>线程，调用</a:t>
+            </a:r>
+            <a:r>
+              <a:rPr lang="en-US" altLang="zh-CN" dirty="0" smtClean="0"/>
+              <a:t>CLR</a:t>
+            </a:r>
+            <a:r>
+              <a:rPr lang="zh-CN" altLang="en-US" dirty="0" smtClean="0"/>
+              <a:t>线程池执行异步操作，</a:t>
+            </a:r>
+            <a:r>
+              <a:rPr lang="en-US" altLang="zh-CN" dirty="0" smtClean="0"/>
+              <a:t>worker</a:t>
+            </a:r>
+            <a:r>
+              <a:rPr lang="zh-CN" altLang="en-US" dirty="0" smtClean="0"/>
+              <a:t>线程可以处理其他请求，提高了网站的并发量</a:t>
+            </a:r>
+            <a:endParaRPr lang="zh-CN" altLang="en-US" dirty="0"/>
+          </a:p>
+        </p:txBody>
+      </p:sp>
+    </p:spTree>
+    <p:extLst>
+      <p:ext uri="{BB962C8B-B14F-4D97-AF65-F5344CB8AC3E}">
+        <p14:creationId xmlns:p14="http://schemas.microsoft.com/office/powerpoint/2010/main" val="3478088573"/>
+      </p:ext>
+    </p:extLst>
+  </p:cSld>
+  <p:clrMapOvr>
+    <a:masterClrMapping/>
+  </p:clrMapOvr>
+</p:sld>
+</file>
+
+<file path=ppt/slides/slide18.xml><?xml version="1.0" encoding="utf-8"?>
+<p:sld xmlns:a="http://schemas.openxmlformats.org/drawingml/2006/main" xmlns:r="http://schemas.openxmlformats.org/officeDocument/2006/relationships" xmlns:p="http://schemas.openxmlformats.org/presentationml/2006/main">
+  <p:cSld>
+    <p:spTree>
+      <p:nvGrpSpPr>
+        <p:cNvPr id="1" name=""/>
+        <p:cNvGrpSpPr/>
+        <p:nvPr/>
+      </p:nvGrpSpPr>
+      <p:grpSpPr>
+        <a:xfrm>
+          <a:off x="0" y="0"/>
+          <a:ext cx="0" cy="0"/>
+          <a:chOff x="0" y="0"/>
+          <a:chExt cx="0" cy="0"/>
+        </a:xfrm>
+      </p:grpSpPr>
+      <p:sp>
+        <p:nvSpPr>
+          <p:cNvPr id="2" name="标题 1"/>
+          <p:cNvSpPr>
+            <a:spLocks noGrp="1"/>
+          </p:cNvSpPr>
+          <p:nvPr>
+            <p:ph type="title"/>
+          </p:nvPr>
+        </p:nvSpPr>
+        <p:spPr/>
+        <p:txBody>
+          <a:bodyPr/>
+          <a:lstStyle/>
+          <a:p>
+            <a:r>
+              <a:rPr lang="en-US" altLang="zh-CN" b="1" dirty="0" err="1" smtClean="0"/>
+              <a:t>async</a:t>
+            </a:r>
+            <a:r>
+              <a:rPr lang="en-US" altLang="zh-CN" b="1" dirty="0" smtClean="0"/>
+              <a:t>/await</a:t>
+            </a:r>
+            <a:br>
+              <a:rPr lang="en-US" altLang="zh-CN" b="1" dirty="0" smtClean="0"/>
+            </a:br>
+            <a:endParaRPr lang="zh-CN" altLang="en-US" dirty="0"/>
+          </a:p>
+        </p:txBody>
+      </p:sp>
+      <p:sp>
+        <p:nvSpPr>
+          <p:cNvPr id="5" name="内容占位符 4"/>
+          <p:cNvSpPr>
+            <a:spLocks noGrp="1"/>
+          </p:cNvSpPr>
+          <p:nvPr>
+            <p:ph sz="quarter" idx="11"/>
+          </p:nvPr>
+        </p:nvSpPr>
+        <p:spPr/>
+        <p:txBody>
+          <a:bodyPr/>
+          <a:lstStyle/>
+          <a:p>
+            <a:r>
               <a:rPr lang="zh-CN" altLang="en-US" dirty="0"/>
               <a:t>多</a:t>
             </a:r>
@@ -6550,7 +6873,7 @@
 </p:sld>
 </file>
 
-<file path=ppt/slides/slide17.xml><?xml version="1.0" encoding="utf-8"?>
+<file path=ppt/slides/slide19.xml><?xml version="1.0" encoding="utf-8"?>
 <p:sld xmlns:a="http://schemas.openxmlformats.org/drawingml/2006/main" xmlns:r="http://schemas.openxmlformats.org/officeDocument/2006/relationships" xmlns:p="http://schemas.openxmlformats.org/presentationml/2006/main">
   <p:cSld>
     <p:spTree>
@@ -6572,7 +6895,7 @@
           <p:cNvPr id="2" name="标题 1">
             <a:extLst>
               <a:ext uri="{FF2B5EF4-FFF2-40B4-BE49-F238E27FC236}">
-                <a16:creationId xmlns="" xmlns:a16="http://schemas.microsoft.com/office/drawing/2014/main" id="{6A4CD1D8-ED2C-4268-9361-0864361A351F}"/>
+                <a16:creationId xmlns:a16="http://schemas.microsoft.com/office/drawing/2014/main" xmlns="" id="{6A4CD1D8-ED2C-4268-9361-0864361A351F}"/>
               </a:ext>
             </a:extLst>
           </p:cNvPr>
@@ -6605,7 +6928,7 @@
           <p:cNvPr id="3" name="内容占位符 2">
             <a:extLst>
               <a:ext uri="{FF2B5EF4-FFF2-40B4-BE49-F238E27FC236}">
-                <a16:creationId xmlns="" xmlns:a16="http://schemas.microsoft.com/office/drawing/2014/main" id="{3EC5FB96-7D8B-4523-A553-0B12076A24B6}"/>
+                <a16:creationId xmlns:a16="http://schemas.microsoft.com/office/drawing/2014/main" xmlns="" id="{3EC5FB96-7D8B-4523-A553-0B12076A24B6}"/>
               </a:ext>
             </a:extLst>
           </p:cNvPr>
@@ -6684,7 +7007,7 @@
           <p:cNvPr id="2" name="标题 1">
             <a:extLst>
               <a:ext uri="{FF2B5EF4-FFF2-40B4-BE49-F238E27FC236}">
-                <a16:creationId xmlns="" xmlns:a16="http://schemas.microsoft.com/office/drawing/2014/main" id="{508C5496-4B94-4E74-B852-01660F8B2C58}"/>
+                <a16:creationId xmlns:a16="http://schemas.microsoft.com/office/drawing/2014/main" xmlns="" id="{508C5496-4B94-4E74-B852-01660F8B2C58}"/>
               </a:ext>
             </a:extLst>
           </p:cNvPr>
@@ -6706,7 +7029,7 @@
             </a:r>
             <a:r>
               <a:rPr lang="zh-CN" altLang="en-US" dirty="0" smtClean="0"/>
-              <a:t>常见 方法</a:t>
+              <a:t>常见方法（生命周期方法调用）</a:t>
             </a:r>
             <a:endParaRPr lang="zh-CN" altLang="en-US" dirty="0"/>
           </a:p>
@@ -6717,7 +7040,7 @@
           <p:cNvPr id="3" name="内容占位符 2">
             <a:extLst>
               <a:ext uri="{FF2B5EF4-FFF2-40B4-BE49-F238E27FC236}">
-                <a16:creationId xmlns="" xmlns:a16="http://schemas.microsoft.com/office/drawing/2014/main" id="{58AF2E9D-F75B-4B1B-B93B-4C9C7AB0286D}"/>
+                <a16:creationId xmlns:a16="http://schemas.microsoft.com/office/drawing/2014/main" xmlns="" id="{58AF2E9D-F75B-4B1B-B93B-4C9C7AB0286D}"/>
               </a:ext>
             </a:extLst>
           </p:cNvPr>
@@ -6791,6 +7114,28 @@
             <a:r>
               <a:rPr lang="en-US" altLang="zh-CN" dirty="0" smtClean="0"/>
               <a:t>Abort</a:t>
+            </a:r>
+          </a:p>
+          <a:p>
+            <a:r>
+              <a:rPr lang="zh-CN" altLang="en-US" dirty="0" smtClean="0"/>
+              <a:t>这些核心方法都是</a:t>
+            </a:r>
+            <a:r>
+              <a:rPr lang="en-US" altLang="zh-CN" dirty="0" smtClean="0"/>
+              <a:t>CLR</a:t>
+            </a:r>
+            <a:r>
+              <a:rPr lang="zh-CN" altLang="en-US" dirty="0" smtClean="0"/>
+              <a:t>实现的，</a:t>
+            </a:r>
+            <a:r>
+              <a:rPr lang="en-US" altLang="zh-CN" dirty="0" smtClean="0"/>
+              <a:t>framework</a:t>
+            </a:r>
+            <a:r>
+              <a:rPr lang="zh-CN" altLang="en-US" dirty="0" smtClean="0"/>
+              <a:t>只是一个皮</a:t>
             </a:r>
             <a:endParaRPr lang="zh-CN" altLang="en-US" dirty="0"/>
           </a:p>
@@ -6831,7 +7176,7 @@
           <p:cNvPr id="2" name="标题 1">
             <a:extLst>
               <a:ext uri="{FF2B5EF4-FFF2-40B4-BE49-F238E27FC236}">
-                <a16:creationId xmlns="" xmlns:a16="http://schemas.microsoft.com/office/drawing/2014/main" id="{508C5496-4B94-4E74-B852-01660F8B2C58}"/>
+                <a16:creationId xmlns:a16="http://schemas.microsoft.com/office/drawing/2014/main" xmlns="" id="{508C5496-4B94-4E74-B852-01660F8B2C58}"/>
               </a:ext>
             </a:extLst>
           </p:cNvPr>
@@ -6848,12 +7193,12 @@
           <a:lstStyle/>
           <a:p>
             <a:r>
-              <a:rPr lang="en-US" altLang="zh-CN" dirty="0" err="1" smtClean="0"/>
-              <a:t>ThreadPool</a:t>
+              <a:rPr lang="en-US" altLang="zh-CN" dirty="0" smtClean="0"/>
+              <a:t>Thread</a:t>
             </a:r>
             <a:r>
               <a:rPr lang="zh-CN" altLang="en-US" dirty="0" smtClean="0"/>
-              <a:t>常见 方法</a:t>
+              <a:t>开销</a:t>
             </a:r>
             <a:endParaRPr lang="zh-CN" altLang="en-US" dirty="0"/>
           </a:p>
@@ -6864,7 +7209,697 @@
           <p:cNvPr id="3" name="内容占位符 2">
             <a:extLst>
               <a:ext uri="{FF2B5EF4-FFF2-40B4-BE49-F238E27FC236}">
-                <a16:creationId xmlns="" xmlns:a16="http://schemas.microsoft.com/office/drawing/2014/main" id="{58AF2E9D-F75B-4B1B-B93B-4C9C7AB0286D}"/>
+                <a16:creationId xmlns:a16="http://schemas.microsoft.com/office/drawing/2014/main" xmlns="" id="{58AF2E9D-F75B-4B1B-B93B-4C9C7AB0286D}"/>
+              </a:ext>
+            </a:extLst>
+          </p:cNvPr>
+          <p:cNvSpPr>
+            <a:spLocks noGrp="1"/>
+          </p:cNvSpPr>
+          <p:nvPr>
+            <p:ph sz="quarter" idx="11"/>
+          </p:nvPr>
+        </p:nvSpPr>
+        <p:spPr/>
+        <p:txBody>
+          <a:bodyPr/>
+          <a:lstStyle/>
+          <a:p>
+            <a:pPr marL="0" indent="0">
+              <a:buNone/>
+            </a:pPr>
+            <a:r>
+              <a:rPr lang="zh-CN" altLang="en-US" dirty="0" smtClean="0"/>
+              <a:t>空间的开销</a:t>
+            </a:r>
+            <a:endParaRPr lang="en-US" altLang="zh-CN" dirty="0" smtClean="0"/>
+          </a:p>
+          <a:p>
+            <a:pPr marL="0" indent="0">
+              <a:buNone/>
+            </a:pPr>
+            <a:r>
+              <a:rPr lang="en-US" altLang="zh-CN" dirty="0" smtClean="0"/>
+              <a:t>1Thread </a:t>
+            </a:r>
+            <a:r>
+              <a:rPr lang="zh-CN" altLang="en-US" dirty="0" smtClean="0"/>
+              <a:t>的内核数据结构</a:t>
+            </a:r>
+            <a:r>
+              <a:rPr lang="en-US" altLang="zh-CN" dirty="0" smtClean="0"/>
+              <a:t>,</a:t>
+            </a:r>
+            <a:r>
+              <a:rPr lang="en-US" altLang="zh-CN" dirty="0" err="1" smtClean="0"/>
+              <a:t>osid</a:t>
+            </a:r>
+            <a:r>
+              <a:rPr lang="zh-CN" altLang="en-US" dirty="0" smtClean="0"/>
+              <a:t>以及上下文</a:t>
+            </a:r>
+            <a:r>
+              <a:rPr lang="en-US" altLang="zh-CN" dirty="0" smtClean="0"/>
+              <a:t>context(</a:t>
+            </a:r>
+            <a:r>
+              <a:rPr lang="en-US" altLang="zh-CN" dirty="0" err="1" smtClean="0"/>
+              <a:t>cpu</a:t>
+            </a:r>
+            <a:r>
+              <a:rPr lang="zh-CN" altLang="en-US" dirty="0" smtClean="0"/>
+              <a:t>寄存器的变量</a:t>
+            </a:r>
+            <a:r>
+              <a:rPr lang="en-US" altLang="zh-CN" dirty="0" smtClean="0"/>
+              <a:t>),</a:t>
+            </a:r>
+            <a:r>
+              <a:rPr lang="zh-CN" altLang="en-US" dirty="0" smtClean="0"/>
+              <a:t>时间片切换，</a:t>
+            </a:r>
+            <a:r>
+              <a:rPr lang="zh-CN" altLang="en-US" dirty="0"/>
+              <a:t>当前</a:t>
+            </a:r>
+            <a:r>
+              <a:rPr lang="zh-CN" altLang="en-US" dirty="0" smtClean="0"/>
+              <a:t>线程的</a:t>
+            </a:r>
+            <a:r>
+              <a:rPr lang="en-US" altLang="zh-CN" dirty="0" err="1" smtClean="0"/>
+              <a:t>cpu</a:t>
+            </a:r>
+            <a:r>
+              <a:rPr lang="zh-CN" altLang="en-US" dirty="0" smtClean="0"/>
+              <a:t>寄存器数据放到线程上下文中，然后切换调度其他线程，时间片切换大概需要</a:t>
+            </a:r>
+            <a:r>
+              <a:rPr lang="en-US" altLang="zh-CN" dirty="0" smtClean="0"/>
+              <a:t>30ms.</a:t>
+            </a:r>
+          </a:p>
+          <a:p>
+            <a:pPr marL="0" indent="0">
+              <a:buNone/>
+            </a:pPr>
+            <a:r>
+              <a:rPr lang="en-US" altLang="zh-CN" dirty="0" smtClean="0"/>
+              <a:t>2.</a:t>
+            </a:r>
+            <a:r>
+              <a:rPr lang="zh-CN" altLang="en-US" dirty="0" smtClean="0"/>
+              <a:t>环境块</a:t>
+            </a:r>
+            <a:r>
+              <a:rPr lang="en-US" altLang="zh-CN" dirty="0" smtClean="0"/>
+              <a:t>TLS(thread local storage)</a:t>
+            </a:r>
+            <a:r>
+              <a:rPr lang="zh-CN" altLang="en-US" dirty="0" smtClean="0"/>
+              <a:t>以及</a:t>
+            </a:r>
+            <a:r>
+              <a:rPr lang="en-US" altLang="zh-CN" dirty="0" smtClean="0"/>
+              <a:t>exception</a:t>
+            </a:r>
+            <a:r>
+              <a:rPr lang="zh-CN" altLang="en-US" dirty="0" smtClean="0"/>
+              <a:t>信息</a:t>
+            </a:r>
+            <a:endParaRPr lang="en-US" altLang="zh-CN" dirty="0"/>
+          </a:p>
+          <a:p>
+            <a:pPr marL="0" indent="0">
+              <a:buNone/>
+            </a:pPr>
+            <a:r>
+              <a:rPr lang="zh-CN" altLang="en-US" dirty="0" smtClean="0"/>
+              <a:t>通过</a:t>
+            </a:r>
+            <a:r>
+              <a:rPr lang="en-US" altLang="zh-CN" dirty="0" err="1" smtClean="0"/>
+              <a:t>windbg</a:t>
+            </a:r>
+            <a:r>
+              <a:rPr lang="zh-CN" altLang="en-US" dirty="0" smtClean="0"/>
+              <a:t>加载进程，从</a:t>
+            </a:r>
+            <a:r>
+              <a:rPr lang="en-US" altLang="zh-CN" dirty="0" smtClean="0"/>
+              <a:t>CLR</a:t>
+            </a:r>
+            <a:r>
+              <a:rPr lang="zh-CN" altLang="en-US" dirty="0" smtClean="0"/>
+              <a:t>层面看底层线程</a:t>
+            </a:r>
+            <a:r>
+              <a:rPr lang="en-US" altLang="zh-CN" dirty="0" smtClean="0"/>
+              <a:t>.</a:t>
+            </a:r>
+          </a:p>
+          <a:p>
+            <a:pPr marL="0" indent="0">
+              <a:buNone/>
+            </a:pPr>
+            <a:r>
+              <a:rPr lang="zh-CN" altLang="en-US" dirty="0" smtClean="0"/>
+              <a:t>（</a:t>
+            </a:r>
+            <a:r>
+              <a:rPr lang="en-US" altLang="zh-CN" smtClean="0"/>
+              <a:t>.loadby</a:t>
+            </a:r>
+            <a:r>
+              <a:rPr lang="en-US" altLang="zh-CN" dirty="0" smtClean="0"/>
+              <a:t> </a:t>
+            </a:r>
+            <a:r>
+              <a:rPr lang="en-US" altLang="zh-CN" dirty="0" err="1" smtClean="0"/>
+              <a:t>clr</a:t>
+            </a:r>
+            <a:r>
+              <a:rPr lang="en-US" altLang="zh-CN" dirty="0" smtClean="0"/>
+              <a:t> </a:t>
+            </a:r>
+            <a:r>
+              <a:rPr lang="en-US" altLang="zh-CN" dirty="0" err="1" smtClean="0"/>
+              <a:t>sos,threads,teb,peb</a:t>
+            </a:r>
+            <a:r>
+              <a:rPr lang="en-US" altLang="zh-CN" dirty="0" smtClean="0"/>
+              <a:t> </a:t>
+            </a:r>
+            <a:r>
+              <a:rPr lang="zh-CN" altLang="en-US" dirty="0" smtClean="0"/>
+              <a:t>）</a:t>
+            </a:r>
+            <a:endParaRPr lang="en-US" altLang="zh-CN" dirty="0" smtClean="0"/>
+          </a:p>
+          <a:p>
+            <a:pPr marL="0" indent="0">
+              <a:buNone/>
+            </a:pPr>
+            <a:r>
+              <a:rPr lang="en-US" altLang="zh-CN" dirty="0" smtClean="0"/>
+              <a:t>3.</a:t>
+            </a:r>
+            <a:r>
+              <a:rPr lang="zh-CN" altLang="en-US" dirty="0" smtClean="0"/>
+              <a:t>用户模式堆栈</a:t>
+            </a:r>
+            <a:endParaRPr lang="en-US" altLang="zh-CN" dirty="0" smtClean="0"/>
+          </a:p>
+          <a:p>
+            <a:pPr marL="0" indent="0">
+              <a:buNone/>
+            </a:pPr>
+            <a:r>
+              <a:rPr lang="zh-CN" altLang="en-US" dirty="0"/>
+              <a:t>一</a:t>
+            </a:r>
+            <a:r>
+              <a:rPr lang="zh-CN" altLang="en-US" dirty="0" smtClean="0"/>
+              <a:t>个线程分配默认</a:t>
+            </a:r>
+            <a:r>
+              <a:rPr lang="en-US" altLang="zh-CN" dirty="0" smtClean="0"/>
+              <a:t>1M</a:t>
+            </a:r>
+            <a:r>
+              <a:rPr lang="zh-CN" altLang="en-US" dirty="0" smtClean="0"/>
+              <a:t>堆栈空间</a:t>
+            </a:r>
+            <a:r>
+              <a:rPr lang="en-US" altLang="zh-CN" dirty="0" smtClean="0"/>
+              <a:t>,</a:t>
+            </a:r>
+            <a:r>
+              <a:rPr lang="zh-CN" altLang="en-US" dirty="0" smtClean="0"/>
+              <a:t>存储一些参数局部变量</a:t>
+            </a:r>
+            <a:endParaRPr lang="en-US" altLang="zh-CN" dirty="0" smtClean="0"/>
+          </a:p>
+          <a:p>
+            <a:pPr marL="0" indent="0">
+              <a:buNone/>
+            </a:pPr>
+            <a:r>
+              <a:rPr lang="en-US" altLang="zh-CN" dirty="0" smtClean="0"/>
+              <a:t>4.</a:t>
+            </a:r>
+            <a:r>
+              <a:rPr lang="zh-CN" altLang="en-US" dirty="0" smtClean="0"/>
+              <a:t>内核模式堆栈</a:t>
+            </a:r>
+            <a:endParaRPr lang="en-US" altLang="zh-CN" dirty="0" smtClean="0"/>
+          </a:p>
+          <a:p>
+            <a:pPr marL="0" indent="0">
+              <a:buNone/>
+            </a:pPr>
+            <a:r>
+              <a:rPr lang="en-US" altLang="zh-CN" dirty="0" smtClean="0"/>
+              <a:t>CLR</a:t>
+            </a:r>
+            <a:r>
+              <a:rPr lang="zh-CN" altLang="en-US" dirty="0" smtClean="0"/>
+              <a:t>的线程操作包括线程的同步都是调用底层的</a:t>
+            </a:r>
+            <a:r>
+              <a:rPr lang="en-US" altLang="zh-CN" dirty="0" smtClean="0"/>
+              <a:t>WIN32</a:t>
+            </a:r>
+            <a:r>
+              <a:rPr lang="zh-CN" altLang="en-US" dirty="0" smtClean="0"/>
+              <a:t> </a:t>
+            </a:r>
+            <a:r>
+              <a:rPr lang="en-US" altLang="zh-CN" dirty="0" err="1" smtClean="0"/>
+              <a:t>api</a:t>
+            </a:r>
+            <a:r>
+              <a:rPr lang="en-US" altLang="zh-CN" dirty="0" smtClean="0"/>
+              <a:t>.</a:t>
+            </a:r>
+            <a:r>
+              <a:rPr lang="zh-CN" altLang="en-US" dirty="0" smtClean="0"/>
+              <a:t>用户模式参数需要传到内核。</a:t>
+            </a:r>
+            <a:endParaRPr lang="zh-CN" altLang="en-US" dirty="0"/>
+          </a:p>
+        </p:txBody>
+      </p:sp>
+    </p:spTree>
+    <p:extLst>
+      <p:ext uri="{BB962C8B-B14F-4D97-AF65-F5344CB8AC3E}">
+        <p14:creationId xmlns:p14="http://schemas.microsoft.com/office/powerpoint/2010/main" val="2492428637"/>
+      </p:ext>
+    </p:extLst>
+  </p:cSld>
+  <p:clrMapOvr>
+    <a:masterClrMapping/>
+  </p:clrMapOvr>
+</p:sld>
+</file>
+
+<file path=ppt/slides/slide4.xml><?xml version="1.0" encoding="utf-8"?>
+<p:sld xmlns:a="http://schemas.openxmlformats.org/drawingml/2006/main" xmlns:r="http://schemas.openxmlformats.org/officeDocument/2006/relationships" xmlns:p="http://schemas.openxmlformats.org/presentationml/2006/main">
+  <p:cSld>
+    <p:spTree>
+      <p:nvGrpSpPr>
+        <p:cNvPr id="1" name=""/>
+        <p:cNvGrpSpPr/>
+        <p:nvPr/>
+      </p:nvGrpSpPr>
+      <p:grpSpPr>
+        <a:xfrm>
+          <a:off x="0" y="0"/>
+          <a:ext cx="0" cy="0"/>
+          <a:chOff x="0" y="0"/>
+          <a:chExt cx="0" cy="0"/>
+        </a:xfrm>
+      </p:grpSpPr>
+      <p:sp>
+        <p:nvSpPr>
+          <p:cNvPr id="2" name="标题 1">
+            <a:extLst>
+              <a:ext uri="{FF2B5EF4-FFF2-40B4-BE49-F238E27FC236}">
+                <a16:creationId xmlns:a16="http://schemas.microsoft.com/office/drawing/2014/main" xmlns="" id="{508C5496-4B94-4E74-B852-01660F8B2C58}"/>
+              </a:ext>
+            </a:extLst>
+          </p:cNvPr>
+          <p:cNvSpPr>
+            <a:spLocks noGrp="1"/>
+          </p:cNvSpPr>
+          <p:nvPr>
+            <p:ph type="title"/>
+          </p:nvPr>
+        </p:nvSpPr>
+        <p:spPr/>
+        <p:txBody>
+          <a:bodyPr/>
+          <a:lstStyle/>
+          <a:p>
+            <a:r>
+              <a:rPr lang="en-US" altLang="zh-CN" dirty="0" smtClean="0"/>
+              <a:t>Thread</a:t>
+            </a:r>
+            <a:r>
+              <a:rPr lang="zh-CN" altLang="en-US" dirty="0" smtClean="0"/>
+              <a:t>开销</a:t>
+            </a:r>
+            <a:endParaRPr lang="zh-CN" altLang="en-US" dirty="0"/>
+          </a:p>
+        </p:txBody>
+      </p:sp>
+      <p:sp>
+        <p:nvSpPr>
+          <p:cNvPr id="3" name="内容占位符 2">
+            <a:extLst>
+              <a:ext uri="{FF2B5EF4-FFF2-40B4-BE49-F238E27FC236}">
+                <a16:creationId xmlns:a16="http://schemas.microsoft.com/office/drawing/2014/main" xmlns="" id="{58AF2E9D-F75B-4B1B-B93B-4C9C7AB0286D}"/>
+              </a:ext>
+            </a:extLst>
+          </p:cNvPr>
+          <p:cNvSpPr>
+            <a:spLocks noGrp="1"/>
+          </p:cNvSpPr>
+          <p:nvPr>
+            <p:ph sz="quarter" idx="11"/>
+          </p:nvPr>
+        </p:nvSpPr>
+        <p:spPr/>
+        <p:txBody>
+          <a:bodyPr/>
+          <a:lstStyle/>
+          <a:p>
+            <a:pPr marL="0" indent="0">
+              <a:buNone/>
+            </a:pPr>
+            <a:r>
+              <a:rPr lang="zh-CN" altLang="en-US" dirty="0"/>
+              <a:t>时间</a:t>
+            </a:r>
+            <a:r>
+              <a:rPr lang="zh-CN" altLang="en-US" dirty="0" smtClean="0"/>
+              <a:t>的开销</a:t>
+            </a:r>
+            <a:endParaRPr lang="en-US" altLang="zh-CN" dirty="0" smtClean="0"/>
+          </a:p>
+          <a:p>
+            <a:pPr marL="0" indent="0">
+              <a:buNone/>
+            </a:pPr>
+            <a:r>
+              <a:rPr lang="en-US" altLang="zh-CN" dirty="0" smtClean="0"/>
+              <a:t>1</a:t>
+            </a:r>
+            <a:r>
+              <a:rPr lang="zh-CN" altLang="en-US" dirty="0" smtClean="0"/>
+              <a:t>进程启动的时候加载</a:t>
+            </a:r>
+            <a:r>
+              <a:rPr lang="en-US" altLang="zh-CN" dirty="0" smtClean="0"/>
+              <a:t>exe</a:t>
+            </a:r>
+            <a:r>
+              <a:rPr lang="zh-CN" altLang="en-US" dirty="0" smtClean="0"/>
+              <a:t>，</a:t>
+            </a:r>
+            <a:r>
+              <a:rPr lang="en-US" altLang="zh-CN" dirty="0" err="1" smtClean="0"/>
+              <a:t>dll</a:t>
+            </a:r>
+            <a:endParaRPr lang="en-US" altLang="zh-CN" dirty="0" smtClean="0"/>
+          </a:p>
+          <a:p>
+            <a:pPr marL="0" indent="0">
+              <a:buNone/>
+            </a:pPr>
+            <a:r>
+              <a:rPr lang="en-US" altLang="zh-CN" dirty="0" err="1" smtClean="0"/>
+              <a:t>Dumpdomain:CLR</a:t>
+            </a:r>
+            <a:r>
+              <a:rPr lang="zh-CN" altLang="en-US" dirty="0" smtClean="0"/>
+              <a:t>创建的</a:t>
+            </a:r>
+            <a:r>
+              <a:rPr lang="en-US" altLang="zh-CN" dirty="0" smtClean="0"/>
+              <a:t>system domain</a:t>
+            </a:r>
+            <a:r>
+              <a:rPr lang="zh-CN" altLang="en-US" dirty="0" smtClean="0"/>
+              <a:t>，</a:t>
+            </a:r>
+            <a:r>
+              <a:rPr lang="en-US" altLang="zh-CN" dirty="0" smtClean="0"/>
+              <a:t>GAC</a:t>
+            </a:r>
+            <a:r>
+              <a:rPr lang="zh-CN" altLang="en-US" dirty="0" smtClean="0"/>
+              <a:t>创建的</a:t>
+            </a:r>
+            <a:r>
+              <a:rPr lang="en-US" altLang="zh-CN" dirty="0" smtClean="0"/>
+              <a:t>shared domain</a:t>
+            </a:r>
+            <a:r>
+              <a:rPr lang="zh-CN" altLang="en-US" dirty="0" smtClean="0"/>
+              <a:t>，程序的程序域（</a:t>
+            </a:r>
+            <a:r>
+              <a:rPr lang="en-US" altLang="zh-CN" dirty="0" smtClean="0"/>
+              <a:t>domain1</a:t>
+            </a:r>
+            <a:r>
+              <a:rPr lang="zh-CN" altLang="en-US" dirty="0" smtClean="0"/>
+              <a:t>）</a:t>
+            </a:r>
+            <a:endParaRPr lang="en-US" altLang="zh-CN" dirty="0" smtClean="0"/>
+          </a:p>
+          <a:p>
+            <a:pPr marL="0" indent="0">
+              <a:buNone/>
+            </a:pPr>
+            <a:r>
+              <a:rPr lang="zh-CN" altLang="en-US" dirty="0" smtClean="0"/>
+              <a:t>开启关闭线程都会通知进程中的</a:t>
+            </a:r>
+            <a:r>
+              <a:rPr lang="en-US" altLang="zh-CN" dirty="0" err="1" smtClean="0"/>
+              <a:t>dll,attach</a:t>
+            </a:r>
+            <a:r>
+              <a:rPr lang="zh-CN" altLang="en-US" dirty="0" smtClean="0"/>
+              <a:t>和</a:t>
+            </a:r>
+            <a:r>
+              <a:rPr lang="en-US" altLang="zh-CN" dirty="0" smtClean="0"/>
+              <a:t>detach</a:t>
+            </a:r>
+            <a:r>
+              <a:rPr lang="zh-CN" altLang="en-US" dirty="0" smtClean="0"/>
+              <a:t>标志位</a:t>
+            </a:r>
+            <a:r>
+              <a:rPr lang="en-US" altLang="zh-CN" dirty="0" smtClean="0"/>
+              <a:t>.</a:t>
+            </a:r>
+          </a:p>
+          <a:p>
+            <a:pPr marL="0" indent="0">
+              <a:buNone/>
+            </a:pPr>
+            <a:r>
+              <a:rPr lang="zh-CN" altLang="en-US" dirty="0" smtClean="0"/>
+              <a:t>通知</a:t>
+            </a:r>
+            <a:r>
+              <a:rPr lang="en-US" altLang="zh-CN" dirty="0" err="1" smtClean="0"/>
+              <a:t>dll</a:t>
+            </a:r>
+            <a:r>
+              <a:rPr lang="zh-CN" altLang="en-US" dirty="0" smtClean="0"/>
+              <a:t>，比如开启一个线程，</a:t>
+            </a:r>
+            <a:r>
+              <a:rPr lang="en-US" altLang="zh-CN" dirty="0" err="1" smtClean="0"/>
+              <a:t>dll</a:t>
+            </a:r>
+            <a:r>
+              <a:rPr lang="zh-CN" altLang="en-US" dirty="0" smtClean="0"/>
+              <a:t>做资源创建或销毁</a:t>
+            </a:r>
+            <a:endParaRPr lang="en-US" altLang="zh-CN" dirty="0" smtClean="0"/>
+          </a:p>
+          <a:p>
+            <a:pPr marL="0" indent="0">
+              <a:buNone/>
+            </a:pPr>
+            <a:endParaRPr lang="en-US" altLang="zh-CN" dirty="0"/>
+          </a:p>
+          <a:p>
+            <a:pPr marL="0" indent="0">
+              <a:buNone/>
+            </a:pPr>
+            <a:r>
+              <a:rPr lang="en-US" altLang="zh-CN" dirty="0" smtClean="0"/>
+              <a:t>2.</a:t>
+            </a:r>
+            <a:r>
+              <a:rPr lang="zh-CN" altLang="en-US" dirty="0" smtClean="0"/>
+              <a:t>时间片切换</a:t>
+            </a:r>
+            <a:endParaRPr lang="en-US" altLang="zh-CN" dirty="0" smtClean="0"/>
+          </a:p>
+          <a:p>
+            <a:pPr marL="0" indent="0">
+              <a:buNone/>
+            </a:pPr>
+            <a:r>
+              <a:rPr lang="zh-CN" altLang="en-US" dirty="0" smtClean="0"/>
+              <a:t>假设</a:t>
+            </a:r>
+            <a:r>
+              <a:rPr lang="en-US" altLang="zh-CN" dirty="0" smtClean="0"/>
+              <a:t>8</a:t>
+            </a:r>
+            <a:r>
+              <a:rPr lang="zh-CN" altLang="en-US" dirty="0" smtClean="0"/>
+              <a:t>个</a:t>
+            </a:r>
+            <a:r>
+              <a:rPr lang="en-US" altLang="zh-CN" dirty="0" smtClean="0"/>
+              <a:t>CPU</a:t>
+            </a:r>
+            <a:r>
+              <a:rPr lang="zh-CN" altLang="en-US" dirty="0" smtClean="0"/>
+              <a:t>，微观上提供</a:t>
+            </a:r>
+            <a:r>
+              <a:rPr lang="en-US" altLang="zh-CN" dirty="0" smtClean="0"/>
+              <a:t>8</a:t>
+            </a:r>
+            <a:r>
+              <a:rPr lang="zh-CN" altLang="en-US" dirty="0" smtClean="0"/>
+              <a:t>个</a:t>
+            </a:r>
+            <a:r>
+              <a:rPr lang="en-US" altLang="zh-CN" dirty="0" smtClean="0"/>
+              <a:t>thread</a:t>
+            </a:r>
+            <a:r>
+              <a:rPr lang="zh-CN" altLang="en-US" dirty="0" smtClean="0"/>
+              <a:t>并行，如果开启</a:t>
+            </a:r>
+            <a:r>
+              <a:rPr lang="en-US" altLang="zh-CN" dirty="0" smtClean="0"/>
+              <a:t>9</a:t>
+            </a:r>
+            <a:r>
+              <a:rPr lang="zh-CN" altLang="en-US" dirty="0" smtClean="0"/>
+              <a:t>个线程，必然有一个</a:t>
+            </a:r>
+            <a:r>
+              <a:rPr lang="en-US" altLang="zh-CN" dirty="0" smtClean="0"/>
+              <a:t>thread</a:t>
+            </a:r>
+            <a:r>
+              <a:rPr lang="zh-CN" altLang="en-US" dirty="0" smtClean="0"/>
+              <a:t>休眠</a:t>
+            </a:r>
+            <a:r>
+              <a:rPr lang="en-US" altLang="zh-CN" dirty="0" smtClean="0"/>
+              <a:t>30ms</a:t>
+            </a:r>
+          </a:p>
+          <a:p>
+            <a:pPr marL="0" indent="0">
+              <a:buNone/>
+            </a:pPr>
+            <a:endParaRPr lang="en-US" altLang="zh-CN" dirty="0"/>
+          </a:p>
+          <a:p>
+            <a:pPr marL="0" indent="0">
+              <a:buNone/>
+            </a:pPr>
+            <a:r>
+              <a:rPr lang="zh-CN" altLang="en-US" dirty="0" smtClean="0"/>
+              <a:t>好处：并行任务，</a:t>
+            </a:r>
+            <a:endParaRPr lang="en-US" altLang="zh-CN" dirty="0" smtClean="0"/>
+          </a:p>
+          <a:p>
+            <a:pPr marL="0" indent="0">
+              <a:buNone/>
+            </a:pPr>
+            <a:r>
+              <a:rPr lang="zh-CN" altLang="en-US" dirty="0" smtClean="0"/>
+              <a:t>坏处：使用不当可能给</a:t>
+            </a:r>
+            <a:r>
+              <a:rPr lang="en-US" altLang="zh-CN" dirty="0" smtClean="0"/>
+              <a:t>CPU</a:t>
+            </a:r>
+            <a:r>
+              <a:rPr lang="zh-CN" altLang="en-US" dirty="0" smtClean="0"/>
+              <a:t>带来难堪</a:t>
+            </a:r>
+            <a:endParaRPr lang="en-US" altLang="zh-CN" dirty="0" smtClean="0"/>
+          </a:p>
+        </p:txBody>
+      </p:sp>
+    </p:spTree>
+    <p:extLst>
+      <p:ext uri="{BB962C8B-B14F-4D97-AF65-F5344CB8AC3E}">
+        <p14:creationId xmlns:p14="http://schemas.microsoft.com/office/powerpoint/2010/main" val="2818663986"/>
+      </p:ext>
+    </p:extLst>
+  </p:cSld>
+  <p:clrMapOvr>
+    <a:masterClrMapping/>
+  </p:clrMapOvr>
+</p:sld>
+</file>
+
+<file path=ppt/slides/slide5.xml><?xml version="1.0" encoding="utf-8"?>
+<p:sld xmlns:a="http://schemas.openxmlformats.org/drawingml/2006/main" xmlns:r="http://schemas.openxmlformats.org/officeDocument/2006/relationships" xmlns:p="http://schemas.openxmlformats.org/presentationml/2006/main">
+  <p:cSld>
+    <p:spTree>
+      <p:nvGrpSpPr>
+        <p:cNvPr id="1" name=""/>
+        <p:cNvGrpSpPr/>
+        <p:nvPr/>
+      </p:nvGrpSpPr>
+      <p:grpSpPr>
+        <a:xfrm>
+          <a:off x="0" y="0"/>
+          <a:ext cx="0" cy="0"/>
+          <a:chOff x="0" y="0"/>
+          <a:chExt cx="0" cy="0"/>
+        </a:xfrm>
+      </p:grpSpPr>
+      <p:sp>
+        <p:nvSpPr>
+          <p:cNvPr id="2" name="标题 1">
+            <a:extLst>
+              <a:ext uri="{FF2B5EF4-FFF2-40B4-BE49-F238E27FC236}">
+                <a16:creationId xmlns:a16="http://schemas.microsoft.com/office/drawing/2014/main" xmlns="" id="{508C5496-4B94-4E74-B852-01660F8B2C58}"/>
+              </a:ext>
+            </a:extLst>
+          </p:cNvPr>
+          <p:cNvSpPr>
+            <a:spLocks noGrp="1"/>
+          </p:cNvSpPr>
+          <p:nvPr>
+            <p:ph type="title"/>
+          </p:nvPr>
+        </p:nvSpPr>
+        <p:spPr/>
+        <p:txBody>
+          <a:bodyPr/>
+          <a:lstStyle/>
+          <a:p>
+            <a:r>
+              <a:rPr lang="en-US" altLang="zh-CN" dirty="0" err="1" smtClean="0"/>
+              <a:t>ThreadPool</a:t>
+            </a:r>
+            <a:r>
+              <a:rPr lang="zh-CN" altLang="en-US" dirty="0" smtClean="0"/>
+              <a:t>常见 方法</a:t>
+            </a:r>
+            <a:endParaRPr lang="zh-CN" altLang="en-US" dirty="0"/>
+          </a:p>
+        </p:txBody>
+      </p:sp>
+      <p:sp>
+        <p:nvSpPr>
+          <p:cNvPr id="3" name="内容占位符 2">
+            <a:extLst>
+              <a:ext uri="{FF2B5EF4-FFF2-40B4-BE49-F238E27FC236}">
+                <a16:creationId xmlns:a16="http://schemas.microsoft.com/office/drawing/2014/main" xmlns="" id="{58AF2E9D-F75B-4B1B-B93B-4C9C7AB0286D}"/>
               </a:ext>
             </a:extLst>
           </p:cNvPr>
@@ -7446,7 +8481,7 @@
                     <a:p>
                       <a:pPr algn="l"/>
                       <a:r>
-                        <a:rPr lang="en-US">
+                        <a:rPr lang="en-US" dirty="0" err="1">
                           <a:solidFill>
                             <a:srgbClr val="4F4F4F"/>
                           </a:solidFill>
@@ -7454,6 +8489,12 @@
                         </a:rPr>
                         <a:t>SetMaxThreads</a:t>
                       </a:r>
+                      <a:endParaRPr lang="en-US" dirty="0">
+                        <a:solidFill>
+                          <a:srgbClr val="4F4F4F"/>
+                        </a:solidFill>
+                        <a:effectLst/>
+                      </a:endParaRPr>
                     </a:p>
                   </a:txBody>
                   <a:tcPr marL="28575" marR="28575" marT="28575" marB="28575" anchor="ctr">
@@ -7695,7 +8736,7 @@
 </p:sld>
 </file>
 
-<file path=ppt/slides/slide4.xml><?xml version="1.0" encoding="utf-8"?>
+<file path=ppt/slides/slide6.xml><?xml version="1.0" encoding="utf-8"?>
 <p:sld xmlns:a="http://schemas.openxmlformats.org/drawingml/2006/main" xmlns:r="http://schemas.openxmlformats.org/officeDocument/2006/relationships" xmlns:p="http://schemas.openxmlformats.org/presentationml/2006/main">
   <p:cSld>
     <p:spTree>
@@ -7717,7 +8758,7 @@
           <p:cNvPr id="2" name="标题 1">
             <a:extLst>
               <a:ext uri="{FF2B5EF4-FFF2-40B4-BE49-F238E27FC236}">
-                <a16:creationId xmlns="" xmlns:a16="http://schemas.microsoft.com/office/drawing/2014/main" id="{508C5496-4B94-4E74-B852-01660F8B2C58}"/>
+                <a16:creationId xmlns:a16="http://schemas.microsoft.com/office/drawing/2014/main" xmlns="" id="{508C5496-4B94-4E74-B852-01660F8B2C58}"/>
               </a:ext>
             </a:extLst>
           </p:cNvPr>
@@ -7746,7 +8787,7 @@
           <p:cNvPr id="3" name="内容占位符 2">
             <a:extLst>
               <a:ext uri="{FF2B5EF4-FFF2-40B4-BE49-F238E27FC236}">
-                <a16:creationId xmlns="" xmlns:a16="http://schemas.microsoft.com/office/drawing/2014/main" id="{58AF2E9D-F75B-4B1B-B93B-4C9C7AB0286D}"/>
+                <a16:creationId xmlns:a16="http://schemas.microsoft.com/office/drawing/2014/main" xmlns="" id="{58AF2E9D-F75B-4B1B-B93B-4C9C7AB0286D}"/>
               </a:ext>
             </a:extLst>
           </p:cNvPr>
@@ -8252,7 +9293,7 @@
 </p:sld>
 </file>
 
-<file path=ppt/slides/slide5.xml><?xml version="1.0" encoding="utf-8"?>
+<file path=ppt/slides/slide7.xml><?xml version="1.0" encoding="utf-8"?>
 <p:sld xmlns:a="http://schemas.openxmlformats.org/drawingml/2006/main" xmlns:r="http://schemas.openxmlformats.org/officeDocument/2006/relationships" xmlns:p="http://schemas.openxmlformats.org/presentationml/2006/main">
   <p:cSld>
     <p:spTree>
@@ -8274,7 +9315,7 @@
           <p:cNvPr id="2" name="标题 1">
             <a:extLst>
               <a:ext uri="{FF2B5EF4-FFF2-40B4-BE49-F238E27FC236}">
-                <a16:creationId xmlns="" xmlns:a16="http://schemas.microsoft.com/office/drawing/2014/main" id="{508C5496-4B94-4E74-B852-01660F8B2C58}"/>
+                <a16:creationId xmlns:a16="http://schemas.microsoft.com/office/drawing/2014/main" xmlns="" id="{508C5496-4B94-4E74-B852-01660F8B2C58}"/>
               </a:ext>
             </a:extLst>
           </p:cNvPr>
@@ -8303,7 +9344,7 @@
           <p:cNvPr id="3" name="内容占位符 2">
             <a:extLst>
               <a:ext uri="{FF2B5EF4-FFF2-40B4-BE49-F238E27FC236}">
-                <a16:creationId xmlns="" xmlns:a16="http://schemas.microsoft.com/office/drawing/2014/main" id="{58AF2E9D-F75B-4B1B-B93B-4C9C7AB0286D}"/>
+                <a16:creationId xmlns:a16="http://schemas.microsoft.com/office/drawing/2014/main" xmlns="" id="{58AF2E9D-F75B-4B1B-B93B-4C9C7AB0286D}"/>
               </a:ext>
             </a:extLst>
           </p:cNvPr>
@@ -8587,7 +9628,7 @@
 </p:sld>
 </file>
 
-<file path=ppt/slides/slide6.xml><?xml version="1.0" encoding="utf-8"?>
+<file path=ppt/slides/slide8.xml><?xml version="1.0" encoding="utf-8"?>
 <p:sld xmlns:a="http://schemas.openxmlformats.org/drawingml/2006/main" xmlns:r="http://schemas.openxmlformats.org/officeDocument/2006/relationships" xmlns:p="http://schemas.openxmlformats.org/presentationml/2006/main">
   <p:cSld>
     <p:spTree>
@@ -8609,7 +9650,7 @@
           <p:cNvPr id="2" name="标题 1">
             <a:extLst>
               <a:ext uri="{FF2B5EF4-FFF2-40B4-BE49-F238E27FC236}">
-                <a16:creationId xmlns="" xmlns:a16="http://schemas.microsoft.com/office/drawing/2014/main" id="{508C5496-4B94-4E74-B852-01660F8B2C58}"/>
+                <a16:creationId xmlns:a16="http://schemas.microsoft.com/office/drawing/2014/main" xmlns="" id="{508C5496-4B94-4E74-B852-01660F8B2C58}"/>
               </a:ext>
             </a:extLst>
           </p:cNvPr>
@@ -8638,7 +9679,7 @@
           <p:cNvPr id="3" name="内容占位符 2">
             <a:extLst>
               <a:ext uri="{FF2B5EF4-FFF2-40B4-BE49-F238E27FC236}">
-                <a16:creationId xmlns="" xmlns:a16="http://schemas.microsoft.com/office/drawing/2014/main" id="{58AF2E9D-F75B-4B1B-B93B-4C9C7AB0286D}"/>
+                <a16:creationId xmlns:a16="http://schemas.microsoft.com/office/drawing/2014/main" xmlns="" id="{58AF2E9D-F75B-4B1B-B93B-4C9C7AB0286D}"/>
               </a:ext>
             </a:extLst>
           </p:cNvPr>
@@ -8865,7 +9906,7 @@
 </p:sld>
 </file>
 
-<file path=ppt/slides/slide7.xml><?xml version="1.0" encoding="utf-8"?>
+<file path=ppt/slides/slide9.xml><?xml version="1.0" encoding="utf-8"?>
 <p:sld xmlns:a="http://schemas.openxmlformats.org/drawingml/2006/main" xmlns:r="http://schemas.openxmlformats.org/officeDocument/2006/relationships" xmlns:p="http://schemas.openxmlformats.org/presentationml/2006/main">
   <p:cSld>
     <p:spTree>
@@ -8887,7 +9928,7 @@
           <p:cNvPr id="2" name="标题 1">
             <a:extLst>
               <a:ext uri="{FF2B5EF4-FFF2-40B4-BE49-F238E27FC236}">
-                <a16:creationId xmlns="" xmlns:a16="http://schemas.microsoft.com/office/drawing/2014/main" id="{508C5496-4B94-4E74-B852-01660F8B2C58}"/>
+                <a16:creationId xmlns:a16="http://schemas.microsoft.com/office/drawing/2014/main" xmlns="" id="{508C5496-4B94-4E74-B852-01660F8B2C58}"/>
               </a:ext>
             </a:extLst>
           </p:cNvPr>
@@ -8916,7 +9957,7 @@
           <p:cNvPr id="3" name="内容占位符 2">
             <a:extLst>
               <a:ext uri="{FF2B5EF4-FFF2-40B4-BE49-F238E27FC236}">
-                <a16:creationId xmlns="" xmlns:a16="http://schemas.microsoft.com/office/drawing/2014/main" id="{58AF2E9D-F75B-4B1B-B93B-4C9C7AB0286D}"/>
+                <a16:creationId xmlns:a16="http://schemas.microsoft.com/office/drawing/2014/main" xmlns="" id="{58AF2E9D-F75B-4B1B-B93B-4C9C7AB0286D}"/>
               </a:ext>
             </a:extLst>
           </p:cNvPr>
@@ -9032,333 +10073,6 @@
     <p:extLst>
       <p:ext uri="{BB962C8B-B14F-4D97-AF65-F5344CB8AC3E}">
         <p14:creationId xmlns:p14="http://schemas.microsoft.com/office/powerpoint/2010/main" val="693951043"/>
-      </p:ext>
-    </p:extLst>
-  </p:cSld>
-  <p:clrMapOvr>
-    <a:masterClrMapping/>
-  </p:clrMapOvr>
-</p:sld>
-</file>
-
-<file path=ppt/slides/slide8.xml><?xml version="1.0" encoding="utf-8"?>
-<p:sld xmlns:a="http://schemas.openxmlformats.org/drawingml/2006/main" xmlns:r="http://schemas.openxmlformats.org/officeDocument/2006/relationships" xmlns:p="http://schemas.openxmlformats.org/presentationml/2006/main">
-  <p:cSld>
-    <p:spTree>
-      <p:nvGrpSpPr>
-        <p:cNvPr id="1" name=""/>
-        <p:cNvGrpSpPr/>
-        <p:nvPr/>
-      </p:nvGrpSpPr>
-      <p:grpSpPr>
-        <a:xfrm>
-          <a:off x="0" y="0"/>
-          <a:ext cx="0" cy="0"/>
-          <a:chOff x="0" y="0"/>
-          <a:chExt cx="0" cy="0"/>
-        </a:xfrm>
-      </p:grpSpPr>
-      <p:sp>
-        <p:nvSpPr>
-          <p:cNvPr id="2" name="标题 1"/>
-          <p:cNvSpPr>
-            <a:spLocks noGrp="1"/>
-          </p:cNvSpPr>
-          <p:nvPr>
-            <p:ph type="title"/>
-          </p:nvPr>
-        </p:nvSpPr>
-        <p:spPr/>
-        <p:txBody>
-          <a:bodyPr/>
-          <a:lstStyle/>
-          <a:p>
-            <a:r>
-              <a:rPr lang="zh-CN" altLang="en-US" dirty="0" smtClean="0"/>
-              <a:t>基于委托的</a:t>
-            </a:r>
-            <a:r>
-              <a:rPr lang="en-US" altLang="zh-CN" dirty="0" smtClean="0"/>
-              <a:t>Invoke </a:t>
-            </a:r>
-            <a:r>
-              <a:rPr lang="en-US" altLang="zh-CN" dirty="0" err="1" smtClean="0"/>
-              <a:t>BeginInvoke</a:t>
-            </a:r>
-            <a:endParaRPr lang="zh-CN" altLang="en-US" dirty="0"/>
-          </a:p>
-        </p:txBody>
-      </p:sp>
-      <p:sp>
-        <p:nvSpPr>
-          <p:cNvPr id="4" name="内容占位符 3">
-            <a:extLst>
-              <a:ext uri="{FF2B5EF4-FFF2-40B4-BE49-F238E27FC236}">
-                <a16:creationId xmlns="" xmlns:a16="http://schemas.microsoft.com/office/drawing/2014/main" id="{62CD55B7-E798-45C3-A64E-53D4169A931B}"/>
-              </a:ext>
-            </a:extLst>
-          </p:cNvPr>
-          <p:cNvSpPr>
-            <a:spLocks noGrp="1"/>
-          </p:cNvSpPr>
-          <p:nvPr>
-            <p:ph sz="quarter" idx="11"/>
-          </p:nvPr>
-        </p:nvSpPr>
-        <p:spPr/>
-        <p:txBody>
-          <a:bodyPr/>
-          <a:lstStyle/>
-          <a:p>
-            <a:r>
-              <a:rPr lang="en-US" altLang="zh-CN" dirty="0" smtClean="0"/>
-              <a:t>CLR</a:t>
-            </a:r>
-            <a:r>
-              <a:rPr lang="zh-CN" altLang="en-US" dirty="0"/>
-              <a:t>为每一个委托类型提供了一个</a:t>
-            </a:r>
-            <a:r>
-              <a:rPr lang="en-US" altLang="zh-CN" dirty="0"/>
-              <a:t>Invoke</a:t>
-            </a:r>
-            <a:r>
-              <a:rPr lang="zh-CN" altLang="en-US" dirty="0"/>
-              <a:t>方法，并且该方法和</a:t>
-            </a:r>
-            <a:r>
-              <a:rPr lang="en-US" altLang="zh-CN" dirty="0"/>
-              <a:t>delegate</a:t>
-            </a:r>
-            <a:r>
-              <a:rPr lang="zh-CN" altLang="en-US" dirty="0"/>
-              <a:t>拥有相同的</a:t>
-            </a:r>
-            <a:r>
-              <a:rPr lang="zh-CN" altLang="en-US" dirty="0" smtClean="0"/>
-              <a:t>签名</a:t>
-            </a:r>
-            <a:endParaRPr lang="en-US" altLang="zh-CN" dirty="0" smtClean="0"/>
-          </a:p>
-          <a:p>
-            <a:r>
-              <a:rPr lang="en-US" altLang="zh-CN" dirty="0" smtClean="0"/>
-              <a:t>CLR</a:t>
-            </a:r>
-            <a:r>
-              <a:rPr lang="zh-CN" altLang="en-US" dirty="0"/>
-              <a:t>为每一个委托类型提供了</a:t>
-            </a:r>
-            <a:r>
-              <a:rPr lang="en-US" altLang="zh-CN" dirty="0" err="1"/>
-              <a:t>BeginInvoke</a:t>
-            </a:r>
-            <a:r>
-              <a:rPr lang="zh-CN" altLang="en-US" dirty="0"/>
-              <a:t>和</a:t>
-            </a:r>
-            <a:r>
-              <a:rPr lang="en-US" altLang="zh-CN" dirty="0" err="1"/>
-              <a:t>EndInvoke</a:t>
-            </a:r>
-            <a:r>
-              <a:rPr lang="zh-CN" altLang="en-US" dirty="0"/>
-              <a:t>方法，来确保委托的异步</a:t>
-            </a:r>
-            <a:r>
-              <a:rPr lang="zh-CN" altLang="en-US" dirty="0" smtClean="0"/>
-              <a:t>调用</a:t>
-            </a:r>
-            <a:endParaRPr lang="en-US" altLang="zh-CN" dirty="0" smtClean="0"/>
-          </a:p>
-          <a:p>
-            <a:endParaRPr lang="en-US" altLang="zh-CN" dirty="0"/>
-          </a:p>
-          <a:p>
-            <a:r>
-              <a:rPr lang="zh-CN" altLang="en-US" dirty="0"/>
-              <a:t>通过一个委托来进行同步方法的异步调用，也是</a:t>
-            </a:r>
-            <a:r>
-              <a:rPr lang="en-US" altLang="zh-CN" dirty="0" err="1"/>
-              <a:t>.net</a:t>
-            </a:r>
-            <a:r>
-              <a:rPr lang="zh-CN" altLang="en-US" dirty="0"/>
-              <a:t>提供的异步调用机制之一。但是</a:t>
-            </a:r>
-            <a:r>
-              <a:rPr lang="en-US" altLang="zh-CN" dirty="0" err="1"/>
-              <a:t>Delegate.BeginInvoke</a:t>
-            </a:r>
-            <a:r>
-              <a:rPr lang="zh-CN" altLang="en-US" dirty="0"/>
-              <a:t>方法是从</a:t>
-            </a:r>
-            <a:r>
-              <a:rPr lang="en-US" altLang="zh-CN" dirty="0" err="1"/>
-              <a:t>ThreadPool</a:t>
-            </a:r>
-            <a:r>
-              <a:rPr lang="zh-CN" altLang="en-US" dirty="0"/>
-              <a:t>取出一个线程来执行这个方法，以获得异步执行效果的。也就是说，如果采用这种方式提交多个异步委托，那么这些调用的顺序无法得到保证。而且由于是使用线程池里面的线程来完成任务，使用频繁，会对系统的性能造成影响。</a:t>
-            </a:r>
-            <a:endParaRPr lang="en-US" altLang="zh-CN" dirty="0" smtClean="0"/>
-          </a:p>
-          <a:p>
-            <a:endParaRPr lang="zh-CN" altLang="en-US" dirty="0"/>
-          </a:p>
-        </p:txBody>
-      </p:sp>
-    </p:spTree>
-    <p:extLst>
-      <p:ext uri="{BB962C8B-B14F-4D97-AF65-F5344CB8AC3E}">
-        <p14:creationId xmlns:p14="http://schemas.microsoft.com/office/powerpoint/2010/main" val="1009121632"/>
-      </p:ext>
-    </p:extLst>
-  </p:cSld>
-  <p:clrMapOvr>
-    <a:masterClrMapping/>
-  </p:clrMapOvr>
-</p:sld>
-</file>
-
-<file path=ppt/slides/slide9.xml><?xml version="1.0" encoding="utf-8"?>
-<p:sld xmlns:a="http://schemas.openxmlformats.org/drawingml/2006/main" xmlns:r="http://schemas.openxmlformats.org/officeDocument/2006/relationships" xmlns:p="http://schemas.openxmlformats.org/presentationml/2006/main">
-  <p:cSld>
-    <p:spTree>
-      <p:nvGrpSpPr>
-        <p:cNvPr id="1" name=""/>
-        <p:cNvGrpSpPr/>
-        <p:nvPr/>
-      </p:nvGrpSpPr>
-      <p:grpSpPr>
-        <a:xfrm>
-          <a:off x="0" y="0"/>
-          <a:ext cx="0" cy="0"/>
-          <a:chOff x="0" y="0"/>
-          <a:chExt cx="0" cy="0"/>
-        </a:xfrm>
-      </p:grpSpPr>
-      <p:sp>
-        <p:nvSpPr>
-          <p:cNvPr id="2" name="标题 1"/>
-          <p:cNvSpPr>
-            <a:spLocks noGrp="1"/>
-          </p:cNvSpPr>
-          <p:nvPr>
-            <p:ph type="title"/>
-          </p:nvPr>
-        </p:nvSpPr>
-        <p:spPr/>
-        <p:txBody>
-          <a:bodyPr/>
-          <a:lstStyle/>
-          <a:p>
-            <a:r>
-              <a:rPr lang="en-US" altLang="zh-CN" dirty="0" smtClean="0"/>
-              <a:t>Controller</a:t>
-            </a:r>
-            <a:r>
-              <a:rPr lang="zh-CN" altLang="en-US" dirty="0" smtClean="0"/>
-              <a:t>的</a:t>
-            </a:r>
-            <a:r>
-              <a:rPr lang="en-US" altLang="zh-CN" dirty="0" smtClean="0"/>
-              <a:t>Invoke </a:t>
-            </a:r>
-            <a:r>
-              <a:rPr lang="en-US" altLang="zh-CN" dirty="0" err="1" smtClean="0"/>
-              <a:t>BeginInvoke</a:t>
-            </a:r>
-            <a:endParaRPr lang="zh-CN" altLang="en-US" dirty="0"/>
-          </a:p>
-        </p:txBody>
-      </p:sp>
-      <p:sp>
-        <p:nvSpPr>
-          <p:cNvPr id="5" name="内容占位符 4"/>
-          <p:cNvSpPr>
-            <a:spLocks noGrp="1"/>
-          </p:cNvSpPr>
-          <p:nvPr>
-            <p:ph sz="quarter" idx="11"/>
-          </p:nvPr>
-        </p:nvSpPr>
-        <p:spPr/>
-        <p:txBody>
-          <a:bodyPr/>
-          <a:lstStyle/>
-          <a:p>
-            <a:r>
-              <a:rPr lang="en-US" altLang="zh-CN" dirty="0"/>
-              <a:t>Windows GUI</a:t>
-            </a:r>
-            <a:r>
-              <a:rPr lang="zh-CN" altLang="en-US" dirty="0"/>
-              <a:t>程序是基于消息机制的，有个主线程维护着一个消息</a:t>
-            </a:r>
-            <a:r>
-              <a:rPr lang="zh-CN" altLang="en-US" dirty="0" smtClean="0"/>
-              <a:t>泵。这个</a:t>
-            </a:r>
-            <a:r>
-              <a:rPr lang="zh-CN" altLang="en-US" dirty="0"/>
-              <a:t>消息泵让</a:t>
-            </a:r>
-            <a:r>
-              <a:rPr lang="en-US" altLang="zh-CN" dirty="0"/>
-              <a:t>windows</a:t>
-            </a:r>
-            <a:r>
-              <a:rPr lang="zh-CN" altLang="en-US" dirty="0"/>
-              <a:t>程序生生不息</a:t>
-            </a:r>
-            <a:r>
-              <a:rPr lang="zh-CN" altLang="en-US" dirty="0" smtClean="0"/>
-              <a:t>。</a:t>
-            </a:r>
-            <a:endParaRPr lang="en-US" altLang="zh-CN" dirty="0" smtClean="0"/>
-          </a:p>
-          <a:p>
-            <a:endParaRPr lang="en-US" altLang="zh-CN" dirty="0" smtClean="0"/>
-          </a:p>
-          <a:p>
-            <a:endParaRPr lang="en-US" altLang="zh-CN" dirty="0" smtClean="0"/>
-          </a:p>
-          <a:p>
-            <a:endParaRPr lang="zh-CN" altLang="en-US" dirty="0"/>
-          </a:p>
-        </p:txBody>
-      </p:sp>
-      <p:pic>
-        <p:nvPicPr>
-          <p:cNvPr id="6" name="图片 5"/>
-          <p:cNvPicPr>
-            <a:picLocks noChangeAspect="1"/>
-          </p:cNvPicPr>
-          <p:nvPr/>
-        </p:nvPicPr>
-        <p:blipFill>
-          <a:blip r:embed="rId2"/>
-          <a:stretch>
-            <a:fillRect/>
-          </a:stretch>
-        </p:blipFill>
-        <p:spPr>
-          <a:xfrm>
-            <a:off x="827584" y="2204864"/>
-            <a:ext cx="5229225" cy="3562350"/>
-          </a:xfrm>
-          <a:prstGeom prst="rect">
-            <a:avLst/>
-          </a:prstGeom>
-        </p:spPr>
-      </p:pic>
-    </p:spTree>
-    <p:extLst>
-      <p:ext uri="{BB962C8B-B14F-4D97-AF65-F5344CB8AC3E}">
-        <p14:creationId xmlns:p14="http://schemas.microsoft.com/office/powerpoint/2010/main" val="3384948909"/>
       </p:ext>
     </p:extLst>
   </p:cSld>
@@ -11021,15 +11735,6 @@
 </file>
 
 <file path=customXml/item1.xml><?xml version="1.0" encoding="utf-8"?>
-<?mso-contentType ?>
-<FormTemplates xmlns="http://schemas.microsoft.com/sharepoint/v3/contenttype/forms">
-  <Display>DocumentLibraryForm</Display>
-  <Edit>DocumentLibraryForm</Edit>
-  <New>DocumentLibraryForm</New>
-</FormTemplates>
-</file>
-
-<file path=customXml/item2.xml><?xml version="1.0" encoding="utf-8"?>
 <ct:contentTypeSchema xmlns:ct="http://schemas.microsoft.com/office/2006/metadata/contentType" xmlns:ma="http://schemas.microsoft.com/office/2006/metadata/properties/metaAttributes" ct:_="" ma:_="" ma:contentTypeName="Document" ma:contentTypeID="0x0101009680888C3A7BC742BD306B4305C62963" ma:contentTypeVersion="0" ma:contentTypeDescription="Create a new document." ma:contentTypeScope="" ma:versionID="e6a6f1285600d8e2f9cd9bb3b1c0e811">
   <xsd:schema xmlns:xsd="http://www.w3.org/2001/XMLSchema" xmlns:xs="http://www.w3.org/2001/XMLSchema" xmlns:p="http://schemas.microsoft.com/office/2006/metadata/properties" targetNamespace="http://schemas.microsoft.com/office/2006/metadata/properties" ma:root="true" ma:fieldsID="c64490b4aec6201516c3a874156f37b2">
     <xsd:element name="properties">
@@ -11143,6 +11848,15 @@
 </ct:contentTypeSchema>
 </file>
 
+<file path=customXml/item2.xml><?xml version="1.0" encoding="utf-8"?>
+<?mso-contentType ?>
+<FormTemplates xmlns="http://schemas.microsoft.com/sharepoint/v3/contenttype/forms">
+  <Display>DocumentLibraryForm</Display>
+  <Edit>DocumentLibraryForm</Edit>
+  <New>DocumentLibraryForm</New>
+</FormTemplates>
+</file>
+
 <file path=customXml/item3.xml><?xml version="1.0" encoding="utf-8"?>
 <p:properties xmlns:p="http://schemas.microsoft.com/office/2006/metadata/properties" xmlns:xsi="http://www.w3.org/2001/XMLSchema-instance" xmlns:pc="http://schemas.microsoft.com/office/infopath/2007/PartnerControls">
   <documentManagement/>
@@ -11150,14 +11864,6 @@
 </file>
 
 <file path=customXml/itemProps1.xml><?xml version="1.0" encoding="utf-8"?>
-<ds:datastoreItem xmlns:ds="http://schemas.openxmlformats.org/officeDocument/2006/customXml" ds:itemID="{11A474E7-AAA8-49EE-BAF5-F67A9BD8C493}">
-  <ds:schemaRefs>
-    <ds:schemaRef ds:uri="http://schemas.microsoft.com/sharepoint/v3/contenttype/forms"/>
-  </ds:schemaRefs>
-</ds:datastoreItem>
-</file>
-
-<file path=customXml/itemProps2.xml><?xml version="1.0" encoding="utf-8"?>
 <ds:datastoreItem xmlns:ds="http://schemas.openxmlformats.org/officeDocument/2006/customXml" ds:itemID="{102BAFA5-51FA-4F58-B393-87F41FAA5AA5}">
   <ds:schemaRefs>
     <ds:schemaRef ds:uri="http://schemas.microsoft.com/office/2006/metadata/contentType"/>
@@ -11169,6 +11875,14 @@
     <ds:schemaRef ds:uri="http://purl.org/dc/terms/"/>
     <ds:schemaRef ds:uri="http://schemas.microsoft.com/internal/obd"/>
     <ds:schemaRef ds:uri="http://schemas.microsoft.com/office/infopath/2007/PartnerControls"/>
+  </ds:schemaRefs>
+</ds:datastoreItem>
+</file>
+
+<file path=customXml/itemProps2.xml><?xml version="1.0" encoding="utf-8"?>
+<ds:datastoreItem xmlns:ds="http://schemas.openxmlformats.org/officeDocument/2006/customXml" ds:itemID="{11A474E7-AAA8-49EE-BAF5-F67A9BD8C493}">
+  <ds:schemaRefs>
+    <ds:schemaRef ds:uri="http://schemas.microsoft.com/sharepoint/v3/contenttype/forms"/>
   </ds:schemaRefs>
 </ds:datastoreItem>
 </file>

--- a/异步编程.pptx
+++ b/异步编程.pptx
@@ -7,31 +7,32 @@
     <p:sldMasterId id="2147484198" r:id="rId6"/>
   </p:sldMasterIdLst>
   <p:notesMasterIdLst>
-    <p:notesMasterId r:id="rId26"/>
+    <p:notesMasterId r:id="rId27"/>
   </p:notesMasterIdLst>
   <p:handoutMasterIdLst>
-    <p:handoutMasterId r:id="rId27"/>
+    <p:handoutMasterId r:id="rId28"/>
   </p:handoutMasterIdLst>
   <p:sldIdLst>
     <p:sldId id="291" r:id="rId7"/>
     <p:sldId id="335" r:id="rId8"/>
-    <p:sldId id="340" r:id="rId9"/>
-    <p:sldId id="341" r:id="rId10"/>
-    <p:sldId id="336" r:id="rId11"/>
-    <p:sldId id="337" r:id="rId12"/>
-    <p:sldId id="339" r:id="rId13"/>
-    <p:sldId id="338" r:id="rId14"/>
-    <p:sldId id="334" r:id="rId15"/>
-    <p:sldId id="292" r:id="rId16"/>
-    <p:sldId id="325" r:id="rId17"/>
-    <p:sldId id="326" r:id="rId18"/>
-    <p:sldId id="327" r:id="rId19"/>
-    <p:sldId id="328" r:id="rId20"/>
-    <p:sldId id="329" r:id="rId21"/>
-    <p:sldId id="331" r:id="rId22"/>
-    <p:sldId id="330" r:id="rId23"/>
-    <p:sldId id="332" r:id="rId24"/>
-    <p:sldId id="293" r:id="rId25"/>
+    <p:sldId id="342" r:id="rId9"/>
+    <p:sldId id="340" r:id="rId10"/>
+    <p:sldId id="341" r:id="rId11"/>
+    <p:sldId id="336" r:id="rId12"/>
+    <p:sldId id="337" r:id="rId13"/>
+    <p:sldId id="339" r:id="rId14"/>
+    <p:sldId id="338" r:id="rId15"/>
+    <p:sldId id="334" r:id="rId16"/>
+    <p:sldId id="292" r:id="rId17"/>
+    <p:sldId id="325" r:id="rId18"/>
+    <p:sldId id="326" r:id="rId19"/>
+    <p:sldId id="327" r:id="rId20"/>
+    <p:sldId id="328" r:id="rId21"/>
+    <p:sldId id="329" r:id="rId22"/>
+    <p:sldId id="331" r:id="rId23"/>
+    <p:sldId id="330" r:id="rId24"/>
+    <p:sldId id="332" r:id="rId25"/>
+    <p:sldId id="293" r:id="rId26"/>
   </p:sldIdLst>
   <p:sldSz cx="9144000" cy="6858000" type="screen4x3"/>
   <p:notesSz cx="6858000" cy="9144000"/>
@@ -167,6 +168,7 @@
           <p14:sldIdLst>
             <p14:sldId id="291"/>
             <p14:sldId id="335"/>
+            <p14:sldId id="342"/>
             <p14:sldId id="340"/>
             <p14:sldId id="341"/>
             <p14:sldId id="336"/>
@@ -5019,7 +5021,13 @@
       </p:grpSpPr>
       <p:sp>
         <p:nvSpPr>
-          <p:cNvPr id="2" name="标题 1"/>
+          <p:cNvPr id="2" name="标题 1">
+            <a:extLst>
+              <a:ext uri="{FF2B5EF4-FFF2-40B4-BE49-F238E27FC236}">
+                <a16:creationId xmlns:a16="http://schemas.microsoft.com/office/drawing/2014/main" xmlns="" id="{508C5496-4B94-4E74-B852-01660F8B2C58}"/>
+              </a:ext>
+            </a:extLst>
+          </p:cNvPr>
           <p:cNvSpPr>
             <a:spLocks noGrp="1"/>
           </p:cNvSpPr>
@@ -5033,16 +5041,8 @@
           <a:lstStyle/>
           <a:p>
             <a:r>
-              <a:rPr lang="zh-CN" altLang="en-US" dirty="0" smtClean="0"/>
-              <a:t>基于委托的</a:t>
-            </a:r>
-            <a:r>
-              <a:rPr lang="en-US" altLang="zh-CN" dirty="0" smtClean="0"/>
-              <a:t>Invoke </a:t>
-            </a:r>
-            <a:r>
-              <a:rPr lang="en-US" altLang="zh-CN" dirty="0" err="1" smtClean="0"/>
-              <a:t>BeginInvoke</a:t>
+              <a:rPr lang="en-US" altLang="zh-CN" dirty="0"/>
+              <a:t>Asynchronous Programming Model APM</a:t>
             </a:r>
             <a:endParaRPr lang="zh-CN" altLang="en-US" dirty="0"/>
           </a:p>
@@ -5050,10 +5050,10 @@
       </p:sp>
       <p:sp>
         <p:nvSpPr>
-          <p:cNvPr id="4" name="内容占位符 3">
+          <p:cNvPr id="3" name="内容占位符 2">
             <a:extLst>
               <a:ext uri="{FF2B5EF4-FFF2-40B4-BE49-F238E27FC236}">
-                <a16:creationId xmlns:a16="http://schemas.microsoft.com/office/drawing/2014/main" xmlns="" id="{62CD55B7-E798-45C3-A64E-53D4169A931B}"/>
+                <a16:creationId xmlns:a16="http://schemas.microsoft.com/office/drawing/2014/main" xmlns="" id="{58AF2E9D-F75B-4B1B-B93B-4C9C7AB0286D}"/>
               </a:ext>
             </a:extLst>
           </p:cNvPr>
@@ -5070,99 +5070,95 @@
           <a:lstStyle/>
           <a:p>
             <a:r>
-              <a:rPr lang="en-US" altLang="zh-CN" dirty="0" smtClean="0"/>
-              <a:t>CLR</a:t>
+              <a:rPr lang="en-US" altLang="zh-CN" dirty="0"/>
+              <a:t>– </a:t>
             </a:r>
             <a:r>
               <a:rPr lang="zh-CN" altLang="en-US" dirty="0"/>
-              <a:t>为每一个委托类型提供了一个</a:t>
+              <a:t>异步编程模型</a:t>
             </a:r>
             <a:r>
               <a:rPr lang="en-US" altLang="zh-CN" dirty="0"/>
-              <a:t>Invoke</a:t>
+              <a:t>(Asynchronous Programming Model APM) </a:t>
+            </a:r>
+          </a:p>
+          <a:p>
+            <a:r>
+              <a:rPr lang="en-US" altLang="zh-CN" dirty="0" err="1"/>
+              <a:t>.Net</a:t>
+            </a:r>
+            <a:r>
+              <a:rPr lang="en-US" altLang="zh-CN" dirty="0"/>
+              <a:t> Framework 1 </a:t>
             </a:r>
             <a:r>
               <a:rPr lang="zh-CN" altLang="en-US" dirty="0"/>
-              <a:t>方法，并且该方法和</a:t>
+              <a:t>已经引入了这个模式，也称</a:t>
             </a:r>
             <a:r>
               <a:rPr lang="en-US" altLang="zh-CN" dirty="0"/>
-              <a:t>delegate</a:t>
+              <a:t>Begin/End </a:t>
             </a:r>
             <a:r>
               <a:rPr lang="zh-CN" altLang="en-US" dirty="0"/>
-              <a:t>拥有相同的</a:t>
-            </a:r>
-            <a:r>
-              <a:rPr lang="zh-CN" altLang="en-US" dirty="0" smtClean="0"/>
-              <a:t>签名</a:t>
-            </a:r>
-            <a:endParaRPr lang="en-US" altLang="zh-CN" dirty="0" smtClean="0"/>
-          </a:p>
-          <a:p>
-            <a:r>
-              <a:rPr lang="en-US" altLang="zh-CN" dirty="0" smtClean="0"/>
-              <a:t>CLR</a:t>
+              <a:t>模式。一个 以</a:t>
+            </a:r>
+            <a:r>
+              <a:rPr lang="en-US" altLang="zh-CN" dirty="0"/>
+              <a:t>Begin</a:t>
             </a:r>
             <a:r>
               <a:rPr lang="zh-CN" altLang="en-US" dirty="0"/>
-              <a:t>为每一个委托类型提供了</a:t>
+              <a:t>为前缀 的方法加载异步执行，并返回一个</a:t>
             </a:r>
             <a:r>
               <a:rPr lang="en-US" altLang="zh-CN" dirty="0" err="1"/>
-              <a:t>BeginInvoke</a:t>
+              <a:t>System.IAsyncResult</a:t>
             </a:r>
             <a:r>
               <a:rPr lang="zh-CN" altLang="en-US" dirty="0"/>
-              <a:t>和</a:t>
+              <a:t>对象，这个对象表示这个异步操作的状态。</a:t>
+            </a:r>
+            <a:r>
+              <a:rPr lang="en-US" altLang="zh-CN" dirty="0"/>
+              <a:t>Begin</a:t>
+            </a:r>
+            <a:r>
+              <a:rPr lang="zh-CN" altLang="en-US" dirty="0"/>
+              <a:t>方法可以接受一些与异步操作相关的参数，和一个</a:t>
             </a:r>
             <a:r>
               <a:rPr lang="en-US" altLang="zh-CN" dirty="0" err="1"/>
-              <a:t>EndInvoke</a:t>
+              <a:t>System.AsyncCallback</a:t>
             </a:r>
             <a:r>
               <a:rPr lang="zh-CN" altLang="en-US" dirty="0"/>
-              <a:t>方法，来确保委托的异步</a:t>
-            </a:r>
-            <a:r>
-              <a:rPr lang="zh-CN" altLang="en-US" dirty="0" smtClean="0"/>
-              <a:t>调用</a:t>
-            </a:r>
-            <a:endParaRPr lang="en-US" altLang="zh-CN" dirty="0" smtClean="0"/>
-          </a:p>
-          <a:p>
-            <a:endParaRPr lang="en-US" altLang="zh-CN" dirty="0"/>
-          </a:p>
-          <a:p>
+              <a:t>对象。这个对象表示异步操作结束时要调用的方法。然后可以调用以</a:t>
+            </a:r>
+            <a:r>
+              <a:rPr lang="en-US" altLang="zh-CN" dirty="0"/>
+              <a:t>End</a:t>
+            </a:r>
             <a:r>
               <a:rPr lang="zh-CN" altLang="en-US" dirty="0"/>
-              <a:t>通过一个委托来进行同步方法的异步调用，也是</a:t>
-            </a:r>
-            <a:r>
-              <a:rPr lang="en-US" altLang="zh-CN" dirty="0" err="1"/>
-              <a:t>.net</a:t>
+              <a:t>为前缀的方法，以</a:t>
+            </a:r>
+            <a:r>
+              <a:rPr lang="en-US" altLang="zh-CN" dirty="0"/>
+              <a:t>End</a:t>
             </a:r>
             <a:r>
               <a:rPr lang="zh-CN" altLang="en-US" dirty="0"/>
-              <a:t>提供的异步调用机制之一。但是</a:t>
-            </a:r>
-            <a:r>
-              <a:rPr lang="en-US" altLang="zh-CN" dirty="0" err="1"/>
-              <a:t>Delegate.BeginInvoke</a:t>
+              <a:t>为前缀的方法会阻塞当前任务或线程，直到</a:t>
+            </a:r>
+            <a:r>
+              <a:rPr lang="en-US" altLang="zh-CN" dirty="0"/>
+              <a:t>I/O</a:t>
             </a:r>
             <a:r>
               <a:rPr lang="zh-CN" altLang="en-US" dirty="0"/>
-              <a:t>方法是从</a:t>
-            </a:r>
-            <a:r>
-              <a:rPr lang="en-US" altLang="zh-CN" dirty="0" err="1"/>
-              <a:t>ThreadPool</a:t>
-            </a:r>
-            <a:r>
-              <a:rPr lang="zh-CN" altLang="en-US" dirty="0"/>
-              <a:t>取出一个线程来执行这个方法，以获得异步执行效果的。也就是说，如果采用这种方式提交多个异步委托，那么这些调用的顺序无法得到保证。而且由于是使用线程池里面的线程来完成任务，使用频繁，会对系统的性能造成影响。</a:t>
-            </a:r>
-            <a:endParaRPr lang="en-US" altLang="zh-CN" dirty="0" smtClean="0"/>
+              <a:t>线程完成。它还可以返回操作结果相关的信息。</a:t>
+            </a:r>
           </a:p>
           <a:p>
             <a:endParaRPr lang="zh-CN" altLang="en-US" dirty="0"/>
@@ -5172,7 +5168,7 @@
     </p:spTree>
     <p:extLst>
       <p:ext uri="{BB962C8B-B14F-4D97-AF65-F5344CB8AC3E}">
-        <p14:creationId xmlns:p14="http://schemas.microsoft.com/office/powerpoint/2010/main" val="1009121632"/>
+        <p14:creationId xmlns:p14="http://schemas.microsoft.com/office/powerpoint/2010/main" val="693951043"/>
       </p:ext>
     </p:extLst>
   </p:cSld>
@@ -5215,12 +5211,8 @@
           <a:lstStyle/>
           <a:p>
             <a:r>
-              <a:rPr lang="en-US" altLang="zh-CN" dirty="0" smtClean="0"/>
-              <a:t>Controller</a:t>
-            </a:r>
-            <a:r>
               <a:rPr lang="zh-CN" altLang="en-US" dirty="0" smtClean="0"/>
-              <a:t>的</a:t>
+              <a:t>基于委托的</a:t>
             </a:r>
             <a:r>
               <a:rPr lang="en-US" altLang="zh-CN" dirty="0" smtClean="0"/>
@@ -5236,7 +5228,13 @@
       </p:sp>
       <p:sp>
         <p:nvSpPr>
-          <p:cNvPr id="5" name="内容占位符 4"/>
+          <p:cNvPr id="4" name="内容占位符 3">
+            <a:extLst>
+              <a:ext uri="{FF2B5EF4-FFF2-40B4-BE49-F238E27FC236}">
+                <a16:creationId xmlns:a16="http://schemas.microsoft.com/office/drawing/2014/main" xmlns="" id="{62CD55B7-E798-45C3-A64E-53D4169A931B}"/>
+              </a:ext>
+            </a:extLst>
+          </p:cNvPr>
           <p:cNvSpPr>
             <a:spLocks noGrp="1"/>
           </p:cNvSpPr>
@@ -5250,39 +5248,98 @@
           <a:lstStyle/>
           <a:p>
             <a:r>
+              <a:rPr lang="en-US" altLang="zh-CN" dirty="0" smtClean="0"/>
+              <a:t>CLR</a:t>
+            </a:r>
+            <a:r>
+              <a:rPr lang="zh-CN" altLang="en-US" dirty="0"/>
+              <a:t>为每一个委托类型提供了一个</a:t>
+            </a:r>
+            <a:r>
               <a:rPr lang="en-US" altLang="zh-CN" dirty="0"/>
-              <a:t>Windows GUI</a:t>
+              <a:t>Invoke</a:t>
             </a:r>
             <a:r>
               <a:rPr lang="zh-CN" altLang="en-US" dirty="0"/>
-              <a:t>程序是基于消息机制的，有个主线程维护着一个消息</a:t>
+              <a:t>方法，并且该方法和</a:t>
+            </a:r>
+            <a:r>
+              <a:rPr lang="en-US" altLang="zh-CN" dirty="0"/>
+              <a:t>delegate</a:t>
+            </a:r>
+            <a:r>
+              <a:rPr lang="zh-CN" altLang="en-US" dirty="0"/>
+              <a:t>拥有相同的</a:t>
             </a:r>
             <a:r>
               <a:rPr lang="zh-CN" altLang="en-US" dirty="0" smtClean="0"/>
-              <a:t>泵。这个</a:t>
+              <a:t>签名</a:t>
+            </a:r>
+            <a:endParaRPr lang="en-US" altLang="zh-CN" dirty="0" smtClean="0"/>
+          </a:p>
+          <a:p>
+            <a:r>
+              <a:rPr lang="en-US" altLang="zh-CN" dirty="0" smtClean="0"/>
+              <a:t>CLR</a:t>
             </a:r>
             <a:r>
               <a:rPr lang="zh-CN" altLang="en-US" dirty="0"/>
-              <a:t>消息泵让</a:t>
-            </a:r>
-            <a:r>
-              <a:rPr lang="en-US" altLang="zh-CN" dirty="0"/>
-              <a:t>windows</a:t>
+              <a:t>为每一个委托类型提供了</a:t>
+            </a:r>
+            <a:r>
+              <a:rPr lang="en-US" altLang="zh-CN" dirty="0" err="1"/>
+              <a:t>BeginInvoke</a:t>
             </a:r>
             <a:r>
               <a:rPr lang="zh-CN" altLang="en-US" dirty="0"/>
-              <a:t>程序生生不息</a:t>
+              <a:t>和</a:t>
+            </a:r>
+            <a:r>
+              <a:rPr lang="en-US" altLang="zh-CN" dirty="0" err="1"/>
+              <a:t>EndInvoke</a:t>
+            </a:r>
+            <a:r>
+              <a:rPr lang="zh-CN" altLang="en-US" dirty="0"/>
+              <a:t>方法，来确保委托的异步</a:t>
             </a:r>
             <a:r>
               <a:rPr lang="zh-CN" altLang="en-US" dirty="0" smtClean="0"/>
-              <a:t>。</a:t>
+              <a:t>调用</a:t>
             </a:r>
             <a:endParaRPr lang="en-US" altLang="zh-CN" dirty="0" smtClean="0"/>
           </a:p>
           <a:p>
-            <a:endParaRPr lang="en-US" altLang="zh-CN" dirty="0" smtClean="0"/>
-          </a:p>
-          <a:p>
+            <a:endParaRPr lang="en-US" altLang="zh-CN" dirty="0"/>
+          </a:p>
+          <a:p>
+            <a:r>
+              <a:rPr lang="zh-CN" altLang="en-US" dirty="0"/>
+              <a:t>通过一个委托来进行同步方法的异步调用，也是</a:t>
+            </a:r>
+            <a:r>
+              <a:rPr lang="en-US" altLang="zh-CN" dirty="0" err="1"/>
+              <a:t>.net</a:t>
+            </a:r>
+            <a:r>
+              <a:rPr lang="zh-CN" altLang="en-US" dirty="0"/>
+              <a:t>提供的异步调用机制之一。但是</a:t>
+            </a:r>
+            <a:r>
+              <a:rPr lang="en-US" altLang="zh-CN" dirty="0" err="1"/>
+              <a:t>Delegate.BeginInvoke</a:t>
+            </a:r>
+            <a:r>
+              <a:rPr lang="zh-CN" altLang="en-US" dirty="0"/>
+              <a:t>方法是从</a:t>
+            </a:r>
+            <a:r>
+              <a:rPr lang="en-US" altLang="zh-CN" dirty="0" err="1"/>
+              <a:t>ThreadPool</a:t>
+            </a:r>
+            <a:r>
+              <a:rPr lang="zh-CN" altLang="en-US" dirty="0"/>
+              <a:t>取出一个线程来执行这个方法，以获得异步执行效果的。也就是说，如果采用这种方式提交多个异步委托，那么这些调用的顺序无法得到保证。而且由于是使用线程池里面的线程来完成任务，使用频繁，会对系统的性能造成影响。</a:t>
+            </a:r>
             <a:endParaRPr lang="en-US" altLang="zh-CN" dirty="0" smtClean="0"/>
           </a:p>
           <a:p>
@@ -5290,34 +5347,10 @@
           </a:p>
         </p:txBody>
       </p:sp>
-      <p:pic>
-        <p:nvPicPr>
-          <p:cNvPr id="6" name="图片 5"/>
-          <p:cNvPicPr>
-            <a:picLocks noChangeAspect="1"/>
-          </p:cNvPicPr>
-          <p:nvPr/>
-        </p:nvPicPr>
-        <p:blipFill>
-          <a:blip r:embed="rId2"/>
-          <a:stretch>
-            <a:fillRect/>
-          </a:stretch>
-        </p:blipFill>
-        <p:spPr>
-          <a:xfrm>
-            <a:off x="827584" y="2204864"/>
-            <a:ext cx="5229225" cy="3562350"/>
-          </a:xfrm>
-          <a:prstGeom prst="rect">
-            <a:avLst/>
-          </a:prstGeom>
-        </p:spPr>
-      </p:pic>
     </p:spTree>
     <p:extLst>
       <p:ext uri="{BB962C8B-B14F-4D97-AF65-F5344CB8AC3E}">
-        <p14:creationId xmlns:p14="http://schemas.microsoft.com/office/powerpoint/2010/main" val="3384948909"/>
+        <p14:creationId xmlns:p14="http://schemas.microsoft.com/office/powerpoint/2010/main" val="1009121632"/>
       </p:ext>
     </p:extLst>
   </p:cSld>
@@ -5394,6 +5427,151 @@
           <a:bodyPr/>
           <a:lstStyle/>
           <a:p>
+            <a:r>
+              <a:rPr lang="en-US" altLang="zh-CN" dirty="0"/>
+              <a:t>Windows GUI</a:t>
+            </a:r>
+            <a:r>
+              <a:rPr lang="zh-CN" altLang="en-US" dirty="0"/>
+              <a:t>程序是基于消息机制的，有个主线程维护着一个消息</a:t>
+            </a:r>
+            <a:r>
+              <a:rPr lang="zh-CN" altLang="en-US" dirty="0" smtClean="0"/>
+              <a:t>泵。这个</a:t>
+            </a:r>
+            <a:r>
+              <a:rPr lang="zh-CN" altLang="en-US" dirty="0"/>
+              <a:t>消息泵让</a:t>
+            </a:r>
+            <a:r>
+              <a:rPr lang="en-US" altLang="zh-CN" dirty="0"/>
+              <a:t>windows</a:t>
+            </a:r>
+            <a:r>
+              <a:rPr lang="zh-CN" altLang="en-US" dirty="0"/>
+              <a:t>程序生生不息</a:t>
+            </a:r>
+            <a:r>
+              <a:rPr lang="zh-CN" altLang="en-US" dirty="0" smtClean="0"/>
+              <a:t>。</a:t>
+            </a:r>
+            <a:endParaRPr lang="en-US" altLang="zh-CN" dirty="0" smtClean="0"/>
+          </a:p>
+          <a:p>
+            <a:endParaRPr lang="en-US" altLang="zh-CN" dirty="0" smtClean="0"/>
+          </a:p>
+          <a:p>
+            <a:endParaRPr lang="en-US" altLang="zh-CN" dirty="0" smtClean="0"/>
+          </a:p>
+          <a:p>
+            <a:endParaRPr lang="zh-CN" altLang="en-US" dirty="0"/>
+          </a:p>
+        </p:txBody>
+      </p:sp>
+      <p:pic>
+        <p:nvPicPr>
+          <p:cNvPr id="6" name="图片 5"/>
+          <p:cNvPicPr>
+            <a:picLocks noChangeAspect="1"/>
+          </p:cNvPicPr>
+          <p:nvPr/>
+        </p:nvPicPr>
+        <p:blipFill>
+          <a:blip r:embed="rId2"/>
+          <a:stretch>
+            <a:fillRect/>
+          </a:stretch>
+        </p:blipFill>
+        <p:spPr>
+          <a:xfrm>
+            <a:off x="827584" y="2204864"/>
+            <a:ext cx="5229225" cy="3562350"/>
+          </a:xfrm>
+          <a:prstGeom prst="rect">
+            <a:avLst/>
+          </a:prstGeom>
+        </p:spPr>
+      </p:pic>
+    </p:spTree>
+    <p:extLst>
+      <p:ext uri="{BB962C8B-B14F-4D97-AF65-F5344CB8AC3E}">
+        <p14:creationId xmlns:p14="http://schemas.microsoft.com/office/powerpoint/2010/main" val="3384948909"/>
+      </p:ext>
+    </p:extLst>
+  </p:cSld>
+  <p:clrMapOvr>
+    <a:masterClrMapping/>
+  </p:clrMapOvr>
+</p:sld>
+</file>
+
+<file path=ppt/slides/slide13.xml><?xml version="1.0" encoding="utf-8"?>
+<p:sld xmlns:a="http://schemas.openxmlformats.org/drawingml/2006/main" xmlns:r="http://schemas.openxmlformats.org/officeDocument/2006/relationships" xmlns:p="http://schemas.openxmlformats.org/presentationml/2006/main">
+  <p:cSld>
+    <p:spTree>
+      <p:nvGrpSpPr>
+        <p:cNvPr id="1" name=""/>
+        <p:cNvGrpSpPr/>
+        <p:nvPr/>
+      </p:nvGrpSpPr>
+      <p:grpSpPr>
+        <a:xfrm>
+          <a:off x="0" y="0"/>
+          <a:ext cx="0" cy="0"/>
+          <a:chOff x="0" y="0"/>
+          <a:chExt cx="0" cy="0"/>
+        </a:xfrm>
+      </p:grpSpPr>
+      <p:sp>
+        <p:nvSpPr>
+          <p:cNvPr id="2" name="标题 1"/>
+          <p:cNvSpPr>
+            <a:spLocks noGrp="1"/>
+          </p:cNvSpPr>
+          <p:nvPr>
+            <p:ph type="title"/>
+          </p:nvPr>
+        </p:nvSpPr>
+        <p:spPr/>
+        <p:txBody>
+          <a:bodyPr/>
+          <a:lstStyle/>
+          <a:p>
+            <a:r>
+              <a:rPr lang="en-US" altLang="zh-CN" dirty="0" smtClean="0"/>
+              <a:t>Controller</a:t>
+            </a:r>
+            <a:r>
+              <a:rPr lang="zh-CN" altLang="en-US" dirty="0" smtClean="0"/>
+              <a:t>的</a:t>
+            </a:r>
+            <a:r>
+              <a:rPr lang="en-US" altLang="zh-CN" dirty="0" smtClean="0"/>
+              <a:t>Invoke </a:t>
+            </a:r>
+            <a:r>
+              <a:rPr lang="en-US" altLang="zh-CN" dirty="0" err="1" smtClean="0"/>
+              <a:t>BeginInvoke</a:t>
+            </a:r>
+            <a:endParaRPr lang="zh-CN" altLang="en-US" dirty="0"/>
+          </a:p>
+        </p:txBody>
+      </p:sp>
+      <p:sp>
+        <p:nvSpPr>
+          <p:cNvPr id="5" name="内容占位符 4"/>
+          <p:cNvSpPr>
+            <a:spLocks noGrp="1"/>
+          </p:cNvSpPr>
+          <p:nvPr>
+            <p:ph sz="quarter" idx="11"/>
+          </p:nvPr>
+        </p:nvSpPr>
+        <p:spPr/>
+        <p:txBody>
+          <a:bodyPr/>
+          <a:lstStyle/>
+          <a:p>
             <a:pPr marL="0" indent="0">
               <a:buNone/>
             </a:pPr>
@@ -5478,7 +5656,7 @@
 </p:sld>
 </file>
 
-<file path=ppt/slides/slide13.xml><?xml version="1.0" encoding="utf-8"?>
+<file path=ppt/slides/slide14.xml><?xml version="1.0" encoding="utf-8"?>
 <p:sld xmlns:a="http://schemas.openxmlformats.org/drawingml/2006/main" xmlns:r="http://schemas.openxmlformats.org/officeDocument/2006/relationships" xmlns:p="http://schemas.openxmlformats.org/presentationml/2006/main">
   <p:cSld>
     <p:spTree>
@@ -5641,186 +5819,6 @@
 </p:sld>
 </file>
 
-<file path=ppt/slides/slide14.xml><?xml version="1.0" encoding="utf-8"?>
-<p:sld xmlns:a="http://schemas.openxmlformats.org/drawingml/2006/main" xmlns:r="http://schemas.openxmlformats.org/officeDocument/2006/relationships" xmlns:p="http://schemas.openxmlformats.org/presentationml/2006/main">
-  <p:cSld>
-    <p:spTree>
-      <p:nvGrpSpPr>
-        <p:cNvPr id="1" name=""/>
-        <p:cNvGrpSpPr/>
-        <p:nvPr/>
-      </p:nvGrpSpPr>
-      <p:grpSpPr>
-        <a:xfrm>
-          <a:off x="0" y="0"/>
-          <a:ext cx="0" cy="0"/>
-          <a:chOff x="0" y="0"/>
-          <a:chExt cx="0" cy="0"/>
-        </a:xfrm>
-      </p:grpSpPr>
-      <p:sp>
-        <p:nvSpPr>
-          <p:cNvPr id="2" name="标题 1"/>
-          <p:cNvSpPr>
-            <a:spLocks noGrp="1"/>
-          </p:cNvSpPr>
-          <p:nvPr>
-            <p:ph type="title"/>
-          </p:nvPr>
-        </p:nvSpPr>
-        <p:spPr/>
-        <p:txBody>
-          <a:bodyPr/>
-          <a:lstStyle/>
-          <a:p>
-            <a:r>
-              <a:rPr lang="en-US" altLang="zh-CN" dirty="0" smtClean="0"/>
-              <a:t>Controller</a:t>
-            </a:r>
-            <a:r>
-              <a:rPr lang="zh-CN" altLang="en-US" dirty="0" smtClean="0"/>
-              <a:t>的</a:t>
-            </a:r>
-            <a:r>
-              <a:rPr lang="en-US" altLang="zh-CN" dirty="0" smtClean="0"/>
-              <a:t>Invoke </a:t>
-            </a:r>
-            <a:r>
-              <a:rPr lang="en-US" altLang="zh-CN" dirty="0" err="1" smtClean="0"/>
-              <a:t>BeginInvoke</a:t>
-            </a:r>
-            <a:endParaRPr lang="zh-CN" altLang="en-US" dirty="0"/>
-          </a:p>
-        </p:txBody>
-      </p:sp>
-      <p:sp>
-        <p:nvSpPr>
-          <p:cNvPr id="5" name="内容占位符 4"/>
-          <p:cNvSpPr>
-            <a:spLocks noGrp="1"/>
-          </p:cNvSpPr>
-          <p:nvPr>
-            <p:ph sz="quarter" idx="11"/>
-          </p:nvPr>
-        </p:nvSpPr>
-        <p:spPr/>
-        <p:txBody>
-          <a:bodyPr/>
-          <a:lstStyle/>
-          <a:p>
-            <a:r>
-              <a:rPr lang="zh-CN" altLang="en-US" dirty="0" smtClean="0"/>
-              <a:t>实现</a:t>
-            </a:r>
-            <a:r>
-              <a:rPr lang="en-US" altLang="zh-CN" dirty="0" smtClean="0"/>
-              <a:t>controller</a:t>
-            </a:r>
-            <a:r>
-              <a:rPr lang="zh-CN" altLang="en-US" dirty="0" smtClean="0"/>
-              <a:t>同步异步的关键类：</a:t>
-            </a:r>
-            <a:endParaRPr lang="en-US" altLang="zh-CN" dirty="0" smtClean="0"/>
-          </a:p>
-          <a:p>
-            <a:r>
-              <a:rPr lang="en-US" altLang="zh-CN" dirty="0" err="1"/>
-              <a:t>FindMarshalingControl</a:t>
-            </a:r>
-            <a:r>
-              <a:rPr lang="zh-CN" altLang="en-US" dirty="0"/>
-              <a:t>方法通过一个循环向上回溯，从当前控件开始回溯父控件，直到找到最顶级的父控件，用它作为封送对象</a:t>
-            </a:r>
-            <a:r>
-              <a:rPr lang="zh-CN" altLang="en-US" dirty="0" smtClean="0"/>
-              <a:t>。</a:t>
-            </a:r>
-            <a:endParaRPr lang="en-US" altLang="zh-CN" dirty="0" smtClean="0"/>
-          </a:p>
-          <a:p>
-            <a:r>
-              <a:rPr lang="en-US" altLang="zh-CN" b="1" dirty="0" err="1"/>
-              <a:t>MarshaledInvoke</a:t>
-            </a:r>
-            <a:endParaRPr lang="en-US" altLang="zh-CN" b="1" dirty="0"/>
-          </a:p>
-          <a:p>
-            <a:r>
-              <a:rPr lang="zh-CN" altLang="en-US" dirty="0"/>
-              <a:t>通过</a:t>
-            </a:r>
-            <a:r>
-              <a:rPr lang="en-US" altLang="zh-CN" dirty="0"/>
-              <a:t>windows</a:t>
-            </a:r>
-            <a:r>
-              <a:rPr lang="zh-CN" altLang="en-US" dirty="0"/>
-              <a:t>消息机制实现了封送。而需要封送的委托方法作为消息的参数进行了传递</a:t>
-            </a:r>
-            <a:r>
-              <a:rPr lang="zh-CN" altLang="en-US" dirty="0" smtClean="0"/>
-              <a:t>。</a:t>
-            </a:r>
-            <a:endParaRPr lang="en-US" altLang="zh-CN" dirty="0" smtClean="0"/>
-          </a:p>
-          <a:p>
-            <a:r>
-              <a:rPr lang="en-US" altLang="zh-CN" dirty="0" err="1"/>
-              <a:t>UnsafeNativeMethods.PostMessage</a:t>
-            </a:r>
-            <a:r>
-              <a:rPr lang="en-US" altLang="zh-CN" dirty="0"/>
-              <a:t>(new </a:t>
-            </a:r>
-            <a:r>
-              <a:rPr lang="en-US" altLang="zh-CN" dirty="0" err="1"/>
-              <a:t>HandleRef</a:t>
-            </a:r>
-            <a:r>
-              <a:rPr lang="en-US" altLang="zh-CN" dirty="0"/>
-              <a:t>(this, Handle), </a:t>
-            </a:r>
-            <a:r>
-              <a:rPr lang="en-US" altLang="zh-CN" dirty="0" err="1"/>
-              <a:t>threadCallbackMessage</a:t>
-            </a:r>
-            <a:r>
-              <a:rPr lang="en-US" altLang="zh-CN" dirty="0"/>
-              <a:t>, </a:t>
-            </a:r>
-            <a:r>
-              <a:rPr lang="en-US" altLang="zh-CN" dirty="0" err="1"/>
-              <a:t>IntPtr.Zero</a:t>
-            </a:r>
-            <a:r>
-              <a:rPr lang="en-US" altLang="zh-CN" dirty="0"/>
-              <a:t>, </a:t>
-            </a:r>
-            <a:r>
-              <a:rPr lang="en-US" altLang="zh-CN" dirty="0" err="1"/>
-              <a:t>IntPtr.Zero</a:t>
-            </a:r>
-            <a:r>
-              <a:rPr lang="en-US" altLang="zh-CN" dirty="0"/>
-              <a:t>);</a:t>
-            </a:r>
-            <a:endParaRPr lang="zh-CN" altLang="en-US" dirty="0"/>
-          </a:p>
-        </p:txBody>
-      </p:sp>
-    </p:spTree>
-    <p:extLst>
-      <p:ext uri="{BB962C8B-B14F-4D97-AF65-F5344CB8AC3E}">
-        <p14:creationId xmlns:p14="http://schemas.microsoft.com/office/powerpoint/2010/main" val="207883104"/>
-      </p:ext>
-    </p:extLst>
-  </p:cSld>
-  <p:clrMapOvr>
-    <a:masterClrMapping/>
-  </p:clrMapOvr>
-</p:sld>
-</file>
-
 <file path=ppt/slides/slide15.xml><?xml version="1.0" encoding="utf-8"?>
 <p:sld xmlns:a="http://schemas.openxmlformats.org/drawingml/2006/main" xmlns:r="http://schemas.openxmlformats.org/officeDocument/2006/relationships" xmlns:p="http://schemas.openxmlformats.org/presentationml/2006/main">
   <p:cSld>
@@ -5855,11 +5853,19 @@
           <a:p>
             <a:r>
               <a:rPr lang="en-US" altLang="zh-CN" dirty="0" smtClean="0"/>
-              <a:t>Framework </a:t>
+              <a:t>Controller</a:t>
             </a:r>
             <a:r>
               <a:rPr lang="zh-CN" altLang="en-US" dirty="0" smtClean="0"/>
-              <a:t>其他的异步实现</a:t>
+              <a:t>的</a:t>
+            </a:r>
+            <a:r>
+              <a:rPr lang="en-US" altLang="zh-CN" dirty="0" smtClean="0"/>
+              <a:t>Invoke </a:t>
+            </a:r>
+            <a:r>
+              <a:rPr lang="en-US" altLang="zh-CN" dirty="0" err="1" smtClean="0"/>
+              <a:t>BeginInvoke</a:t>
             </a:r>
             <a:endParaRPr lang="zh-CN" altLang="en-US" dirty="0"/>
           </a:p>
@@ -5881,6 +5887,178 @@
           <a:lstStyle/>
           <a:p>
             <a:r>
+              <a:rPr lang="zh-CN" altLang="en-US" dirty="0" smtClean="0"/>
+              <a:t>实现</a:t>
+            </a:r>
+            <a:r>
+              <a:rPr lang="en-US" altLang="zh-CN" dirty="0" smtClean="0"/>
+              <a:t>controller</a:t>
+            </a:r>
+            <a:r>
+              <a:rPr lang="zh-CN" altLang="en-US" dirty="0" smtClean="0"/>
+              <a:t>同步异步的关键类：</a:t>
+            </a:r>
+            <a:endParaRPr lang="en-US" altLang="zh-CN" dirty="0" smtClean="0"/>
+          </a:p>
+          <a:p>
+            <a:r>
+              <a:rPr lang="en-US" altLang="zh-CN" dirty="0" err="1"/>
+              <a:t>FindMarshalingControl</a:t>
+            </a:r>
+            <a:r>
+              <a:rPr lang="zh-CN" altLang="en-US" dirty="0"/>
+              <a:t>方法通过一个循环向上回溯，从当前控件开始回溯父控件，直到找到最顶级的父控件，用它作为封送对象</a:t>
+            </a:r>
+            <a:r>
+              <a:rPr lang="zh-CN" altLang="en-US" dirty="0" smtClean="0"/>
+              <a:t>。</a:t>
+            </a:r>
+            <a:endParaRPr lang="en-US" altLang="zh-CN" dirty="0" smtClean="0"/>
+          </a:p>
+          <a:p>
+            <a:r>
+              <a:rPr lang="en-US" altLang="zh-CN" b="1" dirty="0" err="1"/>
+              <a:t>MarshaledInvoke</a:t>
+            </a:r>
+            <a:endParaRPr lang="en-US" altLang="zh-CN" b="1" dirty="0"/>
+          </a:p>
+          <a:p>
+            <a:r>
+              <a:rPr lang="zh-CN" altLang="en-US" dirty="0"/>
+              <a:t>通过</a:t>
+            </a:r>
+            <a:r>
+              <a:rPr lang="en-US" altLang="zh-CN" dirty="0"/>
+              <a:t>windows</a:t>
+            </a:r>
+            <a:r>
+              <a:rPr lang="zh-CN" altLang="en-US" dirty="0"/>
+              <a:t>消息机制实现了封送。而需要封送的委托方法作为消息的参数进行了传递</a:t>
+            </a:r>
+            <a:r>
+              <a:rPr lang="zh-CN" altLang="en-US" dirty="0" smtClean="0"/>
+              <a:t>。</a:t>
+            </a:r>
+            <a:endParaRPr lang="en-US" altLang="zh-CN" dirty="0" smtClean="0"/>
+          </a:p>
+          <a:p>
+            <a:r>
+              <a:rPr lang="en-US" altLang="zh-CN" dirty="0" err="1"/>
+              <a:t>UnsafeNativeMethods.PostMessage</a:t>
+            </a:r>
+            <a:r>
+              <a:rPr lang="en-US" altLang="zh-CN" dirty="0"/>
+              <a:t>(new </a:t>
+            </a:r>
+            <a:r>
+              <a:rPr lang="en-US" altLang="zh-CN" dirty="0" err="1"/>
+              <a:t>HandleRef</a:t>
+            </a:r>
+            <a:r>
+              <a:rPr lang="en-US" altLang="zh-CN" dirty="0"/>
+              <a:t>(this, Handle), </a:t>
+            </a:r>
+            <a:r>
+              <a:rPr lang="en-US" altLang="zh-CN" dirty="0" err="1"/>
+              <a:t>threadCallbackMessage</a:t>
+            </a:r>
+            <a:r>
+              <a:rPr lang="en-US" altLang="zh-CN" dirty="0"/>
+              <a:t>, </a:t>
+            </a:r>
+            <a:r>
+              <a:rPr lang="en-US" altLang="zh-CN" dirty="0" err="1"/>
+              <a:t>IntPtr.Zero</a:t>
+            </a:r>
+            <a:r>
+              <a:rPr lang="en-US" altLang="zh-CN" dirty="0"/>
+              <a:t>, </a:t>
+            </a:r>
+            <a:r>
+              <a:rPr lang="en-US" altLang="zh-CN" dirty="0" err="1"/>
+              <a:t>IntPtr.Zero</a:t>
+            </a:r>
+            <a:r>
+              <a:rPr lang="en-US" altLang="zh-CN" dirty="0"/>
+              <a:t>);</a:t>
+            </a:r>
+            <a:endParaRPr lang="zh-CN" altLang="en-US" dirty="0"/>
+          </a:p>
+        </p:txBody>
+      </p:sp>
+    </p:spTree>
+    <p:extLst>
+      <p:ext uri="{BB962C8B-B14F-4D97-AF65-F5344CB8AC3E}">
+        <p14:creationId xmlns:p14="http://schemas.microsoft.com/office/powerpoint/2010/main" val="207883104"/>
+      </p:ext>
+    </p:extLst>
+  </p:cSld>
+  <p:clrMapOvr>
+    <a:masterClrMapping/>
+  </p:clrMapOvr>
+</p:sld>
+</file>
+
+<file path=ppt/slides/slide16.xml><?xml version="1.0" encoding="utf-8"?>
+<p:sld xmlns:a="http://schemas.openxmlformats.org/drawingml/2006/main" xmlns:r="http://schemas.openxmlformats.org/officeDocument/2006/relationships" xmlns:p="http://schemas.openxmlformats.org/presentationml/2006/main">
+  <p:cSld>
+    <p:spTree>
+      <p:nvGrpSpPr>
+        <p:cNvPr id="1" name=""/>
+        <p:cNvGrpSpPr/>
+        <p:nvPr/>
+      </p:nvGrpSpPr>
+      <p:grpSpPr>
+        <a:xfrm>
+          <a:off x="0" y="0"/>
+          <a:ext cx="0" cy="0"/>
+          <a:chOff x="0" y="0"/>
+          <a:chExt cx="0" cy="0"/>
+        </a:xfrm>
+      </p:grpSpPr>
+      <p:sp>
+        <p:nvSpPr>
+          <p:cNvPr id="2" name="标题 1"/>
+          <p:cNvSpPr>
+            <a:spLocks noGrp="1"/>
+          </p:cNvSpPr>
+          <p:nvPr>
+            <p:ph type="title"/>
+          </p:nvPr>
+        </p:nvSpPr>
+        <p:spPr/>
+        <p:txBody>
+          <a:bodyPr/>
+          <a:lstStyle/>
+          <a:p>
+            <a:r>
+              <a:rPr lang="en-US" altLang="zh-CN" dirty="0" smtClean="0"/>
+              <a:t>Framework </a:t>
+            </a:r>
+            <a:r>
+              <a:rPr lang="zh-CN" altLang="en-US" dirty="0" smtClean="0"/>
+              <a:t>其他的异步实现</a:t>
+            </a:r>
+            <a:endParaRPr lang="zh-CN" altLang="en-US" dirty="0"/>
+          </a:p>
+        </p:txBody>
+      </p:sp>
+      <p:sp>
+        <p:nvSpPr>
+          <p:cNvPr id="5" name="内容占位符 4"/>
+          <p:cNvSpPr>
+            <a:spLocks noGrp="1"/>
+          </p:cNvSpPr>
+          <p:nvPr>
+            <p:ph sz="quarter" idx="11"/>
+          </p:nvPr>
+        </p:nvSpPr>
+        <p:spPr/>
+        <p:txBody>
+          <a:bodyPr/>
+          <a:lstStyle/>
+          <a:p>
+            <a:r>
               <a:rPr lang="en-US" altLang="zh-CN" dirty="0" err="1" smtClean="0"/>
               <a:t>ISynchronizeInvoke</a:t>
             </a:r>
@@ -5907,7 +6085,7 @@
 </p:sld>
 </file>
 
-<file path=ppt/slides/slide16.xml><?xml version="1.0" encoding="utf-8"?>
+<file path=ppt/slides/slide17.xml><?xml version="1.0" encoding="utf-8"?>
 <p:sld xmlns:a="http://schemas.openxmlformats.org/drawingml/2006/main" xmlns:r="http://schemas.openxmlformats.org/officeDocument/2006/relationships" xmlns:p="http://schemas.openxmlformats.org/presentationml/2006/main">
   <p:cSld>
     <p:spTree>
@@ -6089,296 +6267,6 @@
     <p:extLst>
       <p:ext uri="{BB962C8B-B14F-4D97-AF65-F5344CB8AC3E}">
         <p14:creationId xmlns:p14="http://schemas.microsoft.com/office/powerpoint/2010/main" val="2685003196"/>
-      </p:ext>
-    </p:extLst>
-  </p:cSld>
-  <p:clrMapOvr>
-    <a:masterClrMapping/>
-  </p:clrMapOvr>
-</p:sld>
-</file>
-
-<file path=ppt/slides/slide17.xml><?xml version="1.0" encoding="utf-8"?>
-<p:sld xmlns:a="http://schemas.openxmlformats.org/drawingml/2006/main" xmlns:r="http://schemas.openxmlformats.org/officeDocument/2006/relationships" xmlns:p="http://schemas.openxmlformats.org/presentationml/2006/main">
-  <p:cSld>
-    <p:spTree>
-      <p:nvGrpSpPr>
-        <p:cNvPr id="1" name=""/>
-        <p:cNvGrpSpPr/>
-        <p:nvPr/>
-      </p:nvGrpSpPr>
-      <p:grpSpPr>
-        <a:xfrm>
-          <a:off x="0" y="0"/>
-          <a:ext cx="0" cy="0"/>
-          <a:chOff x="0" y="0"/>
-          <a:chExt cx="0" cy="0"/>
-        </a:xfrm>
-      </p:grpSpPr>
-      <p:sp>
-        <p:nvSpPr>
-          <p:cNvPr id="2" name="标题 1"/>
-          <p:cNvSpPr>
-            <a:spLocks noGrp="1"/>
-          </p:cNvSpPr>
-          <p:nvPr>
-            <p:ph type="title"/>
-          </p:nvPr>
-        </p:nvSpPr>
-        <p:spPr/>
-        <p:txBody>
-          <a:bodyPr/>
-          <a:lstStyle/>
-          <a:p>
-            <a:r>
-              <a:rPr lang="en-US" altLang="zh-CN" b="1" dirty="0" err="1" smtClean="0"/>
-              <a:t>async</a:t>
-            </a:r>
-            <a:r>
-              <a:rPr lang="en-US" altLang="zh-CN" b="1" dirty="0" smtClean="0"/>
-              <a:t>/await</a:t>
-            </a:r>
-            <a:br>
-              <a:rPr lang="en-US" altLang="zh-CN" b="1" dirty="0" smtClean="0"/>
-            </a:br>
-            <a:endParaRPr lang="zh-CN" altLang="en-US" dirty="0"/>
-          </a:p>
-        </p:txBody>
-      </p:sp>
-      <p:sp>
-        <p:nvSpPr>
-          <p:cNvPr id="5" name="内容占位符 4"/>
-          <p:cNvSpPr>
-            <a:spLocks noGrp="1"/>
-          </p:cNvSpPr>
-          <p:nvPr>
-            <p:ph sz="quarter" idx="11"/>
-          </p:nvPr>
-        </p:nvSpPr>
-        <p:spPr/>
-        <p:txBody>
-          <a:bodyPr/>
-          <a:lstStyle/>
-          <a:p>
-            <a:r>
-              <a:rPr lang="en-US" altLang="zh-CN" dirty="0" smtClean="0"/>
-              <a:t>C#5.0</a:t>
-            </a:r>
-            <a:r>
-              <a:rPr lang="zh-CN" altLang="en-US" dirty="0" smtClean="0"/>
-              <a:t>出来的语法糖</a:t>
-            </a:r>
-            <a:endParaRPr lang="en-US" altLang="zh-CN" dirty="0" smtClean="0"/>
-          </a:p>
-          <a:p>
-            <a:r>
-              <a:rPr lang="zh-CN" altLang="en-US" dirty="0" smtClean="0"/>
-              <a:t>它的好处是代码易读性高</a:t>
-            </a:r>
-            <a:endParaRPr lang="en-US" altLang="zh-CN" dirty="0" smtClean="0"/>
-          </a:p>
-          <a:p>
-            <a:r>
-              <a:rPr lang="zh-CN" altLang="en-US" dirty="0" smtClean="0"/>
-              <a:t>特别对于网站，网站的并发量是由</a:t>
-            </a:r>
-            <a:r>
-              <a:rPr lang="en-US" altLang="zh-CN" dirty="0" smtClean="0"/>
-              <a:t>IIS</a:t>
-            </a:r>
-            <a:r>
-              <a:rPr lang="zh-CN" altLang="en-US" dirty="0" smtClean="0"/>
-              <a:t>相应站点配置的应用池队列大小、最大工作进程数和最大并发连接数决定的</a:t>
-            </a:r>
-            <a:endParaRPr lang="en-US" altLang="zh-CN" dirty="0" smtClean="0"/>
-          </a:p>
-          <a:p>
-            <a:r>
-              <a:rPr lang="en-US" altLang="zh-CN" dirty="0" smtClean="0"/>
-              <a:t>IIS</a:t>
-            </a:r>
-            <a:r>
-              <a:rPr lang="zh-CN" altLang="en-US" dirty="0"/>
-              <a:t>最大并发连接数 </a:t>
-            </a:r>
-            <a:r>
-              <a:rPr lang="en-US" altLang="zh-CN" dirty="0"/>
-              <a:t>= </a:t>
-            </a:r>
-            <a:r>
-              <a:rPr lang="zh-CN" altLang="en-US" dirty="0"/>
-              <a:t>队列长度 </a:t>
-            </a:r>
-            <a:r>
-              <a:rPr lang="en-US" altLang="zh-CN" dirty="0"/>
-              <a:t>+ IIS</a:t>
-            </a:r>
-            <a:r>
-              <a:rPr lang="zh-CN" altLang="en-US" dirty="0"/>
-              <a:t>最大并发</a:t>
-            </a:r>
-            <a:r>
-              <a:rPr lang="zh-CN" altLang="en-US" dirty="0" smtClean="0"/>
-              <a:t>工作线程数</a:t>
-            </a:r>
-            <a:endParaRPr lang="en-US" altLang="zh-CN" dirty="0"/>
-          </a:p>
-          <a:p>
-            <a:r>
-              <a:rPr lang="en-US" altLang="zh-CN" dirty="0"/>
-              <a:t>IIS</a:t>
-            </a:r>
-            <a:r>
-              <a:rPr lang="zh-CN" altLang="en-US" dirty="0"/>
-              <a:t>的默认值对我们网站并发处理能力的影响。</a:t>
-            </a:r>
-            <a:r>
-              <a:rPr lang="en-US" altLang="zh-CN" dirty="0"/>
-              <a:t>IIS</a:t>
-            </a:r>
-            <a:r>
-              <a:rPr lang="zh-CN" altLang="en-US" dirty="0"/>
-              <a:t>默认的</a:t>
-            </a:r>
-            <a:r>
-              <a:rPr lang="en-US" altLang="zh-CN" dirty="0"/>
-              <a:t>【</a:t>
-            </a:r>
-            <a:r>
-              <a:rPr lang="zh-CN" altLang="en-US" dirty="0"/>
-              <a:t>最大并发连接数</a:t>
-            </a:r>
-            <a:r>
-              <a:rPr lang="en-US" altLang="zh-CN" dirty="0"/>
-              <a:t>】</a:t>
-            </a:r>
-            <a:r>
-              <a:rPr lang="zh-CN" altLang="en-US" dirty="0"/>
-              <a:t>为</a:t>
-            </a:r>
-            <a:r>
-              <a:rPr lang="en-US" altLang="zh-CN" dirty="0"/>
-              <a:t>4294967295</a:t>
-            </a:r>
-            <a:r>
-              <a:rPr lang="zh-CN" altLang="en-US" dirty="0"/>
-              <a:t>（</a:t>
-            </a:r>
-            <a:r>
-              <a:rPr lang="en-US" altLang="zh-CN" dirty="0"/>
-              <a:t>42</a:t>
-            </a:r>
-            <a:r>
-              <a:rPr lang="zh-CN" altLang="en-US" dirty="0"/>
-              <a:t>亿多），而</a:t>
-            </a:r>
-            <a:r>
-              <a:rPr lang="en-US" altLang="zh-CN" dirty="0"/>
-              <a:t>【</a:t>
-            </a:r>
-            <a:r>
-              <a:rPr lang="zh-CN" altLang="en-US" dirty="0"/>
-              <a:t>队列长度</a:t>
-            </a:r>
-            <a:r>
-              <a:rPr lang="en-US" altLang="zh-CN" dirty="0"/>
-              <a:t>】</a:t>
-            </a:r>
-            <a:r>
-              <a:rPr lang="zh-CN" altLang="en-US" dirty="0"/>
-              <a:t>默认值为</a:t>
-            </a:r>
-            <a:r>
-              <a:rPr lang="en-US" altLang="zh-CN" dirty="0"/>
-              <a:t>1000</a:t>
-            </a:r>
-            <a:r>
-              <a:rPr lang="zh-CN" altLang="en-US" dirty="0"/>
-              <a:t>。对于</a:t>
-            </a:r>
-            <a:r>
-              <a:rPr lang="en-US" altLang="zh-CN" dirty="0"/>
-              <a:t>windows server</a:t>
-            </a:r>
-            <a:r>
-              <a:rPr lang="zh-CN" altLang="en-US" dirty="0"/>
-              <a:t>版本的</a:t>
-            </a:r>
-            <a:r>
-              <a:rPr lang="en-US" altLang="zh-CN" dirty="0"/>
-              <a:t>IIS</a:t>
-            </a:r>
-            <a:r>
-              <a:rPr lang="zh-CN" altLang="en-US" dirty="0"/>
-              <a:t>，最大并发工作线程数可能几百（猜测，可能没有限制），按照这个默认值，那么</a:t>
-            </a:r>
-            <a:r>
-              <a:rPr lang="en-US" altLang="zh-CN" dirty="0"/>
-              <a:t>IIS</a:t>
-            </a:r>
-            <a:r>
-              <a:rPr lang="zh-CN" altLang="en-US" dirty="0"/>
-              <a:t>同时处理的请求数也就</a:t>
-            </a:r>
-            <a:r>
-              <a:rPr lang="en-US" altLang="zh-CN" dirty="0"/>
-              <a:t>1000</a:t>
-            </a:r>
-            <a:r>
-              <a:rPr lang="zh-CN" altLang="en-US" dirty="0"/>
-              <a:t>多</a:t>
-            </a:r>
-            <a:r>
-              <a:rPr lang="zh-CN" altLang="en-US" dirty="0" smtClean="0"/>
-              <a:t>。</a:t>
-            </a:r>
-            <a:endParaRPr lang="en-US" altLang="zh-CN" dirty="0" smtClean="0"/>
-          </a:p>
-          <a:p>
-            <a:r>
-              <a:rPr lang="en-US" altLang="zh-CN" dirty="0" err="1" smtClean="0"/>
-              <a:t>Async</a:t>
-            </a:r>
-            <a:r>
-              <a:rPr lang="en-US" altLang="zh-CN" dirty="0" smtClean="0"/>
-              <a:t> await </a:t>
-            </a:r>
-            <a:r>
-              <a:rPr lang="zh-CN" altLang="en-US" dirty="0" smtClean="0"/>
-              <a:t>可以有效的释放当前的</a:t>
-            </a:r>
-            <a:r>
-              <a:rPr lang="en-US" altLang="zh-CN" dirty="0" smtClean="0"/>
-              <a:t>worker</a:t>
-            </a:r>
-            <a:r>
-              <a:rPr lang="zh-CN" altLang="en-US" dirty="0" smtClean="0"/>
-              <a:t>线程，调用</a:t>
-            </a:r>
-            <a:r>
-              <a:rPr lang="en-US" altLang="zh-CN" dirty="0" smtClean="0"/>
-              <a:t>CLR</a:t>
-            </a:r>
-            <a:r>
-              <a:rPr lang="zh-CN" altLang="en-US" dirty="0" smtClean="0"/>
-              <a:t>线程池执行异步操作，</a:t>
-            </a:r>
-            <a:r>
-              <a:rPr lang="en-US" altLang="zh-CN" dirty="0" smtClean="0"/>
-              <a:t>worker</a:t>
-            </a:r>
-            <a:r>
-              <a:rPr lang="zh-CN" altLang="en-US" dirty="0" smtClean="0"/>
-              <a:t>线程可以处理其他请求，提高了网站的并发量</a:t>
-            </a:r>
-            <a:endParaRPr lang="zh-CN" altLang="en-US" dirty="0"/>
-          </a:p>
-        </p:txBody>
-      </p:sp>
-    </p:spTree>
-    <p:extLst>
-      <p:ext uri="{BB962C8B-B14F-4D97-AF65-F5344CB8AC3E}">
-        <p14:creationId xmlns:p14="http://schemas.microsoft.com/office/powerpoint/2010/main" val="3478088573"/>
       </p:ext>
     </p:extLst>
   </p:cSld>
@@ -6451,35 +6339,191 @@
           <a:lstStyle/>
           <a:p>
             <a:r>
+              <a:rPr lang="en-US" altLang="zh-CN" dirty="0" smtClean="0"/>
+              <a:t>C#5.0</a:t>
+            </a:r>
+            <a:r>
+              <a:rPr lang="zh-CN" altLang="en-US" dirty="0" smtClean="0"/>
+              <a:t>出来的语法糖</a:t>
+            </a:r>
+            <a:endParaRPr lang="en-US" altLang="zh-CN" dirty="0" smtClean="0"/>
+          </a:p>
+          <a:p>
+            <a:r>
+              <a:rPr lang="zh-CN" altLang="en-US" dirty="0" smtClean="0"/>
+              <a:t>它的好处是代码易读性高</a:t>
+            </a:r>
+            <a:endParaRPr lang="en-US" altLang="zh-CN" dirty="0" smtClean="0"/>
+          </a:p>
+          <a:p>
+            <a:r>
+              <a:rPr lang="zh-CN" altLang="en-US" dirty="0" smtClean="0"/>
+              <a:t>特别对于网站，网站的并发量是由</a:t>
+            </a:r>
+            <a:r>
+              <a:rPr lang="en-US" altLang="zh-CN" dirty="0" smtClean="0"/>
+              <a:t>IIS</a:t>
+            </a:r>
+            <a:r>
+              <a:rPr lang="zh-CN" altLang="en-US" dirty="0" smtClean="0"/>
+              <a:t>相应站点配置的应用池队列大小、最大工作进程数和最大并发连接数决定的</a:t>
+            </a:r>
+            <a:endParaRPr lang="en-US" altLang="zh-CN" dirty="0" smtClean="0"/>
+          </a:p>
+          <a:p>
+            <a:r>
+              <a:rPr lang="en-US" altLang="zh-CN" dirty="0" smtClean="0"/>
+              <a:t>IIS</a:t>
+            </a:r>
+            <a:r>
+              <a:rPr lang="zh-CN" altLang="en-US" dirty="0"/>
+              <a:t>最大并发连接数 </a:t>
+            </a:r>
+            <a:r>
+              <a:rPr lang="en-US" altLang="zh-CN" dirty="0"/>
+              <a:t>= </a:t>
+            </a:r>
+            <a:r>
+              <a:rPr lang="zh-CN" altLang="en-US" dirty="0"/>
+              <a:t>队列长度 </a:t>
+            </a:r>
+            <a:r>
+              <a:rPr lang="en-US" altLang="zh-CN" dirty="0"/>
+              <a:t>+ IIS</a:t>
+            </a:r>
+            <a:r>
+              <a:rPr lang="zh-CN" altLang="en-US" dirty="0"/>
+              <a:t>最大并发</a:t>
+            </a:r>
+            <a:r>
+              <a:rPr lang="zh-CN" altLang="en-US" dirty="0" smtClean="0"/>
+              <a:t>工作线程数</a:t>
+            </a:r>
+            <a:endParaRPr lang="en-US" altLang="zh-CN" dirty="0"/>
+          </a:p>
+          <a:p>
+            <a:r>
+              <a:rPr lang="en-US" altLang="zh-CN" dirty="0"/>
+              <a:t>IIS</a:t>
+            </a:r>
+            <a:r>
+              <a:rPr lang="zh-CN" altLang="en-US" dirty="0"/>
+              <a:t>的默认值对我们网站并发处理能力的影响。</a:t>
+            </a:r>
+            <a:r>
+              <a:rPr lang="en-US" altLang="zh-CN" dirty="0"/>
+              <a:t>IIS</a:t>
+            </a:r>
+            <a:r>
+              <a:rPr lang="zh-CN" altLang="en-US" dirty="0"/>
+              <a:t>默认的</a:t>
+            </a:r>
+            <a:r>
+              <a:rPr lang="en-US" altLang="zh-CN" dirty="0"/>
+              <a:t>【</a:t>
+            </a:r>
+            <a:r>
+              <a:rPr lang="zh-CN" altLang="en-US" dirty="0"/>
+              <a:t>最大并发连接数</a:t>
+            </a:r>
+            <a:r>
+              <a:rPr lang="en-US" altLang="zh-CN" dirty="0"/>
+              <a:t>】</a:t>
+            </a:r>
+            <a:r>
+              <a:rPr lang="zh-CN" altLang="en-US" dirty="0"/>
+              <a:t>为</a:t>
+            </a:r>
+            <a:r>
+              <a:rPr lang="en-US" altLang="zh-CN" dirty="0"/>
+              <a:t>4294967295</a:t>
+            </a:r>
+            <a:r>
+              <a:rPr lang="zh-CN" altLang="en-US" dirty="0"/>
+              <a:t>（</a:t>
+            </a:r>
+            <a:r>
+              <a:rPr lang="en-US" altLang="zh-CN" dirty="0"/>
+              <a:t>42</a:t>
+            </a:r>
+            <a:r>
+              <a:rPr lang="zh-CN" altLang="en-US" dirty="0"/>
+              <a:t>亿多），而</a:t>
+            </a:r>
+            <a:r>
+              <a:rPr lang="en-US" altLang="zh-CN" dirty="0"/>
+              <a:t>【</a:t>
+            </a:r>
+            <a:r>
+              <a:rPr lang="zh-CN" altLang="en-US" dirty="0"/>
+              <a:t>队列长度</a:t>
+            </a:r>
+            <a:r>
+              <a:rPr lang="en-US" altLang="zh-CN" dirty="0"/>
+              <a:t>】</a:t>
+            </a:r>
+            <a:r>
+              <a:rPr lang="zh-CN" altLang="en-US" dirty="0"/>
+              <a:t>默认值为</a:t>
+            </a:r>
+            <a:r>
+              <a:rPr lang="en-US" altLang="zh-CN" dirty="0"/>
+              <a:t>1000</a:t>
+            </a:r>
+            <a:r>
+              <a:rPr lang="zh-CN" altLang="en-US" dirty="0"/>
+              <a:t>。对于</a:t>
+            </a:r>
+            <a:r>
+              <a:rPr lang="en-US" altLang="zh-CN" dirty="0"/>
+              <a:t>windows server</a:t>
+            </a:r>
+            <a:r>
+              <a:rPr lang="zh-CN" altLang="en-US" dirty="0"/>
+              <a:t>版本的</a:t>
+            </a:r>
+            <a:r>
+              <a:rPr lang="en-US" altLang="zh-CN" dirty="0"/>
+              <a:t>IIS</a:t>
+            </a:r>
+            <a:r>
+              <a:rPr lang="zh-CN" altLang="en-US" dirty="0"/>
+              <a:t>，最大并发工作线程数可能几百（猜测，可能没有限制），按照这个默认值，那么</a:t>
+            </a:r>
+            <a:r>
+              <a:rPr lang="en-US" altLang="zh-CN" dirty="0"/>
+              <a:t>IIS</a:t>
+            </a:r>
+            <a:r>
+              <a:rPr lang="zh-CN" altLang="en-US" dirty="0"/>
+              <a:t>同时处理的请求数也就</a:t>
+            </a:r>
+            <a:r>
+              <a:rPr lang="en-US" altLang="zh-CN" dirty="0"/>
+              <a:t>1000</a:t>
+            </a:r>
+            <a:r>
               <a:rPr lang="zh-CN" altLang="en-US" dirty="0"/>
               <a:t>多</a:t>
             </a:r>
             <a:r>
               <a:rPr lang="zh-CN" altLang="en-US" dirty="0" smtClean="0"/>
-              <a:t>线程并发可以提升多任务的效率，</a:t>
-            </a:r>
-            <a:r>
-              <a:rPr lang="zh-CN" altLang="en-US" dirty="0"/>
-              <a:t>不会</a:t>
+              <a:t>。</a:t>
+            </a:r>
+            <a:endParaRPr lang="en-US" altLang="zh-CN" dirty="0" smtClean="0"/>
+          </a:p>
+          <a:p>
+            <a:r>
+              <a:rPr lang="en-US" altLang="zh-CN" dirty="0" err="1" smtClean="0"/>
+              <a:t>Async</a:t>
+            </a:r>
+            <a:r>
+              <a:rPr lang="en-US" altLang="zh-CN" dirty="0" smtClean="0"/>
+              <a:t> await </a:t>
             </a:r>
             <a:r>
               <a:rPr lang="zh-CN" altLang="en-US" dirty="0" smtClean="0"/>
-              <a:t>提高响应速度。</a:t>
-            </a:r>
-            <a:endParaRPr lang="en-US" altLang="zh-CN" dirty="0" smtClean="0"/>
-          </a:p>
-          <a:p>
-            <a:r>
-              <a:rPr lang="zh-CN" altLang="en-US" dirty="0" smtClean="0"/>
-              <a:t>异步</a:t>
-            </a:r>
-            <a:r>
-              <a:rPr lang="en-US" altLang="zh-CN" dirty="0" smtClean="0"/>
-              <a:t>action</a:t>
-            </a:r>
-            <a:r>
-              <a:rPr lang="zh-CN" altLang="en-US" dirty="0" smtClean="0"/>
-              <a:t>可能由两个</a:t>
+              <a:t>可以有效的释放当前的</a:t>
             </a:r>
             <a:r>
               <a:rPr lang="en-US" altLang="zh-CN" dirty="0" smtClean="0"/>
@@ -6487,383 +6531,32 @@
             </a:r>
             <a:r>
               <a:rPr lang="zh-CN" altLang="en-US" dirty="0" smtClean="0"/>
-              <a:t>线程处理</a:t>
-            </a:r>
-            <a:endParaRPr lang="en-US" altLang="zh-CN" dirty="0" smtClean="0"/>
-          </a:p>
-          <a:p>
-            <a:endParaRPr lang="en-US" altLang="zh-CN" dirty="0"/>
-          </a:p>
-          <a:p>
-            <a:r>
-              <a:rPr lang="en-US" altLang="zh-CN" b="1" dirty="0" err="1"/>
-              <a:t>FileStream</a:t>
-            </a:r>
-            <a:r>
-              <a:rPr lang="zh-CN" altLang="en-US" b="1" dirty="0"/>
-              <a:t>操作：</a:t>
-            </a:r>
-            <a:r>
-              <a:rPr lang="en-US" altLang="zh-CN" dirty="0" err="1"/>
-              <a:t>BeginRead</a:t>
-            </a:r>
-            <a:r>
-              <a:rPr lang="zh-CN" altLang="en-US" dirty="0"/>
-              <a:t>、</a:t>
-            </a:r>
-            <a:r>
-              <a:rPr lang="en-US" altLang="zh-CN" dirty="0" err="1"/>
-              <a:t>BeginWrite</a:t>
-            </a:r>
-            <a:r>
-              <a:rPr lang="zh-CN" altLang="en-US" dirty="0"/>
-              <a:t>。调用</a:t>
-            </a:r>
-            <a:r>
-              <a:rPr lang="en-US" altLang="zh-CN" dirty="0" err="1"/>
-              <a:t>BeginRead</a:t>
-            </a:r>
-            <a:r>
-              <a:rPr lang="en-US" altLang="zh-CN" dirty="0"/>
-              <a:t>/</a:t>
-            </a:r>
-            <a:r>
-              <a:rPr lang="en-US" altLang="zh-CN" dirty="0" err="1"/>
-              <a:t>BeginWrite</a:t>
-            </a:r>
-            <a:r>
-              <a:rPr lang="zh-CN" altLang="en-US" dirty="0"/>
-              <a:t>时会发起一个异步操作，但是只有在创建</a:t>
-            </a:r>
-            <a:r>
-              <a:rPr lang="en-US" altLang="zh-CN" dirty="0" err="1"/>
-              <a:t>FileStream</a:t>
-            </a:r>
-            <a:r>
-              <a:rPr lang="zh-CN" altLang="en-US" dirty="0"/>
-              <a:t>时传入</a:t>
-            </a:r>
-            <a:r>
-              <a:rPr lang="en-US" altLang="zh-CN" dirty="0" err="1"/>
-              <a:t>FileOptions.Asynchronous</a:t>
-            </a:r>
-            <a:r>
-              <a:rPr lang="zh-CN" altLang="en-US" dirty="0"/>
-              <a:t>参数才能获取真正的</a:t>
-            </a:r>
-            <a:r>
-              <a:rPr lang="en-US" altLang="zh-CN" dirty="0"/>
-              <a:t>IOCP</a:t>
-            </a:r>
-            <a:r>
-              <a:rPr lang="zh-CN" altLang="en-US" dirty="0"/>
-              <a:t>支持，否则</a:t>
-            </a:r>
-            <a:r>
-              <a:rPr lang="en-US" altLang="zh-CN" dirty="0" err="1"/>
-              <a:t>BeginXXX</a:t>
-            </a:r>
-            <a:r>
-              <a:rPr lang="zh-CN" altLang="en-US" dirty="0"/>
-              <a:t>方法将会使用默认定义在</a:t>
-            </a:r>
-            <a:r>
-              <a:rPr lang="en-US" altLang="zh-CN" dirty="0"/>
-              <a:t>Stream</a:t>
-            </a:r>
-            <a:r>
-              <a:rPr lang="zh-CN" altLang="en-US" dirty="0"/>
-              <a:t>基类上的实现。</a:t>
-            </a:r>
-            <a:r>
-              <a:rPr lang="en-US" altLang="zh-CN" dirty="0"/>
-              <a:t>Stream</a:t>
-            </a:r>
-            <a:r>
-              <a:rPr lang="zh-CN" altLang="en-US" dirty="0"/>
-              <a:t>基类中</a:t>
-            </a:r>
-            <a:r>
-              <a:rPr lang="en-US" altLang="zh-CN" dirty="0" err="1"/>
-              <a:t>BeginXXX</a:t>
-            </a:r>
-            <a:r>
-              <a:rPr lang="zh-CN" altLang="en-US" dirty="0"/>
-              <a:t>方法会使用委托的</a:t>
-            </a:r>
-            <a:r>
-              <a:rPr lang="en-US" altLang="zh-CN" dirty="0" err="1"/>
-              <a:t>BeginInvoke</a:t>
-            </a:r>
-            <a:r>
-              <a:rPr lang="zh-CN" altLang="en-US" dirty="0"/>
-              <a:t>方法来发起异步调用</a:t>
-            </a:r>
-            <a:r>
-              <a:rPr lang="en-US" altLang="zh-CN" dirty="0"/>
-              <a:t>——</a:t>
-            </a:r>
-            <a:r>
-              <a:rPr lang="zh-CN" altLang="en-US" dirty="0"/>
-              <a:t>这会使用一个额外的线程来执行任务。虽然当前调用线程立即返回了，但是数据的读取或写入操作依旧占用着另一个线程（</a:t>
-            </a:r>
-            <a:r>
-              <a:rPr lang="en-US" altLang="zh-CN" dirty="0"/>
-              <a:t>IOCP</a:t>
-            </a:r>
-            <a:r>
-              <a:rPr lang="zh-CN" altLang="en-US" dirty="0"/>
-              <a:t>支持的异步操作时不需要线程的），因此并没有任何“节省”，反而还很有可能降低了应用程序的性能，因为额外的线程切换会造成性能损失。</a:t>
-            </a:r>
-          </a:p>
-          <a:p>
-            <a:r>
-              <a:rPr lang="en-US" altLang="zh-CN" b="1" dirty="0"/>
-              <a:t>DNS</a:t>
-            </a:r>
-            <a:r>
-              <a:rPr lang="zh-CN" altLang="en-US" b="1" dirty="0"/>
-              <a:t>操作：</a:t>
-            </a:r>
-            <a:r>
-              <a:rPr lang="en-US" altLang="zh-CN" dirty="0" err="1"/>
-              <a:t>BeginGetHostByName</a:t>
-            </a:r>
-            <a:r>
-              <a:rPr lang="zh-CN" altLang="en-US" dirty="0"/>
-              <a:t>、</a:t>
-            </a:r>
-            <a:r>
-              <a:rPr lang="en-US" altLang="zh-CN" dirty="0" err="1"/>
-              <a:t>BeginResolve</a:t>
-            </a:r>
-            <a:r>
-              <a:rPr lang="zh-CN" altLang="en-US" dirty="0"/>
-              <a:t>。</a:t>
-            </a:r>
-          </a:p>
-          <a:p>
-            <a:r>
-              <a:rPr lang="en-US" altLang="zh-CN" b="1" dirty="0"/>
-              <a:t>Socket</a:t>
-            </a:r>
-            <a:r>
-              <a:rPr lang="zh-CN" altLang="en-US" b="1" dirty="0"/>
-              <a:t>操作：</a:t>
-            </a:r>
-            <a:r>
-              <a:rPr lang="en-US" altLang="zh-CN" dirty="0" err="1"/>
-              <a:t>BeginAccept</a:t>
-            </a:r>
-            <a:r>
-              <a:rPr lang="zh-CN" altLang="en-US" dirty="0"/>
-              <a:t>、</a:t>
-            </a:r>
-            <a:r>
-              <a:rPr lang="en-US" altLang="zh-CN" dirty="0" err="1"/>
-              <a:t>BeginConnect</a:t>
-            </a:r>
-            <a:r>
-              <a:rPr lang="zh-CN" altLang="en-US" dirty="0"/>
-              <a:t>、</a:t>
-            </a:r>
-            <a:r>
-              <a:rPr lang="en-US" altLang="zh-CN" dirty="0" err="1"/>
-              <a:t>BeginReceive</a:t>
-            </a:r>
-            <a:r>
-              <a:rPr lang="zh-CN" altLang="en-US" dirty="0"/>
-              <a:t>等等。</a:t>
-            </a:r>
-          </a:p>
-          <a:p>
-            <a:r>
-              <a:rPr lang="en-US" altLang="zh-CN" b="1" dirty="0" err="1"/>
-              <a:t>WebRequest</a:t>
-            </a:r>
-            <a:r>
-              <a:rPr lang="zh-CN" altLang="en-US" b="1" dirty="0"/>
-              <a:t>操作：</a:t>
-            </a:r>
-            <a:r>
-              <a:rPr lang="en-US" altLang="zh-CN" dirty="0" err="1"/>
-              <a:t>BeginGetRequestStream</a:t>
-            </a:r>
-            <a:r>
-              <a:rPr lang="zh-CN" altLang="en-US" dirty="0"/>
-              <a:t>、</a:t>
-            </a:r>
-            <a:r>
-              <a:rPr lang="en-US" altLang="zh-CN" dirty="0" err="1"/>
-              <a:t>BeginGetResponse</a:t>
-            </a:r>
-            <a:r>
-              <a:rPr lang="zh-CN" altLang="en-US" dirty="0"/>
-              <a:t>。</a:t>
-            </a:r>
-          </a:p>
-          <a:p>
-            <a:r>
-              <a:rPr lang="en-US" altLang="zh-CN" b="1" dirty="0" err="1"/>
-              <a:t>SqlCommand</a:t>
-            </a:r>
-            <a:r>
-              <a:rPr lang="zh-CN" altLang="en-US" b="1" dirty="0"/>
-              <a:t>操作：</a:t>
-            </a:r>
-            <a:r>
-              <a:rPr lang="en-US" altLang="zh-CN" dirty="0" err="1"/>
-              <a:t>BeginExecuteReader</a:t>
-            </a:r>
-            <a:r>
-              <a:rPr lang="zh-CN" altLang="en-US" dirty="0"/>
-              <a:t>、</a:t>
-            </a:r>
-            <a:r>
-              <a:rPr lang="en-US" altLang="zh-CN" dirty="0" err="1"/>
-              <a:t>BeginExecuteNonQuery</a:t>
-            </a:r>
-            <a:r>
-              <a:rPr lang="zh-CN" altLang="en-US" dirty="0"/>
-              <a:t>等等。这可能是开发一个</a:t>
-            </a:r>
-            <a:r>
-              <a:rPr lang="en-US" altLang="zh-CN" dirty="0"/>
-              <a:t>Web</a:t>
-            </a:r>
-            <a:r>
-              <a:rPr lang="zh-CN" altLang="en-US" dirty="0"/>
-              <a:t>应用时最常用的异步操作了。如果需要在执行数据库操作时得到</a:t>
-            </a:r>
-            <a:r>
-              <a:rPr lang="en-US" altLang="zh-CN" dirty="0"/>
-              <a:t>IOCP</a:t>
-            </a:r>
-            <a:r>
-              <a:rPr lang="zh-CN" altLang="en-US" dirty="0"/>
-              <a:t>支持，那么需要在连接字符串中标记</a:t>
-            </a:r>
-            <a:r>
-              <a:rPr lang="en-US" altLang="zh-CN" dirty="0"/>
-              <a:t>Asynchronous Processing</a:t>
-            </a:r>
-            <a:r>
-              <a:rPr lang="zh-CN" altLang="en-US" dirty="0"/>
-              <a:t>为</a:t>
-            </a:r>
-            <a:r>
-              <a:rPr lang="en-US" altLang="zh-CN" dirty="0"/>
-              <a:t>true</a:t>
-            </a:r>
-            <a:r>
-              <a:rPr lang="zh-CN" altLang="en-US" dirty="0"/>
-              <a:t>（默认为</a:t>
-            </a:r>
-            <a:r>
-              <a:rPr lang="en-US" altLang="zh-CN" dirty="0"/>
-              <a:t>false</a:t>
-            </a:r>
-            <a:r>
-              <a:rPr lang="zh-CN" altLang="en-US" dirty="0"/>
-              <a:t>），否则在调用</a:t>
-            </a:r>
-            <a:r>
-              <a:rPr lang="en-US" altLang="zh-CN" dirty="0" err="1"/>
-              <a:t>BeginXXX</a:t>
-            </a:r>
-            <a:r>
-              <a:rPr lang="zh-CN" altLang="en-US" dirty="0"/>
-              <a:t>操作时就会抛出异常。</a:t>
-            </a:r>
-          </a:p>
-          <a:p>
-            <a:r>
-              <a:rPr lang="en-US" altLang="zh-CN" b="1" dirty="0" err="1"/>
-              <a:t>WebServcie</a:t>
-            </a:r>
-            <a:r>
-              <a:rPr lang="zh-CN" altLang="en-US" b="1" dirty="0"/>
-              <a:t>调用操作：</a:t>
-            </a:r>
-            <a:r>
-              <a:rPr lang="zh-CN" altLang="en-US" dirty="0"/>
-              <a:t>例如</a:t>
-            </a:r>
-            <a:r>
-              <a:rPr lang="en-US" altLang="zh-CN" dirty="0"/>
-              <a:t>.NET 2.0</a:t>
-            </a:r>
-            <a:r>
-              <a:rPr lang="zh-CN" altLang="en-US" dirty="0"/>
-              <a:t>或</a:t>
-            </a:r>
-            <a:r>
-              <a:rPr lang="en-US" altLang="zh-CN" dirty="0"/>
-              <a:t>WCF</a:t>
-            </a:r>
-            <a:r>
-              <a:rPr lang="zh-CN" altLang="en-US" dirty="0"/>
-              <a:t>生成的</a:t>
-            </a:r>
-            <a:r>
-              <a:rPr lang="en-US" altLang="zh-CN" dirty="0"/>
-              <a:t>Web Service Proxy</a:t>
-            </a:r>
-            <a:r>
-              <a:rPr lang="zh-CN" altLang="en-US" dirty="0"/>
-              <a:t>中的</a:t>
-            </a:r>
-            <a:r>
-              <a:rPr lang="en-US" altLang="zh-CN" dirty="0" err="1"/>
-              <a:t>BeginXXX</a:t>
-            </a:r>
-            <a:r>
-              <a:rPr lang="zh-CN" altLang="en-US" dirty="0"/>
-              <a:t>方法、</a:t>
-            </a:r>
-            <a:r>
-              <a:rPr lang="en-US" altLang="zh-CN" dirty="0"/>
-              <a:t>WCF</a:t>
-            </a:r>
-            <a:r>
-              <a:rPr lang="zh-CN" altLang="en-US" dirty="0"/>
-              <a:t>中</a:t>
-            </a:r>
-            <a:r>
-              <a:rPr lang="en-US" altLang="zh-CN" dirty="0" err="1"/>
-              <a:t>ClientBase</a:t>
-            </a:r>
-            <a:r>
-              <a:rPr lang="en-US" altLang="zh-CN" dirty="0"/>
-              <a:t>&lt;</a:t>
-            </a:r>
-            <a:r>
-              <a:rPr lang="en-US" altLang="zh-CN" dirty="0" err="1"/>
-              <a:t>TChannel</a:t>
-            </a:r>
-            <a:r>
-              <a:rPr lang="en-US" altLang="zh-CN" dirty="0"/>
-              <a:t>&gt;</a:t>
-            </a:r>
-            <a:r>
-              <a:rPr lang="zh-CN" altLang="en-US" dirty="0"/>
-              <a:t>的</a:t>
-            </a:r>
-            <a:r>
-              <a:rPr lang="en-US" altLang="zh-CN" dirty="0" err="1"/>
-              <a:t>InvokeAsync</a:t>
-            </a:r>
-            <a:r>
-              <a:rPr lang="zh-CN" altLang="en-US" dirty="0"/>
-              <a:t>方法</a:t>
-            </a:r>
+              <a:t>线程，调用</a:t>
+            </a:r>
+            <a:r>
+              <a:rPr lang="en-US" altLang="zh-CN" dirty="0" smtClean="0"/>
+              <a:t>CLR</a:t>
+            </a:r>
+            <a:r>
+              <a:rPr lang="zh-CN" altLang="en-US" dirty="0" smtClean="0"/>
+              <a:t>线程池执行异步操作，</a:t>
+            </a:r>
+            <a:r>
+              <a:rPr lang="en-US" altLang="zh-CN" dirty="0" smtClean="0"/>
+              <a:t>worker</a:t>
+            </a:r>
+            <a:r>
+              <a:rPr lang="zh-CN" altLang="en-US" dirty="0" smtClean="0"/>
+              <a:t>线程可以处理其他请求，提高了网站的并发量</a:t>
+            </a:r>
+            <a:endParaRPr lang="zh-CN" altLang="en-US" dirty="0"/>
           </a:p>
         </p:txBody>
       </p:sp>
     </p:spTree>
     <p:extLst>
       <p:ext uri="{BB962C8B-B14F-4D97-AF65-F5344CB8AC3E}">
-        <p14:creationId xmlns:p14="http://schemas.microsoft.com/office/powerpoint/2010/main" val="37979098"/>
+        <p14:creationId xmlns:p14="http://schemas.microsoft.com/office/powerpoint/2010/main" val="3478088573"/>
       </p:ext>
     </p:extLst>
   </p:cSld>
@@ -6892,13 +6585,7 @@
       </p:grpSpPr>
       <p:sp>
         <p:nvSpPr>
-          <p:cNvPr id="2" name="标题 1">
-            <a:extLst>
-              <a:ext uri="{FF2B5EF4-FFF2-40B4-BE49-F238E27FC236}">
-                <a16:creationId xmlns:a16="http://schemas.microsoft.com/office/drawing/2014/main" xmlns="" id="{6A4CD1D8-ED2C-4268-9361-0864361A351F}"/>
-              </a:ext>
-            </a:extLst>
-          </p:cNvPr>
+          <p:cNvPr id="2" name="标题 1"/>
           <p:cNvSpPr>
             <a:spLocks noGrp="1"/>
           </p:cNvSpPr>
@@ -6912,26 +6599,23 @@
           <a:lstStyle/>
           <a:p>
             <a:r>
-              <a:rPr lang="en-US" altLang="zh-CN" dirty="0" smtClean="0"/>
-              <a:t>Framework</a:t>
-            </a:r>
-            <a:r>
-              <a:rPr lang="zh-CN" altLang="en-US" dirty="0" smtClean="0"/>
-              <a:t>源码</a:t>
-            </a:r>
+              <a:rPr lang="en-US" altLang="zh-CN" b="1" dirty="0" err="1" smtClean="0"/>
+              <a:t>async</a:t>
+            </a:r>
+            <a:r>
+              <a:rPr lang="en-US" altLang="zh-CN" b="1" dirty="0" smtClean="0"/>
+              <a:t>/await</a:t>
+            </a:r>
+            <a:br>
+              <a:rPr lang="en-US" altLang="zh-CN" b="1" dirty="0" smtClean="0"/>
+            </a:br>
             <a:endParaRPr lang="zh-CN" altLang="en-US" dirty="0"/>
           </a:p>
         </p:txBody>
       </p:sp>
       <p:sp>
         <p:nvSpPr>
-          <p:cNvPr id="3" name="内容占位符 2">
-            <a:extLst>
-              <a:ext uri="{FF2B5EF4-FFF2-40B4-BE49-F238E27FC236}">
-                <a16:creationId xmlns:a16="http://schemas.microsoft.com/office/drawing/2014/main" xmlns="" id="{3EC5FB96-7D8B-4523-A553-0B12076A24B6}"/>
-              </a:ext>
-            </a:extLst>
-          </p:cNvPr>
+          <p:cNvPr id="5" name="内容占位符 4"/>
           <p:cNvSpPr>
             <a:spLocks noGrp="1"/>
           </p:cNvSpPr>
@@ -6944,38 +6628,420 @@
           <a:bodyPr/>
           <a:lstStyle/>
           <a:p>
-            <a:pPr marL="0" indent="0">
-              <a:buNone/>
-            </a:pPr>
+            <a:r>
+              <a:rPr lang="zh-CN" altLang="en-US" dirty="0"/>
+              <a:t>多</a:t>
+            </a:r>
+            <a:r>
+              <a:rPr lang="zh-CN" altLang="en-US" dirty="0" smtClean="0"/>
+              <a:t>线程并发可以提升多任务的效率，</a:t>
+            </a:r>
+            <a:r>
+              <a:rPr lang="zh-CN" altLang="en-US" dirty="0"/>
+              <a:t>不会</a:t>
+            </a:r>
+            <a:r>
+              <a:rPr lang="zh-CN" altLang="en-US" dirty="0" smtClean="0"/>
+              <a:t>提高响应速度。</a:t>
+            </a:r>
+            <a:endParaRPr lang="en-US" altLang="zh-CN" dirty="0" smtClean="0"/>
+          </a:p>
+          <a:p>
+            <a:r>
+              <a:rPr lang="zh-CN" altLang="en-US" dirty="0" smtClean="0"/>
+              <a:t>异步</a:t>
+            </a:r>
+            <a:r>
+              <a:rPr lang="en-US" altLang="zh-CN" dirty="0" smtClean="0"/>
+              <a:t>action</a:t>
+            </a:r>
+            <a:r>
+              <a:rPr lang="zh-CN" altLang="en-US" dirty="0" smtClean="0"/>
+              <a:t>可能由两个</a:t>
+            </a:r>
+            <a:r>
+              <a:rPr lang="en-US" altLang="zh-CN" dirty="0" smtClean="0"/>
+              <a:t>worker</a:t>
+            </a:r>
+            <a:r>
+              <a:rPr lang="zh-CN" altLang="en-US" dirty="0" smtClean="0"/>
+              <a:t>线程处理</a:t>
+            </a:r>
+            <a:endParaRPr lang="en-US" altLang="zh-CN" dirty="0" smtClean="0"/>
+          </a:p>
+          <a:p>
+            <a:endParaRPr lang="en-US" altLang="zh-CN" dirty="0"/>
+          </a:p>
+          <a:p>
+            <a:r>
+              <a:rPr lang="en-US" altLang="zh-CN" b="1" dirty="0" err="1"/>
+              <a:t>FileStream</a:t>
+            </a:r>
+            <a:r>
+              <a:rPr lang="zh-CN" altLang="en-US" b="1" dirty="0"/>
+              <a:t>操作：</a:t>
+            </a:r>
+            <a:r>
+              <a:rPr lang="en-US" altLang="zh-CN" dirty="0" err="1"/>
+              <a:t>BeginRead</a:t>
+            </a:r>
+            <a:r>
+              <a:rPr lang="zh-CN" altLang="en-US" dirty="0"/>
+              <a:t>、</a:t>
+            </a:r>
+            <a:r>
+              <a:rPr lang="en-US" altLang="zh-CN" dirty="0" err="1"/>
+              <a:t>BeginWrite</a:t>
+            </a:r>
+            <a:r>
+              <a:rPr lang="zh-CN" altLang="en-US" dirty="0"/>
+              <a:t>。调用</a:t>
+            </a:r>
+            <a:r>
+              <a:rPr lang="en-US" altLang="zh-CN" dirty="0" err="1"/>
+              <a:t>BeginRead</a:t>
+            </a:r>
             <a:r>
               <a:rPr lang="en-US" altLang="zh-CN" dirty="0"/>
-              <a:t>https://referencesource.microsoft.com/download.html</a:t>
-            </a:r>
-          </a:p>
-          <a:p>
-            <a:pPr marL="0" indent="0">
-              <a:buNone/>
-            </a:pPr>
-            <a:endParaRPr lang="en-US" altLang="zh-CN" dirty="0"/>
-          </a:p>
-          <a:p>
-            <a:pPr marL="0" indent="0">
-              <a:buNone/>
-            </a:pPr>
-            <a:endParaRPr lang="en-US" altLang="zh-CN" dirty="0"/>
-          </a:p>
-          <a:p>
-            <a:pPr marL="0" indent="0">
-              <a:buNone/>
-            </a:pPr>
-            <a:endParaRPr lang="zh-CN" altLang="en-US" dirty="0"/>
+              <a:t>/</a:t>
+            </a:r>
+            <a:r>
+              <a:rPr lang="en-US" altLang="zh-CN" dirty="0" err="1"/>
+              <a:t>BeginWrite</a:t>
+            </a:r>
+            <a:r>
+              <a:rPr lang="zh-CN" altLang="en-US" dirty="0"/>
+              <a:t>时会发起一个异步操作，但是只有在创建</a:t>
+            </a:r>
+            <a:r>
+              <a:rPr lang="en-US" altLang="zh-CN" dirty="0" err="1"/>
+              <a:t>FileStream</a:t>
+            </a:r>
+            <a:r>
+              <a:rPr lang="zh-CN" altLang="en-US" dirty="0"/>
+              <a:t>时传入</a:t>
+            </a:r>
+            <a:r>
+              <a:rPr lang="en-US" altLang="zh-CN" dirty="0" err="1"/>
+              <a:t>FileOptions.Asynchronous</a:t>
+            </a:r>
+            <a:r>
+              <a:rPr lang="zh-CN" altLang="en-US" dirty="0"/>
+              <a:t>参数才能获取真正的</a:t>
+            </a:r>
+            <a:r>
+              <a:rPr lang="en-US" altLang="zh-CN" dirty="0"/>
+              <a:t>IOCP</a:t>
+            </a:r>
+            <a:r>
+              <a:rPr lang="zh-CN" altLang="en-US" dirty="0"/>
+              <a:t>支持，否则</a:t>
+            </a:r>
+            <a:r>
+              <a:rPr lang="en-US" altLang="zh-CN" dirty="0" err="1"/>
+              <a:t>BeginXXX</a:t>
+            </a:r>
+            <a:r>
+              <a:rPr lang="zh-CN" altLang="en-US" dirty="0"/>
+              <a:t>方法将会使用默认定义在</a:t>
+            </a:r>
+            <a:r>
+              <a:rPr lang="en-US" altLang="zh-CN" dirty="0"/>
+              <a:t>Stream</a:t>
+            </a:r>
+            <a:r>
+              <a:rPr lang="zh-CN" altLang="en-US" dirty="0"/>
+              <a:t>基类上的实现。</a:t>
+            </a:r>
+            <a:r>
+              <a:rPr lang="en-US" altLang="zh-CN" dirty="0"/>
+              <a:t>Stream</a:t>
+            </a:r>
+            <a:r>
+              <a:rPr lang="zh-CN" altLang="en-US" dirty="0"/>
+              <a:t>基类中</a:t>
+            </a:r>
+            <a:r>
+              <a:rPr lang="en-US" altLang="zh-CN" dirty="0" err="1"/>
+              <a:t>BeginXXX</a:t>
+            </a:r>
+            <a:r>
+              <a:rPr lang="zh-CN" altLang="en-US" dirty="0"/>
+              <a:t>方法会使用委托的</a:t>
+            </a:r>
+            <a:r>
+              <a:rPr lang="en-US" altLang="zh-CN" dirty="0" err="1"/>
+              <a:t>BeginInvoke</a:t>
+            </a:r>
+            <a:r>
+              <a:rPr lang="zh-CN" altLang="en-US" dirty="0"/>
+              <a:t>方法来发起异步调用</a:t>
+            </a:r>
+            <a:r>
+              <a:rPr lang="en-US" altLang="zh-CN" dirty="0"/>
+              <a:t>——</a:t>
+            </a:r>
+            <a:r>
+              <a:rPr lang="zh-CN" altLang="en-US" dirty="0"/>
+              <a:t>这会使用一个额外的线程来执行任务。虽然当前调用线程立即返回了，但是数据的读取或写入操作依旧占用着另一个线程（</a:t>
+            </a:r>
+            <a:r>
+              <a:rPr lang="en-US" altLang="zh-CN" dirty="0"/>
+              <a:t>IOCP</a:t>
+            </a:r>
+            <a:r>
+              <a:rPr lang="zh-CN" altLang="en-US" dirty="0"/>
+              <a:t>支持的异步操作时不需要线程的），因此并没有任何“节省”，反而还很有可能降低了应用程序的性能，因为额外的线程切换会造成性能损失。</a:t>
+            </a:r>
+          </a:p>
+          <a:p>
+            <a:r>
+              <a:rPr lang="en-US" altLang="zh-CN" b="1" dirty="0"/>
+              <a:t>DNS</a:t>
+            </a:r>
+            <a:r>
+              <a:rPr lang="zh-CN" altLang="en-US" b="1" dirty="0"/>
+              <a:t>操作：</a:t>
+            </a:r>
+            <a:r>
+              <a:rPr lang="en-US" altLang="zh-CN" dirty="0" err="1"/>
+              <a:t>BeginGetHostByName</a:t>
+            </a:r>
+            <a:r>
+              <a:rPr lang="zh-CN" altLang="en-US" dirty="0"/>
+              <a:t>、</a:t>
+            </a:r>
+            <a:r>
+              <a:rPr lang="en-US" altLang="zh-CN" dirty="0" err="1"/>
+              <a:t>BeginResolve</a:t>
+            </a:r>
+            <a:r>
+              <a:rPr lang="zh-CN" altLang="en-US" dirty="0"/>
+              <a:t>。</a:t>
+            </a:r>
+          </a:p>
+          <a:p>
+            <a:r>
+              <a:rPr lang="en-US" altLang="zh-CN" b="1" dirty="0"/>
+              <a:t>Socket</a:t>
+            </a:r>
+            <a:r>
+              <a:rPr lang="zh-CN" altLang="en-US" b="1" dirty="0"/>
+              <a:t>操作：</a:t>
+            </a:r>
+            <a:r>
+              <a:rPr lang="en-US" altLang="zh-CN" dirty="0" err="1"/>
+              <a:t>BeginAccept</a:t>
+            </a:r>
+            <a:r>
+              <a:rPr lang="zh-CN" altLang="en-US" dirty="0"/>
+              <a:t>、</a:t>
+            </a:r>
+            <a:r>
+              <a:rPr lang="en-US" altLang="zh-CN" dirty="0" err="1"/>
+              <a:t>BeginConnect</a:t>
+            </a:r>
+            <a:r>
+              <a:rPr lang="zh-CN" altLang="en-US" dirty="0"/>
+              <a:t>、</a:t>
+            </a:r>
+            <a:r>
+              <a:rPr lang="en-US" altLang="zh-CN" dirty="0" err="1"/>
+              <a:t>BeginReceive</a:t>
+            </a:r>
+            <a:r>
+              <a:rPr lang="zh-CN" altLang="en-US" dirty="0"/>
+              <a:t>等等。</a:t>
+            </a:r>
+          </a:p>
+          <a:p>
+            <a:r>
+              <a:rPr lang="en-US" altLang="zh-CN" b="1" dirty="0" err="1"/>
+              <a:t>WebRequest</a:t>
+            </a:r>
+            <a:r>
+              <a:rPr lang="zh-CN" altLang="en-US" b="1" dirty="0"/>
+              <a:t>操作：</a:t>
+            </a:r>
+            <a:r>
+              <a:rPr lang="en-US" altLang="zh-CN" dirty="0" err="1"/>
+              <a:t>BeginGetRequestStream</a:t>
+            </a:r>
+            <a:r>
+              <a:rPr lang="zh-CN" altLang="en-US" dirty="0"/>
+              <a:t>、</a:t>
+            </a:r>
+            <a:r>
+              <a:rPr lang="en-US" altLang="zh-CN" dirty="0" err="1"/>
+              <a:t>BeginGetResponse</a:t>
+            </a:r>
+            <a:r>
+              <a:rPr lang="zh-CN" altLang="en-US" dirty="0"/>
+              <a:t>。</a:t>
+            </a:r>
+          </a:p>
+          <a:p>
+            <a:r>
+              <a:rPr lang="en-US" altLang="zh-CN" b="1" dirty="0" err="1"/>
+              <a:t>SqlCommand</a:t>
+            </a:r>
+            <a:r>
+              <a:rPr lang="zh-CN" altLang="en-US" b="1" dirty="0"/>
+              <a:t>操作：</a:t>
+            </a:r>
+            <a:r>
+              <a:rPr lang="en-US" altLang="zh-CN" dirty="0" err="1"/>
+              <a:t>BeginExecuteReader</a:t>
+            </a:r>
+            <a:r>
+              <a:rPr lang="zh-CN" altLang="en-US" dirty="0"/>
+              <a:t>、</a:t>
+            </a:r>
+            <a:r>
+              <a:rPr lang="en-US" altLang="zh-CN" dirty="0" err="1"/>
+              <a:t>BeginExecuteNonQuery</a:t>
+            </a:r>
+            <a:r>
+              <a:rPr lang="zh-CN" altLang="en-US" dirty="0"/>
+              <a:t>等等。这可能是开发一个</a:t>
+            </a:r>
+            <a:r>
+              <a:rPr lang="en-US" altLang="zh-CN" dirty="0"/>
+              <a:t>Web</a:t>
+            </a:r>
+            <a:r>
+              <a:rPr lang="zh-CN" altLang="en-US" dirty="0"/>
+              <a:t>应用时最常用的异步操作了。如果需要在执行数据库操作时得到</a:t>
+            </a:r>
+            <a:r>
+              <a:rPr lang="en-US" altLang="zh-CN" dirty="0"/>
+              <a:t>IOCP</a:t>
+            </a:r>
+            <a:r>
+              <a:rPr lang="zh-CN" altLang="en-US" dirty="0"/>
+              <a:t>支持，那么需要在连接字符串中标记</a:t>
+            </a:r>
+            <a:r>
+              <a:rPr lang="en-US" altLang="zh-CN" dirty="0"/>
+              <a:t>Asynchronous Processing</a:t>
+            </a:r>
+            <a:r>
+              <a:rPr lang="zh-CN" altLang="en-US" dirty="0"/>
+              <a:t>为</a:t>
+            </a:r>
+            <a:r>
+              <a:rPr lang="en-US" altLang="zh-CN" dirty="0"/>
+              <a:t>true</a:t>
+            </a:r>
+            <a:r>
+              <a:rPr lang="zh-CN" altLang="en-US" dirty="0"/>
+              <a:t>（默认为</a:t>
+            </a:r>
+            <a:r>
+              <a:rPr lang="en-US" altLang="zh-CN" dirty="0"/>
+              <a:t>false</a:t>
+            </a:r>
+            <a:r>
+              <a:rPr lang="zh-CN" altLang="en-US" dirty="0"/>
+              <a:t>），否则在调用</a:t>
+            </a:r>
+            <a:r>
+              <a:rPr lang="en-US" altLang="zh-CN" dirty="0" err="1"/>
+              <a:t>BeginXXX</a:t>
+            </a:r>
+            <a:r>
+              <a:rPr lang="zh-CN" altLang="en-US" dirty="0"/>
+              <a:t>操作时就会抛出异常。</a:t>
+            </a:r>
+          </a:p>
+          <a:p>
+            <a:r>
+              <a:rPr lang="en-US" altLang="zh-CN" b="1" dirty="0" err="1"/>
+              <a:t>WebServcie</a:t>
+            </a:r>
+            <a:r>
+              <a:rPr lang="zh-CN" altLang="en-US" b="1" dirty="0"/>
+              <a:t>调用操作：</a:t>
+            </a:r>
+            <a:r>
+              <a:rPr lang="zh-CN" altLang="en-US" dirty="0"/>
+              <a:t>例如</a:t>
+            </a:r>
+            <a:r>
+              <a:rPr lang="en-US" altLang="zh-CN" dirty="0"/>
+              <a:t>.NET 2.0</a:t>
+            </a:r>
+            <a:r>
+              <a:rPr lang="zh-CN" altLang="en-US" dirty="0"/>
+              <a:t>或</a:t>
+            </a:r>
+            <a:r>
+              <a:rPr lang="en-US" altLang="zh-CN" dirty="0"/>
+              <a:t>WCF</a:t>
+            </a:r>
+            <a:r>
+              <a:rPr lang="zh-CN" altLang="en-US" dirty="0"/>
+              <a:t>生成的</a:t>
+            </a:r>
+            <a:r>
+              <a:rPr lang="en-US" altLang="zh-CN" dirty="0"/>
+              <a:t>Web Service Proxy</a:t>
+            </a:r>
+            <a:r>
+              <a:rPr lang="zh-CN" altLang="en-US" dirty="0"/>
+              <a:t>中的</a:t>
+            </a:r>
+            <a:r>
+              <a:rPr lang="en-US" altLang="zh-CN" dirty="0" err="1"/>
+              <a:t>BeginXXX</a:t>
+            </a:r>
+            <a:r>
+              <a:rPr lang="zh-CN" altLang="en-US" dirty="0"/>
+              <a:t>方法、</a:t>
+            </a:r>
+            <a:r>
+              <a:rPr lang="en-US" altLang="zh-CN" dirty="0"/>
+              <a:t>WCF</a:t>
+            </a:r>
+            <a:r>
+              <a:rPr lang="zh-CN" altLang="en-US" dirty="0"/>
+              <a:t>中</a:t>
+            </a:r>
+            <a:r>
+              <a:rPr lang="en-US" altLang="zh-CN" dirty="0" err="1"/>
+              <a:t>ClientBase</a:t>
+            </a:r>
+            <a:r>
+              <a:rPr lang="en-US" altLang="zh-CN" dirty="0"/>
+              <a:t>&lt;</a:t>
+            </a:r>
+            <a:r>
+              <a:rPr lang="en-US" altLang="zh-CN" dirty="0" err="1"/>
+              <a:t>TChannel</a:t>
+            </a:r>
+            <a:r>
+              <a:rPr lang="en-US" altLang="zh-CN" dirty="0"/>
+              <a:t>&gt;</a:t>
+            </a:r>
+            <a:r>
+              <a:rPr lang="zh-CN" altLang="en-US" dirty="0"/>
+              <a:t>的</a:t>
+            </a:r>
+            <a:r>
+              <a:rPr lang="en-US" altLang="zh-CN" dirty="0" err="1"/>
+              <a:t>InvokeAsync</a:t>
+            </a:r>
+            <a:r>
+              <a:rPr lang="zh-CN" altLang="en-US" dirty="0"/>
+              <a:t>方法</a:t>
+            </a:r>
           </a:p>
         </p:txBody>
       </p:sp>
     </p:spTree>
     <p:extLst>
       <p:ext uri="{BB962C8B-B14F-4D97-AF65-F5344CB8AC3E}">
-        <p14:creationId xmlns:p14="http://schemas.microsoft.com/office/powerpoint/2010/main" val="4036029027"/>
+        <p14:creationId xmlns:p14="http://schemas.microsoft.com/office/powerpoint/2010/main" val="37979098"/>
       </p:ext>
     </p:extLst>
   </p:cSld>
@@ -7023,15 +7089,28 @@
           <a:bodyPr/>
           <a:lstStyle/>
           <a:p>
-            <a:r>
-              <a:rPr lang="en-US" altLang="zh-CN" dirty="0" smtClean="0"/>
-              <a:t>Thread</a:t>
-            </a:r>
-            <a:r>
-              <a:rPr lang="zh-CN" altLang="en-US" dirty="0" smtClean="0"/>
-              <a:t>常见方法（生命周期方法调用）</a:t>
-            </a:r>
-            <a:endParaRPr lang="zh-CN" altLang="en-US" dirty="0"/>
+            <a:pPr eaLnBrk="1" hangingPunct="1"/>
+            <a:r>
+              <a:rPr lang="en-US" altLang="zh-CN" sz="3600" dirty="0" err="1" smtClean="0">
+                <a:latin typeface="Calibri" pitchFamily="34" charset="0"/>
+                <a:ea typeface="ＭＳ Ｐゴシック" pitchFamily="34" charset="-128"/>
+                <a:cs typeface="Calibri" pitchFamily="34" charset="0"/>
+              </a:rPr>
+              <a:t>Windbg</a:t>
+            </a:r>
+            <a:r>
+              <a:rPr lang="zh-CN" altLang="en-US" sz="3600" dirty="0" smtClean="0">
+                <a:latin typeface="Calibri" pitchFamily="34" charset="0"/>
+                <a:ea typeface="ＭＳ Ｐゴシック" pitchFamily="34" charset="-128"/>
+                <a:cs typeface="Calibri" pitchFamily="34" charset="0"/>
+              </a:rPr>
+              <a:t>的配置与使用</a:t>
+            </a:r>
+            <a:endParaRPr lang="zh-CN" altLang="en-US" sz="3600" dirty="0">
+              <a:latin typeface="Calibri" pitchFamily="34" charset="0"/>
+              <a:ea typeface="ＭＳ Ｐゴシック" pitchFamily="34" charset="-128"/>
+              <a:cs typeface="Calibri" pitchFamily="34" charset="0"/>
+            </a:endParaRPr>
           </a:p>
         </p:txBody>
       </p:sp>
@@ -7056,86 +7135,97 @@
           <a:bodyPr/>
           <a:lstStyle/>
           <a:p>
+            <a:pPr marL="0" indent="0">
+              <a:buNone/>
+            </a:pPr>
+            <a:r>
+              <a:rPr lang="en-US" altLang="zh-CN" dirty="0">
+                <a:hlinkClick r:id="rId2"/>
+              </a:rPr>
+              <a:t>http://</a:t>
+            </a:r>
+            <a:r>
+              <a:rPr lang="en-US" altLang="zh-CN" dirty="0" smtClean="0">
+                <a:hlinkClick r:id="rId2"/>
+              </a:rPr>
+              <a:t>www.cnblogs.com/happyhippy/archive/2007/04/08/710933.html</a:t>
+            </a:r>
+            <a:endParaRPr lang="en-US" altLang="zh-CN" dirty="0" smtClean="0"/>
+          </a:p>
+          <a:p>
+            <a:pPr marL="0" indent="0">
+              <a:buNone/>
+            </a:pPr>
+            <a:endParaRPr lang="en-US" altLang="zh-CN" dirty="0"/>
+          </a:p>
+          <a:p>
+            <a:pPr marL="0" indent="0">
+              <a:buNone/>
+            </a:pPr>
+            <a:r>
+              <a:rPr lang="zh-CN" altLang="en-US" dirty="0" smtClean="0"/>
+              <a:t>软件安装完毕只需要配置</a:t>
+            </a:r>
+            <a:r>
+              <a:rPr lang="en-US" altLang="zh-CN" dirty="0"/>
+              <a:t>_</a:t>
+            </a:r>
             <a:r>
               <a:rPr lang="en-US" altLang="zh-CN" dirty="0" smtClean="0"/>
-              <a:t>Start</a:t>
-            </a:r>
-          </a:p>
-          <a:p>
-            <a:r>
-              <a:rPr lang="en-US" altLang="zh-CN" dirty="0" smtClean="0"/>
-              <a:t>Suspend</a:t>
-            </a:r>
-          </a:p>
-          <a:p>
-            <a:r>
-              <a:rPr lang="en-US" altLang="zh-CN" dirty="0" smtClean="0"/>
-              <a:t>Resume</a:t>
-            </a:r>
-          </a:p>
-          <a:p>
-            <a:r>
-              <a:rPr lang="en-US" altLang="zh-CN" dirty="0" smtClean="0"/>
-              <a:t>Join</a:t>
-            </a:r>
-          </a:p>
-          <a:p>
-            <a:r>
-              <a:rPr lang="en-US" altLang="zh-CN" dirty="0" smtClean="0"/>
-              <a:t>Interrupt</a:t>
-            </a:r>
+              <a:t>NT_SYMBOL_PATH</a:t>
+            </a:r>
+          </a:p>
+          <a:p>
+            <a:pPr marL="0" indent="0">
+              <a:buNone/>
+            </a:pPr>
+            <a:r>
+              <a:rPr lang="en-US" altLang="zh-CN" dirty="0"/>
+              <a:t>SRV*c:\</a:t>
+            </a:r>
+            <a:r>
+              <a:rPr lang="en-US" altLang="zh-CN" dirty="0" err="1"/>
+              <a:t>mysymbol</a:t>
+            </a:r>
+            <a:r>
+              <a:rPr lang="en-US" altLang="zh-CN" dirty="0"/>
+              <a:t>* </a:t>
+            </a:r>
+            <a:r>
+              <a:rPr lang="en-US" altLang="zh-CN" dirty="0">
+                <a:hlinkClick r:id="rId3"/>
+              </a:rPr>
+              <a:t>http://</a:t>
+            </a:r>
+            <a:r>
+              <a:rPr lang="en-US" altLang="zh-CN" dirty="0" smtClean="0">
+                <a:hlinkClick r:id="rId3"/>
+              </a:rPr>
+              <a:t>msdl.microsoft.com/download/symbols</a:t>
+            </a:r>
+            <a:endParaRPr lang="en-US" altLang="zh-CN" dirty="0" smtClean="0"/>
+          </a:p>
+          <a:p>
+            <a:pPr marL="0" indent="0">
+              <a:buNone/>
+            </a:pPr>
+            <a:endParaRPr lang="en-US" altLang="zh-CN" dirty="0"/>
+          </a:p>
+          <a:p>
+            <a:pPr marL="0" indent="0">
+              <a:buNone/>
+            </a:pPr>
             <a:r>
               <a:rPr lang="zh-CN" altLang="en-US" dirty="0" smtClean="0"/>
-              <a:t>（</a:t>
-            </a:r>
-            <a:r>
-              <a:rPr lang="zh-CN" altLang="en-US" dirty="0"/>
-              <a:t>中断处于 </a:t>
-            </a:r>
-            <a:r>
-              <a:rPr lang="en-US" altLang="zh-CN" dirty="0" err="1"/>
-              <a:t>WaitSleepJoin</a:t>
-            </a:r>
-            <a:r>
-              <a:rPr lang="en-US" altLang="zh-CN" dirty="0"/>
-              <a:t> </a:t>
-            </a:r>
-            <a:r>
-              <a:rPr lang="zh-CN" altLang="en-US" dirty="0"/>
-              <a:t>状态的线程</a:t>
+              <a:t>就能够正常从</a:t>
+            </a:r>
+            <a:r>
+              <a:rPr lang="en-US" altLang="zh-CN" dirty="0" err="1" smtClean="0"/>
+              <a:t>pdb</a:t>
             </a:r>
             <a:r>
               <a:rPr lang="zh-CN" altLang="en-US" dirty="0" smtClean="0"/>
-              <a:t>）</a:t>
-            </a:r>
-            <a:endParaRPr lang="en-US" altLang="zh-CN" dirty="0" smtClean="0"/>
-          </a:p>
-          <a:p>
-            <a:r>
-              <a:rPr lang="en-US" altLang="zh-CN" dirty="0" smtClean="0"/>
-              <a:t>Abort</a:t>
-            </a:r>
-          </a:p>
-          <a:p>
-            <a:r>
-              <a:rPr lang="zh-CN" altLang="en-US" dirty="0" smtClean="0"/>
-              <a:t>这些核心方法都是</a:t>
-            </a:r>
-            <a:r>
-              <a:rPr lang="en-US" altLang="zh-CN" dirty="0" smtClean="0"/>
-              <a:t>CLR</a:t>
-            </a:r>
-            <a:r>
-              <a:rPr lang="zh-CN" altLang="en-US" dirty="0" smtClean="0"/>
-              <a:t>实现的，</a:t>
-            </a:r>
-            <a:r>
-              <a:rPr lang="en-US" altLang="zh-CN" dirty="0" smtClean="0"/>
-              <a:t>framework</a:t>
-            </a:r>
-            <a:r>
-              <a:rPr lang="zh-CN" altLang="en-US" dirty="0" smtClean="0"/>
-              <a:t>只是一个皮</a:t>
+              <a:t>文件读取二进制调试信息</a:t>
             </a:r>
             <a:endParaRPr lang="zh-CN" altLang="en-US" dirty="0"/>
           </a:p>
@@ -7145,6 +7235,118 @@
     <p:extLst>
       <p:ext uri="{BB962C8B-B14F-4D97-AF65-F5344CB8AC3E}">
         <p14:creationId xmlns:p14="http://schemas.microsoft.com/office/powerpoint/2010/main" val="1576092097"/>
+      </p:ext>
+    </p:extLst>
+  </p:cSld>
+  <p:clrMapOvr>
+    <a:masterClrMapping/>
+  </p:clrMapOvr>
+</p:sld>
+</file>
+
+<file path=ppt/slides/slide20.xml><?xml version="1.0" encoding="utf-8"?>
+<p:sld xmlns:a="http://schemas.openxmlformats.org/drawingml/2006/main" xmlns:r="http://schemas.openxmlformats.org/officeDocument/2006/relationships" xmlns:p="http://schemas.openxmlformats.org/presentationml/2006/main">
+  <p:cSld>
+    <p:spTree>
+      <p:nvGrpSpPr>
+        <p:cNvPr id="1" name=""/>
+        <p:cNvGrpSpPr/>
+        <p:nvPr/>
+      </p:nvGrpSpPr>
+      <p:grpSpPr>
+        <a:xfrm>
+          <a:off x="0" y="0"/>
+          <a:ext cx="0" cy="0"/>
+          <a:chOff x="0" y="0"/>
+          <a:chExt cx="0" cy="0"/>
+        </a:xfrm>
+      </p:grpSpPr>
+      <p:sp>
+        <p:nvSpPr>
+          <p:cNvPr id="2" name="标题 1">
+            <a:extLst>
+              <a:ext uri="{FF2B5EF4-FFF2-40B4-BE49-F238E27FC236}">
+                <a16:creationId xmlns:a16="http://schemas.microsoft.com/office/drawing/2014/main" xmlns="" id="{6A4CD1D8-ED2C-4268-9361-0864361A351F}"/>
+              </a:ext>
+            </a:extLst>
+          </p:cNvPr>
+          <p:cNvSpPr>
+            <a:spLocks noGrp="1"/>
+          </p:cNvSpPr>
+          <p:nvPr>
+            <p:ph type="title"/>
+          </p:nvPr>
+        </p:nvSpPr>
+        <p:spPr/>
+        <p:txBody>
+          <a:bodyPr/>
+          <a:lstStyle/>
+          <a:p>
+            <a:r>
+              <a:rPr lang="en-US" altLang="zh-CN" dirty="0" smtClean="0"/>
+              <a:t>Framework</a:t>
+            </a:r>
+            <a:r>
+              <a:rPr lang="zh-CN" altLang="en-US" dirty="0" smtClean="0"/>
+              <a:t>源码</a:t>
+            </a:r>
+            <a:endParaRPr lang="zh-CN" altLang="en-US" dirty="0"/>
+          </a:p>
+        </p:txBody>
+      </p:sp>
+      <p:sp>
+        <p:nvSpPr>
+          <p:cNvPr id="3" name="内容占位符 2">
+            <a:extLst>
+              <a:ext uri="{FF2B5EF4-FFF2-40B4-BE49-F238E27FC236}">
+                <a16:creationId xmlns:a16="http://schemas.microsoft.com/office/drawing/2014/main" xmlns="" id="{3EC5FB96-7D8B-4523-A553-0B12076A24B6}"/>
+              </a:ext>
+            </a:extLst>
+          </p:cNvPr>
+          <p:cNvSpPr>
+            <a:spLocks noGrp="1"/>
+          </p:cNvSpPr>
+          <p:nvPr>
+            <p:ph sz="quarter" idx="11"/>
+          </p:nvPr>
+        </p:nvSpPr>
+        <p:spPr/>
+        <p:txBody>
+          <a:bodyPr/>
+          <a:lstStyle/>
+          <a:p>
+            <a:pPr marL="0" indent="0">
+              <a:buNone/>
+            </a:pPr>
+            <a:r>
+              <a:rPr lang="en-US" altLang="zh-CN" dirty="0"/>
+              <a:t>https://referencesource.microsoft.com/download.html</a:t>
+            </a:r>
+          </a:p>
+          <a:p>
+            <a:pPr marL="0" indent="0">
+              <a:buNone/>
+            </a:pPr>
+            <a:endParaRPr lang="en-US" altLang="zh-CN" dirty="0"/>
+          </a:p>
+          <a:p>
+            <a:pPr marL="0" indent="0">
+              <a:buNone/>
+            </a:pPr>
+            <a:endParaRPr lang="en-US" altLang="zh-CN" dirty="0"/>
+          </a:p>
+          <a:p>
+            <a:pPr marL="0" indent="0">
+              <a:buNone/>
+            </a:pPr>
+            <a:endParaRPr lang="zh-CN" altLang="en-US" dirty="0"/>
+          </a:p>
+        </p:txBody>
+      </p:sp>
+    </p:spTree>
+    <p:extLst>
+      <p:ext uri="{BB962C8B-B14F-4D97-AF65-F5344CB8AC3E}">
+        <p14:creationId xmlns:p14="http://schemas.microsoft.com/office/powerpoint/2010/main" val="4036029027"/>
       </p:ext>
     </p:extLst>
   </p:cSld>
@@ -7198,7 +7400,7 @@
             </a:r>
             <a:r>
               <a:rPr lang="zh-CN" altLang="en-US" dirty="0" smtClean="0"/>
-              <a:t>开销</a:t>
+              <a:t>常见方法（生命周期方法调用）</a:t>
             </a:r>
             <a:endParaRPr lang="zh-CN" altLang="en-US" dirty="0"/>
           </a:p>
@@ -7225,125 +7427,87 @@
           <a:bodyPr/>
           <a:lstStyle/>
           <a:p>
-            <a:pPr marL="0" indent="0">
-              <a:buNone/>
-            </a:pPr>
+            <a:r>
+              <a:rPr lang="en-US" altLang="zh-CN" dirty="0" smtClean="0"/>
+              <a:t>Start</a:t>
+            </a:r>
+          </a:p>
+          <a:p>
+            <a:r>
+              <a:rPr lang="en-US" altLang="zh-CN" dirty="0" smtClean="0"/>
+              <a:t>Suspend</a:t>
+            </a:r>
+          </a:p>
+          <a:p>
+            <a:r>
+              <a:rPr lang="en-US" altLang="zh-CN" dirty="0" smtClean="0"/>
+              <a:t>Resume</a:t>
+            </a:r>
+          </a:p>
+          <a:p>
+            <a:r>
+              <a:rPr lang="en-US" altLang="zh-CN" dirty="0" smtClean="0"/>
+              <a:t>Join(</a:t>
+            </a:r>
             <a:r>
               <a:rPr lang="zh-CN" altLang="en-US" dirty="0" smtClean="0"/>
-              <a:t>空间的开销</a:t>
+              <a:t>主要用于线程的同步，比如下载文件完成，</a:t>
+            </a:r>
+            <a:r>
+              <a:rPr lang="en-US" altLang="zh-CN" dirty="0" smtClean="0"/>
+              <a:t>MD5</a:t>
+            </a:r>
+            <a:r>
+              <a:rPr lang="zh-CN" altLang="en-US" dirty="0" smtClean="0"/>
+              <a:t>计算，压缩解压等线程的加入</a:t>
+            </a:r>
+            <a:r>
+              <a:rPr lang="en-US" altLang="zh-CN" dirty="0" smtClean="0"/>
+              <a:t>)</a:t>
             </a:r>
             <a:endParaRPr lang="en-US" altLang="zh-CN" dirty="0" smtClean="0"/>
           </a:p>
           <a:p>
-            <a:pPr marL="0" indent="0">
-              <a:buNone/>
-            </a:pPr>
             <a:r>
               <a:rPr lang="en-US" altLang="zh-CN" dirty="0" smtClean="0"/>
-              <a:t>1Thread </a:t>
+              <a:t>Interrupt</a:t>
             </a:r>
             <a:r>
               <a:rPr lang="zh-CN" altLang="en-US" dirty="0" smtClean="0"/>
-              <a:t>的内核数据结构</a:t>
-            </a:r>
+              <a:t>（</a:t>
+            </a:r>
+            <a:r>
+              <a:rPr lang="zh-CN" altLang="en-US" dirty="0"/>
+              <a:t>中断处于 </a:t>
+            </a:r>
+            <a:r>
+              <a:rPr lang="en-US" altLang="zh-CN" dirty="0" err="1"/>
+              <a:t>WaitSleepJoin</a:t>
+            </a:r>
+            <a:r>
+              <a:rPr lang="en-US" altLang="zh-CN" dirty="0"/>
+              <a:t> </a:t>
+            </a:r>
+            <a:r>
+              <a:rPr lang="zh-CN" altLang="en-US" dirty="0"/>
+              <a:t>状态的</a:t>
+            </a:r>
+            <a:r>
+              <a:rPr lang="zh-CN" altLang="en-US" dirty="0" smtClean="0"/>
+              <a:t>线程，下个周期恢复执行）</a:t>
+            </a:r>
+            <a:endParaRPr lang="en-US" altLang="zh-CN" dirty="0" smtClean="0"/>
+          </a:p>
+          <a:p>
             <a:r>
               <a:rPr lang="en-US" altLang="zh-CN" dirty="0" smtClean="0"/>
-              <a:t>,</a:t>
-            </a:r>
-            <a:r>
-              <a:rPr lang="en-US" altLang="zh-CN" dirty="0" err="1" smtClean="0"/>
-              <a:t>osid</a:t>
-            </a:r>
+              <a:t>Abort</a:t>
+            </a:r>
+          </a:p>
+          <a:p>
             <a:r>
               <a:rPr lang="zh-CN" altLang="en-US" dirty="0" smtClean="0"/>
-              <a:t>以及上下文</a:t>
-            </a:r>
-            <a:r>
-              <a:rPr lang="en-US" altLang="zh-CN" dirty="0" smtClean="0"/>
-              <a:t>context(</a:t>
-            </a:r>
-            <a:r>
-              <a:rPr lang="en-US" altLang="zh-CN" dirty="0" err="1" smtClean="0"/>
-              <a:t>cpu</a:t>
-            </a:r>
-            <a:r>
-              <a:rPr lang="zh-CN" altLang="en-US" dirty="0" smtClean="0"/>
-              <a:t>寄存器的变量</a:t>
-            </a:r>
-            <a:r>
-              <a:rPr lang="en-US" altLang="zh-CN" dirty="0" smtClean="0"/>
-              <a:t>),</a:t>
-            </a:r>
-            <a:r>
-              <a:rPr lang="zh-CN" altLang="en-US" dirty="0" smtClean="0"/>
-              <a:t>时间片切换，</a:t>
-            </a:r>
-            <a:r>
-              <a:rPr lang="zh-CN" altLang="en-US" dirty="0"/>
-              <a:t>当前</a:t>
-            </a:r>
-            <a:r>
-              <a:rPr lang="zh-CN" altLang="en-US" dirty="0" smtClean="0"/>
-              <a:t>线程的</a:t>
-            </a:r>
-            <a:r>
-              <a:rPr lang="en-US" altLang="zh-CN" dirty="0" err="1" smtClean="0"/>
-              <a:t>cpu</a:t>
-            </a:r>
-            <a:r>
-              <a:rPr lang="zh-CN" altLang="en-US" dirty="0" smtClean="0"/>
-              <a:t>寄存器数据放到线程上下文中，然后切换调度其他线程，时间片切换大概需要</a:t>
-            </a:r>
-            <a:r>
-              <a:rPr lang="en-US" altLang="zh-CN" dirty="0" smtClean="0"/>
-              <a:t>30ms.</a:t>
-            </a:r>
-          </a:p>
-          <a:p>
-            <a:pPr marL="0" indent="0">
-              <a:buNone/>
-            </a:pPr>
-            <a:r>
-              <a:rPr lang="en-US" altLang="zh-CN" dirty="0" smtClean="0"/>
-              <a:t>2.</a:t>
-            </a:r>
-            <a:r>
-              <a:rPr lang="zh-CN" altLang="en-US" dirty="0" smtClean="0"/>
-              <a:t>环境块</a:t>
-            </a:r>
-            <a:r>
-              <a:rPr lang="en-US" altLang="zh-CN" dirty="0" smtClean="0"/>
-              <a:t>TLS(thread local storage)</a:t>
-            </a:r>
-            <a:r>
-              <a:rPr lang="zh-CN" altLang="en-US" dirty="0" smtClean="0"/>
-              <a:t>以及</a:t>
-            </a:r>
-            <a:r>
-              <a:rPr lang="en-US" altLang="zh-CN" dirty="0" smtClean="0"/>
-              <a:t>exception</a:t>
-            </a:r>
-            <a:r>
-              <a:rPr lang="zh-CN" altLang="en-US" dirty="0" smtClean="0"/>
-              <a:t>信息</a:t>
-            </a:r>
-            <a:endParaRPr lang="en-US" altLang="zh-CN" dirty="0"/>
-          </a:p>
-          <a:p>
-            <a:pPr marL="0" indent="0">
-              <a:buNone/>
-            </a:pPr>
-            <a:r>
-              <a:rPr lang="zh-CN" altLang="en-US" dirty="0" smtClean="0"/>
-              <a:t>通过</a:t>
-            </a:r>
-            <a:r>
-              <a:rPr lang="en-US" altLang="zh-CN" dirty="0" err="1" smtClean="0"/>
-              <a:t>windbg</a:t>
-            </a:r>
-            <a:r>
-              <a:rPr lang="zh-CN" altLang="en-US" dirty="0" smtClean="0"/>
-              <a:t>加载进程，从</a:t>
+              <a:t>这些核心方法都是</a:t>
             </a:r>
             <a:r>
               <a:rPr lang="en-US" altLang="zh-CN" dirty="0" smtClean="0"/>
@@ -7351,140 +7515,15 @@
             </a:r>
             <a:r>
               <a:rPr lang="zh-CN" altLang="en-US" dirty="0" smtClean="0"/>
-              <a:t>层面看底层线程</a:t>
+              <a:t>实现的，</a:t>
             </a:r>
             <a:r>
               <a:rPr lang="en-US" altLang="zh-CN" dirty="0" smtClean="0"/>
-              <a:t>.</a:t>
-            </a:r>
-          </a:p>
-          <a:p>
-            <a:pPr marL="0" indent="0">
-              <a:buNone/>
-            </a:pPr>
+              <a:t>framework</a:t>
+            </a:r>
             <a:r>
               <a:rPr lang="zh-CN" altLang="en-US" dirty="0" smtClean="0"/>
-              <a:t>（</a:t>
-            </a:r>
-            <a:r>
-              <a:rPr lang="en-US" altLang="zh-CN" smtClean="0"/>
-              <a:t>.loadby</a:t>
-            </a:r>
-            <a:r>
-              <a:rPr lang="en-US" altLang="zh-CN" dirty="0" smtClean="0"/>
-              <a:t> </a:t>
-            </a:r>
-            <a:r>
-              <a:rPr lang="en-US" altLang="zh-CN" dirty="0" err="1" smtClean="0"/>
-              <a:t>clr</a:t>
-            </a:r>
-            <a:r>
-              <a:rPr lang="en-US" altLang="zh-CN" dirty="0" smtClean="0"/>
-              <a:t> </a:t>
-            </a:r>
-            <a:r>
-              <a:rPr lang="en-US" altLang="zh-CN" dirty="0" err="1" smtClean="0"/>
-              <a:t>sos,threads,teb,peb</a:t>
-            </a:r>
-            <a:r>
-              <a:rPr lang="en-US" altLang="zh-CN" dirty="0" smtClean="0"/>
-              <a:t> </a:t>
-            </a:r>
-            <a:r>
-              <a:rPr lang="zh-CN" altLang="en-US" dirty="0" smtClean="0"/>
-              <a:t>）</a:t>
-            </a:r>
-            <a:endParaRPr lang="en-US" altLang="zh-CN" dirty="0" smtClean="0"/>
-          </a:p>
-          <a:p>
-            <a:pPr marL="0" indent="0">
-              <a:buNone/>
-            </a:pPr>
-            <a:r>
-              <a:rPr lang="en-US" altLang="zh-CN" dirty="0" smtClean="0"/>
-              <a:t>3.</a:t>
-            </a:r>
-            <a:r>
-              <a:rPr lang="zh-CN" altLang="en-US" dirty="0" smtClean="0"/>
-              <a:t>用户模式堆栈</a:t>
-            </a:r>
-            <a:endParaRPr lang="en-US" altLang="zh-CN" dirty="0" smtClean="0"/>
-          </a:p>
-          <a:p>
-            <a:pPr marL="0" indent="0">
-              <a:buNone/>
-            </a:pPr>
-            <a:r>
-              <a:rPr lang="zh-CN" altLang="en-US" dirty="0"/>
-              <a:t>一</a:t>
-            </a:r>
-            <a:r>
-              <a:rPr lang="zh-CN" altLang="en-US" dirty="0" smtClean="0"/>
-              <a:t>个线程分配默认</a:t>
-            </a:r>
-            <a:r>
-              <a:rPr lang="en-US" altLang="zh-CN" dirty="0" smtClean="0"/>
-              <a:t>1M</a:t>
-            </a:r>
-            <a:r>
-              <a:rPr lang="zh-CN" altLang="en-US" dirty="0" smtClean="0"/>
-              <a:t>堆栈空间</a:t>
-            </a:r>
-            <a:r>
-              <a:rPr lang="en-US" altLang="zh-CN" dirty="0" smtClean="0"/>
-              <a:t>,</a:t>
-            </a:r>
-            <a:r>
-              <a:rPr lang="zh-CN" altLang="en-US" dirty="0" smtClean="0"/>
-              <a:t>存储一些参数局部变量</a:t>
-            </a:r>
-            <a:endParaRPr lang="en-US" altLang="zh-CN" dirty="0" smtClean="0"/>
-          </a:p>
-          <a:p>
-            <a:pPr marL="0" indent="0">
-              <a:buNone/>
-            </a:pPr>
-            <a:r>
-              <a:rPr lang="en-US" altLang="zh-CN" dirty="0" smtClean="0"/>
-              <a:t>4.</a:t>
-            </a:r>
-            <a:r>
-              <a:rPr lang="zh-CN" altLang="en-US" dirty="0" smtClean="0"/>
-              <a:t>内核模式堆栈</a:t>
-            </a:r>
-            <a:endParaRPr lang="en-US" altLang="zh-CN" dirty="0" smtClean="0"/>
-          </a:p>
-          <a:p>
-            <a:pPr marL="0" indent="0">
-              <a:buNone/>
-            </a:pPr>
-            <a:r>
-              <a:rPr lang="en-US" altLang="zh-CN" dirty="0" smtClean="0"/>
-              <a:t>CLR</a:t>
-            </a:r>
-            <a:r>
-              <a:rPr lang="zh-CN" altLang="en-US" dirty="0" smtClean="0"/>
-              <a:t>的线程操作包括线程的同步都是调用底层的</a:t>
-            </a:r>
-            <a:r>
-              <a:rPr lang="en-US" altLang="zh-CN" dirty="0" smtClean="0"/>
-              <a:t>WIN32</a:t>
-            </a:r>
-            <a:r>
-              <a:rPr lang="zh-CN" altLang="en-US" dirty="0" smtClean="0"/>
-              <a:t> </a:t>
-            </a:r>
-            <a:r>
-              <a:rPr lang="en-US" altLang="zh-CN" dirty="0" err="1" smtClean="0"/>
-              <a:t>api</a:t>
-            </a:r>
-            <a:r>
-              <a:rPr lang="en-US" altLang="zh-CN" dirty="0" smtClean="0"/>
-              <a:t>.</a:t>
-            </a:r>
-            <a:r>
-              <a:rPr lang="zh-CN" altLang="en-US" dirty="0" smtClean="0"/>
-              <a:t>用户模式参数需要传到内核。</a:t>
+              <a:t>只是一个皮</a:t>
             </a:r>
             <a:endParaRPr lang="zh-CN" altLang="en-US" dirty="0"/>
           </a:p>
@@ -7493,7 +7532,7 @@
     </p:spTree>
     <p:extLst>
       <p:ext uri="{BB962C8B-B14F-4D97-AF65-F5344CB8AC3E}">
-        <p14:creationId xmlns:p14="http://schemas.microsoft.com/office/powerpoint/2010/main" val="2492428637"/>
+        <p14:creationId xmlns:p14="http://schemas.microsoft.com/office/powerpoint/2010/main" val="1476683820"/>
       </p:ext>
     </p:extLst>
   </p:cSld>
@@ -7578,6 +7617,372 @@
               <a:buNone/>
             </a:pPr>
             <a:r>
+              <a:rPr lang="zh-CN" altLang="en-US" dirty="0" smtClean="0"/>
+              <a:t>空间的开销</a:t>
+            </a:r>
+            <a:endParaRPr lang="en-US" altLang="zh-CN" dirty="0" smtClean="0"/>
+          </a:p>
+          <a:p>
+            <a:pPr marL="0" indent="0">
+              <a:buNone/>
+            </a:pPr>
+            <a:r>
+              <a:rPr lang="en-US" altLang="zh-CN" dirty="0" smtClean="0"/>
+              <a:t>1Thread </a:t>
+            </a:r>
+            <a:r>
+              <a:rPr lang="zh-CN" altLang="en-US" dirty="0" smtClean="0"/>
+              <a:t>的内核数据结构</a:t>
+            </a:r>
+            <a:r>
+              <a:rPr lang="en-US" altLang="zh-CN" dirty="0" smtClean="0"/>
+              <a:t>,</a:t>
+            </a:r>
+            <a:r>
+              <a:rPr lang="en-US" altLang="zh-CN" dirty="0" err="1" smtClean="0"/>
+              <a:t>osid</a:t>
+            </a:r>
+            <a:r>
+              <a:rPr lang="zh-CN" altLang="en-US" dirty="0" smtClean="0"/>
+              <a:t>以及上下文</a:t>
+            </a:r>
+            <a:r>
+              <a:rPr lang="en-US" altLang="zh-CN" dirty="0" smtClean="0"/>
+              <a:t>context(</a:t>
+            </a:r>
+            <a:r>
+              <a:rPr lang="en-US" altLang="zh-CN" dirty="0" err="1" smtClean="0"/>
+              <a:t>cpu</a:t>
+            </a:r>
+            <a:r>
+              <a:rPr lang="zh-CN" altLang="en-US" dirty="0" smtClean="0"/>
+              <a:t>寄存器的变量</a:t>
+            </a:r>
+            <a:r>
+              <a:rPr lang="en-US" altLang="zh-CN" dirty="0" smtClean="0"/>
+              <a:t>),</a:t>
+            </a:r>
+            <a:r>
+              <a:rPr lang="zh-CN" altLang="en-US" dirty="0" smtClean="0"/>
+              <a:t>时间片切换，</a:t>
+            </a:r>
+            <a:r>
+              <a:rPr lang="zh-CN" altLang="en-US" dirty="0"/>
+              <a:t>当前</a:t>
+            </a:r>
+            <a:r>
+              <a:rPr lang="zh-CN" altLang="en-US" dirty="0" smtClean="0"/>
+              <a:t>线程的</a:t>
+            </a:r>
+            <a:r>
+              <a:rPr lang="en-US" altLang="zh-CN" dirty="0" err="1" smtClean="0"/>
+              <a:t>cpu</a:t>
+            </a:r>
+            <a:r>
+              <a:rPr lang="zh-CN" altLang="en-US" dirty="0" smtClean="0"/>
+              <a:t>寄存器数据放到线程上下文中，然后切换调度其他线程，时间片切换大概需要</a:t>
+            </a:r>
+            <a:r>
+              <a:rPr lang="en-US" altLang="zh-CN" dirty="0" smtClean="0"/>
+              <a:t>30ms.</a:t>
+            </a:r>
+          </a:p>
+          <a:p>
+            <a:pPr marL="0" indent="0">
+              <a:buNone/>
+            </a:pPr>
+            <a:r>
+              <a:rPr lang="en-US" altLang="zh-CN" dirty="0" smtClean="0"/>
+              <a:t>2.</a:t>
+            </a:r>
+            <a:r>
+              <a:rPr lang="zh-CN" altLang="en-US" dirty="0" smtClean="0"/>
+              <a:t>环境块</a:t>
+            </a:r>
+            <a:r>
+              <a:rPr lang="en-US" altLang="zh-CN" dirty="0" smtClean="0"/>
+              <a:t>TLS(thread local storage)</a:t>
+            </a:r>
+            <a:r>
+              <a:rPr lang="zh-CN" altLang="en-US" dirty="0" smtClean="0"/>
+              <a:t>以及</a:t>
+            </a:r>
+            <a:r>
+              <a:rPr lang="en-US" altLang="zh-CN" dirty="0" smtClean="0"/>
+              <a:t>exception</a:t>
+            </a:r>
+            <a:r>
+              <a:rPr lang="zh-CN" altLang="en-US" dirty="0" smtClean="0"/>
+              <a:t>信息</a:t>
+            </a:r>
+            <a:endParaRPr lang="en-US" altLang="zh-CN" dirty="0"/>
+          </a:p>
+          <a:p>
+            <a:pPr marL="0" indent="0">
+              <a:buNone/>
+            </a:pPr>
+            <a:r>
+              <a:rPr lang="zh-CN" altLang="en-US" dirty="0" smtClean="0"/>
+              <a:t>通过</a:t>
+            </a:r>
+            <a:r>
+              <a:rPr lang="en-US" altLang="zh-CN" dirty="0" err="1" smtClean="0"/>
+              <a:t>windbg</a:t>
+            </a:r>
+            <a:r>
+              <a:rPr lang="zh-CN" altLang="en-US" dirty="0" smtClean="0"/>
+              <a:t>加载进程，从</a:t>
+            </a:r>
+            <a:r>
+              <a:rPr lang="en-US" altLang="zh-CN" dirty="0" smtClean="0"/>
+              <a:t>CLR</a:t>
+            </a:r>
+            <a:r>
+              <a:rPr lang="zh-CN" altLang="en-US" dirty="0" smtClean="0"/>
+              <a:t>层面看底层线程</a:t>
+            </a:r>
+            <a:r>
+              <a:rPr lang="en-US" altLang="zh-CN" dirty="0" smtClean="0"/>
+              <a:t>.</a:t>
+            </a:r>
+          </a:p>
+          <a:p>
+            <a:pPr marL="0" indent="0">
+              <a:buNone/>
+            </a:pPr>
+            <a:r>
+              <a:rPr lang="zh-CN" altLang="en-US" dirty="0" smtClean="0"/>
+              <a:t>（</a:t>
+            </a:r>
+            <a:r>
+              <a:rPr lang="en-US" altLang="zh-CN" dirty="0" smtClean="0"/>
+              <a:t>.</a:t>
+            </a:r>
+            <a:r>
+              <a:rPr lang="en-US" altLang="zh-CN" dirty="0" err="1" smtClean="0"/>
+              <a:t>loadby</a:t>
+            </a:r>
+            <a:r>
+              <a:rPr lang="en-US" altLang="zh-CN" dirty="0" smtClean="0"/>
+              <a:t> </a:t>
+            </a:r>
+            <a:r>
+              <a:rPr lang="en-US" altLang="zh-CN" dirty="0" err="1" smtClean="0"/>
+              <a:t>clr</a:t>
+            </a:r>
+            <a:r>
+              <a:rPr lang="en-US" altLang="zh-CN" dirty="0" smtClean="0"/>
+              <a:t> </a:t>
+            </a:r>
+            <a:r>
+              <a:rPr lang="en-US" altLang="zh-CN" dirty="0" err="1" smtClean="0"/>
+              <a:t>sos,threads,teb,peb</a:t>
+            </a:r>
+            <a:r>
+              <a:rPr lang="en-US" altLang="zh-CN" dirty="0" smtClean="0"/>
+              <a:t> </a:t>
+            </a:r>
+          </a:p>
+          <a:p>
+            <a:pPr marL="0" indent="0">
+              <a:buNone/>
+            </a:pPr>
+            <a:r>
+              <a:rPr lang="zh-CN" altLang="en-US" dirty="0" smtClean="0"/>
+              <a:t>具体使用请参照博客园：</a:t>
+            </a:r>
+            <a:r>
+              <a:rPr lang="en-US" altLang="zh-CN" dirty="0"/>
+              <a:t>https://www.cnblogs.com/fang-beny/p/3582653.html</a:t>
+            </a:r>
+            <a:r>
+              <a:rPr lang="zh-CN" altLang="en-US" dirty="0" smtClean="0"/>
+              <a:t>）</a:t>
+            </a:r>
+            <a:endParaRPr lang="en-US" altLang="zh-CN" dirty="0" smtClean="0"/>
+          </a:p>
+          <a:p>
+            <a:pPr marL="0" indent="0">
+              <a:buNone/>
+            </a:pPr>
+            <a:r>
+              <a:rPr lang="en-US" altLang="zh-CN" dirty="0" smtClean="0"/>
+              <a:t>3.</a:t>
+            </a:r>
+            <a:r>
+              <a:rPr lang="zh-CN" altLang="en-US" dirty="0" smtClean="0"/>
+              <a:t>用户模式堆栈</a:t>
+            </a:r>
+            <a:endParaRPr lang="en-US" altLang="zh-CN" dirty="0" smtClean="0"/>
+          </a:p>
+          <a:p>
+            <a:pPr marL="0" indent="0">
+              <a:buNone/>
+            </a:pPr>
+            <a:r>
+              <a:rPr lang="zh-CN" altLang="en-US" dirty="0"/>
+              <a:t>一</a:t>
+            </a:r>
+            <a:r>
+              <a:rPr lang="zh-CN" altLang="en-US" dirty="0" smtClean="0"/>
+              <a:t>个线程分配默认</a:t>
+            </a:r>
+            <a:r>
+              <a:rPr lang="en-US" altLang="zh-CN" dirty="0" smtClean="0"/>
+              <a:t>1M</a:t>
+            </a:r>
+            <a:r>
+              <a:rPr lang="zh-CN" altLang="en-US" dirty="0" smtClean="0"/>
+              <a:t>堆栈空间</a:t>
+            </a:r>
+            <a:r>
+              <a:rPr lang="en-US" altLang="zh-CN" dirty="0" smtClean="0"/>
+              <a:t>,</a:t>
+            </a:r>
+            <a:r>
+              <a:rPr lang="zh-CN" altLang="en-US" dirty="0" smtClean="0"/>
+              <a:t>存储一些参数局部变量</a:t>
+            </a:r>
+            <a:endParaRPr lang="en-US" altLang="zh-CN" dirty="0" smtClean="0"/>
+          </a:p>
+          <a:p>
+            <a:pPr marL="0" indent="0">
+              <a:buNone/>
+            </a:pPr>
+            <a:r>
+              <a:rPr lang="en-US" altLang="zh-CN" dirty="0" smtClean="0"/>
+              <a:t>4.</a:t>
+            </a:r>
+            <a:r>
+              <a:rPr lang="zh-CN" altLang="en-US" dirty="0" smtClean="0"/>
+              <a:t>内核模式堆栈</a:t>
+            </a:r>
+            <a:endParaRPr lang="en-US" altLang="zh-CN" dirty="0" smtClean="0"/>
+          </a:p>
+          <a:p>
+            <a:pPr marL="0" indent="0">
+              <a:buNone/>
+            </a:pPr>
+            <a:r>
+              <a:rPr lang="en-US" altLang="zh-CN" dirty="0" smtClean="0"/>
+              <a:t>CLR</a:t>
+            </a:r>
+            <a:r>
+              <a:rPr lang="zh-CN" altLang="en-US" dirty="0" smtClean="0"/>
+              <a:t>的线程操作包括线程的同步都是调用底层的</a:t>
+            </a:r>
+            <a:r>
+              <a:rPr lang="en-US" altLang="zh-CN" dirty="0" smtClean="0"/>
+              <a:t>WIN32</a:t>
+            </a:r>
+            <a:r>
+              <a:rPr lang="zh-CN" altLang="en-US" dirty="0" smtClean="0"/>
+              <a:t> </a:t>
+            </a:r>
+            <a:r>
+              <a:rPr lang="en-US" altLang="zh-CN" dirty="0" err="1" smtClean="0"/>
+              <a:t>api</a:t>
+            </a:r>
+            <a:r>
+              <a:rPr lang="en-US" altLang="zh-CN" dirty="0" smtClean="0"/>
+              <a:t>.</a:t>
+            </a:r>
+            <a:r>
+              <a:rPr lang="zh-CN" altLang="en-US" dirty="0" smtClean="0"/>
+              <a:t>用户模式参数需要传到内核。</a:t>
+            </a:r>
+            <a:endParaRPr lang="zh-CN" altLang="en-US" dirty="0"/>
+          </a:p>
+        </p:txBody>
+      </p:sp>
+    </p:spTree>
+    <p:extLst>
+      <p:ext uri="{BB962C8B-B14F-4D97-AF65-F5344CB8AC3E}">
+        <p14:creationId xmlns:p14="http://schemas.microsoft.com/office/powerpoint/2010/main" val="2492428637"/>
+      </p:ext>
+    </p:extLst>
+  </p:cSld>
+  <p:clrMapOvr>
+    <a:masterClrMapping/>
+  </p:clrMapOvr>
+</p:sld>
+</file>
+
+<file path=ppt/slides/slide5.xml><?xml version="1.0" encoding="utf-8"?>
+<p:sld xmlns:a="http://schemas.openxmlformats.org/drawingml/2006/main" xmlns:r="http://schemas.openxmlformats.org/officeDocument/2006/relationships" xmlns:p="http://schemas.openxmlformats.org/presentationml/2006/main">
+  <p:cSld>
+    <p:spTree>
+      <p:nvGrpSpPr>
+        <p:cNvPr id="1" name=""/>
+        <p:cNvGrpSpPr/>
+        <p:nvPr/>
+      </p:nvGrpSpPr>
+      <p:grpSpPr>
+        <a:xfrm>
+          <a:off x="0" y="0"/>
+          <a:ext cx="0" cy="0"/>
+          <a:chOff x="0" y="0"/>
+          <a:chExt cx="0" cy="0"/>
+        </a:xfrm>
+      </p:grpSpPr>
+      <p:sp>
+        <p:nvSpPr>
+          <p:cNvPr id="2" name="标题 1">
+            <a:extLst>
+              <a:ext uri="{FF2B5EF4-FFF2-40B4-BE49-F238E27FC236}">
+                <a16:creationId xmlns:a16="http://schemas.microsoft.com/office/drawing/2014/main" xmlns="" id="{508C5496-4B94-4E74-B852-01660F8B2C58}"/>
+              </a:ext>
+            </a:extLst>
+          </p:cNvPr>
+          <p:cNvSpPr>
+            <a:spLocks noGrp="1"/>
+          </p:cNvSpPr>
+          <p:nvPr>
+            <p:ph type="title"/>
+          </p:nvPr>
+        </p:nvSpPr>
+        <p:spPr/>
+        <p:txBody>
+          <a:bodyPr/>
+          <a:lstStyle/>
+          <a:p>
+            <a:r>
+              <a:rPr lang="en-US" altLang="zh-CN" dirty="0" smtClean="0"/>
+              <a:t>Thread</a:t>
+            </a:r>
+            <a:r>
+              <a:rPr lang="zh-CN" altLang="en-US" dirty="0" smtClean="0"/>
+              <a:t>开销</a:t>
+            </a:r>
+            <a:endParaRPr lang="zh-CN" altLang="en-US" dirty="0"/>
+          </a:p>
+        </p:txBody>
+      </p:sp>
+      <p:sp>
+        <p:nvSpPr>
+          <p:cNvPr id="3" name="内容占位符 2">
+            <a:extLst>
+              <a:ext uri="{FF2B5EF4-FFF2-40B4-BE49-F238E27FC236}">
+                <a16:creationId xmlns:a16="http://schemas.microsoft.com/office/drawing/2014/main" xmlns="" id="{58AF2E9D-F75B-4B1B-B93B-4C9C7AB0286D}"/>
+              </a:ext>
+            </a:extLst>
+          </p:cNvPr>
+          <p:cNvSpPr>
+            <a:spLocks noGrp="1"/>
+          </p:cNvSpPr>
+          <p:nvPr>
+            <p:ph sz="quarter" idx="11"/>
+          </p:nvPr>
+        </p:nvSpPr>
+        <p:spPr/>
+        <p:txBody>
+          <a:bodyPr/>
+          <a:lstStyle/>
+          <a:p>
+            <a:pPr marL="0" indent="0">
+              <a:buNone/>
+            </a:pPr>
+            <a:r>
               <a:rPr lang="zh-CN" altLang="en-US" dirty="0"/>
               <a:t>时间</a:t>
             </a:r>
@@ -7844,7 +8249,7 @@
 </p:sld>
 </file>
 
-<file path=ppt/slides/slide5.xml><?xml version="1.0" encoding="utf-8"?>
+<file path=ppt/slides/slide6.xml><?xml version="1.0" encoding="utf-8"?>
 <p:sld xmlns:a="http://schemas.openxmlformats.org/drawingml/2006/main" xmlns:r="http://schemas.openxmlformats.org/officeDocument/2006/relationships" xmlns:p="http://schemas.openxmlformats.org/presentationml/2006/main">
   <p:cSld>
     <p:spTree>
@@ -8736,7 +9141,7 @@
 </p:sld>
 </file>
 
-<file path=ppt/slides/slide6.xml><?xml version="1.0" encoding="utf-8"?>
+<file path=ppt/slides/slide7.xml><?xml version="1.0" encoding="utf-8"?>
 <p:sld xmlns:a="http://schemas.openxmlformats.org/drawingml/2006/main" xmlns:r="http://schemas.openxmlformats.org/officeDocument/2006/relationships" xmlns:p="http://schemas.openxmlformats.org/presentationml/2006/main">
   <p:cSld>
     <p:spTree>
@@ -9293,7 +9698,7 @@
 </p:sld>
 </file>
 
-<file path=ppt/slides/slide7.xml><?xml version="1.0" encoding="utf-8"?>
+<file path=ppt/slides/slide8.xml><?xml version="1.0" encoding="utf-8"?>
 <p:sld xmlns:a="http://schemas.openxmlformats.org/drawingml/2006/main" xmlns:r="http://schemas.openxmlformats.org/officeDocument/2006/relationships" xmlns:p="http://schemas.openxmlformats.org/presentationml/2006/main">
   <p:cSld>
     <p:spTree>
@@ -9628,7 +10033,7 @@
 </p:sld>
 </file>
 
-<file path=ppt/slides/slide8.xml><?xml version="1.0" encoding="utf-8"?>
+<file path=ppt/slides/slide9.xml><?xml version="1.0" encoding="utf-8"?>
 <p:sld xmlns:a="http://schemas.openxmlformats.org/drawingml/2006/main" xmlns:r="http://schemas.openxmlformats.org/officeDocument/2006/relationships" xmlns:p="http://schemas.openxmlformats.org/presentationml/2006/main">
   <p:cSld>
     <p:spTree>
@@ -9897,182 +10302,6 @@
     <p:extLst>
       <p:ext uri="{BB962C8B-B14F-4D97-AF65-F5344CB8AC3E}">
         <p14:creationId xmlns:p14="http://schemas.microsoft.com/office/powerpoint/2010/main" val="2347358067"/>
-      </p:ext>
-    </p:extLst>
-  </p:cSld>
-  <p:clrMapOvr>
-    <a:masterClrMapping/>
-  </p:clrMapOvr>
-</p:sld>
-</file>
-
-<file path=ppt/slides/slide9.xml><?xml version="1.0" encoding="utf-8"?>
-<p:sld xmlns:a="http://schemas.openxmlformats.org/drawingml/2006/main" xmlns:r="http://schemas.openxmlformats.org/officeDocument/2006/relationships" xmlns:p="http://schemas.openxmlformats.org/presentationml/2006/main">
-  <p:cSld>
-    <p:spTree>
-      <p:nvGrpSpPr>
-        <p:cNvPr id="1" name=""/>
-        <p:cNvGrpSpPr/>
-        <p:nvPr/>
-      </p:nvGrpSpPr>
-      <p:grpSpPr>
-        <a:xfrm>
-          <a:off x="0" y="0"/>
-          <a:ext cx="0" cy="0"/>
-          <a:chOff x="0" y="0"/>
-          <a:chExt cx="0" cy="0"/>
-        </a:xfrm>
-      </p:grpSpPr>
-      <p:sp>
-        <p:nvSpPr>
-          <p:cNvPr id="2" name="标题 1">
-            <a:extLst>
-              <a:ext uri="{FF2B5EF4-FFF2-40B4-BE49-F238E27FC236}">
-                <a16:creationId xmlns:a16="http://schemas.microsoft.com/office/drawing/2014/main" xmlns="" id="{508C5496-4B94-4E74-B852-01660F8B2C58}"/>
-              </a:ext>
-            </a:extLst>
-          </p:cNvPr>
-          <p:cNvSpPr>
-            <a:spLocks noGrp="1"/>
-          </p:cNvSpPr>
-          <p:nvPr>
-            <p:ph type="title"/>
-          </p:nvPr>
-        </p:nvSpPr>
-        <p:spPr/>
-        <p:txBody>
-          <a:bodyPr/>
-          <a:lstStyle/>
-          <a:p>
-            <a:r>
-              <a:rPr lang="en-US" altLang="zh-CN" dirty="0"/>
-              <a:t>Asynchronous Programming Model APM</a:t>
-            </a:r>
-            <a:endParaRPr lang="zh-CN" altLang="en-US" dirty="0"/>
-          </a:p>
-        </p:txBody>
-      </p:sp>
-      <p:sp>
-        <p:nvSpPr>
-          <p:cNvPr id="3" name="内容占位符 2">
-            <a:extLst>
-              <a:ext uri="{FF2B5EF4-FFF2-40B4-BE49-F238E27FC236}">
-                <a16:creationId xmlns:a16="http://schemas.microsoft.com/office/drawing/2014/main" xmlns="" id="{58AF2E9D-F75B-4B1B-B93B-4C9C7AB0286D}"/>
-              </a:ext>
-            </a:extLst>
-          </p:cNvPr>
-          <p:cNvSpPr>
-            <a:spLocks noGrp="1"/>
-          </p:cNvSpPr>
-          <p:nvPr>
-            <p:ph sz="quarter" idx="11"/>
-          </p:nvPr>
-        </p:nvSpPr>
-        <p:spPr/>
-        <p:txBody>
-          <a:bodyPr/>
-          <a:lstStyle/>
-          <a:p>
-            <a:r>
-              <a:rPr lang="en-US" altLang="zh-CN" dirty="0"/>
-              <a:t>– </a:t>
-            </a:r>
-            <a:r>
-              <a:rPr lang="zh-CN" altLang="en-US" dirty="0"/>
-              <a:t>异步编程模型</a:t>
-            </a:r>
-            <a:r>
-              <a:rPr lang="en-US" altLang="zh-CN" dirty="0"/>
-              <a:t>(Asynchronous Programming Model APM) </a:t>
-            </a:r>
-          </a:p>
-          <a:p>
-            <a:r>
-              <a:rPr lang="en-US" altLang="zh-CN" dirty="0" err="1"/>
-              <a:t>.Net</a:t>
-            </a:r>
-            <a:r>
-              <a:rPr lang="en-US" altLang="zh-CN" dirty="0"/>
-              <a:t> Framework 1 </a:t>
-            </a:r>
-            <a:r>
-              <a:rPr lang="zh-CN" altLang="en-US" dirty="0"/>
-              <a:t>已经引入了这个模式，也称</a:t>
-            </a:r>
-            <a:r>
-              <a:rPr lang="en-US" altLang="zh-CN" dirty="0"/>
-              <a:t>Begin/End </a:t>
-            </a:r>
-            <a:r>
-              <a:rPr lang="zh-CN" altLang="en-US" dirty="0"/>
-              <a:t>模式。一个 以</a:t>
-            </a:r>
-            <a:r>
-              <a:rPr lang="en-US" altLang="zh-CN" dirty="0"/>
-              <a:t>Begin</a:t>
-            </a:r>
-            <a:r>
-              <a:rPr lang="zh-CN" altLang="en-US" dirty="0"/>
-              <a:t>为前缀 的方法加载异步执行，并返回一个</a:t>
-            </a:r>
-            <a:r>
-              <a:rPr lang="en-US" altLang="zh-CN" dirty="0" err="1"/>
-              <a:t>System.IAsyncResult</a:t>
-            </a:r>
-            <a:r>
-              <a:rPr lang="zh-CN" altLang="en-US" dirty="0"/>
-              <a:t>对象，这个对象表示这个异步操作的状态。</a:t>
-            </a:r>
-            <a:r>
-              <a:rPr lang="en-US" altLang="zh-CN" dirty="0"/>
-              <a:t>Begin</a:t>
-            </a:r>
-            <a:r>
-              <a:rPr lang="zh-CN" altLang="en-US" dirty="0"/>
-              <a:t>方法可以接受一些与异步操作相关的参数，和一个</a:t>
-            </a:r>
-            <a:r>
-              <a:rPr lang="en-US" altLang="zh-CN" dirty="0" err="1"/>
-              <a:t>System.AsyncCallback</a:t>
-            </a:r>
-            <a:r>
-              <a:rPr lang="zh-CN" altLang="en-US" dirty="0"/>
-              <a:t>对象。这个对象表示异步操作结束时要调用的方法。然后可以调用以</a:t>
-            </a:r>
-            <a:r>
-              <a:rPr lang="en-US" altLang="zh-CN" dirty="0"/>
-              <a:t>End</a:t>
-            </a:r>
-            <a:r>
-              <a:rPr lang="zh-CN" altLang="en-US" dirty="0"/>
-              <a:t>为前缀的方法，以</a:t>
-            </a:r>
-            <a:r>
-              <a:rPr lang="en-US" altLang="zh-CN" dirty="0"/>
-              <a:t>End</a:t>
-            </a:r>
-            <a:r>
-              <a:rPr lang="zh-CN" altLang="en-US" dirty="0"/>
-              <a:t>为前缀的方法会阻塞当前任务或线程，直到</a:t>
-            </a:r>
-            <a:r>
-              <a:rPr lang="en-US" altLang="zh-CN" dirty="0"/>
-              <a:t>I/O</a:t>
-            </a:r>
-            <a:r>
-              <a:rPr lang="zh-CN" altLang="en-US" dirty="0"/>
-              <a:t>线程完成。它还可以返回操作结果相关的信息。</a:t>
-            </a:r>
-          </a:p>
-          <a:p>
-            <a:endParaRPr lang="zh-CN" altLang="en-US" dirty="0"/>
-          </a:p>
-        </p:txBody>
-      </p:sp>
-    </p:spTree>
-    <p:extLst>
-      <p:ext uri="{BB962C8B-B14F-4D97-AF65-F5344CB8AC3E}">
-        <p14:creationId xmlns:p14="http://schemas.microsoft.com/office/powerpoint/2010/main" val="693951043"/>
       </p:ext>
     </p:extLst>
   </p:cSld>

--- a/异步编程.pptx
+++ b/异步编程.pptx
@@ -7,10 +7,10 @@
     <p:sldMasterId id="2147484198" r:id="rId6"/>
   </p:sldMasterIdLst>
   <p:notesMasterIdLst>
-    <p:notesMasterId r:id="rId27"/>
+    <p:notesMasterId r:id="rId28"/>
   </p:notesMasterIdLst>
   <p:handoutMasterIdLst>
-    <p:handoutMasterId r:id="rId28"/>
+    <p:handoutMasterId r:id="rId29"/>
   </p:handoutMasterIdLst>
   <p:sldIdLst>
     <p:sldId id="291" r:id="rId7"/>
@@ -33,6 +33,7 @@
     <p:sldId id="330" r:id="rId24"/>
     <p:sldId id="332" r:id="rId25"/>
     <p:sldId id="293" r:id="rId26"/>
+    <p:sldId id="343" r:id="rId27"/>
   </p:sldIdLst>
   <p:sldSz cx="9144000" cy="6858000" type="screen4x3"/>
   <p:notesSz cx="6858000" cy="9144000"/>
@@ -186,6 +187,7 @@
             <p14:sldId id="330"/>
             <p14:sldId id="332"/>
             <p14:sldId id="293"/>
+            <p14:sldId id="343"/>
           </p14:sldIdLst>
         </p14:section>
         <p14:section name="无标题节" id="{CD6B1EA8-99B9-4FAD-B9FF-EEFD719E4314}">
@@ -7356,6 +7358,281 @@
 </p:sld>
 </file>
 
+<file path=ppt/slides/slide21.xml><?xml version="1.0" encoding="utf-8"?>
+<p:sld xmlns:a="http://schemas.openxmlformats.org/drawingml/2006/main" xmlns:r="http://schemas.openxmlformats.org/officeDocument/2006/relationships" xmlns:p="http://schemas.openxmlformats.org/presentationml/2006/main">
+  <p:cSld>
+    <p:spTree>
+      <p:nvGrpSpPr>
+        <p:cNvPr id="1" name=""/>
+        <p:cNvGrpSpPr/>
+        <p:nvPr/>
+      </p:nvGrpSpPr>
+      <p:grpSpPr>
+        <a:xfrm>
+          <a:off x="0" y="0"/>
+          <a:ext cx="0" cy="0"/>
+          <a:chOff x="0" y="0"/>
+          <a:chExt cx="0" cy="0"/>
+        </a:xfrm>
+      </p:grpSpPr>
+      <p:sp>
+        <p:nvSpPr>
+          <p:cNvPr id="2" name="标题 1">
+            <a:extLst>
+              <a:ext uri="{FF2B5EF4-FFF2-40B4-BE49-F238E27FC236}">
+                <a16:creationId xmlns:a16="http://schemas.microsoft.com/office/drawing/2014/main" xmlns="" id="{6A4CD1D8-ED2C-4268-9361-0864361A351F}"/>
+              </a:ext>
+            </a:extLst>
+          </p:cNvPr>
+          <p:cNvSpPr>
+            <a:spLocks noGrp="1"/>
+          </p:cNvSpPr>
+          <p:nvPr>
+            <p:ph type="title"/>
+          </p:nvPr>
+        </p:nvSpPr>
+        <p:spPr/>
+        <p:txBody>
+          <a:bodyPr/>
+          <a:lstStyle/>
+          <a:p>
+            <a:r>
+              <a:rPr lang="zh-CN" altLang="en-US" dirty="0" smtClean="0"/>
+              <a:t>个人期望的</a:t>
+            </a:r>
+            <a:r>
+              <a:rPr lang="en-US" altLang="zh-CN" dirty="0" smtClean="0"/>
+              <a:t>training</a:t>
+            </a:r>
+            <a:endParaRPr lang="zh-CN" altLang="en-US" dirty="0"/>
+          </a:p>
+        </p:txBody>
+      </p:sp>
+      <p:sp>
+        <p:nvSpPr>
+          <p:cNvPr id="3" name="内容占位符 2">
+            <a:extLst>
+              <a:ext uri="{FF2B5EF4-FFF2-40B4-BE49-F238E27FC236}">
+                <a16:creationId xmlns:a16="http://schemas.microsoft.com/office/drawing/2014/main" xmlns="" id="{3EC5FB96-7D8B-4523-A553-0B12076A24B6}"/>
+              </a:ext>
+            </a:extLst>
+          </p:cNvPr>
+          <p:cNvSpPr>
+            <a:spLocks noGrp="1"/>
+          </p:cNvSpPr>
+          <p:nvPr>
+            <p:ph sz="quarter" idx="11"/>
+          </p:nvPr>
+        </p:nvSpPr>
+        <p:spPr/>
+        <p:txBody>
+          <a:bodyPr/>
+          <a:lstStyle/>
+          <a:p>
+            <a:pPr marL="0" indent="0">
+              <a:buNone/>
+            </a:pPr>
+            <a:r>
+              <a:rPr lang="en-US" altLang="zh-CN" dirty="0" smtClean="0"/>
+              <a:t>Java</a:t>
+            </a:r>
+            <a:r>
+              <a:rPr lang="zh-CN" altLang="en-US" dirty="0" smtClean="0"/>
+              <a:t>多线程</a:t>
+            </a:r>
+            <a:endParaRPr lang="en-US" altLang="zh-CN" dirty="0" smtClean="0"/>
+          </a:p>
+          <a:p>
+            <a:pPr marL="0" indent="0">
+              <a:buNone/>
+            </a:pPr>
+            <a:r>
+              <a:rPr lang="en-US" altLang="zh-CN" dirty="0" smtClean="0"/>
+              <a:t>Java maven</a:t>
+            </a:r>
+          </a:p>
+          <a:p>
+            <a:pPr marL="0" indent="0">
+              <a:buNone/>
+            </a:pPr>
+            <a:r>
+              <a:rPr lang="en-US" altLang="zh-CN" dirty="0" smtClean="0"/>
+              <a:t>Eclipse/Idea</a:t>
+            </a:r>
+          </a:p>
+          <a:p>
+            <a:pPr marL="0" indent="0">
+              <a:buNone/>
+            </a:pPr>
+            <a:r>
+              <a:rPr lang="en-US" altLang="zh-CN" dirty="0" smtClean="0"/>
+              <a:t>Spring </a:t>
+            </a:r>
+            <a:r>
+              <a:rPr lang="en-US" altLang="zh-CN" dirty="0" err="1" smtClean="0"/>
+              <a:t>springmvc</a:t>
+            </a:r>
+            <a:endParaRPr lang="en-US" altLang="zh-CN" dirty="0" smtClean="0"/>
+          </a:p>
+          <a:p>
+            <a:pPr marL="0" indent="0">
+              <a:buNone/>
+            </a:pPr>
+            <a:r>
+              <a:rPr lang="en-US" altLang="zh-CN" dirty="0" smtClean="0"/>
+              <a:t>Java </a:t>
+            </a:r>
+            <a:r>
+              <a:rPr lang="en-US" altLang="zh-CN" dirty="0" err="1" smtClean="0"/>
+              <a:t>ssh</a:t>
+            </a:r>
+            <a:r>
+              <a:rPr lang="en-US" altLang="zh-CN" dirty="0" smtClean="0"/>
+              <a:t>/</a:t>
+            </a:r>
+            <a:r>
+              <a:rPr lang="en-US" altLang="zh-CN" dirty="0" err="1" smtClean="0"/>
+              <a:t>ssm</a:t>
+            </a:r>
+            <a:endParaRPr lang="en-US" altLang="zh-CN" dirty="0" smtClean="0"/>
+          </a:p>
+          <a:p>
+            <a:pPr marL="0" indent="0">
+              <a:buNone/>
+            </a:pPr>
+            <a:r>
+              <a:rPr lang="en-US" altLang="zh-CN" dirty="0" err="1" smtClean="0"/>
+              <a:t>es</a:t>
+            </a:r>
+            <a:r>
+              <a:rPr lang="en-US" altLang="zh-CN" dirty="0" smtClean="0"/>
+              <a:t>/</a:t>
+            </a:r>
+            <a:r>
+              <a:rPr lang="en-US" altLang="zh-CN" dirty="0" err="1" smtClean="0"/>
+              <a:t>solr</a:t>
+            </a:r>
+            <a:r>
+              <a:rPr lang="en-US" altLang="zh-CN" dirty="0" smtClean="0"/>
+              <a:t>/</a:t>
+            </a:r>
+            <a:r>
+              <a:rPr lang="en-US" altLang="zh-CN" dirty="0" err="1" smtClean="0"/>
+              <a:t>hadoop</a:t>
+            </a:r>
+            <a:endParaRPr lang="en-US" altLang="zh-CN" dirty="0" smtClean="0"/>
+          </a:p>
+          <a:p>
+            <a:pPr marL="0" indent="0">
+              <a:buNone/>
+            </a:pPr>
+            <a:endParaRPr lang="en-US" altLang="zh-CN" dirty="0"/>
+          </a:p>
+          <a:p>
+            <a:pPr marL="0" indent="0">
+              <a:buNone/>
+            </a:pPr>
+            <a:r>
+              <a:rPr lang="en-US" altLang="zh-CN" dirty="0" err="1" smtClean="0"/>
+              <a:t>.Net</a:t>
+            </a:r>
+            <a:r>
+              <a:rPr lang="en-US" altLang="zh-CN" dirty="0" smtClean="0"/>
+              <a:t>:</a:t>
+            </a:r>
+          </a:p>
+          <a:p>
+            <a:pPr marL="0" indent="0">
+              <a:buNone/>
+            </a:pPr>
+            <a:r>
+              <a:rPr lang="en-US" altLang="zh-CN" dirty="0" err="1" smtClean="0"/>
+              <a:t>MVC,webapi</a:t>
+            </a:r>
+            <a:r>
+              <a:rPr lang="zh-CN" altLang="en-US" dirty="0" smtClean="0"/>
+              <a:t>源码解析</a:t>
+            </a:r>
+            <a:r>
+              <a:rPr lang="en-US" altLang="zh-CN" dirty="0" smtClean="0"/>
+              <a:t>(</a:t>
+            </a:r>
+            <a:r>
+              <a:rPr lang="zh-CN" altLang="en-US" dirty="0"/>
+              <a:t>蒋金楠</a:t>
+            </a:r>
+            <a:r>
+              <a:rPr lang="en-US" altLang="zh-CN" dirty="0" smtClean="0"/>
+              <a:t>)</a:t>
+            </a:r>
+          </a:p>
+          <a:p>
+            <a:pPr marL="0" indent="0">
+              <a:buNone/>
+            </a:pPr>
+            <a:r>
+              <a:rPr lang="en-US" altLang="zh-CN" dirty="0" smtClean="0"/>
+              <a:t>WCF</a:t>
+            </a:r>
+            <a:r>
+              <a:rPr lang="zh-CN" altLang="en-US" dirty="0" smtClean="0"/>
+              <a:t>（蒋金楠）</a:t>
+            </a:r>
+            <a:endParaRPr lang="en-US" altLang="zh-CN" dirty="0" smtClean="0"/>
+          </a:p>
+          <a:p>
+            <a:pPr marL="0" indent="0">
+              <a:buNone/>
+            </a:pPr>
+            <a:endParaRPr lang="en-US" altLang="zh-CN" dirty="0"/>
+          </a:p>
+          <a:p>
+            <a:pPr marL="0" indent="0">
+              <a:buNone/>
+            </a:pPr>
+            <a:r>
+              <a:rPr lang="zh-CN" altLang="en-US" dirty="0" smtClean="0"/>
+              <a:t>其他优秀的框架源码解读</a:t>
+            </a:r>
+            <a:endParaRPr lang="en-US" altLang="zh-CN" dirty="0" smtClean="0"/>
+          </a:p>
+          <a:p>
+            <a:pPr marL="0" indent="0">
+              <a:buNone/>
+            </a:pPr>
+            <a:r>
+              <a:rPr lang="zh-CN" altLang="en-US" dirty="0"/>
+              <a:t>软件脱壳破解技术</a:t>
+            </a:r>
+            <a:endParaRPr lang="en-US" altLang="zh-CN" dirty="0"/>
+          </a:p>
+          <a:p>
+            <a:pPr marL="0" indent="0">
+              <a:buNone/>
+            </a:pPr>
+            <a:endParaRPr lang="en-US" altLang="zh-CN" dirty="0"/>
+          </a:p>
+          <a:p>
+            <a:pPr marL="0" indent="0">
+              <a:buNone/>
+            </a:pPr>
+            <a:endParaRPr lang="zh-CN" altLang="en-US" dirty="0"/>
+          </a:p>
+        </p:txBody>
+      </p:sp>
+    </p:spTree>
+    <p:extLst>
+      <p:ext uri="{BB962C8B-B14F-4D97-AF65-F5344CB8AC3E}">
+        <p14:creationId xmlns:p14="http://schemas.microsoft.com/office/powerpoint/2010/main" val="4000743282"/>
+      </p:ext>
+    </p:extLst>
+  </p:cSld>
+  <p:clrMapOvr>
+    <a:masterClrMapping/>
+  </p:clrMapOvr>
+</p:sld>
+</file>
+
 <file path=ppt/slides/slide3.xml><?xml version="1.0" encoding="utf-8"?>
 <p:sld xmlns:a="http://schemas.openxmlformats.org/drawingml/2006/main" xmlns:r="http://schemas.openxmlformats.org/officeDocument/2006/relationships" xmlns:p="http://schemas.openxmlformats.org/presentationml/2006/main">
   <p:cSld>
@@ -7465,7 +7742,6 @@
               <a:rPr lang="en-US" altLang="zh-CN" dirty="0" smtClean="0"/>
               <a:t>)</a:t>
             </a:r>
-            <a:endParaRPr lang="en-US" altLang="zh-CN" dirty="0" smtClean="0"/>
           </a:p>
           <a:p>
             <a:r>

--- a/异步编程.pptx
+++ b/异步编程.pptx
@@ -1,39 +1,42 @@
 
 <file path=ppt/presentation.xml><?xml version="1.0" encoding="utf-8"?>
-<p:presentation xmlns:a="http://schemas.openxmlformats.org/drawingml/2006/main" xmlns:r="http://schemas.openxmlformats.org/officeDocument/2006/relationships" xmlns:p="http://schemas.openxmlformats.org/presentationml/2006/main" showSpecialPlsOnTitleSld="0" strictFirstAndLastChars="0" saveSubsetFonts="1" autoCompressPictures="0">
+<p:presentation xmlns:a="http://schemas.openxmlformats.org/drawingml/2006/main" xmlns:r="http://schemas.openxmlformats.org/officeDocument/2006/relationships" xmlns:p="http://schemas.openxmlformats.org/presentationml/2006/main" showSpecialPlsOnTitleSld="0" strictFirstAndLastChars="0" autoCompressPictures="0">
   <p:sldMasterIdLst>
-    <p:sldMasterId id="2147483648" r:id="rId4"/>
-    <p:sldMasterId id="2147484045" r:id="rId5"/>
-    <p:sldMasterId id="2147484198" r:id="rId6"/>
+    <p:sldMasterId id="2147483648" r:id="rId1"/>
+    <p:sldMasterId id="2147483651" r:id="rId3"/>
+    <p:sldMasterId id="2147483654" r:id="rId4"/>
   </p:sldMasterIdLst>
   <p:notesMasterIdLst>
-    <p:notesMasterId r:id="rId28"/>
+    <p:notesMasterId r:id="rId6"/>
   </p:notesMasterIdLst>
   <p:handoutMasterIdLst>
-    <p:handoutMasterId r:id="rId29"/>
+    <p:handoutMasterId r:id="rId30"/>
   </p:handoutMasterIdLst>
   <p:sldIdLst>
-    <p:sldId id="291" r:id="rId7"/>
-    <p:sldId id="335" r:id="rId8"/>
-    <p:sldId id="342" r:id="rId9"/>
-    <p:sldId id="340" r:id="rId10"/>
-    <p:sldId id="341" r:id="rId11"/>
-    <p:sldId id="336" r:id="rId12"/>
-    <p:sldId id="337" r:id="rId13"/>
-    <p:sldId id="339" r:id="rId14"/>
-    <p:sldId id="338" r:id="rId15"/>
-    <p:sldId id="334" r:id="rId16"/>
-    <p:sldId id="292" r:id="rId17"/>
-    <p:sldId id="325" r:id="rId18"/>
-    <p:sldId id="326" r:id="rId19"/>
-    <p:sldId id="327" r:id="rId20"/>
-    <p:sldId id="328" r:id="rId21"/>
-    <p:sldId id="329" r:id="rId22"/>
-    <p:sldId id="331" r:id="rId23"/>
-    <p:sldId id="330" r:id="rId24"/>
-    <p:sldId id="332" r:id="rId25"/>
-    <p:sldId id="293" r:id="rId26"/>
-    <p:sldId id="343" r:id="rId27"/>
+    <p:sldId id="291" r:id="rId5"/>
+    <p:sldId id="335" r:id="rId7"/>
+    <p:sldId id="342" r:id="rId8"/>
+    <p:sldId id="340" r:id="rId9"/>
+    <p:sldId id="341" r:id="rId10"/>
+    <p:sldId id="361" r:id="rId11"/>
+    <p:sldId id="362" r:id="rId12"/>
+    <p:sldId id="336" r:id="rId13"/>
+    <p:sldId id="363" r:id="rId14"/>
+    <p:sldId id="337" r:id="rId15"/>
+    <p:sldId id="339" r:id="rId16"/>
+    <p:sldId id="338" r:id="rId17"/>
+    <p:sldId id="334" r:id="rId18"/>
+    <p:sldId id="292" r:id="rId19"/>
+    <p:sldId id="325" r:id="rId20"/>
+    <p:sldId id="326" r:id="rId21"/>
+    <p:sldId id="327" r:id="rId22"/>
+    <p:sldId id="328" r:id="rId23"/>
+    <p:sldId id="329" r:id="rId24"/>
+    <p:sldId id="331" r:id="rId25"/>
+    <p:sldId id="330" r:id="rId26"/>
+    <p:sldId id="332" r:id="rId27"/>
+    <p:sldId id="293" r:id="rId28"/>
+    <p:sldId id="343" r:id="rId29"/>
   </p:sldIdLst>
   <p:sldSz cx="9144000" cy="6858000" type="screen4x3"/>
   <p:notesSz cx="6858000" cy="9144000"/>
@@ -52,8 +55,8 @@
         <a:solidFill>
           <a:schemeClr val="tx1"/>
         </a:solidFill>
-        <a:latin typeface="Arial" pitchFamily="34" charset="0"/>
-        <a:ea typeface="宋体" pitchFamily="2" charset="-122"/>
+        <a:latin typeface="Arial" panose="020B0604020202020204" pitchFamily="34" charset="0"/>
+        <a:ea typeface="宋体" panose="02010600030101010101" pitchFamily="2" charset="-122"/>
         <a:cs typeface="+mn-cs"/>
       </a:defRPr>
     </a:lvl1pPr>
@@ -68,8 +71,8 @@
         <a:solidFill>
           <a:schemeClr val="tx1"/>
         </a:solidFill>
-        <a:latin typeface="Arial" pitchFamily="34" charset="0"/>
-        <a:ea typeface="宋体" pitchFamily="2" charset="-122"/>
+        <a:latin typeface="Arial" panose="020B0604020202020204" pitchFamily="34" charset="0"/>
+        <a:ea typeface="宋体" panose="02010600030101010101" pitchFamily="2" charset="-122"/>
         <a:cs typeface="+mn-cs"/>
       </a:defRPr>
     </a:lvl2pPr>
@@ -84,8 +87,8 @@
         <a:solidFill>
           <a:schemeClr val="tx1"/>
         </a:solidFill>
-        <a:latin typeface="Arial" pitchFamily="34" charset="0"/>
-        <a:ea typeface="宋体" pitchFamily="2" charset="-122"/>
+        <a:latin typeface="Arial" panose="020B0604020202020204" pitchFamily="34" charset="0"/>
+        <a:ea typeface="宋体" panose="02010600030101010101" pitchFamily="2" charset="-122"/>
         <a:cs typeface="+mn-cs"/>
       </a:defRPr>
     </a:lvl3pPr>
@@ -100,8 +103,8 @@
         <a:solidFill>
           <a:schemeClr val="tx1"/>
         </a:solidFill>
-        <a:latin typeface="Arial" pitchFamily="34" charset="0"/>
-        <a:ea typeface="宋体" pitchFamily="2" charset="-122"/>
+        <a:latin typeface="Arial" panose="020B0604020202020204" pitchFamily="34" charset="0"/>
+        <a:ea typeface="宋体" panose="02010600030101010101" pitchFamily="2" charset="-122"/>
         <a:cs typeface="+mn-cs"/>
       </a:defRPr>
     </a:lvl4pPr>
@@ -116,8 +119,8 @@
         <a:solidFill>
           <a:schemeClr val="tx1"/>
         </a:solidFill>
-        <a:latin typeface="Arial" pitchFamily="34" charset="0"/>
-        <a:ea typeface="宋体" pitchFamily="2" charset="-122"/>
+        <a:latin typeface="Arial" panose="020B0604020202020204" pitchFamily="34" charset="0"/>
+        <a:ea typeface="宋体" panose="02010600030101010101" pitchFamily="2" charset="-122"/>
         <a:cs typeface="+mn-cs"/>
       </a:defRPr>
     </a:lvl5pPr>
@@ -126,8 +129,8 @@
         <a:solidFill>
           <a:schemeClr val="tx1"/>
         </a:solidFill>
-        <a:latin typeface="Arial" pitchFamily="34" charset="0"/>
-        <a:ea typeface="宋体" pitchFamily="2" charset="-122"/>
+        <a:latin typeface="Arial" panose="020B0604020202020204" pitchFamily="34" charset="0"/>
+        <a:ea typeface="宋体" panose="02010600030101010101" pitchFamily="2" charset="-122"/>
         <a:cs typeface="+mn-cs"/>
       </a:defRPr>
     </a:lvl6pPr>
@@ -136,8 +139,8 @@
         <a:solidFill>
           <a:schemeClr val="tx1"/>
         </a:solidFill>
-        <a:latin typeface="Arial" pitchFamily="34" charset="0"/>
-        <a:ea typeface="宋体" pitchFamily="2" charset="-122"/>
+        <a:latin typeface="Arial" panose="020B0604020202020204" pitchFamily="34" charset="0"/>
+        <a:ea typeface="宋体" panose="02010600030101010101" pitchFamily="2" charset="-122"/>
         <a:cs typeface="+mn-cs"/>
       </a:defRPr>
     </a:lvl7pPr>
@@ -146,8 +149,8 @@
         <a:solidFill>
           <a:schemeClr val="tx1"/>
         </a:solidFill>
-        <a:latin typeface="Arial" pitchFamily="34" charset="0"/>
-        <a:ea typeface="宋体" pitchFamily="2" charset="-122"/>
+        <a:latin typeface="Arial" panose="020B0604020202020204" pitchFamily="34" charset="0"/>
+        <a:ea typeface="宋体" panose="02010600030101010101" pitchFamily="2" charset="-122"/>
         <a:cs typeface="+mn-cs"/>
       </a:defRPr>
     </a:lvl8pPr>
@@ -156,8 +159,8 @@
         <a:solidFill>
           <a:schemeClr val="tx1"/>
         </a:solidFill>
-        <a:latin typeface="Arial" pitchFamily="34" charset="0"/>
-        <a:ea typeface="宋体" pitchFamily="2" charset="-122"/>
+        <a:latin typeface="Arial" panose="020B0604020202020204" pitchFamily="34" charset="0"/>
+        <a:ea typeface="宋体" panose="02010600030101010101" pitchFamily="2" charset="-122"/>
         <a:cs typeface="+mn-cs"/>
       </a:defRPr>
     </a:lvl9pPr>
@@ -170,10 +173,10 @@
             <p14:sldId id="291"/>
             <p14:sldId id="335"/>
             <p14:sldId id="342"/>
-            <p14:sldId id="340"/>
             <p14:sldId id="341"/>
+            <p14:sldId id="361"/>
             <p14:sldId id="336"/>
-            <p14:sldId id="337"/>
+            <p14:sldId id="363"/>
             <p14:sldId id="339"/>
             <p14:sldId id="338"/>
             <p14:sldId id="334"/>
@@ -188,6 +191,9 @@
             <p14:sldId id="332"/>
             <p14:sldId id="293"/>
             <p14:sldId id="343"/>
+            <p14:sldId id="340"/>
+            <p14:sldId id="362"/>
+            <p14:sldId id="337"/>
           </p14:sldIdLst>
         </p14:section>
         <p14:section name="无标题节" id="{CD6B1EA8-99B9-4FAD-B9FF-EEFD719E4314}">
@@ -195,29 +201,8 @@
         </p14:section>
       </p14:sectionLst>
     </p:ext>
-    <p:ext uri="{EFAFB233-063F-42B5-8137-9DF3F51BA10A}">
-      <p15:sldGuideLst xmlns:p15="http://schemas.microsoft.com/office/powerpoint/2012/main">
-        <p15:guide id="1" orient="horz" pos="2160">
-          <p15:clr>
-            <a:srgbClr val="A4A3A4"/>
-          </p15:clr>
-        </p15:guide>
-        <p15:guide id="2" pos="2880">
-          <p15:clr>
-            <a:srgbClr val="A4A3A4"/>
-          </p15:clr>
-        </p15:guide>
-      </p15:sldGuideLst>
-    </p:ext>
-    <p:ext uri="{2D200454-40CA-4A62-9FC3-DE9A4176ACB9}">
-      <p15:notesGuideLst xmlns:p15="http://schemas.microsoft.com/office/powerpoint/2012/main"/>
-    </p:ext>
   </p:extLst>
 </p:presentation>
-</file>
-
-<file path=ppt/revisionInfo.xml><?xml version="1.0" encoding="utf-8"?>
-<p1510:revInfo xmlns:a="http://schemas.openxmlformats.org/drawingml/2006/main" xmlns:r="http://schemas.openxmlformats.org/officeDocument/2006/relationships" xmlns:p1510="http://schemas.microsoft.com/office/powerpoint/2015/10/main"/>
 </file>
 
 <file path=ppt/handoutMasters/handoutMaster1.xml><?xml version="1.0" encoding="utf-8"?>
@@ -265,16 +250,12 @@
           </a:prstGeom>
         </p:spPr>
         <p:txBody>
-          <a:bodyPr vert="horz" wrap="square" lIns="91440" tIns="45720" rIns="91440" bIns="45720" numCol="1" anchor="t" anchorCtr="0" compatLnSpc="1">
-            <a:prstTxWarp prst="textNoShape">
-              <a:avLst/>
-            </a:prstTxWarp>
-          </a:bodyPr>
+          <a:bodyPr vert="horz" wrap="square" lIns="91440" tIns="45720" rIns="91440" bIns="45720" numCol="1" anchor="t" anchorCtr="0" compatLnSpc="1"/>
           <a:lstStyle>
             <a:lvl1pPr>
               <a:defRPr sz="1200">
-                <a:latin typeface="Calibri" pitchFamily="34" charset="0"/>
-                <a:ea typeface="ＭＳ Ｐゴシック" pitchFamily="34" charset="-128"/>
+                <a:latin typeface="Calibri" panose="020F0502020204030204" pitchFamily="34" charset="0"/>
+                <a:ea typeface="MS PGothic" panose="020B0600070205080204" pitchFamily="34" charset="-128"/>
               </a:defRPr>
             </a:lvl1pPr>
           </a:lstStyle>
@@ -306,16 +287,12 @@
           </a:prstGeom>
         </p:spPr>
         <p:txBody>
-          <a:bodyPr vert="horz" wrap="square" lIns="91440" tIns="45720" rIns="91440" bIns="45720" numCol="1" anchor="t" anchorCtr="0" compatLnSpc="1">
-            <a:prstTxWarp prst="textNoShape">
-              <a:avLst/>
-            </a:prstTxWarp>
-          </a:bodyPr>
+          <a:bodyPr vert="horz" wrap="square" lIns="91440" tIns="45720" rIns="91440" bIns="45720" numCol="1" anchor="t" anchorCtr="0" compatLnSpc="1"/>
           <a:lstStyle>
             <a:lvl1pPr algn="r">
               <a:defRPr sz="1200">
-                <a:latin typeface="Calibri" pitchFamily="34" charset="0"/>
-                <a:ea typeface="ＭＳ Ｐゴシック" pitchFamily="34" charset="-128"/>
+                <a:latin typeface="Calibri" panose="020F0502020204030204" pitchFamily="34" charset="0"/>
+                <a:ea typeface="MS PGothic" panose="020B0600070205080204" pitchFamily="34" charset="-128"/>
               </a:defRPr>
             </a:lvl1pPr>
           </a:lstStyle>
@@ -325,10 +302,6 @@
             </a:pPr>
             <a:fld id="{FBD04B4B-BF48-4124-A12F-E6E02B7028E1}" type="datetime1">
               <a:rPr lang="en-US" altLang="zh-CN"/>
-              <a:pPr>
-                <a:defRPr/>
-              </a:pPr>
-              <a:t>4/13/2018</a:t>
             </a:fld>
             <a:endParaRPr lang="en-US" altLang="zh-CN"/>
           </a:p>
@@ -354,16 +327,12 @@
           </a:prstGeom>
         </p:spPr>
         <p:txBody>
-          <a:bodyPr vert="horz" wrap="square" lIns="91440" tIns="45720" rIns="91440" bIns="45720" numCol="1" anchor="b" anchorCtr="0" compatLnSpc="1">
-            <a:prstTxWarp prst="textNoShape">
-              <a:avLst/>
-            </a:prstTxWarp>
-          </a:bodyPr>
+          <a:bodyPr vert="horz" wrap="square" lIns="91440" tIns="45720" rIns="91440" bIns="45720" numCol="1" anchor="b" anchorCtr="0" compatLnSpc="1"/>
           <a:lstStyle>
             <a:lvl1pPr>
               <a:defRPr sz="1200">
-                <a:latin typeface="Calibri" pitchFamily="34" charset="0"/>
-                <a:ea typeface="ＭＳ Ｐゴシック" pitchFamily="34" charset="-128"/>
+                <a:latin typeface="Calibri" panose="020F0502020204030204" pitchFamily="34" charset="0"/>
+                <a:ea typeface="MS PGothic" panose="020B0600070205080204" pitchFamily="34" charset="-128"/>
               </a:defRPr>
             </a:lvl1pPr>
           </a:lstStyle>
@@ -395,16 +364,12 @@
           </a:prstGeom>
         </p:spPr>
         <p:txBody>
-          <a:bodyPr vert="horz" wrap="square" lIns="91440" tIns="45720" rIns="91440" bIns="45720" numCol="1" anchor="b" anchorCtr="0" compatLnSpc="1">
-            <a:prstTxWarp prst="textNoShape">
-              <a:avLst/>
-            </a:prstTxWarp>
-          </a:bodyPr>
+          <a:bodyPr vert="horz" wrap="square" lIns="91440" tIns="45720" rIns="91440" bIns="45720" numCol="1" anchor="b" anchorCtr="0" compatLnSpc="1"/>
           <a:lstStyle>
             <a:lvl1pPr algn="r">
               <a:defRPr sz="1200">
-                <a:latin typeface="Calibri" pitchFamily="34" charset="0"/>
-                <a:ea typeface="ＭＳ Ｐゴシック" pitchFamily="34" charset="-128"/>
+                <a:latin typeface="Calibri" panose="020F0502020204030204" pitchFamily="34" charset="0"/>
+                <a:ea typeface="MS PGothic" panose="020B0600070205080204" pitchFamily="34" charset="-128"/>
               </a:defRPr>
             </a:lvl1pPr>
           </a:lstStyle>
@@ -414,21 +379,12 @@
             </a:pPr>
             <a:fld id="{7A58C161-F8F7-4A20-8C6A-D7A2E5399F42}" type="slidenum">
               <a:rPr lang="en-US" altLang="zh-CN"/>
-              <a:pPr>
-                <a:defRPr/>
-              </a:pPr>
-              <a:t>‹#›</a:t>
             </a:fld>
             <a:endParaRPr lang="en-US" altLang="zh-CN"/>
           </a:p>
         </p:txBody>
       </p:sp>
     </p:spTree>
-    <p:extLst>
-      <p:ext uri="{BB962C8B-B14F-4D97-AF65-F5344CB8AC3E}">
-        <p14:creationId xmlns:p14="http://schemas.microsoft.com/office/powerpoint/2010/main" val="2840960966"/>
-      </p:ext>
-    </p:extLst>
   </p:cSld>
   <p:clrMap bg1="lt1" tx1="dk1" bg2="lt2" tx2="dk2" accent1="accent1" accent2="accent2" accent3="accent3" accent4="accent4" accent5="accent5" accent6="accent6" hlink="hlink" folHlink="folHlink"/>
   <p:hf hdr="0" ftr="0" dt="0"/>
@@ -480,16 +436,12 @@
           </a:prstGeom>
         </p:spPr>
         <p:txBody>
-          <a:bodyPr vert="horz" wrap="square" lIns="91440" tIns="45720" rIns="91440" bIns="45720" numCol="1" anchor="t" anchorCtr="0" compatLnSpc="1">
-            <a:prstTxWarp prst="textNoShape">
-              <a:avLst/>
-            </a:prstTxWarp>
-          </a:bodyPr>
+          <a:bodyPr vert="horz" wrap="square" lIns="91440" tIns="45720" rIns="91440" bIns="45720" numCol="1" anchor="t" anchorCtr="0" compatLnSpc="1"/>
           <a:lstStyle>
             <a:lvl1pPr>
               <a:defRPr sz="1200">
-                <a:latin typeface="Calibri" pitchFamily="34" charset="0"/>
-                <a:ea typeface="ＭＳ Ｐゴシック" pitchFamily="34" charset="-128"/>
+                <a:latin typeface="Calibri" panose="020F0502020204030204" pitchFamily="34" charset="0"/>
+                <a:ea typeface="MS PGothic" panose="020B0600070205080204" pitchFamily="34" charset="-128"/>
               </a:defRPr>
             </a:lvl1pPr>
           </a:lstStyle>
@@ -521,16 +473,12 @@
           </a:prstGeom>
         </p:spPr>
         <p:txBody>
-          <a:bodyPr vert="horz" wrap="square" lIns="91440" tIns="45720" rIns="91440" bIns="45720" numCol="1" anchor="t" anchorCtr="0" compatLnSpc="1">
-            <a:prstTxWarp prst="textNoShape">
-              <a:avLst/>
-            </a:prstTxWarp>
-          </a:bodyPr>
+          <a:bodyPr vert="horz" wrap="square" lIns="91440" tIns="45720" rIns="91440" bIns="45720" numCol="1" anchor="t" anchorCtr="0" compatLnSpc="1"/>
           <a:lstStyle>
             <a:lvl1pPr algn="r">
               <a:defRPr sz="1200">
-                <a:latin typeface="Calibri" pitchFamily="34" charset="0"/>
-                <a:ea typeface="ＭＳ Ｐゴシック" pitchFamily="34" charset="-128"/>
+                <a:latin typeface="Calibri" panose="020F0502020204030204" pitchFamily="34" charset="0"/>
+                <a:ea typeface="MS PGothic" panose="020B0600070205080204" pitchFamily="34" charset="-128"/>
               </a:defRPr>
             </a:lvl1pPr>
           </a:lstStyle>
@@ -540,10 +488,6 @@
             </a:pPr>
             <a:fld id="{56B951AB-4CC4-4A1A-845E-C3E6E395286B}" type="datetime1">
               <a:rPr lang="en-US" altLang="zh-CN"/>
-              <a:pPr>
-                <a:defRPr/>
-              </a:pPr>
-              <a:t>4/13/2018</a:t>
             </a:fld>
             <a:endParaRPr lang="en-US" altLang="zh-CN"/>
           </a:p>
@@ -575,11 +519,7 @@
           </a:ln>
         </p:spPr>
         <p:txBody>
-          <a:bodyPr vert="horz" wrap="square" lIns="91440" tIns="45720" rIns="91440" bIns="45720" numCol="1" anchor="ctr" anchorCtr="0" compatLnSpc="1">
-            <a:prstTxWarp prst="textNoShape">
-              <a:avLst/>
-            </a:prstTxWarp>
-          </a:bodyPr>
+          <a:bodyPr vert="horz" wrap="square" lIns="91440" tIns="45720" rIns="91440" bIns="45720" numCol="1" anchor="ctr" anchorCtr="0" compatLnSpc="1"/>
           <a:lstStyle/>
           <a:p>
             <a:pPr lvl="0"/>
@@ -608,9 +548,6 @@
         </p:spPr>
         <p:txBody>
           <a:bodyPr vert="horz" wrap="square" lIns="91440" tIns="45720" rIns="91440" bIns="45720" numCol="1" anchor="t" anchorCtr="0" compatLnSpc="1">
-            <a:prstTxWarp prst="textNoShape">
-              <a:avLst/>
-            </a:prstTxWarp>
             <a:normAutofit/>
           </a:bodyPr>
           <a:lstStyle/>
@@ -620,6 +557,7 @@
               <a:rPr lang="en-US" altLang="zh-CN" noProof="0"/>
               <a:t>Click to edit Master text styles</a:t>
             </a:r>
+            <a:endParaRPr lang="en-US" altLang="zh-CN" noProof="0"/>
           </a:p>
           <a:p>
             <a:pPr lvl="1"/>
@@ -627,6 +565,7 @@
               <a:rPr lang="en-US" altLang="zh-CN" noProof="0"/>
               <a:t>Second level</a:t>
             </a:r>
+            <a:endParaRPr lang="en-US" altLang="zh-CN" noProof="0"/>
           </a:p>
           <a:p>
             <a:pPr lvl="2"/>
@@ -634,6 +573,7 @@
               <a:rPr lang="en-US" altLang="zh-CN" noProof="0"/>
               <a:t>Third level</a:t>
             </a:r>
+            <a:endParaRPr lang="en-US" altLang="zh-CN" noProof="0"/>
           </a:p>
           <a:p>
             <a:pPr lvl="3"/>
@@ -641,6 +581,7 @@
               <a:rPr lang="en-US" altLang="zh-CN" noProof="0"/>
               <a:t>Fourth level</a:t>
             </a:r>
+            <a:endParaRPr lang="en-US" altLang="zh-CN" noProof="0"/>
           </a:p>
           <a:p>
             <a:pPr lvl="4"/>
@@ -648,6 +589,7 @@
               <a:rPr lang="en-US" altLang="zh-CN" noProof="0"/>
               <a:t>Fifth level</a:t>
             </a:r>
+            <a:endParaRPr lang="en-US" altLang="zh-CN" noProof="0"/>
           </a:p>
         </p:txBody>
       </p:sp>
@@ -671,16 +613,12 @@
           </a:prstGeom>
         </p:spPr>
         <p:txBody>
-          <a:bodyPr vert="horz" wrap="square" lIns="91440" tIns="45720" rIns="91440" bIns="45720" numCol="1" anchor="b" anchorCtr="0" compatLnSpc="1">
-            <a:prstTxWarp prst="textNoShape">
-              <a:avLst/>
-            </a:prstTxWarp>
-          </a:bodyPr>
+          <a:bodyPr vert="horz" wrap="square" lIns="91440" tIns="45720" rIns="91440" bIns="45720" numCol="1" anchor="b" anchorCtr="0" compatLnSpc="1"/>
           <a:lstStyle>
             <a:lvl1pPr>
               <a:defRPr sz="1200">
-                <a:latin typeface="Calibri" pitchFamily="34" charset="0"/>
-                <a:ea typeface="ＭＳ Ｐゴシック" pitchFamily="34" charset="-128"/>
+                <a:latin typeface="Calibri" panose="020F0502020204030204" pitchFamily="34" charset="0"/>
+                <a:ea typeface="MS PGothic" panose="020B0600070205080204" pitchFamily="34" charset="-128"/>
               </a:defRPr>
             </a:lvl1pPr>
           </a:lstStyle>
@@ -712,16 +650,12 @@
           </a:prstGeom>
         </p:spPr>
         <p:txBody>
-          <a:bodyPr vert="horz" wrap="square" lIns="91440" tIns="45720" rIns="91440" bIns="45720" numCol="1" anchor="b" anchorCtr="0" compatLnSpc="1">
-            <a:prstTxWarp prst="textNoShape">
-              <a:avLst/>
-            </a:prstTxWarp>
-          </a:bodyPr>
+          <a:bodyPr vert="horz" wrap="square" lIns="91440" tIns="45720" rIns="91440" bIns="45720" numCol="1" anchor="b" anchorCtr="0" compatLnSpc="1"/>
           <a:lstStyle>
             <a:lvl1pPr algn="r">
               <a:defRPr sz="1200">
-                <a:latin typeface="Calibri" pitchFamily="34" charset="0"/>
-                <a:ea typeface="ＭＳ Ｐゴシック" pitchFamily="34" charset="-128"/>
+                <a:latin typeface="Calibri" panose="020F0502020204030204" pitchFamily="34" charset="0"/>
+                <a:ea typeface="MS PGothic" panose="020B0600070205080204" pitchFamily="34" charset="-128"/>
               </a:defRPr>
             </a:lvl1pPr>
           </a:lstStyle>
@@ -731,21 +665,12 @@
             </a:pPr>
             <a:fld id="{84C1FF56-8A9B-4ECB-89F3-6603D17A6FE6}" type="slidenum">
               <a:rPr lang="en-US" altLang="zh-CN"/>
-              <a:pPr>
-                <a:defRPr/>
-              </a:pPr>
-              <a:t>‹#›</a:t>
             </a:fld>
             <a:endParaRPr lang="en-US" altLang="zh-CN"/>
           </a:p>
         </p:txBody>
       </p:sp>
     </p:spTree>
-    <p:extLst>
-      <p:ext uri="{BB962C8B-B14F-4D97-AF65-F5344CB8AC3E}">
-        <p14:creationId xmlns:p14="http://schemas.microsoft.com/office/powerpoint/2010/main" val="245216682"/>
-      </p:ext>
-    </p:extLst>
   </p:cSld>
   <p:clrMap bg1="lt1" tx1="dk1" bg2="lt2" tx2="dk2" accent1="accent1" accent2="accent2" accent3="accent3" accent4="accent4" accent5="accent5" accent6="accent6" hlink="hlink" folHlink="folHlink"/>
   <p:hf hdr="0" ftr="0" dt="0"/>
@@ -762,8 +687,8 @@
           <a:schemeClr val="tx1"/>
         </a:solidFill>
         <a:latin typeface="+mn-lt"/>
-        <a:ea typeface="ＭＳ Ｐゴシック" pitchFamily="64" charset="-128"/>
-        <a:cs typeface="ＭＳ Ｐゴシック" pitchFamily="64" charset="-128"/>
+        <a:ea typeface="MS PGothic" panose="020B0600070205080204" pitchFamily="34" charset="-128"/>
+        <a:cs typeface="MS PGothic" panose="020B0600070205080204" pitchFamily="34" charset="-128"/>
       </a:defRPr>
     </a:lvl1pPr>
     <a:lvl2pPr marL="457200" algn="l" defTabSz="457200" rtl="0" eaLnBrk="0" fontAlgn="base" hangingPunct="0">
@@ -778,7 +703,7 @@
           <a:schemeClr val="tx1"/>
         </a:solidFill>
         <a:latin typeface="+mn-lt"/>
-        <a:ea typeface="ＭＳ Ｐゴシック" pitchFamily="64" charset="-128"/>
+        <a:ea typeface="MS PGothic" panose="020B0600070205080204" pitchFamily="34" charset="-128"/>
         <a:cs typeface="+mn-cs"/>
       </a:defRPr>
     </a:lvl2pPr>
@@ -794,7 +719,7 @@
           <a:schemeClr val="tx1"/>
         </a:solidFill>
         <a:latin typeface="+mn-lt"/>
-        <a:ea typeface="ＭＳ Ｐゴシック" pitchFamily="64" charset="-128"/>
+        <a:ea typeface="MS PGothic" panose="020B0600070205080204" pitchFamily="34" charset="-128"/>
         <a:cs typeface="+mn-cs"/>
       </a:defRPr>
     </a:lvl3pPr>
@@ -810,7 +735,7 @@
           <a:schemeClr val="tx1"/>
         </a:solidFill>
         <a:latin typeface="+mn-lt"/>
-        <a:ea typeface="ＭＳ Ｐゴシック" pitchFamily="64" charset="-128"/>
+        <a:ea typeface="MS PGothic" panose="020B0600070205080204" pitchFamily="34" charset="-128"/>
         <a:cs typeface="+mn-cs"/>
       </a:defRPr>
     </a:lvl4pPr>
@@ -826,7 +751,7 @@
           <a:schemeClr val="tx1"/>
         </a:solidFill>
         <a:latin typeface="+mn-lt"/>
-        <a:ea typeface="ＭＳ Ｐゴシック" pitchFamily="64" charset="-128"/>
+        <a:ea typeface="MS PGothic" panose="020B0600070205080204" pitchFamily="34" charset="-128"/>
         <a:cs typeface="+mn-cs"/>
       </a:defRPr>
     </a:lvl5pPr>
@@ -908,8 +833,6 @@
               <a:srgbClr val="000000"/>
             </a:solidFill>
             <a:miter lim="800000"/>
-            <a:headEnd/>
-            <a:tailEnd/>
           </a:ln>
           <a:extLst>
             <a:ext uri="{909E8E84-426E-40DD-AFC4-6F175D3DCCD1}">
@@ -959,7 +882,7 @@
           <a:lstStyle/>
           <a:p>
             <a:endParaRPr lang="zh-CN" altLang="zh-CN">
-              <a:ea typeface="ＭＳ Ｐゴシック" pitchFamily="34" charset="-128"/>
+              <a:ea typeface="MS PGothic" panose="020B0600070205080204" pitchFamily="34" charset="-128"/>
             </a:endParaRPr>
           </a:p>
         </p:txBody>
@@ -1004,8 +927,8 @@
                 <a:solidFill>
                   <a:schemeClr val="tx1"/>
                 </a:solidFill>
-                <a:latin typeface="Arial" pitchFamily="34" charset="0"/>
-                <a:ea typeface="ＭＳ Ｐゴシック" pitchFamily="34" charset="-128"/>
+                <a:latin typeface="Arial" panose="020B0604020202020204" pitchFamily="34" charset="0"/>
+                <a:ea typeface="MS PGothic" panose="020B0600070205080204" pitchFamily="34" charset="-128"/>
               </a:defRPr>
             </a:lvl1pPr>
             <a:lvl2pPr marL="742950" indent="-285750" eaLnBrk="0" hangingPunct="0">
@@ -1013,8 +936,8 @@
                 <a:solidFill>
                   <a:schemeClr val="tx1"/>
                 </a:solidFill>
-                <a:latin typeface="Arial" pitchFamily="34" charset="0"/>
-                <a:ea typeface="ＭＳ Ｐゴシック" pitchFamily="34" charset="-128"/>
+                <a:latin typeface="Arial" panose="020B0604020202020204" pitchFamily="34" charset="0"/>
+                <a:ea typeface="MS PGothic" panose="020B0600070205080204" pitchFamily="34" charset="-128"/>
               </a:defRPr>
             </a:lvl2pPr>
             <a:lvl3pPr marL="1143000" indent="-228600" eaLnBrk="0" hangingPunct="0">
@@ -1022,8 +945,8 @@
                 <a:solidFill>
                   <a:schemeClr val="tx1"/>
                 </a:solidFill>
-                <a:latin typeface="Arial" pitchFamily="34" charset="0"/>
-                <a:ea typeface="ＭＳ Ｐゴシック" pitchFamily="34" charset="-128"/>
+                <a:latin typeface="Arial" panose="020B0604020202020204" pitchFamily="34" charset="0"/>
+                <a:ea typeface="MS PGothic" panose="020B0600070205080204" pitchFamily="34" charset="-128"/>
               </a:defRPr>
             </a:lvl3pPr>
             <a:lvl4pPr marL="1600200" indent="-228600" eaLnBrk="0" hangingPunct="0">
@@ -1031,8 +954,8 @@
                 <a:solidFill>
                   <a:schemeClr val="tx1"/>
                 </a:solidFill>
-                <a:latin typeface="Arial" pitchFamily="34" charset="0"/>
-                <a:ea typeface="ＭＳ Ｐゴシック" pitchFamily="34" charset="-128"/>
+                <a:latin typeface="Arial" panose="020B0604020202020204" pitchFamily="34" charset="0"/>
+                <a:ea typeface="MS PGothic" panose="020B0600070205080204" pitchFamily="34" charset="-128"/>
               </a:defRPr>
             </a:lvl4pPr>
             <a:lvl5pPr marL="2057400" indent="-228600" eaLnBrk="0" hangingPunct="0">
@@ -1040,8 +963,8 @@
                 <a:solidFill>
                   <a:schemeClr val="tx1"/>
                 </a:solidFill>
-                <a:latin typeface="Arial" pitchFamily="34" charset="0"/>
-                <a:ea typeface="ＭＳ Ｐゴシック" pitchFamily="34" charset="-128"/>
+                <a:latin typeface="Arial" panose="020B0604020202020204" pitchFamily="34" charset="0"/>
+                <a:ea typeface="MS PGothic" panose="020B0600070205080204" pitchFamily="34" charset="-128"/>
               </a:defRPr>
             </a:lvl5pPr>
             <a:lvl6pPr marL="2514600" indent="-228600" defTabSz="457200" eaLnBrk="0" fontAlgn="base" hangingPunct="0">
@@ -1055,8 +978,8 @@
                 <a:solidFill>
                   <a:schemeClr val="tx1"/>
                 </a:solidFill>
-                <a:latin typeface="Arial" pitchFamily="34" charset="0"/>
-                <a:ea typeface="ＭＳ Ｐゴシック" pitchFamily="34" charset="-128"/>
+                <a:latin typeface="Arial" panose="020B0604020202020204" pitchFamily="34" charset="0"/>
+                <a:ea typeface="MS PGothic" panose="020B0600070205080204" pitchFamily="34" charset="-128"/>
               </a:defRPr>
             </a:lvl6pPr>
             <a:lvl7pPr marL="2971800" indent="-228600" defTabSz="457200" eaLnBrk="0" fontAlgn="base" hangingPunct="0">
@@ -1070,8 +993,8 @@
                 <a:solidFill>
                   <a:schemeClr val="tx1"/>
                 </a:solidFill>
-                <a:latin typeface="Arial" pitchFamily="34" charset="0"/>
-                <a:ea typeface="ＭＳ Ｐゴシック" pitchFamily="34" charset="-128"/>
+                <a:latin typeface="Arial" panose="020B0604020202020204" pitchFamily="34" charset="0"/>
+                <a:ea typeface="MS PGothic" panose="020B0600070205080204" pitchFamily="34" charset="-128"/>
               </a:defRPr>
             </a:lvl7pPr>
             <a:lvl8pPr marL="3429000" indent="-228600" defTabSz="457200" eaLnBrk="0" fontAlgn="base" hangingPunct="0">
@@ -1085,8 +1008,8 @@
                 <a:solidFill>
                   <a:schemeClr val="tx1"/>
                 </a:solidFill>
-                <a:latin typeface="Arial" pitchFamily="34" charset="0"/>
-                <a:ea typeface="ＭＳ Ｐゴシック" pitchFamily="34" charset="-128"/>
+                <a:latin typeface="Arial" panose="020B0604020202020204" pitchFamily="34" charset="0"/>
+                <a:ea typeface="MS PGothic" panose="020B0600070205080204" pitchFamily="34" charset="-128"/>
               </a:defRPr>
             </a:lvl8pPr>
             <a:lvl9pPr marL="3886200" indent="-228600" defTabSz="457200" eaLnBrk="0" fontAlgn="base" hangingPunct="0">
@@ -1100,8 +1023,8 @@
                 <a:solidFill>
                   <a:schemeClr val="tx1"/>
                 </a:solidFill>
-                <a:latin typeface="Arial" pitchFamily="34" charset="0"/>
-                <a:ea typeface="ＭＳ Ｐゴシック" pitchFamily="34" charset="-128"/>
+                <a:latin typeface="Arial" panose="020B0604020202020204" pitchFamily="34" charset="0"/>
+                <a:ea typeface="MS PGothic" panose="020B0600070205080204" pitchFamily="34" charset="-128"/>
               </a:defRPr>
             </a:lvl9pPr>
           </a:lstStyle>
@@ -1109,23 +1032,16 @@
             <a:pPr eaLnBrk="1" hangingPunct="1"/>
             <a:fld id="{2D9DEAE6-D4D8-40C3-9224-E9AEBA1F2600}" type="slidenum">
               <a:rPr lang="en-US" altLang="zh-CN" smtClean="0">
-                <a:latin typeface="Calibri" pitchFamily="34" charset="0"/>
+                <a:latin typeface="Calibri" panose="020F0502020204030204" pitchFamily="34" charset="0"/>
               </a:rPr>
-              <a:pPr eaLnBrk="1" hangingPunct="1"/>
-              <a:t>1</a:t>
             </a:fld>
             <a:endParaRPr lang="en-US" altLang="zh-CN">
-              <a:latin typeface="Calibri" pitchFamily="34" charset="0"/>
+              <a:latin typeface="Calibri" panose="020F0502020204030204" pitchFamily="34" charset="0"/>
             </a:endParaRPr>
           </a:p>
         </p:txBody>
       </p:sp>
     </p:spTree>
-    <p:extLst>
-      <p:ext uri="{BB962C8B-B14F-4D97-AF65-F5344CB8AC3E}">
-        <p14:creationId xmlns:p14="http://schemas.microsoft.com/office/powerpoint/2010/main" val="713557835"/>
-      </p:ext>
-    </p:extLst>
   </p:cSld>
   <p:clrMapOvr>
     <a:masterClrMapping/>
@@ -1172,8 +1088,6 @@
               <a:srgbClr val="A6A6A6"/>
             </a:solidFill>
             <a:round/>
-            <a:headEnd/>
-            <a:tailEnd/>
           </a:ln>
           <a:effectLst>
             <a:outerShdw dist="20000" dir="5400000" rotWithShape="0">
@@ -1269,7 +1183,7 @@
           <a:lstStyle>
             <a:lvl1pPr algn="l">
               <a:defRPr sz="3600" baseline="0">
-                <a:ea typeface="微软雅黑" pitchFamily="34" charset="-122"/>
+                <a:ea typeface="微软雅黑" panose="020B0503020204020204" pitchFamily="34" charset="-122"/>
               </a:defRPr>
             </a:lvl1pPr>
           </a:lstStyle>
@@ -1314,7 +1228,7 @@
                     <a:lumOff val="35000"/>
                   </a:schemeClr>
                 </a:solidFill>
-                <a:ea typeface="微软雅黑" pitchFamily="34" charset="-122"/>
+                <a:ea typeface="微软雅黑" panose="020B0503020204020204" pitchFamily="34" charset="-122"/>
               </a:defRPr>
             </a:lvl1pPr>
             <a:lvl3pPr marL="914400" indent="0">
@@ -1328,15 +1242,11 @@
               <a:rPr lang="zh-CN" altLang="en-US"/>
               <a:t>单击此处编辑母版文本样式</a:t>
             </a:r>
+            <a:endParaRPr lang="zh-CN" altLang="en-US"/>
           </a:p>
         </p:txBody>
       </p:sp>
     </p:spTree>
-    <p:extLst>
-      <p:ext uri="{BB962C8B-B14F-4D97-AF65-F5344CB8AC3E}">
-        <p14:creationId xmlns:p14="http://schemas.microsoft.com/office/powerpoint/2010/main" val="1965338108"/>
-      </p:ext>
-    </p:extLst>
   </p:cSld>
   <p:clrMapOvr>
     <a:masterClrMapping/>
@@ -1383,8 +1293,6 @@
               <a:srgbClr val="A6A6A6"/>
             </a:solidFill>
             <a:round/>
-            <a:headEnd/>
-            <a:tailEnd/>
           </a:ln>
           <a:effectLst>
             <a:outerShdw dist="20000" dir="5400000" rotWithShape="0">
@@ -1480,7 +1388,7 @@
           <a:lstStyle>
             <a:lvl1pPr algn="l">
               <a:defRPr sz="3600" baseline="0">
-                <a:ea typeface="微软雅黑" pitchFamily="34" charset="-122"/>
+                <a:ea typeface="微软雅黑" panose="020B0503020204020204" pitchFamily="34" charset="-122"/>
               </a:defRPr>
             </a:lvl1pPr>
           </a:lstStyle>
@@ -1525,7 +1433,7 @@
                     <a:lumOff val="35000"/>
                   </a:schemeClr>
                 </a:solidFill>
-                <a:ea typeface="微软雅黑" pitchFamily="34" charset="-122"/>
+                <a:ea typeface="微软雅黑" panose="020B0503020204020204" pitchFamily="34" charset="-122"/>
               </a:defRPr>
             </a:lvl1pPr>
             <a:lvl3pPr marL="914400" indent="0">
@@ -1539,15 +1447,11 @@
               <a:rPr lang="zh-CN" altLang="en-US"/>
               <a:t>单击此处编辑母版文本样式</a:t>
             </a:r>
+            <a:endParaRPr lang="zh-CN" altLang="en-US"/>
           </a:p>
         </p:txBody>
       </p:sp>
     </p:spTree>
-    <p:extLst>
-      <p:ext uri="{BB962C8B-B14F-4D97-AF65-F5344CB8AC3E}">
-        <p14:creationId xmlns:p14="http://schemas.microsoft.com/office/powerpoint/2010/main" val="374666154"/>
-      </p:ext>
-    </p:extLst>
   </p:cSld>
   <p:clrMapOvr>
     <a:masterClrMapping/>
@@ -1596,7 +1500,7 @@
           <a:lstStyle>
             <a:lvl1pPr>
               <a:defRPr sz="3600" baseline="0">
-                <a:ea typeface="微软雅黑" pitchFamily="34" charset="-122"/>
+                <a:ea typeface="微软雅黑" panose="020B0503020204020204" pitchFamily="34" charset="-122"/>
               </a:defRPr>
             </a:lvl1pPr>
           </a:lstStyle>
@@ -1605,15 +1509,11 @@
               <a:rPr lang="en-US" dirty="0"/>
               <a:t>Click to edit Master title style</a:t>
             </a:r>
+            <a:endParaRPr lang="en-US" dirty="0"/>
           </a:p>
         </p:txBody>
       </p:sp>
     </p:spTree>
-    <p:extLst>
-      <p:ext uri="{BB962C8B-B14F-4D97-AF65-F5344CB8AC3E}">
-        <p14:creationId xmlns:p14="http://schemas.microsoft.com/office/powerpoint/2010/main" val="4151075505"/>
-      </p:ext>
-    </p:extLst>
   </p:cSld>
   <p:clrMapOvr>
     <a:masterClrMapping/>
@@ -1639,11 +1539,6 @@
         </a:xfrm>
       </p:grpSpPr>
     </p:spTree>
-    <p:extLst>
-      <p:ext uri="{BB962C8B-B14F-4D97-AF65-F5344CB8AC3E}">
-        <p14:creationId xmlns:p14="http://schemas.microsoft.com/office/powerpoint/2010/main" val="782597336"/>
-      </p:ext>
-    </p:extLst>
   </p:cSld>
   <p:clrMapOvr>
     <a:masterClrMapping/>
@@ -1687,15 +1582,11 @@
               <a:rPr lang="zh-CN" altLang="en-US" dirty="0"/>
               <a:t>单击此处编辑母版标题样式</a:t>
             </a:r>
+            <a:endParaRPr lang="zh-CN" altLang="en-US" dirty="0"/>
           </a:p>
         </p:txBody>
       </p:sp>
     </p:spTree>
-    <p:extLst>
-      <p:ext uri="{BB962C8B-B14F-4D97-AF65-F5344CB8AC3E}">
-        <p14:creationId xmlns:p14="http://schemas.microsoft.com/office/powerpoint/2010/main" val="2289866747"/>
-      </p:ext>
-    </p:extLst>
   </p:cSld>
   <p:clrMapOvr>
     <a:masterClrMapping/>
@@ -1739,6 +1630,7 @@
               <a:rPr lang="en-US"/>
               <a:t>Click to edit Master title style</a:t>
             </a:r>
+            <a:endParaRPr lang="en-US"/>
           </a:p>
         </p:txBody>
       </p:sp>
@@ -1775,7 +1667,7 @@
               <a:buFontTx/>
               <a:buNone/>
               <a:defRPr baseline="0">
-                <a:ea typeface="黑体" pitchFamily="49" charset="-122"/>
+                <a:ea typeface="黑体" panose="02010609060101010101" pitchFamily="49" charset="-122"/>
               </a:defRPr>
             </a:lvl1pPr>
             <a:lvl2pPr marL="457200" indent="0">
@@ -1789,7 +1681,7 @@
               <a:buFontTx/>
               <a:buNone/>
               <a:defRPr baseline="0">
-                <a:ea typeface="黑体" pitchFamily="49" charset="-122"/>
+                <a:ea typeface="黑体" panose="02010609060101010101" pitchFamily="49" charset="-122"/>
               </a:defRPr>
             </a:lvl2pPr>
             <a:lvl3pPr marL="914400" indent="0">
@@ -1803,7 +1695,7 @@
               <a:buFontTx/>
               <a:buNone/>
               <a:defRPr baseline="0">
-                <a:ea typeface="黑体" pitchFamily="49" charset="-122"/>
+                <a:ea typeface="黑体" panose="02010609060101010101" pitchFamily="49" charset="-122"/>
               </a:defRPr>
             </a:lvl3pPr>
             <a:lvl4pPr marL="1371600" indent="0">
@@ -1817,7 +1709,7 @@
               <a:buFontTx/>
               <a:buNone/>
               <a:defRPr baseline="0">
-                <a:ea typeface="黑体" pitchFamily="49" charset="-122"/>
+                <a:ea typeface="黑体" panose="02010609060101010101" pitchFamily="49" charset="-122"/>
               </a:defRPr>
             </a:lvl4pPr>
             <a:lvl5pPr marL="1828800" indent="0">
@@ -1831,7 +1723,7 @@
               <a:buFontTx/>
               <a:buNone/>
               <a:defRPr baseline="0">
-                <a:ea typeface="黑体" pitchFamily="49" charset="-122"/>
+                <a:ea typeface="黑体" panose="02010609060101010101" pitchFamily="49" charset="-122"/>
               </a:defRPr>
             </a:lvl5pPr>
           </a:lstStyle>
@@ -1841,6 +1733,7 @@
               <a:rPr lang="en-US" dirty="0"/>
               <a:t>Click to edit Master text styles</a:t>
             </a:r>
+            <a:endParaRPr lang="en-US" dirty="0"/>
           </a:p>
           <a:p>
             <a:pPr lvl="1"/>
@@ -1848,6 +1741,7 @@
               <a:rPr lang="en-US" dirty="0"/>
               <a:t>Second level</a:t>
             </a:r>
+            <a:endParaRPr lang="en-US" dirty="0"/>
           </a:p>
           <a:p>
             <a:pPr lvl="2"/>
@@ -1855,6 +1749,7 @@
               <a:rPr lang="en-US" dirty="0"/>
               <a:t>Third level</a:t>
             </a:r>
+            <a:endParaRPr lang="en-US" dirty="0"/>
           </a:p>
           <a:p>
             <a:pPr lvl="3"/>
@@ -1862,6 +1757,7 @@
               <a:rPr lang="en-US" dirty="0"/>
               <a:t>Fourth level</a:t>
             </a:r>
+            <a:endParaRPr lang="en-US" dirty="0"/>
           </a:p>
           <a:p>
             <a:pPr lvl="4"/>
@@ -1869,15 +1765,11 @@
               <a:rPr lang="en-US" dirty="0"/>
               <a:t>Fifth level</a:t>
             </a:r>
+            <a:endParaRPr lang="en-US" dirty="0"/>
           </a:p>
         </p:txBody>
       </p:sp>
     </p:spTree>
-    <p:extLst>
-      <p:ext uri="{BB962C8B-B14F-4D97-AF65-F5344CB8AC3E}">
-        <p14:creationId xmlns:p14="http://schemas.microsoft.com/office/powerpoint/2010/main" val="2004528252"/>
-      </p:ext>
-    </p:extLst>
   </p:cSld>
   <p:clrMapOvr>
     <a:masterClrMapping/>
@@ -1921,6 +1813,7 @@
               <a:rPr lang="en-US"/>
               <a:t>Click to edit Master title style</a:t>
             </a:r>
+            <a:endParaRPr lang="en-US"/>
           </a:p>
         </p:txBody>
       </p:sp>
@@ -1954,10 +1847,10 @@
                 <a:srgbClr val="3D955F"/>
               </a:buClr>
               <a:buSzPct val="100000"/>
-              <a:buFont typeface="Arial"/>
+              <a:buFont typeface="Arial" panose="020B0604020202020204"/>
               <a:buChar char="•"/>
               <a:defRPr baseline="0">
-                <a:ea typeface="黑体" pitchFamily="49" charset="-122"/>
+                <a:ea typeface="黑体" panose="02010609060101010101" pitchFamily="49" charset="-122"/>
               </a:defRPr>
             </a:lvl1pPr>
             <a:lvl2pPr marL="723900" indent="-266700">
@@ -1969,7 +1862,7 @@
               </a:buClr>
               <a:buSzPct val="100000"/>
               <a:defRPr baseline="0">
-                <a:ea typeface="黑体" pitchFamily="49" charset="-122"/>
+                <a:ea typeface="黑体" panose="02010609060101010101" pitchFamily="49" charset="-122"/>
               </a:defRPr>
             </a:lvl2pPr>
             <a:lvl3pPr>
@@ -1981,7 +1874,7 @@
               </a:buClr>
               <a:buSzPct val="100000"/>
               <a:defRPr baseline="0">
-                <a:ea typeface="黑体" pitchFamily="49" charset="-122"/>
+                <a:ea typeface="黑体" panose="02010609060101010101" pitchFamily="49" charset="-122"/>
               </a:defRPr>
             </a:lvl3pPr>
             <a:lvl4pPr>
@@ -1993,7 +1886,7 @@
               </a:buClr>
               <a:buSzPct val="100000"/>
               <a:defRPr baseline="0">
-                <a:ea typeface="黑体" pitchFamily="49" charset="-122"/>
+                <a:ea typeface="黑体" panose="02010609060101010101" pitchFamily="49" charset="-122"/>
               </a:defRPr>
             </a:lvl4pPr>
             <a:lvl5pPr>
@@ -2005,7 +1898,7 @@
               </a:buClr>
               <a:buSzPct val="100000"/>
               <a:defRPr baseline="0">
-                <a:ea typeface="黑体" pitchFamily="49" charset="-122"/>
+                <a:ea typeface="黑体" panose="02010609060101010101" pitchFamily="49" charset="-122"/>
               </a:defRPr>
             </a:lvl5pPr>
           </a:lstStyle>
@@ -2015,6 +1908,7 @@
               <a:rPr lang="en-US" dirty="0"/>
               <a:t>Click to edit Master text styles</a:t>
             </a:r>
+            <a:endParaRPr lang="en-US" dirty="0"/>
           </a:p>
           <a:p>
             <a:pPr lvl="1"/>
@@ -2022,6 +1916,7 @@
               <a:rPr lang="en-US" dirty="0"/>
               <a:t>Second level</a:t>
             </a:r>
+            <a:endParaRPr lang="en-US" dirty="0"/>
           </a:p>
           <a:p>
             <a:pPr lvl="2"/>
@@ -2029,6 +1924,7 @@
               <a:rPr lang="en-US" dirty="0"/>
               <a:t>Third level</a:t>
             </a:r>
+            <a:endParaRPr lang="en-US" dirty="0"/>
           </a:p>
           <a:p>
             <a:pPr lvl="3"/>
@@ -2036,6 +1932,7 @@
               <a:rPr lang="en-US" dirty="0"/>
               <a:t>Fourth level</a:t>
             </a:r>
+            <a:endParaRPr lang="en-US" dirty="0"/>
           </a:p>
           <a:p>
             <a:pPr lvl="4"/>
@@ -2043,15 +1940,11 @@
               <a:rPr lang="en-US" dirty="0"/>
               <a:t>Fifth level</a:t>
             </a:r>
+            <a:endParaRPr lang="en-US" dirty="0"/>
           </a:p>
         </p:txBody>
       </p:sp>
     </p:spTree>
-    <p:extLst>
-      <p:ext uri="{BB962C8B-B14F-4D97-AF65-F5344CB8AC3E}">
-        <p14:creationId xmlns:p14="http://schemas.microsoft.com/office/powerpoint/2010/main" val="1638222724"/>
-      </p:ext>
-    </p:extLst>
   </p:cSld>
   <p:clrMapOvr>
     <a:masterClrMapping/>
@@ -2095,6 +1988,7 @@
               <a:rPr lang="en-US" dirty="0"/>
               <a:t>Click to edit Master title style</a:t>
             </a:r>
+            <a:endParaRPr lang="en-US" dirty="0"/>
           </a:p>
         </p:txBody>
       </p:sp>
@@ -2131,10 +2025,10 @@
               <a:buFont typeface="+mj-lt"/>
               <a:buAutoNum type="arabicPeriod"/>
               <a:defRPr baseline="0">
-                <a:ea typeface="黑体" pitchFamily="49" charset="-122"/>
+                <a:ea typeface="黑体" panose="02010609060101010101" pitchFamily="49" charset="-122"/>
               </a:defRPr>
             </a:lvl1pPr>
-            <a:lvl2pPr marL="741363" indent="-284163">
+            <a:lvl2pPr marL="741680" indent="-284480">
               <a:spcBef>
                 <a:spcPts val="0"/>
               </a:spcBef>
@@ -2145,10 +2039,10 @@
               <a:buFont typeface="+mj-lt"/>
               <a:buAutoNum type="alphaLcPeriod"/>
               <a:defRPr baseline="0">
-                <a:ea typeface="黑体" pitchFamily="49" charset="-122"/>
+                <a:ea typeface="黑体" panose="02010609060101010101" pitchFamily="49" charset="-122"/>
               </a:defRPr>
             </a:lvl2pPr>
-            <a:lvl3pPr marL="1147763" indent="-233363">
+            <a:lvl3pPr marL="1148080" indent="-233680">
               <a:spcBef>
                 <a:spcPts val="0"/>
               </a:spcBef>
@@ -2159,7 +2053,7 @@
               <a:buFont typeface="+mj-lt"/>
               <a:buAutoNum type="romanLcPeriod"/>
               <a:defRPr baseline="0">
-                <a:ea typeface="黑体" pitchFamily="49" charset="-122"/>
+                <a:ea typeface="黑体" panose="02010609060101010101" pitchFamily="49" charset="-122"/>
               </a:defRPr>
             </a:lvl3pPr>
             <a:lvl4pPr marL="1612900" indent="-241300">
@@ -2173,7 +2067,7 @@
               <a:buFont typeface="+mj-lt"/>
               <a:buAutoNum type="arabicPeriod"/>
               <a:defRPr baseline="0">
-                <a:ea typeface="黑体" pitchFamily="49" charset="-122"/>
+                <a:ea typeface="黑体" panose="02010609060101010101" pitchFamily="49" charset="-122"/>
               </a:defRPr>
             </a:lvl4pPr>
             <a:lvl5pPr marL="2057400" indent="-228600">
@@ -2187,7 +2081,7 @@
               <a:buFont typeface="+mj-lt"/>
               <a:buAutoNum type="arabicPeriod"/>
               <a:defRPr baseline="0">
-                <a:ea typeface="黑体" pitchFamily="49" charset="-122"/>
+                <a:ea typeface="黑体" panose="02010609060101010101" pitchFamily="49" charset="-122"/>
               </a:defRPr>
             </a:lvl5pPr>
           </a:lstStyle>
@@ -2197,6 +2091,7 @@
               <a:rPr lang="en-US" dirty="0"/>
               <a:t>Click to edit Master text styles</a:t>
             </a:r>
+            <a:endParaRPr lang="en-US" dirty="0"/>
           </a:p>
           <a:p>
             <a:pPr lvl="1"/>
@@ -2204,6 +2099,7 @@
               <a:rPr lang="en-US" dirty="0"/>
               <a:t>Second level</a:t>
             </a:r>
+            <a:endParaRPr lang="en-US" dirty="0"/>
           </a:p>
           <a:p>
             <a:pPr lvl="2"/>
@@ -2211,6 +2107,7 @@
               <a:rPr lang="en-US" dirty="0"/>
               <a:t>Third level</a:t>
             </a:r>
+            <a:endParaRPr lang="en-US" dirty="0"/>
           </a:p>
           <a:p>
             <a:pPr lvl="3"/>
@@ -2218,6 +2115,7 @@
               <a:rPr lang="en-US" dirty="0"/>
               <a:t>Fourth level</a:t>
             </a:r>
+            <a:endParaRPr lang="en-US" dirty="0"/>
           </a:p>
           <a:p>
             <a:pPr lvl="4"/>
@@ -2225,15 +2123,11 @@
               <a:rPr lang="en-US" dirty="0"/>
               <a:t>Fifth level</a:t>
             </a:r>
+            <a:endParaRPr lang="en-US" dirty="0"/>
           </a:p>
         </p:txBody>
       </p:sp>
     </p:spTree>
-    <p:extLst>
-      <p:ext uri="{BB962C8B-B14F-4D97-AF65-F5344CB8AC3E}">
-        <p14:creationId xmlns:p14="http://schemas.microsoft.com/office/powerpoint/2010/main" val="2239180019"/>
-      </p:ext>
-    </p:extLst>
   </p:cSld>
   <p:clrMapOvr>
     <a:masterClrMapping/>
@@ -2316,8 +2210,8 @@
                 <a:solidFill>
                   <a:schemeClr val="tx1"/>
                 </a:solidFill>
-                <a:latin typeface="Arial" pitchFamily="34" charset="0"/>
-                <a:ea typeface="ＭＳ Ｐゴシック" pitchFamily="34" charset="-128"/>
+                <a:latin typeface="Arial" panose="020B0604020202020204" pitchFamily="34" charset="0"/>
+                <a:ea typeface="MS PGothic" panose="020B0600070205080204" pitchFamily="34" charset="-128"/>
               </a:defRPr>
             </a:lvl1pPr>
             <a:lvl2pPr marL="742950" indent="-285750" eaLnBrk="0" hangingPunct="0">
@@ -2325,8 +2219,8 @@
                 <a:solidFill>
                   <a:schemeClr val="tx1"/>
                 </a:solidFill>
-                <a:latin typeface="Arial" pitchFamily="34" charset="0"/>
-                <a:ea typeface="ＭＳ Ｐゴシック" pitchFamily="34" charset="-128"/>
+                <a:latin typeface="Arial" panose="020B0604020202020204" pitchFamily="34" charset="0"/>
+                <a:ea typeface="MS PGothic" panose="020B0600070205080204" pitchFamily="34" charset="-128"/>
               </a:defRPr>
             </a:lvl2pPr>
             <a:lvl3pPr marL="1143000" indent="-228600" eaLnBrk="0" hangingPunct="0">
@@ -2334,8 +2228,8 @@
                 <a:solidFill>
                   <a:schemeClr val="tx1"/>
                 </a:solidFill>
-                <a:latin typeface="Arial" pitchFamily="34" charset="0"/>
-                <a:ea typeface="ＭＳ Ｐゴシック" pitchFamily="34" charset="-128"/>
+                <a:latin typeface="Arial" panose="020B0604020202020204" pitchFamily="34" charset="0"/>
+                <a:ea typeface="MS PGothic" panose="020B0600070205080204" pitchFamily="34" charset="-128"/>
               </a:defRPr>
             </a:lvl3pPr>
             <a:lvl4pPr marL="1600200" indent="-228600" eaLnBrk="0" hangingPunct="0">
@@ -2343,8 +2237,8 @@
                 <a:solidFill>
                   <a:schemeClr val="tx1"/>
                 </a:solidFill>
-                <a:latin typeface="Arial" pitchFamily="34" charset="0"/>
-                <a:ea typeface="ＭＳ Ｐゴシック" pitchFamily="34" charset="-128"/>
+                <a:latin typeface="Arial" panose="020B0604020202020204" pitchFamily="34" charset="0"/>
+                <a:ea typeface="MS PGothic" panose="020B0600070205080204" pitchFamily="34" charset="-128"/>
               </a:defRPr>
             </a:lvl4pPr>
             <a:lvl5pPr marL="2057400" indent="-228600" eaLnBrk="0" hangingPunct="0">
@@ -2352,8 +2246,8 @@
                 <a:solidFill>
                   <a:schemeClr val="tx1"/>
                 </a:solidFill>
-                <a:latin typeface="Arial" pitchFamily="34" charset="0"/>
-                <a:ea typeface="ＭＳ Ｐゴシック" pitchFamily="34" charset="-128"/>
+                <a:latin typeface="Arial" panose="020B0604020202020204" pitchFamily="34" charset="0"/>
+                <a:ea typeface="MS PGothic" panose="020B0600070205080204" pitchFamily="34" charset="-128"/>
               </a:defRPr>
             </a:lvl5pPr>
             <a:lvl6pPr marL="2514600" indent="-228600" defTabSz="457200" eaLnBrk="0" fontAlgn="base" hangingPunct="0">
@@ -2367,8 +2261,8 @@
                 <a:solidFill>
                   <a:schemeClr val="tx1"/>
                 </a:solidFill>
-                <a:latin typeface="Arial" pitchFamily="34" charset="0"/>
-                <a:ea typeface="ＭＳ Ｐゴシック" pitchFamily="34" charset="-128"/>
+                <a:latin typeface="Arial" panose="020B0604020202020204" pitchFamily="34" charset="0"/>
+                <a:ea typeface="MS PGothic" panose="020B0600070205080204" pitchFamily="34" charset="-128"/>
               </a:defRPr>
             </a:lvl6pPr>
             <a:lvl7pPr marL="2971800" indent="-228600" defTabSz="457200" eaLnBrk="0" fontAlgn="base" hangingPunct="0">
@@ -2382,8 +2276,8 @@
                 <a:solidFill>
                   <a:schemeClr val="tx1"/>
                 </a:solidFill>
-                <a:latin typeface="Arial" pitchFamily="34" charset="0"/>
-                <a:ea typeface="ＭＳ Ｐゴシック" pitchFamily="34" charset="-128"/>
+                <a:latin typeface="Arial" panose="020B0604020202020204" pitchFamily="34" charset="0"/>
+                <a:ea typeface="MS PGothic" panose="020B0600070205080204" pitchFamily="34" charset="-128"/>
               </a:defRPr>
             </a:lvl7pPr>
             <a:lvl8pPr marL="3429000" indent="-228600" defTabSz="457200" eaLnBrk="0" fontAlgn="base" hangingPunct="0">
@@ -2397,8 +2291,8 @@
                 <a:solidFill>
                   <a:schemeClr val="tx1"/>
                 </a:solidFill>
-                <a:latin typeface="Arial" pitchFamily="34" charset="0"/>
-                <a:ea typeface="ＭＳ Ｐゴシック" pitchFamily="34" charset="-128"/>
+                <a:latin typeface="Arial" panose="020B0604020202020204" pitchFamily="34" charset="0"/>
+                <a:ea typeface="MS PGothic" panose="020B0600070205080204" pitchFamily="34" charset="-128"/>
               </a:defRPr>
             </a:lvl8pPr>
             <a:lvl9pPr marL="3886200" indent="-228600" defTabSz="457200" eaLnBrk="0" fontAlgn="base" hangingPunct="0">
@@ -2412,8 +2306,8 @@
                 <a:solidFill>
                   <a:schemeClr val="tx1"/>
                 </a:solidFill>
-                <a:latin typeface="Arial" pitchFamily="34" charset="0"/>
-                <a:ea typeface="ＭＳ Ｐゴシック" pitchFamily="34" charset="-128"/>
+                <a:latin typeface="Arial" panose="020B0604020202020204" pitchFamily="34" charset="0"/>
+                <a:ea typeface="MS PGothic" panose="020B0600070205080204" pitchFamily="34" charset="-128"/>
               </a:defRPr>
             </a:lvl9pPr>
           </a:lstStyle>
@@ -2424,11 +2318,18 @@
                 <a:solidFill>
                   <a:srgbClr val="000000"/>
                 </a:solidFill>
-                <a:latin typeface="Calibri" pitchFamily="34" charset="0"/>
+                <a:latin typeface="Calibri" panose="020F0502020204030204" pitchFamily="34" charset="0"/>
                 <a:sym typeface="Lucida Grande"/>
               </a:rPr>
               <a:t>© 2015 GB Group Limited</a:t>
             </a:r>
+            <a:endParaRPr lang="en-US" altLang="zh-CN" sz="1000">
+              <a:solidFill>
+                <a:srgbClr val="000000"/>
+              </a:solidFill>
+              <a:latin typeface="Calibri" panose="020F0502020204030204" pitchFamily="34" charset="0"/>
+              <a:sym typeface="Lucida Grande"/>
+            </a:endParaRPr>
           </a:p>
         </p:txBody>
       </p:sp>
@@ -2479,7 +2380,7 @@
               <a:solidFill>
                 <a:srgbClr val="FFFFFF"/>
               </a:solidFill>
-              <a:ea typeface="ＭＳ Ｐゴシック" pitchFamily="34" charset="-128"/>
+              <a:ea typeface="MS PGothic" panose="020B0600070205080204" pitchFamily="34" charset="-128"/>
             </a:endParaRPr>
           </a:p>
         </p:txBody>
@@ -2488,8 +2389,8 @@
   </p:cSld>
   <p:clrMap bg1="lt1" tx1="dk1" bg2="lt2" tx2="dk2" accent1="accent1" accent2="accent2" accent3="accent3" accent4="accent4" accent5="accent5" accent6="accent6" hlink="hlink" folHlink="folHlink"/>
   <p:sldLayoutIdLst>
-    <p:sldLayoutId id="2147484196" r:id="rId1"/>
-    <p:sldLayoutId id="2147484197" r:id="rId2"/>
+    <p:sldLayoutId id="2147483649" r:id="rId1"/>
+    <p:sldLayoutId id="2147483650" r:id="rId2"/>
   </p:sldLayoutIdLst>
   <p:hf hdr="0" ftr="0" dt="0"/>
   <p:txStyles>
@@ -2505,9 +2406,9 @@
           <a:solidFill>
             <a:schemeClr val="tx1"/>
           </a:solidFill>
-          <a:latin typeface="Calibri"/>
-          <a:ea typeface="ＭＳ Ｐゴシック" pitchFamily="64" charset="-128"/>
-          <a:cs typeface="Calibri"/>
+          <a:latin typeface="Calibri" panose="020F0502020204030204"/>
+          <a:ea typeface="MS PGothic" panose="020B0600070205080204" pitchFamily="34" charset="-128"/>
+          <a:cs typeface="Calibri" panose="020F0502020204030204"/>
         </a:defRPr>
       </a:lvl1pPr>
       <a:lvl2pPr algn="ctr" defTabSz="457200" rtl="0" eaLnBrk="1" fontAlgn="base" hangingPunct="1">
@@ -2521,9 +2422,9 @@
           <a:solidFill>
             <a:schemeClr val="tx1"/>
           </a:solidFill>
-          <a:latin typeface="Calibri" pitchFamily="96" charset="0"/>
-          <a:ea typeface="ＭＳ Ｐゴシック" pitchFamily="64" charset="-128"/>
-          <a:cs typeface="Calibri" pitchFamily="34" charset="0"/>
+          <a:latin typeface="Calibri" panose="020F0502020204030204" pitchFamily="34" charset="0"/>
+          <a:ea typeface="MS PGothic" panose="020B0600070205080204" pitchFamily="34" charset="-128"/>
+          <a:cs typeface="Calibri" panose="020F0502020204030204" pitchFamily="34" charset="0"/>
         </a:defRPr>
       </a:lvl2pPr>
       <a:lvl3pPr algn="ctr" defTabSz="457200" rtl="0" eaLnBrk="1" fontAlgn="base" hangingPunct="1">
@@ -2537,9 +2438,9 @@
           <a:solidFill>
             <a:schemeClr val="tx1"/>
           </a:solidFill>
-          <a:latin typeface="Calibri" pitchFamily="96" charset="0"/>
-          <a:ea typeface="ＭＳ Ｐゴシック" pitchFamily="64" charset="-128"/>
-          <a:cs typeface="Calibri" pitchFamily="34" charset="0"/>
+          <a:latin typeface="Calibri" panose="020F0502020204030204" pitchFamily="34" charset="0"/>
+          <a:ea typeface="MS PGothic" panose="020B0600070205080204" pitchFamily="34" charset="-128"/>
+          <a:cs typeface="Calibri" panose="020F0502020204030204" pitchFamily="34" charset="0"/>
         </a:defRPr>
       </a:lvl3pPr>
       <a:lvl4pPr algn="ctr" defTabSz="457200" rtl="0" eaLnBrk="1" fontAlgn="base" hangingPunct="1">
@@ -2553,9 +2454,9 @@
           <a:solidFill>
             <a:schemeClr val="tx1"/>
           </a:solidFill>
-          <a:latin typeface="Calibri" pitchFamily="96" charset="0"/>
-          <a:ea typeface="ＭＳ Ｐゴシック" pitchFamily="64" charset="-128"/>
-          <a:cs typeface="Calibri" pitchFamily="34" charset="0"/>
+          <a:latin typeface="Calibri" panose="020F0502020204030204" pitchFamily="34" charset="0"/>
+          <a:ea typeface="MS PGothic" panose="020B0600070205080204" pitchFamily="34" charset="-128"/>
+          <a:cs typeface="Calibri" panose="020F0502020204030204" pitchFamily="34" charset="0"/>
         </a:defRPr>
       </a:lvl4pPr>
       <a:lvl5pPr algn="ctr" defTabSz="457200" rtl="0" eaLnBrk="1" fontAlgn="base" hangingPunct="1">
@@ -2569,9 +2470,9 @@
           <a:solidFill>
             <a:schemeClr val="tx1"/>
           </a:solidFill>
-          <a:latin typeface="Calibri" pitchFamily="96" charset="0"/>
-          <a:ea typeface="ＭＳ Ｐゴシック" pitchFamily="64" charset="-128"/>
-          <a:cs typeface="Calibri" pitchFamily="34" charset="0"/>
+          <a:latin typeface="Calibri" panose="020F0502020204030204" pitchFamily="34" charset="0"/>
+          <a:ea typeface="MS PGothic" panose="020B0600070205080204" pitchFamily="34" charset="-128"/>
+          <a:cs typeface="Calibri" panose="020F0502020204030204" pitchFamily="34" charset="0"/>
         </a:defRPr>
       </a:lvl5pPr>
       <a:lvl6pPr marL="457200" algn="ctr" defTabSz="457200" rtl="0" eaLnBrk="1" fontAlgn="base" hangingPunct="1">
@@ -2585,9 +2486,9 @@
           <a:solidFill>
             <a:schemeClr val="tx1"/>
           </a:solidFill>
-          <a:latin typeface="Calibri" pitchFamily="64" charset="0"/>
-          <a:ea typeface="ＭＳ Ｐゴシック" pitchFamily="64" charset="-128"/>
-          <a:cs typeface="ＭＳ Ｐゴシック" pitchFamily="64" charset="-128"/>
+          <a:latin typeface="Calibri" panose="020F0502020204030204" pitchFamily="34" charset="0"/>
+          <a:ea typeface="MS PGothic" panose="020B0600070205080204" pitchFamily="34" charset="-128"/>
+          <a:cs typeface="MS PGothic" panose="020B0600070205080204" pitchFamily="34" charset="-128"/>
         </a:defRPr>
       </a:lvl6pPr>
       <a:lvl7pPr marL="914400" algn="ctr" defTabSz="457200" rtl="0" eaLnBrk="1" fontAlgn="base" hangingPunct="1">
@@ -2601,9 +2502,9 @@
           <a:solidFill>
             <a:schemeClr val="tx1"/>
           </a:solidFill>
-          <a:latin typeface="Calibri" pitchFamily="64" charset="0"/>
-          <a:ea typeface="ＭＳ Ｐゴシック" pitchFamily="64" charset="-128"/>
-          <a:cs typeface="ＭＳ Ｐゴシック" pitchFamily="64" charset="-128"/>
+          <a:latin typeface="Calibri" panose="020F0502020204030204" pitchFamily="34" charset="0"/>
+          <a:ea typeface="MS PGothic" panose="020B0600070205080204" pitchFamily="34" charset="-128"/>
+          <a:cs typeface="MS PGothic" panose="020B0600070205080204" pitchFamily="34" charset="-128"/>
         </a:defRPr>
       </a:lvl7pPr>
       <a:lvl8pPr marL="1371600" algn="ctr" defTabSz="457200" rtl="0" eaLnBrk="1" fontAlgn="base" hangingPunct="1">
@@ -2617,9 +2518,9 @@
           <a:solidFill>
             <a:schemeClr val="tx1"/>
           </a:solidFill>
-          <a:latin typeface="Calibri" pitchFamily="64" charset="0"/>
-          <a:ea typeface="ＭＳ Ｐゴシック" pitchFamily="64" charset="-128"/>
-          <a:cs typeface="ＭＳ Ｐゴシック" pitchFamily="64" charset="-128"/>
+          <a:latin typeface="Calibri" panose="020F0502020204030204" pitchFamily="34" charset="0"/>
+          <a:ea typeface="MS PGothic" panose="020B0600070205080204" pitchFamily="34" charset="-128"/>
+          <a:cs typeface="MS PGothic" panose="020B0600070205080204" pitchFamily="34" charset="-128"/>
         </a:defRPr>
       </a:lvl8pPr>
       <a:lvl9pPr marL="1828800" algn="ctr" defTabSz="457200" rtl="0" eaLnBrk="1" fontAlgn="base" hangingPunct="1">
@@ -2633,9 +2534,9 @@
           <a:solidFill>
             <a:schemeClr val="tx1"/>
           </a:solidFill>
-          <a:latin typeface="Calibri" pitchFamily="64" charset="0"/>
-          <a:ea typeface="ＭＳ Ｐゴシック" pitchFamily="64" charset="-128"/>
-          <a:cs typeface="ＭＳ Ｐゴシック" pitchFamily="64" charset="-128"/>
+          <a:latin typeface="Calibri" panose="020F0502020204030204" pitchFamily="34" charset="0"/>
+          <a:ea typeface="MS PGothic" panose="020B0600070205080204" pitchFamily="34" charset="-128"/>
+          <a:cs typeface="MS PGothic" panose="020B0600070205080204" pitchFamily="34" charset="-128"/>
         </a:defRPr>
       </a:lvl9pPr>
     </p:titleStyle>
@@ -2647,15 +2548,15 @@
         <a:spcAft>
           <a:spcPct val="0"/>
         </a:spcAft>
-        <a:buFont typeface="Arial" pitchFamily="34" charset="0"/>
+        <a:buFont typeface="Arial" panose="020B0604020202020204" pitchFamily="34" charset="0"/>
         <a:buChar char="•"/>
         <a:defRPr sz="3200" kern="1200">
           <a:solidFill>
             <a:schemeClr val="tx1"/>
           </a:solidFill>
-          <a:latin typeface="Calibri"/>
-          <a:ea typeface="ＭＳ Ｐゴシック" pitchFamily="64" charset="-128"/>
-          <a:cs typeface="Calibri"/>
+          <a:latin typeface="Calibri" panose="020F0502020204030204"/>
+          <a:ea typeface="MS PGothic" panose="020B0600070205080204" pitchFamily="34" charset="-128"/>
+          <a:cs typeface="Calibri" panose="020F0502020204030204"/>
         </a:defRPr>
       </a:lvl1pPr>
       <a:lvl2pPr marL="742950" indent="-285750" algn="l" defTabSz="457200" rtl="0" eaLnBrk="1" fontAlgn="base" hangingPunct="1">
@@ -2665,15 +2566,15 @@
         <a:spcAft>
           <a:spcPct val="0"/>
         </a:spcAft>
-        <a:buFont typeface="Arial" pitchFamily="34" charset="0"/>
+        <a:buFont typeface="Arial" panose="020B0604020202020204" pitchFamily="34" charset="0"/>
         <a:buChar char="–"/>
         <a:defRPr sz="2800" kern="1200">
           <a:solidFill>
             <a:schemeClr val="tx1"/>
           </a:solidFill>
-          <a:latin typeface="Calibri"/>
-          <a:ea typeface="ＭＳ Ｐゴシック" pitchFamily="64" charset="-128"/>
-          <a:cs typeface="Calibri"/>
+          <a:latin typeface="Calibri" panose="020F0502020204030204"/>
+          <a:ea typeface="MS PGothic" panose="020B0600070205080204" pitchFamily="34" charset="-128"/>
+          <a:cs typeface="Calibri" panose="020F0502020204030204"/>
         </a:defRPr>
       </a:lvl2pPr>
       <a:lvl3pPr marL="1143000" indent="-228600" algn="l" defTabSz="457200" rtl="0" eaLnBrk="1" fontAlgn="base" hangingPunct="1">
@@ -2683,15 +2584,15 @@
         <a:spcAft>
           <a:spcPct val="0"/>
         </a:spcAft>
-        <a:buFont typeface="Arial" pitchFamily="34" charset="0"/>
+        <a:buFont typeface="Arial" panose="020B0604020202020204" pitchFamily="34" charset="0"/>
         <a:buChar char="•"/>
         <a:defRPr sz="2400" kern="1200">
           <a:solidFill>
             <a:schemeClr val="tx1"/>
           </a:solidFill>
-          <a:latin typeface="Calibri"/>
-          <a:ea typeface="ＭＳ Ｐゴシック" pitchFamily="64" charset="-128"/>
-          <a:cs typeface="Calibri"/>
+          <a:latin typeface="Calibri" panose="020F0502020204030204"/>
+          <a:ea typeface="MS PGothic" panose="020B0600070205080204" pitchFamily="34" charset="-128"/>
+          <a:cs typeface="Calibri" panose="020F0502020204030204"/>
         </a:defRPr>
       </a:lvl3pPr>
       <a:lvl4pPr marL="1600200" indent="-228600" algn="l" defTabSz="457200" rtl="0" eaLnBrk="1" fontAlgn="base" hangingPunct="1">
@@ -2701,15 +2602,15 @@
         <a:spcAft>
           <a:spcPct val="0"/>
         </a:spcAft>
-        <a:buFont typeface="Arial" pitchFamily="34" charset="0"/>
+        <a:buFont typeface="Arial" panose="020B0604020202020204" pitchFamily="34" charset="0"/>
         <a:buChar char="–"/>
         <a:defRPr sz="2000" kern="1200">
           <a:solidFill>
             <a:schemeClr val="tx1"/>
           </a:solidFill>
-          <a:latin typeface="Calibri"/>
-          <a:ea typeface="ＭＳ Ｐゴシック" pitchFamily="64" charset="-128"/>
-          <a:cs typeface="Calibri"/>
+          <a:latin typeface="Calibri" panose="020F0502020204030204"/>
+          <a:ea typeface="MS PGothic" panose="020B0600070205080204" pitchFamily="34" charset="-128"/>
+          <a:cs typeface="Calibri" panose="020F0502020204030204"/>
         </a:defRPr>
       </a:lvl4pPr>
       <a:lvl5pPr marL="2057400" indent="-228600" algn="l" defTabSz="457200" rtl="0" eaLnBrk="1" fontAlgn="base" hangingPunct="1">
@@ -2719,22 +2620,22 @@
         <a:spcAft>
           <a:spcPct val="0"/>
         </a:spcAft>
-        <a:buFont typeface="Arial" pitchFamily="34" charset="0"/>
+        <a:buFont typeface="Arial" panose="020B0604020202020204" pitchFamily="34" charset="0"/>
         <a:buChar char="»"/>
         <a:defRPr sz="2000" kern="1200">
           <a:solidFill>
             <a:schemeClr val="tx1"/>
           </a:solidFill>
-          <a:latin typeface="Calibri"/>
-          <a:ea typeface="ＭＳ Ｐゴシック" pitchFamily="64" charset="-128"/>
-          <a:cs typeface="Calibri"/>
+          <a:latin typeface="Calibri" panose="020F0502020204030204"/>
+          <a:ea typeface="MS PGothic" panose="020B0600070205080204" pitchFamily="34" charset="-128"/>
+          <a:cs typeface="Calibri" panose="020F0502020204030204"/>
         </a:defRPr>
       </a:lvl5pPr>
       <a:lvl6pPr marL="2514600" indent="-228600" algn="l" defTabSz="457200" rtl="0" eaLnBrk="1" latinLnBrk="0" hangingPunct="1">
         <a:spcBef>
           <a:spcPct val="20000"/>
         </a:spcBef>
-        <a:buFont typeface="Arial"/>
+        <a:buFont typeface="Arial" panose="020B0604020202020204"/>
         <a:buChar char="•"/>
         <a:defRPr sz="2000" kern="1200">
           <a:solidFill>
@@ -2749,7 +2650,7 @@
         <a:spcBef>
           <a:spcPct val="20000"/>
         </a:spcBef>
-        <a:buFont typeface="Arial"/>
+        <a:buFont typeface="Arial" panose="020B0604020202020204"/>
         <a:buChar char="•"/>
         <a:defRPr sz="2000" kern="1200">
           <a:solidFill>
@@ -2764,7 +2665,7 @@
         <a:spcBef>
           <a:spcPct val="20000"/>
         </a:spcBef>
-        <a:buFont typeface="Arial"/>
+        <a:buFont typeface="Arial" panose="020B0604020202020204"/>
         <a:buChar char="•"/>
         <a:defRPr sz="2000" kern="1200">
           <a:solidFill>
@@ -2779,7 +2680,7 @@
         <a:spcBef>
           <a:spcPct val="20000"/>
         </a:spcBef>
-        <a:buFont typeface="Arial"/>
+        <a:buFont typeface="Arial" panose="020B0604020202020204"/>
         <a:buChar char="•"/>
         <a:defRPr sz="2000" kern="1200">
           <a:solidFill>
@@ -2965,8 +2866,8 @@
                 <a:solidFill>
                   <a:schemeClr val="tx1"/>
                 </a:solidFill>
-                <a:latin typeface="Arial" pitchFamily="34" charset="0"/>
-                <a:ea typeface="ＭＳ Ｐゴシック" pitchFamily="34" charset="-128"/>
+                <a:latin typeface="Arial" panose="020B0604020202020204" pitchFamily="34" charset="0"/>
+                <a:ea typeface="MS PGothic" panose="020B0600070205080204" pitchFamily="34" charset="-128"/>
               </a:defRPr>
             </a:lvl1pPr>
             <a:lvl2pPr marL="742950" indent="-285750" eaLnBrk="0" hangingPunct="0">
@@ -2974,8 +2875,8 @@
                 <a:solidFill>
                   <a:schemeClr val="tx1"/>
                 </a:solidFill>
-                <a:latin typeface="Arial" pitchFamily="34" charset="0"/>
-                <a:ea typeface="ＭＳ Ｐゴシック" pitchFamily="34" charset="-128"/>
+                <a:latin typeface="Arial" panose="020B0604020202020204" pitchFamily="34" charset="0"/>
+                <a:ea typeface="MS PGothic" panose="020B0600070205080204" pitchFamily="34" charset="-128"/>
               </a:defRPr>
             </a:lvl2pPr>
             <a:lvl3pPr marL="1143000" indent="-228600" eaLnBrk="0" hangingPunct="0">
@@ -2983,8 +2884,8 @@
                 <a:solidFill>
                   <a:schemeClr val="tx1"/>
                 </a:solidFill>
-                <a:latin typeface="Arial" pitchFamily="34" charset="0"/>
-                <a:ea typeface="ＭＳ Ｐゴシック" pitchFamily="34" charset="-128"/>
+                <a:latin typeface="Arial" panose="020B0604020202020204" pitchFamily="34" charset="0"/>
+                <a:ea typeface="MS PGothic" panose="020B0600070205080204" pitchFamily="34" charset="-128"/>
               </a:defRPr>
             </a:lvl3pPr>
             <a:lvl4pPr marL="1600200" indent="-228600" eaLnBrk="0" hangingPunct="0">
@@ -2992,8 +2893,8 @@
                 <a:solidFill>
                   <a:schemeClr val="tx1"/>
                 </a:solidFill>
-                <a:latin typeface="Arial" pitchFamily="34" charset="0"/>
-                <a:ea typeface="ＭＳ Ｐゴシック" pitchFamily="34" charset="-128"/>
+                <a:latin typeface="Arial" panose="020B0604020202020204" pitchFamily="34" charset="0"/>
+                <a:ea typeface="MS PGothic" panose="020B0600070205080204" pitchFamily="34" charset="-128"/>
               </a:defRPr>
             </a:lvl4pPr>
             <a:lvl5pPr marL="2057400" indent="-228600" eaLnBrk="0" hangingPunct="0">
@@ -3001,8 +2902,8 @@
                 <a:solidFill>
                   <a:schemeClr val="tx1"/>
                 </a:solidFill>
-                <a:latin typeface="Arial" pitchFamily="34" charset="0"/>
-                <a:ea typeface="ＭＳ Ｐゴシック" pitchFamily="34" charset="-128"/>
+                <a:latin typeface="Arial" panose="020B0604020202020204" pitchFamily="34" charset="0"/>
+                <a:ea typeface="MS PGothic" panose="020B0600070205080204" pitchFamily="34" charset="-128"/>
               </a:defRPr>
             </a:lvl5pPr>
             <a:lvl6pPr marL="2514600" indent="-228600" defTabSz="457200" eaLnBrk="0" fontAlgn="base" hangingPunct="0">
@@ -3016,8 +2917,8 @@
                 <a:solidFill>
                   <a:schemeClr val="tx1"/>
                 </a:solidFill>
-                <a:latin typeface="Arial" pitchFamily="34" charset="0"/>
-                <a:ea typeface="ＭＳ Ｐゴシック" pitchFamily="34" charset="-128"/>
+                <a:latin typeface="Arial" panose="020B0604020202020204" pitchFamily="34" charset="0"/>
+                <a:ea typeface="MS PGothic" panose="020B0600070205080204" pitchFamily="34" charset="-128"/>
               </a:defRPr>
             </a:lvl6pPr>
             <a:lvl7pPr marL="2971800" indent="-228600" defTabSz="457200" eaLnBrk="0" fontAlgn="base" hangingPunct="0">
@@ -3031,8 +2932,8 @@
                 <a:solidFill>
                   <a:schemeClr val="tx1"/>
                 </a:solidFill>
-                <a:latin typeface="Arial" pitchFamily="34" charset="0"/>
-                <a:ea typeface="ＭＳ Ｐゴシック" pitchFamily="34" charset="-128"/>
+                <a:latin typeface="Arial" panose="020B0604020202020204" pitchFamily="34" charset="0"/>
+                <a:ea typeface="MS PGothic" panose="020B0600070205080204" pitchFamily="34" charset="-128"/>
               </a:defRPr>
             </a:lvl7pPr>
             <a:lvl8pPr marL="3429000" indent="-228600" defTabSz="457200" eaLnBrk="0" fontAlgn="base" hangingPunct="0">
@@ -3046,8 +2947,8 @@
                 <a:solidFill>
                   <a:schemeClr val="tx1"/>
                 </a:solidFill>
-                <a:latin typeface="Arial" pitchFamily="34" charset="0"/>
-                <a:ea typeface="ＭＳ Ｐゴシック" pitchFamily="34" charset="-128"/>
+                <a:latin typeface="Arial" panose="020B0604020202020204" pitchFamily="34" charset="0"/>
+                <a:ea typeface="MS PGothic" panose="020B0600070205080204" pitchFamily="34" charset="-128"/>
               </a:defRPr>
             </a:lvl8pPr>
             <a:lvl9pPr marL="3886200" indent="-228600" defTabSz="457200" eaLnBrk="0" fontAlgn="base" hangingPunct="0">
@@ -3061,8 +2962,8 @@
                 <a:solidFill>
                   <a:schemeClr val="tx1"/>
                 </a:solidFill>
-                <a:latin typeface="Arial" pitchFamily="34" charset="0"/>
-                <a:ea typeface="ＭＳ Ｐゴシック" pitchFamily="34" charset="-128"/>
+                <a:latin typeface="Arial" panose="020B0604020202020204" pitchFamily="34" charset="0"/>
+                <a:ea typeface="MS PGothic" panose="020B0600070205080204" pitchFamily="34" charset="-128"/>
               </a:defRPr>
             </a:lvl9pPr>
           </a:lstStyle>
@@ -3073,11 +2974,18 @@
                 <a:solidFill>
                   <a:srgbClr val="000000"/>
                 </a:solidFill>
-                <a:latin typeface="Calibri" pitchFamily="34" charset="0"/>
+                <a:latin typeface="Calibri" panose="020F0502020204030204" pitchFamily="34" charset="0"/>
                 <a:sym typeface="Lucida Grande"/>
               </a:rPr>
               <a:t>© 2015 GB Group Limited</a:t>
             </a:r>
+            <a:endParaRPr lang="en-US" altLang="zh-CN" sz="1000">
+              <a:solidFill>
+                <a:srgbClr val="000000"/>
+              </a:solidFill>
+              <a:latin typeface="Calibri" panose="020F0502020204030204" pitchFamily="34" charset="0"/>
+              <a:sym typeface="Lucida Grande"/>
+            </a:endParaRPr>
           </a:p>
         </p:txBody>
       </p:sp>
@@ -3128,7 +3036,7 @@
               <a:solidFill>
                 <a:srgbClr val="FFFFFF"/>
               </a:solidFill>
-              <a:ea typeface="ＭＳ Ｐゴシック" pitchFamily="34" charset="-128"/>
+              <a:ea typeface="MS PGothic" panose="020B0600070205080204" pitchFamily="34" charset="-128"/>
             </a:endParaRPr>
           </a:p>
         </p:txBody>
@@ -3142,7 +3050,7 @@
           <p:nvPr/>
         </p:nvPicPr>
         <p:blipFill>
-          <a:blip r:embed="rId4">
+          <a:blip r:embed="rId3">
             <a:extLst>
               <a:ext uri="{28A0092B-C50C-407E-A947-70E740481C1C}">
                 <a14:useLocalDpi xmlns:a14="http://schemas.microsoft.com/office/drawing/2010/main" val="0"/>
@@ -3280,8 +3188,8 @@
                 <a:solidFill>
                   <a:schemeClr val="tx1"/>
                 </a:solidFill>
-                <a:latin typeface="Arial" pitchFamily="34" charset="0"/>
-                <a:ea typeface="ＭＳ Ｐゴシック" pitchFamily="34" charset="-128"/>
+                <a:latin typeface="Arial" panose="020B0604020202020204" pitchFamily="34" charset="0"/>
+                <a:ea typeface="MS PGothic" panose="020B0600070205080204" pitchFamily="34" charset="-128"/>
               </a:defRPr>
             </a:lvl1pPr>
             <a:lvl2pPr marL="742950" indent="-285750" eaLnBrk="0" hangingPunct="0">
@@ -3289,8 +3197,8 @@
                 <a:solidFill>
                   <a:schemeClr val="tx1"/>
                 </a:solidFill>
-                <a:latin typeface="Arial" pitchFamily="34" charset="0"/>
-                <a:ea typeface="ＭＳ Ｐゴシック" pitchFamily="34" charset="-128"/>
+                <a:latin typeface="Arial" panose="020B0604020202020204" pitchFamily="34" charset="0"/>
+                <a:ea typeface="MS PGothic" panose="020B0600070205080204" pitchFamily="34" charset="-128"/>
               </a:defRPr>
             </a:lvl2pPr>
             <a:lvl3pPr marL="1143000" indent="-228600" eaLnBrk="0" hangingPunct="0">
@@ -3298,8 +3206,8 @@
                 <a:solidFill>
                   <a:schemeClr val="tx1"/>
                 </a:solidFill>
-                <a:latin typeface="Arial" pitchFamily="34" charset="0"/>
-                <a:ea typeface="ＭＳ Ｐゴシック" pitchFamily="34" charset="-128"/>
+                <a:latin typeface="Arial" panose="020B0604020202020204" pitchFamily="34" charset="0"/>
+                <a:ea typeface="MS PGothic" panose="020B0600070205080204" pitchFamily="34" charset="-128"/>
               </a:defRPr>
             </a:lvl3pPr>
             <a:lvl4pPr marL="1600200" indent="-228600" eaLnBrk="0" hangingPunct="0">
@@ -3307,8 +3215,8 @@
                 <a:solidFill>
                   <a:schemeClr val="tx1"/>
                 </a:solidFill>
-                <a:latin typeface="Arial" pitchFamily="34" charset="0"/>
-                <a:ea typeface="ＭＳ Ｐゴシック" pitchFamily="34" charset="-128"/>
+                <a:latin typeface="Arial" panose="020B0604020202020204" pitchFamily="34" charset="0"/>
+                <a:ea typeface="MS PGothic" panose="020B0600070205080204" pitchFamily="34" charset="-128"/>
               </a:defRPr>
             </a:lvl4pPr>
             <a:lvl5pPr marL="2057400" indent="-228600" eaLnBrk="0" hangingPunct="0">
@@ -3316,8 +3224,8 @@
                 <a:solidFill>
                   <a:schemeClr val="tx1"/>
                 </a:solidFill>
-                <a:latin typeface="Arial" pitchFamily="34" charset="0"/>
-                <a:ea typeface="ＭＳ Ｐゴシック" pitchFamily="34" charset="-128"/>
+                <a:latin typeface="Arial" panose="020B0604020202020204" pitchFamily="34" charset="0"/>
+                <a:ea typeface="MS PGothic" panose="020B0600070205080204" pitchFamily="34" charset="-128"/>
               </a:defRPr>
             </a:lvl5pPr>
             <a:lvl6pPr marL="2514600" indent="-228600" defTabSz="457200" eaLnBrk="0" fontAlgn="base" hangingPunct="0">
@@ -3331,8 +3239,8 @@
                 <a:solidFill>
                   <a:schemeClr val="tx1"/>
                 </a:solidFill>
-                <a:latin typeface="Arial" pitchFamily="34" charset="0"/>
-                <a:ea typeface="ＭＳ Ｐゴシック" pitchFamily="34" charset="-128"/>
+                <a:latin typeface="Arial" panose="020B0604020202020204" pitchFamily="34" charset="0"/>
+                <a:ea typeface="MS PGothic" panose="020B0600070205080204" pitchFamily="34" charset="-128"/>
               </a:defRPr>
             </a:lvl6pPr>
             <a:lvl7pPr marL="2971800" indent="-228600" defTabSz="457200" eaLnBrk="0" fontAlgn="base" hangingPunct="0">
@@ -3346,8 +3254,8 @@
                 <a:solidFill>
                   <a:schemeClr val="tx1"/>
                 </a:solidFill>
-                <a:latin typeface="Arial" pitchFamily="34" charset="0"/>
-                <a:ea typeface="ＭＳ Ｐゴシック" pitchFamily="34" charset="-128"/>
+                <a:latin typeface="Arial" panose="020B0604020202020204" pitchFamily="34" charset="0"/>
+                <a:ea typeface="MS PGothic" panose="020B0600070205080204" pitchFamily="34" charset="-128"/>
               </a:defRPr>
             </a:lvl7pPr>
             <a:lvl8pPr marL="3429000" indent="-228600" defTabSz="457200" eaLnBrk="0" fontAlgn="base" hangingPunct="0">
@@ -3361,8 +3269,8 @@
                 <a:solidFill>
                   <a:schemeClr val="tx1"/>
                 </a:solidFill>
-                <a:latin typeface="Arial" pitchFamily="34" charset="0"/>
-                <a:ea typeface="ＭＳ Ｐゴシック" pitchFamily="34" charset="-128"/>
+                <a:latin typeface="Arial" panose="020B0604020202020204" pitchFamily="34" charset="0"/>
+                <a:ea typeface="MS PGothic" panose="020B0600070205080204" pitchFamily="34" charset="-128"/>
               </a:defRPr>
             </a:lvl8pPr>
             <a:lvl9pPr marL="3886200" indent="-228600" defTabSz="457200" eaLnBrk="0" fontAlgn="base" hangingPunct="0">
@@ -3376,8 +3284,8 @@
                 <a:solidFill>
                   <a:schemeClr val="tx1"/>
                 </a:solidFill>
-                <a:latin typeface="Arial" pitchFamily="34" charset="0"/>
-                <a:ea typeface="ＭＳ Ｐゴシック" pitchFamily="34" charset="-128"/>
+                <a:latin typeface="Arial" panose="020B0604020202020204" pitchFamily="34" charset="0"/>
+                <a:ea typeface="MS PGothic" panose="020B0600070205080204" pitchFamily="34" charset="-128"/>
               </a:defRPr>
             </a:lvl9pPr>
           </a:lstStyle>
@@ -3385,22 +3293,20 @@
             <a:pPr algn="ctr" eaLnBrk="1" hangingPunct="1"/>
             <a:r>
               <a:rPr lang="en-US" altLang="zh-CN" sz="1000">
-                <a:latin typeface="Calibri" pitchFamily="34" charset="0"/>
-                <a:ea typeface="黑体" pitchFamily="49" charset="-122"/>
+                <a:latin typeface="Calibri" panose="020F0502020204030204" pitchFamily="34" charset="0"/>
+                <a:ea typeface="黑体" panose="02010609060101010101" pitchFamily="49" charset="-122"/>
               </a:rPr>
               <a:t>P. </a:t>
             </a:r>
             <a:fld id="{93DF9C1D-E498-4C1F-BD9B-8C57486AAB0C}" type="slidenum">
               <a:rPr lang="en-US" altLang="zh-CN" sz="1000">
-                <a:latin typeface="Calibri" pitchFamily="34" charset="0"/>
-                <a:ea typeface="黑体" pitchFamily="49" charset="-122"/>
+                <a:latin typeface="Calibri" panose="020F0502020204030204" pitchFamily="34" charset="0"/>
+                <a:ea typeface="黑体" panose="02010609060101010101" pitchFamily="49" charset="-122"/>
               </a:rPr>
-              <a:pPr algn="ctr" eaLnBrk="1" hangingPunct="1"/>
-              <a:t>‹#›</a:t>
             </a:fld>
             <a:endParaRPr lang="zh-CN" altLang="en-US" sz="1000">
-              <a:latin typeface="Calibri" pitchFamily="34" charset="0"/>
-              <a:ea typeface="黑体" pitchFamily="49" charset="-122"/>
+              <a:latin typeface="Calibri" panose="020F0502020204030204" pitchFamily="34" charset="0"/>
+              <a:ea typeface="黑体" panose="02010609060101010101" pitchFamily="49" charset="-122"/>
             </a:endParaRPr>
           </a:p>
         </p:txBody>
@@ -3409,8 +3315,8 @@
   </p:cSld>
   <p:clrMap bg1="lt1" tx1="dk1" bg2="lt2" tx2="dk2" accent1="accent1" accent2="accent2" accent3="accent3" accent4="accent4" accent5="accent5" accent6="accent6" hlink="hlink" folHlink="folHlink"/>
   <p:sldLayoutIdLst>
-    <p:sldLayoutId id="2147484194" r:id="rId1"/>
-    <p:sldLayoutId id="2147484195" r:id="rId2"/>
+    <p:sldLayoutId id="2147483652" r:id="rId1"/>
+    <p:sldLayoutId id="2147483653" r:id="rId2"/>
   </p:sldLayoutIdLst>
   <p:hf hdr="0" ftr="0" dt="0"/>
   <p:txStyles>
@@ -3426,9 +3332,9 @@
           <a:solidFill>
             <a:schemeClr val="tx1"/>
           </a:solidFill>
-          <a:latin typeface="Calibri"/>
-          <a:ea typeface="ＭＳ Ｐゴシック" pitchFamily="-128" charset="-128"/>
-          <a:cs typeface="Calibri"/>
+          <a:latin typeface="Calibri" panose="020F0502020204030204"/>
+          <a:ea typeface="MS PGothic" panose="020B0600070205080204" pitchFamily="34" charset="-128"/>
+          <a:cs typeface="Calibri" panose="020F0502020204030204"/>
         </a:defRPr>
       </a:lvl1pPr>
       <a:lvl2pPr algn="l" defTabSz="457200" rtl="0" eaLnBrk="0" fontAlgn="base" hangingPunct="0">
@@ -3442,9 +3348,9 @@
           <a:solidFill>
             <a:schemeClr val="tx1"/>
           </a:solidFill>
-          <a:latin typeface="Calibri" pitchFamily="96" charset="0"/>
-          <a:ea typeface="ＭＳ Ｐゴシック" pitchFamily="-128" charset="-128"/>
-          <a:cs typeface="Calibri" pitchFamily="34" charset="0"/>
+          <a:latin typeface="Calibri" panose="020F0502020204030204" pitchFamily="34" charset="0"/>
+          <a:ea typeface="MS PGothic" panose="020B0600070205080204" pitchFamily="34" charset="-128"/>
+          <a:cs typeface="Calibri" panose="020F0502020204030204" pitchFamily="34" charset="0"/>
         </a:defRPr>
       </a:lvl2pPr>
       <a:lvl3pPr algn="l" defTabSz="457200" rtl="0" eaLnBrk="0" fontAlgn="base" hangingPunct="0">
@@ -3458,9 +3364,9 @@
           <a:solidFill>
             <a:schemeClr val="tx1"/>
           </a:solidFill>
-          <a:latin typeface="Calibri" pitchFamily="96" charset="0"/>
-          <a:ea typeface="ＭＳ Ｐゴシック" pitchFamily="-128" charset="-128"/>
-          <a:cs typeface="Calibri" pitchFamily="34" charset="0"/>
+          <a:latin typeface="Calibri" panose="020F0502020204030204" pitchFamily="34" charset="0"/>
+          <a:ea typeface="MS PGothic" panose="020B0600070205080204" pitchFamily="34" charset="-128"/>
+          <a:cs typeface="Calibri" panose="020F0502020204030204" pitchFamily="34" charset="0"/>
         </a:defRPr>
       </a:lvl3pPr>
       <a:lvl4pPr algn="l" defTabSz="457200" rtl="0" eaLnBrk="0" fontAlgn="base" hangingPunct="0">
@@ -3474,9 +3380,9 @@
           <a:solidFill>
             <a:schemeClr val="tx1"/>
           </a:solidFill>
-          <a:latin typeface="Calibri" pitchFamily="96" charset="0"/>
-          <a:ea typeface="ＭＳ Ｐゴシック" pitchFamily="-128" charset="-128"/>
-          <a:cs typeface="Calibri" pitchFamily="34" charset="0"/>
+          <a:latin typeface="Calibri" panose="020F0502020204030204" pitchFamily="34" charset="0"/>
+          <a:ea typeface="MS PGothic" panose="020B0600070205080204" pitchFamily="34" charset="-128"/>
+          <a:cs typeface="Calibri" panose="020F0502020204030204" pitchFamily="34" charset="0"/>
         </a:defRPr>
       </a:lvl4pPr>
       <a:lvl5pPr algn="l" defTabSz="457200" rtl="0" eaLnBrk="0" fontAlgn="base" hangingPunct="0">
@@ -3490,9 +3396,9 @@
           <a:solidFill>
             <a:schemeClr val="tx1"/>
           </a:solidFill>
-          <a:latin typeface="Calibri" pitchFamily="96" charset="0"/>
-          <a:ea typeface="ＭＳ Ｐゴシック" pitchFamily="-128" charset="-128"/>
-          <a:cs typeface="Calibri" pitchFamily="34" charset="0"/>
+          <a:latin typeface="Calibri" panose="020F0502020204030204" pitchFamily="34" charset="0"/>
+          <a:ea typeface="MS PGothic" panose="020B0600070205080204" pitchFamily="34" charset="-128"/>
+          <a:cs typeface="Calibri" panose="020F0502020204030204" pitchFamily="34" charset="0"/>
         </a:defRPr>
       </a:lvl5pPr>
       <a:lvl6pPr marL="457200" algn="l" defTabSz="457200" rtl="0" fontAlgn="base">
@@ -3507,7 +3413,7 @@
             <a:srgbClr val="FFFFFF"/>
           </a:solidFill>
           <a:latin typeface="Gotham Book" pitchFamily="-128" charset="0"/>
-          <a:ea typeface="ＭＳ Ｐゴシック" pitchFamily="-128" charset="-128"/>
+          <a:ea typeface="MS PGothic" panose="020B0600070205080204" pitchFamily="34" charset="-128"/>
         </a:defRPr>
       </a:lvl6pPr>
       <a:lvl7pPr marL="914400" algn="l" defTabSz="457200" rtl="0" fontAlgn="base">
@@ -3522,7 +3428,7 @@
             <a:srgbClr val="FFFFFF"/>
           </a:solidFill>
           <a:latin typeface="Gotham Book" pitchFamily="-128" charset="0"/>
-          <a:ea typeface="ＭＳ Ｐゴシック" pitchFamily="-128" charset="-128"/>
+          <a:ea typeface="MS PGothic" panose="020B0600070205080204" pitchFamily="34" charset="-128"/>
         </a:defRPr>
       </a:lvl7pPr>
       <a:lvl8pPr marL="1371600" algn="l" defTabSz="457200" rtl="0" fontAlgn="base">
@@ -3537,7 +3443,7 @@
             <a:srgbClr val="FFFFFF"/>
           </a:solidFill>
           <a:latin typeface="Gotham Book" pitchFamily="-128" charset="0"/>
-          <a:ea typeface="ＭＳ Ｐゴシック" pitchFamily="-128" charset="-128"/>
+          <a:ea typeface="MS PGothic" panose="020B0600070205080204" pitchFamily="34" charset="-128"/>
         </a:defRPr>
       </a:lvl8pPr>
       <a:lvl9pPr marL="1828800" algn="l" defTabSz="457200" rtl="0" fontAlgn="base">
@@ -3552,7 +3458,7 @@
             <a:srgbClr val="FFFFFF"/>
           </a:solidFill>
           <a:latin typeface="Gotham Book" pitchFamily="-128" charset="0"/>
-          <a:ea typeface="ＭＳ Ｐゴシック" pitchFamily="-128" charset="-128"/>
+          <a:ea typeface="MS PGothic" panose="020B0600070205080204" pitchFamily="34" charset="-128"/>
         </a:defRPr>
       </a:lvl9pPr>
     </p:titleStyle>
@@ -3568,15 +3474,15 @@
           <a:srgbClr val="262626"/>
         </a:buClr>
         <a:buSzPct val="110000"/>
-        <a:buFont typeface="Arial" pitchFamily="34" charset="0"/>
+        <a:buFont typeface="Arial" panose="020B0604020202020204" pitchFamily="34" charset="0"/>
         <a:buChar char="•"/>
         <a:defRPr sz="2200" kern="1200">
           <a:solidFill>
             <a:schemeClr val="tx1"/>
           </a:solidFill>
-          <a:latin typeface="Calibri"/>
-          <a:ea typeface="ＭＳ Ｐゴシック" pitchFamily="-128" charset="-128"/>
-          <a:cs typeface="Calibri"/>
+          <a:latin typeface="Calibri" panose="020F0502020204030204"/>
+          <a:ea typeface="MS PGothic" panose="020B0600070205080204" pitchFamily="34" charset="-128"/>
+          <a:cs typeface="Calibri" panose="020F0502020204030204"/>
         </a:defRPr>
       </a:lvl1pPr>
       <a:lvl2pPr marL="742950" indent="-285750" algn="l" defTabSz="457200" rtl="0" eaLnBrk="0" fontAlgn="base" hangingPunct="0">
@@ -3590,15 +3496,15 @@
           <a:srgbClr val="262626"/>
         </a:buClr>
         <a:buSzPct val="110000"/>
-        <a:buFont typeface="Arial" pitchFamily="34" charset="0"/>
+        <a:buFont typeface="Arial" panose="020B0604020202020204" pitchFamily="34" charset="0"/>
         <a:buChar char="•"/>
         <a:defRPr sz="2000" kern="1200">
           <a:solidFill>
             <a:schemeClr val="tx1"/>
           </a:solidFill>
-          <a:latin typeface="Calibri"/>
-          <a:ea typeface="ＭＳ Ｐゴシック" pitchFamily="-128" charset="-128"/>
-          <a:cs typeface="Calibri"/>
+          <a:latin typeface="Calibri" panose="020F0502020204030204"/>
+          <a:ea typeface="MS PGothic" panose="020B0600070205080204" pitchFamily="34" charset="-128"/>
+          <a:cs typeface="Calibri" panose="020F0502020204030204"/>
         </a:defRPr>
       </a:lvl2pPr>
       <a:lvl3pPr marL="1143000" indent="-228600" algn="l" defTabSz="457200" rtl="0" eaLnBrk="0" fontAlgn="base" hangingPunct="0">
@@ -3612,15 +3518,15 @@
           <a:srgbClr val="262626"/>
         </a:buClr>
         <a:buSzPct val="110000"/>
-        <a:buFont typeface="Arial" pitchFamily="34" charset="0"/>
+        <a:buFont typeface="Arial" panose="020B0604020202020204" pitchFamily="34" charset="0"/>
         <a:buChar char="•"/>
         <a:defRPr kern="1200">
           <a:solidFill>
             <a:schemeClr val="tx1"/>
           </a:solidFill>
-          <a:latin typeface="Calibri"/>
-          <a:ea typeface="ＭＳ Ｐゴシック" pitchFamily="-128" charset="-128"/>
-          <a:cs typeface="Calibri"/>
+          <a:latin typeface="Calibri" panose="020F0502020204030204"/>
+          <a:ea typeface="MS PGothic" panose="020B0600070205080204" pitchFamily="34" charset="-128"/>
+          <a:cs typeface="Calibri" panose="020F0502020204030204"/>
         </a:defRPr>
       </a:lvl3pPr>
       <a:lvl4pPr marL="1600200" indent="-228600" algn="l" defTabSz="457200" rtl="0" eaLnBrk="0" fontAlgn="base" hangingPunct="0">
@@ -3634,15 +3540,15 @@
           <a:srgbClr val="262626"/>
         </a:buClr>
         <a:buSzPct val="110000"/>
-        <a:buFont typeface="Arial" pitchFamily="34" charset="0"/>
+        <a:buFont typeface="Arial" panose="020B0604020202020204" pitchFamily="34" charset="0"/>
         <a:buChar char="•"/>
         <a:defRPr sz="1600" kern="1200">
           <a:solidFill>
             <a:schemeClr val="tx1"/>
           </a:solidFill>
-          <a:latin typeface="Calibri"/>
-          <a:ea typeface="ＭＳ Ｐゴシック" pitchFamily="-128" charset="-128"/>
-          <a:cs typeface="Calibri"/>
+          <a:latin typeface="Calibri" panose="020F0502020204030204"/>
+          <a:ea typeface="MS PGothic" panose="020B0600070205080204" pitchFamily="34" charset="-128"/>
+          <a:cs typeface="Calibri" panose="020F0502020204030204"/>
         </a:defRPr>
       </a:lvl4pPr>
       <a:lvl5pPr marL="2057400" indent="-228600" algn="l" defTabSz="457200" rtl="0" eaLnBrk="0" fontAlgn="base" hangingPunct="0">
@@ -3656,22 +3562,22 @@
           <a:srgbClr val="262626"/>
         </a:buClr>
         <a:buSzPct val="110000"/>
-        <a:buFont typeface="Arial" pitchFamily="34" charset="0"/>
+        <a:buFont typeface="Arial" panose="020B0604020202020204" pitchFamily="34" charset="0"/>
         <a:buChar char="•"/>
         <a:defRPr sz="1400" kern="1200">
           <a:solidFill>
             <a:schemeClr val="tx1"/>
           </a:solidFill>
-          <a:latin typeface="Calibri"/>
-          <a:ea typeface="ＭＳ Ｐゴシック" pitchFamily="-128" charset="-128"/>
-          <a:cs typeface="Calibri"/>
+          <a:latin typeface="Calibri" panose="020F0502020204030204"/>
+          <a:ea typeface="MS PGothic" panose="020B0600070205080204" pitchFamily="34" charset="-128"/>
+          <a:cs typeface="Calibri" panose="020F0502020204030204"/>
         </a:defRPr>
       </a:lvl5pPr>
       <a:lvl6pPr marL="2514600" indent="-228600" algn="l" defTabSz="457200" rtl="0" eaLnBrk="1" latinLnBrk="0" hangingPunct="1">
         <a:spcBef>
           <a:spcPct val="20000"/>
         </a:spcBef>
-        <a:buFont typeface="Arial"/>
+        <a:buFont typeface="Arial" panose="020B0604020202020204"/>
         <a:buChar char="•"/>
         <a:defRPr sz="2000" kern="1200">
           <a:solidFill>
@@ -3686,7 +3592,7 @@
         <a:spcBef>
           <a:spcPct val="20000"/>
         </a:spcBef>
-        <a:buFont typeface="Arial"/>
+        <a:buFont typeface="Arial" panose="020B0604020202020204"/>
         <a:buChar char="•"/>
         <a:defRPr sz="2000" kern="1200">
           <a:solidFill>
@@ -3701,7 +3607,7 @@
         <a:spcBef>
           <a:spcPct val="20000"/>
         </a:spcBef>
-        <a:buFont typeface="Arial"/>
+        <a:buFont typeface="Arial" panose="020B0604020202020204"/>
         <a:buChar char="•"/>
         <a:defRPr sz="2000" kern="1200">
           <a:solidFill>
@@ -3716,7 +3622,7 @@
         <a:spcBef>
           <a:spcPct val="20000"/>
         </a:spcBef>
-        <a:buFont typeface="Arial"/>
+        <a:buFont typeface="Arial" panose="020B0604020202020204"/>
         <a:buChar char="•"/>
         <a:defRPr sz="2000" kern="1200">
           <a:solidFill>
@@ -3902,8 +3808,8 @@
                 <a:solidFill>
                   <a:schemeClr val="tx1"/>
                 </a:solidFill>
-                <a:latin typeface="Arial" pitchFamily="34" charset="0"/>
-                <a:ea typeface="ＭＳ Ｐゴシック" pitchFamily="34" charset="-128"/>
+                <a:latin typeface="Arial" panose="020B0604020202020204" pitchFamily="34" charset="0"/>
+                <a:ea typeface="MS PGothic" panose="020B0600070205080204" pitchFamily="34" charset="-128"/>
               </a:defRPr>
             </a:lvl1pPr>
             <a:lvl2pPr marL="742950" indent="-285750" eaLnBrk="0" hangingPunct="0">
@@ -3911,8 +3817,8 @@
                 <a:solidFill>
                   <a:schemeClr val="tx1"/>
                 </a:solidFill>
-                <a:latin typeface="Arial" pitchFamily="34" charset="0"/>
-                <a:ea typeface="ＭＳ Ｐゴシック" pitchFamily="34" charset="-128"/>
+                <a:latin typeface="Arial" panose="020B0604020202020204" pitchFamily="34" charset="0"/>
+                <a:ea typeface="MS PGothic" panose="020B0600070205080204" pitchFamily="34" charset="-128"/>
               </a:defRPr>
             </a:lvl2pPr>
             <a:lvl3pPr marL="1143000" indent="-228600" eaLnBrk="0" hangingPunct="0">
@@ -3920,8 +3826,8 @@
                 <a:solidFill>
                   <a:schemeClr val="tx1"/>
                 </a:solidFill>
-                <a:latin typeface="Arial" pitchFamily="34" charset="0"/>
-                <a:ea typeface="ＭＳ Ｐゴシック" pitchFamily="34" charset="-128"/>
+                <a:latin typeface="Arial" panose="020B0604020202020204" pitchFamily="34" charset="0"/>
+                <a:ea typeface="MS PGothic" panose="020B0600070205080204" pitchFamily="34" charset="-128"/>
               </a:defRPr>
             </a:lvl3pPr>
             <a:lvl4pPr marL="1600200" indent="-228600" eaLnBrk="0" hangingPunct="0">
@@ -3929,8 +3835,8 @@
                 <a:solidFill>
                   <a:schemeClr val="tx1"/>
                 </a:solidFill>
-                <a:latin typeface="Arial" pitchFamily="34" charset="0"/>
-                <a:ea typeface="ＭＳ Ｐゴシック" pitchFamily="34" charset="-128"/>
+                <a:latin typeface="Arial" panose="020B0604020202020204" pitchFamily="34" charset="0"/>
+                <a:ea typeface="MS PGothic" panose="020B0600070205080204" pitchFamily="34" charset="-128"/>
               </a:defRPr>
             </a:lvl4pPr>
             <a:lvl5pPr marL="2057400" indent="-228600" eaLnBrk="0" hangingPunct="0">
@@ -3938,8 +3844,8 @@
                 <a:solidFill>
                   <a:schemeClr val="tx1"/>
                 </a:solidFill>
-                <a:latin typeface="Arial" pitchFamily="34" charset="0"/>
-                <a:ea typeface="ＭＳ Ｐゴシック" pitchFamily="34" charset="-128"/>
+                <a:latin typeface="Arial" panose="020B0604020202020204" pitchFamily="34" charset="0"/>
+                <a:ea typeface="MS PGothic" panose="020B0600070205080204" pitchFamily="34" charset="-128"/>
               </a:defRPr>
             </a:lvl5pPr>
             <a:lvl6pPr marL="2514600" indent="-228600" defTabSz="457200" eaLnBrk="0" fontAlgn="base" hangingPunct="0">
@@ -3953,8 +3859,8 @@
                 <a:solidFill>
                   <a:schemeClr val="tx1"/>
                 </a:solidFill>
-                <a:latin typeface="Arial" pitchFamily="34" charset="0"/>
-                <a:ea typeface="ＭＳ Ｐゴシック" pitchFamily="34" charset="-128"/>
+                <a:latin typeface="Arial" panose="020B0604020202020204" pitchFamily="34" charset="0"/>
+                <a:ea typeface="MS PGothic" panose="020B0600070205080204" pitchFamily="34" charset="-128"/>
               </a:defRPr>
             </a:lvl6pPr>
             <a:lvl7pPr marL="2971800" indent="-228600" defTabSz="457200" eaLnBrk="0" fontAlgn="base" hangingPunct="0">
@@ -3968,8 +3874,8 @@
                 <a:solidFill>
                   <a:schemeClr val="tx1"/>
                 </a:solidFill>
-                <a:latin typeface="Arial" pitchFamily="34" charset="0"/>
-                <a:ea typeface="ＭＳ Ｐゴシック" pitchFamily="34" charset="-128"/>
+                <a:latin typeface="Arial" panose="020B0604020202020204" pitchFamily="34" charset="0"/>
+                <a:ea typeface="MS PGothic" panose="020B0600070205080204" pitchFamily="34" charset="-128"/>
               </a:defRPr>
             </a:lvl7pPr>
             <a:lvl8pPr marL="3429000" indent="-228600" defTabSz="457200" eaLnBrk="0" fontAlgn="base" hangingPunct="0">
@@ -3983,8 +3889,8 @@
                 <a:solidFill>
                   <a:schemeClr val="tx1"/>
                 </a:solidFill>
-                <a:latin typeface="Arial" pitchFamily="34" charset="0"/>
-                <a:ea typeface="ＭＳ Ｐゴシック" pitchFamily="34" charset="-128"/>
+                <a:latin typeface="Arial" panose="020B0604020202020204" pitchFamily="34" charset="0"/>
+                <a:ea typeface="MS PGothic" panose="020B0600070205080204" pitchFamily="34" charset="-128"/>
               </a:defRPr>
             </a:lvl8pPr>
             <a:lvl9pPr marL="3886200" indent="-228600" defTabSz="457200" eaLnBrk="0" fontAlgn="base" hangingPunct="0">
@@ -3998,8 +3904,8 @@
                 <a:solidFill>
                   <a:schemeClr val="tx1"/>
                 </a:solidFill>
-                <a:latin typeface="Arial" pitchFamily="34" charset="0"/>
-                <a:ea typeface="ＭＳ Ｐゴシック" pitchFamily="34" charset="-128"/>
+                <a:latin typeface="Arial" panose="020B0604020202020204" pitchFamily="34" charset="0"/>
+                <a:ea typeface="MS PGothic" panose="020B0600070205080204" pitchFamily="34" charset="-128"/>
               </a:defRPr>
             </a:lvl9pPr>
           </a:lstStyle>
@@ -4010,11 +3916,18 @@
                 <a:solidFill>
                   <a:srgbClr val="000000"/>
                 </a:solidFill>
-                <a:latin typeface="Calibri" pitchFamily="34" charset="0"/>
+                <a:latin typeface="Calibri" panose="020F0502020204030204" pitchFamily="34" charset="0"/>
                 <a:sym typeface="Lucida Grande"/>
               </a:rPr>
               <a:t>© 2015 GB Group Limited</a:t>
             </a:r>
+            <a:endParaRPr lang="en-US" altLang="zh-CN" sz="1000">
+              <a:solidFill>
+                <a:srgbClr val="000000"/>
+              </a:solidFill>
+              <a:latin typeface="Calibri" panose="020F0502020204030204" pitchFamily="34" charset="0"/>
+              <a:sym typeface="Lucida Grande"/>
+            </a:endParaRPr>
           </a:p>
         </p:txBody>
       </p:sp>
@@ -4065,7 +3978,7 @@
               <a:solidFill>
                 <a:srgbClr val="FFFFFF"/>
               </a:solidFill>
-              <a:ea typeface="ＭＳ Ｐゴシック" pitchFamily="34" charset="-128"/>
+              <a:ea typeface="MS PGothic" panose="020B0600070205080204" pitchFamily="34" charset="-128"/>
             </a:endParaRPr>
           </a:p>
         </p:txBody>
@@ -4113,11 +4026,7 @@
           </a:extLst>
         </p:spPr>
         <p:txBody>
-          <a:bodyPr vert="horz" wrap="square" lIns="91440" tIns="45720" rIns="91440" bIns="45720" numCol="1" anchor="b" anchorCtr="0" compatLnSpc="1">
-            <a:prstTxWarp prst="textNoShape">
-              <a:avLst/>
-            </a:prstTxWarp>
-          </a:bodyPr>
+          <a:bodyPr vert="horz" wrap="square" lIns="91440" tIns="45720" rIns="91440" bIns="45720" numCol="1" anchor="b" anchorCtr="0" compatLnSpc="1"/>
           <a:lstStyle/>
           <a:p>
             <a:pPr lvl="0"/>
@@ -4125,6 +4034,7 @@
               <a:rPr lang="en-US" altLang="zh-CN"/>
               <a:t>Click to edit Master title style</a:t>
             </a:r>
+            <a:endParaRPr lang="en-US" altLang="zh-CN"/>
           </a:p>
         </p:txBody>
       </p:sp>
@@ -4137,7 +4047,7 @@
           <p:nvPr/>
         </p:nvPicPr>
         <p:blipFill>
-          <a:blip r:embed="rId6">
+          <a:blip r:embed="rId5">
             <a:extLst>
               <a:ext uri="{28A0092B-C50C-407E-A947-70E740481C1C}">
                 <a14:useLocalDpi xmlns:a14="http://schemas.microsoft.com/office/drawing/2010/main" val="0"/>
@@ -4318,8 +4228,8 @@
                 <a:solidFill>
                   <a:schemeClr val="tx1"/>
                 </a:solidFill>
-                <a:latin typeface="Arial" pitchFamily="34" charset="0"/>
-                <a:ea typeface="ＭＳ Ｐゴシック" pitchFamily="34" charset="-128"/>
+                <a:latin typeface="Arial" panose="020B0604020202020204" pitchFamily="34" charset="0"/>
+                <a:ea typeface="MS PGothic" panose="020B0600070205080204" pitchFamily="34" charset="-128"/>
               </a:defRPr>
             </a:lvl1pPr>
             <a:lvl2pPr marL="742950" indent="-285750" eaLnBrk="0" hangingPunct="0">
@@ -4327,8 +4237,8 @@
                 <a:solidFill>
                   <a:schemeClr val="tx1"/>
                 </a:solidFill>
-                <a:latin typeface="Arial" pitchFamily="34" charset="0"/>
-                <a:ea typeface="ＭＳ Ｐゴシック" pitchFamily="34" charset="-128"/>
+                <a:latin typeface="Arial" panose="020B0604020202020204" pitchFamily="34" charset="0"/>
+                <a:ea typeface="MS PGothic" panose="020B0600070205080204" pitchFamily="34" charset="-128"/>
               </a:defRPr>
             </a:lvl2pPr>
             <a:lvl3pPr marL="1143000" indent="-228600" eaLnBrk="0" hangingPunct="0">
@@ -4336,8 +4246,8 @@
                 <a:solidFill>
                   <a:schemeClr val="tx1"/>
                 </a:solidFill>
-                <a:latin typeface="Arial" pitchFamily="34" charset="0"/>
-                <a:ea typeface="ＭＳ Ｐゴシック" pitchFamily="34" charset="-128"/>
+                <a:latin typeface="Arial" panose="020B0604020202020204" pitchFamily="34" charset="0"/>
+                <a:ea typeface="MS PGothic" panose="020B0600070205080204" pitchFamily="34" charset="-128"/>
               </a:defRPr>
             </a:lvl3pPr>
             <a:lvl4pPr marL="1600200" indent="-228600" eaLnBrk="0" hangingPunct="0">
@@ -4345,8 +4255,8 @@
                 <a:solidFill>
                   <a:schemeClr val="tx1"/>
                 </a:solidFill>
-                <a:latin typeface="Arial" pitchFamily="34" charset="0"/>
-                <a:ea typeface="ＭＳ Ｐゴシック" pitchFamily="34" charset="-128"/>
+                <a:latin typeface="Arial" panose="020B0604020202020204" pitchFamily="34" charset="0"/>
+                <a:ea typeface="MS PGothic" panose="020B0600070205080204" pitchFamily="34" charset="-128"/>
               </a:defRPr>
             </a:lvl4pPr>
             <a:lvl5pPr marL="2057400" indent="-228600" eaLnBrk="0" hangingPunct="0">
@@ -4354,8 +4264,8 @@
                 <a:solidFill>
                   <a:schemeClr val="tx1"/>
                 </a:solidFill>
-                <a:latin typeface="Arial" pitchFamily="34" charset="0"/>
-                <a:ea typeface="ＭＳ Ｐゴシック" pitchFamily="34" charset="-128"/>
+                <a:latin typeface="Arial" panose="020B0604020202020204" pitchFamily="34" charset="0"/>
+                <a:ea typeface="MS PGothic" panose="020B0600070205080204" pitchFamily="34" charset="-128"/>
               </a:defRPr>
             </a:lvl5pPr>
             <a:lvl6pPr marL="2514600" indent="-228600" defTabSz="457200" eaLnBrk="0" fontAlgn="base" hangingPunct="0">
@@ -4369,8 +4279,8 @@
                 <a:solidFill>
                   <a:schemeClr val="tx1"/>
                 </a:solidFill>
-                <a:latin typeface="Arial" pitchFamily="34" charset="0"/>
-                <a:ea typeface="ＭＳ Ｐゴシック" pitchFamily="34" charset="-128"/>
+                <a:latin typeface="Arial" panose="020B0604020202020204" pitchFamily="34" charset="0"/>
+                <a:ea typeface="MS PGothic" panose="020B0600070205080204" pitchFamily="34" charset="-128"/>
               </a:defRPr>
             </a:lvl6pPr>
             <a:lvl7pPr marL="2971800" indent="-228600" defTabSz="457200" eaLnBrk="0" fontAlgn="base" hangingPunct="0">
@@ -4384,8 +4294,8 @@
                 <a:solidFill>
                   <a:schemeClr val="tx1"/>
                 </a:solidFill>
-                <a:latin typeface="Arial" pitchFamily="34" charset="0"/>
-                <a:ea typeface="ＭＳ Ｐゴシック" pitchFamily="34" charset="-128"/>
+                <a:latin typeface="Arial" panose="020B0604020202020204" pitchFamily="34" charset="0"/>
+                <a:ea typeface="MS PGothic" panose="020B0600070205080204" pitchFamily="34" charset="-128"/>
               </a:defRPr>
             </a:lvl7pPr>
             <a:lvl8pPr marL="3429000" indent="-228600" defTabSz="457200" eaLnBrk="0" fontAlgn="base" hangingPunct="0">
@@ -4399,8 +4309,8 @@
                 <a:solidFill>
                   <a:schemeClr val="tx1"/>
                 </a:solidFill>
-                <a:latin typeface="Arial" pitchFamily="34" charset="0"/>
-                <a:ea typeface="ＭＳ Ｐゴシック" pitchFamily="34" charset="-128"/>
+                <a:latin typeface="Arial" panose="020B0604020202020204" pitchFamily="34" charset="0"/>
+                <a:ea typeface="MS PGothic" panose="020B0600070205080204" pitchFamily="34" charset="-128"/>
               </a:defRPr>
             </a:lvl8pPr>
             <a:lvl9pPr marL="3886200" indent="-228600" defTabSz="457200" eaLnBrk="0" fontAlgn="base" hangingPunct="0">
@@ -4414,8 +4324,8 @@
                 <a:solidFill>
                   <a:schemeClr val="tx1"/>
                 </a:solidFill>
-                <a:latin typeface="Arial" pitchFamily="34" charset="0"/>
-                <a:ea typeface="ＭＳ Ｐゴシック" pitchFamily="34" charset="-128"/>
+                <a:latin typeface="Arial" panose="020B0604020202020204" pitchFamily="34" charset="0"/>
+                <a:ea typeface="MS PGothic" panose="020B0600070205080204" pitchFamily="34" charset="-128"/>
               </a:defRPr>
             </a:lvl9pPr>
           </a:lstStyle>
@@ -4426,8 +4336,8 @@
                 <a:solidFill>
                   <a:prstClr val="black"/>
                 </a:solidFill>
-                <a:latin typeface="Calibri" pitchFamily="34" charset="0"/>
-                <a:ea typeface="黑体" pitchFamily="49" charset="-122"/>
+                <a:latin typeface="Calibri" panose="020F0502020204030204" pitchFamily="34" charset="0"/>
+                <a:ea typeface="黑体" panose="02010609060101010101" pitchFamily="49" charset="-122"/>
               </a:rPr>
               <a:t>P. </a:t>
             </a:r>
@@ -4436,35 +4346,28 @@
                 <a:solidFill>
                   <a:prstClr val="black"/>
                 </a:solidFill>
-                <a:latin typeface="Calibri" pitchFamily="34" charset="0"/>
-                <a:ea typeface="黑体" pitchFamily="49" charset="-122"/>
+                <a:latin typeface="Calibri" panose="020F0502020204030204" pitchFamily="34" charset="0"/>
+                <a:ea typeface="黑体" panose="02010609060101010101" pitchFamily="49" charset="-122"/>
               </a:rPr>
-              <a:pPr algn="ctr" eaLnBrk="1" hangingPunct="1"/>
-              <a:t>‹#›</a:t>
             </a:fld>
             <a:endParaRPr lang="zh-CN" altLang="en-US" sz="1000">
               <a:solidFill>
                 <a:prstClr val="black"/>
               </a:solidFill>
-              <a:latin typeface="Calibri" pitchFamily="34" charset="0"/>
-              <a:ea typeface="黑体" pitchFamily="49" charset="-122"/>
+              <a:latin typeface="Calibri" panose="020F0502020204030204" pitchFamily="34" charset="0"/>
+              <a:ea typeface="黑体" panose="02010609060101010101" pitchFamily="49" charset="-122"/>
             </a:endParaRPr>
           </a:p>
         </p:txBody>
       </p:sp>
     </p:spTree>
-    <p:extLst>
-      <p:ext uri="{BB962C8B-B14F-4D97-AF65-F5344CB8AC3E}">
-        <p14:creationId xmlns:p14="http://schemas.microsoft.com/office/powerpoint/2010/main" val="1021496413"/>
-      </p:ext>
-    </p:extLst>
   </p:cSld>
   <p:clrMap bg1="lt1" tx1="dk1" bg2="lt2" tx2="dk2" accent1="accent1" accent2="accent2" accent3="accent3" accent4="accent4" accent5="accent5" accent6="accent6" hlink="hlink" folHlink="folHlink"/>
   <p:sldLayoutIdLst>
-    <p:sldLayoutId id="2147484199" r:id="rId1"/>
-    <p:sldLayoutId id="2147484200" r:id="rId2"/>
-    <p:sldLayoutId id="2147484201" r:id="rId3"/>
-    <p:sldLayoutId id="2147484202" r:id="rId4"/>
+    <p:sldLayoutId id="2147483655" r:id="rId1"/>
+    <p:sldLayoutId id="2147483656" r:id="rId2"/>
+    <p:sldLayoutId id="2147483657" r:id="rId3"/>
+    <p:sldLayoutId id="2147483658" r:id="rId4"/>
   </p:sldLayoutIdLst>
   <p:hf hdr="0" ftr="0" dt="0"/>
   <p:txStyles>
@@ -4480,9 +4383,9 @@
           <a:solidFill>
             <a:schemeClr val="tx1"/>
           </a:solidFill>
-          <a:latin typeface="Calibri"/>
-          <a:ea typeface="微软雅黑" pitchFamily="34" charset="-122"/>
-          <a:cs typeface="Calibri"/>
+          <a:latin typeface="Calibri" panose="020F0502020204030204"/>
+          <a:ea typeface="微软雅黑" panose="020B0503020204020204" pitchFamily="34" charset="-122"/>
+          <a:cs typeface="Calibri" panose="020F0502020204030204"/>
         </a:defRPr>
       </a:lvl1pPr>
       <a:lvl2pPr algn="l" defTabSz="457200" rtl="0" eaLnBrk="0" fontAlgn="base" hangingPunct="0">
@@ -4496,9 +4399,9 @@
           <a:solidFill>
             <a:schemeClr val="tx1"/>
           </a:solidFill>
-          <a:latin typeface="Calibri" pitchFamily="96" charset="0"/>
-          <a:ea typeface="微软雅黑" pitchFamily="34" charset="-122"/>
-          <a:cs typeface="Calibri" pitchFamily="34" charset="0"/>
+          <a:latin typeface="Calibri" panose="020F0502020204030204" pitchFamily="34" charset="0"/>
+          <a:ea typeface="微软雅黑" panose="020B0503020204020204" pitchFamily="34" charset="-122"/>
+          <a:cs typeface="Calibri" panose="020F0502020204030204" pitchFamily="34" charset="0"/>
         </a:defRPr>
       </a:lvl2pPr>
       <a:lvl3pPr algn="l" defTabSz="457200" rtl="0" eaLnBrk="0" fontAlgn="base" hangingPunct="0">
@@ -4512,9 +4415,9 @@
           <a:solidFill>
             <a:schemeClr val="tx1"/>
           </a:solidFill>
-          <a:latin typeface="Calibri" pitchFamily="96" charset="0"/>
-          <a:ea typeface="微软雅黑" pitchFamily="34" charset="-122"/>
-          <a:cs typeface="Calibri" pitchFamily="34" charset="0"/>
+          <a:latin typeface="Calibri" panose="020F0502020204030204" pitchFamily="34" charset="0"/>
+          <a:ea typeface="微软雅黑" panose="020B0503020204020204" pitchFamily="34" charset="-122"/>
+          <a:cs typeface="Calibri" panose="020F0502020204030204" pitchFamily="34" charset="0"/>
         </a:defRPr>
       </a:lvl3pPr>
       <a:lvl4pPr algn="l" defTabSz="457200" rtl="0" eaLnBrk="0" fontAlgn="base" hangingPunct="0">
@@ -4528,9 +4431,9 @@
           <a:solidFill>
             <a:schemeClr val="tx1"/>
           </a:solidFill>
-          <a:latin typeface="Calibri" pitchFamily="96" charset="0"/>
-          <a:ea typeface="微软雅黑" pitchFamily="34" charset="-122"/>
-          <a:cs typeface="Calibri" pitchFamily="34" charset="0"/>
+          <a:latin typeface="Calibri" panose="020F0502020204030204" pitchFamily="34" charset="0"/>
+          <a:ea typeface="微软雅黑" panose="020B0503020204020204" pitchFamily="34" charset="-122"/>
+          <a:cs typeface="Calibri" panose="020F0502020204030204" pitchFamily="34" charset="0"/>
         </a:defRPr>
       </a:lvl4pPr>
       <a:lvl5pPr algn="l" defTabSz="457200" rtl="0" eaLnBrk="0" fontAlgn="base" hangingPunct="0">
@@ -4544,9 +4447,9 @@
           <a:solidFill>
             <a:schemeClr val="tx1"/>
           </a:solidFill>
-          <a:latin typeface="Calibri" pitchFamily="96" charset="0"/>
-          <a:ea typeface="微软雅黑" pitchFamily="34" charset="-122"/>
-          <a:cs typeface="Calibri" pitchFamily="34" charset="0"/>
+          <a:latin typeface="Calibri" panose="020F0502020204030204" pitchFamily="34" charset="0"/>
+          <a:ea typeface="微软雅黑" panose="020B0503020204020204" pitchFamily="34" charset="-122"/>
+          <a:cs typeface="Calibri" panose="020F0502020204030204" pitchFamily="34" charset="0"/>
         </a:defRPr>
       </a:lvl5pPr>
       <a:lvl6pPr marL="457200" algn="l" defTabSz="457200" rtl="0" fontAlgn="base">
@@ -4561,7 +4464,7 @@
             <a:srgbClr val="FFFFFF"/>
           </a:solidFill>
           <a:latin typeface="Gotham Book" pitchFamily="-128" charset="0"/>
-          <a:ea typeface="ＭＳ Ｐゴシック" pitchFamily="-128" charset="-128"/>
+          <a:ea typeface="MS PGothic" panose="020B0600070205080204" pitchFamily="34" charset="-128"/>
         </a:defRPr>
       </a:lvl6pPr>
       <a:lvl7pPr marL="914400" algn="l" defTabSz="457200" rtl="0" fontAlgn="base">
@@ -4576,7 +4479,7 @@
             <a:srgbClr val="FFFFFF"/>
           </a:solidFill>
           <a:latin typeface="Gotham Book" pitchFamily="-128" charset="0"/>
-          <a:ea typeface="ＭＳ Ｐゴシック" pitchFamily="-128" charset="-128"/>
+          <a:ea typeface="MS PGothic" panose="020B0600070205080204" pitchFamily="34" charset="-128"/>
         </a:defRPr>
       </a:lvl7pPr>
       <a:lvl8pPr marL="1371600" algn="l" defTabSz="457200" rtl="0" fontAlgn="base">
@@ -4591,7 +4494,7 @@
             <a:srgbClr val="FFFFFF"/>
           </a:solidFill>
           <a:latin typeface="Gotham Book" pitchFamily="-128" charset="0"/>
-          <a:ea typeface="ＭＳ Ｐゴシック" pitchFamily="-128" charset="-128"/>
+          <a:ea typeface="MS PGothic" panose="020B0600070205080204" pitchFamily="34" charset="-128"/>
         </a:defRPr>
       </a:lvl8pPr>
       <a:lvl9pPr marL="1828800" algn="l" defTabSz="457200" rtl="0" fontAlgn="base">
@@ -4606,7 +4509,7 @@
             <a:srgbClr val="FFFFFF"/>
           </a:solidFill>
           <a:latin typeface="Gotham Book" pitchFamily="-128" charset="0"/>
-          <a:ea typeface="ＭＳ Ｐゴシック" pitchFamily="-128" charset="-128"/>
+          <a:ea typeface="MS PGothic" panose="020B0600070205080204" pitchFamily="34" charset="-128"/>
         </a:defRPr>
       </a:lvl9pPr>
     </p:titleStyle>
@@ -4622,15 +4525,15 @@
           <a:srgbClr val="262626"/>
         </a:buClr>
         <a:buSzPct val="110000"/>
-        <a:buFont typeface="Arial" pitchFamily="34" charset="0"/>
+        <a:buFont typeface="Arial" panose="020B0604020202020204" pitchFamily="34" charset="0"/>
         <a:buChar char="•"/>
         <a:defRPr sz="2200" kern="1200">
           <a:solidFill>
             <a:schemeClr val="tx1"/>
           </a:solidFill>
-          <a:latin typeface="Calibri"/>
-          <a:ea typeface="ＭＳ Ｐゴシック" pitchFamily="-128" charset="-128"/>
-          <a:cs typeface="Calibri"/>
+          <a:latin typeface="Calibri" panose="020F0502020204030204"/>
+          <a:ea typeface="MS PGothic" panose="020B0600070205080204" pitchFamily="34" charset="-128"/>
+          <a:cs typeface="Calibri" panose="020F0502020204030204"/>
         </a:defRPr>
       </a:lvl1pPr>
       <a:lvl2pPr marL="742950" indent="-285750" algn="l" defTabSz="457200" rtl="0" eaLnBrk="0" fontAlgn="base" hangingPunct="0">
@@ -4644,15 +4547,15 @@
           <a:srgbClr val="262626"/>
         </a:buClr>
         <a:buSzPct val="110000"/>
-        <a:buFont typeface="Arial" pitchFamily="34" charset="0"/>
+        <a:buFont typeface="Arial" panose="020B0604020202020204" pitchFamily="34" charset="0"/>
         <a:buChar char="•"/>
         <a:defRPr sz="2000" kern="1200">
           <a:solidFill>
             <a:schemeClr val="tx1"/>
           </a:solidFill>
-          <a:latin typeface="Calibri"/>
-          <a:ea typeface="ＭＳ Ｐゴシック" pitchFamily="-128" charset="-128"/>
-          <a:cs typeface="Calibri"/>
+          <a:latin typeface="Calibri" panose="020F0502020204030204"/>
+          <a:ea typeface="MS PGothic" panose="020B0600070205080204" pitchFamily="34" charset="-128"/>
+          <a:cs typeface="Calibri" panose="020F0502020204030204"/>
         </a:defRPr>
       </a:lvl2pPr>
       <a:lvl3pPr marL="1143000" indent="-228600" algn="l" defTabSz="457200" rtl="0" eaLnBrk="0" fontAlgn="base" hangingPunct="0">
@@ -4666,15 +4569,15 @@
           <a:srgbClr val="262626"/>
         </a:buClr>
         <a:buSzPct val="110000"/>
-        <a:buFont typeface="Arial" pitchFamily="34" charset="0"/>
+        <a:buFont typeface="Arial" panose="020B0604020202020204" pitchFamily="34" charset="0"/>
         <a:buChar char="•"/>
         <a:defRPr kern="1200">
           <a:solidFill>
             <a:schemeClr val="tx1"/>
           </a:solidFill>
-          <a:latin typeface="Calibri"/>
-          <a:ea typeface="ＭＳ Ｐゴシック" pitchFamily="-128" charset="-128"/>
-          <a:cs typeface="Calibri"/>
+          <a:latin typeface="Calibri" panose="020F0502020204030204"/>
+          <a:ea typeface="MS PGothic" panose="020B0600070205080204" pitchFamily="34" charset="-128"/>
+          <a:cs typeface="Calibri" panose="020F0502020204030204"/>
         </a:defRPr>
       </a:lvl3pPr>
       <a:lvl4pPr marL="1600200" indent="-228600" algn="l" defTabSz="457200" rtl="0" eaLnBrk="0" fontAlgn="base" hangingPunct="0">
@@ -4688,15 +4591,15 @@
           <a:srgbClr val="262626"/>
         </a:buClr>
         <a:buSzPct val="110000"/>
-        <a:buFont typeface="Arial" pitchFamily="34" charset="0"/>
+        <a:buFont typeface="Arial" panose="020B0604020202020204" pitchFamily="34" charset="0"/>
         <a:buChar char="•"/>
         <a:defRPr sz="1600" kern="1200">
           <a:solidFill>
             <a:schemeClr val="tx1"/>
           </a:solidFill>
-          <a:latin typeface="Calibri"/>
-          <a:ea typeface="ＭＳ Ｐゴシック" pitchFamily="-128" charset="-128"/>
-          <a:cs typeface="Calibri"/>
+          <a:latin typeface="Calibri" panose="020F0502020204030204"/>
+          <a:ea typeface="MS PGothic" panose="020B0600070205080204" pitchFamily="34" charset="-128"/>
+          <a:cs typeface="Calibri" panose="020F0502020204030204"/>
         </a:defRPr>
       </a:lvl4pPr>
       <a:lvl5pPr marL="2057400" indent="-228600" algn="l" defTabSz="457200" rtl="0" eaLnBrk="0" fontAlgn="base" hangingPunct="0">
@@ -4710,22 +4613,22 @@
           <a:srgbClr val="262626"/>
         </a:buClr>
         <a:buSzPct val="110000"/>
-        <a:buFont typeface="Arial" pitchFamily="34" charset="0"/>
+        <a:buFont typeface="Arial" panose="020B0604020202020204" pitchFamily="34" charset="0"/>
         <a:buChar char="•"/>
         <a:defRPr sz="1400" kern="1200">
           <a:solidFill>
             <a:schemeClr val="tx1"/>
           </a:solidFill>
-          <a:latin typeface="Calibri"/>
-          <a:ea typeface="ＭＳ Ｐゴシック" pitchFamily="-128" charset="-128"/>
-          <a:cs typeface="Calibri"/>
+          <a:latin typeface="Calibri" panose="020F0502020204030204"/>
+          <a:ea typeface="MS PGothic" panose="020B0600070205080204" pitchFamily="34" charset="-128"/>
+          <a:cs typeface="Calibri" panose="020F0502020204030204"/>
         </a:defRPr>
       </a:lvl5pPr>
       <a:lvl6pPr marL="2514600" indent="-228600" algn="l" defTabSz="457200" rtl="0" eaLnBrk="1" latinLnBrk="0" hangingPunct="1">
         <a:spcBef>
           <a:spcPct val="20000"/>
         </a:spcBef>
-        <a:buFont typeface="Arial"/>
+        <a:buFont typeface="Arial" panose="020B0604020202020204"/>
         <a:buChar char="•"/>
         <a:defRPr sz="2000" kern="1200">
           <a:solidFill>
@@ -4740,7 +4643,7 @@
         <a:spcBef>
           <a:spcPct val="20000"/>
         </a:spcBef>
-        <a:buFont typeface="Arial"/>
+        <a:buFont typeface="Arial" panose="020B0604020202020204"/>
         <a:buChar char="•"/>
         <a:defRPr sz="2000" kern="1200">
           <a:solidFill>
@@ -4755,7 +4658,7 @@
         <a:spcBef>
           <a:spcPct val="20000"/>
         </a:spcBef>
-        <a:buFont typeface="Arial"/>
+        <a:buFont typeface="Arial" panose="020B0604020202020204"/>
         <a:buChar char="•"/>
         <a:defRPr sz="2000" kern="1200">
           <a:solidFill>
@@ -4770,7 +4673,7 @@
         <a:spcBef>
           <a:spcPct val="20000"/>
         </a:spcBef>
-        <a:buFont typeface="Arial"/>
+        <a:buFont typeface="Arial" panose="020B0604020202020204"/>
         <a:buChar char="•"/>
         <a:defRPr sz="2000" kern="1200">
           <a:solidFill>
@@ -4931,33 +4834,29 @@
           </a:extLst>
         </p:spPr>
         <p:txBody>
-          <a:bodyPr wrap="square" lIns="91440" tIns="45720" rIns="91440" bIns="45720" numCol="1" compatLnSpc="1">
-            <a:prstTxWarp prst="textNoShape">
-              <a:avLst/>
-            </a:prstTxWarp>
-          </a:bodyPr>
+          <a:bodyPr wrap="square" lIns="91440" tIns="45720" rIns="91440" bIns="45720" numCol="1" compatLnSpc="1"/>
           <a:lstStyle/>
           <a:p>
             <a:r>
               <a:rPr lang="en-US" altLang="zh-CN" dirty="0" err="1" smtClean="0">
-                <a:latin typeface="Calibri" pitchFamily="34" charset="0"/>
-                <a:ea typeface="ＭＳ Ｐゴシック" pitchFamily="34" charset="-128"/>
-                <a:cs typeface="Calibri" pitchFamily="34" charset="0"/>
+                <a:latin typeface="Calibri" panose="020F0502020204030204" pitchFamily="34" charset="0"/>
+                <a:ea typeface="MS PGothic" panose="020B0600070205080204" pitchFamily="34" charset="-128"/>
+                <a:cs typeface="Calibri" panose="020F0502020204030204" pitchFamily="34" charset="0"/>
               </a:rPr>
               <a:t>.net</a:t>
             </a:r>
             <a:r>
               <a:rPr lang="zh-CN" altLang="en-US" dirty="0" smtClean="0">
-                <a:latin typeface="Calibri" pitchFamily="34" charset="0"/>
-                <a:ea typeface="ＭＳ Ｐゴシック" pitchFamily="34" charset="-128"/>
-                <a:cs typeface="Calibri" pitchFamily="34" charset="0"/>
+                <a:latin typeface="Calibri" panose="020F0502020204030204" pitchFamily="34" charset="0"/>
+                <a:ea typeface="MS PGothic" panose="020B0600070205080204" pitchFamily="34" charset="-128"/>
+                <a:cs typeface="Calibri" panose="020F0502020204030204" pitchFamily="34" charset="0"/>
               </a:rPr>
               <a:t>异步、多线程编程交流</a:t>
             </a:r>
             <a:endParaRPr lang="en-US" altLang="zh-CN" dirty="0">
-              <a:latin typeface="Calibri" pitchFamily="34" charset="0"/>
-              <a:ea typeface="ＭＳ Ｐゴシック" pitchFamily="34" charset="-128"/>
-              <a:cs typeface="Calibri" pitchFamily="34" charset="0"/>
+              <a:latin typeface="Calibri" panose="020F0502020204030204" pitchFamily="34" charset="0"/>
+              <a:ea typeface="MS PGothic" panose="020B0600070205080204" pitchFamily="34" charset="-128"/>
+              <a:cs typeface="Calibri" panose="020F0502020204030204" pitchFamily="34" charset="0"/>
             </a:endParaRPr>
           </a:p>
         </p:txBody>
@@ -5023,13 +4922,7 @@
       </p:grpSpPr>
       <p:sp>
         <p:nvSpPr>
-          <p:cNvPr id="2" name="标题 1">
-            <a:extLst>
-              <a:ext uri="{FF2B5EF4-FFF2-40B4-BE49-F238E27FC236}">
-                <a16:creationId xmlns:a16="http://schemas.microsoft.com/office/drawing/2014/main" xmlns="" id="{508C5496-4B94-4E74-B852-01660F8B2C58}"/>
-              </a:ext>
-            </a:extLst>
-          </p:cNvPr>
+          <p:cNvPr id="2" name="标题 1"/>
           <p:cNvSpPr>
             <a:spLocks noGrp="1"/>
           </p:cNvSpPr>
@@ -5043,8 +4936,8 @@
           <a:lstStyle/>
           <a:p>
             <a:r>
-              <a:rPr lang="en-US" altLang="zh-CN" dirty="0"/>
-              <a:t>Asynchronous Programming Model APM</a:t>
+              <a:rPr lang="en-US" altLang="zh-CN" dirty="0" smtClean="0"/>
+              <a:t>Task</a:t>
             </a:r>
             <a:endParaRPr lang="zh-CN" altLang="en-US" dirty="0"/>
           </a:p>
@@ -5052,13 +4945,7 @@
       </p:sp>
       <p:sp>
         <p:nvSpPr>
-          <p:cNvPr id="3" name="内容占位符 2">
-            <a:extLst>
-              <a:ext uri="{FF2B5EF4-FFF2-40B4-BE49-F238E27FC236}">
-                <a16:creationId xmlns:a16="http://schemas.microsoft.com/office/drawing/2014/main" xmlns="" id="{58AF2E9D-F75B-4B1B-B93B-4C9C7AB0286D}"/>
-              </a:ext>
-            </a:extLst>
-          </p:cNvPr>
+          <p:cNvPr id="3" name="内容占位符 2"/>
           <p:cNvSpPr>
             <a:spLocks noGrp="1"/>
           </p:cNvSpPr>
@@ -5072,107 +4959,475 @@
           <a:lstStyle/>
           <a:p>
             <a:r>
+              <a:rPr lang="en-US" altLang="zh-CN" dirty="0" err="1" smtClean="0"/>
+              <a:t>ThreadPoolTaskScheduler</a:t>
+            </a:r>
+            <a:endParaRPr lang="en-US" altLang="zh-CN" dirty="0" smtClean="0"/>
+          </a:p>
+          <a:p>
+            <a:r>
+              <a:rPr lang="zh-CN" altLang="en-US" dirty="0" smtClean="0"/>
+              <a:t>如果</a:t>
+            </a:r>
+            <a:r>
+              <a:rPr lang="en-US" altLang="zh-CN" dirty="0" smtClean="0"/>
+              <a:t>Task</a:t>
+            </a:r>
+            <a:r>
+              <a:rPr lang="zh-CN" altLang="en-US" dirty="0"/>
+              <a:t>上的</a:t>
+            </a:r>
+            <a:r>
+              <a:rPr lang="en-US" altLang="zh-CN" dirty="0" err="1"/>
+              <a:t>TaskCreationOptions</a:t>
+            </a:r>
+            <a:r>
+              <a:rPr lang="zh-CN" altLang="en-US" dirty="0"/>
+              <a:t>设置为</a:t>
+            </a:r>
+            <a:r>
+              <a:rPr lang="en-US" altLang="zh-CN" dirty="0" err="1"/>
+              <a:t>LongRunning</a:t>
+            </a:r>
+            <a:r>
+              <a:rPr lang="zh-CN" altLang="en-US" dirty="0" smtClean="0"/>
+              <a:t>的，长</a:t>
+            </a:r>
+            <a:r>
+              <a:rPr lang="zh-CN" altLang="en-US" dirty="0"/>
+              <a:t>时间运行的</a:t>
+            </a:r>
+            <a:r>
               <a:rPr lang="en-US" altLang="zh-CN" dirty="0"/>
-              <a:t>– </a:t>
-            </a:r>
-            <a:r>
-              <a:rPr lang="zh-CN" altLang="en-US" dirty="0"/>
-              <a:t>异步编程模型</a:t>
+              <a:t>task</a:t>
+            </a:r>
+            <a:r>
+              <a:rPr lang="zh-CN" altLang="en-US" dirty="0"/>
+              <a:t>占用着</a:t>
+            </a:r>
+            <a:r>
+              <a:rPr lang="en-US" altLang="zh-CN" dirty="0" err="1"/>
+              <a:t>ThreadPool</a:t>
+            </a:r>
+            <a:r>
+              <a:rPr lang="zh-CN" altLang="en-US" dirty="0"/>
+              <a:t>的线程，这时候</a:t>
+            </a:r>
+            <a:r>
+              <a:rPr lang="en-US" altLang="zh-CN" dirty="0" err="1"/>
+              <a:t>ThreadPool</a:t>
+            </a:r>
+            <a:r>
+              <a:rPr lang="zh-CN" altLang="en-US" dirty="0"/>
+              <a:t>为了保证线程充足，会再次开辟一些</a:t>
             </a:r>
             <a:r>
               <a:rPr lang="en-US" altLang="zh-CN" dirty="0"/>
-              <a:t>(Asynchronous Programming Model APM) </a:t>
-            </a:r>
-          </a:p>
-          <a:p>
+              <a:t>Thread</a:t>
+            </a:r>
+            <a:r>
+              <a:rPr lang="zh-CN" altLang="en-US" dirty="0"/>
+              <a:t>，如果耗时任务此时释放</a:t>
+            </a:r>
+            <a:r>
+              <a:rPr lang="zh-CN" altLang="en-US" dirty="0" smtClean="0"/>
+              <a:t>了</a:t>
+            </a:r>
+            <a:endParaRPr lang="en-US" altLang="zh-CN" dirty="0" smtClean="0"/>
+          </a:p>
+          <a:p>
+            <a:r>
+              <a:rPr lang="en-US" altLang="zh-CN" dirty="0" err="1" smtClean="0"/>
+              <a:t>WaitAny</a:t>
+            </a:r>
+            <a:r>
+              <a:rPr lang="zh-CN" altLang="en-US" dirty="0" smtClean="0"/>
+              <a:t>，首先循环</a:t>
+            </a:r>
+            <a:r>
+              <a:rPr lang="en-US" altLang="zh-CN" dirty="0"/>
+              <a:t>Task[]</a:t>
+            </a:r>
+            <a:r>
+              <a:rPr lang="zh-CN" altLang="en-US" dirty="0"/>
+              <a:t>，检查里面是否有</a:t>
+            </a:r>
+            <a:r>
+              <a:rPr lang="en-US" altLang="zh-CN" dirty="0"/>
+              <a:t>Task</a:t>
+            </a:r>
+            <a:r>
+              <a:rPr lang="zh-CN" altLang="en-US" dirty="0"/>
+              <a:t>已经完成，如果有则直接</a:t>
+            </a:r>
+            <a:r>
+              <a:rPr lang="zh-CN" altLang="en-US" dirty="0" smtClean="0"/>
+              <a:t>返回，否</a:t>
+            </a:r>
+            <a:r>
+              <a:rPr lang="zh-CN" altLang="en-US" dirty="0"/>
+              <a:t>者我们调用</a:t>
+            </a:r>
+            <a:r>
+              <a:rPr lang="en-US" altLang="zh-CN" dirty="0"/>
+              <a:t>Task&lt;Task&gt; </a:t>
+            </a:r>
             <a:r>
               <a:rPr lang="en-US" altLang="zh-CN" dirty="0" err="1"/>
-              <a:t>.Net</a:t>
+              <a:t>firstCompleted</a:t>
             </a:r>
             <a:r>
               <a:rPr lang="en-US" altLang="zh-CN" dirty="0"/>
-              <a:t> Framework 1 </a:t>
-            </a:r>
-            <a:r>
-              <a:rPr lang="zh-CN" altLang="en-US" dirty="0"/>
-              <a:t>已经引入了这个模式，也称</a:t>
+              <a:t> = </a:t>
+            </a:r>
+            <a:r>
+              <a:rPr lang="en-US" altLang="zh-CN" dirty="0" err="1"/>
+              <a:t>TaskFactory.CommonCWAnyLogic</a:t>
             </a:r>
             <a:r>
               <a:rPr lang="en-US" altLang="zh-CN" dirty="0"/>
-              <a:t>Begin/End </a:t>
-            </a:r>
-            <a:r>
-              <a:rPr lang="zh-CN" altLang="en-US" dirty="0"/>
-              <a:t>模式。一个 以</a:t>
+              <a:t>(tasks);</a:t>
+            </a:r>
+            <a:r>
+              <a:rPr lang="zh-CN" altLang="en-US" dirty="0"/>
+              <a:t>返回一个</a:t>
             </a:r>
             <a:r>
               <a:rPr lang="en-US" altLang="zh-CN" dirty="0"/>
-              <a:t>Begin</a:t>
-            </a:r>
-            <a:r>
-              <a:rPr lang="zh-CN" altLang="en-US" dirty="0"/>
-              <a:t>为前缀 的方法加载异步执行，并返回一个</a:t>
+              <a:t>Task</a:t>
+            </a:r>
+            <a:r>
+              <a:rPr lang="zh-CN" altLang="en-US" dirty="0"/>
+              <a:t>，然后调用该</a:t>
+            </a:r>
+            <a:r>
+              <a:rPr lang="en-US" altLang="zh-CN" dirty="0"/>
+              <a:t>Task</a:t>
+            </a:r>
+            <a:r>
+              <a:rPr lang="zh-CN" altLang="en-US" dirty="0"/>
+              <a:t>的</a:t>
+            </a:r>
+            <a:r>
+              <a:rPr lang="en-US" altLang="zh-CN" dirty="0"/>
+              <a:t>Wait</a:t>
+            </a:r>
+            <a:r>
+              <a:rPr lang="zh-CN" altLang="en-US" dirty="0"/>
+              <a:t>方法</a:t>
+            </a:r>
+            <a:endParaRPr lang="en-US" altLang="zh-CN" dirty="0" smtClean="0"/>
+          </a:p>
+          <a:p>
+            <a:r>
+              <a:rPr lang="en-US" altLang="zh-CN" dirty="0" err="1" smtClean="0"/>
+              <a:t>WaitAll</a:t>
+            </a:r>
+            <a:r>
+              <a:rPr lang="en-US" altLang="zh-CN" dirty="0" smtClean="0"/>
+              <a:t>,</a:t>
+            </a:r>
+            <a:r>
+              <a:rPr lang="zh-CN" altLang="en-US" dirty="0"/>
+              <a:t>检查</a:t>
+            </a:r>
+            <a:r>
+              <a:rPr lang="en-US" altLang="zh-CN" dirty="0"/>
+              <a:t>Task</a:t>
+            </a:r>
+            <a:r>
+              <a:rPr lang="zh-CN" altLang="en-US" dirty="0"/>
+              <a:t>数组中每个</a:t>
+            </a:r>
+            <a:r>
+              <a:rPr lang="en-US" altLang="zh-CN" dirty="0"/>
+              <a:t>Task</a:t>
+            </a:r>
+            <a:r>
+              <a:rPr lang="zh-CN" altLang="en-US" dirty="0"/>
+              <a:t>实例，检查</a:t>
+            </a:r>
+            <a:r>
+              <a:rPr lang="en-US" altLang="zh-CN" dirty="0"/>
+              <a:t>Task</a:t>
+            </a:r>
+            <a:r>
+              <a:rPr lang="zh-CN" altLang="en-US" dirty="0"/>
+              <a:t>是否已经完成，如果没有完成就把</a:t>
+            </a:r>
+            <a:r>
+              <a:rPr lang="en-US" altLang="zh-CN" dirty="0"/>
+              <a:t>Task</a:t>
+            </a:r>
+            <a:r>
+              <a:rPr lang="zh-CN" altLang="en-US" dirty="0"/>
+              <a:t>添加到</a:t>
             </a:r>
             <a:r>
               <a:rPr lang="en-US" altLang="zh-CN" dirty="0" err="1"/>
-              <a:t>System.IAsyncResult</a:t>
-            </a:r>
-            <a:r>
-              <a:rPr lang="zh-CN" altLang="en-US" dirty="0"/>
-              <a:t>对象，这个对象表示这个异步操作的状态。</a:t>
-            </a:r>
-            <a:r>
-              <a:rPr lang="en-US" altLang="zh-CN" dirty="0"/>
-              <a:t>Begin</a:t>
-            </a:r>
-            <a:r>
-              <a:rPr lang="zh-CN" altLang="en-US" dirty="0"/>
-              <a:t>方法可以接受一些与异步操作相关的参数，和一个</a:t>
+              <a:t>waitedOnTaskList</a:t>
+            </a:r>
+            <a:r>
+              <a:rPr lang="zh-CN" altLang="en-US" dirty="0"/>
+              <a:t>集合</a:t>
+            </a:r>
+            <a:r>
+              <a:rPr lang="zh-CN" altLang="en-US" dirty="0" smtClean="0"/>
+              <a:t>中</a:t>
+            </a:r>
+            <a:r>
+              <a:rPr lang="en-US" altLang="zh-CN" dirty="0" smtClean="0"/>
+              <a:t>,</a:t>
+            </a:r>
+            <a:r>
+              <a:rPr lang="zh-CN" altLang="en-US" dirty="0"/>
+              <a:t>如果</a:t>
             </a:r>
             <a:r>
               <a:rPr lang="en-US" altLang="zh-CN" dirty="0" err="1"/>
-              <a:t>System.AsyncCallback</a:t>
-            </a:r>
-            <a:r>
-              <a:rPr lang="zh-CN" altLang="en-US" dirty="0"/>
-              <a:t>对象。这个对象表示异步操作结束时要调用的方法。然后可以调用以</a:t>
-            </a:r>
-            <a:r>
-              <a:rPr lang="en-US" altLang="zh-CN" dirty="0"/>
-              <a:t>End</a:t>
-            </a:r>
-            <a:r>
-              <a:rPr lang="zh-CN" altLang="en-US" dirty="0"/>
-              <a:t>为前缀的方法，以</a:t>
-            </a:r>
-            <a:r>
-              <a:rPr lang="en-US" altLang="zh-CN" dirty="0"/>
-              <a:t>End</a:t>
-            </a:r>
-            <a:r>
-              <a:rPr lang="zh-CN" altLang="en-US" dirty="0"/>
-              <a:t>为前缀的方法会阻塞当前任务或线程，直到</a:t>
-            </a:r>
-            <a:r>
-              <a:rPr lang="en-US" altLang="zh-CN" dirty="0"/>
-              <a:t>I/O</a:t>
-            </a:r>
-            <a:r>
-              <a:rPr lang="zh-CN" altLang="en-US" dirty="0"/>
-              <a:t>线程完成。它还可以返回操作结果相关的信息。</a:t>
-            </a:r>
-          </a:p>
-          <a:p>
+              <a:t>waitedOnTaskList</a:t>
+            </a:r>
+            <a:r>
+              <a:rPr lang="zh-CN" altLang="en-US" dirty="0"/>
+              <a:t>集合有元素那么，我们就调用</a:t>
+            </a:r>
+            <a:r>
+              <a:rPr lang="en-US" altLang="zh-CN" dirty="0" err="1"/>
+              <a:t>WaitAllBlockingCore</a:t>
+            </a:r>
+            <a:r>
+              <a:rPr lang="zh-CN" altLang="en-US" dirty="0"/>
+              <a:t>来实现真正的</a:t>
+            </a:r>
+            <a:r>
+              <a:rPr lang="zh-CN" altLang="en-US" dirty="0" smtClean="0"/>
+              <a:t>等待</a:t>
+            </a:r>
             <a:endParaRPr lang="zh-CN" altLang="en-US" dirty="0"/>
+          </a:p>
+        </p:txBody>
+      </p:sp>
+      <p:sp>
+        <p:nvSpPr>
+          <p:cNvPr id="4" name="Rectangle 1"/>
+          <p:cNvSpPr>
+            <a:spLocks noChangeArrowheads="1"/>
+          </p:cNvSpPr>
+          <p:nvPr/>
+        </p:nvSpPr>
+        <p:spPr bwMode="auto">
+          <a:xfrm>
+            <a:off x="0" y="0"/>
+            <a:ext cx="9144000" cy="457200"/>
+          </a:xfrm>
+          <a:prstGeom prst="rect">
+            <a:avLst/>
+          </a:prstGeom>
+          <a:noFill/>
+          <a:ln>
+            <a:noFill/>
+          </a:ln>
+          <a:effectLst/>
+          <a:extLst>
+            <a:ext uri="{909E8E84-426E-40DD-AFC4-6F175D3DCCD1}">
+              <a14:hiddenFill xmlns:a14="http://schemas.microsoft.com/office/drawing/2010/main">
+                <a:solidFill>
+                  <a:schemeClr val="accent1"/>
+                </a:solidFill>
+              </a14:hiddenFill>
+            </a:ext>
+            <a:ext uri="{91240B29-F687-4F45-9708-019B960494DF}">
+              <a14:hiddenLine xmlns:a14="http://schemas.microsoft.com/office/drawing/2010/main" w="9525">
+                <a:solidFill>
+                  <a:schemeClr val="tx1"/>
+                </a:solidFill>
+                <a:miter lim="800000"/>
+                <a:headEnd/>
+                <a:tailEnd/>
+              </a14:hiddenLine>
+            </a:ext>
+            <a:ext uri="{AF507438-7753-43E0-B8FC-AC1667EBCBE1}">
+              <a14:hiddenEffects xmlns:a14="http://schemas.microsoft.com/office/drawing/2010/main">
+                <a:effectLst>
+                  <a:outerShdw dist="35921" dir="2700000" algn="ctr" rotWithShape="0">
+                    <a:schemeClr val="bg2"/>
+                  </a:outerShdw>
+                </a:effectLst>
+              </a14:hiddenEffects>
+            </a:ext>
+          </a:extLst>
+        </p:spPr>
+        <p:txBody>
+          <a:bodyPr vert="horz" wrap="none" lIns="0" tIns="0" rIns="0" bIns="0" numCol="1" anchor="ctr" anchorCtr="0" compatLnSpc="1">
+            <a:spAutoFit/>
+          </a:bodyPr>
+          <a:lstStyle/>
+          <a:p>
+            <a:pPr marL="0" marR="0" lvl="0" indent="0" algn="l" defTabSz="914400" rtl="0" eaLnBrk="0" fontAlgn="base" latinLnBrk="0" hangingPunct="0">
+              <a:lnSpc>
+                <a:spcPct val="100000"/>
+              </a:lnSpc>
+              <a:spcBef>
+                <a:spcPct val="0"/>
+              </a:spcBef>
+              <a:spcAft>
+                <a:spcPct val="0"/>
+              </a:spcAft>
+              <a:buClrTx/>
+              <a:buSzTx/>
+              <a:buFontTx/>
+              <a:buNone/>
+            </a:pPr>
+            <a:r>
+              <a:rPr kumimoji="0" lang="zh-CN" altLang="zh-CN" sz="900" b="0" i="0" u="none" strike="noStrike" cap="none" normalizeH="0" baseline="0" smtClean="0">
+                <a:ln>
+                  <a:noFill/>
+                </a:ln>
+                <a:solidFill>
+                  <a:srgbClr val="000000"/>
+                </a:solidFill>
+                <a:effectLst/>
+                <a:latin typeface="Courier New" panose="02070309020205020404" pitchFamily="49" charset="0"/>
+                <a:cs typeface="Courier New" panose="02070309020205020404" pitchFamily="49" charset="0"/>
+              </a:rPr>
+              <a:t>Task.WhenAll(task1, task2).ContinueWith</a:t>
+            </a:r>
+            <a:r>
+              <a:rPr kumimoji="0" lang="zh-CN" altLang="zh-CN" sz="600" b="0" i="0" u="none" strike="noStrike" cap="none" normalizeH="0" baseline="0" smtClean="0">
+                <a:ln>
+                  <a:noFill/>
+                </a:ln>
+                <a:solidFill>
+                  <a:schemeClr val="tx1"/>
+                </a:solidFill>
+                <a:effectLst/>
+              </a:rPr>
+              <a:t> </a:t>
+            </a:r>
+            <a:endParaRPr kumimoji="0" lang="zh-CN" altLang="zh-CN" sz="1800" b="0" i="0" u="none" strike="noStrike" cap="none" normalizeH="0" baseline="0" smtClean="0">
+              <a:ln>
+                <a:noFill/>
+              </a:ln>
+              <a:solidFill>
+                <a:schemeClr val="tx1"/>
+              </a:solidFill>
+              <a:effectLst/>
+              <a:latin typeface="Arial" panose="020B0604020202020204" pitchFamily="34" charset="0"/>
+            </a:endParaRPr>
+          </a:p>
+        </p:txBody>
+      </p:sp>
+      <p:sp>
+        <p:nvSpPr>
+          <p:cNvPr id="5" name="Rectangle 2"/>
+          <p:cNvSpPr>
+            <a:spLocks noChangeArrowheads="1"/>
+          </p:cNvSpPr>
+          <p:nvPr/>
+        </p:nvSpPr>
+        <p:spPr bwMode="auto">
+          <a:xfrm>
+            <a:off x="152400" y="152400"/>
+            <a:ext cx="9144000" cy="457200"/>
+          </a:xfrm>
+          <a:prstGeom prst="rect">
+            <a:avLst/>
+          </a:prstGeom>
+          <a:noFill/>
+          <a:ln>
+            <a:noFill/>
+          </a:ln>
+          <a:effectLst/>
+          <a:extLst>
+            <a:ext uri="{909E8E84-426E-40DD-AFC4-6F175D3DCCD1}">
+              <a14:hiddenFill xmlns:a14="http://schemas.microsoft.com/office/drawing/2010/main">
+                <a:solidFill>
+                  <a:schemeClr val="accent1"/>
+                </a:solidFill>
+              </a14:hiddenFill>
+            </a:ext>
+            <a:ext uri="{91240B29-F687-4F45-9708-019B960494DF}">
+              <a14:hiddenLine xmlns:a14="http://schemas.microsoft.com/office/drawing/2010/main" w="9525">
+                <a:solidFill>
+                  <a:schemeClr val="tx1"/>
+                </a:solidFill>
+                <a:miter lim="800000"/>
+                <a:headEnd/>
+                <a:tailEnd/>
+              </a14:hiddenLine>
+            </a:ext>
+            <a:ext uri="{AF507438-7753-43E0-B8FC-AC1667EBCBE1}">
+              <a14:hiddenEffects xmlns:a14="http://schemas.microsoft.com/office/drawing/2010/main">
+                <a:effectLst>
+                  <a:outerShdw dist="35921" dir="2700000" algn="ctr" rotWithShape="0">
+                    <a:schemeClr val="bg2"/>
+                  </a:outerShdw>
+                </a:effectLst>
+              </a14:hiddenEffects>
+            </a:ext>
+          </a:extLst>
+        </p:spPr>
+        <p:txBody>
+          <a:bodyPr vert="horz" wrap="none" lIns="0" tIns="0" rIns="0" bIns="0" numCol="1" anchor="ctr" anchorCtr="0" compatLnSpc="1">
+            <a:spAutoFit/>
+          </a:bodyPr>
+          <a:lstStyle/>
+          <a:p>
+            <a:pPr marL="0" marR="0" lvl="0" indent="0" algn="l" defTabSz="914400" rtl="0" eaLnBrk="0" fontAlgn="base" latinLnBrk="0" hangingPunct="0">
+              <a:lnSpc>
+                <a:spcPct val="100000"/>
+              </a:lnSpc>
+              <a:spcBef>
+                <a:spcPct val="0"/>
+              </a:spcBef>
+              <a:spcAft>
+                <a:spcPct val="0"/>
+              </a:spcAft>
+              <a:buClrTx/>
+              <a:buSzTx/>
+              <a:buFontTx/>
+              <a:buNone/>
+            </a:pPr>
+            <a:r>
+              <a:rPr kumimoji="0" lang="zh-CN" altLang="zh-CN" sz="900" b="0" i="0" u="none" strike="noStrike" cap="none" normalizeH="0" baseline="0" smtClean="0">
+                <a:ln>
+                  <a:noFill/>
+                </a:ln>
+                <a:solidFill>
+                  <a:srgbClr val="000000"/>
+                </a:solidFill>
+                <a:effectLst/>
+                <a:latin typeface="Courier New" panose="02070309020205020404" pitchFamily="49" charset="0"/>
+                <a:cs typeface="Courier New" panose="02070309020205020404" pitchFamily="49" charset="0"/>
+              </a:rPr>
+              <a:t>Task.WhenAll(task1, task2).ContinueWith</a:t>
+            </a:r>
+            <a:r>
+              <a:rPr kumimoji="0" lang="zh-CN" altLang="zh-CN" sz="600" b="0" i="0" u="none" strike="noStrike" cap="none" normalizeH="0" baseline="0" smtClean="0">
+                <a:ln>
+                  <a:noFill/>
+                </a:ln>
+                <a:solidFill>
+                  <a:schemeClr val="tx1"/>
+                </a:solidFill>
+                <a:effectLst/>
+              </a:rPr>
+              <a:t> </a:t>
+            </a:r>
+            <a:endParaRPr kumimoji="0" lang="zh-CN" altLang="zh-CN" sz="1800" b="0" i="0" u="none" strike="noStrike" cap="none" normalizeH="0" baseline="0" smtClean="0">
+              <a:ln>
+                <a:noFill/>
+              </a:ln>
+              <a:solidFill>
+                <a:schemeClr val="tx1"/>
+              </a:solidFill>
+              <a:effectLst/>
+              <a:latin typeface="Arial" panose="020B0604020202020204" pitchFamily="34" charset="0"/>
+            </a:endParaRPr>
           </a:p>
         </p:txBody>
       </p:sp>
     </p:spTree>
-    <p:extLst>
-      <p:ext uri="{BB962C8B-B14F-4D97-AF65-F5344CB8AC3E}">
-        <p14:creationId xmlns:p14="http://schemas.microsoft.com/office/powerpoint/2010/main" val="693951043"/>
-      </p:ext>
-    </p:extLst>
   </p:cSld>
   <p:clrMapOvr>
     <a:masterClrMapping/>
@@ -5213,16 +5468,8 @@
           <a:lstStyle/>
           <a:p>
             <a:r>
-              <a:rPr lang="zh-CN" altLang="en-US" dirty="0" smtClean="0"/>
-              <a:t>基于委托的</a:t>
-            </a:r>
-            <a:r>
               <a:rPr lang="en-US" altLang="zh-CN" dirty="0" smtClean="0"/>
-              <a:t>Invoke </a:t>
-            </a:r>
-            <a:r>
-              <a:rPr lang="en-US" altLang="zh-CN" dirty="0" err="1" smtClean="0"/>
-              <a:t>BeginInvoke</a:t>
+              <a:t>Task</a:t>
             </a:r>
             <a:endParaRPr lang="zh-CN" altLang="en-US" dirty="0"/>
           </a:p>
@@ -5230,13 +5477,7 @@
       </p:sp>
       <p:sp>
         <p:nvSpPr>
-          <p:cNvPr id="4" name="内容占位符 3">
-            <a:extLst>
-              <a:ext uri="{FF2B5EF4-FFF2-40B4-BE49-F238E27FC236}">
-                <a16:creationId xmlns:a16="http://schemas.microsoft.com/office/drawing/2014/main" xmlns="" id="{62CD55B7-E798-45C3-A64E-53D4169A931B}"/>
-              </a:ext>
-            </a:extLst>
-          </p:cNvPr>
+          <p:cNvPr id="3" name="内容占位符 2"/>
           <p:cNvSpPr>
             <a:spLocks noGrp="1"/>
           </p:cNvSpPr>
@@ -5250,111 +5491,253 @@
           <a:lstStyle/>
           <a:p>
             <a:r>
-              <a:rPr lang="en-US" altLang="zh-CN" dirty="0" smtClean="0"/>
-              <a:t>CLR</a:t>
-            </a:r>
-            <a:r>
-              <a:rPr lang="zh-CN" altLang="en-US" dirty="0"/>
-              <a:t>为每一个委托类型提供了一个</a:t>
-            </a:r>
-            <a:r>
-              <a:rPr lang="en-US" altLang="zh-CN" dirty="0"/>
-              <a:t>Invoke</a:t>
-            </a:r>
-            <a:r>
-              <a:rPr lang="zh-CN" altLang="en-US" dirty="0"/>
-              <a:t>方法，并且该方法和</a:t>
-            </a:r>
-            <a:r>
-              <a:rPr lang="en-US" altLang="zh-CN" dirty="0"/>
-              <a:t>delegate</a:t>
-            </a:r>
-            <a:r>
-              <a:rPr lang="zh-CN" altLang="en-US" dirty="0"/>
-              <a:t>拥有相同的</a:t>
-            </a:r>
-            <a:r>
-              <a:rPr lang="zh-CN" altLang="en-US" dirty="0" smtClean="0"/>
-              <a:t>签名</a:t>
-            </a:r>
-            <a:endParaRPr lang="en-US" altLang="zh-CN" dirty="0" smtClean="0"/>
-          </a:p>
-          <a:p>
-            <a:r>
-              <a:rPr lang="en-US" altLang="zh-CN" dirty="0" smtClean="0"/>
-              <a:t>CLR</a:t>
-            </a:r>
-            <a:r>
-              <a:rPr lang="zh-CN" altLang="en-US" dirty="0"/>
-              <a:t>为每一个委托类型提供了</a:t>
-            </a:r>
-            <a:r>
-              <a:rPr lang="en-US" altLang="zh-CN" dirty="0" err="1"/>
-              <a:t>BeginInvoke</a:t>
-            </a:r>
-            <a:r>
-              <a:rPr lang="zh-CN" altLang="en-US" dirty="0"/>
-              <a:t>和</a:t>
-            </a:r>
-            <a:r>
-              <a:rPr lang="en-US" altLang="zh-CN" dirty="0" err="1"/>
-              <a:t>EndInvoke</a:t>
-            </a:r>
-            <a:r>
-              <a:rPr lang="zh-CN" altLang="en-US" dirty="0"/>
-              <a:t>方法，来确保委托的异步</a:t>
-            </a:r>
-            <a:r>
-              <a:rPr lang="zh-CN" altLang="en-US" dirty="0" smtClean="0"/>
-              <a:t>调用</a:t>
-            </a:r>
-            <a:endParaRPr lang="en-US" altLang="zh-CN" dirty="0" smtClean="0"/>
-          </a:p>
-          <a:p>
-            <a:endParaRPr lang="en-US" altLang="zh-CN" dirty="0"/>
-          </a:p>
-          <a:p>
-            <a:r>
-              <a:rPr lang="zh-CN" altLang="en-US" dirty="0"/>
-              <a:t>通过一个委托来进行同步方法的异步调用，也是</a:t>
-            </a:r>
-            <a:r>
-              <a:rPr lang="en-US" altLang="zh-CN" dirty="0" err="1"/>
-              <a:t>.net</a:t>
-            </a:r>
-            <a:r>
-              <a:rPr lang="zh-CN" altLang="en-US" dirty="0"/>
-              <a:t>提供的异步调用机制之一。但是</a:t>
-            </a:r>
-            <a:r>
-              <a:rPr lang="en-US" altLang="zh-CN" dirty="0" err="1"/>
-              <a:t>Delegate.BeginInvoke</a:t>
-            </a:r>
-            <a:r>
-              <a:rPr lang="zh-CN" altLang="en-US" dirty="0"/>
-              <a:t>方法是从</a:t>
-            </a:r>
-            <a:r>
-              <a:rPr lang="en-US" altLang="zh-CN" dirty="0" err="1"/>
-              <a:t>ThreadPool</a:t>
-            </a:r>
-            <a:r>
-              <a:rPr lang="zh-CN" altLang="en-US" dirty="0"/>
-              <a:t>取出一个线程来执行这个方法，以获得异步执行效果的。也就是说，如果采用这种方式提交多个异步委托，那么这些调用的顺序无法得到保证。而且由于是使用线程池里面的线程来完成任务，使用频繁，会对系统的性能造成影响。</a:t>
-            </a:r>
-            <a:endParaRPr lang="en-US" altLang="zh-CN" dirty="0" smtClean="0"/>
+              <a:rPr lang="en-US" altLang="zh-CN" dirty="0" err="1" smtClean="0"/>
+              <a:t>WhenAll:</a:t>
+            </a:r>
+            <a:r>
+              <a:rPr lang="en-US" altLang="zh-CN" sz="2400" dirty="0" err="1" smtClean="0"/>
+              <a:t>WhenAll</a:t>
+            </a:r>
+            <a:r>
+              <a:rPr lang="en-US" altLang="zh-CN" sz="2400" dirty="0" smtClean="0"/>
+              <a:t> </a:t>
+            </a:r>
+            <a:r>
+              <a:rPr lang="zh-CN" altLang="en-US" sz="2400" dirty="0"/>
+              <a:t>是创建一个异步（不阻塞当前线程）的</a:t>
+            </a:r>
+            <a:r>
+              <a:rPr lang="en-US" altLang="zh-CN" sz="2400" dirty="0"/>
+              <a:t>Task</a:t>
+            </a:r>
+            <a:r>
+              <a:rPr lang="zh-CN" altLang="en-US" sz="2400" dirty="0"/>
+              <a:t>，这个</a:t>
+            </a:r>
+            <a:r>
+              <a:rPr lang="en-US" altLang="zh-CN" sz="2400" dirty="0"/>
+              <a:t>Task</a:t>
+            </a:r>
+            <a:r>
+              <a:rPr lang="zh-CN" altLang="en-US" sz="2400" dirty="0"/>
+              <a:t>等待所有其他任务完毕</a:t>
+            </a:r>
+            <a:endParaRPr lang="en-US" altLang="zh-CN" sz="2400" dirty="0"/>
+          </a:p>
+          <a:p>
+            <a:pPr lvl="0"/>
+            <a:r>
+              <a:rPr lang="zh-CN" altLang="zh-CN" sz="2400" dirty="0" smtClean="0">
+                <a:solidFill>
+                  <a:srgbClr val="000000"/>
+                </a:solidFill>
+                <a:latin typeface="Courier New" panose="02070309020205020404" pitchFamily="49" charset="0"/>
+                <a:cs typeface="Courier New" panose="02070309020205020404" pitchFamily="49" charset="0"/>
+              </a:rPr>
+              <a:t>Task</a:t>
+            </a:r>
+            <a:r>
+              <a:rPr lang="zh-CN" altLang="zh-CN" sz="2400" dirty="0">
+                <a:solidFill>
+                  <a:srgbClr val="000000"/>
+                </a:solidFill>
+                <a:latin typeface="Courier New" panose="02070309020205020404" pitchFamily="49" charset="0"/>
+                <a:cs typeface="Courier New" panose="02070309020205020404" pitchFamily="49" charset="0"/>
+              </a:rPr>
+              <a:t>.WhenAll(task1, task2).ContinueWith</a:t>
+            </a:r>
+            <a:r>
+              <a:rPr lang="zh-CN" altLang="zh-CN" sz="800" dirty="0"/>
+              <a:t> </a:t>
+            </a:r>
+            <a:r>
+              <a:rPr lang="zh-CN" altLang="en-US" sz="800" dirty="0" smtClean="0"/>
+              <a:t>，</a:t>
+            </a:r>
+            <a:r>
+              <a:rPr lang="en-US" altLang="zh-CN" sz="800" dirty="0" smtClean="0">
+                <a:latin typeface="Arial" panose="020B0604020202020204" pitchFamily="34" charset="0"/>
+              </a:rPr>
+              <a:t>+</a:t>
+            </a:r>
+            <a:endParaRPr lang="zh-CN" altLang="zh-CN" sz="5400" dirty="0">
+              <a:latin typeface="Arial" panose="020B0604020202020204" pitchFamily="34" charset="0"/>
+            </a:endParaRPr>
           </a:p>
           <a:p>
             <a:endParaRPr lang="zh-CN" altLang="en-US" dirty="0"/>
+          </a:p>
+        </p:txBody>
+      </p:sp>
+      <p:sp>
+        <p:nvSpPr>
+          <p:cNvPr id="4" name="Rectangle 1"/>
+          <p:cNvSpPr>
+            <a:spLocks noChangeArrowheads="1"/>
+          </p:cNvSpPr>
+          <p:nvPr/>
+        </p:nvSpPr>
+        <p:spPr bwMode="auto">
+          <a:xfrm>
+            <a:off x="0" y="90100"/>
+            <a:ext cx="65" cy="276999"/>
+          </a:xfrm>
+          <a:prstGeom prst="rect">
+            <a:avLst/>
+          </a:prstGeom>
+          <a:noFill/>
+          <a:ln>
+            <a:noFill/>
+          </a:ln>
+          <a:effectLst/>
+          <a:extLst>
+            <a:ext uri="{909E8E84-426E-40DD-AFC4-6F175D3DCCD1}">
+              <a14:hiddenFill xmlns:a14="http://schemas.microsoft.com/office/drawing/2010/main">
+                <a:solidFill>
+                  <a:schemeClr val="accent1"/>
+                </a:solidFill>
+              </a14:hiddenFill>
+            </a:ext>
+            <a:ext uri="{91240B29-F687-4F45-9708-019B960494DF}">
+              <a14:hiddenLine xmlns:a14="http://schemas.microsoft.com/office/drawing/2010/main" w="9525">
+                <a:solidFill>
+                  <a:schemeClr val="tx1"/>
+                </a:solidFill>
+                <a:miter lim="800000"/>
+                <a:headEnd/>
+                <a:tailEnd/>
+              </a14:hiddenLine>
+            </a:ext>
+            <a:ext uri="{AF507438-7753-43E0-B8FC-AC1667EBCBE1}">
+              <a14:hiddenEffects xmlns:a14="http://schemas.microsoft.com/office/drawing/2010/main">
+                <a:effectLst>
+                  <a:outerShdw dist="35921" dir="2700000" algn="ctr" rotWithShape="0">
+                    <a:schemeClr val="bg2"/>
+                  </a:outerShdw>
+                </a:effectLst>
+              </a14:hiddenEffects>
+            </a:ext>
+          </a:extLst>
+        </p:spPr>
+        <p:txBody>
+          <a:bodyPr vert="horz" wrap="none" lIns="0" tIns="0" rIns="0" bIns="0" numCol="1" anchor="ctr" anchorCtr="0" compatLnSpc="1">
+            <a:spAutoFit/>
+          </a:bodyPr>
+          <a:lstStyle/>
+          <a:p>
+            <a:pPr marL="0" marR="0" lvl="0" indent="0" algn="l" defTabSz="914400" rtl="0" eaLnBrk="0" fontAlgn="base" latinLnBrk="0" hangingPunct="0">
+              <a:lnSpc>
+                <a:spcPct val="100000"/>
+              </a:lnSpc>
+              <a:spcBef>
+                <a:spcPct val="0"/>
+              </a:spcBef>
+              <a:spcAft>
+                <a:spcPct val="0"/>
+              </a:spcAft>
+              <a:buClrTx/>
+              <a:buSzTx/>
+              <a:buFontTx/>
+              <a:buNone/>
+            </a:pPr>
+            <a:endParaRPr kumimoji="0" lang="zh-CN" altLang="zh-CN" sz="1800" b="0" i="0" u="none" strike="noStrike" cap="none" normalizeH="0" baseline="0" dirty="0" smtClean="0">
+              <a:ln>
+                <a:noFill/>
+              </a:ln>
+              <a:solidFill>
+                <a:schemeClr val="tx1"/>
+              </a:solidFill>
+              <a:effectLst/>
+              <a:latin typeface="Arial" panose="020B0604020202020204" pitchFamily="34" charset="0"/>
+            </a:endParaRPr>
+          </a:p>
+        </p:txBody>
+      </p:sp>
+      <p:sp>
+        <p:nvSpPr>
+          <p:cNvPr id="5" name="Rectangle 2"/>
+          <p:cNvSpPr>
+            <a:spLocks noChangeArrowheads="1"/>
+          </p:cNvSpPr>
+          <p:nvPr/>
+        </p:nvSpPr>
+        <p:spPr bwMode="auto">
+          <a:xfrm>
+            <a:off x="152400" y="242500"/>
+            <a:ext cx="9144000" cy="276999"/>
+          </a:xfrm>
+          <a:prstGeom prst="rect">
+            <a:avLst/>
+          </a:prstGeom>
+          <a:noFill/>
+          <a:ln>
+            <a:noFill/>
+          </a:ln>
+          <a:effectLst/>
+          <a:extLst>
+            <a:ext uri="{909E8E84-426E-40DD-AFC4-6F175D3DCCD1}">
+              <a14:hiddenFill xmlns:a14="http://schemas.microsoft.com/office/drawing/2010/main">
+                <a:solidFill>
+                  <a:schemeClr val="accent1"/>
+                </a:solidFill>
+              </a14:hiddenFill>
+            </a:ext>
+            <a:ext uri="{91240B29-F687-4F45-9708-019B960494DF}">
+              <a14:hiddenLine xmlns:a14="http://schemas.microsoft.com/office/drawing/2010/main" w="9525">
+                <a:solidFill>
+                  <a:schemeClr val="tx1"/>
+                </a:solidFill>
+                <a:miter lim="800000"/>
+                <a:headEnd/>
+                <a:tailEnd/>
+              </a14:hiddenLine>
+            </a:ext>
+            <a:ext uri="{AF507438-7753-43E0-B8FC-AC1667EBCBE1}">
+              <a14:hiddenEffects xmlns:a14="http://schemas.microsoft.com/office/drawing/2010/main">
+                <a:effectLst>
+                  <a:outerShdw dist="35921" dir="2700000" algn="ctr" rotWithShape="0">
+                    <a:schemeClr val="bg2"/>
+                  </a:outerShdw>
+                </a:effectLst>
+              </a14:hiddenEffects>
+            </a:ext>
+          </a:extLst>
+        </p:spPr>
+        <p:txBody>
+          <a:bodyPr vert="horz" wrap="square" lIns="0" tIns="0" rIns="0" bIns="0" numCol="1" anchor="ctr" anchorCtr="0" compatLnSpc="1">
+            <a:spAutoFit/>
+          </a:bodyPr>
+          <a:lstStyle/>
+          <a:p>
+            <a:pPr marL="0" marR="0" lvl="0" indent="0" algn="l" defTabSz="914400" rtl="0" eaLnBrk="0" fontAlgn="base" latinLnBrk="0" hangingPunct="0">
+              <a:lnSpc>
+                <a:spcPct val="100000"/>
+              </a:lnSpc>
+              <a:spcBef>
+                <a:spcPct val="0"/>
+              </a:spcBef>
+              <a:spcAft>
+                <a:spcPct val="0"/>
+              </a:spcAft>
+              <a:buClrTx/>
+              <a:buSzTx/>
+              <a:buFontTx/>
+              <a:buNone/>
+            </a:pPr>
+            <a:endParaRPr kumimoji="0" lang="zh-CN" altLang="zh-CN" sz="1800" b="0" i="0" u="none" strike="noStrike" cap="none" normalizeH="0" baseline="0" dirty="0" smtClean="0">
+              <a:ln>
+                <a:noFill/>
+              </a:ln>
+              <a:solidFill>
+                <a:schemeClr val="tx1"/>
+              </a:solidFill>
+              <a:effectLst/>
+              <a:latin typeface="Arial" panose="020B0604020202020204" pitchFamily="34" charset="0"/>
+            </a:endParaRPr>
           </a:p>
         </p:txBody>
       </p:sp>
     </p:spTree>
-    <p:extLst>
-      <p:ext uri="{BB962C8B-B14F-4D97-AF65-F5344CB8AC3E}">
-        <p14:creationId xmlns:p14="http://schemas.microsoft.com/office/powerpoint/2010/main" val="1009121632"/>
-      </p:ext>
-    </p:extLst>
   </p:cSld>
   <p:clrMapOvr>
     <a:masterClrMapping/>
@@ -5395,20 +5778,8 @@
           <a:lstStyle/>
           <a:p>
             <a:r>
-              <a:rPr lang="en-US" altLang="zh-CN" dirty="0" smtClean="0"/>
-              <a:t>Controller</a:t>
-            </a:r>
-            <a:r>
-              <a:rPr lang="zh-CN" altLang="en-US" dirty="0" smtClean="0"/>
-              <a:t>的</a:t>
-            </a:r>
-            <a:r>
-              <a:rPr lang="en-US" altLang="zh-CN" dirty="0" smtClean="0"/>
-              <a:t>Invoke </a:t>
-            </a:r>
-            <a:r>
-              <a:rPr lang="en-US" altLang="zh-CN" dirty="0" err="1" smtClean="0"/>
-              <a:t>BeginInvoke</a:t>
+              <a:rPr lang="zh-CN" altLang="en-US" dirty="0" smtClean="0"/>
+              <a:t>多线程间的同步</a:t>
             </a:r>
             <a:endParaRPr lang="zh-CN" altLang="en-US" dirty="0"/>
           </a:p>
@@ -5416,7 +5787,7 @@
       </p:sp>
       <p:sp>
         <p:nvSpPr>
-          <p:cNvPr id="5" name="内容占位符 4"/>
+          <p:cNvPr id="3" name="内容占位符 2"/>
           <p:cNvSpPr>
             <a:spLocks noGrp="1"/>
           </p:cNvSpPr>
@@ -5430,76 +5801,201 @@
           <a:lstStyle/>
           <a:p>
             <a:r>
+              <a:rPr lang="en-US" altLang="zh-CN" dirty="0" smtClean="0"/>
+              <a:t>1.</a:t>
+            </a:r>
+            <a:r>
+              <a:rPr lang="zh-CN" altLang="en-US" dirty="0" smtClean="0"/>
+              <a:t>锁机制（</a:t>
+            </a:r>
+            <a:r>
+              <a:rPr lang="en-US" altLang="zh-CN" dirty="0" smtClean="0"/>
+              <a:t>Monitor, </a:t>
+            </a:r>
+            <a:r>
+              <a:rPr lang="en-US" altLang="zh-CN" dirty="0" err="1"/>
+              <a:t>ReaderWriterLock</a:t>
+            </a:r>
+            <a:r>
+              <a:rPr lang="zh-CN" altLang="en-US" dirty="0" smtClean="0"/>
+              <a:t>）</a:t>
+            </a:r>
+            <a:endParaRPr lang="en-US" altLang="zh-CN" dirty="0" smtClean="0"/>
+          </a:p>
+          <a:p>
+            <a:r>
+              <a:rPr lang="en-US" altLang="zh-CN" dirty="0" smtClean="0"/>
+              <a:t>2.thread.join</a:t>
+            </a:r>
+            <a:endParaRPr lang="en-US" altLang="zh-CN" dirty="0" smtClean="0"/>
+          </a:p>
+          <a:p>
+            <a:r>
+              <a:rPr lang="en-US" altLang="zh-CN" dirty="0" smtClean="0"/>
+              <a:t>3.</a:t>
+            </a:r>
+            <a:r>
+              <a:rPr lang="zh-CN" altLang="en-US" dirty="0" smtClean="0"/>
+              <a:t>互斥</a:t>
+            </a:r>
+            <a:r>
+              <a:rPr lang="en-US" altLang="zh-CN" dirty="0" err="1" smtClean="0"/>
+              <a:t>mutex</a:t>
+            </a:r>
+            <a:endParaRPr lang="en-US" altLang="zh-CN" dirty="0" smtClean="0"/>
+          </a:p>
+          <a:p>
+            <a:r>
+              <a:rPr lang="en-US" altLang="zh-CN" dirty="0" smtClean="0"/>
+              <a:t>4.</a:t>
+            </a:r>
+            <a:r>
+              <a:rPr lang="zh-CN" altLang="en-US" dirty="0" smtClean="0"/>
+              <a:t>信号量（</a:t>
+            </a:r>
+            <a:r>
+              <a:rPr lang="en-US" altLang="zh-CN" dirty="0" err="1" smtClean="0"/>
+              <a:t>ManualResetEvent</a:t>
+            </a:r>
+            <a:r>
+              <a:rPr lang="zh-CN" altLang="en-US" dirty="0" smtClean="0"/>
+              <a:t>、</a:t>
+            </a:r>
+            <a:r>
+              <a:rPr lang="en-US" altLang="zh-CN" dirty="0" err="1" smtClean="0"/>
+              <a:t>AutoResetEvent</a:t>
+            </a:r>
+            <a:r>
+              <a:rPr lang="zh-CN" altLang="en-US" dirty="0" smtClean="0"/>
+              <a:t>、</a:t>
+            </a:r>
+            <a:r>
               <a:rPr lang="en-US" altLang="zh-CN" dirty="0"/>
-              <a:t>Windows GUI</a:t>
-            </a:r>
-            <a:r>
-              <a:rPr lang="zh-CN" altLang="en-US" dirty="0"/>
-              <a:t>程序是基于消息机制的，有个主线程维护着一个消息</a:t>
-            </a:r>
-            <a:r>
-              <a:rPr lang="zh-CN" altLang="en-US" dirty="0" smtClean="0"/>
-              <a:t>泵。这个</a:t>
-            </a:r>
-            <a:r>
-              <a:rPr lang="zh-CN" altLang="en-US" dirty="0"/>
-              <a:t>消息泵让</a:t>
-            </a:r>
-            <a:r>
-              <a:rPr lang="en-US" altLang="zh-CN" dirty="0"/>
-              <a:t>windows</a:t>
-            </a:r>
-            <a:r>
-              <a:rPr lang="zh-CN" altLang="en-US" dirty="0"/>
-              <a:t>程序生生不息</a:t>
-            </a:r>
-            <a:r>
-              <a:rPr lang="zh-CN" altLang="en-US" dirty="0" smtClean="0"/>
-              <a:t>。</a:t>
-            </a:r>
-            <a:endParaRPr lang="en-US" altLang="zh-CN" dirty="0" smtClean="0"/>
-          </a:p>
-          <a:p>
-            <a:endParaRPr lang="en-US" altLang="zh-CN" dirty="0" smtClean="0"/>
-          </a:p>
-          <a:p>
-            <a:endParaRPr lang="en-US" altLang="zh-CN" dirty="0" smtClean="0"/>
-          </a:p>
-          <a:p>
+              <a:t> </a:t>
+            </a:r>
+            <a:r>
+              <a:rPr lang="en-US" altLang="zh-CN" dirty="0" smtClean="0"/>
+              <a:t>Semaphore</a:t>
+            </a:r>
+            <a:r>
+              <a:rPr lang="zh-CN" altLang="en-US" dirty="0" smtClean="0"/>
+              <a:t>）</a:t>
+            </a:r>
             <a:endParaRPr lang="zh-CN" altLang="en-US" dirty="0"/>
           </a:p>
         </p:txBody>
       </p:sp>
-      <p:pic>
-        <p:nvPicPr>
-          <p:cNvPr id="6" name="图片 5"/>
-          <p:cNvPicPr>
-            <a:picLocks noChangeAspect="1"/>
-          </p:cNvPicPr>
+      <p:sp>
+        <p:nvSpPr>
+          <p:cNvPr id="4" name="Rectangle 1"/>
+          <p:cNvSpPr>
+            <a:spLocks noChangeArrowheads="1"/>
+          </p:cNvSpPr>
           <p:nvPr/>
-        </p:nvPicPr>
-        <p:blipFill>
-          <a:blip r:embed="rId2"/>
-          <a:stretch>
-            <a:fillRect/>
-          </a:stretch>
-        </p:blipFill>
-        <p:spPr>
+        </p:nvSpPr>
+        <p:spPr bwMode="auto">
           <a:xfrm>
-            <a:off x="827584" y="2204864"/>
-            <a:ext cx="5229225" cy="3562350"/>
+            <a:off x="0" y="0"/>
+            <a:ext cx="9144000" cy="457200"/>
           </a:xfrm>
           <a:prstGeom prst="rect">
             <a:avLst/>
           </a:prstGeom>
+          <a:noFill/>
+          <a:ln>
+            <a:noFill/>
+          </a:ln>
+          <a:effectLst/>
+          <a:extLst>
+            <a:ext uri="{909E8E84-426E-40DD-AFC4-6F175D3DCCD1}">
+              <a14:hiddenFill xmlns:a14="http://schemas.microsoft.com/office/drawing/2010/main">
+                <a:solidFill>
+                  <a:schemeClr val="accent1"/>
+                </a:solidFill>
+              </a14:hiddenFill>
+            </a:ext>
+            <a:ext uri="{91240B29-F687-4F45-9708-019B960494DF}">
+              <a14:hiddenLine xmlns:a14="http://schemas.microsoft.com/office/drawing/2010/main" w="9525">
+                <a:solidFill>
+                  <a:schemeClr val="tx1"/>
+                </a:solidFill>
+                <a:miter lim="800000"/>
+                <a:headEnd/>
+                <a:tailEnd/>
+              </a14:hiddenLine>
+            </a:ext>
+            <a:ext uri="{AF507438-7753-43E0-B8FC-AC1667EBCBE1}">
+              <a14:hiddenEffects xmlns:a14="http://schemas.microsoft.com/office/drawing/2010/main">
+                <a:effectLst>
+                  <a:outerShdw dist="35921" dir="2700000" algn="ctr" rotWithShape="0">
+                    <a:schemeClr val="bg2"/>
+                  </a:outerShdw>
+                </a:effectLst>
+              </a14:hiddenEffects>
+            </a:ext>
+          </a:extLst>
         </p:spPr>
-      </p:pic>
+        <p:txBody>
+          <a:bodyPr vert="horz" wrap="none" lIns="0" tIns="0" rIns="0" bIns="0" numCol="1" anchor="ctr" anchorCtr="0" compatLnSpc="1">
+            <a:spAutoFit/>
+          </a:bodyPr>
+          <a:lstStyle/>
+          <a:p>
+            <a:pPr marL="0" marR="0" lvl="0" indent="0" algn="l" defTabSz="914400" rtl="0" eaLnBrk="0" fontAlgn="base" latinLnBrk="0" hangingPunct="0">
+              <a:lnSpc>
+                <a:spcPct val="100000"/>
+              </a:lnSpc>
+              <a:spcBef>
+                <a:spcPct val="0"/>
+              </a:spcBef>
+              <a:spcAft>
+                <a:spcPct val="0"/>
+              </a:spcAft>
+              <a:buClrTx/>
+              <a:buSzTx/>
+              <a:buFontTx/>
+              <a:buNone/>
+            </a:pPr>
+            <a:r>
+              <a:rPr kumimoji="0" lang="zh-CN" altLang="zh-CN" sz="900" b="0" i="0" u="none" strike="noStrike" cap="none" normalizeH="0" baseline="0" smtClean="0">
+                <a:ln>
+                  <a:noFill/>
+                </a:ln>
+                <a:solidFill>
+                  <a:srgbClr val="000000"/>
+                </a:solidFill>
+                <a:effectLst/>
+                <a:latin typeface="Courier New" panose="02070309020205020404" pitchFamily="49" charset="0"/>
+                <a:cs typeface="Courier New" panose="02070309020205020404" pitchFamily="49" charset="0"/>
+              </a:rPr>
+              <a:t>WaitOne</a:t>
+            </a:r>
+            <a:r>
+              <a:rPr kumimoji="0" lang="zh-CN" altLang="zh-CN" sz="600" b="0" i="0" u="none" strike="noStrike" cap="none" normalizeH="0" baseline="0" smtClean="0">
+                <a:ln>
+                  <a:noFill/>
+                </a:ln>
+                <a:solidFill>
+                  <a:schemeClr val="tx1"/>
+                </a:solidFill>
+                <a:effectLst/>
+              </a:rPr>
+              <a:t> </a:t>
+            </a:r>
+            <a:endParaRPr kumimoji="0" lang="zh-CN" altLang="zh-CN" sz="1800" b="0" i="0" u="none" strike="noStrike" cap="none" normalizeH="0" baseline="0" smtClean="0">
+              <a:ln>
+                <a:noFill/>
+              </a:ln>
+              <a:solidFill>
+                <a:schemeClr val="tx1"/>
+              </a:solidFill>
+              <a:effectLst/>
+              <a:latin typeface="Arial" panose="020B0604020202020204" pitchFamily="34" charset="0"/>
+            </a:endParaRPr>
+          </a:p>
+        </p:txBody>
+      </p:sp>
     </p:spTree>
-    <p:extLst>
-      <p:ext uri="{BB962C8B-B14F-4D97-AF65-F5344CB8AC3E}">
-        <p14:creationId xmlns:p14="http://schemas.microsoft.com/office/powerpoint/2010/main" val="3384948909"/>
-      </p:ext>
-    </p:extLst>
   </p:cSld>
   <p:clrMapOvr>
     <a:masterClrMapping/>
@@ -5540,20 +6036,8 @@
           <a:lstStyle/>
           <a:p>
             <a:r>
-              <a:rPr lang="en-US" altLang="zh-CN" dirty="0" smtClean="0"/>
-              <a:t>Controller</a:t>
-            </a:r>
-            <a:r>
-              <a:rPr lang="zh-CN" altLang="en-US" dirty="0" smtClean="0"/>
-              <a:t>的</a:t>
-            </a:r>
-            <a:r>
-              <a:rPr lang="en-US" altLang="zh-CN" dirty="0" smtClean="0"/>
-              <a:t>Invoke </a:t>
-            </a:r>
-            <a:r>
-              <a:rPr lang="en-US" altLang="zh-CN" dirty="0" err="1" smtClean="0"/>
-              <a:t>BeginInvoke</a:t>
+              <a:rPr lang="en-US" altLang="zh-CN" dirty="0"/>
+              <a:t>Asynchronous Programming Model APM</a:t>
             </a:r>
             <a:endParaRPr lang="zh-CN" altLang="en-US" dirty="0"/>
           </a:p>
@@ -5561,7 +6045,7 @@
       </p:sp>
       <p:sp>
         <p:nvSpPr>
-          <p:cNvPr id="5" name="内容占位符 4"/>
+          <p:cNvPr id="3" name="内容占位符 2"/>
           <p:cNvSpPr>
             <a:spLocks noGrp="1"/>
           </p:cNvSpPr>
@@ -5574,83 +6058,105 @@
           <a:bodyPr/>
           <a:lstStyle/>
           <a:p>
-            <a:pPr marL="0" indent="0">
-              <a:buNone/>
-            </a:pPr>
-            <a:r>
-              <a:rPr lang="en-US" altLang="zh-CN" dirty="0" smtClean="0"/>
-              <a:t>Windows</a:t>
-            </a:r>
-            <a:r>
-              <a:rPr lang="zh-CN" altLang="en-US" dirty="0" smtClean="0"/>
-              <a:t>程序有个消息队列，窗体上的所有消息是这个队列里面消息的最主要来源。这里的</a:t>
-            </a:r>
-            <a:r>
-              <a:rPr lang="en-US" altLang="zh-CN" dirty="0" smtClean="0"/>
-              <a:t>while</a:t>
-            </a:r>
-            <a:r>
-              <a:rPr lang="zh-CN" altLang="en-US" dirty="0" smtClean="0"/>
-              <a:t>循环使用了</a:t>
-            </a:r>
-            <a:r>
-              <a:rPr lang="en-US" altLang="zh-CN" dirty="0" err="1" smtClean="0"/>
-              <a:t>GetMessage</a:t>
-            </a:r>
-            <a:r>
-              <a:rPr lang="zh-CN" altLang="en-US" dirty="0" smtClean="0"/>
-              <a:t>（）这个方法，这是个阻塞方法，也就是队列为空时方法就会被阻塞，从而这个</a:t>
-            </a:r>
-            <a:r>
-              <a:rPr lang="en-US" altLang="zh-CN" dirty="0" smtClean="0"/>
-              <a:t>while</a:t>
-            </a:r>
-            <a:r>
-              <a:rPr lang="zh-CN" altLang="en-US" dirty="0" smtClean="0"/>
-              <a:t>循环停止运动，这避免了一个程序把</a:t>
-            </a:r>
-            <a:r>
-              <a:rPr lang="en-US" altLang="zh-CN" dirty="0" err="1" smtClean="0"/>
-              <a:t>cpu</a:t>
-            </a:r>
-            <a:r>
-              <a:rPr lang="zh-CN" altLang="en-US" dirty="0" smtClean="0"/>
-              <a:t>无缘无故地耗尽，让其它程序难以得到响应。防止</a:t>
-            </a:r>
-            <a:r>
-              <a:rPr lang="en-US" altLang="zh-CN" dirty="0" smtClean="0"/>
-              <a:t>windows</a:t>
-            </a:r>
-            <a:r>
-              <a:rPr lang="zh-CN" altLang="en-US" dirty="0" smtClean="0"/>
-              <a:t>被阻塞可以通过</a:t>
-            </a:r>
-            <a:r>
-              <a:rPr lang="en-US" altLang="zh-CN" dirty="0" smtClean="0"/>
-              <a:t> </a:t>
-            </a:r>
+            <a:r>
+              <a:rPr lang="en-US" altLang="zh-CN" dirty="0"/>
+              <a:t>– </a:t>
+            </a:r>
+            <a:r>
+              <a:rPr lang="zh-CN" altLang="en-US" dirty="0"/>
+              <a:t>异步编程模型</a:t>
+            </a:r>
+            <a:r>
+              <a:rPr lang="en-US" altLang="zh-CN" dirty="0"/>
+              <a:t>(Asynchronous Programming Model APM) </a:t>
+            </a:r>
+            <a:endParaRPr lang="en-US" altLang="zh-CN" dirty="0"/>
+          </a:p>
+          <a:p>
             <a:r>
               <a:rPr lang="en-US" altLang="zh-CN" dirty="0" err="1"/>
-              <a:t>PeekMessage</a:t>
+              <a:t>.Net</a:t>
             </a:r>
             <a:r>
               <a:rPr lang="en-US" altLang="zh-CN" dirty="0"/>
-              <a:t> </a:t>
-            </a:r>
-            <a:r>
-              <a:rPr lang="zh-CN" altLang="en-US" dirty="0" smtClean="0"/>
-              <a:t>处理消息。</a:t>
-            </a:r>
+              <a:t> Framework 1 </a:t>
+            </a:r>
+            <a:r>
+              <a:rPr lang="zh-CN" altLang="en-US" dirty="0"/>
+              <a:t>已经引入了这个模式，也称</a:t>
+            </a:r>
+            <a:r>
+              <a:rPr lang="en-US" altLang="zh-CN" dirty="0"/>
+              <a:t>Begin/End </a:t>
+            </a:r>
+            <a:r>
+              <a:rPr lang="zh-CN" altLang="en-US" dirty="0"/>
+              <a:t>模式。一个 以</a:t>
+            </a:r>
+            <a:r>
+              <a:rPr lang="en-US" altLang="zh-CN" dirty="0"/>
+              <a:t>Begin</a:t>
+            </a:r>
+            <a:r>
+              <a:rPr lang="zh-CN" altLang="en-US" dirty="0"/>
+              <a:t>为前缀 的方法加载异步执行，并返回一个</a:t>
+            </a:r>
+            <a:r>
+              <a:rPr lang="en-US" altLang="zh-CN" dirty="0" err="1"/>
+              <a:t>System.IAsyncResult</a:t>
+            </a:r>
+            <a:r>
+              <a:rPr lang="zh-CN" altLang="en-US" dirty="0"/>
+              <a:t>对象，这个对象表示这个异步操作的状态。</a:t>
+            </a:r>
+            <a:r>
+              <a:rPr lang="en-US" altLang="zh-CN" dirty="0"/>
+              <a:t>Begin</a:t>
+            </a:r>
+            <a:r>
+              <a:rPr lang="zh-CN" altLang="en-US" dirty="0"/>
+              <a:t>方法可以接受一些与异步操作相关的参数，和一个</a:t>
+            </a:r>
+            <a:r>
+              <a:rPr lang="en-US" altLang="zh-CN" dirty="0" err="1"/>
+              <a:t>System.AsyncCallback</a:t>
+            </a:r>
+            <a:r>
+              <a:rPr lang="zh-CN" altLang="en-US" dirty="0"/>
+              <a:t>对象。这个对象表示异步操作结束时要调用的方法。然后可以调用以</a:t>
+            </a:r>
+            <a:r>
+              <a:rPr lang="en-US" altLang="zh-CN" dirty="0"/>
+              <a:t>End</a:t>
+            </a:r>
+            <a:r>
+              <a:rPr lang="zh-CN" altLang="en-US" dirty="0"/>
+              <a:t>为前缀的方法，以</a:t>
+            </a:r>
+            <a:r>
+              <a:rPr lang="en-US" altLang="zh-CN" dirty="0"/>
+              <a:t>End</a:t>
+            </a:r>
+            <a:r>
+              <a:rPr lang="zh-CN" altLang="en-US" dirty="0"/>
+              <a:t>为前缀的方法会阻塞当前任务或线程，直到</a:t>
+            </a:r>
+            <a:r>
+              <a:rPr lang="en-US" altLang="zh-CN" dirty="0"/>
+              <a:t>I/O</a:t>
+            </a:r>
+            <a:r>
+              <a:rPr lang="zh-CN" altLang="en-US" dirty="0"/>
+              <a:t>线程完成。它还可以返回操作结果相关的信息。</a:t>
+            </a:r>
+            <a:endParaRPr lang="zh-CN" altLang="en-US" dirty="0"/>
+          </a:p>
+          <a:p>
             <a:endParaRPr lang="zh-CN" altLang="en-US" dirty="0"/>
           </a:p>
         </p:txBody>
       </p:sp>
     </p:spTree>
-    <p:extLst>
-      <p:ext uri="{BB962C8B-B14F-4D97-AF65-F5344CB8AC3E}">
-        <p14:creationId xmlns:p14="http://schemas.microsoft.com/office/powerpoint/2010/main" val="807372909"/>
-      </p:ext>
-    </p:extLst>
   </p:cSld>
   <p:clrMapOvr>
     <a:masterClrMapping/>
@@ -5691,12 +6197,8 @@
           <a:lstStyle/>
           <a:p>
             <a:r>
-              <a:rPr lang="en-US" altLang="zh-CN" dirty="0" smtClean="0"/>
-              <a:t>Controller</a:t>
-            </a:r>
-            <a:r>
-              <a:rPr lang="zh-CN" altLang="en-US" dirty="0" smtClean="0"/>
-              <a:t>的</a:t>
+              <a:rPr lang="zh-CN" altLang="en-US" dirty="0" smtClean="0"/>
+              <a:t>基于委托的</a:t>
             </a:r>
             <a:r>
               <a:rPr lang="en-US" altLang="zh-CN" dirty="0" smtClean="0"/>
@@ -5712,7 +6214,7 @@
       </p:sp>
       <p:sp>
         <p:nvSpPr>
-          <p:cNvPr id="5" name="内容占位符 4"/>
+          <p:cNvPr id="4" name="内容占位符 3"/>
           <p:cNvSpPr>
             <a:spLocks noGrp="1"/>
           </p:cNvSpPr>
@@ -5726,40 +6228,98 @@
           <a:lstStyle/>
           <a:p>
             <a:r>
+              <a:rPr lang="en-US" altLang="zh-CN" dirty="0" smtClean="0"/>
+              <a:t>CLR</a:t>
+            </a:r>
+            <a:r>
+              <a:rPr lang="zh-CN" altLang="en-US" dirty="0"/>
+              <a:t>为每一个委托类型提供了一个</a:t>
+            </a:r>
+            <a:r>
               <a:rPr lang="en-US" altLang="zh-CN" dirty="0"/>
-              <a:t>Windows</a:t>
-            </a:r>
-            <a:r>
-              <a:rPr lang="zh-CN" altLang="en-US" dirty="0"/>
-              <a:t>提供了一些</a:t>
+              <a:t>Invoke</a:t>
+            </a:r>
+            <a:r>
+              <a:rPr lang="zh-CN" altLang="en-US" dirty="0"/>
+              <a:t>方法，并且该方法和</a:t>
+            </a:r>
+            <a:r>
+              <a:rPr lang="en-US" altLang="zh-CN" dirty="0"/>
+              <a:t>delegate</a:t>
+            </a:r>
+            <a:r>
+              <a:rPr lang="zh-CN" altLang="en-US" dirty="0"/>
+              <a:t>拥有相同的</a:t>
+            </a:r>
+            <a:r>
+              <a:rPr lang="zh-CN" altLang="en-US" dirty="0" smtClean="0"/>
+              <a:t>签名</a:t>
+            </a:r>
+            <a:endParaRPr lang="en-US" altLang="zh-CN" dirty="0" smtClean="0"/>
+          </a:p>
+          <a:p>
+            <a:r>
+              <a:rPr lang="en-US" altLang="zh-CN" dirty="0" smtClean="0"/>
+              <a:t>CLR</a:t>
+            </a:r>
+            <a:r>
+              <a:rPr lang="zh-CN" altLang="en-US" dirty="0"/>
+              <a:t>为每一个委托类型提供了</a:t>
             </a:r>
             <a:r>
               <a:rPr lang="en-US" altLang="zh-CN" dirty="0" err="1"/>
-              <a:t>api</a:t>
-            </a:r>
-            <a:r>
-              <a:rPr lang="zh-CN" altLang="en-US" dirty="0"/>
-              <a:t>用来向一个线程的消息队列发送消息。因此，一个线程可以向另一个线程的消息队列发送消息从而告诉对方做什么，这样就完成了线程间的通信。有些</a:t>
+              <a:t>BeginInvoke</a:t>
+            </a:r>
+            <a:r>
+              <a:rPr lang="zh-CN" altLang="en-US" dirty="0"/>
+              <a:t>和</a:t>
             </a:r>
             <a:r>
               <a:rPr lang="en-US" altLang="zh-CN" dirty="0" err="1"/>
-              <a:t>api</a:t>
-            </a:r>
-            <a:r>
-              <a:rPr lang="zh-CN" altLang="en-US" dirty="0"/>
-              <a:t>发送消息需要一个窗口句柄，</a:t>
-            </a:r>
-            <a:r>
-              <a:rPr lang="en-US" altLang="zh-CN" dirty="0"/>
-              <a:t>b31.org </a:t>
-            </a:r>
-            <a:r>
-              <a:rPr lang="zh-CN" altLang="en-US" dirty="0"/>
-              <a:t>这种函数可以把消息发送到指定窗口的主线程消息队列；而有些则可以直接通过线程句柄，把消息发送到该线程消息队列中。</a:t>
+              <a:t>EndInvoke</a:t>
+            </a:r>
+            <a:r>
+              <a:rPr lang="zh-CN" altLang="en-US" dirty="0"/>
+              <a:t>方法，来确保委托的异步</a:t>
+            </a:r>
+            <a:r>
+              <a:rPr lang="zh-CN" altLang="en-US" dirty="0" smtClean="0"/>
+              <a:t>调用</a:t>
             </a:r>
             <a:endParaRPr lang="en-US" altLang="zh-CN" dirty="0" smtClean="0"/>
           </a:p>
           <a:p>
+            <a:endParaRPr lang="en-US" altLang="zh-CN" dirty="0"/>
+          </a:p>
+          <a:p>
+            <a:r>
+              <a:rPr lang="zh-CN" altLang="en-US" dirty="0"/>
+              <a:t>通过一个委托来进行同步方法的异步调用，也是</a:t>
+            </a:r>
+            <a:r>
+              <a:rPr lang="en-US" altLang="zh-CN" dirty="0" err="1"/>
+              <a:t>.net</a:t>
+            </a:r>
+            <a:r>
+              <a:rPr lang="zh-CN" altLang="en-US" dirty="0"/>
+              <a:t>提供的异步调用机制之一。但是</a:t>
+            </a:r>
+            <a:r>
+              <a:rPr lang="en-US" altLang="zh-CN" dirty="0" err="1"/>
+              <a:t>Delegate.BeginInvoke</a:t>
+            </a:r>
+            <a:r>
+              <a:rPr lang="zh-CN" altLang="en-US" dirty="0"/>
+              <a:t>方法是从</a:t>
+            </a:r>
+            <a:r>
+              <a:rPr lang="en-US" altLang="zh-CN" dirty="0" err="1"/>
+              <a:t>ThreadPool</a:t>
+            </a:r>
+            <a:r>
+              <a:rPr lang="zh-CN" altLang="en-US" dirty="0"/>
+              <a:t>取出一个线程来执行这个方法，以获得异步执行效果的。也就是说，如果采用这种方式提交多个异步委托，那么这些调用的顺序无法得到保证。而且由于是使用线程池里面的线程来完成任务，使用频繁，会对系统的性能造成影响。</a:t>
+            </a:r>
             <a:endParaRPr lang="en-US" altLang="zh-CN" dirty="0" smtClean="0"/>
           </a:p>
           <a:p>
@@ -5767,53 +6327,7 @@
           </a:p>
         </p:txBody>
       </p:sp>
-      <p:pic>
-        <p:nvPicPr>
-          <p:cNvPr id="2050" name="Picture 2" descr="https://images2015.cnblogs.com/blog/1081714/201612/1081714-20161222141322182-1918604562.png"/>
-          <p:cNvPicPr>
-            <a:picLocks noChangeAspect="1" noChangeArrowheads="1"/>
-          </p:cNvPicPr>
-          <p:nvPr/>
-        </p:nvPicPr>
-        <p:blipFill>
-          <a:blip r:embed="rId2">
-            <a:extLst>
-              <a:ext uri="{28A0092B-C50C-407E-A947-70E740481C1C}">
-                <a14:useLocalDpi xmlns:a14="http://schemas.microsoft.com/office/drawing/2010/main" val="0"/>
-              </a:ext>
-            </a:extLst>
-          </a:blip>
-          <a:srcRect/>
-          <a:stretch>
-            <a:fillRect/>
-          </a:stretch>
-        </p:blipFill>
-        <p:spPr bwMode="auto">
-          <a:xfrm>
-            <a:off x="899592" y="3457484"/>
-            <a:ext cx="5953125" cy="2771776"/>
-          </a:xfrm>
-          <a:prstGeom prst="rect">
-            <a:avLst/>
-          </a:prstGeom>
-          <a:noFill/>
-          <a:extLst>
-            <a:ext uri="{909E8E84-426E-40DD-AFC4-6F175D3DCCD1}">
-              <a14:hiddenFill xmlns:a14="http://schemas.microsoft.com/office/drawing/2010/main">
-                <a:solidFill>
-                  <a:srgbClr val="FFFFFF"/>
-                </a:solidFill>
-              </a14:hiddenFill>
-            </a:ext>
-          </a:extLst>
-        </p:spPr>
-      </p:pic>
     </p:spTree>
-    <p:extLst>
-      <p:ext uri="{BB962C8B-B14F-4D97-AF65-F5344CB8AC3E}">
-        <p14:creationId xmlns:p14="http://schemas.microsoft.com/office/powerpoint/2010/main" val="3348847287"/>
-      </p:ext>
-    </p:extLst>
   </p:cSld>
   <p:clrMapOvr>
     <a:masterClrMapping/>
@@ -5889,45 +6403,20 @@
           <a:lstStyle/>
           <a:p>
             <a:r>
-              <a:rPr lang="zh-CN" altLang="en-US" dirty="0" smtClean="0"/>
-              <a:t>实现</a:t>
-            </a:r>
-            <a:r>
-              <a:rPr lang="en-US" altLang="zh-CN" dirty="0" smtClean="0"/>
-              <a:t>controller</a:t>
-            </a:r>
-            <a:r>
-              <a:rPr lang="zh-CN" altLang="en-US" dirty="0" smtClean="0"/>
-              <a:t>同步异步的关键类：</a:t>
-            </a:r>
-            <a:endParaRPr lang="en-US" altLang="zh-CN" dirty="0" smtClean="0"/>
-          </a:p>
-          <a:p>
-            <a:r>
-              <a:rPr lang="en-US" altLang="zh-CN" dirty="0" err="1"/>
-              <a:t>FindMarshalingControl</a:t>
-            </a:r>
-            <a:r>
-              <a:rPr lang="zh-CN" altLang="en-US" dirty="0"/>
-              <a:t>方法通过一个循环向上回溯，从当前控件开始回溯父控件，直到找到最顶级的父控件，用它作为封送对象</a:t>
-            </a:r>
-            <a:r>
-              <a:rPr lang="zh-CN" altLang="en-US" dirty="0" smtClean="0"/>
-              <a:t>。</a:t>
-            </a:r>
-            <a:endParaRPr lang="en-US" altLang="zh-CN" dirty="0" smtClean="0"/>
-          </a:p>
-          <a:p>
-            <a:r>
-              <a:rPr lang="en-US" altLang="zh-CN" b="1" dirty="0" err="1"/>
-              <a:t>MarshaledInvoke</a:t>
-            </a:r>
-            <a:endParaRPr lang="en-US" altLang="zh-CN" b="1" dirty="0"/>
-          </a:p>
-          <a:p>
-            <a:r>
-              <a:rPr lang="zh-CN" altLang="en-US" dirty="0"/>
-              <a:t>通过</a:t>
+              <a:rPr lang="en-US" altLang="zh-CN" dirty="0"/>
+              <a:t>Windows GUI</a:t>
+            </a:r>
+            <a:r>
+              <a:rPr lang="zh-CN" altLang="en-US" dirty="0"/>
+              <a:t>程序是基于消息机制的，有个主线程维护着一个消息</a:t>
+            </a:r>
+            <a:r>
+              <a:rPr lang="zh-CN" altLang="en-US" dirty="0" smtClean="0"/>
+              <a:t>泵。这个</a:t>
+            </a:r>
+            <a:r>
+              <a:rPr lang="zh-CN" altLang="en-US" dirty="0"/>
+              <a:t>消息泵让</a:t>
             </a:r>
             <a:r>
               <a:rPr lang="en-US" altLang="zh-CN" dirty="0"/>
@@ -5935,7 +6424,7 @@
             </a:r>
             <a:r>
               <a:rPr lang="zh-CN" altLang="en-US" dirty="0"/>
-              <a:t>消息机制实现了封送。而需要封送的委托方法作为消息的参数进行了传递</a:t>
+              <a:t>程序生生不息</a:t>
             </a:r>
             <a:r>
               <a:rPr lang="zh-CN" altLang="en-US" dirty="0" smtClean="0"/>
@@ -5944,56 +6433,41 @@
             <a:endParaRPr lang="en-US" altLang="zh-CN" dirty="0" smtClean="0"/>
           </a:p>
           <a:p>
-            <a:r>
-              <a:rPr lang="en-US" altLang="zh-CN" dirty="0" err="1"/>
-              <a:t>UnsafeNativeMethods.PostMessage</a:t>
-            </a:r>
-            <a:r>
-              <a:rPr lang="en-US" altLang="zh-CN" dirty="0"/>
-              <a:t>(new </a:t>
-            </a:r>
-            <a:r>
-              <a:rPr lang="en-US" altLang="zh-CN" dirty="0" err="1"/>
-              <a:t>HandleRef</a:t>
-            </a:r>
-            <a:r>
-              <a:rPr lang="en-US" altLang="zh-CN" dirty="0"/>
-              <a:t>(this, Handle), </a:t>
-            </a:r>
-            <a:r>
-              <a:rPr lang="en-US" altLang="zh-CN" dirty="0" err="1"/>
-              <a:t>threadCallbackMessage</a:t>
-            </a:r>
-            <a:r>
-              <a:rPr lang="en-US" altLang="zh-CN" dirty="0"/>
-              <a:t>, </a:t>
-            </a:r>
-            <a:r>
-              <a:rPr lang="en-US" altLang="zh-CN" dirty="0" err="1"/>
-              <a:t>IntPtr.Zero</a:t>
-            </a:r>
-            <a:r>
-              <a:rPr lang="en-US" altLang="zh-CN" dirty="0"/>
-              <a:t>, </a:t>
-            </a:r>
-            <a:r>
-              <a:rPr lang="en-US" altLang="zh-CN" dirty="0" err="1"/>
-              <a:t>IntPtr.Zero</a:t>
-            </a:r>
-            <a:r>
-              <a:rPr lang="en-US" altLang="zh-CN" dirty="0"/>
-              <a:t>);</a:t>
-            </a:r>
+            <a:endParaRPr lang="en-US" altLang="zh-CN" dirty="0" smtClean="0"/>
+          </a:p>
+          <a:p>
+            <a:endParaRPr lang="en-US" altLang="zh-CN" dirty="0" smtClean="0"/>
+          </a:p>
+          <a:p>
             <a:endParaRPr lang="zh-CN" altLang="en-US" dirty="0"/>
           </a:p>
         </p:txBody>
       </p:sp>
+      <p:pic>
+        <p:nvPicPr>
+          <p:cNvPr id="6" name="图片 5"/>
+          <p:cNvPicPr>
+            <a:picLocks noChangeAspect="1"/>
+          </p:cNvPicPr>
+          <p:nvPr/>
+        </p:nvPicPr>
+        <p:blipFill>
+          <a:blip r:embed="rId1"/>
+          <a:stretch>
+            <a:fillRect/>
+          </a:stretch>
+        </p:blipFill>
+        <p:spPr>
+          <a:xfrm>
+            <a:off x="827584" y="2204864"/>
+            <a:ext cx="5229225" cy="3562350"/>
+          </a:xfrm>
+          <a:prstGeom prst="rect">
+            <a:avLst/>
+          </a:prstGeom>
+        </p:spPr>
+      </p:pic>
     </p:spTree>
-    <p:extLst>
-      <p:ext uri="{BB962C8B-B14F-4D97-AF65-F5344CB8AC3E}">
-        <p14:creationId xmlns:p14="http://schemas.microsoft.com/office/powerpoint/2010/main" val="207883104"/>
-      </p:ext>
-    </p:extLst>
   </p:cSld>
   <p:clrMapOvr>
     <a:masterClrMapping/>
@@ -6035,11 +6509,19 @@
           <a:p>
             <a:r>
               <a:rPr lang="en-US" altLang="zh-CN" dirty="0" smtClean="0"/>
-              <a:t>Framework </a:t>
-            </a:r>
-            <a:r>
-              <a:rPr lang="zh-CN" altLang="en-US" dirty="0" smtClean="0"/>
-              <a:t>其他的异步实现</a:t>
+              <a:t>Controller</a:t>
+            </a:r>
+            <a:r>
+              <a:rPr lang="zh-CN" altLang="en-US" dirty="0" smtClean="0"/>
+              <a:t>的</a:t>
+            </a:r>
+            <a:r>
+              <a:rPr lang="en-US" altLang="zh-CN" dirty="0" smtClean="0"/>
+              <a:t>Invoke </a:t>
+            </a:r>
+            <a:r>
+              <a:rPr lang="en-US" altLang="zh-CN" dirty="0" err="1" smtClean="0"/>
+              <a:t>BeginInvoke</a:t>
             </a:r>
             <a:endParaRPr lang="zh-CN" altLang="en-US" dirty="0"/>
           </a:p>
@@ -6060,26 +6542,78 @@
           <a:bodyPr/>
           <a:lstStyle/>
           <a:p>
+            <a:pPr marL="0" indent="0">
+              <a:buNone/>
+            </a:pPr>
+            <a:r>
+              <a:rPr lang="en-US" altLang="zh-CN" dirty="0" smtClean="0"/>
+              <a:t>Windows</a:t>
+            </a:r>
+            <a:r>
+              <a:rPr lang="zh-CN" altLang="en-US" dirty="0" smtClean="0"/>
+              <a:t>程序有个消息队列，窗体上的所有消息是这个队列里面消息的最主要来源。这里的</a:t>
+            </a:r>
+            <a:r>
+              <a:rPr lang="en-US" altLang="zh-CN" dirty="0" smtClean="0"/>
+              <a:t>while</a:t>
+            </a:r>
+            <a:r>
+              <a:rPr lang="zh-CN" altLang="en-US" dirty="0" smtClean="0"/>
+              <a:t>循环使用了</a:t>
+            </a:r>
             <a:r>
               <a:rPr lang="en-US" altLang="zh-CN" dirty="0" err="1" smtClean="0"/>
-              <a:t>ISynchronizeInvoke</a:t>
-            </a:r>
-            <a:endParaRPr lang="en-US" altLang="zh-CN" dirty="0" smtClean="0"/>
-          </a:p>
-          <a:p>
-            <a:endParaRPr lang="en-US" altLang="zh-CN" dirty="0" smtClean="0"/>
-          </a:p>
-          <a:p>
+              <a:t>GetMessage</a:t>
+            </a:r>
+            <a:r>
+              <a:rPr lang="zh-CN" altLang="en-US" dirty="0" smtClean="0"/>
+              <a:t>（）这个方法，这是个阻塞方法，也就是队列为空时方法就会被阻塞，从而这个</a:t>
+            </a:r>
+            <a:r>
+              <a:rPr lang="en-US" altLang="zh-CN" dirty="0" smtClean="0"/>
+              <a:t>while</a:t>
+            </a:r>
+            <a:r>
+              <a:rPr lang="zh-CN" altLang="en-US" dirty="0" smtClean="0"/>
+              <a:t>循环停止运动，这避免了一个程序把</a:t>
+            </a:r>
+            <a:r>
+              <a:rPr lang="en-US" altLang="zh-CN" dirty="0" err="1" smtClean="0"/>
+              <a:t>cpu</a:t>
+            </a:r>
+            <a:r>
+              <a:rPr lang="zh-CN" altLang="en-US" dirty="0" smtClean="0"/>
+              <a:t>无缘无故地耗尽，让其它程序难以得到响应。防止</a:t>
+            </a:r>
+            <a:r>
+              <a:rPr lang="en-US" altLang="zh-CN" dirty="0" smtClean="0"/>
+              <a:t>windows</a:t>
+            </a:r>
+            <a:r>
+              <a:rPr lang="zh-CN" altLang="en-US" dirty="0" smtClean="0"/>
+              <a:t>被阻塞可以通过</a:t>
+            </a:r>
+            <a:r>
+              <a:rPr lang="en-US" altLang="zh-CN" dirty="0" smtClean="0"/>
+              <a:t> </a:t>
+            </a:r>
+            <a:r>
+              <a:rPr lang="en-US" altLang="zh-CN" dirty="0" err="1"/>
+              <a:t>PeekMessage</a:t>
+            </a:r>
+            <a:r>
+              <a:rPr lang="en-US" altLang="zh-CN" dirty="0"/>
+              <a:t> </a:t>
+            </a:r>
+            <a:r>
+              <a:rPr lang="zh-CN" altLang="en-US" dirty="0" smtClean="0"/>
+              <a:t>处理消息。</a:t>
+            </a:r>
             <a:endParaRPr lang="zh-CN" altLang="en-US" dirty="0"/>
           </a:p>
         </p:txBody>
       </p:sp>
     </p:spTree>
-    <p:extLst>
-      <p:ext uri="{BB962C8B-B14F-4D97-AF65-F5344CB8AC3E}">
-        <p14:creationId xmlns:p14="http://schemas.microsoft.com/office/powerpoint/2010/main" val="1230372374"/>
-      </p:ext>
-    </p:extLst>
   </p:cSld>
   <p:clrMapOvr>
     <a:masterClrMapping/>
@@ -6106,13 +6640,7 @@
       </p:grpSpPr>
       <p:sp>
         <p:nvSpPr>
-          <p:cNvPr id="2" name="标题 1">
-            <a:extLst>
-              <a:ext uri="{FF2B5EF4-FFF2-40B4-BE49-F238E27FC236}">
-                <a16:creationId xmlns:a16="http://schemas.microsoft.com/office/drawing/2014/main" xmlns="" id="{508C5496-4B94-4E74-B852-01660F8B2C58}"/>
-              </a:ext>
-            </a:extLst>
-          </p:cNvPr>
+          <p:cNvPr id="2" name="标题 1"/>
           <p:cNvSpPr>
             <a:spLocks noGrp="1"/>
           </p:cNvSpPr>
@@ -6126,12 +6654,20 @@
           <a:lstStyle/>
           <a:p>
             <a:r>
-              <a:rPr lang="zh-CN" altLang="en-US" dirty="0"/>
-              <a:t>基于事件的异步编程模式</a:t>
-            </a:r>
-            <a:r>
-              <a:rPr lang="en-US" altLang="zh-CN" dirty="0"/>
-              <a:t>(Event-Based Asynchronous Pattern EAP) </a:t>
+              <a:rPr lang="en-US" altLang="zh-CN" dirty="0" smtClean="0"/>
+              <a:t>Controller</a:t>
+            </a:r>
+            <a:r>
+              <a:rPr lang="zh-CN" altLang="en-US" dirty="0" smtClean="0"/>
+              <a:t>的</a:t>
+            </a:r>
+            <a:r>
+              <a:rPr lang="en-US" altLang="zh-CN" dirty="0" smtClean="0"/>
+              <a:t>Invoke </a:t>
+            </a:r>
+            <a:r>
+              <a:rPr lang="en-US" altLang="zh-CN" dirty="0" err="1" smtClean="0"/>
+              <a:t>BeginInvoke</a:t>
             </a:r>
             <a:endParaRPr lang="zh-CN" altLang="en-US" dirty="0"/>
           </a:p>
@@ -6139,13 +6675,7 @@
       </p:sp>
       <p:sp>
         <p:nvSpPr>
-          <p:cNvPr id="3" name="内容占位符 2">
-            <a:extLst>
-              <a:ext uri="{FF2B5EF4-FFF2-40B4-BE49-F238E27FC236}">
-                <a16:creationId xmlns:a16="http://schemas.microsoft.com/office/drawing/2014/main" xmlns="" id="{58AF2E9D-F75B-4B1B-B93B-4C9C7AB0286D}"/>
-              </a:ext>
-            </a:extLst>
-          </p:cNvPr>
+          <p:cNvPr id="5" name="内容占位符 4"/>
           <p:cNvSpPr>
             <a:spLocks noGrp="1"/>
           </p:cNvSpPr>
@@ -6160,117 +6690,88 @@
           <a:p>
             <a:r>
               <a:rPr lang="en-US" altLang="zh-CN" dirty="0"/>
-              <a:t>– </a:t>
-            </a:r>
-            <a:r>
-              <a:rPr lang="en-US" altLang="zh-CN" dirty="0" smtClean="0"/>
-              <a:t>EAP</a:t>
-            </a:r>
-            <a:endParaRPr lang="en-US" altLang="zh-CN" dirty="0"/>
-          </a:p>
-          <a:p>
+              <a:t>Windows</a:t>
+            </a:r>
+            <a:r>
+              <a:rPr lang="zh-CN" altLang="en-US" dirty="0"/>
+              <a:t>提供了一些</a:t>
+            </a:r>
             <a:r>
               <a:rPr lang="en-US" altLang="zh-CN" dirty="0" err="1"/>
-              <a:t>.Net</a:t>
+              <a:t>api</a:t>
+            </a:r>
+            <a:r>
+              <a:rPr lang="zh-CN" altLang="en-US" dirty="0"/>
+              <a:t>用来向一个线程的消息队列发送消息。因此，一个线程可以向另一个线程的消息队列发送消息从而告诉对方做什么，这样就完成了线程间的通信。有些</a:t>
+            </a:r>
+            <a:r>
+              <a:rPr lang="en-US" altLang="zh-CN" dirty="0" err="1"/>
+              <a:t>api</a:t>
+            </a:r>
+            <a:r>
+              <a:rPr lang="zh-CN" altLang="en-US" dirty="0"/>
+              <a:t>发送消息需要一个窗口句柄，</a:t>
             </a:r>
             <a:r>
               <a:rPr lang="en-US" altLang="zh-CN" dirty="0"/>
-              <a:t> Framework 2 </a:t>
-            </a:r>
-            <a:r>
-              <a:rPr lang="zh-CN" altLang="en-US" dirty="0"/>
-              <a:t>为异步操作引入了这个模式。一个以</a:t>
-            </a:r>
-            <a:r>
-              <a:rPr lang="en-US" altLang="zh-CN" dirty="0" err="1"/>
-              <a:t>Async</a:t>
-            </a:r>
-            <a:r>
-              <a:rPr lang="zh-CN" altLang="en-US" dirty="0"/>
-              <a:t>为后缀的方法加载异步执行，当异步执行完成或取消时，异步操作会抛出一个事件，一个委托可以与这个事件绑定，并提供处理事件的回调函数</a:t>
-            </a:r>
-            <a:r>
-              <a:rPr lang="zh-CN" altLang="en-US" dirty="0" smtClean="0"/>
-              <a:t>。（多文件下载</a:t>
-            </a:r>
-            <a:r>
-              <a:rPr lang="en-US" altLang="zh-CN" dirty="0" smtClean="0"/>
-              <a:t>demo</a:t>
-            </a:r>
-            <a:r>
-              <a:rPr lang="zh-CN" altLang="en-US" dirty="0" smtClean="0"/>
-              <a:t>）</a:t>
+              <a:t>b31.org </a:t>
+            </a:r>
+            <a:r>
+              <a:rPr lang="zh-CN" altLang="en-US" dirty="0"/>
+              <a:t>这种函数可以把消息发送到指定窗口的主线程消息队列；而有些则可以直接通过线程句柄，把消息发送到该线程消息队列中。</a:t>
             </a:r>
             <a:endParaRPr lang="en-US" altLang="zh-CN" dirty="0" smtClean="0"/>
           </a:p>
           <a:p>
-            <a:pPr latinLnBrk="0"/>
-            <a:r>
-              <a:rPr lang="en-US" altLang="zh-CN" dirty="0"/>
-              <a:t>1</a:t>
-            </a:r>
-            <a:r>
-              <a:rPr lang="zh-CN" altLang="en-US" dirty="0"/>
-              <a:t>、要进行异步的方法其方法名应该以</a:t>
-            </a:r>
-            <a:r>
-              <a:rPr lang="en-US" altLang="zh-CN" dirty="0" err="1"/>
-              <a:t>XXXAsync</a:t>
-            </a:r>
-            <a:r>
-              <a:rPr lang="zh-CN" altLang="en-US" dirty="0"/>
-              <a:t>结尾</a:t>
-            </a:r>
-          </a:p>
-          <a:p>
-            <a:pPr latinLnBrk="0"/>
-            <a:r>
-              <a:rPr lang="en-US" altLang="zh-CN" dirty="0"/>
-              <a:t>2</a:t>
-            </a:r>
-            <a:r>
-              <a:rPr lang="zh-CN" altLang="en-US" dirty="0"/>
-              <a:t>、要有一个名为</a:t>
-            </a:r>
-            <a:r>
-              <a:rPr lang="en-US" altLang="zh-CN" dirty="0" err="1"/>
-              <a:t>XXXCompleted</a:t>
-            </a:r>
-            <a:r>
-              <a:rPr lang="zh-CN" altLang="en-US" dirty="0"/>
-              <a:t>的事件监听异步方法的完成</a:t>
-            </a:r>
-          </a:p>
-          <a:p>
-            <a:pPr latinLnBrk="0"/>
-            <a:r>
-              <a:rPr lang="en-US" altLang="zh-CN" dirty="0"/>
-              <a:t>3</a:t>
-            </a:r>
-            <a:r>
-              <a:rPr lang="zh-CN" altLang="en-US" dirty="0"/>
-              <a:t>、可增加一个</a:t>
-            </a:r>
-            <a:r>
-              <a:rPr lang="en-US" altLang="zh-CN" dirty="0" err="1"/>
-              <a:t>CancelAsync</a:t>
-            </a:r>
-            <a:r>
-              <a:rPr lang="zh-CN" altLang="en-US" dirty="0"/>
-              <a:t>方法用于取消正在执行的异步方法（可选）</a:t>
-            </a:r>
+            <a:endParaRPr lang="en-US" altLang="zh-CN" dirty="0" smtClean="0"/>
           </a:p>
           <a:p>
             <a:endParaRPr lang="zh-CN" altLang="en-US" dirty="0"/>
           </a:p>
         </p:txBody>
       </p:sp>
+      <p:pic>
+        <p:nvPicPr>
+          <p:cNvPr id="2050" name="Picture 2" descr="https://images2015.cnblogs.com/blog/1081714/201612/1081714-20161222141322182-1918604562.png"/>
+          <p:cNvPicPr>
+            <a:picLocks noChangeAspect="1" noChangeArrowheads="1"/>
+          </p:cNvPicPr>
+          <p:nvPr/>
+        </p:nvPicPr>
+        <p:blipFill>
+          <a:blip r:embed="rId1">
+            <a:extLst>
+              <a:ext uri="{28A0092B-C50C-407E-A947-70E740481C1C}">
+                <a14:useLocalDpi xmlns:a14="http://schemas.microsoft.com/office/drawing/2010/main" val="0"/>
+              </a:ext>
+            </a:extLst>
+          </a:blip>
+          <a:srcRect/>
+          <a:stretch>
+            <a:fillRect/>
+          </a:stretch>
+        </p:blipFill>
+        <p:spPr bwMode="auto">
+          <a:xfrm>
+            <a:off x="899592" y="3457484"/>
+            <a:ext cx="5953125" cy="2771776"/>
+          </a:xfrm>
+          <a:prstGeom prst="rect">
+            <a:avLst/>
+          </a:prstGeom>
+          <a:noFill/>
+          <a:extLst>
+            <a:ext uri="{909E8E84-426E-40DD-AFC4-6F175D3DCCD1}">
+              <a14:hiddenFill xmlns:a14="http://schemas.microsoft.com/office/drawing/2010/main">
+                <a:solidFill>
+                  <a:srgbClr val="FFFFFF"/>
+                </a:solidFill>
+              </a14:hiddenFill>
+            </a:ext>
+          </a:extLst>
+        </p:spPr>
+      </p:pic>
     </p:spTree>
-    <p:extLst>
-      <p:ext uri="{BB962C8B-B14F-4D97-AF65-F5344CB8AC3E}">
-        <p14:creationId xmlns:p14="http://schemas.microsoft.com/office/powerpoint/2010/main" val="2685003196"/>
-      </p:ext>
-    </p:extLst>
   </p:cSld>
   <p:clrMapOvr>
     <a:masterClrMapping/>
@@ -6311,16 +6812,21 @@
           <a:lstStyle/>
           <a:p>
             <a:r>
-              <a:rPr lang="en-US" altLang="zh-CN" b="1" dirty="0" err="1" smtClean="0"/>
-              <a:t>async</a:t>
-            </a:r>
-            <a:r>
-              <a:rPr lang="en-US" altLang="zh-CN" b="1" dirty="0" smtClean="0"/>
-              <a:t>/await</a:t>
-            </a:r>
-            <a:br>
-              <a:rPr lang="en-US" altLang="zh-CN" b="1" dirty="0" smtClean="0"/>
-            </a:br>
+              <a:rPr lang="en-US" altLang="zh-CN" dirty="0" smtClean="0"/>
+              <a:t>Controller</a:t>
+            </a:r>
+            <a:r>
+              <a:rPr lang="zh-CN" altLang="en-US" dirty="0" smtClean="0"/>
+              <a:t>的</a:t>
+            </a:r>
+            <a:r>
+              <a:rPr lang="en-US" altLang="zh-CN" dirty="0" smtClean="0"/>
+              <a:t>Invoke </a:t>
+            </a:r>
+            <a:r>
+              <a:rPr lang="en-US" altLang="zh-CN" dirty="0" err="1" smtClean="0"/>
+              <a:t>BeginInvoke</a:t>
+            </a:r>
             <a:endParaRPr lang="zh-CN" altLang="en-US" dirty="0"/>
           </a:p>
         </p:txBody>
@@ -6341,226 +6847,106 @@
           <a:lstStyle/>
           <a:p>
             <a:r>
+              <a:rPr lang="zh-CN" altLang="en-US" dirty="0" smtClean="0"/>
+              <a:t>实现</a:t>
+            </a:r>
+            <a:r>
               <a:rPr lang="en-US" altLang="zh-CN" dirty="0" smtClean="0"/>
-              <a:t>C#5.0</a:t>
-            </a:r>
-            <a:r>
-              <a:rPr lang="zh-CN" altLang="en-US" dirty="0" smtClean="0"/>
-              <a:t>出来的语法糖</a:t>
+              <a:t>controller</a:t>
+            </a:r>
+            <a:r>
+              <a:rPr lang="zh-CN" altLang="en-US" dirty="0" smtClean="0"/>
+              <a:t>同步异步的关键类：</a:t>
             </a:r>
             <a:endParaRPr lang="en-US" altLang="zh-CN" dirty="0" smtClean="0"/>
           </a:p>
           <a:p>
             <a:r>
-              <a:rPr lang="zh-CN" altLang="en-US" dirty="0" smtClean="0"/>
-              <a:t>它的好处是代码易读性高</a:t>
+              <a:rPr lang="en-US" altLang="zh-CN" dirty="0" err="1"/>
+              <a:t>FindMarshalingControl</a:t>
+            </a:r>
+            <a:r>
+              <a:rPr lang="zh-CN" altLang="en-US" dirty="0"/>
+              <a:t>方法通过一个循环向上回溯，从当前控件开始回溯父控件，直到找到最顶级的父控件，用它作为封送对象</a:t>
+            </a:r>
+            <a:r>
+              <a:rPr lang="zh-CN" altLang="en-US" dirty="0" smtClean="0"/>
+              <a:t>。</a:t>
             </a:r>
             <a:endParaRPr lang="en-US" altLang="zh-CN" dirty="0" smtClean="0"/>
           </a:p>
           <a:p>
             <a:r>
-              <a:rPr lang="zh-CN" altLang="en-US" dirty="0" smtClean="0"/>
-              <a:t>特别对于网站，网站的并发量是由</a:t>
-            </a:r>
-            <a:r>
-              <a:rPr lang="en-US" altLang="zh-CN" dirty="0" smtClean="0"/>
-              <a:t>IIS</a:t>
-            </a:r>
-            <a:r>
-              <a:rPr lang="zh-CN" altLang="en-US" dirty="0" smtClean="0"/>
-              <a:t>相应站点配置的应用池队列大小、最大工作进程数和最大并发连接数决定的</a:t>
+              <a:rPr lang="en-US" altLang="zh-CN" b="1" dirty="0" err="1"/>
+              <a:t>MarshaledInvoke</a:t>
+            </a:r>
+            <a:endParaRPr lang="en-US" altLang="zh-CN" b="1" dirty="0"/>
+          </a:p>
+          <a:p>
+            <a:r>
+              <a:rPr lang="zh-CN" altLang="en-US" dirty="0"/>
+              <a:t>通过</a:t>
+            </a:r>
+            <a:r>
+              <a:rPr lang="en-US" altLang="zh-CN" dirty="0"/>
+              <a:t>windows</a:t>
+            </a:r>
+            <a:r>
+              <a:rPr lang="zh-CN" altLang="en-US" dirty="0"/>
+              <a:t>消息机制实现了封送。而需要封送的委托方法作为消息的参数进行了传递</a:t>
+            </a:r>
+            <a:r>
+              <a:rPr lang="zh-CN" altLang="en-US" dirty="0" smtClean="0"/>
+              <a:t>。</a:t>
             </a:r>
             <a:endParaRPr lang="en-US" altLang="zh-CN" dirty="0" smtClean="0"/>
           </a:p>
           <a:p>
             <a:r>
-              <a:rPr lang="en-US" altLang="zh-CN" dirty="0" smtClean="0"/>
-              <a:t>IIS</a:t>
-            </a:r>
-            <a:r>
-              <a:rPr lang="zh-CN" altLang="en-US" dirty="0"/>
-              <a:t>最大并发连接数 </a:t>
+              <a:rPr lang="en-US" altLang="zh-CN" dirty="0" err="1"/>
+              <a:t>UnsafeNativeMethods.PostMessage</a:t>
             </a:r>
             <a:r>
               <a:rPr lang="en-US" altLang="zh-CN" dirty="0"/>
-              <a:t>= </a:t>
-            </a:r>
-            <a:r>
-              <a:rPr lang="zh-CN" altLang="en-US" dirty="0"/>
-              <a:t>队列长度 </a:t>
+              <a:t>(new </a:t>
+            </a:r>
+            <a:r>
+              <a:rPr lang="en-US" altLang="zh-CN" dirty="0" err="1"/>
+              <a:t>HandleRef</a:t>
             </a:r>
             <a:r>
               <a:rPr lang="en-US" altLang="zh-CN" dirty="0"/>
-              <a:t>+ IIS</a:t>
-            </a:r>
-            <a:r>
-              <a:rPr lang="zh-CN" altLang="en-US" dirty="0"/>
-              <a:t>最大并发</a:t>
-            </a:r>
-            <a:r>
-              <a:rPr lang="zh-CN" altLang="en-US" dirty="0" smtClean="0"/>
-              <a:t>工作线程数</a:t>
-            </a:r>
-            <a:endParaRPr lang="en-US" altLang="zh-CN" dirty="0"/>
-          </a:p>
-          <a:p>
+              <a:t>(this, Handle), </a:t>
+            </a:r>
+            <a:r>
+              <a:rPr lang="en-US" altLang="zh-CN" dirty="0" err="1"/>
+              <a:t>threadCallbackMessage</a:t>
+            </a:r>
             <a:r>
               <a:rPr lang="en-US" altLang="zh-CN" dirty="0"/>
-              <a:t>IIS</a:t>
-            </a:r>
-            <a:r>
-              <a:rPr lang="zh-CN" altLang="en-US" dirty="0"/>
-              <a:t>的默认值对我们网站并发处理能力的影响。</a:t>
+              <a:t>, </a:t>
+            </a:r>
+            <a:r>
+              <a:rPr lang="en-US" altLang="zh-CN" dirty="0" err="1"/>
+              <a:t>IntPtr.Zero</a:t>
             </a:r>
             <a:r>
               <a:rPr lang="en-US" altLang="zh-CN" dirty="0"/>
-              <a:t>IIS</a:t>
-            </a:r>
-            <a:r>
-              <a:rPr lang="zh-CN" altLang="en-US" dirty="0"/>
-              <a:t>默认的</a:t>
+              <a:t>, </a:t>
+            </a:r>
+            <a:r>
+              <a:rPr lang="en-US" altLang="zh-CN" dirty="0" err="1"/>
+              <a:t>IntPtr.Zero</a:t>
             </a:r>
             <a:r>
               <a:rPr lang="en-US" altLang="zh-CN" dirty="0"/>
-              <a:t>【</a:t>
-            </a:r>
-            <a:r>
-              <a:rPr lang="zh-CN" altLang="en-US" dirty="0"/>
-              <a:t>最大并发连接数</a:t>
-            </a:r>
-            <a:r>
-              <a:rPr lang="en-US" altLang="zh-CN" dirty="0"/>
-              <a:t>】</a:t>
-            </a:r>
-            <a:r>
-              <a:rPr lang="zh-CN" altLang="en-US" dirty="0"/>
-              <a:t>为</a:t>
-            </a:r>
-            <a:r>
-              <a:rPr lang="en-US" altLang="zh-CN" dirty="0"/>
-              <a:t>4294967295</a:t>
-            </a:r>
-            <a:r>
-              <a:rPr lang="zh-CN" altLang="en-US" dirty="0"/>
-              <a:t>（</a:t>
-            </a:r>
-            <a:r>
-              <a:rPr lang="en-US" altLang="zh-CN" dirty="0"/>
-              <a:t>42</a:t>
-            </a:r>
-            <a:r>
-              <a:rPr lang="zh-CN" altLang="en-US" dirty="0"/>
-              <a:t>亿多），而</a:t>
-            </a:r>
-            <a:r>
-              <a:rPr lang="en-US" altLang="zh-CN" dirty="0"/>
-              <a:t>【</a:t>
-            </a:r>
-            <a:r>
-              <a:rPr lang="zh-CN" altLang="en-US" dirty="0"/>
-              <a:t>队列长度</a:t>
-            </a:r>
-            <a:r>
-              <a:rPr lang="en-US" altLang="zh-CN" dirty="0"/>
-              <a:t>】</a:t>
-            </a:r>
-            <a:r>
-              <a:rPr lang="zh-CN" altLang="en-US" dirty="0"/>
-              <a:t>默认值为</a:t>
-            </a:r>
-            <a:r>
-              <a:rPr lang="en-US" altLang="zh-CN" dirty="0"/>
-              <a:t>1000</a:t>
-            </a:r>
-            <a:r>
-              <a:rPr lang="zh-CN" altLang="en-US" dirty="0"/>
-              <a:t>。对于</a:t>
-            </a:r>
-            <a:r>
-              <a:rPr lang="en-US" altLang="zh-CN" dirty="0"/>
-              <a:t>windows server</a:t>
-            </a:r>
-            <a:r>
-              <a:rPr lang="zh-CN" altLang="en-US" dirty="0"/>
-              <a:t>版本的</a:t>
-            </a:r>
-            <a:r>
-              <a:rPr lang="en-US" altLang="zh-CN" dirty="0"/>
-              <a:t>IIS</a:t>
-            </a:r>
-            <a:r>
-              <a:rPr lang="zh-CN" altLang="en-US" dirty="0"/>
-              <a:t>，最大并发工作线程数可能几百（猜测，可能没有限制），按照这个默认值，那么</a:t>
-            </a:r>
-            <a:r>
-              <a:rPr lang="en-US" altLang="zh-CN" dirty="0"/>
-              <a:t>IIS</a:t>
-            </a:r>
-            <a:r>
-              <a:rPr lang="zh-CN" altLang="en-US" dirty="0"/>
-              <a:t>同时处理的请求数也就</a:t>
-            </a:r>
-            <a:r>
-              <a:rPr lang="en-US" altLang="zh-CN" dirty="0"/>
-              <a:t>1000</a:t>
-            </a:r>
-            <a:r>
-              <a:rPr lang="zh-CN" altLang="en-US" dirty="0"/>
-              <a:t>多</a:t>
-            </a:r>
-            <a:r>
-              <a:rPr lang="zh-CN" altLang="en-US" dirty="0" smtClean="0"/>
-              <a:t>。</a:t>
-            </a:r>
-            <a:endParaRPr lang="en-US" altLang="zh-CN" dirty="0" smtClean="0"/>
-          </a:p>
-          <a:p>
-            <a:r>
-              <a:rPr lang="en-US" altLang="zh-CN" dirty="0" err="1" smtClean="0"/>
-              <a:t>Async</a:t>
-            </a:r>
-            <a:r>
-              <a:rPr lang="en-US" altLang="zh-CN" dirty="0" smtClean="0"/>
-              <a:t> await </a:t>
-            </a:r>
-            <a:r>
-              <a:rPr lang="zh-CN" altLang="en-US" dirty="0" smtClean="0"/>
-              <a:t>可以有效的释放当前的</a:t>
-            </a:r>
-            <a:r>
-              <a:rPr lang="en-US" altLang="zh-CN" dirty="0" smtClean="0"/>
-              <a:t>worker</a:t>
-            </a:r>
-            <a:r>
-              <a:rPr lang="zh-CN" altLang="en-US" dirty="0" smtClean="0"/>
-              <a:t>线程，调用</a:t>
-            </a:r>
-            <a:r>
-              <a:rPr lang="en-US" altLang="zh-CN" dirty="0" smtClean="0"/>
-              <a:t>CLR</a:t>
-            </a:r>
-            <a:r>
-              <a:rPr lang="zh-CN" altLang="en-US" dirty="0" smtClean="0"/>
-              <a:t>线程池执行异步操作，</a:t>
-            </a:r>
-            <a:r>
-              <a:rPr lang="en-US" altLang="zh-CN" dirty="0" smtClean="0"/>
-              <a:t>worker</a:t>
-            </a:r>
-            <a:r>
-              <a:rPr lang="zh-CN" altLang="en-US" dirty="0" smtClean="0"/>
-              <a:t>线程可以处理其他请求，提高了网站的并发量</a:t>
+              <a:t>);</a:t>
             </a:r>
             <a:endParaRPr lang="zh-CN" altLang="en-US" dirty="0"/>
           </a:p>
         </p:txBody>
       </p:sp>
     </p:spTree>
-    <p:extLst>
-      <p:ext uri="{BB962C8B-B14F-4D97-AF65-F5344CB8AC3E}">
-        <p14:creationId xmlns:p14="http://schemas.microsoft.com/office/powerpoint/2010/main" val="3478088573"/>
-      </p:ext>
-    </p:extLst>
   </p:cSld>
   <p:clrMapOvr>
     <a:masterClrMapping/>
@@ -6601,16 +6987,13 @@
           <a:lstStyle/>
           <a:p>
             <a:r>
-              <a:rPr lang="en-US" altLang="zh-CN" b="1" dirty="0" err="1" smtClean="0"/>
-              <a:t>async</a:t>
-            </a:r>
-            <a:r>
-              <a:rPr lang="en-US" altLang="zh-CN" b="1" dirty="0" smtClean="0"/>
-              <a:t>/await</a:t>
-            </a:r>
-            <a:br>
-              <a:rPr lang="en-US" altLang="zh-CN" b="1" dirty="0" smtClean="0"/>
-            </a:br>
+              <a:rPr lang="en-US" altLang="zh-CN" dirty="0" smtClean="0"/>
+              <a:t>Framework </a:t>
+            </a:r>
+            <a:r>
+              <a:rPr lang="zh-CN" altLang="en-US" dirty="0" smtClean="0"/>
+              <a:t>其他的异步实现</a:t>
+            </a:r>
             <a:endParaRPr lang="zh-CN" altLang="en-US" dirty="0"/>
           </a:p>
         </p:txBody>
@@ -6631,421 +7014,20 @@
           <a:lstStyle/>
           <a:p>
             <a:r>
-              <a:rPr lang="zh-CN" altLang="en-US" dirty="0"/>
-              <a:t>多</a:t>
-            </a:r>
-            <a:r>
-              <a:rPr lang="zh-CN" altLang="en-US" dirty="0" smtClean="0"/>
-              <a:t>线程并发可以提升多任务的效率，</a:t>
-            </a:r>
-            <a:r>
-              <a:rPr lang="zh-CN" altLang="en-US" dirty="0"/>
-              <a:t>不会</a:t>
-            </a:r>
-            <a:r>
-              <a:rPr lang="zh-CN" altLang="en-US" dirty="0" smtClean="0"/>
-              <a:t>提高响应速度。</a:t>
+              <a:rPr lang="en-US" altLang="zh-CN" dirty="0" err="1" smtClean="0"/>
+              <a:t>ISynchronizeInvoke</a:t>
             </a:r>
             <a:endParaRPr lang="en-US" altLang="zh-CN" dirty="0" smtClean="0"/>
           </a:p>
           <a:p>
-            <a:r>
-              <a:rPr lang="zh-CN" altLang="en-US" dirty="0" smtClean="0"/>
-              <a:t>异步</a:t>
-            </a:r>
-            <a:r>
-              <a:rPr lang="en-US" altLang="zh-CN" dirty="0" smtClean="0"/>
-              <a:t>action</a:t>
-            </a:r>
-            <a:r>
-              <a:rPr lang="zh-CN" altLang="en-US" dirty="0" smtClean="0"/>
-              <a:t>可能由两个</a:t>
-            </a:r>
-            <a:r>
-              <a:rPr lang="en-US" altLang="zh-CN" dirty="0" smtClean="0"/>
-              <a:t>worker</a:t>
-            </a:r>
-            <a:r>
-              <a:rPr lang="zh-CN" altLang="en-US" dirty="0" smtClean="0"/>
-              <a:t>线程处理</a:t>
-            </a:r>
             <a:endParaRPr lang="en-US" altLang="zh-CN" dirty="0" smtClean="0"/>
           </a:p>
           <a:p>
-            <a:endParaRPr lang="en-US" altLang="zh-CN" dirty="0"/>
-          </a:p>
-          <a:p>
-            <a:r>
-              <a:rPr lang="en-US" altLang="zh-CN" b="1" dirty="0" err="1"/>
-              <a:t>FileStream</a:t>
-            </a:r>
-            <a:r>
-              <a:rPr lang="zh-CN" altLang="en-US" b="1" dirty="0"/>
-              <a:t>操作：</a:t>
-            </a:r>
-            <a:r>
-              <a:rPr lang="en-US" altLang="zh-CN" dirty="0" err="1"/>
-              <a:t>BeginRead</a:t>
-            </a:r>
-            <a:r>
-              <a:rPr lang="zh-CN" altLang="en-US" dirty="0"/>
-              <a:t>、</a:t>
-            </a:r>
-            <a:r>
-              <a:rPr lang="en-US" altLang="zh-CN" dirty="0" err="1"/>
-              <a:t>BeginWrite</a:t>
-            </a:r>
-            <a:r>
-              <a:rPr lang="zh-CN" altLang="en-US" dirty="0"/>
-              <a:t>。调用</a:t>
-            </a:r>
-            <a:r>
-              <a:rPr lang="en-US" altLang="zh-CN" dirty="0" err="1"/>
-              <a:t>BeginRead</a:t>
-            </a:r>
-            <a:r>
-              <a:rPr lang="en-US" altLang="zh-CN" dirty="0"/>
-              <a:t>/</a:t>
-            </a:r>
-            <a:r>
-              <a:rPr lang="en-US" altLang="zh-CN" dirty="0" err="1"/>
-              <a:t>BeginWrite</a:t>
-            </a:r>
-            <a:r>
-              <a:rPr lang="zh-CN" altLang="en-US" dirty="0"/>
-              <a:t>时会发起一个异步操作，但是只有在创建</a:t>
-            </a:r>
-            <a:r>
-              <a:rPr lang="en-US" altLang="zh-CN" dirty="0" err="1"/>
-              <a:t>FileStream</a:t>
-            </a:r>
-            <a:r>
-              <a:rPr lang="zh-CN" altLang="en-US" dirty="0"/>
-              <a:t>时传入</a:t>
-            </a:r>
-            <a:r>
-              <a:rPr lang="en-US" altLang="zh-CN" dirty="0" err="1"/>
-              <a:t>FileOptions.Asynchronous</a:t>
-            </a:r>
-            <a:r>
-              <a:rPr lang="zh-CN" altLang="en-US" dirty="0"/>
-              <a:t>参数才能获取真正的</a:t>
-            </a:r>
-            <a:r>
-              <a:rPr lang="en-US" altLang="zh-CN" dirty="0"/>
-              <a:t>IOCP</a:t>
-            </a:r>
-            <a:r>
-              <a:rPr lang="zh-CN" altLang="en-US" dirty="0"/>
-              <a:t>支持，否则</a:t>
-            </a:r>
-            <a:r>
-              <a:rPr lang="en-US" altLang="zh-CN" dirty="0" err="1"/>
-              <a:t>BeginXXX</a:t>
-            </a:r>
-            <a:r>
-              <a:rPr lang="zh-CN" altLang="en-US" dirty="0"/>
-              <a:t>方法将会使用默认定义在</a:t>
-            </a:r>
-            <a:r>
-              <a:rPr lang="en-US" altLang="zh-CN" dirty="0"/>
-              <a:t>Stream</a:t>
-            </a:r>
-            <a:r>
-              <a:rPr lang="zh-CN" altLang="en-US" dirty="0"/>
-              <a:t>基类上的实现。</a:t>
-            </a:r>
-            <a:r>
-              <a:rPr lang="en-US" altLang="zh-CN" dirty="0"/>
-              <a:t>Stream</a:t>
-            </a:r>
-            <a:r>
-              <a:rPr lang="zh-CN" altLang="en-US" dirty="0"/>
-              <a:t>基类中</a:t>
-            </a:r>
-            <a:r>
-              <a:rPr lang="en-US" altLang="zh-CN" dirty="0" err="1"/>
-              <a:t>BeginXXX</a:t>
-            </a:r>
-            <a:r>
-              <a:rPr lang="zh-CN" altLang="en-US" dirty="0"/>
-              <a:t>方法会使用委托的</a:t>
-            </a:r>
-            <a:r>
-              <a:rPr lang="en-US" altLang="zh-CN" dirty="0" err="1"/>
-              <a:t>BeginInvoke</a:t>
-            </a:r>
-            <a:r>
-              <a:rPr lang="zh-CN" altLang="en-US" dirty="0"/>
-              <a:t>方法来发起异步调用</a:t>
-            </a:r>
-            <a:r>
-              <a:rPr lang="en-US" altLang="zh-CN" dirty="0"/>
-              <a:t>——</a:t>
-            </a:r>
-            <a:r>
-              <a:rPr lang="zh-CN" altLang="en-US" dirty="0"/>
-              <a:t>这会使用一个额外的线程来执行任务。虽然当前调用线程立即返回了，但是数据的读取或写入操作依旧占用着另一个线程（</a:t>
-            </a:r>
-            <a:r>
-              <a:rPr lang="en-US" altLang="zh-CN" dirty="0"/>
-              <a:t>IOCP</a:t>
-            </a:r>
-            <a:r>
-              <a:rPr lang="zh-CN" altLang="en-US" dirty="0"/>
-              <a:t>支持的异步操作时不需要线程的），因此并没有任何“节省”，反而还很有可能降低了应用程序的性能，因为额外的线程切换会造成性能损失。</a:t>
-            </a:r>
-          </a:p>
-          <a:p>
-            <a:r>
-              <a:rPr lang="en-US" altLang="zh-CN" b="1" dirty="0"/>
-              <a:t>DNS</a:t>
-            </a:r>
-            <a:r>
-              <a:rPr lang="zh-CN" altLang="en-US" b="1" dirty="0"/>
-              <a:t>操作：</a:t>
-            </a:r>
-            <a:r>
-              <a:rPr lang="en-US" altLang="zh-CN" dirty="0" err="1"/>
-              <a:t>BeginGetHostByName</a:t>
-            </a:r>
-            <a:r>
-              <a:rPr lang="zh-CN" altLang="en-US" dirty="0"/>
-              <a:t>、</a:t>
-            </a:r>
-            <a:r>
-              <a:rPr lang="en-US" altLang="zh-CN" dirty="0" err="1"/>
-              <a:t>BeginResolve</a:t>
-            </a:r>
-            <a:r>
-              <a:rPr lang="zh-CN" altLang="en-US" dirty="0"/>
-              <a:t>。</a:t>
-            </a:r>
-          </a:p>
-          <a:p>
-            <a:r>
-              <a:rPr lang="en-US" altLang="zh-CN" b="1" dirty="0"/>
-              <a:t>Socket</a:t>
-            </a:r>
-            <a:r>
-              <a:rPr lang="zh-CN" altLang="en-US" b="1" dirty="0"/>
-              <a:t>操作：</a:t>
-            </a:r>
-            <a:r>
-              <a:rPr lang="en-US" altLang="zh-CN" dirty="0" err="1"/>
-              <a:t>BeginAccept</a:t>
-            </a:r>
-            <a:r>
-              <a:rPr lang="zh-CN" altLang="en-US" dirty="0"/>
-              <a:t>、</a:t>
-            </a:r>
-            <a:r>
-              <a:rPr lang="en-US" altLang="zh-CN" dirty="0" err="1"/>
-              <a:t>BeginConnect</a:t>
-            </a:r>
-            <a:r>
-              <a:rPr lang="zh-CN" altLang="en-US" dirty="0"/>
-              <a:t>、</a:t>
-            </a:r>
-            <a:r>
-              <a:rPr lang="en-US" altLang="zh-CN" dirty="0" err="1"/>
-              <a:t>BeginReceive</a:t>
-            </a:r>
-            <a:r>
-              <a:rPr lang="zh-CN" altLang="en-US" dirty="0"/>
-              <a:t>等等。</a:t>
-            </a:r>
-          </a:p>
-          <a:p>
-            <a:r>
-              <a:rPr lang="en-US" altLang="zh-CN" b="1" dirty="0" err="1"/>
-              <a:t>WebRequest</a:t>
-            </a:r>
-            <a:r>
-              <a:rPr lang="zh-CN" altLang="en-US" b="1" dirty="0"/>
-              <a:t>操作：</a:t>
-            </a:r>
-            <a:r>
-              <a:rPr lang="en-US" altLang="zh-CN" dirty="0" err="1"/>
-              <a:t>BeginGetRequestStream</a:t>
-            </a:r>
-            <a:r>
-              <a:rPr lang="zh-CN" altLang="en-US" dirty="0"/>
-              <a:t>、</a:t>
-            </a:r>
-            <a:r>
-              <a:rPr lang="en-US" altLang="zh-CN" dirty="0" err="1"/>
-              <a:t>BeginGetResponse</a:t>
-            </a:r>
-            <a:r>
-              <a:rPr lang="zh-CN" altLang="en-US" dirty="0"/>
-              <a:t>。</a:t>
-            </a:r>
-          </a:p>
-          <a:p>
-            <a:r>
-              <a:rPr lang="en-US" altLang="zh-CN" b="1" dirty="0" err="1"/>
-              <a:t>SqlCommand</a:t>
-            </a:r>
-            <a:r>
-              <a:rPr lang="zh-CN" altLang="en-US" b="1" dirty="0"/>
-              <a:t>操作：</a:t>
-            </a:r>
-            <a:r>
-              <a:rPr lang="en-US" altLang="zh-CN" dirty="0" err="1"/>
-              <a:t>BeginExecuteReader</a:t>
-            </a:r>
-            <a:r>
-              <a:rPr lang="zh-CN" altLang="en-US" dirty="0"/>
-              <a:t>、</a:t>
-            </a:r>
-            <a:r>
-              <a:rPr lang="en-US" altLang="zh-CN" dirty="0" err="1"/>
-              <a:t>BeginExecuteNonQuery</a:t>
-            </a:r>
-            <a:r>
-              <a:rPr lang="zh-CN" altLang="en-US" dirty="0"/>
-              <a:t>等等。这可能是开发一个</a:t>
-            </a:r>
-            <a:r>
-              <a:rPr lang="en-US" altLang="zh-CN" dirty="0"/>
-              <a:t>Web</a:t>
-            </a:r>
-            <a:r>
-              <a:rPr lang="zh-CN" altLang="en-US" dirty="0"/>
-              <a:t>应用时最常用的异步操作了。如果需要在执行数据库操作时得到</a:t>
-            </a:r>
-            <a:r>
-              <a:rPr lang="en-US" altLang="zh-CN" dirty="0"/>
-              <a:t>IOCP</a:t>
-            </a:r>
-            <a:r>
-              <a:rPr lang="zh-CN" altLang="en-US" dirty="0"/>
-              <a:t>支持，那么需要在连接字符串中标记</a:t>
-            </a:r>
-            <a:r>
-              <a:rPr lang="en-US" altLang="zh-CN" dirty="0"/>
-              <a:t>Asynchronous Processing</a:t>
-            </a:r>
-            <a:r>
-              <a:rPr lang="zh-CN" altLang="en-US" dirty="0"/>
-              <a:t>为</a:t>
-            </a:r>
-            <a:r>
-              <a:rPr lang="en-US" altLang="zh-CN" dirty="0"/>
-              <a:t>true</a:t>
-            </a:r>
-            <a:r>
-              <a:rPr lang="zh-CN" altLang="en-US" dirty="0"/>
-              <a:t>（默认为</a:t>
-            </a:r>
-            <a:r>
-              <a:rPr lang="en-US" altLang="zh-CN" dirty="0"/>
-              <a:t>false</a:t>
-            </a:r>
-            <a:r>
-              <a:rPr lang="zh-CN" altLang="en-US" dirty="0"/>
-              <a:t>），否则在调用</a:t>
-            </a:r>
-            <a:r>
-              <a:rPr lang="en-US" altLang="zh-CN" dirty="0" err="1"/>
-              <a:t>BeginXXX</a:t>
-            </a:r>
-            <a:r>
-              <a:rPr lang="zh-CN" altLang="en-US" dirty="0"/>
-              <a:t>操作时就会抛出异常。</a:t>
-            </a:r>
-          </a:p>
-          <a:p>
-            <a:r>
-              <a:rPr lang="en-US" altLang="zh-CN" b="1" dirty="0" err="1"/>
-              <a:t>WebServcie</a:t>
-            </a:r>
-            <a:r>
-              <a:rPr lang="zh-CN" altLang="en-US" b="1" dirty="0"/>
-              <a:t>调用操作：</a:t>
-            </a:r>
-            <a:r>
-              <a:rPr lang="zh-CN" altLang="en-US" dirty="0"/>
-              <a:t>例如</a:t>
-            </a:r>
-            <a:r>
-              <a:rPr lang="en-US" altLang="zh-CN" dirty="0"/>
-              <a:t>.NET 2.0</a:t>
-            </a:r>
-            <a:r>
-              <a:rPr lang="zh-CN" altLang="en-US" dirty="0"/>
-              <a:t>或</a:t>
-            </a:r>
-            <a:r>
-              <a:rPr lang="en-US" altLang="zh-CN" dirty="0"/>
-              <a:t>WCF</a:t>
-            </a:r>
-            <a:r>
-              <a:rPr lang="zh-CN" altLang="en-US" dirty="0"/>
-              <a:t>生成的</a:t>
-            </a:r>
-            <a:r>
-              <a:rPr lang="en-US" altLang="zh-CN" dirty="0"/>
-              <a:t>Web Service Proxy</a:t>
-            </a:r>
-            <a:r>
-              <a:rPr lang="zh-CN" altLang="en-US" dirty="0"/>
-              <a:t>中的</a:t>
-            </a:r>
-            <a:r>
-              <a:rPr lang="en-US" altLang="zh-CN" dirty="0" err="1"/>
-              <a:t>BeginXXX</a:t>
-            </a:r>
-            <a:r>
-              <a:rPr lang="zh-CN" altLang="en-US" dirty="0"/>
-              <a:t>方法、</a:t>
-            </a:r>
-            <a:r>
-              <a:rPr lang="en-US" altLang="zh-CN" dirty="0"/>
-              <a:t>WCF</a:t>
-            </a:r>
-            <a:r>
-              <a:rPr lang="zh-CN" altLang="en-US" dirty="0"/>
-              <a:t>中</a:t>
-            </a:r>
-            <a:r>
-              <a:rPr lang="en-US" altLang="zh-CN" dirty="0" err="1"/>
-              <a:t>ClientBase</a:t>
-            </a:r>
-            <a:r>
-              <a:rPr lang="en-US" altLang="zh-CN" dirty="0"/>
-              <a:t>&lt;</a:t>
-            </a:r>
-            <a:r>
-              <a:rPr lang="en-US" altLang="zh-CN" dirty="0" err="1"/>
-              <a:t>TChannel</a:t>
-            </a:r>
-            <a:r>
-              <a:rPr lang="en-US" altLang="zh-CN" dirty="0"/>
-              <a:t>&gt;</a:t>
-            </a:r>
-            <a:r>
-              <a:rPr lang="zh-CN" altLang="en-US" dirty="0"/>
-              <a:t>的</a:t>
-            </a:r>
-            <a:r>
-              <a:rPr lang="en-US" altLang="zh-CN" dirty="0" err="1"/>
-              <a:t>InvokeAsync</a:t>
-            </a:r>
-            <a:r>
-              <a:rPr lang="zh-CN" altLang="en-US" dirty="0"/>
-              <a:t>方法</a:t>
-            </a:r>
+            <a:endParaRPr lang="zh-CN" altLang="en-US" dirty="0"/>
           </a:p>
         </p:txBody>
       </p:sp>
     </p:spTree>
-    <p:extLst>
-      <p:ext uri="{BB962C8B-B14F-4D97-AF65-F5344CB8AC3E}">
-        <p14:creationId xmlns:p14="http://schemas.microsoft.com/office/powerpoint/2010/main" val="37979098"/>
-      </p:ext>
-    </p:extLst>
   </p:cSld>
   <p:clrMapOvr>
     <a:masterClrMapping/>
@@ -7072,13 +7054,7 @@
       </p:grpSpPr>
       <p:sp>
         <p:nvSpPr>
-          <p:cNvPr id="2" name="标题 1">
-            <a:extLst>
-              <a:ext uri="{FF2B5EF4-FFF2-40B4-BE49-F238E27FC236}">
-                <a16:creationId xmlns:a16="http://schemas.microsoft.com/office/drawing/2014/main" xmlns="" id="{508C5496-4B94-4E74-B852-01660F8B2C58}"/>
-              </a:ext>
-            </a:extLst>
-          </p:cNvPr>
+          <p:cNvPr id="2" name="标题 1"/>
           <p:cNvSpPr>
             <a:spLocks noGrp="1"/>
           </p:cNvSpPr>
@@ -7094,37 +7070,31 @@
             <a:pPr eaLnBrk="1" hangingPunct="1"/>
             <a:r>
               <a:rPr lang="en-US" altLang="zh-CN" sz="3600" dirty="0" err="1" smtClean="0">
-                <a:latin typeface="Calibri" pitchFamily="34" charset="0"/>
-                <a:ea typeface="ＭＳ Ｐゴシック" pitchFamily="34" charset="-128"/>
-                <a:cs typeface="Calibri" pitchFamily="34" charset="0"/>
+                <a:latin typeface="Calibri" panose="020F0502020204030204" pitchFamily="34" charset="0"/>
+                <a:ea typeface="MS PGothic" panose="020B0600070205080204" pitchFamily="34" charset="-128"/>
+                <a:cs typeface="Calibri" panose="020F0502020204030204" pitchFamily="34" charset="0"/>
               </a:rPr>
               <a:t>Windbg</a:t>
             </a:r>
             <a:r>
               <a:rPr lang="zh-CN" altLang="en-US" sz="3600" dirty="0" smtClean="0">
-                <a:latin typeface="Calibri" pitchFamily="34" charset="0"/>
-                <a:ea typeface="ＭＳ Ｐゴシック" pitchFamily="34" charset="-128"/>
-                <a:cs typeface="Calibri" pitchFamily="34" charset="0"/>
+                <a:latin typeface="Calibri" panose="020F0502020204030204" pitchFamily="34" charset="0"/>
+                <a:ea typeface="MS PGothic" panose="020B0600070205080204" pitchFamily="34" charset="-128"/>
+                <a:cs typeface="Calibri" panose="020F0502020204030204" pitchFamily="34" charset="0"/>
               </a:rPr>
               <a:t>的配置与使用</a:t>
             </a:r>
             <a:endParaRPr lang="zh-CN" altLang="en-US" sz="3600" dirty="0">
-              <a:latin typeface="Calibri" pitchFamily="34" charset="0"/>
-              <a:ea typeface="ＭＳ Ｐゴシック" pitchFamily="34" charset="-128"/>
-              <a:cs typeface="Calibri" pitchFamily="34" charset="0"/>
+              <a:latin typeface="Calibri" panose="020F0502020204030204" pitchFamily="34" charset="0"/>
+              <a:ea typeface="MS PGothic" panose="020B0600070205080204" pitchFamily="34" charset="-128"/>
+              <a:cs typeface="Calibri" panose="020F0502020204030204" pitchFamily="34" charset="0"/>
             </a:endParaRPr>
           </a:p>
         </p:txBody>
       </p:sp>
       <p:sp>
         <p:nvSpPr>
-          <p:cNvPr id="3" name="内容占位符 2">
-            <a:extLst>
-              <a:ext uri="{FF2B5EF4-FFF2-40B4-BE49-F238E27FC236}">
-                <a16:creationId xmlns:a16="http://schemas.microsoft.com/office/drawing/2014/main" xmlns="" id="{58AF2E9D-F75B-4B1B-B93B-4C9C7AB0286D}"/>
-              </a:ext>
-            </a:extLst>
-          </p:cNvPr>
+          <p:cNvPr id="3" name="内容占位符 2"/>
           <p:cNvSpPr>
             <a:spLocks noGrp="1"/>
           </p:cNvSpPr>
@@ -7142,15 +7112,27 @@
             </a:pPr>
             <a:r>
               <a:rPr lang="en-US" altLang="zh-CN" dirty="0">
-                <a:hlinkClick r:id="rId2"/>
+                <a:hlinkClick r:id="rId1"/>
               </a:rPr>
               <a:t>http://</a:t>
             </a:r>
             <a:r>
               <a:rPr lang="en-US" altLang="zh-CN" dirty="0" smtClean="0">
-                <a:hlinkClick r:id="rId2"/>
+                <a:hlinkClick r:id="rId1"/>
               </a:rPr>
               <a:t>www.cnblogs.com/happyhippy/archive/2007/04/08/710933.html</a:t>
+            </a:r>
+            <a:endParaRPr lang="en-US" altLang="zh-CN" dirty="0" smtClean="0">
+              <a:hlinkClick r:id="rId1"/>
+            </a:endParaRPr>
+          </a:p>
+          <a:p>
+            <a:pPr marL="0" indent="0">
+              <a:buNone/>
+            </a:pPr>
+            <a:r>
+              <a:rPr lang="en-US" altLang="zh-CN" dirty="0" smtClean="0"/>
+              <a:t>https://down.52pojie.cn/Tools/Debuggers/</a:t>
             </a:r>
             <a:endParaRPr lang="en-US" altLang="zh-CN" dirty="0" smtClean="0"/>
           </a:p>
@@ -7176,6 +7158,7 @@
               <a:rPr lang="en-US" altLang="zh-CN" dirty="0" smtClean="0"/>
               <a:t>NT_SYMBOL_PATH</a:t>
             </a:r>
+            <a:endParaRPr lang="en-US" altLang="zh-CN" dirty="0" smtClean="0"/>
           </a:p>
           <a:p>
             <a:pPr marL="0" indent="0">
@@ -7195,13 +7178,13 @@
             </a:r>
             <a:r>
               <a:rPr lang="en-US" altLang="zh-CN" dirty="0">
-                <a:hlinkClick r:id="rId3"/>
+                <a:hlinkClick r:id="rId2"/>
               </a:rPr>
               <a:t>http://</a:t>
             </a:r>
             <a:r>
               <a:rPr lang="en-US" altLang="zh-CN" dirty="0" smtClean="0">
-                <a:hlinkClick r:id="rId3"/>
+                <a:hlinkClick r:id="rId2"/>
               </a:rPr>
               <a:t>msdl.microsoft.com/download/symbols</a:t>
             </a:r>
@@ -7234,11 +7217,6 @@
         </p:txBody>
       </p:sp>
     </p:spTree>
-    <p:extLst>
-      <p:ext uri="{BB962C8B-B14F-4D97-AF65-F5344CB8AC3E}">
-        <p14:creationId xmlns:p14="http://schemas.microsoft.com/office/powerpoint/2010/main" val="1576092097"/>
-      </p:ext>
-    </p:extLst>
   </p:cSld>
   <p:clrMapOvr>
     <a:masterClrMapping/>
@@ -7265,13 +7243,7 @@
       </p:grpSpPr>
       <p:sp>
         <p:nvSpPr>
-          <p:cNvPr id="2" name="标题 1">
-            <a:extLst>
-              <a:ext uri="{FF2B5EF4-FFF2-40B4-BE49-F238E27FC236}">
-                <a16:creationId xmlns:a16="http://schemas.microsoft.com/office/drawing/2014/main" xmlns="" id="{6A4CD1D8-ED2C-4268-9361-0864361A351F}"/>
-              </a:ext>
-            </a:extLst>
-          </p:cNvPr>
+          <p:cNvPr id="2" name="标题 1"/>
           <p:cNvSpPr>
             <a:spLocks noGrp="1"/>
           </p:cNvSpPr>
@@ -7285,12 +7257,12 @@
           <a:lstStyle/>
           <a:p>
             <a:r>
-              <a:rPr lang="en-US" altLang="zh-CN" dirty="0" smtClean="0"/>
-              <a:t>Framework</a:t>
-            </a:r>
-            <a:r>
-              <a:rPr lang="zh-CN" altLang="en-US" dirty="0" smtClean="0"/>
-              <a:t>源码</a:t>
+              <a:rPr lang="zh-CN" altLang="en-US" dirty="0"/>
+              <a:t>基于事件的异步编程模式</a:t>
+            </a:r>
+            <a:r>
+              <a:rPr lang="en-US" altLang="zh-CN" dirty="0"/>
+              <a:t>(Event-Based Asynchronous Pattern EAP) </a:t>
             </a:r>
             <a:endParaRPr lang="zh-CN" altLang="en-US" dirty="0"/>
           </a:p>
@@ -7298,13 +7270,7 @@
       </p:sp>
       <p:sp>
         <p:nvSpPr>
-          <p:cNvPr id="3" name="内容占位符 2">
-            <a:extLst>
-              <a:ext uri="{FF2B5EF4-FFF2-40B4-BE49-F238E27FC236}">
-                <a16:creationId xmlns:a16="http://schemas.microsoft.com/office/drawing/2014/main" xmlns="" id="{3EC5FB96-7D8B-4523-A553-0B12076A24B6}"/>
-              </a:ext>
-            </a:extLst>
-          </p:cNvPr>
+          <p:cNvPr id="3" name="内容占位符 2"/>
           <p:cNvSpPr>
             <a:spLocks noGrp="1"/>
           </p:cNvSpPr>
@@ -7317,40 +7283,117 @@
           <a:bodyPr/>
           <a:lstStyle/>
           <a:p>
-            <a:pPr marL="0" indent="0">
-              <a:buNone/>
-            </a:pPr>
             <a:r>
               <a:rPr lang="en-US" altLang="zh-CN" dirty="0"/>
-              <a:t>https://referencesource.microsoft.com/download.html</a:t>
-            </a:r>
-          </a:p>
-          <a:p>
-            <a:pPr marL="0" indent="0">
-              <a:buNone/>
-            </a:pPr>
+              <a:t>– </a:t>
+            </a:r>
+            <a:r>
+              <a:rPr lang="en-US" altLang="zh-CN" dirty="0" smtClean="0"/>
+              <a:t>EAP</a:t>
+            </a:r>
             <a:endParaRPr lang="en-US" altLang="zh-CN" dirty="0"/>
           </a:p>
           <a:p>
-            <a:pPr marL="0" indent="0">
-              <a:buNone/>
-            </a:pPr>
-            <a:endParaRPr lang="en-US" altLang="zh-CN" dirty="0"/>
-          </a:p>
-          <a:p>
-            <a:pPr marL="0" indent="0">
-              <a:buNone/>
-            </a:pPr>
+            <a:r>
+              <a:rPr lang="en-US" altLang="zh-CN" dirty="0" err="1"/>
+              <a:t>.Net</a:t>
+            </a:r>
+            <a:r>
+              <a:rPr lang="en-US" altLang="zh-CN" dirty="0"/>
+              <a:t> Framework 2 </a:t>
+            </a:r>
+            <a:r>
+              <a:rPr lang="zh-CN" altLang="en-US" dirty="0"/>
+              <a:t>为异步操作引入了这个模式。一个以</a:t>
+            </a:r>
+            <a:r>
+              <a:rPr lang="en-US" altLang="zh-CN" dirty="0" err="1"/>
+              <a:t>Async</a:t>
+            </a:r>
+            <a:r>
+              <a:rPr lang="zh-CN" altLang="en-US" dirty="0"/>
+              <a:t>为后缀的方法加载异步执行，当异步执行完成或取消时，异步操作会抛出一个事件，一个委托可以与这个事件绑定，并提供处理事件的回调函数</a:t>
+            </a:r>
+            <a:r>
+              <a:rPr lang="zh-CN" altLang="en-US" dirty="0" smtClean="0"/>
+              <a:t>。（多文件下载</a:t>
+            </a:r>
+            <a:r>
+              <a:rPr lang="en-US" altLang="zh-CN" dirty="0" smtClean="0"/>
+              <a:t>demo</a:t>
+            </a:r>
+            <a:r>
+              <a:rPr lang="zh-CN" altLang="en-US" dirty="0" smtClean="0"/>
+              <a:t>）</a:t>
+            </a:r>
+            <a:endParaRPr lang="en-US" altLang="zh-CN" dirty="0" smtClean="0"/>
+          </a:p>
+          <a:p>
+            <a:pPr latinLnBrk="0"/>
+            <a:r>
+              <a:rPr lang="en-US" altLang="zh-CN" dirty="0"/>
+              <a:t>1</a:t>
+            </a:r>
+            <a:r>
+              <a:rPr lang="zh-CN" altLang="en-US" dirty="0"/>
+              <a:t>、要进行异步的方法其方法名应该以</a:t>
+            </a:r>
+            <a:r>
+              <a:rPr lang="en-US" altLang="zh-CN" dirty="0" err="1"/>
+              <a:t>XXXAsync</a:t>
+            </a:r>
+            <a:r>
+              <a:rPr lang="zh-CN" altLang="en-US" dirty="0"/>
+              <a:t>结尾</a:t>
+            </a:r>
+            <a:endParaRPr lang="zh-CN" altLang="en-US" dirty="0"/>
+          </a:p>
+          <a:p>
+            <a:pPr latinLnBrk="0"/>
+            <a:r>
+              <a:rPr lang="en-US" altLang="zh-CN" dirty="0"/>
+              <a:t>2</a:t>
+            </a:r>
+            <a:r>
+              <a:rPr lang="zh-CN" altLang="en-US" dirty="0"/>
+              <a:t>、要有一个名为</a:t>
+            </a:r>
+            <a:r>
+              <a:rPr lang="en-US" altLang="zh-CN" dirty="0" err="1"/>
+              <a:t>XXXCompleted</a:t>
+            </a:r>
+            <a:r>
+              <a:rPr lang="zh-CN" altLang="en-US" dirty="0"/>
+              <a:t>的事件监听异步方法的完成</a:t>
+            </a:r>
+            <a:endParaRPr lang="zh-CN" altLang="en-US" dirty="0"/>
+          </a:p>
+          <a:p>
+            <a:pPr latinLnBrk="0"/>
+            <a:r>
+              <a:rPr lang="en-US" altLang="zh-CN" dirty="0"/>
+              <a:t>3</a:t>
+            </a:r>
+            <a:r>
+              <a:rPr lang="zh-CN" altLang="en-US" dirty="0"/>
+              <a:t>、可增加一个</a:t>
+            </a:r>
+            <a:r>
+              <a:rPr lang="en-US" altLang="zh-CN" dirty="0" err="1"/>
+              <a:t>CancelAsync</a:t>
+            </a:r>
+            <a:r>
+              <a:rPr lang="zh-CN" altLang="en-US" dirty="0"/>
+              <a:t>方法用于取消正在执行的异步方法（可选）</a:t>
+            </a:r>
+            <a:endParaRPr lang="zh-CN" altLang="en-US" dirty="0"/>
+          </a:p>
+          <a:p>
             <a:endParaRPr lang="zh-CN" altLang="en-US" dirty="0"/>
           </a:p>
         </p:txBody>
       </p:sp>
     </p:spTree>
-    <p:extLst>
-      <p:ext uri="{BB962C8B-B14F-4D97-AF65-F5344CB8AC3E}">
-        <p14:creationId xmlns:p14="http://schemas.microsoft.com/office/powerpoint/2010/main" val="4036029027"/>
-      </p:ext>
-    </p:extLst>
   </p:cSld>
   <p:clrMapOvr>
     <a:masterClrMapping/>
@@ -7377,13 +7420,7 @@
       </p:grpSpPr>
       <p:sp>
         <p:nvSpPr>
-          <p:cNvPr id="2" name="标题 1">
-            <a:extLst>
-              <a:ext uri="{FF2B5EF4-FFF2-40B4-BE49-F238E27FC236}">
-                <a16:creationId xmlns:a16="http://schemas.microsoft.com/office/drawing/2014/main" xmlns="" id="{6A4CD1D8-ED2C-4268-9361-0864361A351F}"/>
-              </a:ext>
-            </a:extLst>
-          </p:cNvPr>
+          <p:cNvPr id="2" name="标题 1"/>
           <p:cNvSpPr>
             <a:spLocks noGrp="1"/>
           </p:cNvSpPr>
@@ -7397,26 +7434,23 @@
           <a:lstStyle/>
           <a:p>
             <a:r>
-              <a:rPr lang="zh-CN" altLang="en-US" dirty="0" smtClean="0"/>
-              <a:t>个人期望的</a:t>
-            </a:r>
-            <a:r>
-              <a:rPr lang="en-US" altLang="zh-CN" dirty="0" smtClean="0"/>
-              <a:t>training</a:t>
-            </a:r>
+              <a:rPr lang="en-US" altLang="zh-CN" b="1" dirty="0" err="1" smtClean="0"/>
+              <a:t>async</a:t>
+            </a:r>
+            <a:r>
+              <a:rPr lang="en-US" altLang="zh-CN" b="1" dirty="0" smtClean="0"/>
+              <a:t>/await</a:t>
+            </a:r>
+            <a:br>
+              <a:rPr lang="en-US" altLang="zh-CN" b="1" dirty="0" smtClean="0"/>
+            </a:br>
             <a:endParaRPr lang="zh-CN" altLang="en-US" dirty="0"/>
           </a:p>
         </p:txBody>
       </p:sp>
       <p:sp>
         <p:nvSpPr>
-          <p:cNvPr id="3" name="内容占位符 2">
-            <a:extLst>
-              <a:ext uri="{FF2B5EF4-FFF2-40B4-BE49-F238E27FC236}">
-                <a16:creationId xmlns:a16="http://schemas.microsoft.com/office/drawing/2014/main" xmlns="" id="{3EC5FB96-7D8B-4523-A553-0B12076A24B6}"/>
-              </a:ext>
-            </a:extLst>
-          </p:cNvPr>
+          <p:cNvPr id="5" name="内容占位符 4"/>
           <p:cNvSpPr>
             <a:spLocks noGrp="1"/>
           </p:cNvSpPr>
@@ -7429,98 +7463,782 @@
           <a:bodyPr/>
           <a:lstStyle/>
           <a:p>
+            <a:r>
+              <a:rPr lang="en-US" altLang="zh-CN" dirty="0" smtClean="0"/>
+              <a:t>C#5.0</a:t>
+            </a:r>
+            <a:r>
+              <a:rPr lang="zh-CN" altLang="en-US" dirty="0" smtClean="0"/>
+              <a:t>出来的语法糖</a:t>
+            </a:r>
+            <a:endParaRPr lang="en-US" altLang="zh-CN" dirty="0" smtClean="0"/>
+          </a:p>
+          <a:p>
+            <a:r>
+              <a:rPr lang="zh-CN" altLang="en-US" dirty="0" smtClean="0"/>
+              <a:t>它的好处是代码易读性高</a:t>
+            </a:r>
+            <a:endParaRPr lang="en-US" altLang="zh-CN" dirty="0" smtClean="0"/>
+          </a:p>
+          <a:p>
+            <a:r>
+              <a:rPr lang="zh-CN" altLang="en-US" dirty="0" smtClean="0"/>
+              <a:t>特别对于网站，网站的并发量是由</a:t>
+            </a:r>
+            <a:r>
+              <a:rPr lang="en-US" altLang="zh-CN" dirty="0" smtClean="0"/>
+              <a:t>IIS</a:t>
+            </a:r>
+            <a:r>
+              <a:rPr lang="zh-CN" altLang="en-US" dirty="0" smtClean="0"/>
+              <a:t>相应站点配置的应用池队列大小、最大工作进程数和最大并发连接数决定的</a:t>
+            </a:r>
+            <a:endParaRPr lang="en-US" altLang="zh-CN" dirty="0" smtClean="0"/>
+          </a:p>
+          <a:p>
+            <a:r>
+              <a:rPr lang="en-US" altLang="zh-CN" dirty="0" smtClean="0"/>
+              <a:t>IIS</a:t>
+            </a:r>
+            <a:r>
+              <a:rPr lang="zh-CN" altLang="en-US" dirty="0"/>
+              <a:t>最大并发连接数 </a:t>
+            </a:r>
+            <a:r>
+              <a:rPr lang="en-US" altLang="zh-CN" dirty="0"/>
+              <a:t>= </a:t>
+            </a:r>
+            <a:r>
+              <a:rPr lang="zh-CN" altLang="en-US" dirty="0"/>
+              <a:t>队列长度 </a:t>
+            </a:r>
+            <a:r>
+              <a:rPr lang="en-US" altLang="zh-CN" dirty="0"/>
+              <a:t>+ IIS</a:t>
+            </a:r>
+            <a:r>
+              <a:rPr lang="zh-CN" altLang="en-US" dirty="0"/>
+              <a:t>最大并发</a:t>
+            </a:r>
+            <a:r>
+              <a:rPr lang="zh-CN" altLang="en-US" dirty="0" smtClean="0"/>
+              <a:t>工作线程数</a:t>
+            </a:r>
+            <a:endParaRPr lang="en-US" altLang="zh-CN" dirty="0"/>
+          </a:p>
+          <a:p>
+            <a:r>
+              <a:rPr lang="en-US" altLang="zh-CN" dirty="0"/>
+              <a:t>IIS</a:t>
+            </a:r>
+            <a:r>
+              <a:rPr lang="zh-CN" altLang="en-US" dirty="0"/>
+              <a:t>的默认值对我们网站并发处理能力的影响。</a:t>
+            </a:r>
+            <a:r>
+              <a:rPr lang="en-US" altLang="zh-CN" dirty="0"/>
+              <a:t>IIS</a:t>
+            </a:r>
+            <a:r>
+              <a:rPr lang="zh-CN" altLang="en-US" dirty="0"/>
+              <a:t>默认的</a:t>
+            </a:r>
+            <a:r>
+              <a:rPr lang="en-US" altLang="zh-CN" dirty="0"/>
+              <a:t>【</a:t>
+            </a:r>
+            <a:r>
+              <a:rPr lang="zh-CN" altLang="en-US" dirty="0"/>
+              <a:t>最大并发连接数</a:t>
+            </a:r>
+            <a:r>
+              <a:rPr lang="en-US" altLang="zh-CN" dirty="0"/>
+              <a:t>】</a:t>
+            </a:r>
+            <a:r>
+              <a:rPr lang="zh-CN" altLang="en-US" dirty="0"/>
+              <a:t>为</a:t>
+            </a:r>
+            <a:r>
+              <a:rPr lang="en-US" altLang="zh-CN" dirty="0"/>
+              <a:t>4294967295</a:t>
+            </a:r>
+            <a:r>
+              <a:rPr lang="zh-CN" altLang="en-US" dirty="0"/>
+              <a:t>（</a:t>
+            </a:r>
+            <a:r>
+              <a:rPr lang="en-US" altLang="zh-CN" dirty="0"/>
+              <a:t>42</a:t>
+            </a:r>
+            <a:r>
+              <a:rPr lang="zh-CN" altLang="en-US" dirty="0"/>
+              <a:t>亿多），而</a:t>
+            </a:r>
+            <a:r>
+              <a:rPr lang="en-US" altLang="zh-CN" dirty="0"/>
+              <a:t>【</a:t>
+            </a:r>
+            <a:r>
+              <a:rPr lang="zh-CN" altLang="en-US" dirty="0"/>
+              <a:t>队列长度</a:t>
+            </a:r>
+            <a:r>
+              <a:rPr lang="en-US" altLang="zh-CN" dirty="0"/>
+              <a:t>】</a:t>
+            </a:r>
+            <a:r>
+              <a:rPr lang="zh-CN" altLang="en-US" dirty="0"/>
+              <a:t>默认值为</a:t>
+            </a:r>
+            <a:r>
+              <a:rPr lang="en-US" altLang="zh-CN" dirty="0"/>
+              <a:t>1000</a:t>
+            </a:r>
+            <a:r>
+              <a:rPr lang="zh-CN" altLang="en-US" dirty="0"/>
+              <a:t>。对于</a:t>
+            </a:r>
+            <a:r>
+              <a:rPr lang="en-US" altLang="zh-CN" dirty="0"/>
+              <a:t>windows server</a:t>
+            </a:r>
+            <a:r>
+              <a:rPr lang="zh-CN" altLang="en-US" dirty="0"/>
+              <a:t>版本的</a:t>
+            </a:r>
+            <a:r>
+              <a:rPr lang="en-US" altLang="zh-CN" dirty="0"/>
+              <a:t>IIS</a:t>
+            </a:r>
+            <a:r>
+              <a:rPr lang="zh-CN" altLang="en-US" dirty="0"/>
+              <a:t>，最大并发工作线程数可能几百（猜测，可能没有限制），按照这个默认值，那么</a:t>
+            </a:r>
+            <a:r>
+              <a:rPr lang="en-US" altLang="zh-CN" dirty="0"/>
+              <a:t>IIS</a:t>
+            </a:r>
+            <a:r>
+              <a:rPr lang="zh-CN" altLang="en-US" dirty="0"/>
+              <a:t>同时处理的请求数也就</a:t>
+            </a:r>
+            <a:r>
+              <a:rPr lang="en-US" altLang="zh-CN" dirty="0"/>
+              <a:t>1000</a:t>
+            </a:r>
+            <a:r>
+              <a:rPr lang="zh-CN" altLang="en-US" dirty="0"/>
+              <a:t>多</a:t>
+            </a:r>
+            <a:r>
+              <a:rPr lang="zh-CN" altLang="en-US" dirty="0" smtClean="0"/>
+              <a:t>。</a:t>
+            </a:r>
+            <a:endParaRPr lang="en-US" altLang="zh-CN" dirty="0" smtClean="0"/>
+          </a:p>
+          <a:p>
+            <a:r>
+              <a:rPr lang="en-US" altLang="zh-CN" dirty="0" err="1" smtClean="0"/>
+              <a:t>Async</a:t>
+            </a:r>
+            <a:r>
+              <a:rPr lang="en-US" altLang="zh-CN" dirty="0" smtClean="0"/>
+              <a:t> await </a:t>
+            </a:r>
+            <a:r>
+              <a:rPr lang="zh-CN" altLang="en-US" dirty="0" smtClean="0"/>
+              <a:t>可以有效的释放当前的</a:t>
+            </a:r>
+            <a:r>
+              <a:rPr lang="en-US" altLang="zh-CN" dirty="0" smtClean="0"/>
+              <a:t>worker</a:t>
+            </a:r>
+            <a:r>
+              <a:rPr lang="zh-CN" altLang="en-US" dirty="0" smtClean="0"/>
+              <a:t>线程，调用</a:t>
+            </a:r>
+            <a:r>
+              <a:rPr lang="en-US" altLang="zh-CN" dirty="0" smtClean="0"/>
+              <a:t>CLR</a:t>
+            </a:r>
+            <a:r>
+              <a:rPr lang="zh-CN" altLang="en-US" dirty="0" smtClean="0"/>
+              <a:t>线程池执行异步操作，</a:t>
+            </a:r>
+            <a:r>
+              <a:rPr lang="en-US" altLang="zh-CN" dirty="0" smtClean="0"/>
+              <a:t>worker</a:t>
+            </a:r>
+            <a:r>
+              <a:rPr lang="zh-CN" altLang="en-US" dirty="0" smtClean="0"/>
+              <a:t>线程可以处理其他请求，提高了网站的并发量</a:t>
+            </a:r>
+            <a:endParaRPr lang="zh-CN" altLang="en-US" dirty="0"/>
+          </a:p>
+        </p:txBody>
+      </p:sp>
+    </p:spTree>
+  </p:cSld>
+  <p:clrMapOvr>
+    <a:masterClrMapping/>
+  </p:clrMapOvr>
+</p:sld>
+</file>
+
+<file path=ppt/slides/slide22.xml><?xml version="1.0" encoding="utf-8"?>
+<p:sld xmlns:a="http://schemas.openxmlformats.org/drawingml/2006/main" xmlns:r="http://schemas.openxmlformats.org/officeDocument/2006/relationships" xmlns:p="http://schemas.openxmlformats.org/presentationml/2006/main">
+  <p:cSld>
+    <p:spTree>
+      <p:nvGrpSpPr>
+        <p:cNvPr id="1" name=""/>
+        <p:cNvGrpSpPr/>
+        <p:nvPr/>
+      </p:nvGrpSpPr>
+      <p:grpSpPr>
+        <a:xfrm>
+          <a:off x="0" y="0"/>
+          <a:ext cx="0" cy="0"/>
+          <a:chOff x="0" y="0"/>
+          <a:chExt cx="0" cy="0"/>
+        </a:xfrm>
+      </p:grpSpPr>
+      <p:sp>
+        <p:nvSpPr>
+          <p:cNvPr id="2" name="标题 1"/>
+          <p:cNvSpPr>
+            <a:spLocks noGrp="1"/>
+          </p:cNvSpPr>
+          <p:nvPr>
+            <p:ph type="title"/>
+          </p:nvPr>
+        </p:nvSpPr>
+        <p:spPr/>
+        <p:txBody>
+          <a:bodyPr/>
+          <a:lstStyle/>
+          <a:p>
+            <a:r>
+              <a:rPr lang="en-US" altLang="zh-CN" b="1" dirty="0" err="1" smtClean="0"/>
+              <a:t>async</a:t>
+            </a:r>
+            <a:r>
+              <a:rPr lang="en-US" altLang="zh-CN" b="1" dirty="0" smtClean="0"/>
+              <a:t>/await</a:t>
+            </a:r>
+            <a:br>
+              <a:rPr lang="en-US" altLang="zh-CN" b="1" dirty="0" smtClean="0"/>
+            </a:br>
+            <a:endParaRPr lang="zh-CN" altLang="en-US" dirty="0"/>
+          </a:p>
+        </p:txBody>
+      </p:sp>
+      <p:sp>
+        <p:nvSpPr>
+          <p:cNvPr id="5" name="内容占位符 4"/>
+          <p:cNvSpPr>
+            <a:spLocks noGrp="1"/>
+          </p:cNvSpPr>
+          <p:nvPr>
+            <p:ph sz="quarter" idx="11"/>
+          </p:nvPr>
+        </p:nvSpPr>
+        <p:spPr/>
+        <p:txBody>
+          <a:bodyPr/>
+          <a:lstStyle/>
+          <a:p>
+            <a:r>
+              <a:rPr lang="zh-CN" altLang="en-US" dirty="0"/>
+              <a:t>多</a:t>
+            </a:r>
+            <a:r>
+              <a:rPr lang="zh-CN" altLang="en-US" dirty="0" smtClean="0"/>
+              <a:t>线程并发可以提升多任务的效率，</a:t>
+            </a:r>
+            <a:r>
+              <a:rPr lang="zh-CN" altLang="en-US" dirty="0"/>
+              <a:t>不会</a:t>
+            </a:r>
+            <a:r>
+              <a:rPr lang="zh-CN" altLang="en-US" dirty="0" smtClean="0"/>
+              <a:t>提高响应速度。</a:t>
+            </a:r>
+            <a:endParaRPr lang="en-US" altLang="zh-CN" dirty="0" smtClean="0"/>
+          </a:p>
+          <a:p>
+            <a:r>
+              <a:rPr lang="zh-CN" altLang="en-US" dirty="0" smtClean="0"/>
+              <a:t>异步</a:t>
+            </a:r>
+            <a:r>
+              <a:rPr lang="en-US" altLang="zh-CN" dirty="0" smtClean="0"/>
+              <a:t>action</a:t>
+            </a:r>
+            <a:r>
+              <a:rPr lang="zh-CN" altLang="en-US" dirty="0" smtClean="0"/>
+              <a:t>可能由两个</a:t>
+            </a:r>
+            <a:r>
+              <a:rPr lang="en-US" altLang="zh-CN" dirty="0" smtClean="0"/>
+              <a:t>worker</a:t>
+            </a:r>
+            <a:r>
+              <a:rPr lang="zh-CN" altLang="en-US" dirty="0" smtClean="0"/>
+              <a:t>线程处理</a:t>
+            </a:r>
+            <a:endParaRPr lang="en-US" altLang="zh-CN" dirty="0" smtClean="0"/>
+          </a:p>
+          <a:p>
+            <a:endParaRPr lang="en-US" altLang="zh-CN" dirty="0"/>
+          </a:p>
+          <a:p>
+            <a:r>
+              <a:rPr lang="en-US" altLang="zh-CN" b="1" dirty="0" err="1"/>
+              <a:t>FileStream</a:t>
+            </a:r>
+            <a:r>
+              <a:rPr lang="zh-CN" altLang="en-US" b="1" dirty="0"/>
+              <a:t>操作：</a:t>
+            </a:r>
+            <a:r>
+              <a:rPr lang="en-US" altLang="zh-CN" dirty="0" err="1"/>
+              <a:t>BeginRead</a:t>
+            </a:r>
+            <a:r>
+              <a:rPr lang="zh-CN" altLang="en-US" dirty="0"/>
+              <a:t>、</a:t>
+            </a:r>
+            <a:r>
+              <a:rPr lang="en-US" altLang="zh-CN" dirty="0" err="1"/>
+              <a:t>BeginWrite</a:t>
+            </a:r>
+            <a:r>
+              <a:rPr lang="zh-CN" altLang="en-US" dirty="0"/>
+              <a:t>。调用</a:t>
+            </a:r>
+            <a:r>
+              <a:rPr lang="en-US" altLang="zh-CN" dirty="0" err="1"/>
+              <a:t>BeginRead</a:t>
+            </a:r>
+            <a:r>
+              <a:rPr lang="en-US" altLang="zh-CN" dirty="0"/>
+              <a:t>/</a:t>
+            </a:r>
+            <a:r>
+              <a:rPr lang="en-US" altLang="zh-CN" dirty="0" err="1"/>
+              <a:t>BeginWrite</a:t>
+            </a:r>
+            <a:r>
+              <a:rPr lang="zh-CN" altLang="en-US" dirty="0"/>
+              <a:t>时会发起一个异步操作，但是只有在创建</a:t>
+            </a:r>
+            <a:r>
+              <a:rPr lang="en-US" altLang="zh-CN" dirty="0" err="1"/>
+              <a:t>FileStream</a:t>
+            </a:r>
+            <a:r>
+              <a:rPr lang="zh-CN" altLang="en-US" dirty="0"/>
+              <a:t>时传入</a:t>
+            </a:r>
+            <a:r>
+              <a:rPr lang="en-US" altLang="zh-CN" dirty="0" err="1"/>
+              <a:t>FileOptions.Asynchronous</a:t>
+            </a:r>
+            <a:r>
+              <a:rPr lang="zh-CN" altLang="en-US" dirty="0"/>
+              <a:t>参数才能获取真正的</a:t>
+            </a:r>
+            <a:r>
+              <a:rPr lang="en-US" altLang="zh-CN" dirty="0"/>
+              <a:t>IOCP</a:t>
+            </a:r>
+            <a:r>
+              <a:rPr lang="zh-CN" altLang="en-US" dirty="0"/>
+              <a:t>支持，否则</a:t>
+            </a:r>
+            <a:r>
+              <a:rPr lang="en-US" altLang="zh-CN" dirty="0" err="1"/>
+              <a:t>BeginXXX</a:t>
+            </a:r>
+            <a:r>
+              <a:rPr lang="zh-CN" altLang="en-US" dirty="0"/>
+              <a:t>方法将会使用默认定义在</a:t>
+            </a:r>
+            <a:r>
+              <a:rPr lang="en-US" altLang="zh-CN" dirty="0"/>
+              <a:t>Stream</a:t>
+            </a:r>
+            <a:r>
+              <a:rPr lang="zh-CN" altLang="en-US" dirty="0"/>
+              <a:t>基类上的实现。</a:t>
+            </a:r>
+            <a:r>
+              <a:rPr lang="en-US" altLang="zh-CN" dirty="0"/>
+              <a:t>Stream</a:t>
+            </a:r>
+            <a:r>
+              <a:rPr lang="zh-CN" altLang="en-US" dirty="0"/>
+              <a:t>基类中</a:t>
+            </a:r>
+            <a:r>
+              <a:rPr lang="en-US" altLang="zh-CN" dirty="0" err="1"/>
+              <a:t>BeginXXX</a:t>
+            </a:r>
+            <a:r>
+              <a:rPr lang="zh-CN" altLang="en-US" dirty="0"/>
+              <a:t>方法会使用委托的</a:t>
+            </a:r>
+            <a:r>
+              <a:rPr lang="en-US" altLang="zh-CN" dirty="0" err="1"/>
+              <a:t>BeginInvoke</a:t>
+            </a:r>
+            <a:r>
+              <a:rPr lang="zh-CN" altLang="en-US" dirty="0"/>
+              <a:t>方法来发起异步调用</a:t>
+            </a:r>
+            <a:r>
+              <a:rPr lang="en-US" altLang="zh-CN" dirty="0"/>
+              <a:t>——</a:t>
+            </a:r>
+            <a:r>
+              <a:rPr lang="zh-CN" altLang="en-US" dirty="0"/>
+              <a:t>这会使用一个额外的线程来执行任务。虽然当前调用线程立即返回了，但是数据的读取或写入操作依旧占用着另一个线程（</a:t>
+            </a:r>
+            <a:r>
+              <a:rPr lang="en-US" altLang="zh-CN" dirty="0"/>
+              <a:t>IOCP</a:t>
+            </a:r>
+            <a:r>
+              <a:rPr lang="zh-CN" altLang="en-US" dirty="0"/>
+              <a:t>支持的异步操作时不需要线程的），因此并没有任何“节省”，反而还很有可能降低了应用程序的性能，因为额外的线程切换会造成性能损失。</a:t>
+            </a:r>
+            <a:endParaRPr lang="zh-CN" altLang="en-US" dirty="0"/>
+          </a:p>
+          <a:p>
+            <a:r>
+              <a:rPr lang="en-US" altLang="zh-CN" b="1" dirty="0"/>
+              <a:t>DNS</a:t>
+            </a:r>
+            <a:r>
+              <a:rPr lang="zh-CN" altLang="en-US" b="1" dirty="0"/>
+              <a:t>操作：</a:t>
+            </a:r>
+            <a:r>
+              <a:rPr lang="en-US" altLang="zh-CN" dirty="0" err="1"/>
+              <a:t>BeginGetHostByName</a:t>
+            </a:r>
+            <a:r>
+              <a:rPr lang="zh-CN" altLang="en-US" dirty="0"/>
+              <a:t>、</a:t>
+            </a:r>
+            <a:r>
+              <a:rPr lang="en-US" altLang="zh-CN" dirty="0" err="1"/>
+              <a:t>BeginResolve</a:t>
+            </a:r>
+            <a:r>
+              <a:rPr lang="zh-CN" altLang="en-US" dirty="0"/>
+              <a:t>。</a:t>
+            </a:r>
+            <a:endParaRPr lang="zh-CN" altLang="en-US" dirty="0"/>
+          </a:p>
+          <a:p>
+            <a:r>
+              <a:rPr lang="en-US" altLang="zh-CN" b="1" dirty="0"/>
+              <a:t>Socket</a:t>
+            </a:r>
+            <a:r>
+              <a:rPr lang="zh-CN" altLang="en-US" b="1" dirty="0"/>
+              <a:t>操作：</a:t>
+            </a:r>
+            <a:r>
+              <a:rPr lang="en-US" altLang="zh-CN" dirty="0" err="1"/>
+              <a:t>BeginAccept</a:t>
+            </a:r>
+            <a:r>
+              <a:rPr lang="zh-CN" altLang="en-US" dirty="0"/>
+              <a:t>、</a:t>
+            </a:r>
+            <a:r>
+              <a:rPr lang="en-US" altLang="zh-CN" dirty="0" err="1"/>
+              <a:t>BeginConnect</a:t>
+            </a:r>
+            <a:r>
+              <a:rPr lang="zh-CN" altLang="en-US" dirty="0"/>
+              <a:t>、</a:t>
+            </a:r>
+            <a:r>
+              <a:rPr lang="en-US" altLang="zh-CN" dirty="0" err="1"/>
+              <a:t>BeginReceive</a:t>
+            </a:r>
+            <a:r>
+              <a:rPr lang="zh-CN" altLang="en-US" dirty="0"/>
+              <a:t>等等。</a:t>
+            </a:r>
+            <a:endParaRPr lang="zh-CN" altLang="en-US" dirty="0"/>
+          </a:p>
+          <a:p>
+            <a:r>
+              <a:rPr lang="en-US" altLang="zh-CN" b="1" dirty="0" err="1"/>
+              <a:t>WebRequest</a:t>
+            </a:r>
+            <a:r>
+              <a:rPr lang="zh-CN" altLang="en-US" b="1" dirty="0"/>
+              <a:t>操作：</a:t>
+            </a:r>
+            <a:r>
+              <a:rPr lang="en-US" altLang="zh-CN" dirty="0" err="1"/>
+              <a:t>BeginGetRequestStream</a:t>
+            </a:r>
+            <a:r>
+              <a:rPr lang="zh-CN" altLang="en-US" dirty="0"/>
+              <a:t>、</a:t>
+            </a:r>
+            <a:r>
+              <a:rPr lang="en-US" altLang="zh-CN" dirty="0" err="1"/>
+              <a:t>BeginGetResponse</a:t>
+            </a:r>
+            <a:r>
+              <a:rPr lang="zh-CN" altLang="en-US" dirty="0"/>
+              <a:t>。</a:t>
+            </a:r>
+            <a:endParaRPr lang="zh-CN" altLang="en-US" dirty="0"/>
+          </a:p>
+          <a:p>
+            <a:r>
+              <a:rPr lang="en-US" altLang="zh-CN" b="1" dirty="0" err="1"/>
+              <a:t>SqlCommand</a:t>
+            </a:r>
+            <a:r>
+              <a:rPr lang="zh-CN" altLang="en-US" b="1" dirty="0"/>
+              <a:t>操作：</a:t>
+            </a:r>
+            <a:r>
+              <a:rPr lang="en-US" altLang="zh-CN" dirty="0" err="1"/>
+              <a:t>BeginExecuteReader</a:t>
+            </a:r>
+            <a:r>
+              <a:rPr lang="zh-CN" altLang="en-US" dirty="0"/>
+              <a:t>、</a:t>
+            </a:r>
+            <a:r>
+              <a:rPr lang="en-US" altLang="zh-CN" dirty="0" err="1"/>
+              <a:t>BeginExecuteNonQuery</a:t>
+            </a:r>
+            <a:r>
+              <a:rPr lang="zh-CN" altLang="en-US" dirty="0"/>
+              <a:t>等等。这可能是开发一个</a:t>
+            </a:r>
+            <a:r>
+              <a:rPr lang="en-US" altLang="zh-CN" dirty="0"/>
+              <a:t>Web</a:t>
+            </a:r>
+            <a:r>
+              <a:rPr lang="zh-CN" altLang="en-US" dirty="0"/>
+              <a:t>应用时最常用的异步操作了。如果需要在执行数据库操作时得到</a:t>
+            </a:r>
+            <a:r>
+              <a:rPr lang="en-US" altLang="zh-CN" dirty="0"/>
+              <a:t>IOCP</a:t>
+            </a:r>
+            <a:r>
+              <a:rPr lang="zh-CN" altLang="en-US" dirty="0"/>
+              <a:t>支持，那么需要在连接字符串中标记</a:t>
+            </a:r>
+            <a:r>
+              <a:rPr lang="en-US" altLang="zh-CN" dirty="0"/>
+              <a:t>Asynchronous Processing</a:t>
+            </a:r>
+            <a:r>
+              <a:rPr lang="zh-CN" altLang="en-US" dirty="0"/>
+              <a:t>为</a:t>
+            </a:r>
+            <a:r>
+              <a:rPr lang="en-US" altLang="zh-CN" dirty="0"/>
+              <a:t>true</a:t>
+            </a:r>
+            <a:r>
+              <a:rPr lang="zh-CN" altLang="en-US" dirty="0"/>
+              <a:t>（默认为</a:t>
+            </a:r>
+            <a:r>
+              <a:rPr lang="en-US" altLang="zh-CN" dirty="0"/>
+              <a:t>false</a:t>
+            </a:r>
+            <a:r>
+              <a:rPr lang="zh-CN" altLang="en-US" dirty="0"/>
+              <a:t>），否则在调用</a:t>
+            </a:r>
+            <a:r>
+              <a:rPr lang="en-US" altLang="zh-CN" dirty="0" err="1"/>
+              <a:t>BeginXXX</a:t>
+            </a:r>
+            <a:r>
+              <a:rPr lang="zh-CN" altLang="en-US" dirty="0"/>
+              <a:t>操作时就会抛出异常。</a:t>
+            </a:r>
+            <a:endParaRPr lang="zh-CN" altLang="en-US" dirty="0"/>
+          </a:p>
+          <a:p>
+            <a:r>
+              <a:rPr lang="en-US" altLang="zh-CN" b="1" dirty="0" err="1"/>
+              <a:t>WebServcie</a:t>
+            </a:r>
+            <a:r>
+              <a:rPr lang="zh-CN" altLang="en-US" b="1" dirty="0"/>
+              <a:t>调用操作：</a:t>
+            </a:r>
+            <a:r>
+              <a:rPr lang="zh-CN" altLang="en-US" dirty="0"/>
+              <a:t>例如</a:t>
+            </a:r>
+            <a:r>
+              <a:rPr lang="en-US" altLang="zh-CN" dirty="0"/>
+              <a:t>.NET 2.0</a:t>
+            </a:r>
+            <a:r>
+              <a:rPr lang="zh-CN" altLang="en-US" dirty="0"/>
+              <a:t>或</a:t>
+            </a:r>
+            <a:r>
+              <a:rPr lang="en-US" altLang="zh-CN" dirty="0"/>
+              <a:t>WCF</a:t>
+            </a:r>
+            <a:r>
+              <a:rPr lang="zh-CN" altLang="en-US" dirty="0"/>
+              <a:t>生成的</a:t>
+            </a:r>
+            <a:r>
+              <a:rPr lang="en-US" altLang="zh-CN" dirty="0"/>
+              <a:t>Web Service Proxy</a:t>
+            </a:r>
+            <a:r>
+              <a:rPr lang="zh-CN" altLang="en-US" dirty="0"/>
+              <a:t>中的</a:t>
+            </a:r>
+            <a:r>
+              <a:rPr lang="en-US" altLang="zh-CN" dirty="0" err="1"/>
+              <a:t>BeginXXX</a:t>
+            </a:r>
+            <a:r>
+              <a:rPr lang="zh-CN" altLang="en-US" dirty="0"/>
+              <a:t>方法、</a:t>
+            </a:r>
+            <a:r>
+              <a:rPr lang="en-US" altLang="zh-CN" dirty="0"/>
+              <a:t>WCF</a:t>
+            </a:r>
+            <a:r>
+              <a:rPr lang="zh-CN" altLang="en-US" dirty="0"/>
+              <a:t>中</a:t>
+            </a:r>
+            <a:r>
+              <a:rPr lang="en-US" altLang="zh-CN" dirty="0" err="1"/>
+              <a:t>ClientBase</a:t>
+            </a:r>
+            <a:r>
+              <a:rPr lang="en-US" altLang="zh-CN" dirty="0"/>
+              <a:t>&lt;</a:t>
+            </a:r>
+            <a:r>
+              <a:rPr lang="en-US" altLang="zh-CN" dirty="0" err="1"/>
+              <a:t>TChannel</a:t>
+            </a:r>
+            <a:r>
+              <a:rPr lang="en-US" altLang="zh-CN" dirty="0"/>
+              <a:t>&gt;</a:t>
+            </a:r>
+            <a:r>
+              <a:rPr lang="zh-CN" altLang="en-US" dirty="0"/>
+              <a:t>的</a:t>
+            </a:r>
+            <a:r>
+              <a:rPr lang="en-US" altLang="zh-CN" dirty="0" err="1"/>
+              <a:t>InvokeAsync</a:t>
+            </a:r>
+            <a:r>
+              <a:rPr lang="zh-CN" altLang="en-US" dirty="0"/>
+              <a:t>方法</a:t>
+            </a:r>
+            <a:endParaRPr lang="zh-CN" altLang="en-US" dirty="0"/>
+          </a:p>
+        </p:txBody>
+      </p:sp>
+    </p:spTree>
+  </p:cSld>
+  <p:clrMapOvr>
+    <a:masterClrMapping/>
+  </p:clrMapOvr>
+</p:sld>
+</file>
+
+<file path=ppt/slides/slide23.xml><?xml version="1.0" encoding="utf-8"?>
+<p:sld xmlns:a="http://schemas.openxmlformats.org/drawingml/2006/main" xmlns:r="http://schemas.openxmlformats.org/officeDocument/2006/relationships" xmlns:p="http://schemas.openxmlformats.org/presentationml/2006/main">
+  <p:cSld>
+    <p:spTree>
+      <p:nvGrpSpPr>
+        <p:cNvPr id="1" name=""/>
+        <p:cNvGrpSpPr/>
+        <p:nvPr/>
+      </p:nvGrpSpPr>
+      <p:grpSpPr>
+        <a:xfrm>
+          <a:off x="0" y="0"/>
+          <a:ext cx="0" cy="0"/>
+          <a:chOff x="0" y="0"/>
+          <a:chExt cx="0" cy="0"/>
+        </a:xfrm>
+      </p:grpSpPr>
+      <p:sp>
+        <p:nvSpPr>
+          <p:cNvPr id="2" name="标题 1"/>
+          <p:cNvSpPr>
+            <a:spLocks noGrp="1"/>
+          </p:cNvSpPr>
+          <p:nvPr>
+            <p:ph type="title"/>
+          </p:nvPr>
+        </p:nvSpPr>
+        <p:spPr/>
+        <p:txBody>
+          <a:bodyPr/>
+          <a:lstStyle/>
+          <a:p>
+            <a:r>
+              <a:rPr lang="en-US" altLang="zh-CN" dirty="0" smtClean="0"/>
+              <a:t>Framework</a:t>
+            </a:r>
+            <a:r>
+              <a:rPr lang="zh-CN" altLang="en-US" dirty="0" smtClean="0"/>
+              <a:t>源码</a:t>
+            </a:r>
+            <a:endParaRPr lang="zh-CN" altLang="en-US" dirty="0"/>
+          </a:p>
+        </p:txBody>
+      </p:sp>
+      <p:sp>
+        <p:nvSpPr>
+          <p:cNvPr id="3" name="内容占位符 2"/>
+          <p:cNvSpPr>
+            <a:spLocks noGrp="1"/>
+          </p:cNvSpPr>
+          <p:nvPr>
+            <p:ph sz="quarter" idx="11"/>
+          </p:nvPr>
+        </p:nvSpPr>
+        <p:spPr/>
+        <p:txBody>
+          <a:bodyPr/>
+          <a:lstStyle/>
+          <a:p>
             <a:pPr marL="0" indent="0">
               <a:buNone/>
             </a:pPr>
             <a:r>
-              <a:rPr lang="en-US" altLang="zh-CN" dirty="0" smtClean="0"/>
-              <a:t>Java</a:t>
-            </a:r>
-            <a:r>
-              <a:rPr lang="zh-CN" altLang="en-US" dirty="0" smtClean="0"/>
-              <a:t>多线程</a:t>
-            </a:r>
-            <a:endParaRPr lang="en-US" altLang="zh-CN" dirty="0" smtClean="0"/>
-          </a:p>
-          <a:p>
-            <a:pPr marL="0" indent="0">
-              <a:buNone/>
-            </a:pPr>
-            <a:r>
-              <a:rPr lang="en-US" altLang="zh-CN" dirty="0" smtClean="0"/>
-              <a:t>Java maven</a:t>
-            </a:r>
-          </a:p>
-          <a:p>
-            <a:pPr marL="0" indent="0">
-              <a:buNone/>
-            </a:pPr>
-            <a:r>
-              <a:rPr lang="en-US" altLang="zh-CN" dirty="0" smtClean="0"/>
-              <a:t>Eclipse/Idea</a:t>
-            </a:r>
-          </a:p>
-          <a:p>
-            <a:pPr marL="0" indent="0">
-              <a:buNone/>
-            </a:pPr>
-            <a:r>
-              <a:rPr lang="en-US" altLang="zh-CN" dirty="0" smtClean="0"/>
-              <a:t>Spring </a:t>
-            </a:r>
-            <a:r>
-              <a:rPr lang="en-US" altLang="zh-CN" dirty="0" err="1" smtClean="0"/>
-              <a:t>springmvc</a:t>
-            </a:r>
-            <a:endParaRPr lang="en-US" altLang="zh-CN" dirty="0" smtClean="0"/>
-          </a:p>
-          <a:p>
-            <a:pPr marL="0" indent="0">
-              <a:buNone/>
-            </a:pPr>
-            <a:r>
-              <a:rPr lang="en-US" altLang="zh-CN" dirty="0" smtClean="0"/>
-              <a:t>Java </a:t>
-            </a:r>
-            <a:r>
-              <a:rPr lang="en-US" altLang="zh-CN" dirty="0" err="1" smtClean="0"/>
-              <a:t>ssh</a:t>
-            </a:r>
-            <a:r>
-              <a:rPr lang="en-US" altLang="zh-CN" dirty="0" smtClean="0"/>
-              <a:t>/</a:t>
-            </a:r>
-            <a:r>
-              <a:rPr lang="en-US" altLang="zh-CN" dirty="0" err="1" smtClean="0"/>
-              <a:t>ssm</a:t>
-            </a:r>
-            <a:endParaRPr lang="en-US" altLang="zh-CN" dirty="0" smtClean="0"/>
-          </a:p>
-          <a:p>
-            <a:pPr marL="0" indent="0">
-              <a:buNone/>
-            </a:pPr>
-            <a:r>
-              <a:rPr lang="en-US" altLang="zh-CN" dirty="0" err="1" smtClean="0"/>
-              <a:t>es</a:t>
-            </a:r>
-            <a:r>
-              <a:rPr lang="en-US" altLang="zh-CN" dirty="0" smtClean="0"/>
-              <a:t>/</a:t>
-            </a:r>
-            <a:r>
-              <a:rPr lang="en-US" altLang="zh-CN" dirty="0" err="1" smtClean="0"/>
-              <a:t>solr</a:t>
-            </a:r>
-            <a:r>
-              <a:rPr lang="en-US" altLang="zh-CN" dirty="0" smtClean="0"/>
-              <a:t>/</a:t>
-            </a:r>
-            <a:r>
-              <a:rPr lang="en-US" altLang="zh-CN" dirty="0" err="1" smtClean="0"/>
-              <a:t>hadoop</a:t>
-            </a:r>
-            <a:endParaRPr lang="en-US" altLang="zh-CN" dirty="0" smtClean="0"/>
+              <a:rPr lang="en-US" altLang="zh-CN" dirty="0"/>
+              <a:t>https://referencesource.microsoft.com/download.html</a:t>
+            </a:r>
+            <a:endParaRPr lang="en-US" altLang="zh-CN" dirty="0"/>
           </a:p>
           <a:p>
             <a:pPr marL="0" indent="0">
@@ -7532,51 +8250,175 @@
             <a:pPr marL="0" indent="0">
               <a:buNone/>
             </a:pPr>
-            <a:r>
-              <a:rPr lang="en-US" altLang="zh-CN" dirty="0" err="1" smtClean="0"/>
-              <a:t>.Net</a:t>
-            </a:r>
-            <a:r>
-              <a:rPr lang="en-US" altLang="zh-CN" dirty="0" smtClean="0"/>
-              <a:t>:</a:t>
-            </a:r>
+            <a:endParaRPr lang="en-US" altLang="zh-CN" dirty="0"/>
           </a:p>
           <a:p>
             <a:pPr marL="0" indent="0">
               <a:buNone/>
             </a:pPr>
-            <a:r>
-              <a:rPr lang="en-US" altLang="zh-CN" dirty="0" err="1" smtClean="0"/>
-              <a:t>MVC,webapi</a:t>
-            </a:r>
-            <a:r>
-              <a:rPr lang="zh-CN" altLang="en-US" dirty="0" smtClean="0"/>
-              <a:t>源码解析</a:t>
+            <a:endParaRPr lang="zh-CN" altLang="en-US" dirty="0"/>
+          </a:p>
+        </p:txBody>
+      </p:sp>
+    </p:spTree>
+  </p:cSld>
+  <p:clrMapOvr>
+    <a:masterClrMapping/>
+  </p:clrMapOvr>
+</p:sld>
+</file>
+
+<file path=ppt/slides/slide24.xml><?xml version="1.0" encoding="utf-8"?>
+<p:sld xmlns:a="http://schemas.openxmlformats.org/drawingml/2006/main" xmlns:r="http://schemas.openxmlformats.org/officeDocument/2006/relationships" xmlns:p="http://schemas.openxmlformats.org/presentationml/2006/main">
+  <p:cSld>
+    <p:spTree>
+      <p:nvGrpSpPr>
+        <p:cNvPr id="1" name=""/>
+        <p:cNvGrpSpPr/>
+        <p:nvPr/>
+      </p:nvGrpSpPr>
+      <p:grpSpPr>
+        <a:xfrm>
+          <a:off x="0" y="0"/>
+          <a:ext cx="0" cy="0"/>
+          <a:chOff x="0" y="0"/>
+          <a:chExt cx="0" cy="0"/>
+        </a:xfrm>
+      </p:grpSpPr>
+      <p:sp>
+        <p:nvSpPr>
+          <p:cNvPr id="2" name="标题 1"/>
+          <p:cNvSpPr>
+            <a:spLocks noGrp="1"/>
+          </p:cNvSpPr>
+          <p:nvPr>
+            <p:ph type="title"/>
+          </p:nvPr>
+        </p:nvSpPr>
+        <p:spPr/>
+        <p:txBody>
+          <a:bodyPr/>
+          <a:lstStyle/>
+          <a:p>
+            <a:r>
+              <a:rPr lang="zh-CN" altLang="en-US" dirty="0" smtClean="0"/>
+              <a:t>个人期望的</a:t>
             </a:r>
             <a:r>
               <a:rPr lang="en-US" altLang="zh-CN" dirty="0" smtClean="0"/>
-              <a:t>(</a:t>
-            </a:r>
-            <a:r>
-              <a:rPr lang="zh-CN" altLang="en-US" dirty="0"/>
-              <a:t>蒋金楠</a:t>
-            </a:r>
-            <a:r>
-              <a:rPr lang="en-US" altLang="zh-CN" dirty="0" smtClean="0"/>
-              <a:t>)</a:t>
-            </a:r>
-          </a:p>
+              <a:t>training</a:t>
+            </a:r>
+            <a:endParaRPr lang="zh-CN" altLang="en-US" dirty="0"/>
+          </a:p>
+        </p:txBody>
+      </p:sp>
+      <p:sp>
+        <p:nvSpPr>
+          <p:cNvPr id="3" name="内容占位符 2"/>
+          <p:cNvSpPr>
+            <a:spLocks noGrp="1"/>
+          </p:cNvSpPr>
+          <p:nvPr>
+            <p:ph sz="quarter" idx="11"/>
+          </p:nvPr>
+        </p:nvSpPr>
+        <p:spPr/>
+        <p:txBody>
+          <a:bodyPr/>
+          <a:lstStyle/>
           <a:p>
             <a:pPr marL="0" indent="0">
               <a:buNone/>
             </a:pPr>
             <a:r>
               <a:rPr lang="en-US" altLang="zh-CN" dirty="0" smtClean="0"/>
-              <a:t>WCF</a:t>
-            </a:r>
-            <a:r>
-              <a:rPr lang="zh-CN" altLang="en-US" dirty="0" smtClean="0"/>
-              <a:t>（蒋金楠）</a:t>
+              <a:t>Java</a:t>
+            </a:r>
+            <a:r>
+              <a:rPr lang="zh-CN" altLang="en-US" dirty="0" smtClean="0"/>
+              <a:t>多线程</a:t>
+            </a:r>
+            <a:endParaRPr lang="en-US" altLang="zh-CN" dirty="0" smtClean="0"/>
+          </a:p>
+          <a:p>
+            <a:pPr marL="0" indent="0">
+              <a:buNone/>
+            </a:pPr>
+            <a:r>
+              <a:rPr lang="en-US" altLang="zh-CN" dirty="0" smtClean="0"/>
+              <a:t>Java maven</a:t>
+            </a:r>
+            <a:endParaRPr lang="en-US" altLang="zh-CN" dirty="0" smtClean="0"/>
+          </a:p>
+          <a:p>
+            <a:pPr marL="0" indent="0">
+              <a:buNone/>
+            </a:pPr>
+            <a:r>
+              <a:rPr lang="en-US" altLang="zh-CN" dirty="0" smtClean="0"/>
+              <a:t>Eclipse/Idea</a:t>
+            </a:r>
+            <a:endParaRPr lang="en-US" altLang="zh-CN" dirty="0" smtClean="0"/>
+          </a:p>
+          <a:p>
+            <a:pPr marL="0" indent="0">
+              <a:buNone/>
+            </a:pPr>
+            <a:r>
+              <a:rPr lang="en-US" altLang="zh-CN" dirty="0" smtClean="0"/>
+              <a:t>Spring </a:t>
+            </a:r>
+            <a:r>
+              <a:rPr lang="en-US" altLang="zh-CN" dirty="0" err="1" smtClean="0"/>
+              <a:t>springmvc</a:t>
+            </a:r>
+            <a:endParaRPr lang="en-US" altLang="zh-CN" dirty="0" smtClean="0"/>
+          </a:p>
+          <a:p>
+            <a:pPr marL="0" indent="0">
+              <a:buNone/>
+            </a:pPr>
+            <a:r>
+              <a:rPr lang="en-US" altLang="zh-CN" dirty="0" smtClean="0"/>
+              <a:t>Java </a:t>
+            </a:r>
+            <a:r>
+              <a:rPr lang="en-US" altLang="zh-CN" dirty="0" err="1" smtClean="0"/>
+              <a:t>ssh</a:t>
+            </a:r>
+            <a:r>
+              <a:rPr lang="en-US" altLang="zh-CN" dirty="0" smtClean="0"/>
+              <a:t>/</a:t>
+            </a:r>
+            <a:r>
+              <a:rPr lang="en-US" altLang="zh-CN" dirty="0" err="1" smtClean="0"/>
+              <a:t>ssm</a:t>
+            </a:r>
+            <a:endParaRPr lang="en-US" altLang="zh-CN" dirty="0" smtClean="0"/>
+          </a:p>
+          <a:p>
+            <a:pPr marL="0" indent="0">
+              <a:buNone/>
+            </a:pPr>
+            <a:r>
+              <a:rPr lang="en-US" altLang="zh-CN" dirty="0" err="1" smtClean="0"/>
+              <a:t>es</a:t>
+            </a:r>
+            <a:r>
+              <a:rPr lang="en-US" altLang="zh-CN" dirty="0" smtClean="0"/>
+              <a:t>/</a:t>
+            </a:r>
+            <a:r>
+              <a:rPr lang="en-US" altLang="zh-CN" dirty="0" err="1" smtClean="0"/>
+              <a:t>solr</a:t>
+            </a:r>
+            <a:r>
+              <a:rPr lang="en-US" altLang="zh-CN" dirty="0" smtClean="0"/>
+              <a:t>/</a:t>
+            </a:r>
+            <a:r>
+              <a:rPr lang="en-US" altLang="zh-CN" dirty="0" err="1" smtClean="0"/>
+              <a:t>hadoop</a:t>
             </a:r>
             <a:endParaRPr lang="en-US" altLang="zh-CN" dirty="0" smtClean="0"/>
           </a:p>
@@ -7591,8 +8433,12 @@
               <a:buNone/>
             </a:pPr>
             <a:r>
-              <a:rPr lang="zh-CN" altLang="en-US" dirty="0" smtClean="0"/>
-              <a:t>其他优秀的框架源码解读</a:t>
+              <a:rPr lang="en-US" altLang="zh-CN" dirty="0" err="1" smtClean="0"/>
+              <a:t>.Net</a:t>
+            </a:r>
+            <a:r>
+              <a:rPr lang="en-US" altLang="zh-CN" dirty="0" smtClean="0"/>
+              <a:t>:</a:t>
             </a:r>
             <a:endParaRPr lang="en-US" altLang="zh-CN" dirty="0" smtClean="0"/>
           </a:p>
@@ -7601,10 +8447,40 @@
               <a:buNone/>
             </a:pPr>
             <a:r>
-              <a:rPr lang="zh-CN" altLang="en-US" dirty="0"/>
-              <a:t>软件脱壳破解技术</a:t>
-            </a:r>
-            <a:endParaRPr lang="en-US" altLang="zh-CN" dirty="0"/>
+              <a:rPr lang="en-US" altLang="zh-CN" dirty="0" err="1" smtClean="0"/>
+              <a:t>MVC,webapi</a:t>
+            </a:r>
+            <a:r>
+              <a:rPr lang="zh-CN" altLang="en-US" dirty="0" smtClean="0"/>
+              <a:t>源码解析</a:t>
+            </a:r>
+            <a:r>
+              <a:rPr lang="en-US" altLang="zh-CN" dirty="0" smtClean="0"/>
+              <a:t>(</a:t>
+            </a:r>
+            <a:r>
+              <a:rPr lang="zh-CN" altLang="en-US" dirty="0"/>
+              <a:t>蒋金楠</a:t>
+            </a:r>
+            <a:r>
+              <a:rPr lang="en-US" altLang="zh-CN" dirty="0" smtClean="0"/>
+              <a:t>)</a:t>
+            </a:r>
+            <a:endParaRPr lang="en-US" altLang="zh-CN" dirty="0" smtClean="0"/>
+          </a:p>
+          <a:p>
+            <a:pPr marL="0" indent="0">
+              <a:buNone/>
+            </a:pPr>
+            <a:r>
+              <a:rPr lang="en-US" altLang="zh-CN" dirty="0" smtClean="0"/>
+              <a:t>WCF</a:t>
+            </a:r>
+            <a:r>
+              <a:rPr lang="zh-CN" altLang="en-US" dirty="0" smtClean="0"/>
+              <a:t>（蒋金楠）</a:t>
+            </a:r>
+            <a:endParaRPr lang="en-US" altLang="zh-CN" dirty="0" smtClean="0"/>
           </a:p>
           <a:p>
             <a:pPr marL="0" indent="0">
@@ -7616,16 +8492,37 @@
             <a:pPr marL="0" indent="0">
               <a:buNone/>
             </a:pPr>
+            <a:r>
+              <a:rPr lang="zh-CN" altLang="en-US" dirty="0" smtClean="0"/>
+              <a:t>其他优秀的框架源码解读</a:t>
+            </a:r>
+            <a:endParaRPr lang="en-US" altLang="zh-CN" dirty="0" smtClean="0"/>
+          </a:p>
+          <a:p>
+            <a:pPr marL="0" indent="0">
+              <a:buNone/>
+            </a:pPr>
+            <a:r>
+              <a:rPr lang="zh-CN" altLang="en-US" dirty="0"/>
+              <a:t>软件脱壳破解技术</a:t>
+            </a:r>
+            <a:endParaRPr lang="en-US" altLang="zh-CN" dirty="0"/>
+          </a:p>
+          <a:p>
+            <a:pPr marL="0" indent="0">
+              <a:buNone/>
+            </a:pPr>
+            <a:endParaRPr lang="en-US" altLang="zh-CN" dirty="0"/>
+          </a:p>
+          <a:p>
+            <a:pPr marL="0" indent="0">
+              <a:buNone/>
+            </a:pPr>
             <a:endParaRPr lang="zh-CN" altLang="en-US" dirty="0"/>
           </a:p>
         </p:txBody>
       </p:sp>
     </p:spTree>
-    <p:extLst>
-      <p:ext uri="{BB962C8B-B14F-4D97-AF65-F5344CB8AC3E}">
-        <p14:creationId xmlns:p14="http://schemas.microsoft.com/office/powerpoint/2010/main" val="4000743282"/>
-      </p:ext>
-    </p:extLst>
   </p:cSld>
   <p:clrMapOvr>
     <a:masterClrMapping/>
@@ -7652,13 +8549,7 @@
       </p:grpSpPr>
       <p:sp>
         <p:nvSpPr>
-          <p:cNvPr id="2" name="标题 1">
-            <a:extLst>
-              <a:ext uri="{FF2B5EF4-FFF2-40B4-BE49-F238E27FC236}">
-                <a16:creationId xmlns:a16="http://schemas.microsoft.com/office/drawing/2014/main" xmlns="" id="{508C5496-4B94-4E74-B852-01660F8B2C58}"/>
-              </a:ext>
-            </a:extLst>
-          </p:cNvPr>
+          <p:cNvPr id="2" name="标题 1"/>
           <p:cNvSpPr>
             <a:spLocks noGrp="1"/>
           </p:cNvSpPr>
@@ -7685,13 +8576,7 @@
       </p:sp>
       <p:sp>
         <p:nvSpPr>
-          <p:cNvPr id="3" name="内容占位符 2">
-            <a:extLst>
-              <a:ext uri="{FF2B5EF4-FFF2-40B4-BE49-F238E27FC236}">
-                <a16:creationId xmlns:a16="http://schemas.microsoft.com/office/drawing/2014/main" xmlns="" id="{58AF2E9D-F75B-4B1B-B93B-4C9C7AB0286D}"/>
-              </a:ext>
-            </a:extLst>
-          </p:cNvPr>
+          <p:cNvPr id="3" name="内容占位符 2"/>
           <p:cNvSpPr>
             <a:spLocks noGrp="1"/>
           </p:cNvSpPr>
@@ -7708,18 +8593,21 @@
               <a:rPr lang="en-US" altLang="zh-CN" dirty="0" smtClean="0"/>
               <a:t>Start</a:t>
             </a:r>
+            <a:endParaRPr lang="en-US" altLang="zh-CN" dirty="0" smtClean="0"/>
           </a:p>
           <a:p>
             <a:r>
               <a:rPr lang="en-US" altLang="zh-CN" dirty="0" smtClean="0"/>
               <a:t>Suspend</a:t>
             </a:r>
+            <a:endParaRPr lang="en-US" altLang="zh-CN" dirty="0" smtClean="0"/>
           </a:p>
           <a:p>
             <a:r>
               <a:rPr lang="en-US" altLang="zh-CN" dirty="0" smtClean="0"/>
               <a:t>Resume</a:t>
             </a:r>
+            <a:endParaRPr lang="en-US" altLang="zh-CN" dirty="0" smtClean="0"/>
           </a:p>
           <a:p>
             <a:r>
@@ -7742,6 +8630,7 @@
               <a:rPr lang="en-US" altLang="zh-CN" dirty="0" smtClean="0"/>
               <a:t>)</a:t>
             </a:r>
+            <a:endParaRPr lang="en-US" altLang="zh-CN" dirty="0" smtClean="0"/>
           </a:p>
           <a:p>
             <a:r>
@@ -7779,6 +8668,7 @@
               <a:rPr lang="en-US" altLang="zh-CN" dirty="0" smtClean="0"/>
               <a:t>Abort</a:t>
             </a:r>
+            <a:endParaRPr lang="en-US" altLang="zh-CN" dirty="0" smtClean="0"/>
           </a:p>
           <a:p>
             <a:r>
@@ -7806,11 +8696,6 @@
         </p:txBody>
       </p:sp>
     </p:spTree>
-    <p:extLst>
-      <p:ext uri="{BB962C8B-B14F-4D97-AF65-F5344CB8AC3E}">
-        <p14:creationId xmlns:p14="http://schemas.microsoft.com/office/powerpoint/2010/main" val="1476683820"/>
-      </p:ext>
-    </p:extLst>
   </p:cSld>
   <p:clrMapOvr>
     <a:masterClrMapping/>
@@ -7837,13 +8722,7 @@
       </p:grpSpPr>
       <p:sp>
         <p:nvSpPr>
-          <p:cNvPr id="2" name="标题 1">
-            <a:extLst>
-              <a:ext uri="{FF2B5EF4-FFF2-40B4-BE49-F238E27FC236}">
-                <a16:creationId xmlns:a16="http://schemas.microsoft.com/office/drawing/2014/main" xmlns="" id="{508C5496-4B94-4E74-B852-01660F8B2C58}"/>
-              </a:ext>
-            </a:extLst>
-          </p:cNvPr>
+          <p:cNvPr id="2" name="标题 1"/>
           <p:cNvSpPr>
             <a:spLocks noGrp="1"/>
           </p:cNvSpPr>
@@ -7870,13 +8749,7 @@
       </p:sp>
       <p:sp>
         <p:nvSpPr>
-          <p:cNvPr id="3" name="内容占位符 2">
-            <a:extLst>
-              <a:ext uri="{FF2B5EF4-FFF2-40B4-BE49-F238E27FC236}">
-                <a16:creationId xmlns:a16="http://schemas.microsoft.com/office/drawing/2014/main" xmlns="" id="{58AF2E9D-F75B-4B1B-B93B-4C9C7AB0286D}"/>
-              </a:ext>
-            </a:extLst>
-          </p:cNvPr>
+          <p:cNvPr id="3" name="内容占位符 2"/>
           <p:cNvSpPr>
             <a:spLocks noGrp="1"/>
           </p:cNvSpPr>
@@ -7962,6 +8835,7 @@
               <a:rPr lang="en-US" altLang="zh-CN" dirty="0" smtClean="0"/>
               <a:t>30ms.</a:t>
             </a:r>
+            <a:endParaRPr lang="en-US" altLang="zh-CN" dirty="0" smtClean="0"/>
           </a:p>
           <a:p>
             <a:pPr marL="0" indent="0">
@@ -8021,6 +8895,7 @@
               <a:rPr lang="en-US" altLang="zh-CN" dirty="0" smtClean="0"/>
               <a:t>.</a:t>
             </a:r>
+            <a:endParaRPr lang="en-US" altLang="zh-CN" dirty="0" smtClean="0"/>
           </a:p>
           <a:p>
             <a:pPr marL="0" indent="0">
@@ -8058,6 +8933,7 @@
               <a:rPr lang="en-US" altLang="zh-CN" dirty="0" smtClean="0"/>
               <a:t> </a:t>
             </a:r>
+            <a:endParaRPr lang="en-US" altLang="zh-CN" dirty="0" smtClean="0"/>
           </a:p>
           <a:p>
             <a:pPr marL="0" indent="0">
@@ -8172,11 +9048,6 @@
         </p:txBody>
       </p:sp>
     </p:spTree>
-    <p:extLst>
-      <p:ext uri="{BB962C8B-B14F-4D97-AF65-F5344CB8AC3E}">
-        <p14:creationId xmlns:p14="http://schemas.microsoft.com/office/powerpoint/2010/main" val="2492428637"/>
-      </p:ext>
-    </p:extLst>
   </p:cSld>
   <p:clrMapOvr>
     <a:masterClrMapping/>
@@ -8203,13 +9074,7 @@
       </p:grpSpPr>
       <p:sp>
         <p:nvSpPr>
-          <p:cNvPr id="2" name="标题 1">
-            <a:extLst>
-              <a:ext uri="{FF2B5EF4-FFF2-40B4-BE49-F238E27FC236}">
-                <a16:creationId xmlns:a16="http://schemas.microsoft.com/office/drawing/2014/main" xmlns="" id="{508C5496-4B94-4E74-B852-01660F8B2C58}"/>
-              </a:ext>
-            </a:extLst>
-          </p:cNvPr>
+          <p:cNvPr id="2" name="标题 1"/>
           <p:cNvSpPr>
             <a:spLocks noGrp="1"/>
           </p:cNvSpPr>
@@ -8236,13 +9101,7 @@
       </p:sp>
       <p:sp>
         <p:nvSpPr>
-          <p:cNvPr id="3" name="内容占位符 2">
-            <a:extLst>
-              <a:ext uri="{FF2B5EF4-FFF2-40B4-BE49-F238E27FC236}">
-                <a16:creationId xmlns:a16="http://schemas.microsoft.com/office/drawing/2014/main" xmlns="" id="{58AF2E9D-F75B-4B1B-B93B-4C9C7AB0286D}"/>
-              </a:ext>
-            </a:extLst>
-          </p:cNvPr>
+          <p:cNvPr id="3" name="内容占位符 2"/>
           <p:cNvSpPr>
             <a:spLocks noGrp="1"/>
           </p:cNvSpPr>
@@ -8368,6 +9227,7 @@
               <a:rPr lang="en-US" altLang="zh-CN" dirty="0" smtClean="0"/>
               <a:t>.</a:t>
             </a:r>
+            <a:endParaRPr lang="en-US" altLang="zh-CN" dirty="0" smtClean="0"/>
           </a:p>
           <a:p>
             <a:pPr marL="0" indent="0">
@@ -8475,6 +9335,7 @@
               <a:rPr lang="en-US" altLang="zh-CN" dirty="0" smtClean="0"/>
               <a:t>30ms</a:t>
             </a:r>
+            <a:endParaRPr lang="en-US" altLang="zh-CN" dirty="0" smtClean="0"/>
           </a:p>
           <a:p>
             <a:pPr marL="0" indent="0">
@@ -8513,11 +9374,6 @@
         </p:txBody>
       </p:sp>
     </p:spTree>
-    <p:extLst>
-      <p:ext uri="{BB962C8B-B14F-4D97-AF65-F5344CB8AC3E}">
-        <p14:creationId xmlns:p14="http://schemas.microsoft.com/office/powerpoint/2010/main" val="2818663986"/>
-      </p:ext>
-    </p:extLst>
   </p:cSld>
   <p:clrMapOvr>
     <a:masterClrMapping/>
@@ -8544,13 +9400,7 @@
       </p:grpSpPr>
       <p:sp>
         <p:nvSpPr>
-          <p:cNvPr id="2" name="标题 1">
-            <a:extLst>
-              <a:ext uri="{FF2B5EF4-FFF2-40B4-BE49-F238E27FC236}">
-                <a16:creationId xmlns:a16="http://schemas.microsoft.com/office/drawing/2014/main" xmlns="" id="{508C5496-4B94-4E74-B852-01660F8B2C58}"/>
-              </a:ext>
-            </a:extLst>
-          </p:cNvPr>
+          <p:cNvPr id="2" name="标题 1"/>
           <p:cNvSpPr>
             <a:spLocks noGrp="1"/>
           </p:cNvSpPr>
@@ -8564,26 +9414,20 @@
           <a:lstStyle/>
           <a:p>
             <a:r>
-              <a:rPr lang="en-US" altLang="zh-CN" dirty="0" err="1" smtClean="0"/>
-              <a:t>ThreadPool</a:t>
-            </a:r>
-            <a:r>
-              <a:rPr lang="zh-CN" altLang="en-US" dirty="0" smtClean="0"/>
-              <a:t>常见 方法</a:t>
-            </a:r>
-            <a:endParaRPr lang="zh-CN" altLang="en-US" dirty="0"/>
+              <a:rPr lang="en-US" altLang="zh-CN" dirty="0" smtClean="0"/>
+              <a:t>Thread</a:t>
+            </a:r>
+            <a:r>
+              <a:rPr lang="zh-CN" altLang="en-US" dirty="0" smtClean="0"/>
+              <a:t>静态方法</a:t>
+            </a:r>
+            <a:endParaRPr lang="zh-CN" altLang="en-US" dirty="0" smtClean="0"/>
           </a:p>
         </p:txBody>
       </p:sp>
       <p:sp>
         <p:nvSpPr>
-          <p:cNvPr id="3" name="内容占位符 2">
-            <a:extLst>
-              <a:ext uri="{FF2B5EF4-FFF2-40B4-BE49-F238E27FC236}">
-                <a16:creationId xmlns:a16="http://schemas.microsoft.com/office/drawing/2014/main" xmlns="" id="{58AF2E9D-F75B-4B1B-B93B-4C9C7AB0286D}"/>
-              </a:ext>
-            </a:extLst>
-          </p:cNvPr>
+          <p:cNvPr id="3" name="内容占位符 2"/>
           <p:cNvSpPr>
             <a:spLocks noGrp="1"/>
           </p:cNvSpPr>
@@ -8596,6 +9440,298 @@
           <a:bodyPr/>
           <a:lstStyle/>
           <a:p>
+            <a:r>
+              <a:rPr lang="zh-CN" altLang="en-US" dirty="0"/>
+              <a:t>AllocateDataSlot</a:t>
+            </a:r>
+            <a:endParaRPr lang="zh-CN" altLang="en-US" dirty="0"/>
+          </a:p>
+          <a:p>
+            <a:r>
+              <a:rPr lang="zh-CN" altLang="en-US" dirty="0"/>
+              <a:t>AllocateNamedDataSlot（给所有的线程分配数据槽）</a:t>
+            </a:r>
+            <a:endParaRPr lang="zh-CN" altLang="en-US" dirty="0"/>
+          </a:p>
+          <a:p>
+            <a:r>
+              <a:rPr lang="zh-CN" altLang="en-US" dirty="0"/>
+              <a:t>GetNamedDataSlot</a:t>
+            </a:r>
+            <a:endParaRPr lang="zh-CN" altLang="en-US" dirty="0"/>
+          </a:p>
+          <a:p>
+            <a:r>
+              <a:rPr lang="zh-CN" altLang="en-US" dirty="0"/>
+              <a:t>FreeNamedDataSlot</a:t>
+            </a:r>
+            <a:endParaRPr lang="zh-CN" altLang="en-US" dirty="0"/>
+          </a:p>
+          <a:p>
+            <a:r>
+              <a:rPr lang="zh-CN" altLang="en-US" dirty="0"/>
+              <a:t>多个线程间共享数据，存在锁 的问题</a:t>
+            </a:r>
+            <a:endParaRPr lang="zh-CN" altLang="en-US" dirty="0"/>
+          </a:p>
+          <a:p>
+            <a:endParaRPr lang="zh-CN" altLang="en-US" dirty="0"/>
+          </a:p>
+          <a:p>
+            <a:r>
+              <a:rPr lang="en-US" altLang="zh-CN" dirty="0"/>
+              <a:t>ThreadStatic(static</a:t>
+            </a:r>
+            <a:r>
+              <a:rPr lang="zh-CN" altLang="en-US" dirty="0"/>
+              <a:t>区别，这个是每个线程唯一的静态字段</a:t>
+            </a:r>
+            <a:r>
+              <a:rPr lang="en-US" altLang="zh-CN" dirty="0"/>
+              <a:t>)</a:t>
+            </a:r>
+            <a:endParaRPr lang="en-US" altLang="zh-CN" dirty="0"/>
+          </a:p>
+          <a:p>
+            <a:r>
+              <a:rPr lang="en-US" altLang="zh-CN" dirty="0"/>
+              <a:t>ThreadLocal</a:t>
+            </a:r>
+            <a:endParaRPr lang="en-US" altLang="zh-CN" dirty="0"/>
+          </a:p>
+          <a:p>
+            <a:endParaRPr lang="en-US" altLang="zh-CN" dirty="0"/>
+          </a:p>
+          <a:p>
+            <a:r>
+              <a:rPr lang="zh-CN" altLang="en-US" dirty="0"/>
+              <a:t>存储在线程环境快，我们可以通过</a:t>
+            </a:r>
+            <a:r>
+              <a:rPr lang="en-US" altLang="zh-CN" dirty="0"/>
+              <a:t>windbg</a:t>
+            </a:r>
+            <a:r>
+              <a:rPr lang="zh-CN" altLang="en-US" dirty="0"/>
+              <a:t>查看（</a:t>
+            </a:r>
+            <a:r>
+              <a:rPr lang="en-US" altLang="zh-CN" dirty="0"/>
+              <a:t>!clrstack</a:t>
+            </a:r>
+            <a:r>
+              <a:rPr lang="zh-CN" altLang="en-US" dirty="0"/>
+              <a:t>）</a:t>
+            </a:r>
+            <a:endParaRPr lang="zh-CN" altLang="en-US" dirty="0"/>
+          </a:p>
+        </p:txBody>
+      </p:sp>
+    </p:spTree>
+  </p:cSld>
+  <p:clrMapOvr>
+    <a:masterClrMapping/>
+  </p:clrMapOvr>
+</p:sld>
+</file>
+
+<file path=ppt/slides/slide7.xml><?xml version="1.0" encoding="utf-8"?>
+<p:sld xmlns:a="http://schemas.openxmlformats.org/drawingml/2006/main" xmlns:r="http://schemas.openxmlformats.org/officeDocument/2006/relationships" xmlns:p="http://schemas.openxmlformats.org/presentationml/2006/main">
+  <p:cSld>
+    <p:spTree>
+      <p:nvGrpSpPr>
+        <p:cNvPr id="1" name=""/>
+        <p:cNvGrpSpPr/>
+        <p:nvPr/>
+      </p:nvGrpSpPr>
+      <p:grpSpPr>
+        <a:xfrm>
+          <a:off x="0" y="0"/>
+          <a:ext cx="0" cy="0"/>
+          <a:chOff x="0" y="0"/>
+          <a:chExt cx="0" cy="0"/>
+        </a:xfrm>
+      </p:grpSpPr>
+      <p:sp>
+        <p:nvSpPr>
+          <p:cNvPr id="2" name="标题 1"/>
+          <p:cNvSpPr>
+            <a:spLocks noGrp="1"/>
+          </p:cNvSpPr>
+          <p:nvPr>
+            <p:ph type="title"/>
+          </p:nvPr>
+        </p:nvSpPr>
+        <p:spPr/>
+        <p:txBody>
+          <a:bodyPr/>
+          <a:lstStyle/>
+          <a:p>
+            <a:r>
+              <a:rPr lang="en-US" altLang="zh-CN" dirty="0" smtClean="0"/>
+              <a:t>Thread</a:t>
+            </a:r>
+            <a:r>
+              <a:rPr lang="zh-CN" altLang="en-US" dirty="0" smtClean="0"/>
+              <a:t>静态方法</a:t>
+            </a:r>
+            <a:r>
+              <a:rPr lang="en-US" altLang="zh-CN" dirty="0" smtClean="0"/>
+              <a:t>(</a:t>
+            </a:r>
+            <a:r>
+              <a:rPr lang="zh-CN" altLang="en-US" dirty="0" smtClean="0"/>
+              <a:t>内存【非</a:t>
+            </a:r>
+            <a:r>
+              <a:rPr lang="en-US" altLang="zh-CN" dirty="0" smtClean="0"/>
+              <a:t>CPU</a:t>
+            </a:r>
+            <a:r>
+              <a:rPr lang="zh-CN" altLang="en-US" dirty="0" smtClean="0"/>
+              <a:t>缓存</a:t>
+            </a:r>
+            <a:r>
+              <a:rPr lang="zh-CN" altLang="en-US" dirty="0" smtClean="0"/>
+              <a:t>】</a:t>
+            </a:r>
+            <a:r>
+              <a:rPr lang="en-US" altLang="zh-CN" dirty="0" smtClean="0"/>
+              <a:t>)</a:t>
+            </a:r>
+            <a:endParaRPr lang="en-US" altLang="zh-CN" dirty="0" smtClean="0"/>
+          </a:p>
+        </p:txBody>
+      </p:sp>
+      <p:sp>
+        <p:nvSpPr>
+          <p:cNvPr id="3" name="内容占位符 2"/>
+          <p:cNvSpPr>
+            <a:spLocks noGrp="1"/>
+          </p:cNvSpPr>
+          <p:nvPr>
+            <p:ph sz="quarter" idx="11"/>
+          </p:nvPr>
+        </p:nvSpPr>
+        <p:spPr/>
+        <p:txBody>
+          <a:bodyPr/>
+          <a:lstStyle/>
+          <a:p>
+            <a:r>
+              <a:rPr lang="en-US" altLang="zh-CN" dirty="0"/>
+              <a:t>Release</a:t>
+            </a:r>
+            <a:r>
+              <a:rPr lang="zh-CN" altLang="en-US" dirty="0"/>
+              <a:t>版本相对于</a:t>
+            </a:r>
+            <a:r>
+              <a:rPr lang="en-US" altLang="zh-CN" dirty="0"/>
+              <a:t>debug</a:t>
+            </a:r>
+            <a:r>
+              <a:rPr lang="zh-CN" altLang="en-US" dirty="0"/>
+              <a:t>版本做了一些优化，可能将一些内存参数放入</a:t>
+            </a:r>
+            <a:r>
+              <a:rPr lang="en-US" altLang="zh-CN" dirty="0"/>
+              <a:t>CPU</a:t>
+            </a:r>
+            <a:r>
+              <a:rPr lang="zh-CN" altLang="en-US" dirty="0"/>
+              <a:t>缓存，导致</a:t>
+            </a:r>
+            <a:r>
+              <a:rPr lang="en-US" altLang="zh-CN" dirty="0"/>
+              <a:t>release</a:t>
+            </a:r>
+            <a:r>
+              <a:rPr lang="zh-CN" altLang="en-US" dirty="0"/>
+              <a:t>存在</a:t>
+            </a:r>
+            <a:r>
+              <a:rPr lang="en-US" altLang="zh-CN" dirty="0"/>
+              <a:t>bug</a:t>
+            </a:r>
+            <a:r>
+              <a:rPr lang="zh-CN" altLang="en-US" dirty="0"/>
+              <a:t>。</a:t>
+            </a:r>
+            <a:endParaRPr lang="zh-CN" altLang="en-US" dirty="0"/>
+          </a:p>
+          <a:p>
+            <a:endParaRPr lang="zh-CN" altLang="en-US" dirty="0"/>
+          </a:p>
+        </p:txBody>
+      </p:sp>
+    </p:spTree>
+  </p:cSld>
+  <p:clrMapOvr>
+    <a:masterClrMapping/>
+  </p:clrMapOvr>
+</p:sld>
+</file>
+
+<file path=ppt/slides/slide8.xml><?xml version="1.0" encoding="utf-8"?>
+<p:sld xmlns:a="http://schemas.openxmlformats.org/drawingml/2006/main" xmlns:r="http://schemas.openxmlformats.org/officeDocument/2006/relationships" xmlns:p="http://schemas.openxmlformats.org/presentationml/2006/main">
+  <p:cSld>
+    <p:spTree>
+      <p:nvGrpSpPr>
+        <p:cNvPr id="1" name=""/>
+        <p:cNvGrpSpPr/>
+        <p:nvPr/>
+      </p:nvGrpSpPr>
+      <p:grpSpPr>
+        <a:xfrm>
+          <a:off x="0" y="0"/>
+          <a:ext cx="0" cy="0"/>
+          <a:chOff x="0" y="0"/>
+          <a:chExt cx="0" cy="0"/>
+        </a:xfrm>
+      </p:grpSpPr>
+      <p:sp>
+        <p:nvSpPr>
+          <p:cNvPr id="2" name="标题 1"/>
+          <p:cNvSpPr>
+            <a:spLocks noGrp="1"/>
+          </p:cNvSpPr>
+          <p:nvPr>
+            <p:ph type="title"/>
+          </p:nvPr>
+        </p:nvSpPr>
+        <p:spPr/>
+        <p:txBody>
+          <a:bodyPr/>
+          <a:lstStyle/>
+          <a:p>
+            <a:r>
+              <a:rPr lang="en-US" altLang="zh-CN" dirty="0" err="1" smtClean="0"/>
+              <a:t>ThreadPool</a:t>
+            </a:r>
+            <a:r>
+              <a:rPr lang="zh-CN" altLang="en-US" dirty="0" smtClean="0"/>
+              <a:t>常见 方法</a:t>
+            </a:r>
+            <a:endParaRPr lang="zh-CN" altLang="en-US" dirty="0"/>
+          </a:p>
+        </p:txBody>
+      </p:sp>
+      <p:sp>
+        <p:nvSpPr>
+          <p:cNvPr id="3" name="内容占位符 2"/>
+          <p:cNvSpPr>
+            <a:spLocks noGrp="1"/>
+          </p:cNvSpPr>
+          <p:nvPr>
+            <p:ph sz="quarter" idx="11"/>
+          </p:nvPr>
+        </p:nvSpPr>
+        <p:spPr/>
+        <p:txBody>
+          <a:bodyPr/>
+          <a:lstStyle/>
+          <a:p>
             <a:pPr marL="0" indent="0">
               <a:buNone/>
             </a:pPr>
@@ -8609,13 +9745,7 @@
           <p:cNvGraphicFramePr>
             <a:graphicFrameLocks noGrp="1"/>
           </p:cNvGraphicFramePr>
-          <p:nvPr>
-            <p:extLst>
-              <p:ext uri="{D42A27DB-BD31-4B8C-83A1-F6EECF244321}">
-                <p14:modId xmlns:p14="http://schemas.microsoft.com/office/powerpoint/2010/main" val="1141057460"/>
-              </p:ext>
-            </p:extLst>
-          </p:nvPr>
+          <p:nvPr/>
         </p:nvGraphicFramePr>
         <p:xfrm>
           <a:off x="457200" y="1219200"/>
@@ -8710,6 +9840,12 @@
                         </a:rPr>
                         <a:t>剩余空闲线程数</a:t>
                       </a:r>
+                      <a:endParaRPr lang="zh-CN" altLang="en-US">
+                        <a:solidFill>
+                          <a:srgbClr val="4F4F4F"/>
+                        </a:solidFill>
+                        <a:effectLst/>
+                      </a:endParaRPr>
                     </a:p>
                   </a:txBody>
                   <a:tcPr marL="28575" marR="28575" marT="28575" marB="28575" anchor="ctr">
@@ -8836,6 +9972,12 @@
                         </a:rPr>
                         <a:t>最多可用线程数，所有大于此数目的请求将保持排队状态，直到线程池线程变为可用</a:t>
                       </a:r>
+                      <a:endParaRPr lang="zh-CN" altLang="en-US">
+                        <a:solidFill>
+                          <a:srgbClr val="4F4F4F"/>
+                        </a:solidFill>
+                        <a:effectLst/>
+                      </a:endParaRPr>
                     </a:p>
                   </a:txBody>
                   <a:tcPr marL="28575" marR="28575" marT="28575" marB="28575" anchor="ctr">
@@ -8897,6 +10039,12 @@
                         </a:rPr>
                         <a:t>GetMinThreads</a:t>
                       </a:r>
+                      <a:endParaRPr lang="en-US">
+                        <a:solidFill>
+                          <a:srgbClr val="4F4F4F"/>
+                        </a:solidFill>
+                        <a:effectLst/>
+                      </a:endParaRPr>
                     </a:p>
                   </a:txBody>
                   <a:tcPr marL="28575" marR="28575" marT="28575" marB="28575" anchor="ctr">
@@ -8956,6 +10104,12 @@
                         </a:rPr>
                         <a:t>检索线程池在新请求预测中维护的空闲线程数。</a:t>
                       </a:r>
+                      <a:endParaRPr lang="zh-CN" altLang="en-US">
+                        <a:solidFill>
+                          <a:srgbClr val="4F4F4F"/>
+                        </a:solidFill>
+                        <a:effectLst/>
+                      </a:endParaRPr>
                     </a:p>
                   </a:txBody>
                   <a:tcPr marL="28575" marR="28575" marT="28575" marB="28575" anchor="ctr">
@@ -9109,6 +10263,12 @@
                         </a:rPr>
                         <a:t>)</a:t>
                       </a:r>
+                      <a:endParaRPr lang="en-US" altLang="zh-CN">
+                        <a:solidFill>
+                          <a:srgbClr val="4F4F4F"/>
+                        </a:solidFill>
+                        <a:effectLst/>
+                      </a:endParaRPr>
                     </a:p>
                   </a:txBody>
                   <a:tcPr marL="28575" marR="28575" marT="28575" marB="28575" anchor="ctr">
@@ -9235,6 +10395,12 @@
                         </a:rPr>
                         <a:t>设置线程池中的最大线程数</a:t>
                       </a:r>
+                      <a:endParaRPr lang="zh-CN" altLang="en-US">
+                        <a:solidFill>
+                          <a:srgbClr val="4F4F4F"/>
+                        </a:solidFill>
+                        <a:effectLst/>
+                      </a:endParaRPr>
                     </a:p>
                   </a:txBody>
                   <a:tcPr marL="28575" marR="28575" marT="28575" marB="28575" anchor="ctr">
@@ -9296,6 +10462,12 @@
                         </a:rPr>
                         <a:t>SetMinThreads</a:t>
                       </a:r>
+                      <a:endParaRPr lang="en-US">
+                        <a:solidFill>
+                          <a:srgbClr val="4F4F4F"/>
+                        </a:solidFill>
+                        <a:effectLst/>
+                      </a:endParaRPr>
                     </a:p>
                   </a:txBody>
                   <a:tcPr marL="28575" marR="28575" marT="28575" marB="28575" anchor="ctr">
@@ -9355,6 +10527,12 @@
                         </a:rPr>
                         <a:t>设置线程池最少需要保留的线程数</a:t>
                       </a:r>
+                      <a:endParaRPr lang="zh-CN" altLang="en-US" dirty="0">
+                        <a:solidFill>
+                          <a:srgbClr val="4F4F4F"/>
+                        </a:solidFill>
+                        <a:effectLst/>
+                      </a:endParaRPr>
                     </a:p>
                   </a:txBody>
                   <a:tcPr marL="28575" marR="28575" marT="28575" marB="28575" anchor="ctr">
@@ -9405,903 +10583,6 @@
         </a:graphic>
       </p:graphicFrame>
     </p:spTree>
-    <p:extLst>
-      <p:ext uri="{BB962C8B-B14F-4D97-AF65-F5344CB8AC3E}">
-        <p14:creationId xmlns:p14="http://schemas.microsoft.com/office/powerpoint/2010/main" val="1111280087"/>
-      </p:ext>
-    </p:extLst>
-  </p:cSld>
-  <p:clrMapOvr>
-    <a:masterClrMapping/>
-  </p:clrMapOvr>
-</p:sld>
-</file>
-
-<file path=ppt/slides/slide7.xml><?xml version="1.0" encoding="utf-8"?>
-<p:sld xmlns:a="http://schemas.openxmlformats.org/drawingml/2006/main" xmlns:r="http://schemas.openxmlformats.org/officeDocument/2006/relationships" xmlns:p="http://schemas.openxmlformats.org/presentationml/2006/main">
-  <p:cSld>
-    <p:spTree>
-      <p:nvGrpSpPr>
-        <p:cNvPr id="1" name=""/>
-        <p:cNvGrpSpPr/>
-        <p:nvPr/>
-      </p:nvGrpSpPr>
-      <p:grpSpPr>
-        <a:xfrm>
-          <a:off x="0" y="0"/>
-          <a:ext cx="0" cy="0"/>
-          <a:chOff x="0" y="0"/>
-          <a:chExt cx="0" cy="0"/>
-        </a:xfrm>
-      </p:grpSpPr>
-      <p:sp>
-        <p:nvSpPr>
-          <p:cNvPr id="2" name="标题 1">
-            <a:extLst>
-              <a:ext uri="{FF2B5EF4-FFF2-40B4-BE49-F238E27FC236}">
-                <a16:creationId xmlns:a16="http://schemas.microsoft.com/office/drawing/2014/main" xmlns="" id="{508C5496-4B94-4E74-B852-01660F8B2C58}"/>
-              </a:ext>
-            </a:extLst>
-          </p:cNvPr>
-          <p:cNvSpPr>
-            <a:spLocks noGrp="1"/>
-          </p:cNvSpPr>
-          <p:nvPr>
-            <p:ph type="title"/>
-          </p:nvPr>
-        </p:nvSpPr>
-        <p:spPr/>
-        <p:txBody>
-          <a:bodyPr/>
-          <a:lstStyle/>
-          <a:p>
-            <a:r>
-              <a:rPr lang="en-US" altLang="zh-CN" dirty="0" smtClean="0"/>
-              <a:t>Task</a:t>
-            </a:r>
-            <a:endParaRPr lang="zh-CN" altLang="en-US" dirty="0"/>
-          </a:p>
-        </p:txBody>
-      </p:sp>
-      <p:sp>
-        <p:nvSpPr>
-          <p:cNvPr id="3" name="内容占位符 2">
-            <a:extLst>
-              <a:ext uri="{FF2B5EF4-FFF2-40B4-BE49-F238E27FC236}">
-                <a16:creationId xmlns:a16="http://schemas.microsoft.com/office/drawing/2014/main" xmlns="" id="{58AF2E9D-F75B-4B1B-B93B-4C9C7AB0286D}"/>
-              </a:ext>
-            </a:extLst>
-          </p:cNvPr>
-          <p:cNvSpPr>
-            <a:spLocks noGrp="1"/>
-          </p:cNvSpPr>
-          <p:nvPr>
-            <p:ph sz="quarter" idx="11"/>
-          </p:nvPr>
-        </p:nvSpPr>
-        <p:spPr/>
-        <p:txBody>
-          <a:bodyPr/>
-          <a:lstStyle/>
-          <a:p>
-            <a:r>
-              <a:rPr lang="en-US" altLang="zh-CN" dirty="0" err="1" smtClean="0"/>
-              <a:t>ThreadPoolTaskScheduler</a:t>
-            </a:r>
-            <a:endParaRPr lang="en-US" altLang="zh-CN" dirty="0" smtClean="0"/>
-          </a:p>
-          <a:p>
-            <a:r>
-              <a:rPr lang="zh-CN" altLang="en-US" dirty="0" smtClean="0"/>
-              <a:t>如果</a:t>
-            </a:r>
-            <a:r>
-              <a:rPr lang="en-US" altLang="zh-CN" dirty="0" smtClean="0"/>
-              <a:t>Task</a:t>
-            </a:r>
-            <a:r>
-              <a:rPr lang="zh-CN" altLang="en-US" dirty="0"/>
-              <a:t>上的</a:t>
-            </a:r>
-            <a:r>
-              <a:rPr lang="en-US" altLang="zh-CN" dirty="0" err="1"/>
-              <a:t>TaskCreationOptions</a:t>
-            </a:r>
-            <a:r>
-              <a:rPr lang="zh-CN" altLang="en-US" dirty="0"/>
-              <a:t>设置为</a:t>
-            </a:r>
-            <a:r>
-              <a:rPr lang="en-US" altLang="zh-CN" dirty="0" err="1"/>
-              <a:t>LongRunning</a:t>
-            </a:r>
-            <a:r>
-              <a:rPr lang="zh-CN" altLang="en-US" dirty="0" smtClean="0"/>
-              <a:t>的，长</a:t>
-            </a:r>
-            <a:r>
-              <a:rPr lang="zh-CN" altLang="en-US" dirty="0"/>
-              <a:t>时间运行的</a:t>
-            </a:r>
-            <a:r>
-              <a:rPr lang="en-US" altLang="zh-CN" dirty="0"/>
-              <a:t>task</a:t>
-            </a:r>
-            <a:r>
-              <a:rPr lang="zh-CN" altLang="en-US" dirty="0"/>
-              <a:t>占用着</a:t>
-            </a:r>
-            <a:r>
-              <a:rPr lang="en-US" altLang="zh-CN" dirty="0" err="1"/>
-              <a:t>ThreadPool</a:t>
-            </a:r>
-            <a:r>
-              <a:rPr lang="zh-CN" altLang="en-US" dirty="0"/>
-              <a:t>的线程，这时候</a:t>
-            </a:r>
-            <a:r>
-              <a:rPr lang="en-US" altLang="zh-CN" dirty="0" err="1"/>
-              <a:t>ThreadPool</a:t>
-            </a:r>
-            <a:r>
-              <a:rPr lang="zh-CN" altLang="en-US" dirty="0"/>
-              <a:t>为了保证线程充足，会再次开辟一些</a:t>
-            </a:r>
-            <a:r>
-              <a:rPr lang="en-US" altLang="zh-CN" dirty="0"/>
-              <a:t>Thread</a:t>
-            </a:r>
-            <a:r>
-              <a:rPr lang="zh-CN" altLang="en-US" dirty="0"/>
-              <a:t>，如果耗时任务此时释放</a:t>
-            </a:r>
-            <a:r>
-              <a:rPr lang="zh-CN" altLang="en-US" dirty="0" smtClean="0"/>
-              <a:t>了</a:t>
-            </a:r>
-            <a:endParaRPr lang="en-US" altLang="zh-CN" dirty="0" smtClean="0"/>
-          </a:p>
-          <a:p>
-            <a:r>
-              <a:rPr lang="en-US" altLang="zh-CN" dirty="0" err="1" smtClean="0"/>
-              <a:t>WaitAny</a:t>
-            </a:r>
-            <a:r>
-              <a:rPr lang="zh-CN" altLang="en-US" dirty="0" smtClean="0"/>
-              <a:t>，首先循环</a:t>
-            </a:r>
-            <a:r>
-              <a:rPr lang="en-US" altLang="zh-CN" dirty="0"/>
-              <a:t>Task[]</a:t>
-            </a:r>
-            <a:r>
-              <a:rPr lang="zh-CN" altLang="en-US" dirty="0"/>
-              <a:t>，检查里面是否有</a:t>
-            </a:r>
-            <a:r>
-              <a:rPr lang="en-US" altLang="zh-CN" dirty="0"/>
-              <a:t>Task</a:t>
-            </a:r>
-            <a:r>
-              <a:rPr lang="zh-CN" altLang="en-US" dirty="0"/>
-              <a:t>已经完成，如果有则直接</a:t>
-            </a:r>
-            <a:r>
-              <a:rPr lang="zh-CN" altLang="en-US" dirty="0" smtClean="0"/>
-              <a:t>返回，否</a:t>
-            </a:r>
-            <a:r>
-              <a:rPr lang="zh-CN" altLang="en-US" dirty="0"/>
-              <a:t>者我们调用</a:t>
-            </a:r>
-            <a:r>
-              <a:rPr lang="en-US" altLang="zh-CN" dirty="0"/>
-              <a:t>Task&lt;Task&gt; </a:t>
-            </a:r>
-            <a:r>
-              <a:rPr lang="en-US" altLang="zh-CN" dirty="0" err="1"/>
-              <a:t>firstCompleted</a:t>
-            </a:r>
-            <a:r>
-              <a:rPr lang="en-US" altLang="zh-CN" dirty="0"/>
-              <a:t> = </a:t>
-            </a:r>
-            <a:r>
-              <a:rPr lang="en-US" altLang="zh-CN" dirty="0" err="1"/>
-              <a:t>TaskFactory.CommonCWAnyLogic</a:t>
-            </a:r>
-            <a:r>
-              <a:rPr lang="en-US" altLang="zh-CN" dirty="0"/>
-              <a:t>(tasks);</a:t>
-            </a:r>
-            <a:r>
-              <a:rPr lang="zh-CN" altLang="en-US" dirty="0"/>
-              <a:t>返回一个</a:t>
-            </a:r>
-            <a:r>
-              <a:rPr lang="en-US" altLang="zh-CN" dirty="0"/>
-              <a:t>Task</a:t>
-            </a:r>
-            <a:r>
-              <a:rPr lang="zh-CN" altLang="en-US" dirty="0"/>
-              <a:t>，然后调用该</a:t>
-            </a:r>
-            <a:r>
-              <a:rPr lang="en-US" altLang="zh-CN" dirty="0"/>
-              <a:t>Task</a:t>
-            </a:r>
-            <a:r>
-              <a:rPr lang="zh-CN" altLang="en-US" dirty="0"/>
-              <a:t>的</a:t>
-            </a:r>
-            <a:r>
-              <a:rPr lang="en-US" altLang="zh-CN" dirty="0"/>
-              <a:t>Wait</a:t>
-            </a:r>
-            <a:r>
-              <a:rPr lang="zh-CN" altLang="en-US" dirty="0"/>
-              <a:t>方法</a:t>
-            </a:r>
-            <a:endParaRPr lang="en-US" altLang="zh-CN" dirty="0" smtClean="0"/>
-          </a:p>
-          <a:p>
-            <a:r>
-              <a:rPr lang="en-US" altLang="zh-CN" dirty="0" err="1" smtClean="0"/>
-              <a:t>WaitAll</a:t>
-            </a:r>
-            <a:r>
-              <a:rPr lang="en-US" altLang="zh-CN" dirty="0" smtClean="0"/>
-              <a:t>,</a:t>
-            </a:r>
-            <a:r>
-              <a:rPr lang="zh-CN" altLang="en-US" dirty="0"/>
-              <a:t>检查</a:t>
-            </a:r>
-            <a:r>
-              <a:rPr lang="en-US" altLang="zh-CN" dirty="0"/>
-              <a:t>Task</a:t>
-            </a:r>
-            <a:r>
-              <a:rPr lang="zh-CN" altLang="en-US" dirty="0"/>
-              <a:t>数组中每个</a:t>
-            </a:r>
-            <a:r>
-              <a:rPr lang="en-US" altLang="zh-CN" dirty="0"/>
-              <a:t>Task</a:t>
-            </a:r>
-            <a:r>
-              <a:rPr lang="zh-CN" altLang="en-US" dirty="0"/>
-              <a:t>实例，检查</a:t>
-            </a:r>
-            <a:r>
-              <a:rPr lang="en-US" altLang="zh-CN" dirty="0"/>
-              <a:t>Task</a:t>
-            </a:r>
-            <a:r>
-              <a:rPr lang="zh-CN" altLang="en-US" dirty="0"/>
-              <a:t>是否已经完成，如果没有完成就把</a:t>
-            </a:r>
-            <a:r>
-              <a:rPr lang="en-US" altLang="zh-CN" dirty="0"/>
-              <a:t>Task</a:t>
-            </a:r>
-            <a:r>
-              <a:rPr lang="zh-CN" altLang="en-US" dirty="0"/>
-              <a:t>添加到</a:t>
-            </a:r>
-            <a:r>
-              <a:rPr lang="en-US" altLang="zh-CN" dirty="0" err="1"/>
-              <a:t>waitedOnTaskList</a:t>
-            </a:r>
-            <a:r>
-              <a:rPr lang="zh-CN" altLang="en-US" dirty="0"/>
-              <a:t>集合</a:t>
-            </a:r>
-            <a:r>
-              <a:rPr lang="zh-CN" altLang="en-US" dirty="0" smtClean="0"/>
-              <a:t>中</a:t>
-            </a:r>
-            <a:r>
-              <a:rPr lang="en-US" altLang="zh-CN" dirty="0" smtClean="0"/>
-              <a:t>,</a:t>
-            </a:r>
-            <a:r>
-              <a:rPr lang="zh-CN" altLang="en-US" dirty="0"/>
-              <a:t>如果</a:t>
-            </a:r>
-            <a:r>
-              <a:rPr lang="en-US" altLang="zh-CN" dirty="0" err="1"/>
-              <a:t>waitedOnTaskList</a:t>
-            </a:r>
-            <a:r>
-              <a:rPr lang="zh-CN" altLang="en-US" dirty="0"/>
-              <a:t>集合有元素那么，我们就调用</a:t>
-            </a:r>
-            <a:r>
-              <a:rPr lang="en-US" altLang="zh-CN" dirty="0" err="1"/>
-              <a:t>WaitAllBlockingCore</a:t>
-            </a:r>
-            <a:r>
-              <a:rPr lang="zh-CN" altLang="en-US" dirty="0"/>
-              <a:t>来实现真正的</a:t>
-            </a:r>
-            <a:r>
-              <a:rPr lang="zh-CN" altLang="en-US" dirty="0" smtClean="0"/>
-              <a:t>等待</a:t>
-            </a:r>
-            <a:endParaRPr lang="zh-CN" altLang="en-US" dirty="0"/>
-          </a:p>
-        </p:txBody>
-      </p:sp>
-      <p:sp>
-        <p:nvSpPr>
-          <p:cNvPr id="4" name="Rectangle 1"/>
-          <p:cNvSpPr>
-            <a:spLocks noChangeArrowheads="1"/>
-          </p:cNvSpPr>
-          <p:nvPr/>
-        </p:nvSpPr>
-        <p:spPr bwMode="auto">
-          <a:xfrm>
-            <a:off x="0" y="0"/>
-            <a:ext cx="9144000" cy="457200"/>
-          </a:xfrm>
-          <a:prstGeom prst="rect">
-            <a:avLst/>
-          </a:prstGeom>
-          <a:noFill/>
-          <a:ln>
-            <a:noFill/>
-          </a:ln>
-          <a:effectLst/>
-          <a:extLst>
-            <a:ext uri="{909E8E84-426E-40DD-AFC4-6F175D3DCCD1}">
-              <a14:hiddenFill xmlns:a14="http://schemas.microsoft.com/office/drawing/2010/main">
-                <a:solidFill>
-                  <a:schemeClr val="accent1"/>
-                </a:solidFill>
-              </a14:hiddenFill>
-            </a:ext>
-            <a:ext uri="{91240B29-F687-4F45-9708-019B960494DF}">
-              <a14:hiddenLine xmlns:a14="http://schemas.microsoft.com/office/drawing/2010/main" w="9525">
-                <a:solidFill>
-                  <a:schemeClr val="tx1"/>
-                </a:solidFill>
-                <a:miter lim="800000"/>
-                <a:headEnd/>
-                <a:tailEnd/>
-              </a14:hiddenLine>
-            </a:ext>
-            <a:ext uri="{AF507438-7753-43E0-B8FC-AC1667EBCBE1}">
-              <a14:hiddenEffects xmlns:a14="http://schemas.microsoft.com/office/drawing/2010/main">
-                <a:effectLst>
-                  <a:outerShdw dist="35921" dir="2700000" algn="ctr" rotWithShape="0">
-                    <a:schemeClr val="bg2"/>
-                  </a:outerShdw>
-                </a:effectLst>
-              </a14:hiddenEffects>
-            </a:ext>
-          </a:extLst>
-        </p:spPr>
-        <p:txBody>
-          <a:bodyPr vert="horz" wrap="none" lIns="0" tIns="0" rIns="0" bIns="0" numCol="1" anchor="ctr" anchorCtr="0" compatLnSpc="1">
-            <a:prstTxWarp prst="textNoShape">
-              <a:avLst/>
-            </a:prstTxWarp>
-            <a:spAutoFit/>
-          </a:bodyPr>
-          <a:lstStyle/>
-          <a:p>
-            <a:pPr marL="0" marR="0" lvl="0" indent="0" algn="l" defTabSz="914400" rtl="0" eaLnBrk="0" fontAlgn="base" latinLnBrk="0" hangingPunct="0">
-              <a:lnSpc>
-                <a:spcPct val="100000"/>
-              </a:lnSpc>
-              <a:spcBef>
-                <a:spcPct val="0"/>
-              </a:spcBef>
-              <a:spcAft>
-                <a:spcPct val="0"/>
-              </a:spcAft>
-              <a:buClrTx/>
-              <a:buSzTx/>
-              <a:buFontTx/>
-              <a:buNone/>
-              <a:tabLst/>
-            </a:pPr>
-            <a:r>
-              <a:rPr kumimoji="0" lang="zh-CN" altLang="zh-CN" sz="900" b="0" i="0" u="none" strike="noStrike" cap="none" normalizeH="0" baseline="0" smtClean="0">
-                <a:ln>
-                  <a:noFill/>
-                </a:ln>
-                <a:solidFill>
-                  <a:srgbClr val="000000"/>
-                </a:solidFill>
-                <a:effectLst/>
-                <a:latin typeface="Courier New" panose="02070309020205020404" pitchFamily="49" charset="0"/>
-                <a:cs typeface="Courier New" panose="02070309020205020404" pitchFamily="49" charset="0"/>
-              </a:rPr>
-              <a:t>Task.WhenAll(task1, task2).ContinueWith</a:t>
-            </a:r>
-            <a:r>
-              <a:rPr kumimoji="0" lang="zh-CN" altLang="zh-CN" sz="600" b="0" i="0" u="none" strike="noStrike" cap="none" normalizeH="0" baseline="0" smtClean="0">
-                <a:ln>
-                  <a:noFill/>
-                </a:ln>
-                <a:solidFill>
-                  <a:schemeClr val="tx1"/>
-                </a:solidFill>
-                <a:effectLst/>
-              </a:rPr>
-              <a:t> </a:t>
-            </a:r>
-            <a:endParaRPr kumimoji="0" lang="zh-CN" altLang="zh-CN" sz="1800" b="0" i="0" u="none" strike="noStrike" cap="none" normalizeH="0" baseline="0" smtClean="0">
-              <a:ln>
-                <a:noFill/>
-              </a:ln>
-              <a:solidFill>
-                <a:schemeClr val="tx1"/>
-              </a:solidFill>
-              <a:effectLst/>
-              <a:latin typeface="Arial" panose="020B0604020202020204" pitchFamily="34" charset="0"/>
-            </a:endParaRPr>
-          </a:p>
-        </p:txBody>
-      </p:sp>
-      <p:sp>
-        <p:nvSpPr>
-          <p:cNvPr id="5" name="Rectangle 2"/>
-          <p:cNvSpPr>
-            <a:spLocks noChangeArrowheads="1"/>
-          </p:cNvSpPr>
-          <p:nvPr/>
-        </p:nvSpPr>
-        <p:spPr bwMode="auto">
-          <a:xfrm>
-            <a:off x="152400" y="152400"/>
-            <a:ext cx="9144000" cy="457200"/>
-          </a:xfrm>
-          <a:prstGeom prst="rect">
-            <a:avLst/>
-          </a:prstGeom>
-          <a:noFill/>
-          <a:ln>
-            <a:noFill/>
-          </a:ln>
-          <a:effectLst/>
-          <a:extLst>
-            <a:ext uri="{909E8E84-426E-40DD-AFC4-6F175D3DCCD1}">
-              <a14:hiddenFill xmlns:a14="http://schemas.microsoft.com/office/drawing/2010/main">
-                <a:solidFill>
-                  <a:schemeClr val="accent1"/>
-                </a:solidFill>
-              </a14:hiddenFill>
-            </a:ext>
-            <a:ext uri="{91240B29-F687-4F45-9708-019B960494DF}">
-              <a14:hiddenLine xmlns:a14="http://schemas.microsoft.com/office/drawing/2010/main" w="9525">
-                <a:solidFill>
-                  <a:schemeClr val="tx1"/>
-                </a:solidFill>
-                <a:miter lim="800000"/>
-                <a:headEnd/>
-                <a:tailEnd/>
-              </a14:hiddenLine>
-            </a:ext>
-            <a:ext uri="{AF507438-7753-43E0-B8FC-AC1667EBCBE1}">
-              <a14:hiddenEffects xmlns:a14="http://schemas.microsoft.com/office/drawing/2010/main">
-                <a:effectLst>
-                  <a:outerShdw dist="35921" dir="2700000" algn="ctr" rotWithShape="0">
-                    <a:schemeClr val="bg2"/>
-                  </a:outerShdw>
-                </a:effectLst>
-              </a14:hiddenEffects>
-            </a:ext>
-          </a:extLst>
-        </p:spPr>
-        <p:txBody>
-          <a:bodyPr vert="horz" wrap="none" lIns="0" tIns="0" rIns="0" bIns="0" numCol="1" anchor="ctr" anchorCtr="0" compatLnSpc="1">
-            <a:prstTxWarp prst="textNoShape">
-              <a:avLst/>
-            </a:prstTxWarp>
-            <a:spAutoFit/>
-          </a:bodyPr>
-          <a:lstStyle/>
-          <a:p>
-            <a:pPr marL="0" marR="0" lvl="0" indent="0" algn="l" defTabSz="914400" rtl="0" eaLnBrk="0" fontAlgn="base" latinLnBrk="0" hangingPunct="0">
-              <a:lnSpc>
-                <a:spcPct val="100000"/>
-              </a:lnSpc>
-              <a:spcBef>
-                <a:spcPct val="0"/>
-              </a:spcBef>
-              <a:spcAft>
-                <a:spcPct val="0"/>
-              </a:spcAft>
-              <a:buClrTx/>
-              <a:buSzTx/>
-              <a:buFontTx/>
-              <a:buNone/>
-              <a:tabLst/>
-            </a:pPr>
-            <a:r>
-              <a:rPr kumimoji="0" lang="zh-CN" altLang="zh-CN" sz="900" b="0" i="0" u="none" strike="noStrike" cap="none" normalizeH="0" baseline="0" smtClean="0">
-                <a:ln>
-                  <a:noFill/>
-                </a:ln>
-                <a:solidFill>
-                  <a:srgbClr val="000000"/>
-                </a:solidFill>
-                <a:effectLst/>
-                <a:latin typeface="Courier New" panose="02070309020205020404" pitchFamily="49" charset="0"/>
-                <a:cs typeface="Courier New" panose="02070309020205020404" pitchFamily="49" charset="0"/>
-              </a:rPr>
-              <a:t>Task.WhenAll(task1, task2).ContinueWith</a:t>
-            </a:r>
-            <a:r>
-              <a:rPr kumimoji="0" lang="zh-CN" altLang="zh-CN" sz="600" b="0" i="0" u="none" strike="noStrike" cap="none" normalizeH="0" baseline="0" smtClean="0">
-                <a:ln>
-                  <a:noFill/>
-                </a:ln>
-                <a:solidFill>
-                  <a:schemeClr val="tx1"/>
-                </a:solidFill>
-                <a:effectLst/>
-              </a:rPr>
-              <a:t> </a:t>
-            </a:r>
-            <a:endParaRPr kumimoji="0" lang="zh-CN" altLang="zh-CN" sz="1800" b="0" i="0" u="none" strike="noStrike" cap="none" normalizeH="0" baseline="0" smtClean="0">
-              <a:ln>
-                <a:noFill/>
-              </a:ln>
-              <a:solidFill>
-                <a:schemeClr val="tx1"/>
-              </a:solidFill>
-              <a:effectLst/>
-              <a:latin typeface="Arial" panose="020B0604020202020204" pitchFamily="34" charset="0"/>
-            </a:endParaRPr>
-          </a:p>
-        </p:txBody>
-      </p:sp>
-    </p:spTree>
-    <p:extLst>
-      <p:ext uri="{BB962C8B-B14F-4D97-AF65-F5344CB8AC3E}">
-        <p14:creationId xmlns:p14="http://schemas.microsoft.com/office/powerpoint/2010/main" val="1299281037"/>
-      </p:ext>
-    </p:extLst>
-  </p:cSld>
-  <p:clrMapOvr>
-    <a:masterClrMapping/>
-  </p:clrMapOvr>
-</p:sld>
-</file>
-
-<file path=ppt/slides/slide8.xml><?xml version="1.0" encoding="utf-8"?>
-<p:sld xmlns:a="http://schemas.openxmlformats.org/drawingml/2006/main" xmlns:r="http://schemas.openxmlformats.org/officeDocument/2006/relationships" xmlns:p="http://schemas.openxmlformats.org/presentationml/2006/main">
-  <p:cSld>
-    <p:spTree>
-      <p:nvGrpSpPr>
-        <p:cNvPr id="1" name=""/>
-        <p:cNvGrpSpPr/>
-        <p:nvPr/>
-      </p:nvGrpSpPr>
-      <p:grpSpPr>
-        <a:xfrm>
-          <a:off x="0" y="0"/>
-          <a:ext cx="0" cy="0"/>
-          <a:chOff x="0" y="0"/>
-          <a:chExt cx="0" cy="0"/>
-        </a:xfrm>
-      </p:grpSpPr>
-      <p:sp>
-        <p:nvSpPr>
-          <p:cNvPr id="2" name="标题 1">
-            <a:extLst>
-              <a:ext uri="{FF2B5EF4-FFF2-40B4-BE49-F238E27FC236}">
-                <a16:creationId xmlns:a16="http://schemas.microsoft.com/office/drawing/2014/main" xmlns="" id="{508C5496-4B94-4E74-B852-01660F8B2C58}"/>
-              </a:ext>
-            </a:extLst>
-          </p:cNvPr>
-          <p:cNvSpPr>
-            <a:spLocks noGrp="1"/>
-          </p:cNvSpPr>
-          <p:nvPr>
-            <p:ph type="title"/>
-          </p:nvPr>
-        </p:nvSpPr>
-        <p:spPr/>
-        <p:txBody>
-          <a:bodyPr/>
-          <a:lstStyle/>
-          <a:p>
-            <a:r>
-              <a:rPr lang="en-US" altLang="zh-CN" dirty="0" smtClean="0"/>
-              <a:t>Task</a:t>
-            </a:r>
-            <a:endParaRPr lang="zh-CN" altLang="en-US" dirty="0"/>
-          </a:p>
-        </p:txBody>
-      </p:sp>
-      <p:sp>
-        <p:nvSpPr>
-          <p:cNvPr id="3" name="内容占位符 2">
-            <a:extLst>
-              <a:ext uri="{FF2B5EF4-FFF2-40B4-BE49-F238E27FC236}">
-                <a16:creationId xmlns:a16="http://schemas.microsoft.com/office/drawing/2014/main" xmlns="" id="{58AF2E9D-F75B-4B1B-B93B-4C9C7AB0286D}"/>
-              </a:ext>
-            </a:extLst>
-          </p:cNvPr>
-          <p:cNvSpPr>
-            <a:spLocks noGrp="1"/>
-          </p:cNvSpPr>
-          <p:nvPr>
-            <p:ph sz="quarter" idx="11"/>
-          </p:nvPr>
-        </p:nvSpPr>
-        <p:spPr/>
-        <p:txBody>
-          <a:bodyPr/>
-          <a:lstStyle/>
-          <a:p>
-            <a:r>
-              <a:rPr lang="en-US" altLang="zh-CN" dirty="0" err="1" smtClean="0"/>
-              <a:t>WhenAll:</a:t>
-            </a:r>
-            <a:r>
-              <a:rPr lang="en-US" altLang="zh-CN" sz="2400" dirty="0" err="1" smtClean="0"/>
-              <a:t>WhenAll</a:t>
-            </a:r>
-            <a:r>
-              <a:rPr lang="en-US" altLang="zh-CN" sz="2400" dirty="0" smtClean="0"/>
-              <a:t> </a:t>
-            </a:r>
-            <a:r>
-              <a:rPr lang="zh-CN" altLang="en-US" sz="2400" dirty="0"/>
-              <a:t>是创建一个异步（不阻塞当前线程）的</a:t>
-            </a:r>
-            <a:r>
-              <a:rPr lang="en-US" altLang="zh-CN" sz="2400" dirty="0"/>
-              <a:t>Task</a:t>
-            </a:r>
-            <a:r>
-              <a:rPr lang="zh-CN" altLang="en-US" sz="2400" dirty="0"/>
-              <a:t>，这个</a:t>
-            </a:r>
-            <a:r>
-              <a:rPr lang="en-US" altLang="zh-CN" sz="2400" dirty="0"/>
-              <a:t>Task</a:t>
-            </a:r>
-            <a:r>
-              <a:rPr lang="zh-CN" altLang="en-US" sz="2400" dirty="0"/>
-              <a:t>等待所有其他任务完毕</a:t>
-            </a:r>
-            <a:endParaRPr lang="en-US" altLang="zh-CN" sz="2400" dirty="0"/>
-          </a:p>
-          <a:p>
-            <a:pPr lvl="0"/>
-            <a:r>
-              <a:rPr lang="zh-CN" altLang="zh-CN" sz="2400" dirty="0" smtClean="0">
-                <a:solidFill>
-                  <a:srgbClr val="000000"/>
-                </a:solidFill>
-                <a:latin typeface="Courier New" panose="02070309020205020404" pitchFamily="49" charset="0"/>
-                <a:cs typeface="Courier New" panose="02070309020205020404" pitchFamily="49" charset="0"/>
-              </a:rPr>
-              <a:t>Task</a:t>
-            </a:r>
-            <a:r>
-              <a:rPr lang="zh-CN" altLang="zh-CN" sz="2400" dirty="0">
-                <a:solidFill>
-                  <a:srgbClr val="000000"/>
-                </a:solidFill>
-                <a:latin typeface="Courier New" panose="02070309020205020404" pitchFamily="49" charset="0"/>
-                <a:cs typeface="Courier New" panose="02070309020205020404" pitchFamily="49" charset="0"/>
-              </a:rPr>
-              <a:t>.WhenAll(task1, task2).ContinueWith</a:t>
-            </a:r>
-            <a:r>
-              <a:rPr lang="zh-CN" altLang="zh-CN" sz="800" dirty="0"/>
-              <a:t> </a:t>
-            </a:r>
-            <a:r>
-              <a:rPr lang="zh-CN" altLang="en-US" sz="800" dirty="0" smtClean="0"/>
-              <a:t>，</a:t>
-            </a:r>
-            <a:r>
-              <a:rPr lang="en-US" altLang="zh-CN" sz="800" dirty="0" smtClean="0">
-                <a:latin typeface="Arial" panose="020B0604020202020204" pitchFamily="34" charset="0"/>
-              </a:rPr>
-              <a:t>+</a:t>
-            </a:r>
-            <a:endParaRPr lang="zh-CN" altLang="zh-CN" sz="5400" dirty="0">
-              <a:latin typeface="Arial" panose="020B0604020202020204" pitchFamily="34" charset="0"/>
-            </a:endParaRPr>
-          </a:p>
-          <a:p>
-            <a:endParaRPr lang="zh-CN" altLang="en-US" dirty="0"/>
-          </a:p>
-        </p:txBody>
-      </p:sp>
-      <p:sp>
-        <p:nvSpPr>
-          <p:cNvPr id="4" name="Rectangle 1"/>
-          <p:cNvSpPr>
-            <a:spLocks noChangeArrowheads="1"/>
-          </p:cNvSpPr>
-          <p:nvPr/>
-        </p:nvSpPr>
-        <p:spPr bwMode="auto">
-          <a:xfrm>
-            <a:off x="0" y="90100"/>
-            <a:ext cx="65" cy="276999"/>
-          </a:xfrm>
-          <a:prstGeom prst="rect">
-            <a:avLst/>
-          </a:prstGeom>
-          <a:noFill/>
-          <a:ln>
-            <a:noFill/>
-          </a:ln>
-          <a:effectLst/>
-          <a:extLst>
-            <a:ext uri="{909E8E84-426E-40DD-AFC4-6F175D3DCCD1}">
-              <a14:hiddenFill xmlns:a14="http://schemas.microsoft.com/office/drawing/2010/main">
-                <a:solidFill>
-                  <a:schemeClr val="accent1"/>
-                </a:solidFill>
-              </a14:hiddenFill>
-            </a:ext>
-            <a:ext uri="{91240B29-F687-4F45-9708-019B960494DF}">
-              <a14:hiddenLine xmlns:a14="http://schemas.microsoft.com/office/drawing/2010/main" w="9525">
-                <a:solidFill>
-                  <a:schemeClr val="tx1"/>
-                </a:solidFill>
-                <a:miter lim="800000"/>
-                <a:headEnd/>
-                <a:tailEnd/>
-              </a14:hiddenLine>
-            </a:ext>
-            <a:ext uri="{AF507438-7753-43E0-B8FC-AC1667EBCBE1}">
-              <a14:hiddenEffects xmlns:a14="http://schemas.microsoft.com/office/drawing/2010/main">
-                <a:effectLst>
-                  <a:outerShdw dist="35921" dir="2700000" algn="ctr" rotWithShape="0">
-                    <a:schemeClr val="bg2"/>
-                  </a:outerShdw>
-                </a:effectLst>
-              </a14:hiddenEffects>
-            </a:ext>
-          </a:extLst>
-        </p:spPr>
-        <p:txBody>
-          <a:bodyPr vert="horz" wrap="none" lIns="0" tIns="0" rIns="0" bIns="0" numCol="1" anchor="ctr" anchorCtr="0" compatLnSpc="1">
-            <a:prstTxWarp prst="textNoShape">
-              <a:avLst/>
-            </a:prstTxWarp>
-            <a:spAutoFit/>
-          </a:bodyPr>
-          <a:lstStyle/>
-          <a:p>
-            <a:pPr marL="0" marR="0" lvl="0" indent="0" algn="l" defTabSz="914400" rtl="0" eaLnBrk="0" fontAlgn="base" latinLnBrk="0" hangingPunct="0">
-              <a:lnSpc>
-                <a:spcPct val="100000"/>
-              </a:lnSpc>
-              <a:spcBef>
-                <a:spcPct val="0"/>
-              </a:spcBef>
-              <a:spcAft>
-                <a:spcPct val="0"/>
-              </a:spcAft>
-              <a:buClrTx/>
-              <a:buSzTx/>
-              <a:buFontTx/>
-              <a:buNone/>
-              <a:tabLst/>
-            </a:pPr>
-            <a:endParaRPr kumimoji="0" lang="zh-CN" altLang="zh-CN" sz="1800" b="0" i="0" u="none" strike="noStrike" cap="none" normalizeH="0" baseline="0" dirty="0" smtClean="0">
-              <a:ln>
-                <a:noFill/>
-              </a:ln>
-              <a:solidFill>
-                <a:schemeClr val="tx1"/>
-              </a:solidFill>
-              <a:effectLst/>
-              <a:latin typeface="Arial" panose="020B0604020202020204" pitchFamily="34" charset="0"/>
-            </a:endParaRPr>
-          </a:p>
-        </p:txBody>
-      </p:sp>
-      <p:sp>
-        <p:nvSpPr>
-          <p:cNvPr id="5" name="Rectangle 2"/>
-          <p:cNvSpPr>
-            <a:spLocks noChangeArrowheads="1"/>
-          </p:cNvSpPr>
-          <p:nvPr/>
-        </p:nvSpPr>
-        <p:spPr bwMode="auto">
-          <a:xfrm>
-            <a:off x="152400" y="242500"/>
-            <a:ext cx="9144000" cy="276999"/>
-          </a:xfrm>
-          <a:prstGeom prst="rect">
-            <a:avLst/>
-          </a:prstGeom>
-          <a:noFill/>
-          <a:ln>
-            <a:noFill/>
-          </a:ln>
-          <a:effectLst/>
-          <a:extLst>
-            <a:ext uri="{909E8E84-426E-40DD-AFC4-6F175D3DCCD1}">
-              <a14:hiddenFill xmlns:a14="http://schemas.microsoft.com/office/drawing/2010/main">
-                <a:solidFill>
-                  <a:schemeClr val="accent1"/>
-                </a:solidFill>
-              </a14:hiddenFill>
-            </a:ext>
-            <a:ext uri="{91240B29-F687-4F45-9708-019B960494DF}">
-              <a14:hiddenLine xmlns:a14="http://schemas.microsoft.com/office/drawing/2010/main" w="9525">
-                <a:solidFill>
-                  <a:schemeClr val="tx1"/>
-                </a:solidFill>
-                <a:miter lim="800000"/>
-                <a:headEnd/>
-                <a:tailEnd/>
-              </a14:hiddenLine>
-            </a:ext>
-            <a:ext uri="{AF507438-7753-43E0-B8FC-AC1667EBCBE1}">
-              <a14:hiddenEffects xmlns:a14="http://schemas.microsoft.com/office/drawing/2010/main">
-                <a:effectLst>
-                  <a:outerShdw dist="35921" dir="2700000" algn="ctr" rotWithShape="0">
-                    <a:schemeClr val="bg2"/>
-                  </a:outerShdw>
-                </a:effectLst>
-              </a14:hiddenEffects>
-            </a:ext>
-          </a:extLst>
-        </p:spPr>
-        <p:txBody>
-          <a:bodyPr vert="horz" wrap="square" lIns="0" tIns="0" rIns="0" bIns="0" numCol="1" anchor="ctr" anchorCtr="0" compatLnSpc="1">
-            <a:prstTxWarp prst="textNoShape">
-              <a:avLst/>
-            </a:prstTxWarp>
-            <a:spAutoFit/>
-          </a:bodyPr>
-          <a:lstStyle/>
-          <a:p>
-            <a:pPr marL="0" marR="0" lvl="0" indent="0" algn="l" defTabSz="914400" rtl="0" eaLnBrk="0" fontAlgn="base" latinLnBrk="0" hangingPunct="0">
-              <a:lnSpc>
-                <a:spcPct val="100000"/>
-              </a:lnSpc>
-              <a:spcBef>
-                <a:spcPct val="0"/>
-              </a:spcBef>
-              <a:spcAft>
-                <a:spcPct val="0"/>
-              </a:spcAft>
-              <a:buClrTx/>
-              <a:buSzTx/>
-              <a:buFontTx/>
-              <a:buNone/>
-              <a:tabLst/>
-            </a:pPr>
-            <a:endParaRPr kumimoji="0" lang="zh-CN" altLang="zh-CN" sz="1800" b="0" i="0" u="none" strike="noStrike" cap="none" normalizeH="0" baseline="0" dirty="0" smtClean="0">
-              <a:ln>
-                <a:noFill/>
-              </a:ln>
-              <a:solidFill>
-                <a:schemeClr val="tx1"/>
-              </a:solidFill>
-              <a:effectLst/>
-              <a:latin typeface="Arial" panose="020B0604020202020204" pitchFamily="34" charset="0"/>
-            </a:endParaRPr>
-          </a:p>
-        </p:txBody>
-      </p:sp>
-    </p:spTree>
-    <p:extLst>
-      <p:ext uri="{BB962C8B-B14F-4D97-AF65-F5344CB8AC3E}">
-        <p14:creationId xmlns:p14="http://schemas.microsoft.com/office/powerpoint/2010/main" val="308730800"/>
-      </p:ext>
-    </p:extLst>
   </p:cSld>
   <p:clrMapOvr>
     <a:masterClrMapping/>
@@ -10328,13 +10609,7 @@
       </p:grpSpPr>
       <p:sp>
         <p:nvSpPr>
-          <p:cNvPr id="2" name="标题 1">
-            <a:extLst>
-              <a:ext uri="{FF2B5EF4-FFF2-40B4-BE49-F238E27FC236}">
-                <a16:creationId xmlns:a16="http://schemas.microsoft.com/office/drawing/2014/main" xmlns="" id="{508C5496-4B94-4E74-B852-01660F8B2C58}"/>
-              </a:ext>
-            </a:extLst>
-          </p:cNvPr>
+          <p:cNvPr id="2" name="标题 1"/>
           <p:cNvSpPr>
             <a:spLocks noGrp="1"/>
           </p:cNvSpPr>
@@ -10348,22 +10623,28 @@
           <a:lstStyle/>
           <a:p>
             <a:r>
-              <a:rPr lang="zh-CN" altLang="en-US" dirty="0" smtClean="0"/>
-              <a:t>多线程间的同步</a:t>
-            </a:r>
-            <a:endParaRPr lang="zh-CN" altLang="en-US" dirty="0"/>
+              <a:rPr lang="en-US" altLang="zh-CN" dirty="0" err="1" smtClean="0"/>
+              <a:t>ThreadPool</a:t>
+            </a:r>
+            <a:r>
+              <a:rPr lang="zh-CN" altLang="en-US" dirty="0" err="1" smtClean="0"/>
+              <a:t>与</a:t>
+            </a:r>
+            <a:r>
+              <a:rPr lang="en-US" altLang="zh-CN" dirty="0" err="1" smtClean="0"/>
+              <a:t>thread</a:t>
+            </a:r>
+            <a:r>
+              <a:rPr lang="zh-CN" altLang="en-US" dirty="0" err="1" smtClean="0"/>
+              <a:t>区别</a:t>
+            </a:r>
+            <a:endParaRPr lang="zh-CN" altLang="en-US" dirty="0" err="1" smtClean="0"/>
           </a:p>
         </p:txBody>
       </p:sp>
       <p:sp>
         <p:nvSpPr>
-          <p:cNvPr id="3" name="内容占位符 2">
-            <a:extLst>
-              <a:ext uri="{FF2B5EF4-FFF2-40B4-BE49-F238E27FC236}">
-                <a16:creationId xmlns:a16="http://schemas.microsoft.com/office/drawing/2014/main" xmlns="" id="{58AF2E9D-F75B-4B1B-B93B-4C9C7AB0286D}"/>
-              </a:ext>
-            </a:extLst>
-          </p:cNvPr>
+          <p:cNvPr id="3" name="内容占位符 2"/>
           <p:cNvSpPr>
             <a:spLocks noGrp="1"/>
           </p:cNvSpPr>
@@ -10376,210 +10657,88 @@
           <a:bodyPr/>
           <a:lstStyle/>
           <a:p>
-            <a:r>
-              <a:rPr lang="en-US" altLang="zh-CN" dirty="0" smtClean="0"/>
+            <a:pPr marL="0" indent="0">
+              <a:buNone/>
+            </a:pPr>
+            <a:r>
+              <a:rPr lang="en-US" altLang="zh-CN" dirty="0"/>
               <a:t>1.</a:t>
             </a:r>
             <a:r>
-              <a:rPr lang="zh-CN" altLang="en-US" dirty="0" smtClean="0"/>
-              <a:t>锁机制（</a:t>
-            </a:r>
-            <a:r>
-              <a:rPr lang="en-US" altLang="zh-CN" dirty="0" smtClean="0"/>
-              <a:t>Monitor, </a:t>
-            </a:r>
-            <a:r>
-              <a:rPr lang="en-US" altLang="zh-CN" dirty="0" err="1"/>
-              <a:t>ReaderWriterLock</a:t>
-            </a:r>
-            <a:r>
-              <a:rPr lang="zh-CN" altLang="en-US" dirty="0" smtClean="0"/>
-              <a:t>）</a:t>
-            </a:r>
-            <a:endParaRPr lang="en-US" altLang="zh-CN" dirty="0" smtClean="0"/>
-          </a:p>
-          <a:p>
-            <a:r>
-              <a:rPr lang="en-US" altLang="zh-CN" dirty="0" smtClean="0"/>
-              <a:t>2.thread.join</a:t>
-            </a:r>
-          </a:p>
-          <a:p>
-            <a:r>
-              <a:rPr lang="en-US" altLang="zh-CN" dirty="0" smtClean="0"/>
-              <a:t>3.</a:t>
-            </a:r>
-            <a:r>
-              <a:rPr lang="zh-CN" altLang="en-US" dirty="0" smtClean="0"/>
-              <a:t>互斥</a:t>
-            </a:r>
-            <a:r>
-              <a:rPr lang="en-US" altLang="zh-CN" dirty="0" err="1" smtClean="0"/>
-              <a:t>mutex</a:t>
-            </a:r>
-            <a:endParaRPr lang="en-US" altLang="zh-CN" dirty="0" smtClean="0"/>
-          </a:p>
-          <a:p>
-            <a:r>
-              <a:rPr lang="en-US" altLang="zh-CN" dirty="0" smtClean="0"/>
-              <a:t>4.</a:t>
-            </a:r>
-            <a:r>
-              <a:rPr lang="zh-CN" altLang="en-US" dirty="0" smtClean="0"/>
-              <a:t>信号量（</a:t>
-            </a:r>
-            <a:r>
-              <a:rPr lang="en-US" altLang="zh-CN" dirty="0" err="1" smtClean="0"/>
-              <a:t>ManualResetEvent</a:t>
-            </a:r>
-            <a:r>
-              <a:rPr lang="zh-CN" altLang="en-US" dirty="0" smtClean="0"/>
-              <a:t>、</a:t>
-            </a:r>
-            <a:r>
-              <a:rPr lang="en-US" altLang="zh-CN" dirty="0" err="1" smtClean="0"/>
-              <a:t>AutoResetEvent</a:t>
-            </a:r>
-            <a:r>
-              <a:rPr lang="zh-CN" altLang="en-US" dirty="0" smtClean="0"/>
-              <a:t>、</a:t>
+              <a:rPr lang="zh-CN" altLang="en-US" dirty="0"/>
+              <a:t>代码方面：</a:t>
+            </a:r>
+            <a:r>
+              <a:rPr lang="zh-CN" altLang="en-US" dirty="0"/>
+              <a:t>假设下载</a:t>
             </a:r>
             <a:r>
               <a:rPr lang="en-US" altLang="zh-CN" dirty="0"/>
-              <a:t> </a:t>
-            </a:r>
-            <a:r>
-              <a:rPr lang="en-US" altLang="zh-CN" dirty="0" smtClean="0"/>
-              <a:t>Semaphore</a:t>
-            </a:r>
-            <a:r>
-              <a:rPr lang="zh-CN" altLang="en-US" dirty="0" smtClean="0"/>
-              <a:t>）</a:t>
+              <a:t>10</a:t>
+            </a:r>
+            <a:r>
+              <a:rPr lang="zh-CN" altLang="en-US" dirty="0"/>
+              <a:t>个文件，如果用</a:t>
+            </a:r>
+            <a:r>
+              <a:rPr lang="en-US" altLang="zh-CN" dirty="0"/>
+              <a:t>thread</a:t>
+            </a:r>
+            <a:r>
+              <a:rPr lang="zh-CN" altLang="en-US" dirty="0"/>
+              <a:t>需要定义</a:t>
+            </a:r>
+            <a:r>
+              <a:rPr lang="en-US" altLang="zh-CN" dirty="0"/>
+              <a:t>10</a:t>
+            </a:r>
+            <a:r>
+              <a:rPr lang="zh-CN" altLang="en-US" dirty="0"/>
+              <a:t>个线程对象数组，还可能定义一堆参数控制线程状态</a:t>
+            </a:r>
+            <a:r>
+              <a:rPr lang="en-US" altLang="zh-CN" dirty="0"/>
+              <a:t>,</a:t>
+            </a:r>
+            <a:r>
+              <a:rPr lang="zh-CN" altLang="en-US" dirty="0"/>
+              <a:t>而</a:t>
+            </a:r>
+            <a:r>
+              <a:rPr lang="en-US" altLang="zh-CN" dirty="0"/>
+              <a:t>threadpool</a:t>
+            </a:r>
+            <a:r>
+              <a:rPr lang="zh-CN" altLang="en-US" dirty="0"/>
+              <a:t>只需要丢</a:t>
+            </a:r>
+            <a:r>
+              <a:rPr lang="en-US" altLang="zh-CN" dirty="0"/>
+              <a:t>10</a:t>
+            </a:r>
+            <a:r>
+              <a:rPr lang="zh-CN" altLang="en-US" dirty="0"/>
+              <a:t>个任务给线程池。</a:t>
             </a:r>
             <a:endParaRPr lang="zh-CN" altLang="en-US" dirty="0"/>
           </a:p>
-        </p:txBody>
-      </p:sp>
-      <p:sp>
-        <p:nvSpPr>
-          <p:cNvPr id="4" name="Rectangle 1"/>
-          <p:cNvSpPr>
-            <a:spLocks noChangeArrowheads="1"/>
-          </p:cNvSpPr>
-          <p:nvPr/>
-        </p:nvSpPr>
-        <p:spPr bwMode="auto">
-          <a:xfrm>
-            <a:off x="0" y="0"/>
-            <a:ext cx="9144000" cy="457200"/>
-          </a:xfrm>
-          <a:prstGeom prst="rect">
-            <a:avLst/>
-          </a:prstGeom>
-          <a:noFill/>
-          <a:ln>
-            <a:noFill/>
-          </a:ln>
-          <a:effectLst/>
-          <a:extLst>
-            <a:ext uri="{909E8E84-426E-40DD-AFC4-6F175D3DCCD1}">
-              <a14:hiddenFill xmlns:a14="http://schemas.microsoft.com/office/drawing/2010/main">
-                <a:solidFill>
-                  <a:schemeClr val="accent1"/>
-                </a:solidFill>
-              </a14:hiddenFill>
-            </a:ext>
-            <a:ext uri="{91240B29-F687-4F45-9708-019B960494DF}">
-              <a14:hiddenLine xmlns:a14="http://schemas.microsoft.com/office/drawing/2010/main" w="9525">
-                <a:solidFill>
-                  <a:schemeClr val="tx1"/>
-                </a:solidFill>
-                <a:miter lim="800000"/>
-                <a:headEnd/>
-                <a:tailEnd/>
-              </a14:hiddenLine>
-            </a:ext>
-            <a:ext uri="{AF507438-7753-43E0-B8FC-AC1667EBCBE1}">
-              <a14:hiddenEffects xmlns:a14="http://schemas.microsoft.com/office/drawing/2010/main">
-                <a:effectLst>
-                  <a:outerShdw dist="35921" dir="2700000" algn="ctr" rotWithShape="0">
-                    <a:schemeClr val="bg2"/>
-                  </a:outerShdw>
-                </a:effectLst>
-              </a14:hiddenEffects>
-            </a:ext>
-          </a:extLst>
-        </p:spPr>
-        <p:txBody>
-          <a:bodyPr vert="horz" wrap="none" lIns="0" tIns="0" rIns="0" bIns="0" numCol="1" anchor="ctr" anchorCtr="0" compatLnSpc="1">
-            <a:prstTxWarp prst="textNoShape">
-              <a:avLst/>
-            </a:prstTxWarp>
-            <a:spAutoFit/>
-          </a:bodyPr>
-          <a:lstStyle/>
-          <a:p>
-            <a:pPr marL="0" marR="0" lvl="0" indent="0" algn="l" defTabSz="914400" rtl="0" eaLnBrk="0" fontAlgn="base" latinLnBrk="0" hangingPunct="0">
-              <a:lnSpc>
-                <a:spcPct val="100000"/>
-              </a:lnSpc>
-              <a:spcBef>
-                <a:spcPct val="0"/>
-              </a:spcBef>
-              <a:spcAft>
-                <a:spcPct val="0"/>
-              </a:spcAft>
-              <a:buClrTx/>
-              <a:buSzTx/>
-              <a:buFontTx/>
+          <a:p>
+            <a:pPr marL="0" indent="0">
               <a:buNone/>
-              <a:tabLst/>
             </a:pPr>
             <a:r>
-              <a:rPr kumimoji="0" lang="zh-CN" altLang="zh-CN" sz="900" b="0" i="0" u="none" strike="noStrike" cap="none" normalizeH="0" baseline="0" smtClean="0">
-                <a:ln>
-                  <a:noFill/>
-                </a:ln>
-                <a:solidFill>
-                  <a:srgbClr val="000000"/>
-                </a:solidFill>
-                <a:effectLst/>
-                <a:latin typeface="Courier New" panose="02070309020205020404" pitchFamily="49" charset="0"/>
-                <a:cs typeface="Courier New" panose="02070309020205020404" pitchFamily="49" charset="0"/>
-              </a:rPr>
-              <a:t>WaitOne</a:t>
-            </a:r>
-            <a:r>
-              <a:rPr kumimoji="0" lang="zh-CN" altLang="zh-CN" sz="600" b="0" i="0" u="none" strike="noStrike" cap="none" normalizeH="0" baseline="0" smtClean="0">
-                <a:ln>
-                  <a:noFill/>
-                </a:ln>
-                <a:solidFill>
-                  <a:schemeClr val="tx1"/>
-                </a:solidFill>
-                <a:effectLst/>
-              </a:rPr>
-              <a:t> </a:t>
-            </a:r>
-            <a:endParaRPr kumimoji="0" lang="zh-CN" altLang="zh-CN" sz="1800" b="0" i="0" u="none" strike="noStrike" cap="none" normalizeH="0" baseline="0" smtClean="0">
-              <a:ln>
-                <a:noFill/>
-              </a:ln>
-              <a:solidFill>
-                <a:schemeClr val="tx1"/>
-              </a:solidFill>
-              <a:effectLst/>
-              <a:latin typeface="Arial" panose="020B0604020202020204" pitchFamily="34" charset="0"/>
-            </a:endParaRPr>
+              <a:rPr lang="en-US" altLang="zh-CN" dirty="0"/>
+              <a:t>2.</a:t>
+            </a:r>
+            <a:r>
+              <a:rPr lang="zh-CN" altLang="en-US" dirty="0"/>
+              <a:t>底层方面：</a:t>
+            </a:r>
+            <a:endParaRPr lang="zh-CN" altLang="en-US" dirty="0"/>
           </a:p>
         </p:txBody>
       </p:sp>
     </p:spTree>
-    <p:extLst>
-      <p:ext uri="{BB962C8B-B14F-4D97-AF65-F5344CB8AC3E}">
-        <p14:creationId xmlns:p14="http://schemas.microsoft.com/office/powerpoint/2010/main" val="2347358067"/>
-      </p:ext>
-    </p:extLst>
   </p:cSld>
   <p:clrMapOvr>
     <a:masterClrMapping/>
@@ -10911,13 +11070,17 @@
         <a:defPPr>
           <a:defRPr baseline="0" dirty="0" smtClean="0">
             <a:latin typeface="+mn-lt"/>
-            <a:ea typeface="黑体" pitchFamily="49" charset="-122"/>
+            <a:ea typeface="黑体" panose="02010609060101010101" pitchFamily="49" charset="-122"/>
           </a:defRPr>
         </a:defPPr>
       </a:lstStyle>
     </a:txDef>
   </a:objectDefaults>
-  <a:extraClrSchemeLst/>
+  <a:extLst>
+    <a:ext uri="{05A4C25C-085E-4340-85A3-A5531E510DB2}">
+      <thm15:themeFamily xmlns:thm15="http://schemas.microsoft.com/office/thememl/2012/main" name="Office Theme" id="{62F939B6-93AF-4DB8-9C6B-D6C7DFDC589F}" vid="{4A3C46E8-61CC-4603-A589-7422A47A8E4A}"/>
+    </a:ext>
+  </a:extLst>
 </a:theme>
 </file>
 
@@ -11244,14 +11407,18 @@
       <a:lstStyle>
         <a:defPPr>
           <a:defRPr baseline="0" dirty="0" smtClean="0">
-            <a:latin typeface="Calibri"/>
-            <a:ea typeface="黑体" pitchFamily="49" charset="-122"/>
+            <a:latin typeface="Calibri" panose="020F0502020204030204"/>
+            <a:ea typeface="黑体" panose="02010609060101010101" pitchFamily="49" charset="-122"/>
           </a:defRPr>
         </a:defPPr>
       </a:lstStyle>
     </a:txDef>
   </a:objectDefaults>
-  <a:extraClrSchemeLst/>
+  <a:extLst>
+    <a:ext uri="{05A4C25C-085E-4340-85A3-A5531E510DB2}">
+      <thm15:themeFamily xmlns:thm15="http://schemas.microsoft.com/office/thememl/2012/main" name="Office Theme" id="{62F939B6-93AF-4DB8-9C6B-D6C7DFDC589F}" vid="{4A3C46E8-61CC-4603-A589-7422A47A8E4A}"/>
+    </a:ext>
+  </a:extLst>
 </a:theme>
 </file>
 
@@ -11535,7 +11702,6 @@
         <a:solidFill>
           <a:srgbClr val="00945E"/>
         </a:solidFill>
-        <a:effectLst/>
       </a:spPr>
       <a:bodyPr anchor="ctr"/>
       <a:lstStyle>
@@ -11544,7 +11710,7 @@
             <a:solidFill>
               <a:srgbClr val="FFFFFF"/>
             </a:solidFill>
-            <a:ea typeface="ＭＳ Ｐゴシック" pitchFamily="34" charset="-128"/>
+            <a:ea typeface="MS PGothic" panose="020B0600070205080204" pitchFamily="34" charset="-128"/>
           </a:defRPr>
         </a:defPPr>
       </a:lstStyle>
@@ -11599,7 +11765,11 @@
       </a:lstStyle>
     </a:txDef>
   </a:objectDefaults>
-  <a:extraClrSchemeLst/>
+  <a:extLst>
+    <a:ext uri="{05A4C25C-085E-4340-85A3-A5531E510DB2}">
+      <thm15:themeFamily xmlns:thm15="http://schemas.microsoft.com/office/thememl/2012/main" name="Office Theme" id="{62F939B6-93AF-4DB8-9C6B-D6C7DFDC589F}" vid="{4A3C46E8-61CC-4603-A589-7422A47A8E4A}"/>
+    </a:ext>
+  </a:extLst>
 </a:theme>
 </file>
 
@@ -11917,7 +12087,11 @@
       </a:style>
     </a:lnDef>
   </a:objectDefaults>
-  <a:extraClrSchemeLst/>
+  <a:extLst>
+    <a:ext uri="{05A4C25C-085E-4340-85A3-A5531E510DB2}">
+      <thm15:themeFamily xmlns:thm15="http://schemas.microsoft.com/office/thememl/2012/main" name="Office Theme" id="{62F939B6-93AF-4DB8-9C6B-D6C7DFDC589F}" vid="{4A3C46E8-61CC-4603-A589-7422A47A8E4A}"/>
+    </a:ext>
+  </a:extLst>
 </a:theme>
 </file>
 
@@ -12235,174 +12409,10 @@
       </a:style>
     </a:lnDef>
   </a:objectDefaults>
-  <a:extraClrSchemeLst/>
+  <a:extLst>
+    <a:ext uri="{05A4C25C-085E-4340-85A3-A5531E510DB2}">
+      <thm15:themeFamily xmlns:thm15="http://schemas.microsoft.com/office/thememl/2012/main" name="Office Theme" id="{62F939B6-93AF-4DB8-9C6B-D6C7DFDC589F}" vid="{4A3C46E8-61CC-4603-A589-7422A47A8E4A}"/>
+    </a:ext>
+  </a:extLst>
 </a:theme>
-</file>
-
-<file path=customXml/item1.xml><?xml version="1.0" encoding="utf-8"?>
-<ct:contentTypeSchema xmlns:ct="http://schemas.microsoft.com/office/2006/metadata/contentType" xmlns:ma="http://schemas.microsoft.com/office/2006/metadata/properties/metaAttributes" ct:_="" ma:_="" ma:contentTypeName="Document" ma:contentTypeID="0x0101009680888C3A7BC742BD306B4305C62963" ma:contentTypeVersion="0" ma:contentTypeDescription="Create a new document." ma:contentTypeScope="" ma:versionID="e6a6f1285600d8e2f9cd9bb3b1c0e811">
-  <xsd:schema xmlns:xsd="http://www.w3.org/2001/XMLSchema" xmlns:xs="http://www.w3.org/2001/XMLSchema" xmlns:p="http://schemas.microsoft.com/office/2006/metadata/properties" targetNamespace="http://schemas.microsoft.com/office/2006/metadata/properties" ma:root="true" ma:fieldsID="c64490b4aec6201516c3a874156f37b2">
-    <xsd:element name="properties">
-      <xsd:complexType>
-        <xsd:sequence>
-          <xsd:element name="documentManagement">
-            <xsd:complexType>
-              <xsd:all/>
-            </xsd:complexType>
-          </xsd:element>
-        </xsd:sequence>
-      </xsd:complexType>
-    </xsd:element>
-  </xsd:schema>
-  <xsd:schema xmlns="http://schemas.openxmlformats.org/package/2006/metadata/core-properties" xmlns:xsd="http://www.w3.org/2001/XMLSchema" xmlns:xsi="http://www.w3.org/2001/XMLSchema-instance" xmlns:dc="http://purl.org/dc/elements/1.1/" xmlns:dcterms="http://purl.org/dc/terms/" xmlns:odoc="http://schemas.microsoft.com/internal/obd" targetNamespace="http://schemas.openxmlformats.org/package/2006/metadata/core-properties" elementFormDefault="qualified" attributeFormDefault="unqualified" blockDefault="#all">
-    <xsd:import namespace="http://purl.org/dc/elements/1.1/" schemaLocation="http://dublincore.org/schemas/xmls/qdc/2003/04/02/dc.xsd"/>
-    <xsd:import namespace="http://purl.org/dc/terms/" schemaLocation="http://dublincore.org/schemas/xmls/qdc/2003/04/02/dcterms.xsd"/>
-    <xsd:element name="coreProperties" type="CT_coreProperties"/>
-    <xsd:complexType name="CT_coreProperties">
-      <xsd:all>
-        <xsd:element ref="dc:creator" minOccurs="0" maxOccurs="1"/>
-        <xsd:element ref="dcterms:created" minOccurs="0" maxOccurs="1"/>
-        <xsd:element ref="dc:identifier" minOccurs="0" maxOccurs="1"/>
-        <xsd:element name="contentType" minOccurs="0" maxOccurs="1" type="xsd:string" ma:index="0" ma:displayName="Content Type"/>
-        <xsd:element ref="dc:title" minOccurs="0" maxOccurs="1" ma:index="4" ma:displayName="Title"/>
-        <xsd:element ref="dc:subject" minOccurs="0" maxOccurs="1"/>
-        <xsd:element ref="dc:description" minOccurs="0" maxOccurs="1"/>
-        <xsd:element name="keywords" minOccurs="0" maxOccurs="1" type="xsd:string"/>
-        <xsd:element ref="dc:language" minOccurs="0" maxOccurs="1"/>
-        <xsd:element name="category" minOccurs="0" maxOccurs="1" type="xsd:string"/>
-        <xsd:element name="version" minOccurs="0" maxOccurs="1" type="xsd:string"/>
-        <xsd:element name="revision" minOccurs="0" maxOccurs="1" type="xsd:string">
-          <xsd:annotation>
-            <xsd:documentation>
-                        This value indicates the number of saves or revisions. The application is responsible for updating this value after each revision.
-                    </xsd:documentation>
-          </xsd:annotation>
-        </xsd:element>
-        <xsd:element name="lastModifiedBy" minOccurs="0" maxOccurs="1" type="xsd:string"/>
-        <xsd:element ref="dcterms:modified" minOccurs="0" maxOccurs="1"/>
-        <xsd:element name="contentStatus" minOccurs="0" maxOccurs="1" type="xsd:string"/>
-      </xsd:all>
-    </xsd:complexType>
-  </xsd:schema>
-  <xs:schema xmlns:pc="http://schemas.microsoft.com/office/infopath/2007/PartnerControls" xmlns:xs="http://www.w3.org/2001/XMLSchema" targetNamespace="http://schemas.microsoft.com/office/infopath/2007/PartnerControls" elementFormDefault="qualified" attributeFormDefault="unqualified">
-    <xs:element name="Person">
-      <xs:complexType>
-        <xs:sequence>
-          <xs:element ref="pc:DisplayName" minOccurs="0"/>
-          <xs:element ref="pc:AccountId" minOccurs="0"/>
-          <xs:element ref="pc:AccountType" minOccurs="0"/>
-        </xs:sequence>
-      </xs:complexType>
-    </xs:element>
-    <xs:element name="DisplayName" type="xs:string"/>
-    <xs:element name="AccountId" type="xs:string"/>
-    <xs:element name="AccountType" type="xs:string"/>
-    <xs:element name="BDCAssociatedEntity">
-      <xs:complexType>
-        <xs:sequence>
-          <xs:element ref="pc:BDCEntity" minOccurs="0" maxOccurs="unbounded"/>
-        </xs:sequence>
-        <xs:attribute ref="pc:EntityNamespace"/>
-        <xs:attribute ref="pc:EntityName"/>
-        <xs:attribute ref="pc:SystemInstanceName"/>
-        <xs:attribute ref="pc:AssociationName"/>
-      </xs:complexType>
-    </xs:element>
-    <xs:attribute name="EntityNamespace" type="xs:string"/>
-    <xs:attribute name="EntityName" type="xs:string"/>
-    <xs:attribute name="SystemInstanceName" type="xs:string"/>
-    <xs:attribute name="AssociationName" type="xs:string"/>
-    <xs:element name="BDCEntity">
-      <xs:complexType>
-        <xs:sequence>
-          <xs:element ref="pc:EntityDisplayName" minOccurs="0"/>
-          <xs:element ref="pc:EntityInstanceReference" minOccurs="0"/>
-          <xs:element ref="pc:EntityId1" minOccurs="0"/>
-          <xs:element ref="pc:EntityId2" minOccurs="0"/>
-          <xs:element ref="pc:EntityId3" minOccurs="0"/>
-          <xs:element ref="pc:EntityId4" minOccurs="0"/>
-          <xs:element ref="pc:EntityId5" minOccurs="0"/>
-        </xs:sequence>
-      </xs:complexType>
-    </xs:element>
-    <xs:element name="EntityDisplayName" type="xs:string"/>
-    <xs:element name="EntityInstanceReference" type="xs:string"/>
-    <xs:element name="EntityId1" type="xs:string"/>
-    <xs:element name="EntityId2" type="xs:string"/>
-    <xs:element name="EntityId3" type="xs:string"/>
-    <xs:element name="EntityId4" type="xs:string"/>
-    <xs:element name="EntityId5" type="xs:string"/>
-    <xs:element name="Terms">
-      <xs:complexType>
-        <xs:sequence>
-          <xs:element ref="pc:TermInfo" minOccurs="0" maxOccurs="unbounded"/>
-        </xs:sequence>
-      </xs:complexType>
-    </xs:element>
-    <xs:element name="TermInfo">
-      <xs:complexType>
-        <xs:sequence>
-          <xs:element ref="pc:TermName" minOccurs="0"/>
-          <xs:element ref="pc:TermId" minOccurs="0"/>
-        </xs:sequence>
-      </xs:complexType>
-    </xs:element>
-    <xs:element name="TermName" type="xs:string"/>
-    <xs:element name="TermId" type="xs:string"/>
-  </xs:schema>
-</ct:contentTypeSchema>
-</file>
-
-<file path=customXml/item2.xml><?xml version="1.0" encoding="utf-8"?>
-<?mso-contentType ?>
-<FormTemplates xmlns="http://schemas.microsoft.com/sharepoint/v3/contenttype/forms">
-  <Display>DocumentLibraryForm</Display>
-  <Edit>DocumentLibraryForm</Edit>
-  <New>DocumentLibraryForm</New>
-</FormTemplates>
-</file>
-
-<file path=customXml/item3.xml><?xml version="1.0" encoding="utf-8"?>
-<p:properties xmlns:p="http://schemas.microsoft.com/office/2006/metadata/properties" xmlns:xsi="http://www.w3.org/2001/XMLSchema-instance" xmlns:pc="http://schemas.microsoft.com/office/infopath/2007/PartnerControls">
-  <documentManagement/>
-</p:properties>
-</file>
-
-<file path=customXml/itemProps1.xml><?xml version="1.0" encoding="utf-8"?>
-<ds:datastoreItem xmlns:ds="http://schemas.openxmlformats.org/officeDocument/2006/customXml" ds:itemID="{102BAFA5-51FA-4F58-B393-87F41FAA5AA5}">
-  <ds:schemaRefs>
-    <ds:schemaRef ds:uri="http://schemas.microsoft.com/office/2006/metadata/contentType"/>
-    <ds:schemaRef ds:uri="http://schemas.microsoft.com/office/2006/metadata/properties/metaAttributes"/>
-    <ds:schemaRef ds:uri="http://www.w3.org/2001/XMLSchema"/>
-    <ds:schemaRef ds:uri="http://schemas.microsoft.com/office/2006/metadata/properties"/>
-    <ds:schemaRef ds:uri="http://schemas.openxmlformats.org/package/2006/metadata/core-properties"/>
-    <ds:schemaRef ds:uri="http://purl.org/dc/elements/1.1/"/>
-    <ds:schemaRef ds:uri="http://purl.org/dc/terms/"/>
-    <ds:schemaRef ds:uri="http://schemas.microsoft.com/internal/obd"/>
-    <ds:schemaRef ds:uri="http://schemas.microsoft.com/office/infopath/2007/PartnerControls"/>
-  </ds:schemaRefs>
-</ds:datastoreItem>
-</file>
-
-<file path=customXml/itemProps2.xml><?xml version="1.0" encoding="utf-8"?>
-<ds:datastoreItem xmlns:ds="http://schemas.openxmlformats.org/officeDocument/2006/customXml" ds:itemID="{11A474E7-AAA8-49EE-BAF5-F67A9BD8C493}">
-  <ds:schemaRefs>
-    <ds:schemaRef ds:uri="http://schemas.microsoft.com/sharepoint/v3/contenttype/forms"/>
-  </ds:schemaRefs>
-</ds:datastoreItem>
-</file>
-
-<file path=customXml/itemProps3.xml><?xml version="1.0" encoding="utf-8"?>
-<ds:datastoreItem xmlns:ds="http://schemas.openxmlformats.org/officeDocument/2006/customXml" ds:itemID="{2C94ECB2-E7DF-4D2B-A109-E75E166D9515}">
-  <ds:schemaRefs>
-    <ds:schemaRef ds:uri="http://purl.org/dc/elements/1.1/"/>
-    <ds:schemaRef ds:uri="http://www.w3.org/XML/1998/namespace"/>
-    <ds:schemaRef ds:uri="http://purl.org/dc/dcmitype/"/>
-    <ds:schemaRef ds:uri="http://purl.org/dc/terms/"/>
-    <ds:schemaRef ds:uri="http://schemas.microsoft.com/office/2006/documentManagement/types"/>
-    <ds:schemaRef ds:uri="http://schemas.microsoft.com/office/infopath/2007/PartnerControls"/>
-    <ds:schemaRef ds:uri="http://schemas.microsoft.com/office/2006/metadata/properties"/>
-    <ds:schemaRef ds:uri="http://schemas.openxmlformats.org/package/2006/metadata/core-properties"/>
-  </ds:schemaRefs>
-</ds:datastoreItem>
 </file>
--- a/异步编程.pptx
+++ b/异步编程.pptx
@@ -10,7 +10,7 @@
     <p:notesMasterId r:id="rId6"/>
   </p:notesMasterIdLst>
   <p:handoutMasterIdLst>
-    <p:handoutMasterId r:id="rId30"/>
+    <p:handoutMasterId r:id="rId31"/>
   </p:handoutMasterIdLst>
   <p:sldIdLst>
     <p:sldId id="291" r:id="rId5"/>
@@ -22,21 +22,22 @@
     <p:sldId id="362" r:id="rId12"/>
     <p:sldId id="336" r:id="rId13"/>
     <p:sldId id="363" r:id="rId14"/>
-    <p:sldId id="337" r:id="rId15"/>
-    <p:sldId id="339" r:id="rId16"/>
-    <p:sldId id="338" r:id="rId17"/>
-    <p:sldId id="334" r:id="rId18"/>
-    <p:sldId id="292" r:id="rId19"/>
-    <p:sldId id="325" r:id="rId20"/>
-    <p:sldId id="326" r:id="rId21"/>
-    <p:sldId id="327" r:id="rId22"/>
-    <p:sldId id="328" r:id="rId23"/>
-    <p:sldId id="329" r:id="rId24"/>
-    <p:sldId id="331" r:id="rId25"/>
-    <p:sldId id="330" r:id="rId26"/>
-    <p:sldId id="332" r:id="rId27"/>
-    <p:sldId id="293" r:id="rId28"/>
-    <p:sldId id="343" r:id="rId29"/>
+    <p:sldId id="380" r:id="rId15"/>
+    <p:sldId id="337" r:id="rId16"/>
+    <p:sldId id="339" r:id="rId17"/>
+    <p:sldId id="338" r:id="rId18"/>
+    <p:sldId id="334" r:id="rId19"/>
+    <p:sldId id="292" r:id="rId20"/>
+    <p:sldId id="325" r:id="rId21"/>
+    <p:sldId id="326" r:id="rId22"/>
+    <p:sldId id="327" r:id="rId23"/>
+    <p:sldId id="328" r:id="rId24"/>
+    <p:sldId id="329" r:id="rId25"/>
+    <p:sldId id="331" r:id="rId26"/>
+    <p:sldId id="330" r:id="rId27"/>
+    <p:sldId id="332" r:id="rId28"/>
+    <p:sldId id="293" r:id="rId29"/>
+    <p:sldId id="343" r:id="rId30"/>
   </p:sldIdLst>
   <p:sldSz cx="9144000" cy="6858000" type="screen4x3"/>
   <p:notesSz cx="6858000" cy="9144000"/>
@@ -172,11 +173,13 @@
           <p14:sldIdLst>
             <p14:sldId id="291"/>
             <p14:sldId id="335"/>
-            <p14:sldId id="342"/>
+            <p14:sldId id="340"/>
             <p14:sldId id="341"/>
-            <p14:sldId id="361"/>
+            <p14:sldId id="362"/>
             <p14:sldId id="336"/>
             <p14:sldId id="363"/>
+            <p14:sldId id="380"/>
+            <p14:sldId id="337"/>
             <p14:sldId id="339"/>
             <p14:sldId id="338"/>
             <p14:sldId id="334"/>
@@ -190,10 +193,9 @@
             <p14:sldId id="330"/>
             <p14:sldId id="332"/>
             <p14:sldId id="293"/>
+            <p14:sldId id="342"/>
+            <p14:sldId id="361"/>
             <p14:sldId id="343"/>
-            <p14:sldId id="340"/>
-            <p14:sldId id="362"/>
-            <p14:sldId id="337"/>
           </p14:sldIdLst>
         </p14:section>
         <p14:section name="无标题节" id="{CD6B1EA8-99B9-4FAD-B9FF-EEFD719E4314}">
@@ -4936,6 +4938,222 @@
           <a:lstStyle/>
           <a:p>
             <a:r>
+              <a:rPr lang="en-US" altLang="zh-CN" dirty="0" err="1" smtClean="0"/>
+              <a:t>ThreadPool</a:t>
+            </a:r>
+            <a:r>
+              <a:rPr lang="zh-CN" altLang="en-US" dirty="0" err="1" smtClean="0"/>
+              <a:t>与</a:t>
+            </a:r>
+            <a:r>
+              <a:rPr lang="en-US" altLang="zh-CN" dirty="0" err="1" smtClean="0"/>
+              <a:t>thread</a:t>
+            </a:r>
+            <a:r>
+              <a:rPr lang="zh-CN" altLang="en-US" dirty="0" err="1" smtClean="0"/>
+              <a:t>区别</a:t>
+            </a:r>
+            <a:endParaRPr lang="zh-CN" altLang="en-US" dirty="0" err="1" smtClean="0"/>
+          </a:p>
+        </p:txBody>
+      </p:sp>
+      <p:sp>
+        <p:nvSpPr>
+          <p:cNvPr id="3" name="内容占位符 2"/>
+          <p:cNvSpPr>
+            <a:spLocks noGrp="1"/>
+          </p:cNvSpPr>
+          <p:nvPr>
+            <p:ph sz="quarter" idx="11"/>
+          </p:nvPr>
+        </p:nvSpPr>
+        <p:spPr/>
+        <p:txBody>
+          <a:bodyPr/>
+          <a:lstStyle/>
+          <a:p>
+            <a:pPr marL="0" indent="0">
+              <a:buNone/>
+            </a:pPr>
+            <a:r>
+              <a:rPr lang="zh-CN" altLang="en-US" dirty="0"/>
+              <a:t>线程池：</a:t>
+            </a:r>
+            <a:r>
+              <a:rPr lang="en-US" altLang="zh-CN" dirty="0"/>
+              <a:t>!threadpool</a:t>
+            </a:r>
+            <a:endParaRPr lang="en-US" altLang="zh-CN" dirty="0"/>
+          </a:p>
+          <a:p>
+            <a:pPr marL="0" indent="0">
+              <a:buNone/>
+            </a:pPr>
+            <a:r>
+              <a:rPr lang="zh-CN" altLang="en-US" dirty="0"/>
+              <a:t>CPU utilization: 33%</a:t>
+            </a:r>
+            <a:endParaRPr lang="zh-CN" altLang="en-US" dirty="0"/>
+          </a:p>
+          <a:p>
+            <a:pPr marL="0" indent="0">
+              <a:buNone/>
+            </a:pPr>
+            <a:r>
+              <a:rPr lang="zh-CN" altLang="en-US" dirty="0"/>
+              <a:t>Worker Thread: Total: 2 Running: 0 Idle: 2 MaxLimit: 2047 MinLimit: 8</a:t>
+            </a:r>
+            <a:endParaRPr lang="zh-CN" altLang="en-US" dirty="0"/>
+          </a:p>
+          <a:p>
+            <a:pPr marL="0" indent="0">
+              <a:buNone/>
+            </a:pPr>
+            <a:r>
+              <a:rPr lang="zh-CN" altLang="en-US" dirty="0"/>
+              <a:t>Work Request in Queue: 0</a:t>
+            </a:r>
+            <a:endParaRPr lang="zh-CN" altLang="en-US" dirty="0"/>
+          </a:p>
+          <a:p>
+            <a:pPr marL="0" indent="0">
+              <a:buNone/>
+            </a:pPr>
+            <a:r>
+              <a:rPr lang="zh-CN" altLang="en-US" dirty="0"/>
+              <a:t>--------------------------------------</a:t>
+            </a:r>
+            <a:endParaRPr lang="zh-CN" altLang="en-US" dirty="0"/>
+          </a:p>
+          <a:p>
+            <a:pPr marL="0" indent="0">
+              <a:buNone/>
+            </a:pPr>
+            <a:r>
+              <a:rPr lang="zh-CN" altLang="en-US" dirty="0"/>
+              <a:t>Number of Timers: 0</a:t>
+            </a:r>
+            <a:endParaRPr lang="zh-CN" altLang="en-US" dirty="0"/>
+          </a:p>
+          <a:p>
+            <a:pPr marL="0" indent="0">
+              <a:buNone/>
+            </a:pPr>
+            <a:r>
+              <a:rPr lang="zh-CN" altLang="en-US" dirty="0"/>
+              <a:t>--------------------------------------</a:t>
+            </a:r>
+            <a:endParaRPr lang="zh-CN" altLang="en-US" dirty="0"/>
+          </a:p>
+          <a:p>
+            <a:pPr marL="0" indent="0">
+              <a:buNone/>
+            </a:pPr>
+            <a:r>
+              <a:rPr lang="zh-CN" altLang="en-US" dirty="0"/>
+              <a:t>Completion Port Thread:Total: 0 Free: 0 MaxFree: 16 CurrentLimit: 0 MaxLimit: 1000 MinLimit: 8</a:t>
+            </a:r>
+            <a:endParaRPr lang="zh-CN" altLang="en-US" dirty="0"/>
+          </a:p>
+          <a:p>
+            <a:pPr marL="0" indent="0">
+              <a:buNone/>
+            </a:pPr>
+            <a:endParaRPr lang="zh-CN" altLang="en-US" dirty="0"/>
+          </a:p>
+          <a:p>
+            <a:pPr marL="0" indent="0">
+              <a:buNone/>
+            </a:pPr>
+            <a:r>
+              <a:rPr lang="zh-CN" altLang="en-US" dirty="0"/>
+              <a:t>工作线程：执行一般的异步任务，不涉及文件，网络，数据库等</a:t>
+            </a:r>
+            <a:r>
+              <a:rPr lang="en-US" altLang="zh-CN" dirty="0"/>
+              <a:t>IO</a:t>
+            </a:r>
+            <a:r>
+              <a:rPr lang="zh-CN" altLang="en-US" dirty="0"/>
+              <a:t>操作（开发者调用）</a:t>
+            </a:r>
+            <a:endParaRPr lang="zh-CN" altLang="en-US" dirty="0"/>
+          </a:p>
+          <a:p>
+            <a:pPr marL="0" indent="0">
+              <a:buNone/>
+            </a:pPr>
+            <a:r>
+              <a:rPr lang="en-US" altLang="zh-CN" dirty="0"/>
+              <a:t>IO</a:t>
+            </a:r>
+            <a:r>
+              <a:rPr lang="zh-CN" altLang="en-US" dirty="0"/>
+              <a:t>线程：文件网络数据库等操作</a:t>
+            </a:r>
+            <a:r>
+              <a:rPr lang="zh-CN" altLang="en-US" dirty="0">
+                <a:sym typeface="+mn-ea"/>
+              </a:rPr>
+              <a:t>（</a:t>
+            </a:r>
+            <a:r>
+              <a:rPr lang="en-US" altLang="zh-CN" dirty="0">
+                <a:sym typeface="+mn-ea"/>
+              </a:rPr>
+              <a:t>CLR</a:t>
+            </a:r>
+            <a:r>
+              <a:rPr lang="zh-CN" altLang="en-US" dirty="0">
+                <a:sym typeface="+mn-ea"/>
+              </a:rPr>
+              <a:t>调用的）</a:t>
+            </a:r>
+            <a:endParaRPr lang="zh-CN" altLang="en-US" dirty="0"/>
+          </a:p>
+        </p:txBody>
+      </p:sp>
+    </p:spTree>
+  </p:cSld>
+  <p:clrMapOvr>
+    <a:masterClrMapping/>
+  </p:clrMapOvr>
+</p:sld>
+</file>
+
+<file path=ppt/slides/slide11.xml><?xml version="1.0" encoding="utf-8"?>
+<p:sld xmlns:a="http://schemas.openxmlformats.org/drawingml/2006/main" xmlns:r="http://schemas.openxmlformats.org/officeDocument/2006/relationships" xmlns:p="http://schemas.openxmlformats.org/presentationml/2006/main">
+  <p:cSld>
+    <p:spTree>
+      <p:nvGrpSpPr>
+        <p:cNvPr id="1" name=""/>
+        <p:cNvGrpSpPr/>
+        <p:nvPr/>
+      </p:nvGrpSpPr>
+      <p:grpSpPr>
+        <a:xfrm>
+          <a:off x="0" y="0"/>
+          <a:ext cx="0" cy="0"/>
+          <a:chOff x="0" y="0"/>
+          <a:chExt cx="0" cy="0"/>
+        </a:xfrm>
+      </p:grpSpPr>
+      <p:sp>
+        <p:nvSpPr>
+          <p:cNvPr id="2" name="标题 1"/>
+          <p:cNvSpPr>
+            <a:spLocks noGrp="1"/>
+          </p:cNvSpPr>
+          <p:nvPr>
+            <p:ph type="title"/>
+          </p:nvPr>
+        </p:nvSpPr>
+        <p:spPr/>
+        <p:txBody>
+          <a:bodyPr/>
+          <a:lstStyle/>
+          <a:p>
+            <a:r>
               <a:rPr lang="en-US" altLang="zh-CN" dirty="0" smtClean="0"/>
               <a:t>Task</a:t>
             </a:r>
@@ -5435,7 +5653,7 @@
 </p:sld>
 </file>
 
-<file path=ppt/slides/slide11.xml><?xml version="1.0" encoding="utf-8"?>
+<file path=ppt/slides/slide12.xml><?xml version="1.0" encoding="utf-8"?>
 <p:sld xmlns:a="http://schemas.openxmlformats.org/drawingml/2006/main" xmlns:r="http://schemas.openxmlformats.org/officeDocument/2006/relationships" xmlns:p="http://schemas.openxmlformats.org/presentationml/2006/main">
   <p:cSld>
     <p:spTree>
@@ -5745,7 +5963,7 @@
 </p:sld>
 </file>
 
-<file path=ppt/slides/slide12.xml><?xml version="1.0" encoding="utf-8"?>
+<file path=ppt/slides/slide13.xml><?xml version="1.0" encoding="utf-8"?>
 <p:sld xmlns:a="http://schemas.openxmlformats.org/drawingml/2006/main" xmlns:r="http://schemas.openxmlformats.org/officeDocument/2006/relationships" xmlns:p="http://schemas.openxmlformats.org/presentationml/2006/main">
   <p:cSld>
     <p:spTree>
@@ -6003,167 +6221,6 @@
 </p:sld>
 </file>
 
-<file path=ppt/slides/slide13.xml><?xml version="1.0" encoding="utf-8"?>
-<p:sld xmlns:a="http://schemas.openxmlformats.org/drawingml/2006/main" xmlns:r="http://schemas.openxmlformats.org/officeDocument/2006/relationships" xmlns:p="http://schemas.openxmlformats.org/presentationml/2006/main">
-  <p:cSld>
-    <p:spTree>
-      <p:nvGrpSpPr>
-        <p:cNvPr id="1" name=""/>
-        <p:cNvGrpSpPr/>
-        <p:nvPr/>
-      </p:nvGrpSpPr>
-      <p:grpSpPr>
-        <a:xfrm>
-          <a:off x="0" y="0"/>
-          <a:ext cx="0" cy="0"/>
-          <a:chOff x="0" y="0"/>
-          <a:chExt cx="0" cy="0"/>
-        </a:xfrm>
-      </p:grpSpPr>
-      <p:sp>
-        <p:nvSpPr>
-          <p:cNvPr id="2" name="标题 1"/>
-          <p:cNvSpPr>
-            <a:spLocks noGrp="1"/>
-          </p:cNvSpPr>
-          <p:nvPr>
-            <p:ph type="title"/>
-          </p:nvPr>
-        </p:nvSpPr>
-        <p:spPr/>
-        <p:txBody>
-          <a:bodyPr/>
-          <a:lstStyle/>
-          <a:p>
-            <a:r>
-              <a:rPr lang="en-US" altLang="zh-CN" dirty="0"/>
-              <a:t>Asynchronous Programming Model APM</a:t>
-            </a:r>
-            <a:endParaRPr lang="zh-CN" altLang="en-US" dirty="0"/>
-          </a:p>
-        </p:txBody>
-      </p:sp>
-      <p:sp>
-        <p:nvSpPr>
-          <p:cNvPr id="3" name="内容占位符 2"/>
-          <p:cNvSpPr>
-            <a:spLocks noGrp="1"/>
-          </p:cNvSpPr>
-          <p:nvPr>
-            <p:ph sz="quarter" idx="11"/>
-          </p:nvPr>
-        </p:nvSpPr>
-        <p:spPr/>
-        <p:txBody>
-          <a:bodyPr/>
-          <a:lstStyle/>
-          <a:p>
-            <a:r>
-              <a:rPr lang="en-US" altLang="zh-CN" dirty="0"/>
-              <a:t>– </a:t>
-            </a:r>
-            <a:r>
-              <a:rPr lang="zh-CN" altLang="en-US" dirty="0"/>
-              <a:t>异步编程模型</a:t>
-            </a:r>
-            <a:r>
-              <a:rPr lang="en-US" altLang="zh-CN" dirty="0"/>
-              <a:t>(Asynchronous Programming Model APM) </a:t>
-            </a:r>
-            <a:endParaRPr lang="en-US" altLang="zh-CN" dirty="0"/>
-          </a:p>
-          <a:p>
-            <a:r>
-              <a:rPr lang="en-US" altLang="zh-CN" dirty="0" err="1"/>
-              <a:t>.Net</a:t>
-            </a:r>
-            <a:r>
-              <a:rPr lang="en-US" altLang="zh-CN" dirty="0"/>
-              <a:t> Framework 1 </a:t>
-            </a:r>
-            <a:r>
-              <a:rPr lang="zh-CN" altLang="en-US" dirty="0"/>
-              <a:t>已经引入了这个模式，也称</a:t>
-            </a:r>
-            <a:r>
-              <a:rPr lang="en-US" altLang="zh-CN" dirty="0"/>
-              <a:t>Begin/End </a:t>
-            </a:r>
-            <a:r>
-              <a:rPr lang="zh-CN" altLang="en-US" dirty="0"/>
-              <a:t>模式。一个 以</a:t>
-            </a:r>
-            <a:r>
-              <a:rPr lang="en-US" altLang="zh-CN" dirty="0"/>
-              <a:t>Begin</a:t>
-            </a:r>
-            <a:r>
-              <a:rPr lang="zh-CN" altLang="en-US" dirty="0"/>
-              <a:t>为前缀 的方法加载异步执行，并返回一个</a:t>
-            </a:r>
-            <a:r>
-              <a:rPr lang="en-US" altLang="zh-CN" dirty="0" err="1"/>
-              <a:t>System.IAsyncResult</a:t>
-            </a:r>
-            <a:r>
-              <a:rPr lang="zh-CN" altLang="en-US" dirty="0"/>
-              <a:t>对象，这个对象表示这个异步操作的状态。</a:t>
-            </a:r>
-            <a:r>
-              <a:rPr lang="en-US" altLang="zh-CN" dirty="0"/>
-              <a:t>Begin</a:t>
-            </a:r>
-            <a:r>
-              <a:rPr lang="zh-CN" altLang="en-US" dirty="0"/>
-              <a:t>方法可以接受一些与异步操作相关的参数，和一个</a:t>
-            </a:r>
-            <a:r>
-              <a:rPr lang="en-US" altLang="zh-CN" dirty="0" err="1"/>
-              <a:t>System.AsyncCallback</a:t>
-            </a:r>
-            <a:r>
-              <a:rPr lang="zh-CN" altLang="en-US" dirty="0"/>
-              <a:t>对象。这个对象表示异步操作结束时要调用的方法。然后可以调用以</a:t>
-            </a:r>
-            <a:r>
-              <a:rPr lang="en-US" altLang="zh-CN" dirty="0"/>
-              <a:t>End</a:t>
-            </a:r>
-            <a:r>
-              <a:rPr lang="zh-CN" altLang="en-US" dirty="0"/>
-              <a:t>为前缀的方法，以</a:t>
-            </a:r>
-            <a:r>
-              <a:rPr lang="en-US" altLang="zh-CN" dirty="0"/>
-              <a:t>End</a:t>
-            </a:r>
-            <a:r>
-              <a:rPr lang="zh-CN" altLang="en-US" dirty="0"/>
-              <a:t>为前缀的方法会阻塞当前任务或线程，直到</a:t>
-            </a:r>
-            <a:r>
-              <a:rPr lang="en-US" altLang="zh-CN" dirty="0"/>
-              <a:t>I/O</a:t>
-            </a:r>
-            <a:r>
-              <a:rPr lang="zh-CN" altLang="en-US" dirty="0"/>
-              <a:t>线程完成。它还可以返回操作结果相关的信息。</a:t>
-            </a:r>
-            <a:endParaRPr lang="zh-CN" altLang="en-US" dirty="0"/>
-          </a:p>
-          <a:p>
-            <a:endParaRPr lang="zh-CN" altLang="en-US" dirty="0"/>
-          </a:p>
-        </p:txBody>
-      </p:sp>
-    </p:spTree>
-  </p:cSld>
-  <p:clrMapOvr>
-    <a:masterClrMapping/>
-  </p:clrMapOvr>
-</p:sld>
-</file>
-
 <file path=ppt/slides/slide14.xml><?xml version="1.0" encoding="utf-8"?>
 <p:sld xmlns:a="http://schemas.openxmlformats.org/drawingml/2006/main" xmlns:r="http://schemas.openxmlformats.org/officeDocument/2006/relationships" xmlns:p="http://schemas.openxmlformats.org/presentationml/2006/main">
   <p:cSld>
@@ -6197,16 +6254,8 @@
           <a:lstStyle/>
           <a:p>
             <a:r>
-              <a:rPr lang="zh-CN" altLang="en-US" dirty="0" smtClean="0"/>
-              <a:t>基于委托的</a:t>
-            </a:r>
-            <a:r>
-              <a:rPr lang="en-US" altLang="zh-CN" dirty="0" smtClean="0"/>
-              <a:t>Invoke </a:t>
-            </a:r>
-            <a:r>
-              <a:rPr lang="en-US" altLang="zh-CN" dirty="0" err="1" smtClean="0"/>
-              <a:t>BeginInvoke</a:t>
+              <a:rPr lang="en-US" altLang="zh-CN" dirty="0"/>
+              <a:t>Asynchronous Programming Model APM</a:t>
             </a:r>
             <a:endParaRPr lang="zh-CN" altLang="en-US" dirty="0"/>
           </a:p>
@@ -6214,7 +6263,7 @@
       </p:sp>
       <p:sp>
         <p:nvSpPr>
-          <p:cNvPr id="4" name="内容占位符 3"/>
+          <p:cNvPr id="3" name="内容占位符 2"/>
           <p:cNvSpPr>
             <a:spLocks noGrp="1"/>
           </p:cNvSpPr>
@@ -6228,99 +6277,97 @@
           <a:lstStyle/>
           <a:p>
             <a:r>
-              <a:rPr lang="en-US" altLang="zh-CN" dirty="0" smtClean="0"/>
-              <a:t>CLR</a:t>
-            </a:r>
-            <a:r>
-              <a:rPr lang="zh-CN" altLang="en-US" dirty="0"/>
-              <a:t>为每一个委托类型提供了一个</a:t>
-            </a:r>
-            <a:r>
               <a:rPr lang="en-US" altLang="zh-CN" dirty="0"/>
-              <a:t>Invoke</a:t>
-            </a:r>
-            <a:r>
-              <a:rPr lang="zh-CN" altLang="en-US" dirty="0"/>
-              <a:t>方法，并且该方法和</a:t>
+              <a:t>– </a:t>
+            </a:r>
+            <a:r>
+              <a:rPr lang="zh-CN" altLang="en-US" dirty="0"/>
+              <a:t>异步编程模型</a:t>
             </a:r>
             <a:r>
               <a:rPr lang="en-US" altLang="zh-CN" dirty="0"/>
-              <a:t>delegate</a:t>
-            </a:r>
-            <a:r>
-              <a:rPr lang="zh-CN" altLang="en-US" dirty="0"/>
-              <a:t>拥有相同的</a:t>
-            </a:r>
-            <a:r>
-              <a:rPr lang="zh-CN" altLang="en-US" dirty="0" smtClean="0"/>
-              <a:t>签名</a:t>
-            </a:r>
-            <a:endParaRPr lang="en-US" altLang="zh-CN" dirty="0" smtClean="0"/>
-          </a:p>
-          <a:p>
-            <a:r>
-              <a:rPr lang="en-US" altLang="zh-CN" dirty="0" smtClean="0"/>
-              <a:t>CLR</a:t>
-            </a:r>
-            <a:r>
-              <a:rPr lang="zh-CN" altLang="en-US" dirty="0"/>
-              <a:t>为每一个委托类型提供了</a:t>
-            </a:r>
+              <a:t>(Asynchronous Programming Model APM) </a:t>
+            </a:r>
+            <a:endParaRPr lang="en-US" altLang="zh-CN" dirty="0"/>
+          </a:p>
+          <a:p>
             <a:r>
               <a:rPr lang="en-US" altLang="zh-CN" dirty="0" err="1"/>
-              <a:t>BeginInvoke</a:t>
-            </a:r>
-            <a:r>
-              <a:rPr lang="zh-CN" altLang="en-US" dirty="0"/>
-              <a:t>和</a:t>
+              <a:t>.Net</a:t>
+            </a:r>
+            <a:r>
+              <a:rPr lang="en-US" altLang="zh-CN" dirty="0"/>
+              <a:t> Framework 1 </a:t>
+            </a:r>
+            <a:r>
+              <a:rPr lang="zh-CN" altLang="en-US" dirty="0"/>
+              <a:t>已经引入了这个模式，也称</a:t>
+            </a:r>
+            <a:r>
+              <a:rPr lang="en-US" altLang="zh-CN" dirty="0"/>
+              <a:t>Begin/End </a:t>
+            </a:r>
+            <a:r>
+              <a:rPr lang="zh-CN" altLang="en-US" dirty="0"/>
+              <a:t>模式。一个 以</a:t>
+            </a:r>
+            <a:r>
+              <a:rPr lang="en-US" altLang="zh-CN" dirty="0"/>
+              <a:t>Begin</a:t>
+            </a:r>
+            <a:r>
+              <a:rPr lang="zh-CN" altLang="en-US" dirty="0"/>
+              <a:t>为前缀 的方法加载异步执行，并返回一个</a:t>
             </a:r>
             <a:r>
               <a:rPr lang="en-US" altLang="zh-CN" dirty="0" err="1"/>
-              <a:t>EndInvoke</a:t>
-            </a:r>
-            <a:r>
-              <a:rPr lang="zh-CN" altLang="en-US" dirty="0"/>
-              <a:t>方法，来确保委托的异步</a:t>
-            </a:r>
-            <a:r>
-              <a:rPr lang="zh-CN" altLang="en-US" dirty="0" smtClean="0"/>
-              <a:t>调用</a:t>
-            </a:r>
-            <a:endParaRPr lang="en-US" altLang="zh-CN" dirty="0" smtClean="0"/>
-          </a:p>
-          <a:p>
-            <a:endParaRPr lang="en-US" altLang="zh-CN" dirty="0"/>
-          </a:p>
-          <a:p>
-            <a:r>
-              <a:rPr lang="zh-CN" altLang="en-US" dirty="0"/>
-              <a:t>通过一个委托来进行同步方法的异步调用，也是</a:t>
+              <a:t>System.IAsyncResult</a:t>
+            </a:r>
+            <a:r>
+              <a:rPr lang="zh-CN" altLang="en-US" dirty="0"/>
+              <a:t>对象，这个对象表示这个异步操作的状态。</a:t>
+            </a:r>
+            <a:r>
+              <a:rPr lang="en-US" altLang="zh-CN" dirty="0"/>
+              <a:t>Begin</a:t>
+            </a:r>
+            <a:r>
+              <a:rPr lang="zh-CN" altLang="en-US" dirty="0"/>
+              <a:t>方法可以接受一些与异步操作相关的参数，和一个</a:t>
             </a:r>
             <a:r>
               <a:rPr lang="en-US" altLang="zh-CN" dirty="0" err="1"/>
-              <a:t>.net</a:t>
-            </a:r>
-            <a:r>
-              <a:rPr lang="zh-CN" altLang="en-US" dirty="0"/>
-              <a:t>提供的异步调用机制之一。但是</a:t>
-            </a:r>
-            <a:r>
-              <a:rPr lang="en-US" altLang="zh-CN" dirty="0" err="1"/>
-              <a:t>Delegate.BeginInvoke</a:t>
-            </a:r>
-            <a:r>
-              <a:rPr lang="zh-CN" altLang="en-US" dirty="0"/>
-              <a:t>方法是从</a:t>
-            </a:r>
-            <a:r>
-              <a:rPr lang="en-US" altLang="zh-CN" dirty="0" err="1"/>
-              <a:t>ThreadPool</a:t>
-            </a:r>
-            <a:r>
-              <a:rPr lang="zh-CN" altLang="en-US" dirty="0"/>
-              <a:t>取出一个线程来执行这个方法，以获得异步执行效果的。也就是说，如果采用这种方式提交多个异步委托，那么这些调用的顺序无法得到保证。而且由于是使用线程池里面的线程来完成任务，使用频繁，会对系统的性能造成影响。</a:t>
-            </a:r>
-            <a:endParaRPr lang="en-US" altLang="zh-CN" dirty="0" smtClean="0"/>
+              <a:t>System.AsyncCallback</a:t>
+            </a:r>
+            <a:r>
+              <a:rPr lang="zh-CN" altLang="en-US" dirty="0"/>
+              <a:t>对象。这个对象表示异步操作结束时要调用的方法。然后可以调用以</a:t>
+            </a:r>
+            <a:r>
+              <a:rPr lang="en-US" altLang="zh-CN" dirty="0"/>
+              <a:t>End</a:t>
+            </a:r>
+            <a:r>
+              <a:rPr lang="zh-CN" altLang="en-US" dirty="0"/>
+              <a:t>为前缀的方法，以</a:t>
+            </a:r>
+            <a:r>
+              <a:rPr lang="en-US" altLang="zh-CN" dirty="0"/>
+              <a:t>End</a:t>
+            </a:r>
+            <a:r>
+              <a:rPr lang="zh-CN" altLang="en-US" dirty="0"/>
+              <a:t>为前缀的方法会阻塞当前任务或线程，直到</a:t>
+            </a:r>
+            <a:r>
+              <a:rPr lang="en-US" altLang="zh-CN" dirty="0"/>
+              <a:t>I/O</a:t>
+            </a:r>
+            <a:r>
+              <a:rPr lang="zh-CN" altLang="en-US" dirty="0"/>
+              <a:t>线程完成。它还可以返回操作结果相关的信息。</a:t>
+            </a:r>
+            <a:endParaRPr lang="zh-CN" altLang="en-US" dirty="0"/>
           </a:p>
           <a:p>
             <a:endParaRPr lang="zh-CN" altLang="en-US" dirty="0"/>
@@ -6368,12 +6415,8 @@
           <a:lstStyle/>
           <a:p>
             <a:r>
-              <a:rPr lang="en-US" altLang="zh-CN" dirty="0" smtClean="0"/>
-              <a:t>Controller</a:t>
-            </a:r>
-            <a:r>
               <a:rPr lang="zh-CN" altLang="en-US" dirty="0" smtClean="0"/>
-              <a:t>的</a:t>
+              <a:t>基于委托的</a:t>
             </a:r>
             <a:r>
               <a:rPr lang="en-US" altLang="zh-CN" dirty="0" smtClean="0"/>
@@ -6389,7 +6432,7 @@
       </p:sp>
       <p:sp>
         <p:nvSpPr>
-          <p:cNvPr id="5" name="内容占位符 4"/>
+          <p:cNvPr id="4" name="内容占位符 3"/>
           <p:cNvSpPr>
             <a:spLocks noGrp="1"/>
           </p:cNvSpPr>
@@ -6403,39 +6446,98 @@
           <a:lstStyle/>
           <a:p>
             <a:r>
+              <a:rPr lang="en-US" altLang="zh-CN" dirty="0" smtClean="0"/>
+              <a:t>CLR</a:t>
+            </a:r>
+            <a:r>
+              <a:rPr lang="zh-CN" altLang="en-US" dirty="0"/>
+              <a:t>为每一个委托类型提供了一个</a:t>
+            </a:r>
+            <a:r>
               <a:rPr lang="en-US" altLang="zh-CN" dirty="0"/>
-              <a:t>Windows GUI</a:t>
-            </a:r>
-            <a:r>
-              <a:rPr lang="zh-CN" altLang="en-US" dirty="0"/>
-              <a:t>程序是基于消息机制的，有个主线程维护着一个消息</a:t>
+              <a:t>Invoke</a:t>
+            </a:r>
+            <a:r>
+              <a:rPr lang="zh-CN" altLang="en-US" dirty="0"/>
+              <a:t>方法，并且该方法和</a:t>
+            </a:r>
+            <a:r>
+              <a:rPr lang="en-US" altLang="zh-CN" dirty="0"/>
+              <a:t>delegate</a:t>
+            </a:r>
+            <a:r>
+              <a:rPr lang="zh-CN" altLang="en-US" dirty="0"/>
+              <a:t>拥有相同的</a:t>
             </a:r>
             <a:r>
               <a:rPr lang="zh-CN" altLang="en-US" dirty="0" smtClean="0"/>
-              <a:t>泵。这个</a:t>
-            </a:r>
-            <a:r>
-              <a:rPr lang="zh-CN" altLang="en-US" dirty="0"/>
-              <a:t>消息泵让</a:t>
-            </a:r>
-            <a:r>
-              <a:rPr lang="en-US" altLang="zh-CN" dirty="0"/>
-              <a:t>windows</a:t>
-            </a:r>
-            <a:r>
-              <a:rPr lang="zh-CN" altLang="en-US" dirty="0"/>
-              <a:t>程序生生不息</a:t>
+              <a:t>签名</a:t>
+            </a:r>
+            <a:endParaRPr lang="en-US" altLang="zh-CN" dirty="0" smtClean="0"/>
+          </a:p>
+          <a:p>
+            <a:r>
+              <a:rPr lang="en-US" altLang="zh-CN" dirty="0" smtClean="0"/>
+              <a:t>CLR</a:t>
+            </a:r>
+            <a:r>
+              <a:rPr lang="zh-CN" altLang="en-US" dirty="0"/>
+              <a:t>为每一个委托类型提供了</a:t>
+            </a:r>
+            <a:r>
+              <a:rPr lang="en-US" altLang="zh-CN" dirty="0" err="1"/>
+              <a:t>BeginInvoke</a:t>
+            </a:r>
+            <a:r>
+              <a:rPr lang="zh-CN" altLang="en-US" dirty="0"/>
+              <a:t>和</a:t>
+            </a:r>
+            <a:r>
+              <a:rPr lang="en-US" altLang="zh-CN" dirty="0" err="1"/>
+              <a:t>EndInvoke</a:t>
+            </a:r>
+            <a:r>
+              <a:rPr lang="zh-CN" altLang="en-US" dirty="0"/>
+              <a:t>方法，来确保委托的异步</a:t>
             </a:r>
             <a:r>
               <a:rPr lang="zh-CN" altLang="en-US" dirty="0" smtClean="0"/>
-              <a:t>。</a:t>
+              <a:t>调用</a:t>
             </a:r>
             <a:endParaRPr lang="en-US" altLang="zh-CN" dirty="0" smtClean="0"/>
           </a:p>
           <a:p>
-            <a:endParaRPr lang="en-US" altLang="zh-CN" dirty="0" smtClean="0"/>
-          </a:p>
-          <a:p>
+            <a:endParaRPr lang="en-US" altLang="zh-CN" dirty="0"/>
+          </a:p>
+          <a:p>
+            <a:r>
+              <a:rPr lang="zh-CN" altLang="en-US" dirty="0"/>
+              <a:t>通过一个委托来进行同步方法的异步调用，也是</a:t>
+            </a:r>
+            <a:r>
+              <a:rPr lang="en-US" altLang="zh-CN" dirty="0" err="1"/>
+              <a:t>.net</a:t>
+            </a:r>
+            <a:r>
+              <a:rPr lang="zh-CN" altLang="en-US" dirty="0"/>
+              <a:t>提供的异步调用机制之一。但是</a:t>
+            </a:r>
+            <a:r>
+              <a:rPr lang="en-US" altLang="zh-CN" dirty="0" err="1"/>
+              <a:t>Delegate.BeginInvoke</a:t>
+            </a:r>
+            <a:r>
+              <a:rPr lang="zh-CN" altLang="en-US" dirty="0"/>
+              <a:t>方法是从</a:t>
+            </a:r>
+            <a:r>
+              <a:rPr lang="en-US" altLang="zh-CN" dirty="0" err="1"/>
+              <a:t>ThreadPool</a:t>
+            </a:r>
+            <a:r>
+              <a:rPr lang="zh-CN" altLang="en-US" dirty="0"/>
+              <a:t>取出一个线程来执行这个方法，以获得异步执行效果的。也就是说，如果采用这种方式提交多个异步委托，那么这些调用的顺序无法得到保证。而且由于是使用线程池里面的线程来完成任务，使用频繁，会对系统的性能造成影响。</a:t>
+            </a:r>
             <a:endParaRPr lang="en-US" altLang="zh-CN" dirty="0" smtClean="0"/>
           </a:p>
           <a:p>
@@ -6443,30 +6545,6 @@
           </a:p>
         </p:txBody>
       </p:sp>
-      <p:pic>
-        <p:nvPicPr>
-          <p:cNvPr id="6" name="图片 5"/>
-          <p:cNvPicPr>
-            <a:picLocks noChangeAspect="1"/>
-          </p:cNvPicPr>
-          <p:nvPr/>
-        </p:nvPicPr>
-        <p:blipFill>
-          <a:blip r:embed="rId1"/>
-          <a:stretch>
-            <a:fillRect/>
-          </a:stretch>
-        </p:blipFill>
-        <p:spPr>
-          <a:xfrm>
-            <a:off x="827584" y="2204864"/>
-            <a:ext cx="5229225" cy="3562350"/>
-          </a:xfrm>
-          <a:prstGeom prst="rect">
-            <a:avLst/>
-          </a:prstGeom>
-        </p:spPr>
-      </p:pic>
     </p:spTree>
   </p:cSld>
   <p:clrMapOvr>
@@ -6542,6 +6620,146 @@
           <a:bodyPr/>
           <a:lstStyle/>
           <a:p>
+            <a:r>
+              <a:rPr lang="en-US" altLang="zh-CN" dirty="0"/>
+              <a:t>Windows GUI</a:t>
+            </a:r>
+            <a:r>
+              <a:rPr lang="zh-CN" altLang="en-US" dirty="0"/>
+              <a:t>程序是基于消息机制的，有个主线程维护着一个消息</a:t>
+            </a:r>
+            <a:r>
+              <a:rPr lang="zh-CN" altLang="en-US" dirty="0" smtClean="0"/>
+              <a:t>泵。这个</a:t>
+            </a:r>
+            <a:r>
+              <a:rPr lang="zh-CN" altLang="en-US" dirty="0"/>
+              <a:t>消息泵让</a:t>
+            </a:r>
+            <a:r>
+              <a:rPr lang="en-US" altLang="zh-CN" dirty="0"/>
+              <a:t>windows</a:t>
+            </a:r>
+            <a:r>
+              <a:rPr lang="zh-CN" altLang="en-US" dirty="0"/>
+              <a:t>程序生生不息</a:t>
+            </a:r>
+            <a:r>
+              <a:rPr lang="zh-CN" altLang="en-US" dirty="0" smtClean="0"/>
+              <a:t>。</a:t>
+            </a:r>
+            <a:endParaRPr lang="en-US" altLang="zh-CN" dirty="0" smtClean="0"/>
+          </a:p>
+          <a:p>
+            <a:endParaRPr lang="en-US" altLang="zh-CN" dirty="0" smtClean="0"/>
+          </a:p>
+          <a:p>
+            <a:endParaRPr lang="en-US" altLang="zh-CN" dirty="0" smtClean="0"/>
+          </a:p>
+          <a:p>
+            <a:endParaRPr lang="zh-CN" altLang="en-US" dirty="0"/>
+          </a:p>
+        </p:txBody>
+      </p:sp>
+      <p:pic>
+        <p:nvPicPr>
+          <p:cNvPr id="6" name="图片 5"/>
+          <p:cNvPicPr>
+            <a:picLocks noChangeAspect="1"/>
+          </p:cNvPicPr>
+          <p:nvPr/>
+        </p:nvPicPr>
+        <p:blipFill>
+          <a:blip r:embed="rId1"/>
+          <a:stretch>
+            <a:fillRect/>
+          </a:stretch>
+        </p:blipFill>
+        <p:spPr>
+          <a:xfrm>
+            <a:off x="827584" y="2204864"/>
+            <a:ext cx="5229225" cy="3562350"/>
+          </a:xfrm>
+          <a:prstGeom prst="rect">
+            <a:avLst/>
+          </a:prstGeom>
+        </p:spPr>
+      </p:pic>
+    </p:spTree>
+  </p:cSld>
+  <p:clrMapOvr>
+    <a:masterClrMapping/>
+  </p:clrMapOvr>
+</p:sld>
+</file>
+
+<file path=ppt/slides/slide17.xml><?xml version="1.0" encoding="utf-8"?>
+<p:sld xmlns:a="http://schemas.openxmlformats.org/drawingml/2006/main" xmlns:r="http://schemas.openxmlformats.org/officeDocument/2006/relationships" xmlns:p="http://schemas.openxmlformats.org/presentationml/2006/main">
+  <p:cSld>
+    <p:spTree>
+      <p:nvGrpSpPr>
+        <p:cNvPr id="1" name=""/>
+        <p:cNvGrpSpPr/>
+        <p:nvPr/>
+      </p:nvGrpSpPr>
+      <p:grpSpPr>
+        <a:xfrm>
+          <a:off x="0" y="0"/>
+          <a:ext cx="0" cy="0"/>
+          <a:chOff x="0" y="0"/>
+          <a:chExt cx="0" cy="0"/>
+        </a:xfrm>
+      </p:grpSpPr>
+      <p:sp>
+        <p:nvSpPr>
+          <p:cNvPr id="2" name="标题 1"/>
+          <p:cNvSpPr>
+            <a:spLocks noGrp="1"/>
+          </p:cNvSpPr>
+          <p:nvPr>
+            <p:ph type="title"/>
+          </p:nvPr>
+        </p:nvSpPr>
+        <p:spPr/>
+        <p:txBody>
+          <a:bodyPr/>
+          <a:lstStyle/>
+          <a:p>
+            <a:r>
+              <a:rPr lang="en-US" altLang="zh-CN" dirty="0" smtClean="0"/>
+              <a:t>Controller</a:t>
+            </a:r>
+            <a:r>
+              <a:rPr lang="zh-CN" altLang="en-US" dirty="0" smtClean="0"/>
+              <a:t>的</a:t>
+            </a:r>
+            <a:r>
+              <a:rPr lang="en-US" altLang="zh-CN" dirty="0" smtClean="0"/>
+              <a:t>Invoke </a:t>
+            </a:r>
+            <a:r>
+              <a:rPr lang="en-US" altLang="zh-CN" dirty="0" err="1" smtClean="0"/>
+              <a:t>BeginInvoke</a:t>
+            </a:r>
+            <a:endParaRPr lang="zh-CN" altLang="en-US" dirty="0"/>
+          </a:p>
+        </p:txBody>
+      </p:sp>
+      <p:sp>
+        <p:nvSpPr>
+          <p:cNvPr id="5" name="内容占位符 4"/>
+          <p:cNvSpPr>
+            <a:spLocks noGrp="1"/>
+          </p:cNvSpPr>
+          <p:nvPr>
+            <p:ph sz="quarter" idx="11"/>
+          </p:nvPr>
+        </p:nvSpPr>
+        <p:spPr/>
+        <p:txBody>
+          <a:bodyPr/>
+          <a:lstStyle/>
+          <a:p>
             <a:pPr marL="0" indent="0">
               <a:buNone/>
             </a:pPr>
@@ -6621,7 +6839,7 @@
 </p:sld>
 </file>
 
-<file path=ppt/slides/slide17.xml><?xml version="1.0" encoding="utf-8"?>
+<file path=ppt/slides/slide18.xml><?xml version="1.0" encoding="utf-8"?>
 <p:sld xmlns:a="http://schemas.openxmlformats.org/drawingml/2006/main" xmlns:r="http://schemas.openxmlformats.org/officeDocument/2006/relationships" xmlns:p="http://schemas.openxmlformats.org/presentationml/2006/main">
   <p:cSld>
     <p:spTree>
@@ -6779,181 +6997,6 @@
 </p:sld>
 </file>
 
-<file path=ppt/slides/slide18.xml><?xml version="1.0" encoding="utf-8"?>
-<p:sld xmlns:a="http://schemas.openxmlformats.org/drawingml/2006/main" xmlns:r="http://schemas.openxmlformats.org/officeDocument/2006/relationships" xmlns:p="http://schemas.openxmlformats.org/presentationml/2006/main">
-  <p:cSld>
-    <p:spTree>
-      <p:nvGrpSpPr>
-        <p:cNvPr id="1" name=""/>
-        <p:cNvGrpSpPr/>
-        <p:nvPr/>
-      </p:nvGrpSpPr>
-      <p:grpSpPr>
-        <a:xfrm>
-          <a:off x="0" y="0"/>
-          <a:ext cx="0" cy="0"/>
-          <a:chOff x="0" y="0"/>
-          <a:chExt cx="0" cy="0"/>
-        </a:xfrm>
-      </p:grpSpPr>
-      <p:sp>
-        <p:nvSpPr>
-          <p:cNvPr id="2" name="标题 1"/>
-          <p:cNvSpPr>
-            <a:spLocks noGrp="1"/>
-          </p:cNvSpPr>
-          <p:nvPr>
-            <p:ph type="title"/>
-          </p:nvPr>
-        </p:nvSpPr>
-        <p:spPr/>
-        <p:txBody>
-          <a:bodyPr/>
-          <a:lstStyle/>
-          <a:p>
-            <a:r>
-              <a:rPr lang="en-US" altLang="zh-CN" dirty="0" smtClean="0"/>
-              <a:t>Controller</a:t>
-            </a:r>
-            <a:r>
-              <a:rPr lang="zh-CN" altLang="en-US" dirty="0" smtClean="0"/>
-              <a:t>的</a:t>
-            </a:r>
-            <a:r>
-              <a:rPr lang="en-US" altLang="zh-CN" dirty="0" smtClean="0"/>
-              <a:t>Invoke </a:t>
-            </a:r>
-            <a:r>
-              <a:rPr lang="en-US" altLang="zh-CN" dirty="0" err="1" smtClean="0"/>
-              <a:t>BeginInvoke</a:t>
-            </a:r>
-            <a:endParaRPr lang="zh-CN" altLang="en-US" dirty="0"/>
-          </a:p>
-        </p:txBody>
-      </p:sp>
-      <p:sp>
-        <p:nvSpPr>
-          <p:cNvPr id="5" name="内容占位符 4"/>
-          <p:cNvSpPr>
-            <a:spLocks noGrp="1"/>
-          </p:cNvSpPr>
-          <p:nvPr>
-            <p:ph sz="quarter" idx="11"/>
-          </p:nvPr>
-        </p:nvSpPr>
-        <p:spPr/>
-        <p:txBody>
-          <a:bodyPr/>
-          <a:lstStyle/>
-          <a:p>
-            <a:r>
-              <a:rPr lang="zh-CN" altLang="en-US" dirty="0" smtClean="0"/>
-              <a:t>实现</a:t>
-            </a:r>
-            <a:r>
-              <a:rPr lang="en-US" altLang="zh-CN" dirty="0" smtClean="0"/>
-              <a:t>controller</a:t>
-            </a:r>
-            <a:r>
-              <a:rPr lang="zh-CN" altLang="en-US" dirty="0" smtClean="0"/>
-              <a:t>同步异步的关键类：</a:t>
-            </a:r>
-            <a:endParaRPr lang="en-US" altLang="zh-CN" dirty="0" smtClean="0"/>
-          </a:p>
-          <a:p>
-            <a:r>
-              <a:rPr lang="en-US" altLang="zh-CN" dirty="0" err="1"/>
-              <a:t>FindMarshalingControl</a:t>
-            </a:r>
-            <a:r>
-              <a:rPr lang="zh-CN" altLang="en-US" dirty="0"/>
-              <a:t>方法通过一个循环向上回溯，从当前控件开始回溯父控件，直到找到最顶级的父控件，用它作为封送对象</a:t>
-            </a:r>
-            <a:r>
-              <a:rPr lang="zh-CN" altLang="en-US" dirty="0" smtClean="0"/>
-              <a:t>。</a:t>
-            </a:r>
-            <a:endParaRPr lang="en-US" altLang="zh-CN" dirty="0" smtClean="0"/>
-          </a:p>
-          <a:p>
-            <a:r>
-              <a:rPr lang="en-US" altLang="zh-CN" b="1" dirty="0" err="1"/>
-              <a:t>MarshaledInvoke</a:t>
-            </a:r>
-            <a:endParaRPr lang="en-US" altLang="zh-CN" b="1" dirty="0"/>
-          </a:p>
-          <a:p>
-            <a:r>
-              <a:rPr lang="zh-CN" altLang="en-US" dirty="0"/>
-              <a:t>通过</a:t>
-            </a:r>
-            <a:r>
-              <a:rPr lang="en-US" altLang="zh-CN" dirty="0"/>
-              <a:t>windows</a:t>
-            </a:r>
-            <a:r>
-              <a:rPr lang="zh-CN" altLang="en-US" dirty="0"/>
-              <a:t>消息机制实现了封送。而需要封送的委托方法作为消息的参数进行了传递</a:t>
-            </a:r>
-            <a:r>
-              <a:rPr lang="zh-CN" altLang="en-US" dirty="0" smtClean="0"/>
-              <a:t>。</a:t>
-            </a:r>
-            <a:endParaRPr lang="en-US" altLang="zh-CN" dirty="0" smtClean="0"/>
-          </a:p>
-          <a:p>
-            <a:r>
-              <a:rPr lang="en-US" altLang="zh-CN" dirty="0" err="1"/>
-              <a:t>UnsafeNativeMethods.PostMessage</a:t>
-            </a:r>
-            <a:r>
-              <a:rPr lang="en-US" altLang="zh-CN" dirty="0"/>
-              <a:t>(new </a:t>
-            </a:r>
-            <a:r>
-              <a:rPr lang="en-US" altLang="zh-CN" dirty="0" err="1"/>
-              <a:t>HandleRef</a:t>
-            </a:r>
-            <a:r>
-              <a:rPr lang="en-US" altLang="zh-CN" dirty="0"/>
-              <a:t>(this, Handle), </a:t>
-            </a:r>
-            <a:r>
-              <a:rPr lang="en-US" altLang="zh-CN" dirty="0" err="1"/>
-              <a:t>threadCallbackMessage</a:t>
-            </a:r>
-            <a:r>
-              <a:rPr lang="en-US" altLang="zh-CN" dirty="0"/>
-              <a:t>, </a:t>
-            </a:r>
-            <a:r>
-              <a:rPr lang="en-US" altLang="zh-CN" dirty="0" err="1"/>
-              <a:t>IntPtr.Zero</a:t>
-            </a:r>
-            <a:r>
-              <a:rPr lang="en-US" altLang="zh-CN" dirty="0"/>
-              <a:t>, </a:t>
-            </a:r>
-            <a:r>
-              <a:rPr lang="en-US" altLang="zh-CN" dirty="0" err="1"/>
-              <a:t>IntPtr.Zero</a:t>
-            </a:r>
-            <a:r>
-              <a:rPr lang="en-US" altLang="zh-CN" dirty="0"/>
-              <a:t>);</a:t>
-            </a:r>
-            <a:endParaRPr lang="zh-CN" altLang="en-US" dirty="0"/>
-          </a:p>
-        </p:txBody>
-      </p:sp>
-    </p:spTree>
-  </p:cSld>
-  <p:clrMapOvr>
-    <a:masterClrMapping/>
-  </p:clrMapOvr>
-</p:sld>
-</file>
-
 <file path=ppt/slides/slide19.xml><?xml version="1.0" encoding="utf-8"?>
 <p:sld xmlns:a="http://schemas.openxmlformats.org/drawingml/2006/main" xmlns:r="http://schemas.openxmlformats.org/officeDocument/2006/relationships" xmlns:p="http://schemas.openxmlformats.org/presentationml/2006/main">
   <p:cSld>
@@ -6988,11 +7031,19 @@
           <a:p>
             <a:r>
               <a:rPr lang="en-US" altLang="zh-CN" dirty="0" smtClean="0"/>
-              <a:t>Framework </a:t>
+              <a:t>Controller</a:t>
             </a:r>
             <a:r>
               <a:rPr lang="zh-CN" altLang="en-US" dirty="0" smtClean="0"/>
-              <a:t>其他的异步实现</a:t>
+              <a:t>的</a:t>
+            </a:r>
+            <a:r>
+              <a:rPr lang="en-US" altLang="zh-CN" dirty="0" smtClean="0"/>
+              <a:t>Invoke </a:t>
+            </a:r>
+            <a:r>
+              <a:rPr lang="en-US" altLang="zh-CN" dirty="0" err="1" smtClean="0"/>
+              <a:t>BeginInvoke</a:t>
             </a:r>
             <a:endParaRPr lang="zh-CN" altLang="en-US" dirty="0"/>
           </a:p>
@@ -7014,15 +7065,101 @@
           <a:lstStyle/>
           <a:p>
             <a:r>
-              <a:rPr lang="en-US" altLang="zh-CN" dirty="0" err="1" smtClean="0"/>
-              <a:t>ISynchronizeInvoke</a:t>
+              <a:rPr lang="zh-CN" altLang="en-US" dirty="0" smtClean="0"/>
+              <a:t>实现</a:t>
+            </a:r>
+            <a:r>
+              <a:rPr lang="en-US" altLang="zh-CN" dirty="0" smtClean="0"/>
+              <a:t>controller</a:t>
+            </a:r>
+            <a:r>
+              <a:rPr lang="zh-CN" altLang="en-US" dirty="0" smtClean="0"/>
+              <a:t>同步异步的关键类：</a:t>
             </a:r>
             <a:endParaRPr lang="en-US" altLang="zh-CN" dirty="0" smtClean="0"/>
           </a:p>
           <a:p>
+            <a:r>
+              <a:rPr lang="en-US" altLang="zh-CN" dirty="0" err="1"/>
+              <a:t>FindMarshalingControl</a:t>
+            </a:r>
+            <a:r>
+              <a:rPr lang="zh-CN" altLang="en-US" dirty="0"/>
+              <a:t>方法通过一个循环向上回溯，从当前控件开始回溯父控件，直到找到最顶级的父控件，用它作为封送对象</a:t>
+            </a:r>
+            <a:r>
+              <a:rPr lang="zh-CN" altLang="en-US" dirty="0" smtClean="0"/>
+              <a:t>。</a:t>
+            </a:r>
             <a:endParaRPr lang="en-US" altLang="zh-CN" dirty="0" smtClean="0"/>
           </a:p>
           <a:p>
+            <a:r>
+              <a:rPr lang="en-US" altLang="zh-CN" b="1" dirty="0" err="1"/>
+              <a:t>MarshaledInvoke</a:t>
+            </a:r>
+            <a:endParaRPr lang="en-US" altLang="zh-CN" b="1" dirty="0"/>
+          </a:p>
+          <a:p>
+            <a:r>
+              <a:rPr lang="zh-CN" altLang="en-US" dirty="0"/>
+              <a:t>通过</a:t>
+            </a:r>
+            <a:r>
+              <a:rPr lang="en-US" altLang="zh-CN" dirty="0"/>
+              <a:t>windows</a:t>
+            </a:r>
+            <a:r>
+              <a:rPr lang="zh-CN" altLang="en-US" dirty="0"/>
+              <a:t>消息机制实现了封送。而需要封送的委托方法作为消息的参数进行了传递</a:t>
+            </a:r>
+            <a:r>
+              <a:rPr lang="zh-CN" altLang="en-US" dirty="0" smtClean="0"/>
+              <a:t>。</a:t>
+            </a:r>
+            <a:endParaRPr lang="en-US" altLang="zh-CN" dirty="0" smtClean="0"/>
+          </a:p>
+          <a:p>
+            <a:r>
+              <a:rPr lang="en-US" altLang="zh-CN" dirty="0" err="1"/>
+              <a:t>UnsafeNativeMethods.PostMessage</a:t>
+            </a:r>
+            <a:r>
+              <a:rPr lang="en-US" altLang="zh-CN" dirty="0"/>
+              <a:t>(new </a:t>
+            </a:r>
+            <a:r>
+              <a:rPr lang="en-US" altLang="zh-CN" dirty="0" err="1"/>
+              <a:t>HandleRef</a:t>
+            </a:r>
+            <a:r>
+              <a:rPr lang="en-US" altLang="zh-CN" dirty="0"/>
+              <a:t>(this, Handle), </a:t>
+            </a:r>
+            <a:r>
+              <a:rPr lang="en-US" altLang="zh-CN" dirty="0" err="1"/>
+              <a:t>threadCallbackMessage</a:t>
+            </a:r>
+            <a:r>
+              <a:rPr lang="en-US" altLang="zh-CN" dirty="0"/>
+              <a:t>, </a:t>
+            </a:r>
+            <a:r>
+              <a:rPr lang="en-US" altLang="zh-CN" dirty="0" err="1"/>
+              <a:t>IntPtr.Zero</a:t>
+            </a:r>
+            <a:r>
+              <a:rPr lang="en-US" altLang="zh-CN" dirty="0"/>
+              <a:t>, </a:t>
+            </a:r>
+            <a:r>
+              <a:rPr lang="en-US" altLang="zh-CN" dirty="0" err="1"/>
+              <a:t>IntPtr.Zero</a:t>
+            </a:r>
+            <a:r>
+              <a:rPr lang="en-US" altLang="zh-CN" dirty="0"/>
+              <a:t>);</a:t>
+            </a:r>
             <a:endParaRPr lang="zh-CN" altLang="en-US" dirty="0"/>
           </a:p>
         </p:txBody>
@@ -7257,12 +7394,12 @@
           <a:lstStyle/>
           <a:p>
             <a:r>
-              <a:rPr lang="zh-CN" altLang="en-US" dirty="0"/>
-              <a:t>基于事件的异步编程模式</a:t>
-            </a:r>
-            <a:r>
-              <a:rPr lang="en-US" altLang="zh-CN" dirty="0"/>
-              <a:t>(Event-Based Asynchronous Pattern EAP) </a:t>
+              <a:rPr lang="en-US" altLang="zh-CN" dirty="0" smtClean="0"/>
+              <a:t>Framework </a:t>
+            </a:r>
+            <a:r>
+              <a:rPr lang="zh-CN" altLang="en-US" dirty="0" smtClean="0"/>
+              <a:t>其他的异步实现</a:t>
             </a:r>
             <a:endParaRPr lang="zh-CN" altLang="en-US" dirty="0"/>
           </a:p>
@@ -7270,7 +7407,7 @@
       </p:sp>
       <p:sp>
         <p:nvSpPr>
-          <p:cNvPr id="3" name="内容占位符 2"/>
+          <p:cNvPr id="5" name="内容占位符 4"/>
           <p:cNvSpPr>
             <a:spLocks noGrp="1"/>
           </p:cNvSpPr>
@@ -7284,109 +7421,13 @@
           <a:lstStyle/>
           <a:p>
             <a:r>
-              <a:rPr lang="en-US" altLang="zh-CN" dirty="0"/>
-              <a:t>– </a:t>
-            </a:r>
-            <a:r>
-              <a:rPr lang="en-US" altLang="zh-CN" dirty="0" smtClean="0"/>
-              <a:t>EAP</a:t>
-            </a:r>
-            <a:endParaRPr lang="en-US" altLang="zh-CN" dirty="0"/>
-          </a:p>
-          <a:p>
-            <a:r>
-              <a:rPr lang="en-US" altLang="zh-CN" dirty="0" err="1"/>
-              <a:t>.Net</a:t>
-            </a:r>
-            <a:r>
-              <a:rPr lang="en-US" altLang="zh-CN" dirty="0"/>
-              <a:t> Framework 2 </a:t>
-            </a:r>
-            <a:r>
-              <a:rPr lang="zh-CN" altLang="en-US" dirty="0"/>
-              <a:t>为异步操作引入了这个模式。一个以</a:t>
-            </a:r>
-            <a:r>
-              <a:rPr lang="en-US" altLang="zh-CN" dirty="0" err="1"/>
-              <a:t>Async</a:t>
-            </a:r>
-            <a:r>
-              <a:rPr lang="zh-CN" altLang="en-US" dirty="0"/>
-              <a:t>为后缀的方法加载异步执行，当异步执行完成或取消时，异步操作会抛出一个事件，一个委托可以与这个事件绑定，并提供处理事件的回调函数</a:t>
-            </a:r>
-            <a:r>
-              <a:rPr lang="zh-CN" altLang="en-US" dirty="0" smtClean="0"/>
-              <a:t>。（多文件下载</a:t>
-            </a:r>
-            <a:r>
-              <a:rPr lang="en-US" altLang="zh-CN" dirty="0" smtClean="0"/>
-              <a:t>demo</a:t>
-            </a:r>
-            <a:r>
-              <a:rPr lang="zh-CN" altLang="en-US" dirty="0" smtClean="0"/>
-              <a:t>）</a:t>
+              <a:rPr lang="en-US" altLang="zh-CN" dirty="0" err="1" smtClean="0"/>
+              <a:t>ISynchronizeInvoke</a:t>
             </a:r>
             <a:endParaRPr lang="en-US" altLang="zh-CN" dirty="0" smtClean="0"/>
           </a:p>
           <a:p>
-            <a:pPr latinLnBrk="0"/>
-            <a:r>
-              <a:rPr lang="en-US" altLang="zh-CN" dirty="0"/>
-              <a:t>1</a:t>
-            </a:r>
-            <a:r>
-              <a:rPr lang="zh-CN" altLang="en-US" dirty="0"/>
-              <a:t>、要进行异步的方法其方法名应该以</a:t>
-            </a:r>
-            <a:r>
-              <a:rPr lang="en-US" altLang="zh-CN" dirty="0" err="1"/>
-              <a:t>XXXAsync</a:t>
-            </a:r>
-            <a:r>
-              <a:rPr lang="zh-CN" altLang="en-US" dirty="0"/>
-              <a:t>结尾</a:t>
-            </a:r>
-            <a:endParaRPr lang="zh-CN" altLang="en-US" dirty="0"/>
-          </a:p>
-          <a:p>
-            <a:pPr latinLnBrk="0"/>
-            <a:r>
-              <a:rPr lang="en-US" altLang="zh-CN" dirty="0"/>
-              <a:t>2</a:t>
-            </a:r>
-            <a:r>
-              <a:rPr lang="zh-CN" altLang="en-US" dirty="0"/>
-              <a:t>、要有一个名为</a:t>
-            </a:r>
-            <a:r>
-              <a:rPr lang="en-US" altLang="zh-CN" dirty="0" err="1"/>
-              <a:t>XXXCompleted</a:t>
-            </a:r>
-            <a:r>
-              <a:rPr lang="zh-CN" altLang="en-US" dirty="0"/>
-              <a:t>的事件监听异步方法的完成</a:t>
-            </a:r>
-            <a:endParaRPr lang="zh-CN" altLang="en-US" dirty="0"/>
-          </a:p>
-          <a:p>
-            <a:pPr latinLnBrk="0"/>
-            <a:r>
-              <a:rPr lang="en-US" altLang="zh-CN" dirty="0"/>
-              <a:t>3</a:t>
-            </a:r>
-            <a:r>
-              <a:rPr lang="zh-CN" altLang="en-US" dirty="0"/>
-              <a:t>、可增加一个</a:t>
-            </a:r>
-            <a:r>
-              <a:rPr lang="en-US" altLang="zh-CN" dirty="0" err="1"/>
-              <a:t>CancelAsync</a:t>
-            </a:r>
-            <a:r>
-              <a:rPr lang="zh-CN" altLang="en-US" dirty="0"/>
-              <a:t>方法用于取消正在执行的异步方法（可选）</a:t>
-            </a:r>
-            <a:endParaRPr lang="zh-CN" altLang="en-US" dirty="0"/>
+            <a:endParaRPr lang="en-US" altLang="zh-CN" dirty="0" smtClean="0"/>
           </a:p>
           <a:p>
             <a:endParaRPr lang="zh-CN" altLang="en-US" dirty="0"/>
@@ -7434,23 +7475,20 @@
           <a:lstStyle/>
           <a:p>
             <a:r>
-              <a:rPr lang="en-US" altLang="zh-CN" b="1" dirty="0" err="1" smtClean="0"/>
-              <a:t>async</a:t>
-            </a:r>
-            <a:r>
-              <a:rPr lang="en-US" altLang="zh-CN" b="1" dirty="0" smtClean="0"/>
-              <a:t>/await</a:t>
-            </a:r>
-            <a:br>
-              <a:rPr lang="en-US" altLang="zh-CN" b="1" dirty="0" smtClean="0"/>
-            </a:br>
+              <a:rPr lang="zh-CN" altLang="en-US" dirty="0"/>
+              <a:t>基于事件的异步编程模式</a:t>
+            </a:r>
+            <a:r>
+              <a:rPr lang="en-US" altLang="zh-CN" dirty="0"/>
+              <a:t>(Event-Based Asynchronous Pattern EAP) </a:t>
+            </a:r>
             <a:endParaRPr lang="zh-CN" altLang="en-US" dirty="0"/>
           </a:p>
         </p:txBody>
       </p:sp>
       <p:sp>
         <p:nvSpPr>
-          <p:cNvPr id="5" name="内容占位符 4"/>
+          <p:cNvPr id="3" name="内容占位符 2"/>
           <p:cNvSpPr>
             <a:spLocks noGrp="1"/>
           </p:cNvSpPr>
@@ -7464,216 +7502,111 @@
           <a:lstStyle/>
           <a:p>
             <a:r>
+              <a:rPr lang="en-US" altLang="zh-CN" dirty="0"/>
+              <a:t>– </a:t>
+            </a:r>
+            <a:r>
               <a:rPr lang="en-US" altLang="zh-CN" dirty="0" smtClean="0"/>
-              <a:t>C#5.0</a:t>
+              <a:t>EAP</a:t>
+            </a:r>
+            <a:endParaRPr lang="en-US" altLang="zh-CN" dirty="0"/>
+          </a:p>
+          <a:p>
+            <a:r>
+              <a:rPr lang="en-US" altLang="zh-CN" dirty="0" err="1"/>
+              <a:t>.Net</a:t>
+            </a:r>
+            <a:r>
+              <a:rPr lang="en-US" altLang="zh-CN" dirty="0"/>
+              <a:t> Framework 2 </a:t>
+            </a:r>
+            <a:r>
+              <a:rPr lang="zh-CN" altLang="en-US" dirty="0"/>
+              <a:t>为异步操作引入了这个模式。一个以</a:t>
+            </a:r>
+            <a:r>
+              <a:rPr lang="en-US" altLang="zh-CN" dirty="0" err="1"/>
+              <a:t>Async</a:t>
+            </a:r>
+            <a:r>
+              <a:rPr lang="zh-CN" altLang="en-US" dirty="0"/>
+              <a:t>为后缀的方法加载异步执行，当异步执行完成或取消时，异步操作会抛出一个事件，一个委托可以与这个事件绑定，并提供处理事件的回调函数</a:t>
             </a:r>
             <a:r>
               <a:rPr lang="zh-CN" altLang="en-US" dirty="0" smtClean="0"/>
-              <a:t>出来的语法糖</a:t>
+              <a:t>。（多文件下载</a:t>
+            </a:r>
+            <a:r>
+              <a:rPr lang="en-US" altLang="zh-CN" dirty="0" smtClean="0"/>
+              <a:t>demo</a:t>
+            </a:r>
+            <a:r>
+              <a:rPr lang="zh-CN" altLang="en-US" dirty="0" smtClean="0"/>
+              <a:t>）</a:t>
             </a:r>
             <a:endParaRPr lang="en-US" altLang="zh-CN" dirty="0" smtClean="0"/>
           </a:p>
           <a:p>
-            <a:r>
-              <a:rPr lang="zh-CN" altLang="en-US" dirty="0" smtClean="0"/>
-              <a:t>它的好处是代码易读性高</a:t>
-            </a:r>
-            <a:endParaRPr lang="en-US" altLang="zh-CN" dirty="0" smtClean="0"/>
-          </a:p>
-          <a:p>
-            <a:r>
-              <a:rPr lang="zh-CN" altLang="en-US" dirty="0" smtClean="0"/>
-              <a:t>特别对于网站，网站的并发量是由</a:t>
-            </a:r>
-            <a:r>
-              <a:rPr lang="en-US" altLang="zh-CN" dirty="0" smtClean="0"/>
-              <a:t>IIS</a:t>
-            </a:r>
-            <a:r>
-              <a:rPr lang="zh-CN" altLang="en-US" dirty="0" smtClean="0"/>
-              <a:t>相应站点配置的应用池队列大小、最大工作进程数和最大并发连接数决定的</a:t>
-            </a:r>
-            <a:endParaRPr lang="en-US" altLang="zh-CN" dirty="0" smtClean="0"/>
-          </a:p>
-          <a:p>
-            <a:r>
-              <a:rPr lang="en-US" altLang="zh-CN" dirty="0" smtClean="0"/>
-              <a:t>IIS</a:t>
-            </a:r>
-            <a:r>
-              <a:rPr lang="zh-CN" altLang="en-US" dirty="0"/>
-              <a:t>最大并发连接数 </a:t>
-            </a:r>
+            <a:pPr latinLnBrk="0"/>
             <a:r>
               <a:rPr lang="en-US" altLang="zh-CN" dirty="0"/>
-              <a:t>= </a:t>
-            </a:r>
-            <a:r>
-              <a:rPr lang="zh-CN" altLang="en-US" dirty="0"/>
-              <a:t>队列长度 </a:t>
-            </a:r>
+              <a:t>1</a:t>
+            </a:r>
+            <a:r>
+              <a:rPr lang="zh-CN" altLang="en-US" dirty="0"/>
+              <a:t>、要进行异步的方法其方法名应该以</a:t>
+            </a:r>
+            <a:r>
+              <a:rPr lang="en-US" altLang="zh-CN" dirty="0" err="1"/>
+              <a:t>XXXAsync</a:t>
+            </a:r>
+            <a:r>
+              <a:rPr lang="zh-CN" altLang="en-US" dirty="0"/>
+              <a:t>结尾</a:t>
+            </a:r>
+            <a:endParaRPr lang="zh-CN" altLang="en-US" dirty="0"/>
+          </a:p>
+          <a:p>
+            <a:pPr latinLnBrk="0"/>
             <a:r>
               <a:rPr lang="en-US" altLang="zh-CN" dirty="0"/>
-              <a:t>+ IIS</a:t>
-            </a:r>
-            <a:r>
-              <a:rPr lang="zh-CN" altLang="en-US" dirty="0"/>
-              <a:t>最大并发</a:t>
-            </a:r>
-            <a:r>
-              <a:rPr lang="zh-CN" altLang="en-US" dirty="0" smtClean="0"/>
-              <a:t>工作线程数</a:t>
-            </a:r>
-            <a:endParaRPr lang="en-US" altLang="zh-CN" dirty="0"/>
-          </a:p>
-          <a:p>
+              <a:t>2</a:t>
+            </a:r>
+            <a:r>
+              <a:rPr lang="zh-CN" altLang="en-US" dirty="0"/>
+              <a:t>、要有一个名为</a:t>
+            </a:r>
+            <a:r>
+              <a:rPr lang="en-US" altLang="zh-CN" dirty="0" err="1"/>
+              <a:t>XXXCompleted</a:t>
+            </a:r>
+            <a:r>
+              <a:rPr lang="zh-CN" altLang="en-US" dirty="0"/>
+              <a:t>的事件监听异步方法的完成</a:t>
+            </a:r>
+            <a:endParaRPr lang="zh-CN" altLang="en-US" dirty="0"/>
+          </a:p>
+          <a:p>
+            <a:pPr latinLnBrk="0"/>
             <a:r>
               <a:rPr lang="en-US" altLang="zh-CN" dirty="0"/>
-              <a:t>IIS</a:t>
-            </a:r>
-            <a:r>
-              <a:rPr lang="zh-CN" altLang="en-US" dirty="0"/>
-              <a:t>的默认值对我们网站并发处理能力的影响。</a:t>
-            </a:r>
-            <a:r>
-              <a:rPr lang="en-US" altLang="zh-CN" dirty="0"/>
-              <a:t>IIS</a:t>
-            </a:r>
-            <a:r>
-              <a:rPr lang="zh-CN" altLang="en-US" dirty="0"/>
-              <a:t>默认的</a:t>
-            </a:r>
-            <a:r>
-              <a:rPr lang="en-US" altLang="zh-CN" dirty="0"/>
-              <a:t>【</a:t>
-            </a:r>
-            <a:r>
-              <a:rPr lang="zh-CN" altLang="en-US" dirty="0"/>
-              <a:t>最大并发连接数</a:t>
-            </a:r>
-            <a:r>
-              <a:rPr lang="en-US" altLang="zh-CN" dirty="0"/>
-              <a:t>】</a:t>
-            </a:r>
-            <a:r>
-              <a:rPr lang="zh-CN" altLang="en-US" dirty="0"/>
-              <a:t>为</a:t>
-            </a:r>
-            <a:r>
-              <a:rPr lang="en-US" altLang="zh-CN" dirty="0"/>
-              <a:t>4294967295</a:t>
-            </a:r>
-            <a:r>
-              <a:rPr lang="zh-CN" altLang="en-US" dirty="0"/>
-              <a:t>（</a:t>
-            </a:r>
-            <a:r>
-              <a:rPr lang="en-US" altLang="zh-CN" dirty="0"/>
-              <a:t>42</a:t>
-            </a:r>
-            <a:r>
-              <a:rPr lang="zh-CN" altLang="en-US" dirty="0"/>
-              <a:t>亿多），而</a:t>
-            </a:r>
-            <a:r>
-              <a:rPr lang="en-US" altLang="zh-CN" dirty="0"/>
-              <a:t>【</a:t>
-            </a:r>
-            <a:r>
-              <a:rPr lang="zh-CN" altLang="en-US" dirty="0"/>
-              <a:t>队列长度</a:t>
-            </a:r>
-            <a:r>
-              <a:rPr lang="en-US" altLang="zh-CN" dirty="0"/>
-              <a:t>】</a:t>
-            </a:r>
-            <a:r>
-              <a:rPr lang="zh-CN" altLang="en-US" dirty="0"/>
-              <a:t>默认值为</a:t>
-            </a:r>
-            <a:r>
-              <a:rPr lang="en-US" altLang="zh-CN" dirty="0"/>
-              <a:t>1000</a:t>
-            </a:r>
-            <a:r>
-              <a:rPr lang="zh-CN" altLang="en-US" dirty="0"/>
-              <a:t>。对于</a:t>
-            </a:r>
-            <a:r>
-              <a:rPr lang="en-US" altLang="zh-CN" dirty="0"/>
-              <a:t>windows server</a:t>
-            </a:r>
-            <a:r>
-              <a:rPr lang="zh-CN" altLang="en-US" dirty="0"/>
-              <a:t>版本的</a:t>
-            </a:r>
-            <a:r>
-              <a:rPr lang="en-US" altLang="zh-CN" dirty="0"/>
-              <a:t>IIS</a:t>
-            </a:r>
-            <a:r>
-              <a:rPr lang="zh-CN" altLang="en-US" dirty="0"/>
-              <a:t>，最大并发工作线程数可能几百（猜测，可能没有限制），按照这个默认值，那么</a:t>
-            </a:r>
-            <a:r>
-              <a:rPr lang="en-US" altLang="zh-CN" dirty="0"/>
-              <a:t>IIS</a:t>
-            </a:r>
-            <a:r>
-              <a:rPr lang="zh-CN" altLang="en-US" dirty="0"/>
-              <a:t>同时处理的请求数也就</a:t>
-            </a:r>
-            <a:r>
-              <a:rPr lang="en-US" altLang="zh-CN" dirty="0"/>
-              <a:t>1000</a:t>
-            </a:r>
-            <a:r>
-              <a:rPr lang="zh-CN" altLang="en-US" dirty="0"/>
-              <a:t>多</a:t>
-            </a:r>
-            <a:r>
-              <a:rPr lang="zh-CN" altLang="en-US" dirty="0" smtClean="0"/>
-              <a:t>。</a:t>
-            </a:r>
-            <a:endParaRPr lang="en-US" altLang="zh-CN" dirty="0" smtClean="0"/>
-          </a:p>
-          <a:p>
-            <a:r>
-              <a:rPr lang="en-US" altLang="zh-CN" dirty="0" err="1" smtClean="0"/>
-              <a:t>Async</a:t>
-            </a:r>
-            <a:r>
-              <a:rPr lang="en-US" altLang="zh-CN" dirty="0" smtClean="0"/>
-              <a:t> await </a:t>
-            </a:r>
-            <a:r>
-              <a:rPr lang="zh-CN" altLang="en-US" dirty="0" smtClean="0"/>
-              <a:t>可以有效的释放当前的</a:t>
-            </a:r>
-            <a:r>
-              <a:rPr lang="en-US" altLang="zh-CN" dirty="0" smtClean="0"/>
-              <a:t>worker</a:t>
-            </a:r>
-            <a:r>
-              <a:rPr lang="zh-CN" altLang="en-US" dirty="0" smtClean="0"/>
-              <a:t>线程，调用</a:t>
-            </a:r>
-            <a:r>
-              <a:rPr lang="en-US" altLang="zh-CN" dirty="0" smtClean="0"/>
-              <a:t>CLR</a:t>
-            </a:r>
-            <a:r>
-              <a:rPr lang="zh-CN" altLang="en-US" dirty="0" smtClean="0"/>
-              <a:t>线程池执行异步操作，</a:t>
-            </a:r>
-            <a:r>
-              <a:rPr lang="en-US" altLang="zh-CN" dirty="0" smtClean="0"/>
-              <a:t>worker</a:t>
-            </a:r>
-            <a:r>
-              <a:rPr lang="zh-CN" altLang="en-US" dirty="0" smtClean="0"/>
-              <a:t>线程可以处理其他请求，提高了网站的并发量</a:t>
-            </a:r>
+              <a:t>3</a:t>
+            </a:r>
+            <a:r>
+              <a:rPr lang="zh-CN" altLang="en-US" dirty="0"/>
+              <a:t>、可增加一个</a:t>
+            </a:r>
+            <a:r>
+              <a:rPr lang="en-US" altLang="zh-CN" dirty="0" err="1"/>
+              <a:t>CancelAsync</a:t>
+            </a:r>
+            <a:r>
+              <a:rPr lang="zh-CN" altLang="en-US" dirty="0"/>
+              <a:t>方法用于取消正在执行的异步方法（可选）</a:t>
+            </a:r>
+            <a:endParaRPr lang="zh-CN" altLang="en-US" dirty="0"/>
+          </a:p>
+          <a:p>
             <a:endParaRPr lang="zh-CN" altLang="en-US" dirty="0"/>
           </a:p>
         </p:txBody>
@@ -7749,35 +7682,191 @@
           <a:lstStyle/>
           <a:p>
             <a:r>
+              <a:rPr lang="en-US" altLang="zh-CN" dirty="0" smtClean="0"/>
+              <a:t>C#5.0</a:t>
+            </a:r>
+            <a:r>
+              <a:rPr lang="zh-CN" altLang="en-US" dirty="0" smtClean="0"/>
+              <a:t>出来的语法糖</a:t>
+            </a:r>
+            <a:endParaRPr lang="en-US" altLang="zh-CN" dirty="0" smtClean="0"/>
+          </a:p>
+          <a:p>
+            <a:r>
+              <a:rPr lang="zh-CN" altLang="en-US" dirty="0" smtClean="0"/>
+              <a:t>它的好处是代码易读性高</a:t>
+            </a:r>
+            <a:endParaRPr lang="en-US" altLang="zh-CN" dirty="0" smtClean="0"/>
+          </a:p>
+          <a:p>
+            <a:r>
+              <a:rPr lang="zh-CN" altLang="en-US" dirty="0" smtClean="0"/>
+              <a:t>特别对于网站，网站的并发量是由</a:t>
+            </a:r>
+            <a:r>
+              <a:rPr lang="en-US" altLang="zh-CN" dirty="0" smtClean="0"/>
+              <a:t>IIS</a:t>
+            </a:r>
+            <a:r>
+              <a:rPr lang="zh-CN" altLang="en-US" dirty="0" smtClean="0"/>
+              <a:t>相应站点配置的应用池队列大小、最大工作进程数和最大并发连接数决定的</a:t>
+            </a:r>
+            <a:endParaRPr lang="en-US" altLang="zh-CN" dirty="0" smtClean="0"/>
+          </a:p>
+          <a:p>
+            <a:r>
+              <a:rPr lang="en-US" altLang="zh-CN" dirty="0" smtClean="0"/>
+              <a:t>IIS</a:t>
+            </a:r>
+            <a:r>
+              <a:rPr lang="zh-CN" altLang="en-US" dirty="0"/>
+              <a:t>最大并发连接数 </a:t>
+            </a:r>
+            <a:r>
+              <a:rPr lang="en-US" altLang="zh-CN" dirty="0"/>
+              <a:t>= </a:t>
+            </a:r>
+            <a:r>
+              <a:rPr lang="zh-CN" altLang="en-US" dirty="0"/>
+              <a:t>队列长度 </a:t>
+            </a:r>
+            <a:r>
+              <a:rPr lang="en-US" altLang="zh-CN" dirty="0"/>
+              <a:t>+ IIS</a:t>
+            </a:r>
+            <a:r>
+              <a:rPr lang="zh-CN" altLang="en-US" dirty="0"/>
+              <a:t>最大并发</a:t>
+            </a:r>
+            <a:r>
+              <a:rPr lang="zh-CN" altLang="en-US" dirty="0" smtClean="0"/>
+              <a:t>工作线程数</a:t>
+            </a:r>
+            <a:endParaRPr lang="en-US" altLang="zh-CN" dirty="0"/>
+          </a:p>
+          <a:p>
+            <a:r>
+              <a:rPr lang="en-US" altLang="zh-CN" dirty="0"/>
+              <a:t>IIS</a:t>
+            </a:r>
+            <a:r>
+              <a:rPr lang="zh-CN" altLang="en-US" dirty="0"/>
+              <a:t>的默认值对我们网站并发处理能力的影响。</a:t>
+            </a:r>
+            <a:r>
+              <a:rPr lang="en-US" altLang="zh-CN" dirty="0"/>
+              <a:t>IIS</a:t>
+            </a:r>
+            <a:r>
+              <a:rPr lang="zh-CN" altLang="en-US" dirty="0"/>
+              <a:t>默认的</a:t>
+            </a:r>
+            <a:r>
+              <a:rPr lang="en-US" altLang="zh-CN" dirty="0"/>
+              <a:t>【</a:t>
+            </a:r>
+            <a:r>
+              <a:rPr lang="zh-CN" altLang="en-US" dirty="0"/>
+              <a:t>最大并发连接数</a:t>
+            </a:r>
+            <a:r>
+              <a:rPr lang="en-US" altLang="zh-CN" dirty="0"/>
+              <a:t>】</a:t>
+            </a:r>
+            <a:r>
+              <a:rPr lang="zh-CN" altLang="en-US" dirty="0"/>
+              <a:t>为</a:t>
+            </a:r>
+            <a:r>
+              <a:rPr lang="en-US" altLang="zh-CN" dirty="0"/>
+              <a:t>4294967295</a:t>
+            </a:r>
+            <a:r>
+              <a:rPr lang="zh-CN" altLang="en-US" dirty="0"/>
+              <a:t>（</a:t>
+            </a:r>
+            <a:r>
+              <a:rPr lang="en-US" altLang="zh-CN" dirty="0"/>
+              <a:t>42</a:t>
+            </a:r>
+            <a:r>
+              <a:rPr lang="zh-CN" altLang="en-US" dirty="0"/>
+              <a:t>亿多），而</a:t>
+            </a:r>
+            <a:r>
+              <a:rPr lang="en-US" altLang="zh-CN" dirty="0"/>
+              <a:t>【</a:t>
+            </a:r>
+            <a:r>
+              <a:rPr lang="zh-CN" altLang="en-US" dirty="0"/>
+              <a:t>队列长度</a:t>
+            </a:r>
+            <a:r>
+              <a:rPr lang="en-US" altLang="zh-CN" dirty="0"/>
+              <a:t>】</a:t>
+            </a:r>
+            <a:r>
+              <a:rPr lang="zh-CN" altLang="en-US" dirty="0"/>
+              <a:t>默认值为</a:t>
+            </a:r>
+            <a:r>
+              <a:rPr lang="en-US" altLang="zh-CN" dirty="0"/>
+              <a:t>1000</a:t>
+            </a:r>
+            <a:r>
+              <a:rPr lang="zh-CN" altLang="en-US" dirty="0"/>
+              <a:t>。对于</a:t>
+            </a:r>
+            <a:r>
+              <a:rPr lang="en-US" altLang="zh-CN" dirty="0"/>
+              <a:t>windows server</a:t>
+            </a:r>
+            <a:r>
+              <a:rPr lang="zh-CN" altLang="en-US" dirty="0"/>
+              <a:t>版本的</a:t>
+            </a:r>
+            <a:r>
+              <a:rPr lang="en-US" altLang="zh-CN" dirty="0"/>
+              <a:t>IIS</a:t>
+            </a:r>
+            <a:r>
+              <a:rPr lang="zh-CN" altLang="en-US" dirty="0"/>
+              <a:t>，最大并发工作线程数可能几百（猜测，可能没有限制），按照这个默认值，那么</a:t>
+            </a:r>
+            <a:r>
+              <a:rPr lang="en-US" altLang="zh-CN" dirty="0"/>
+              <a:t>IIS</a:t>
+            </a:r>
+            <a:r>
+              <a:rPr lang="zh-CN" altLang="en-US" dirty="0"/>
+              <a:t>同时处理的请求数也就</a:t>
+            </a:r>
+            <a:r>
+              <a:rPr lang="en-US" altLang="zh-CN" dirty="0"/>
+              <a:t>1000</a:t>
+            </a:r>
+            <a:r>
               <a:rPr lang="zh-CN" altLang="en-US" dirty="0"/>
               <a:t>多</a:t>
             </a:r>
             <a:r>
               <a:rPr lang="zh-CN" altLang="en-US" dirty="0" smtClean="0"/>
-              <a:t>线程并发可以提升多任务的效率，</a:t>
-            </a:r>
-            <a:r>
-              <a:rPr lang="zh-CN" altLang="en-US" dirty="0"/>
-              <a:t>不会</a:t>
+              <a:t>。</a:t>
+            </a:r>
+            <a:endParaRPr lang="en-US" altLang="zh-CN" dirty="0" smtClean="0"/>
+          </a:p>
+          <a:p>
+            <a:r>
+              <a:rPr lang="en-US" altLang="zh-CN" dirty="0" err="1" smtClean="0"/>
+              <a:t>Async</a:t>
+            </a:r>
+            <a:r>
+              <a:rPr lang="en-US" altLang="zh-CN" dirty="0" smtClean="0"/>
+              <a:t> await </a:t>
             </a:r>
             <a:r>
               <a:rPr lang="zh-CN" altLang="en-US" dirty="0" smtClean="0"/>
-              <a:t>提高响应速度。</a:t>
-            </a:r>
-            <a:endParaRPr lang="en-US" altLang="zh-CN" dirty="0" smtClean="0"/>
-          </a:p>
-          <a:p>
-            <a:r>
-              <a:rPr lang="zh-CN" altLang="en-US" dirty="0" smtClean="0"/>
-              <a:t>异步</a:t>
-            </a:r>
-            <a:r>
-              <a:rPr lang="en-US" altLang="zh-CN" dirty="0" smtClean="0"/>
-              <a:t>action</a:t>
-            </a:r>
-            <a:r>
-              <a:rPr lang="zh-CN" altLang="en-US" dirty="0" smtClean="0"/>
-              <a:t>可能由两个</a:t>
+              <a:t>可以有效的释放当前的</a:t>
             </a:r>
             <a:r>
               <a:rPr lang="en-US" altLang="zh-CN" dirty="0" smtClean="0"/>
@@ -7785,380 +7874,23 @@
             </a:r>
             <a:r>
               <a:rPr lang="zh-CN" altLang="en-US" dirty="0" smtClean="0"/>
-              <a:t>线程处理</a:t>
-            </a:r>
-            <a:endParaRPr lang="en-US" altLang="zh-CN" dirty="0" smtClean="0"/>
-          </a:p>
-          <a:p>
-            <a:endParaRPr lang="en-US" altLang="zh-CN" dirty="0"/>
-          </a:p>
-          <a:p>
-            <a:r>
-              <a:rPr lang="en-US" altLang="zh-CN" b="1" dirty="0" err="1"/>
-              <a:t>FileStream</a:t>
-            </a:r>
-            <a:r>
-              <a:rPr lang="zh-CN" altLang="en-US" b="1" dirty="0"/>
-              <a:t>操作：</a:t>
-            </a:r>
-            <a:r>
-              <a:rPr lang="en-US" altLang="zh-CN" dirty="0" err="1"/>
-              <a:t>BeginRead</a:t>
-            </a:r>
-            <a:r>
-              <a:rPr lang="zh-CN" altLang="en-US" dirty="0"/>
-              <a:t>、</a:t>
-            </a:r>
-            <a:r>
-              <a:rPr lang="en-US" altLang="zh-CN" dirty="0" err="1"/>
-              <a:t>BeginWrite</a:t>
-            </a:r>
-            <a:r>
-              <a:rPr lang="zh-CN" altLang="en-US" dirty="0"/>
-              <a:t>。调用</a:t>
-            </a:r>
-            <a:r>
-              <a:rPr lang="en-US" altLang="zh-CN" dirty="0" err="1"/>
-              <a:t>BeginRead</a:t>
-            </a:r>
-            <a:r>
-              <a:rPr lang="en-US" altLang="zh-CN" dirty="0"/>
-              <a:t>/</a:t>
-            </a:r>
-            <a:r>
-              <a:rPr lang="en-US" altLang="zh-CN" dirty="0" err="1"/>
-              <a:t>BeginWrite</a:t>
-            </a:r>
-            <a:r>
-              <a:rPr lang="zh-CN" altLang="en-US" dirty="0"/>
-              <a:t>时会发起一个异步操作，但是只有在创建</a:t>
-            </a:r>
-            <a:r>
-              <a:rPr lang="en-US" altLang="zh-CN" dirty="0" err="1"/>
-              <a:t>FileStream</a:t>
-            </a:r>
-            <a:r>
-              <a:rPr lang="zh-CN" altLang="en-US" dirty="0"/>
-              <a:t>时传入</a:t>
-            </a:r>
-            <a:r>
-              <a:rPr lang="en-US" altLang="zh-CN" dirty="0" err="1"/>
-              <a:t>FileOptions.Asynchronous</a:t>
-            </a:r>
-            <a:r>
-              <a:rPr lang="zh-CN" altLang="en-US" dirty="0"/>
-              <a:t>参数才能获取真正的</a:t>
-            </a:r>
-            <a:r>
-              <a:rPr lang="en-US" altLang="zh-CN" dirty="0"/>
-              <a:t>IOCP</a:t>
-            </a:r>
-            <a:r>
-              <a:rPr lang="zh-CN" altLang="en-US" dirty="0"/>
-              <a:t>支持，否则</a:t>
-            </a:r>
-            <a:r>
-              <a:rPr lang="en-US" altLang="zh-CN" dirty="0" err="1"/>
-              <a:t>BeginXXX</a:t>
-            </a:r>
-            <a:r>
-              <a:rPr lang="zh-CN" altLang="en-US" dirty="0"/>
-              <a:t>方法将会使用默认定义在</a:t>
-            </a:r>
-            <a:r>
-              <a:rPr lang="en-US" altLang="zh-CN" dirty="0"/>
-              <a:t>Stream</a:t>
-            </a:r>
-            <a:r>
-              <a:rPr lang="zh-CN" altLang="en-US" dirty="0"/>
-              <a:t>基类上的实现。</a:t>
-            </a:r>
-            <a:r>
-              <a:rPr lang="en-US" altLang="zh-CN" dirty="0"/>
-              <a:t>Stream</a:t>
-            </a:r>
-            <a:r>
-              <a:rPr lang="zh-CN" altLang="en-US" dirty="0"/>
-              <a:t>基类中</a:t>
-            </a:r>
-            <a:r>
-              <a:rPr lang="en-US" altLang="zh-CN" dirty="0" err="1"/>
-              <a:t>BeginXXX</a:t>
-            </a:r>
-            <a:r>
-              <a:rPr lang="zh-CN" altLang="en-US" dirty="0"/>
-              <a:t>方法会使用委托的</a:t>
-            </a:r>
-            <a:r>
-              <a:rPr lang="en-US" altLang="zh-CN" dirty="0" err="1"/>
-              <a:t>BeginInvoke</a:t>
-            </a:r>
-            <a:r>
-              <a:rPr lang="zh-CN" altLang="en-US" dirty="0"/>
-              <a:t>方法来发起异步调用</a:t>
-            </a:r>
-            <a:r>
-              <a:rPr lang="en-US" altLang="zh-CN" dirty="0"/>
-              <a:t>——</a:t>
-            </a:r>
-            <a:r>
-              <a:rPr lang="zh-CN" altLang="en-US" dirty="0"/>
-              <a:t>这会使用一个额外的线程来执行任务。虽然当前调用线程立即返回了，但是数据的读取或写入操作依旧占用着另一个线程（</a:t>
-            </a:r>
-            <a:r>
-              <a:rPr lang="en-US" altLang="zh-CN" dirty="0"/>
-              <a:t>IOCP</a:t>
-            </a:r>
-            <a:r>
-              <a:rPr lang="zh-CN" altLang="en-US" dirty="0"/>
-              <a:t>支持的异步操作时不需要线程的），因此并没有任何“节省”，反而还很有可能降低了应用程序的性能，因为额外的线程切换会造成性能损失。</a:t>
-            </a:r>
-            <a:endParaRPr lang="zh-CN" altLang="en-US" dirty="0"/>
-          </a:p>
-          <a:p>
-            <a:r>
-              <a:rPr lang="en-US" altLang="zh-CN" b="1" dirty="0"/>
-              <a:t>DNS</a:t>
-            </a:r>
-            <a:r>
-              <a:rPr lang="zh-CN" altLang="en-US" b="1" dirty="0"/>
-              <a:t>操作：</a:t>
-            </a:r>
-            <a:r>
-              <a:rPr lang="en-US" altLang="zh-CN" dirty="0" err="1"/>
-              <a:t>BeginGetHostByName</a:t>
-            </a:r>
-            <a:r>
-              <a:rPr lang="zh-CN" altLang="en-US" dirty="0"/>
-              <a:t>、</a:t>
-            </a:r>
-            <a:r>
-              <a:rPr lang="en-US" altLang="zh-CN" dirty="0" err="1"/>
-              <a:t>BeginResolve</a:t>
-            </a:r>
-            <a:r>
-              <a:rPr lang="zh-CN" altLang="en-US" dirty="0"/>
-              <a:t>。</a:t>
-            </a:r>
-            <a:endParaRPr lang="zh-CN" altLang="en-US" dirty="0"/>
-          </a:p>
-          <a:p>
-            <a:r>
-              <a:rPr lang="en-US" altLang="zh-CN" b="1" dirty="0"/>
-              <a:t>Socket</a:t>
-            </a:r>
-            <a:r>
-              <a:rPr lang="zh-CN" altLang="en-US" b="1" dirty="0"/>
-              <a:t>操作：</a:t>
-            </a:r>
-            <a:r>
-              <a:rPr lang="en-US" altLang="zh-CN" dirty="0" err="1"/>
-              <a:t>BeginAccept</a:t>
-            </a:r>
-            <a:r>
-              <a:rPr lang="zh-CN" altLang="en-US" dirty="0"/>
-              <a:t>、</a:t>
-            </a:r>
-            <a:r>
-              <a:rPr lang="en-US" altLang="zh-CN" dirty="0" err="1"/>
-              <a:t>BeginConnect</a:t>
-            </a:r>
-            <a:r>
-              <a:rPr lang="zh-CN" altLang="en-US" dirty="0"/>
-              <a:t>、</a:t>
-            </a:r>
-            <a:r>
-              <a:rPr lang="en-US" altLang="zh-CN" dirty="0" err="1"/>
-              <a:t>BeginReceive</a:t>
-            </a:r>
-            <a:r>
-              <a:rPr lang="zh-CN" altLang="en-US" dirty="0"/>
-              <a:t>等等。</a:t>
-            </a:r>
-            <a:endParaRPr lang="zh-CN" altLang="en-US" dirty="0"/>
-          </a:p>
-          <a:p>
-            <a:r>
-              <a:rPr lang="en-US" altLang="zh-CN" b="1" dirty="0" err="1"/>
-              <a:t>WebRequest</a:t>
-            </a:r>
-            <a:r>
-              <a:rPr lang="zh-CN" altLang="en-US" b="1" dirty="0"/>
-              <a:t>操作：</a:t>
-            </a:r>
-            <a:r>
-              <a:rPr lang="en-US" altLang="zh-CN" dirty="0" err="1"/>
-              <a:t>BeginGetRequestStream</a:t>
-            </a:r>
-            <a:r>
-              <a:rPr lang="zh-CN" altLang="en-US" dirty="0"/>
-              <a:t>、</a:t>
-            </a:r>
-            <a:r>
-              <a:rPr lang="en-US" altLang="zh-CN" dirty="0" err="1"/>
-              <a:t>BeginGetResponse</a:t>
-            </a:r>
-            <a:r>
-              <a:rPr lang="zh-CN" altLang="en-US" dirty="0"/>
-              <a:t>。</a:t>
-            </a:r>
-            <a:endParaRPr lang="zh-CN" altLang="en-US" dirty="0"/>
-          </a:p>
-          <a:p>
-            <a:r>
-              <a:rPr lang="en-US" altLang="zh-CN" b="1" dirty="0" err="1"/>
-              <a:t>SqlCommand</a:t>
-            </a:r>
-            <a:r>
-              <a:rPr lang="zh-CN" altLang="en-US" b="1" dirty="0"/>
-              <a:t>操作：</a:t>
-            </a:r>
-            <a:r>
-              <a:rPr lang="en-US" altLang="zh-CN" dirty="0" err="1"/>
-              <a:t>BeginExecuteReader</a:t>
-            </a:r>
-            <a:r>
-              <a:rPr lang="zh-CN" altLang="en-US" dirty="0"/>
-              <a:t>、</a:t>
-            </a:r>
-            <a:r>
-              <a:rPr lang="en-US" altLang="zh-CN" dirty="0" err="1"/>
-              <a:t>BeginExecuteNonQuery</a:t>
-            </a:r>
-            <a:r>
-              <a:rPr lang="zh-CN" altLang="en-US" dirty="0"/>
-              <a:t>等等。这可能是开发一个</a:t>
-            </a:r>
-            <a:r>
-              <a:rPr lang="en-US" altLang="zh-CN" dirty="0"/>
-              <a:t>Web</a:t>
-            </a:r>
-            <a:r>
-              <a:rPr lang="zh-CN" altLang="en-US" dirty="0"/>
-              <a:t>应用时最常用的异步操作了。如果需要在执行数据库操作时得到</a:t>
-            </a:r>
-            <a:r>
-              <a:rPr lang="en-US" altLang="zh-CN" dirty="0"/>
-              <a:t>IOCP</a:t>
-            </a:r>
-            <a:r>
-              <a:rPr lang="zh-CN" altLang="en-US" dirty="0"/>
-              <a:t>支持，那么需要在连接字符串中标记</a:t>
-            </a:r>
-            <a:r>
-              <a:rPr lang="en-US" altLang="zh-CN" dirty="0"/>
-              <a:t>Asynchronous Processing</a:t>
-            </a:r>
-            <a:r>
-              <a:rPr lang="zh-CN" altLang="en-US" dirty="0"/>
-              <a:t>为</a:t>
-            </a:r>
-            <a:r>
-              <a:rPr lang="en-US" altLang="zh-CN" dirty="0"/>
-              <a:t>true</a:t>
-            </a:r>
-            <a:r>
-              <a:rPr lang="zh-CN" altLang="en-US" dirty="0"/>
-              <a:t>（默认为</a:t>
-            </a:r>
-            <a:r>
-              <a:rPr lang="en-US" altLang="zh-CN" dirty="0"/>
-              <a:t>false</a:t>
-            </a:r>
-            <a:r>
-              <a:rPr lang="zh-CN" altLang="en-US" dirty="0"/>
-              <a:t>），否则在调用</a:t>
-            </a:r>
-            <a:r>
-              <a:rPr lang="en-US" altLang="zh-CN" dirty="0" err="1"/>
-              <a:t>BeginXXX</a:t>
-            </a:r>
-            <a:r>
-              <a:rPr lang="zh-CN" altLang="en-US" dirty="0"/>
-              <a:t>操作时就会抛出异常。</a:t>
-            </a:r>
-            <a:endParaRPr lang="zh-CN" altLang="en-US" dirty="0"/>
-          </a:p>
-          <a:p>
-            <a:r>
-              <a:rPr lang="en-US" altLang="zh-CN" b="1" dirty="0" err="1"/>
-              <a:t>WebServcie</a:t>
-            </a:r>
-            <a:r>
-              <a:rPr lang="zh-CN" altLang="en-US" b="1" dirty="0"/>
-              <a:t>调用操作：</a:t>
-            </a:r>
-            <a:r>
-              <a:rPr lang="zh-CN" altLang="en-US" dirty="0"/>
-              <a:t>例如</a:t>
-            </a:r>
-            <a:r>
-              <a:rPr lang="en-US" altLang="zh-CN" dirty="0"/>
-              <a:t>.NET 2.0</a:t>
-            </a:r>
-            <a:r>
-              <a:rPr lang="zh-CN" altLang="en-US" dirty="0"/>
-              <a:t>或</a:t>
-            </a:r>
-            <a:r>
-              <a:rPr lang="en-US" altLang="zh-CN" dirty="0"/>
-              <a:t>WCF</a:t>
-            </a:r>
-            <a:r>
-              <a:rPr lang="zh-CN" altLang="en-US" dirty="0"/>
-              <a:t>生成的</a:t>
-            </a:r>
-            <a:r>
-              <a:rPr lang="en-US" altLang="zh-CN" dirty="0"/>
-              <a:t>Web Service Proxy</a:t>
-            </a:r>
-            <a:r>
-              <a:rPr lang="zh-CN" altLang="en-US" dirty="0"/>
-              <a:t>中的</a:t>
-            </a:r>
-            <a:r>
-              <a:rPr lang="en-US" altLang="zh-CN" dirty="0" err="1"/>
-              <a:t>BeginXXX</a:t>
-            </a:r>
-            <a:r>
-              <a:rPr lang="zh-CN" altLang="en-US" dirty="0"/>
-              <a:t>方法、</a:t>
-            </a:r>
-            <a:r>
-              <a:rPr lang="en-US" altLang="zh-CN" dirty="0"/>
-              <a:t>WCF</a:t>
-            </a:r>
-            <a:r>
-              <a:rPr lang="zh-CN" altLang="en-US" dirty="0"/>
-              <a:t>中</a:t>
-            </a:r>
-            <a:r>
-              <a:rPr lang="en-US" altLang="zh-CN" dirty="0" err="1"/>
-              <a:t>ClientBase</a:t>
-            </a:r>
-            <a:r>
-              <a:rPr lang="en-US" altLang="zh-CN" dirty="0"/>
-              <a:t>&lt;</a:t>
-            </a:r>
-            <a:r>
-              <a:rPr lang="en-US" altLang="zh-CN" dirty="0" err="1"/>
-              <a:t>TChannel</a:t>
-            </a:r>
-            <a:r>
-              <a:rPr lang="en-US" altLang="zh-CN" dirty="0"/>
-              <a:t>&gt;</a:t>
-            </a:r>
-            <a:r>
-              <a:rPr lang="zh-CN" altLang="en-US" dirty="0"/>
-              <a:t>的</a:t>
-            </a:r>
-            <a:r>
-              <a:rPr lang="en-US" altLang="zh-CN" dirty="0" err="1"/>
-              <a:t>InvokeAsync</a:t>
-            </a:r>
-            <a:r>
-              <a:rPr lang="zh-CN" altLang="en-US" dirty="0"/>
-              <a:t>方法</a:t>
+              <a:t>线程，调用</a:t>
+            </a:r>
+            <a:r>
+              <a:rPr lang="en-US" altLang="zh-CN" dirty="0" smtClean="0"/>
+              <a:t>CLR</a:t>
+            </a:r>
+            <a:r>
+              <a:rPr lang="zh-CN" altLang="en-US" dirty="0" smtClean="0"/>
+              <a:t>线程池执行异步操作，</a:t>
+            </a:r>
+            <a:r>
+              <a:rPr lang="en-US" altLang="zh-CN" dirty="0" smtClean="0"/>
+              <a:t>worker</a:t>
+            </a:r>
+            <a:r>
+              <a:rPr lang="zh-CN" altLang="en-US" dirty="0" smtClean="0"/>
+              <a:t>线程可以处理其他请求，提高了网站的并发量</a:t>
             </a:r>
             <a:endParaRPr lang="zh-CN" altLang="en-US" dirty="0"/>
           </a:p>
@@ -8205,20 +7937,23 @@
           <a:lstStyle/>
           <a:p>
             <a:r>
-              <a:rPr lang="en-US" altLang="zh-CN" dirty="0" smtClean="0"/>
-              <a:t>Framework</a:t>
-            </a:r>
-            <a:r>
-              <a:rPr lang="zh-CN" altLang="en-US" dirty="0" smtClean="0"/>
-              <a:t>源码</a:t>
-            </a:r>
+              <a:rPr lang="en-US" altLang="zh-CN" b="1" dirty="0" err="1" smtClean="0"/>
+              <a:t>async</a:t>
+            </a:r>
+            <a:r>
+              <a:rPr lang="en-US" altLang="zh-CN" b="1" dirty="0" smtClean="0"/>
+              <a:t>/await</a:t>
+            </a:r>
+            <a:br>
+              <a:rPr lang="en-US" altLang="zh-CN" b="1" dirty="0" smtClean="0"/>
+            </a:br>
             <a:endParaRPr lang="zh-CN" altLang="en-US" dirty="0"/>
           </a:p>
         </p:txBody>
       </p:sp>
       <p:sp>
         <p:nvSpPr>
-          <p:cNvPr id="3" name="内容占位符 2"/>
+          <p:cNvPr id="5" name="内容占位符 4"/>
           <p:cNvSpPr>
             <a:spLocks noGrp="1"/>
           </p:cNvSpPr>
@@ -8231,31 +7966,418 @@
           <a:bodyPr/>
           <a:lstStyle/>
           <a:p>
-            <a:pPr marL="0" indent="0">
-              <a:buNone/>
-            </a:pPr>
+            <a:r>
+              <a:rPr lang="zh-CN" altLang="en-US" dirty="0"/>
+              <a:t>多</a:t>
+            </a:r>
+            <a:r>
+              <a:rPr lang="zh-CN" altLang="en-US" dirty="0" smtClean="0"/>
+              <a:t>线程并发可以提升多任务的效率，</a:t>
+            </a:r>
+            <a:r>
+              <a:rPr lang="zh-CN" altLang="en-US" dirty="0"/>
+              <a:t>不会</a:t>
+            </a:r>
+            <a:r>
+              <a:rPr lang="zh-CN" altLang="en-US" dirty="0" smtClean="0"/>
+              <a:t>提高响应速度。</a:t>
+            </a:r>
+            <a:endParaRPr lang="en-US" altLang="zh-CN" dirty="0" smtClean="0"/>
+          </a:p>
+          <a:p>
+            <a:r>
+              <a:rPr lang="zh-CN" altLang="en-US" dirty="0" smtClean="0"/>
+              <a:t>异步</a:t>
+            </a:r>
+            <a:r>
+              <a:rPr lang="en-US" altLang="zh-CN" dirty="0" smtClean="0"/>
+              <a:t>action</a:t>
+            </a:r>
+            <a:r>
+              <a:rPr lang="zh-CN" altLang="en-US" dirty="0" smtClean="0"/>
+              <a:t>可能由两个</a:t>
+            </a:r>
+            <a:r>
+              <a:rPr lang="en-US" altLang="zh-CN" dirty="0" smtClean="0"/>
+              <a:t>worker</a:t>
+            </a:r>
+            <a:r>
+              <a:rPr lang="zh-CN" altLang="en-US" dirty="0" smtClean="0"/>
+              <a:t>线程处理</a:t>
+            </a:r>
+            <a:endParaRPr lang="en-US" altLang="zh-CN" dirty="0" smtClean="0"/>
+          </a:p>
+          <a:p>
+            <a:endParaRPr lang="en-US" altLang="zh-CN" dirty="0"/>
+          </a:p>
+          <a:p>
+            <a:r>
+              <a:rPr lang="en-US" altLang="zh-CN" b="1" dirty="0" err="1"/>
+              <a:t>FileStream</a:t>
+            </a:r>
+            <a:r>
+              <a:rPr lang="zh-CN" altLang="en-US" b="1" dirty="0"/>
+              <a:t>操作：</a:t>
+            </a:r>
+            <a:r>
+              <a:rPr lang="en-US" altLang="zh-CN" dirty="0" err="1"/>
+              <a:t>BeginRead</a:t>
+            </a:r>
+            <a:r>
+              <a:rPr lang="zh-CN" altLang="en-US" dirty="0"/>
+              <a:t>、</a:t>
+            </a:r>
+            <a:r>
+              <a:rPr lang="en-US" altLang="zh-CN" dirty="0" err="1"/>
+              <a:t>BeginWrite</a:t>
+            </a:r>
+            <a:r>
+              <a:rPr lang="zh-CN" altLang="en-US" dirty="0"/>
+              <a:t>。调用</a:t>
+            </a:r>
+            <a:r>
+              <a:rPr lang="en-US" altLang="zh-CN" dirty="0" err="1"/>
+              <a:t>BeginRead</a:t>
+            </a:r>
             <a:r>
               <a:rPr lang="en-US" altLang="zh-CN" dirty="0"/>
-              <a:t>https://referencesource.microsoft.com/download.html</a:t>
-            </a:r>
-            <a:endParaRPr lang="en-US" altLang="zh-CN" dirty="0"/>
-          </a:p>
-          <a:p>
-            <a:pPr marL="0" indent="0">
-              <a:buNone/>
-            </a:pPr>
-            <a:endParaRPr lang="en-US" altLang="zh-CN" dirty="0"/>
-          </a:p>
-          <a:p>
-            <a:pPr marL="0" indent="0">
-              <a:buNone/>
-            </a:pPr>
-            <a:endParaRPr lang="en-US" altLang="zh-CN" dirty="0"/>
-          </a:p>
-          <a:p>
-            <a:pPr marL="0" indent="0">
-              <a:buNone/>
-            </a:pPr>
+              <a:t>/</a:t>
+            </a:r>
+            <a:r>
+              <a:rPr lang="en-US" altLang="zh-CN" dirty="0" err="1"/>
+              <a:t>BeginWrite</a:t>
+            </a:r>
+            <a:r>
+              <a:rPr lang="zh-CN" altLang="en-US" dirty="0"/>
+              <a:t>时会发起一个异步操作，但是只有在创建</a:t>
+            </a:r>
+            <a:r>
+              <a:rPr lang="en-US" altLang="zh-CN" dirty="0" err="1"/>
+              <a:t>FileStream</a:t>
+            </a:r>
+            <a:r>
+              <a:rPr lang="zh-CN" altLang="en-US" dirty="0"/>
+              <a:t>时传入</a:t>
+            </a:r>
+            <a:r>
+              <a:rPr lang="en-US" altLang="zh-CN" dirty="0" err="1"/>
+              <a:t>FileOptions.Asynchronous</a:t>
+            </a:r>
+            <a:r>
+              <a:rPr lang="zh-CN" altLang="en-US" dirty="0"/>
+              <a:t>参数才能获取真正的</a:t>
+            </a:r>
+            <a:r>
+              <a:rPr lang="en-US" altLang="zh-CN" dirty="0"/>
+              <a:t>IOCP</a:t>
+            </a:r>
+            <a:r>
+              <a:rPr lang="zh-CN" altLang="en-US" dirty="0"/>
+              <a:t>支持，否则</a:t>
+            </a:r>
+            <a:r>
+              <a:rPr lang="en-US" altLang="zh-CN" dirty="0" err="1"/>
+              <a:t>BeginXXX</a:t>
+            </a:r>
+            <a:r>
+              <a:rPr lang="zh-CN" altLang="en-US" dirty="0"/>
+              <a:t>方法将会使用默认定义在</a:t>
+            </a:r>
+            <a:r>
+              <a:rPr lang="en-US" altLang="zh-CN" dirty="0"/>
+              <a:t>Stream</a:t>
+            </a:r>
+            <a:r>
+              <a:rPr lang="zh-CN" altLang="en-US" dirty="0"/>
+              <a:t>基类上的实现。</a:t>
+            </a:r>
+            <a:r>
+              <a:rPr lang="en-US" altLang="zh-CN" dirty="0"/>
+              <a:t>Stream</a:t>
+            </a:r>
+            <a:r>
+              <a:rPr lang="zh-CN" altLang="en-US" dirty="0"/>
+              <a:t>基类中</a:t>
+            </a:r>
+            <a:r>
+              <a:rPr lang="en-US" altLang="zh-CN" dirty="0" err="1"/>
+              <a:t>BeginXXX</a:t>
+            </a:r>
+            <a:r>
+              <a:rPr lang="zh-CN" altLang="en-US" dirty="0"/>
+              <a:t>方法会使用委托的</a:t>
+            </a:r>
+            <a:r>
+              <a:rPr lang="en-US" altLang="zh-CN" dirty="0" err="1"/>
+              <a:t>BeginInvoke</a:t>
+            </a:r>
+            <a:r>
+              <a:rPr lang="zh-CN" altLang="en-US" dirty="0"/>
+              <a:t>方法来发起异步调用</a:t>
+            </a:r>
+            <a:r>
+              <a:rPr lang="en-US" altLang="zh-CN" dirty="0"/>
+              <a:t>——</a:t>
+            </a:r>
+            <a:r>
+              <a:rPr lang="zh-CN" altLang="en-US" dirty="0"/>
+              <a:t>这会使用一个额外的线程来执行任务。虽然当前调用线程立即返回了，但是数据的读取或写入操作依旧占用着另一个线程（</a:t>
+            </a:r>
+            <a:r>
+              <a:rPr lang="en-US" altLang="zh-CN" dirty="0"/>
+              <a:t>IOCP</a:t>
+            </a:r>
+            <a:r>
+              <a:rPr lang="zh-CN" altLang="en-US" dirty="0"/>
+              <a:t>支持的异步操作时不需要线程的），因此并没有任何“节省”，反而还很有可能降低了应用程序的性能，因为额外的线程切换会造成性能损失。</a:t>
+            </a:r>
+            <a:endParaRPr lang="zh-CN" altLang="en-US" dirty="0"/>
+          </a:p>
+          <a:p>
+            <a:r>
+              <a:rPr lang="en-US" altLang="zh-CN" b="1" dirty="0"/>
+              <a:t>DNS</a:t>
+            </a:r>
+            <a:r>
+              <a:rPr lang="zh-CN" altLang="en-US" b="1" dirty="0"/>
+              <a:t>操作：</a:t>
+            </a:r>
+            <a:r>
+              <a:rPr lang="en-US" altLang="zh-CN" dirty="0" err="1"/>
+              <a:t>BeginGetHostByName</a:t>
+            </a:r>
+            <a:r>
+              <a:rPr lang="zh-CN" altLang="en-US" dirty="0"/>
+              <a:t>、</a:t>
+            </a:r>
+            <a:r>
+              <a:rPr lang="en-US" altLang="zh-CN" dirty="0" err="1"/>
+              <a:t>BeginResolve</a:t>
+            </a:r>
+            <a:r>
+              <a:rPr lang="zh-CN" altLang="en-US" dirty="0"/>
+              <a:t>。</a:t>
+            </a:r>
+            <a:endParaRPr lang="zh-CN" altLang="en-US" dirty="0"/>
+          </a:p>
+          <a:p>
+            <a:r>
+              <a:rPr lang="en-US" altLang="zh-CN" b="1" dirty="0"/>
+              <a:t>Socket</a:t>
+            </a:r>
+            <a:r>
+              <a:rPr lang="zh-CN" altLang="en-US" b="1" dirty="0"/>
+              <a:t>操作：</a:t>
+            </a:r>
+            <a:r>
+              <a:rPr lang="en-US" altLang="zh-CN" dirty="0" err="1"/>
+              <a:t>BeginAccept</a:t>
+            </a:r>
+            <a:r>
+              <a:rPr lang="zh-CN" altLang="en-US" dirty="0"/>
+              <a:t>、</a:t>
+            </a:r>
+            <a:r>
+              <a:rPr lang="en-US" altLang="zh-CN" dirty="0" err="1"/>
+              <a:t>BeginConnect</a:t>
+            </a:r>
+            <a:r>
+              <a:rPr lang="zh-CN" altLang="en-US" dirty="0"/>
+              <a:t>、</a:t>
+            </a:r>
+            <a:r>
+              <a:rPr lang="en-US" altLang="zh-CN" dirty="0" err="1"/>
+              <a:t>BeginReceive</a:t>
+            </a:r>
+            <a:r>
+              <a:rPr lang="zh-CN" altLang="en-US" dirty="0"/>
+              <a:t>等等。</a:t>
+            </a:r>
+            <a:endParaRPr lang="zh-CN" altLang="en-US" dirty="0"/>
+          </a:p>
+          <a:p>
+            <a:r>
+              <a:rPr lang="en-US" altLang="zh-CN" b="1" dirty="0" err="1"/>
+              <a:t>WebRequest</a:t>
+            </a:r>
+            <a:r>
+              <a:rPr lang="zh-CN" altLang="en-US" b="1" dirty="0"/>
+              <a:t>操作：</a:t>
+            </a:r>
+            <a:r>
+              <a:rPr lang="en-US" altLang="zh-CN" dirty="0" err="1"/>
+              <a:t>BeginGetRequestStream</a:t>
+            </a:r>
+            <a:r>
+              <a:rPr lang="zh-CN" altLang="en-US" dirty="0"/>
+              <a:t>、</a:t>
+            </a:r>
+            <a:r>
+              <a:rPr lang="en-US" altLang="zh-CN" dirty="0" err="1"/>
+              <a:t>BeginGetResponse</a:t>
+            </a:r>
+            <a:r>
+              <a:rPr lang="zh-CN" altLang="en-US" dirty="0"/>
+              <a:t>。</a:t>
+            </a:r>
+            <a:endParaRPr lang="zh-CN" altLang="en-US" dirty="0"/>
+          </a:p>
+          <a:p>
+            <a:r>
+              <a:rPr lang="en-US" altLang="zh-CN" b="1" dirty="0" err="1"/>
+              <a:t>SqlCommand</a:t>
+            </a:r>
+            <a:r>
+              <a:rPr lang="zh-CN" altLang="en-US" b="1" dirty="0"/>
+              <a:t>操作：</a:t>
+            </a:r>
+            <a:r>
+              <a:rPr lang="en-US" altLang="zh-CN" dirty="0" err="1"/>
+              <a:t>BeginExecuteReader</a:t>
+            </a:r>
+            <a:r>
+              <a:rPr lang="zh-CN" altLang="en-US" dirty="0"/>
+              <a:t>、</a:t>
+            </a:r>
+            <a:r>
+              <a:rPr lang="en-US" altLang="zh-CN" dirty="0" err="1"/>
+              <a:t>BeginExecuteNonQuery</a:t>
+            </a:r>
+            <a:r>
+              <a:rPr lang="zh-CN" altLang="en-US" dirty="0"/>
+              <a:t>等等。这可能是开发一个</a:t>
+            </a:r>
+            <a:r>
+              <a:rPr lang="en-US" altLang="zh-CN" dirty="0"/>
+              <a:t>Web</a:t>
+            </a:r>
+            <a:r>
+              <a:rPr lang="zh-CN" altLang="en-US" dirty="0"/>
+              <a:t>应用时最常用的异步操作了。如果需要在执行数据库操作时得到</a:t>
+            </a:r>
+            <a:r>
+              <a:rPr lang="en-US" altLang="zh-CN" dirty="0"/>
+              <a:t>IOCP</a:t>
+            </a:r>
+            <a:r>
+              <a:rPr lang="zh-CN" altLang="en-US" dirty="0"/>
+              <a:t>支持，那么需要在连接字符串中标记</a:t>
+            </a:r>
+            <a:r>
+              <a:rPr lang="en-US" altLang="zh-CN" dirty="0"/>
+              <a:t>Asynchronous Processing</a:t>
+            </a:r>
+            <a:r>
+              <a:rPr lang="zh-CN" altLang="en-US" dirty="0"/>
+              <a:t>为</a:t>
+            </a:r>
+            <a:r>
+              <a:rPr lang="en-US" altLang="zh-CN" dirty="0"/>
+              <a:t>true</a:t>
+            </a:r>
+            <a:r>
+              <a:rPr lang="zh-CN" altLang="en-US" dirty="0"/>
+              <a:t>（默认为</a:t>
+            </a:r>
+            <a:r>
+              <a:rPr lang="en-US" altLang="zh-CN" dirty="0"/>
+              <a:t>false</a:t>
+            </a:r>
+            <a:r>
+              <a:rPr lang="zh-CN" altLang="en-US" dirty="0"/>
+              <a:t>），否则在调用</a:t>
+            </a:r>
+            <a:r>
+              <a:rPr lang="en-US" altLang="zh-CN" dirty="0" err="1"/>
+              <a:t>BeginXXX</a:t>
+            </a:r>
+            <a:r>
+              <a:rPr lang="zh-CN" altLang="en-US" dirty="0"/>
+              <a:t>操作时就会抛出异常。</a:t>
+            </a:r>
+            <a:endParaRPr lang="zh-CN" altLang="en-US" dirty="0"/>
+          </a:p>
+          <a:p>
+            <a:r>
+              <a:rPr lang="en-US" altLang="zh-CN" b="1" dirty="0" err="1"/>
+              <a:t>WebServcie</a:t>
+            </a:r>
+            <a:r>
+              <a:rPr lang="zh-CN" altLang="en-US" b="1" dirty="0"/>
+              <a:t>调用操作：</a:t>
+            </a:r>
+            <a:r>
+              <a:rPr lang="zh-CN" altLang="en-US" dirty="0"/>
+              <a:t>例如</a:t>
+            </a:r>
+            <a:r>
+              <a:rPr lang="en-US" altLang="zh-CN" dirty="0"/>
+              <a:t>.NET 2.0</a:t>
+            </a:r>
+            <a:r>
+              <a:rPr lang="zh-CN" altLang="en-US" dirty="0"/>
+              <a:t>或</a:t>
+            </a:r>
+            <a:r>
+              <a:rPr lang="en-US" altLang="zh-CN" dirty="0"/>
+              <a:t>WCF</a:t>
+            </a:r>
+            <a:r>
+              <a:rPr lang="zh-CN" altLang="en-US" dirty="0"/>
+              <a:t>生成的</a:t>
+            </a:r>
+            <a:r>
+              <a:rPr lang="en-US" altLang="zh-CN" dirty="0"/>
+              <a:t>Web Service Proxy</a:t>
+            </a:r>
+            <a:r>
+              <a:rPr lang="zh-CN" altLang="en-US" dirty="0"/>
+              <a:t>中的</a:t>
+            </a:r>
+            <a:r>
+              <a:rPr lang="en-US" altLang="zh-CN" dirty="0" err="1"/>
+              <a:t>BeginXXX</a:t>
+            </a:r>
+            <a:r>
+              <a:rPr lang="zh-CN" altLang="en-US" dirty="0"/>
+              <a:t>方法、</a:t>
+            </a:r>
+            <a:r>
+              <a:rPr lang="en-US" altLang="zh-CN" dirty="0"/>
+              <a:t>WCF</a:t>
+            </a:r>
+            <a:r>
+              <a:rPr lang="zh-CN" altLang="en-US" dirty="0"/>
+              <a:t>中</a:t>
+            </a:r>
+            <a:r>
+              <a:rPr lang="en-US" altLang="zh-CN" dirty="0" err="1"/>
+              <a:t>ClientBase</a:t>
+            </a:r>
+            <a:r>
+              <a:rPr lang="en-US" altLang="zh-CN" dirty="0"/>
+              <a:t>&lt;</a:t>
+            </a:r>
+            <a:r>
+              <a:rPr lang="en-US" altLang="zh-CN" dirty="0" err="1"/>
+              <a:t>TChannel</a:t>
+            </a:r>
+            <a:r>
+              <a:rPr lang="en-US" altLang="zh-CN" dirty="0"/>
+              <a:t>&gt;</a:t>
+            </a:r>
+            <a:r>
+              <a:rPr lang="zh-CN" altLang="en-US" dirty="0"/>
+              <a:t>的</a:t>
+            </a:r>
+            <a:r>
+              <a:rPr lang="en-US" altLang="zh-CN" dirty="0" err="1"/>
+              <a:t>InvokeAsync</a:t>
+            </a:r>
+            <a:r>
+              <a:rPr lang="zh-CN" altLang="en-US" dirty="0"/>
+              <a:t>方法</a:t>
+            </a:r>
             <a:endParaRPr lang="zh-CN" altLang="en-US" dirty="0"/>
           </a:p>
         </p:txBody>
@@ -8301,6 +8423,102 @@
           <a:lstStyle/>
           <a:p>
             <a:r>
+              <a:rPr lang="en-US" altLang="zh-CN" dirty="0" smtClean="0"/>
+              <a:t>Framework</a:t>
+            </a:r>
+            <a:r>
+              <a:rPr lang="zh-CN" altLang="en-US" dirty="0" smtClean="0"/>
+              <a:t>源码</a:t>
+            </a:r>
+            <a:endParaRPr lang="zh-CN" altLang="en-US" dirty="0"/>
+          </a:p>
+        </p:txBody>
+      </p:sp>
+      <p:sp>
+        <p:nvSpPr>
+          <p:cNvPr id="3" name="内容占位符 2"/>
+          <p:cNvSpPr>
+            <a:spLocks noGrp="1"/>
+          </p:cNvSpPr>
+          <p:nvPr>
+            <p:ph sz="quarter" idx="11"/>
+          </p:nvPr>
+        </p:nvSpPr>
+        <p:spPr/>
+        <p:txBody>
+          <a:bodyPr/>
+          <a:lstStyle/>
+          <a:p>
+            <a:pPr marL="0" indent="0">
+              <a:buNone/>
+            </a:pPr>
+            <a:r>
+              <a:rPr lang="en-US" altLang="zh-CN" dirty="0"/>
+              <a:t>https://referencesource.microsoft.com/download.html</a:t>
+            </a:r>
+            <a:endParaRPr lang="en-US" altLang="zh-CN" dirty="0"/>
+          </a:p>
+          <a:p>
+            <a:pPr marL="0" indent="0">
+              <a:buNone/>
+            </a:pPr>
+            <a:endParaRPr lang="en-US" altLang="zh-CN" dirty="0"/>
+          </a:p>
+          <a:p>
+            <a:pPr marL="0" indent="0">
+              <a:buNone/>
+            </a:pPr>
+            <a:endParaRPr lang="en-US" altLang="zh-CN" dirty="0"/>
+          </a:p>
+          <a:p>
+            <a:pPr marL="0" indent="0">
+              <a:buNone/>
+            </a:pPr>
+            <a:endParaRPr lang="zh-CN" altLang="en-US" dirty="0"/>
+          </a:p>
+        </p:txBody>
+      </p:sp>
+    </p:spTree>
+  </p:cSld>
+  <p:clrMapOvr>
+    <a:masterClrMapping/>
+  </p:clrMapOvr>
+</p:sld>
+</file>
+
+<file path=ppt/slides/slide25.xml><?xml version="1.0" encoding="utf-8"?>
+<p:sld xmlns:a="http://schemas.openxmlformats.org/drawingml/2006/main" xmlns:r="http://schemas.openxmlformats.org/officeDocument/2006/relationships" xmlns:p="http://schemas.openxmlformats.org/presentationml/2006/main">
+  <p:cSld>
+    <p:spTree>
+      <p:nvGrpSpPr>
+        <p:cNvPr id="1" name=""/>
+        <p:cNvGrpSpPr/>
+        <p:nvPr/>
+      </p:nvGrpSpPr>
+      <p:grpSpPr>
+        <a:xfrm>
+          <a:off x="0" y="0"/>
+          <a:ext cx="0" cy="0"/>
+          <a:chOff x="0" y="0"/>
+          <a:chExt cx="0" cy="0"/>
+        </a:xfrm>
+      </p:grpSpPr>
+      <p:sp>
+        <p:nvSpPr>
+          <p:cNvPr id="2" name="标题 1"/>
+          <p:cNvSpPr>
+            <a:spLocks noGrp="1"/>
+          </p:cNvSpPr>
+          <p:nvPr>
+            <p:ph type="title"/>
+          </p:nvPr>
+        </p:nvSpPr>
+        <p:spPr/>
+        <p:txBody>
+          <a:bodyPr/>
+          <a:lstStyle/>
+          <a:p>
+            <a:r>
               <a:rPr lang="zh-CN" altLang="en-US" dirty="0" smtClean="0"/>
               <a:t>个人期望的</a:t>
             </a:r>
@@ -9589,11 +9807,7 @@
             </a:r>
             <a:r>
               <a:rPr lang="zh-CN" altLang="en-US" dirty="0" smtClean="0"/>
-              <a:t>缓存</a:t>
-            </a:r>
-            <a:r>
-              <a:rPr lang="zh-CN" altLang="en-US" dirty="0" smtClean="0"/>
-              <a:t>】</a:t>
+              <a:t>缓存】</a:t>
             </a:r>
             <a:r>
               <a:rPr lang="en-US" altLang="zh-CN" dirty="0" smtClean="0"/>
@@ -10666,11 +10880,7 @@
             </a:r>
             <a:r>
               <a:rPr lang="zh-CN" altLang="en-US" dirty="0"/>
-              <a:t>代码方面：</a:t>
-            </a:r>
-            <a:r>
-              <a:rPr lang="zh-CN" altLang="en-US" dirty="0"/>
-              <a:t>假设下载</a:t>
+              <a:t>代码方面：假设下载</a:t>
             </a:r>
             <a:r>
               <a:rPr lang="en-US" altLang="zh-CN" dirty="0"/>
@@ -10726,13 +10936,103 @@
             <a:pPr marL="0" indent="0">
               <a:buNone/>
             </a:pPr>
+            <a:endParaRPr lang="zh-CN" altLang="en-US" dirty="0"/>
+          </a:p>
+          <a:p>
+            <a:pPr marL="0" indent="0">
+              <a:buNone/>
+            </a:pPr>
+            <a:r>
+              <a:rPr lang="zh-CN" altLang="en-US" dirty="0"/>
+              <a:t> ~Thread()</a:t>
+            </a:r>
+            <a:endParaRPr lang="zh-CN" altLang="en-US" dirty="0"/>
+          </a:p>
+          <a:p>
+            <a:pPr marL="0" indent="0">
+              <a:buNone/>
+            </a:pPr>
+            <a:r>
+              <a:rPr lang="zh-CN" altLang="en-US" dirty="0"/>
+              <a:t>        {</a:t>
+            </a:r>
+            <a:endParaRPr lang="zh-CN" altLang="en-US" dirty="0"/>
+          </a:p>
+          <a:p>
+            <a:pPr marL="0" indent="0">
+              <a:buNone/>
+            </a:pPr>
+            <a:r>
+              <a:rPr lang="zh-CN" altLang="en-US" dirty="0"/>
+              <a:t>            // Delegate to the unmanaged portion.</a:t>
+            </a:r>
+            <a:endParaRPr lang="zh-CN" altLang="en-US" dirty="0"/>
+          </a:p>
+          <a:p>
+            <a:pPr marL="0" indent="0">
+              <a:buNone/>
+            </a:pPr>
+            <a:r>
+              <a:rPr lang="zh-CN" altLang="en-US" dirty="0"/>
+              <a:t>            InternalFinalize();</a:t>
+            </a:r>
+            <a:endParaRPr lang="zh-CN" altLang="en-US" dirty="0"/>
+          </a:p>
+          <a:p>
+            <a:pPr marL="0" indent="0">
+              <a:buNone/>
+            </a:pPr>
+            <a:r>
+              <a:rPr lang="zh-CN" altLang="en-US" dirty="0"/>
+              <a:t>        }</a:t>
+            </a:r>
+            <a:endParaRPr lang="zh-CN" altLang="en-US" dirty="0"/>
+          </a:p>
+          <a:p>
+            <a:pPr marL="0" indent="0">
+              <a:buNone/>
+            </a:pPr>
+            <a:r>
+              <a:rPr lang="zh-CN" altLang="zh-CN" dirty="0"/>
+              <a:t>从</a:t>
+            </a:r>
             <a:r>
               <a:rPr lang="en-US" altLang="zh-CN" dirty="0"/>
-              <a:t>2.</a:t>
-            </a:r>
-            <a:r>
-              <a:rPr lang="zh-CN" altLang="en-US" dirty="0"/>
-              <a:t>底层方面：</a:t>
+              <a:t>thread</a:t>
+            </a:r>
+            <a:r>
+              <a:rPr lang="zh-CN" altLang="en-US" dirty="0"/>
+              <a:t>的析构函数中可以看到，销毁先进入终结器</a:t>
+            </a:r>
+            <a:r>
+              <a:rPr lang="en-US" altLang="zh-CN" dirty="0"/>
+              <a:t>,</a:t>
+            </a:r>
+            <a:endParaRPr lang="en-US" altLang="zh-CN" dirty="0"/>
+          </a:p>
+          <a:p>
+            <a:pPr marL="0" indent="0">
+              <a:buNone/>
+            </a:pPr>
+            <a:r>
+              <a:rPr lang="zh-CN" altLang="en-US" dirty="0"/>
+              <a:t>线程虽然</a:t>
+            </a:r>
+            <a:r>
+              <a:rPr lang="en-US" altLang="zh-CN" dirty="0"/>
+              <a:t>dead</a:t>
+            </a:r>
+            <a:r>
+              <a:rPr lang="zh-CN" altLang="en-US" dirty="0"/>
+              <a:t>，但是仍然占用资源。可能被</a:t>
+            </a:r>
+            <a:r>
+              <a:rPr lang="en-US" altLang="zh-CN" dirty="0"/>
+              <a:t>GC</a:t>
+            </a:r>
+            <a:r>
+              <a:rPr lang="zh-CN" altLang="en-US" dirty="0"/>
+              <a:t>回收，也可能复活（!FinalizeQueue）</a:t>
             </a:r>
             <a:endParaRPr lang="zh-CN" altLang="en-US" dirty="0"/>
           </a:p>

--- a/异步编程.pptx
+++ b/异步编程.pptx
@@ -3,41 +3,46 @@
 <p:presentation xmlns:a="http://schemas.openxmlformats.org/drawingml/2006/main" xmlns:r="http://schemas.openxmlformats.org/officeDocument/2006/relationships" xmlns:p="http://schemas.openxmlformats.org/presentationml/2006/main" showSpecialPlsOnTitleSld="0" strictFirstAndLastChars="0" autoCompressPictures="0">
   <p:sldMasterIdLst>
     <p:sldMasterId id="2147483648" r:id="rId1"/>
-    <p:sldMasterId id="2147483651" r:id="rId3"/>
-    <p:sldMasterId id="2147483654" r:id="rId4"/>
+    <p:sldMasterId id="2147483651" r:id="rId2"/>
+    <p:sldMasterId id="2147483654" r:id="rId3"/>
   </p:sldMasterIdLst>
   <p:notesMasterIdLst>
-    <p:notesMasterId r:id="rId6"/>
+    <p:notesMasterId r:id="rId34"/>
   </p:notesMasterIdLst>
   <p:handoutMasterIdLst>
-    <p:handoutMasterId r:id="rId31"/>
+    <p:handoutMasterId r:id="rId35"/>
   </p:handoutMasterIdLst>
   <p:sldIdLst>
-    <p:sldId id="291" r:id="rId5"/>
-    <p:sldId id="335" r:id="rId7"/>
-    <p:sldId id="342" r:id="rId8"/>
-    <p:sldId id="340" r:id="rId9"/>
-    <p:sldId id="341" r:id="rId10"/>
-    <p:sldId id="361" r:id="rId11"/>
-    <p:sldId id="362" r:id="rId12"/>
-    <p:sldId id="336" r:id="rId13"/>
-    <p:sldId id="363" r:id="rId14"/>
-    <p:sldId id="380" r:id="rId15"/>
-    <p:sldId id="337" r:id="rId16"/>
-    <p:sldId id="339" r:id="rId17"/>
-    <p:sldId id="338" r:id="rId18"/>
-    <p:sldId id="334" r:id="rId19"/>
-    <p:sldId id="292" r:id="rId20"/>
-    <p:sldId id="325" r:id="rId21"/>
-    <p:sldId id="326" r:id="rId22"/>
-    <p:sldId id="327" r:id="rId23"/>
-    <p:sldId id="328" r:id="rId24"/>
-    <p:sldId id="329" r:id="rId25"/>
-    <p:sldId id="331" r:id="rId26"/>
-    <p:sldId id="330" r:id="rId27"/>
-    <p:sldId id="332" r:id="rId28"/>
-    <p:sldId id="293" r:id="rId29"/>
-    <p:sldId id="343" r:id="rId30"/>
+    <p:sldId id="291" r:id="rId4"/>
+    <p:sldId id="335" r:id="rId5"/>
+    <p:sldId id="342" r:id="rId6"/>
+    <p:sldId id="340" r:id="rId7"/>
+    <p:sldId id="341" r:id="rId8"/>
+    <p:sldId id="361" r:id="rId9"/>
+    <p:sldId id="362" r:id="rId10"/>
+    <p:sldId id="336" r:id="rId11"/>
+    <p:sldId id="363" r:id="rId12"/>
+    <p:sldId id="380" r:id="rId13"/>
+    <p:sldId id="381" r:id="rId14"/>
+    <p:sldId id="382" r:id="rId15"/>
+    <p:sldId id="383" r:id="rId16"/>
+    <p:sldId id="384" r:id="rId17"/>
+    <p:sldId id="337" r:id="rId18"/>
+    <p:sldId id="385" r:id="rId19"/>
+    <p:sldId id="386" r:id="rId20"/>
+    <p:sldId id="338" r:id="rId21"/>
+    <p:sldId id="334" r:id="rId22"/>
+    <p:sldId id="292" r:id="rId23"/>
+    <p:sldId id="325" r:id="rId24"/>
+    <p:sldId id="326" r:id="rId25"/>
+    <p:sldId id="327" r:id="rId26"/>
+    <p:sldId id="328" r:id="rId27"/>
+    <p:sldId id="329" r:id="rId28"/>
+    <p:sldId id="331" r:id="rId29"/>
+    <p:sldId id="330" r:id="rId30"/>
+    <p:sldId id="332" r:id="rId31"/>
+    <p:sldId id="293" r:id="rId32"/>
+    <p:sldId id="343" r:id="rId33"/>
   </p:sldIdLst>
   <p:sldSz cx="9144000" cy="6858000" type="screen4x3"/>
   <p:notesSz cx="6858000" cy="9144000"/>
@@ -173,14 +178,21 @@
           <p14:sldIdLst>
             <p14:sldId id="291"/>
             <p14:sldId id="335"/>
+            <p14:sldId id="342"/>
             <p14:sldId id="340"/>
             <p14:sldId id="341"/>
+            <p14:sldId id="361"/>
             <p14:sldId id="362"/>
             <p14:sldId id="336"/>
             <p14:sldId id="363"/>
             <p14:sldId id="380"/>
+            <p14:sldId id="381"/>
+            <p14:sldId id="382"/>
+            <p14:sldId id="383"/>
+            <p14:sldId id="384"/>
             <p14:sldId id="337"/>
-            <p14:sldId id="339"/>
+            <p14:sldId id="385"/>
+            <p14:sldId id="386"/>
             <p14:sldId id="338"/>
             <p14:sldId id="334"/>
             <p14:sldId id="292"/>
@@ -193,8 +205,6 @@
             <p14:sldId id="330"/>
             <p14:sldId id="332"/>
             <p14:sldId id="293"/>
-            <p14:sldId id="342"/>
-            <p14:sldId id="361"/>
             <p14:sldId id="343"/>
           </p14:sldIdLst>
         </p14:section>
@@ -202,6 +212,23 @@
           <p14:sldIdLst/>
         </p14:section>
       </p14:sectionLst>
+    </p:ext>
+    <p:ext uri="{EFAFB233-063F-42B5-8137-9DF3F51BA10A}">
+      <p15:sldGuideLst xmlns:p15="http://schemas.microsoft.com/office/powerpoint/2012/main">
+        <p15:guide id="1" orient="horz" pos="2160">
+          <p15:clr>
+            <a:srgbClr val="A4A3A4"/>
+          </p15:clr>
+        </p15:guide>
+        <p15:guide id="2" pos="2880">
+          <p15:clr>
+            <a:srgbClr val="A4A3A4"/>
+          </p15:clr>
+        </p15:guide>
+      </p15:sldGuideLst>
+    </p:ext>
+    <p:ext uri="{2D200454-40CA-4A62-9FC3-DE9A4176ACB9}">
+      <p15:notesGuideLst xmlns:p15="http://schemas.microsoft.com/office/powerpoint/2012/main"/>
     </p:ext>
   </p:extLst>
 </p:presentation>
@@ -304,6 +331,7 @@
             </a:pPr>
             <a:fld id="{FBD04B4B-BF48-4124-A12F-E6E02B7028E1}" type="datetime1">
               <a:rPr lang="en-US" altLang="zh-CN"/>
+              <a:t>4/16/2018</a:t>
             </a:fld>
             <a:endParaRPr lang="en-US" altLang="zh-CN"/>
           </a:p>
@@ -381,12 +409,18 @@
             </a:pPr>
             <a:fld id="{7A58C161-F8F7-4A20-8C6A-D7A2E5399F42}" type="slidenum">
               <a:rPr lang="en-US" altLang="zh-CN"/>
+              <a:t>‹#›</a:t>
             </a:fld>
             <a:endParaRPr lang="en-US" altLang="zh-CN"/>
           </a:p>
         </p:txBody>
       </p:sp>
     </p:spTree>
+    <p:extLst>
+      <p:ext uri="{BB962C8B-B14F-4D97-AF65-F5344CB8AC3E}">
+        <p14:creationId xmlns:p14="http://schemas.microsoft.com/office/powerpoint/2010/main" val="3857806458"/>
+      </p:ext>
+    </p:extLst>
   </p:cSld>
   <p:clrMap bg1="lt1" tx1="dk1" bg2="lt2" tx2="dk2" accent1="accent1" accent2="accent2" accent3="accent3" accent4="accent4" accent5="accent5" accent6="accent6" hlink="hlink" folHlink="folHlink"/>
   <p:hf hdr="0" ftr="0" dt="0"/>
@@ -490,6 +524,7 @@
             </a:pPr>
             <a:fld id="{56B951AB-4CC4-4A1A-845E-C3E6E395286B}" type="datetime1">
               <a:rPr lang="en-US" altLang="zh-CN"/>
+              <a:t>4/16/2018</a:t>
             </a:fld>
             <a:endParaRPr lang="en-US" altLang="zh-CN"/>
           </a:p>
@@ -559,7 +594,6 @@
               <a:rPr lang="en-US" altLang="zh-CN" noProof="0"/>
               <a:t>Click to edit Master text styles</a:t>
             </a:r>
-            <a:endParaRPr lang="en-US" altLang="zh-CN" noProof="0"/>
           </a:p>
           <a:p>
             <a:pPr lvl="1"/>
@@ -567,7 +601,6 @@
               <a:rPr lang="en-US" altLang="zh-CN" noProof="0"/>
               <a:t>Second level</a:t>
             </a:r>
-            <a:endParaRPr lang="en-US" altLang="zh-CN" noProof="0"/>
           </a:p>
           <a:p>
             <a:pPr lvl="2"/>
@@ -575,7 +608,6 @@
               <a:rPr lang="en-US" altLang="zh-CN" noProof="0"/>
               <a:t>Third level</a:t>
             </a:r>
-            <a:endParaRPr lang="en-US" altLang="zh-CN" noProof="0"/>
           </a:p>
           <a:p>
             <a:pPr lvl="3"/>
@@ -583,7 +615,6 @@
               <a:rPr lang="en-US" altLang="zh-CN" noProof="0"/>
               <a:t>Fourth level</a:t>
             </a:r>
-            <a:endParaRPr lang="en-US" altLang="zh-CN" noProof="0"/>
           </a:p>
           <a:p>
             <a:pPr lvl="4"/>
@@ -591,7 +622,6 @@
               <a:rPr lang="en-US" altLang="zh-CN" noProof="0"/>
               <a:t>Fifth level</a:t>
             </a:r>
-            <a:endParaRPr lang="en-US" altLang="zh-CN" noProof="0"/>
           </a:p>
         </p:txBody>
       </p:sp>
@@ -667,12 +697,18 @@
             </a:pPr>
             <a:fld id="{84C1FF56-8A9B-4ECB-89F3-6603D17A6FE6}" type="slidenum">
               <a:rPr lang="en-US" altLang="zh-CN"/>
+              <a:t>‹#›</a:t>
             </a:fld>
             <a:endParaRPr lang="en-US" altLang="zh-CN"/>
           </a:p>
         </p:txBody>
       </p:sp>
     </p:spTree>
+    <p:extLst>
+      <p:ext uri="{BB962C8B-B14F-4D97-AF65-F5344CB8AC3E}">
+        <p14:creationId xmlns:p14="http://schemas.microsoft.com/office/powerpoint/2010/main" val="1179320506"/>
+      </p:ext>
+    </p:extLst>
   </p:cSld>
   <p:clrMap bg1="lt1" tx1="dk1" bg2="lt2" tx2="dk2" accent1="accent1" accent2="accent2" accent3="accent3" accent4="accent4" accent5="accent5" accent6="accent6" hlink="hlink" folHlink="folHlink"/>
   <p:hf hdr="0" ftr="0" dt="0"/>
@@ -1036,6 +1072,7 @@
               <a:rPr lang="en-US" altLang="zh-CN" smtClean="0">
                 <a:latin typeface="Calibri" panose="020F0502020204030204" pitchFamily="34" charset="0"/>
               </a:rPr>
+              <a:t>1</a:t>
             </a:fld>
             <a:endParaRPr lang="en-US" altLang="zh-CN">
               <a:latin typeface="Calibri" panose="020F0502020204030204" pitchFamily="34" charset="0"/>
@@ -1044,6 +1081,11 @@
         </p:txBody>
       </p:sp>
     </p:spTree>
+    <p:extLst>
+      <p:ext uri="{BB962C8B-B14F-4D97-AF65-F5344CB8AC3E}">
+        <p14:creationId xmlns:p14="http://schemas.microsoft.com/office/powerpoint/2010/main" val="3051726422"/>
+      </p:ext>
+    </p:extLst>
   </p:cSld>
   <p:clrMapOvr>
     <a:masterClrMapping/>
@@ -1244,7 +1286,6 @@
               <a:rPr lang="zh-CN" altLang="en-US"/>
               <a:t>单击此处编辑母版文本样式</a:t>
             </a:r>
-            <a:endParaRPr lang="zh-CN" altLang="en-US"/>
           </a:p>
         </p:txBody>
       </p:sp>
@@ -1449,7 +1490,6 @@
               <a:rPr lang="zh-CN" altLang="en-US"/>
               <a:t>单击此处编辑母版文本样式</a:t>
             </a:r>
-            <a:endParaRPr lang="zh-CN" altLang="en-US"/>
           </a:p>
         </p:txBody>
       </p:sp>
@@ -1511,7 +1551,6 @@
               <a:rPr lang="en-US" dirty="0"/>
               <a:t>Click to edit Master title style</a:t>
             </a:r>
-            <a:endParaRPr lang="en-US" dirty="0"/>
           </a:p>
         </p:txBody>
       </p:sp>
@@ -1584,7 +1623,6 @@
               <a:rPr lang="zh-CN" altLang="en-US" dirty="0"/>
               <a:t>单击此处编辑母版标题样式</a:t>
             </a:r>
-            <a:endParaRPr lang="zh-CN" altLang="en-US" dirty="0"/>
           </a:p>
         </p:txBody>
       </p:sp>
@@ -1632,7 +1670,6 @@
               <a:rPr lang="en-US"/>
               <a:t>Click to edit Master title style</a:t>
             </a:r>
-            <a:endParaRPr lang="en-US"/>
           </a:p>
         </p:txBody>
       </p:sp>
@@ -1735,7 +1772,6 @@
               <a:rPr lang="en-US" dirty="0"/>
               <a:t>Click to edit Master text styles</a:t>
             </a:r>
-            <a:endParaRPr lang="en-US" dirty="0"/>
           </a:p>
           <a:p>
             <a:pPr lvl="1"/>
@@ -1743,7 +1779,6 @@
               <a:rPr lang="en-US" dirty="0"/>
               <a:t>Second level</a:t>
             </a:r>
-            <a:endParaRPr lang="en-US" dirty="0"/>
           </a:p>
           <a:p>
             <a:pPr lvl="2"/>
@@ -1751,7 +1786,6 @@
               <a:rPr lang="en-US" dirty="0"/>
               <a:t>Third level</a:t>
             </a:r>
-            <a:endParaRPr lang="en-US" dirty="0"/>
           </a:p>
           <a:p>
             <a:pPr lvl="3"/>
@@ -1759,7 +1793,6 @@
               <a:rPr lang="en-US" dirty="0"/>
               <a:t>Fourth level</a:t>
             </a:r>
-            <a:endParaRPr lang="en-US" dirty="0"/>
           </a:p>
           <a:p>
             <a:pPr lvl="4"/>
@@ -1767,7 +1800,6 @@
               <a:rPr lang="en-US" dirty="0"/>
               <a:t>Fifth level</a:t>
             </a:r>
-            <a:endParaRPr lang="en-US" dirty="0"/>
           </a:p>
         </p:txBody>
       </p:sp>
@@ -1815,7 +1847,6 @@
               <a:rPr lang="en-US"/>
               <a:t>Click to edit Master title style</a:t>
             </a:r>
-            <a:endParaRPr lang="en-US"/>
           </a:p>
         </p:txBody>
       </p:sp>
@@ -1910,7 +1941,6 @@
               <a:rPr lang="en-US" dirty="0"/>
               <a:t>Click to edit Master text styles</a:t>
             </a:r>
-            <a:endParaRPr lang="en-US" dirty="0"/>
           </a:p>
           <a:p>
             <a:pPr lvl="1"/>
@@ -1918,7 +1948,6 @@
               <a:rPr lang="en-US" dirty="0"/>
               <a:t>Second level</a:t>
             </a:r>
-            <a:endParaRPr lang="en-US" dirty="0"/>
           </a:p>
           <a:p>
             <a:pPr lvl="2"/>
@@ -1926,7 +1955,6 @@
               <a:rPr lang="en-US" dirty="0"/>
               <a:t>Third level</a:t>
             </a:r>
-            <a:endParaRPr lang="en-US" dirty="0"/>
           </a:p>
           <a:p>
             <a:pPr lvl="3"/>
@@ -1934,7 +1962,6 @@
               <a:rPr lang="en-US" dirty="0"/>
               <a:t>Fourth level</a:t>
             </a:r>
-            <a:endParaRPr lang="en-US" dirty="0"/>
           </a:p>
           <a:p>
             <a:pPr lvl="4"/>
@@ -1942,7 +1969,6 @@
               <a:rPr lang="en-US" dirty="0"/>
               <a:t>Fifth level</a:t>
             </a:r>
-            <a:endParaRPr lang="en-US" dirty="0"/>
           </a:p>
         </p:txBody>
       </p:sp>
@@ -1990,7 +2016,6 @@
               <a:rPr lang="en-US" dirty="0"/>
               <a:t>Click to edit Master title style</a:t>
             </a:r>
-            <a:endParaRPr lang="en-US" dirty="0"/>
           </a:p>
         </p:txBody>
       </p:sp>
@@ -2093,7 +2118,6 @@
               <a:rPr lang="en-US" dirty="0"/>
               <a:t>Click to edit Master text styles</a:t>
             </a:r>
-            <a:endParaRPr lang="en-US" dirty="0"/>
           </a:p>
           <a:p>
             <a:pPr lvl="1"/>
@@ -2101,7 +2125,6 @@
               <a:rPr lang="en-US" dirty="0"/>
               <a:t>Second level</a:t>
             </a:r>
-            <a:endParaRPr lang="en-US" dirty="0"/>
           </a:p>
           <a:p>
             <a:pPr lvl="2"/>
@@ -2109,7 +2132,6 @@
               <a:rPr lang="en-US" dirty="0"/>
               <a:t>Third level</a:t>
             </a:r>
-            <a:endParaRPr lang="en-US" dirty="0"/>
           </a:p>
           <a:p>
             <a:pPr lvl="3"/>
@@ -2117,7 +2139,6 @@
               <a:rPr lang="en-US" dirty="0"/>
               <a:t>Fourth level</a:t>
             </a:r>
-            <a:endParaRPr lang="en-US" dirty="0"/>
           </a:p>
           <a:p>
             <a:pPr lvl="4"/>
@@ -2125,7 +2146,6 @@
               <a:rPr lang="en-US" dirty="0"/>
               <a:t>Fifth level</a:t>
             </a:r>
-            <a:endParaRPr lang="en-US" dirty="0"/>
           </a:p>
         </p:txBody>
       </p:sp>
@@ -2325,13 +2345,6 @@
               </a:rPr>
               <a:t>© 2015 GB Group Limited</a:t>
             </a:r>
-            <a:endParaRPr lang="en-US" altLang="zh-CN" sz="1000">
-              <a:solidFill>
-                <a:srgbClr val="000000"/>
-              </a:solidFill>
-              <a:latin typeface="Calibri" panose="020F0502020204030204" pitchFamily="34" charset="0"/>
-              <a:sym typeface="Lucida Grande"/>
-            </a:endParaRPr>
           </a:p>
         </p:txBody>
       </p:sp>
@@ -2981,13 +2994,6 @@
               </a:rPr>
               <a:t>© 2015 GB Group Limited</a:t>
             </a:r>
-            <a:endParaRPr lang="en-US" altLang="zh-CN" sz="1000">
-              <a:solidFill>
-                <a:srgbClr val="000000"/>
-              </a:solidFill>
-              <a:latin typeface="Calibri" panose="020F0502020204030204" pitchFamily="34" charset="0"/>
-              <a:sym typeface="Lucida Grande"/>
-            </a:endParaRPr>
           </a:p>
         </p:txBody>
       </p:sp>
@@ -3052,7 +3058,7 @@
           <p:nvPr/>
         </p:nvPicPr>
         <p:blipFill>
-          <a:blip r:embed="rId3">
+          <a:blip r:embed="rId4">
             <a:extLst>
               <a:ext uri="{28A0092B-C50C-407E-A947-70E740481C1C}">
                 <a14:useLocalDpi xmlns:a14="http://schemas.microsoft.com/office/drawing/2010/main" val="0"/>
@@ -3305,6 +3311,7 @@
                 <a:latin typeface="Calibri" panose="020F0502020204030204" pitchFamily="34" charset="0"/>
                 <a:ea typeface="黑体" panose="02010609060101010101" pitchFamily="49" charset="-122"/>
               </a:rPr>
+              <a:t>‹#›</a:t>
             </a:fld>
             <a:endParaRPr lang="zh-CN" altLang="en-US" sz="1000">
               <a:latin typeface="Calibri" panose="020F0502020204030204" pitchFamily="34" charset="0"/>
@@ -3923,13 +3930,6 @@
               </a:rPr>
               <a:t>© 2015 GB Group Limited</a:t>
             </a:r>
-            <a:endParaRPr lang="en-US" altLang="zh-CN" sz="1000">
-              <a:solidFill>
-                <a:srgbClr val="000000"/>
-              </a:solidFill>
-              <a:latin typeface="Calibri" panose="020F0502020204030204" pitchFamily="34" charset="0"/>
-              <a:sym typeface="Lucida Grande"/>
-            </a:endParaRPr>
           </a:p>
         </p:txBody>
       </p:sp>
@@ -4036,7 +4036,6 @@
               <a:rPr lang="en-US" altLang="zh-CN"/>
               <a:t>Click to edit Master title style</a:t>
             </a:r>
-            <a:endParaRPr lang="en-US" altLang="zh-CN"/>
           </a:p>
         </p:txBody>
       </p:sp>
@@ -4049,7 +4048,7 @@
           <p:nvPr/>
         </p:nvPicPr>
         <p:blipFill>
-          <a:blip r:embed="rId5">
+          <a:blip r:embed="rId6">
             <a:extLst>
               <a:ext uri="{28A0092B-C50C-407E-A947-70E740481C1C}">
                 <a14:useLocalDpi xmlns:a14="http://schemas.microsoft.com/office/drawing/2010/main" val="0"/>
@@ -4351,6 +4350,7 @@
                 <a:latin typeface="Calibri" panose="020F0502020204030204" pitchFamily="34" charset="0"/>
                 <a:ea typeface="黑体" panose="02010609060101010101" pitchFamily="49" charset="-122"/>
               </a:rPr>
+              <a:t>‹#›</a:t>
             </a:fld>
             <a:endParaRPr lang="zh-CN" altLang="en-US" sz="1000">
               <a:solidFill>
@@ -4953,7 +4953,6 @@
               <a:rPr lang="zh-CN" altLang="en-US" dirty="0" err="1" smtClean="0"/>
               <a:t>区别</a:t>
             </a:r>
-            <a:endParaRPr lang="zh-CN" altLang="en-US" dirty="0" err="1" smtClean="0"/>
           </a:p>
         </p:txBody>
       </p:sp>
@@ -4967,7 +4966,12 @@
             <p:ph sz="quarter" idx="11"/>
           </p:nvPr>
         </p:nvSpPr>
-        <p:spPr/>
+        <p:spPr>
+          <a:xfrm>
+            <a:off x="444817" y="1235649"/>
+            <a:ext cx="8229600" cy="4951412"/>
+          </a:xfrm>
+        </p:spPr>
         <p:txBody>
           <a:bodyPr/>
           <a:lstStyle/>
@@ -4983,7 +4987,6 @@
               <a:rPr lang="en-US" altLang="zh-CN" dirty="0"/>
               <a:t>!threadpool</a:t>
             </a:r>
-            <a:endParaRPr lang="en-US" altLang="zh-CN" dirty="0"/>
           </a:p>
           <a:p>
             <a:pPr marL="0" indent="0">
@@ -4993,7 +4996,6 @@
               <a:rPr lang="zh-CN" altLang="en-US" dirty="0"/>
               <a:t>CPU utilization: 33%</a:t>
             </a:r>
-            <a:endParaRPr lang="zh-CN" altLang="en-US" dirty="0"/>
           </a:p>
           <a:p>
             <a:pPr marL="0" indent="0">
@@ -5003,7 +5005,6 @@
               <a:rPr lang="zh-CN" altLang="en-US" dirty="0"/>
               <a:t>Worker Thread: Total: 2 Running: 0 Idle: 2 MaxLimit: 2047 MinLimit: 8</a:t>
             </a:r>
-            <a:endParaRPr lang="zh-CN" altLang="en-US" dirty="0"/>
           </a:p>
           <a:p>
             <a:pPr marL="0" indent="0">
@@ -5013,7 +5014,6 @@
               <a:rPr lang="zh-CN" altLang="en-US" dirty="0"/>
               <a:t>Work Request in Queue: 0</a:t>
             </a:r>
-            <a:endParaRPr lang="zh-CN" altLang="en-US" dirty="0"/>
           </a:p>
           <a:p>
             <a:pPr marL="0" indent="0">
@@ -5023,7 +5023,6 @@
               <a:rPr lang="zh-CN" altLang="en-US" dirty="0"/>
               <a:t>--------------------------------------</a:t>
             </a:r>
-            <a:endParaRPr lang="zh-CN" altLang="en-US" dirty="0"/>
           </a:p>
           <a:p>
             <a:pPr marL="0" indent="0">
@@ -5033,7 +5032,6 @@
               <a:rPr lang="zh-CN" altLang="en-US" dirty="0"/>
               <a:t>Number of Timers: 0</a:t>
             </a:r>
-            <a:endParaRPr lang="zh-CN" altLang="en-US" dirty="0"/>
           </a:p>
           <a:p>
             <a:pPr marL="0" indent="0">
@@ -5043,7 +5041,6 @@
               <a:rPr lang="zh-CN" altLang="en-US" dirty="0"/>
               <a:t>--------------------------------------</a:t>
             </a:r>
-            <a:endParaRPr lang="zh-CN" altLang="en-US" dirty="0"/>
           </a:p>
           <a:p>
             <a:pPr marL="0" indent="0">
@@ -5053,19 +5050,40 @@
               <a:rPr lang="zh-CN" altLang="en-US" dirty="0"/>
               <a:t>Completion Port Thread:Total: 0 Free: 0 MaxFree: 16 CurrentLimit: 0 MaxLimit: 1000 MinLimit: 8</a:t>
             </a:r>
-            <a:endParaRPr lang="zh-CN" altLang="en-US" dirty="0"/>
           </a:p>
           <a:p>
             <a:pPr marL="0" indent="0">
               <a:buNone/>
             </a:pPr>
-            <a:endParaRPr lang="zh-CN" altLang="en-US" dirty="0"/>
+            <a:endParaRPr lang="en-US" altLang="zh-CN" dirty="0" smtClean="0"/>
           </a:p>
           <a:p>
             <a:pPr marL="0" indent="0">
               <a:buNone/>
             </a:pPr>
             <a:r>
+              <a:rPr lang="zh-CN" altLang="en-US" dirty="0" smtClean="0"/>
+              <a:t>没有死线程</a:t>
+            </a:r>
+            <a:r>
+              <a:rPr lang="en-US" altLang="zh-CN" dirty="0" smtClean="0"/>
+              <a:t>(</a:t>
+            </a:r>
+            <a:r>
+              <a:rPr lang="en-US" altLang="zh-CN" dirty="0" err="1" smtClean="0"/>
+              <a:t>threadstate</a:t>
+            </a:r>
+            <a:r>
+              <a:rPr lang="en-US" altLang="zh-CN" dirty="0" smtClean="0"/>
+              <a:t>)</a:t>
+            </a:r>
+            <a:endParaRPr lang="zh-CN" altLang="en-US" dirty="0"/>
+          </a:p>
+          <a:p>
+            <a:pPr marL="0" indent="0">
+              <a:buNone/>
+            </a:pPr>
+            <a:r>
               <a:rPr lang="zh-CN" altLang="en-US" dirty="0"/>
               <a:t>工作线程：执行一般的异步任务，不涉及文件，网络，数据库等</a:t>
             </a:r>
@@ -5077,7 +5095,6 @@
               <a:rPr lang="zh-CN" altLang="en-US" dirty="0"/>
               <a:t>操作（开发者调用）</a:t>
             </a:r>
-            <a:endParaRPr lang="zh-CN" altLang="en-US" dirty="0"/>
           </a:p>
           <a:p>
             <a:pPr marL="0" indent="0">
@@ -5154,10 +5171,21 @@
           <a:lstStyle/>
           <a:p>
             <a:r>
-              <a:rPr lang="en-US" altLang="zh-CN" dirty="0" smtClean="0"/>
-              <a:t>Task</a:t>
-            </a:r>
-            <a:endParaRPr lang="zh-CN" altLang="en-US" dirty="0"/>
+              <a:rPr lang="en-US" altLang="zh-CN" dirty="0" err="1" smtClean="0"/>
+              <a:t>ThreadPool</a:t>
+            </a:r>
+            <a:r>
+              <a:rPr lang="zh-CN" altLang="en-US" dirty="0" err="1" smtClean="0"/>
+              <a:t>与</a:t>
+            </a:r>
+            <a:r>
+              <a:rPr lang="en-US" altLang="zh-CN" dirty="0" err="1" smtClean="0"/>
+              <a:t>thread</a:t>
+            </a:r>
+            <a:r>
+              <a:rPr lang="zh-CN" altLang="en-US" dirty="0" err="1" smtClean="0"/>
+              <a:t>区别</a:t>
+            </a:r>
           </a:p>
         </p:txBody>
       </p:sp>
@@ -5176,250 +5204,473 @@
           <a:bodyPr/>
           <a:lstStyle/>
           <a:p>
+            <a:pPr marL="0" indent="0">
+              <a:buNone/>
+            </a:pPr>
             <a:r>
               <a:rPr lang="en-US" altLang="zh-CN" dirty="0" err="1" smtClean="0"/>
-              <a:t>ThreadPoolTaskScheduler</a:t>
+              <a:t>Threadpool</a:t>
+            </a:r>
+            <a:r>
+              <a:rPr lang="en-US" altLang="zh-CN" dirty="0" smtClean="0"/>
+              <a:t>:</a:t>
+            </a:r>
+          </a:p>
+          <a:p>
+            <a:pPr marL="0" indent="0">
+              <a:buNone/>
+            </a:pPr>
+            <a:r>
+              <a:rPr lang="zh-CN" altLang="en-US" dirty="0" smtClean="0"/>
+              <a:t>好处：可以用</a:t>
+            </a:r>
+            <a:r>
+              <a:rPr lang="en-US" altLang="zh-CN" dirty="0" smtClean="0"/>
+              <a:t>N</a:t>
+            </a:r>
+            <a:r>
+              <a:rPr lang="zh-CN" altLang="en-US" dirty="0" smtClean="0"/>
+              <a:t>个线程解决</a:t>
+            </a:r>
+            <a:r>
+              <a:rPr lang="en-US" altLang="zh-CN" dirty="0" smtClean="0"/>
+              <a:t>M</a:t>
+            </a:r>
+            <a:r>
+              <a:rPr lang="zh-CN" altLang="en-US" dirty="0" smtClean="0"/>
+              <a:t>个线程</a:t>
+            </a:r>
+            <a:r>
+              <a:rPr lang="en-US" altLang="zh-CN" dirty="0" smtClean="0"/>
+              <a:t>(N&lt;</a:t>
+            </a:r>
+            <a:r>
+              <a:rPr lang="en-US" altLang="zh-CN" dirty="0" err="1" smtClean="0"/>
+              <a:t>M,n</a:t>
+            </a:r>
+            <a:r>
+              <a:rPr lang="zh-CN" altLang="en-US" dirty="0" smtClean="0"/>
+              <a:t>为</a:t>
+            </a:r>
+            <a:r>
+              <a:rPr lang="en-US" altLang="zh-CN" dirty="0" smtClean="0"/>
+              <a:t>CPU</a:t>
+            </a:r>
+            <a:r>
+              <a:rPr lang="zh-CN" altLang="en-US" dirty="0" smtClean="0"/>
+              <a:t>核心数</a:t>
+            </a:r>
+            <a:r>
+              <a:rPr lang="en-US" altLang="zh-CN" dirty="0" smtClean="0"/>
+              <a:t>)</a:t>
+            </a:r>
+            <a:r>
+              <a:rPr lang="zh-CN" altLang="en-US" dirty="0" smtClean="0"/>
+              <a:t>的任务，节省了空间（</a:t>
+            </a:r>
+            <a:r>
+              <a:rPr lang="en-US" altLang="zh-CN" dirty="0" err="1" smtClean="0"/>
+              <a:t>teb,osthread</a:t>
+            </a:r>
+            <a:r>
+              <a:rPr lang="zh-CN" altLang="en-US" dirty="0" smtClean="0"/>
+              <a:t>结构）和时间（托管和非托管</a:t>
+            </a:r>
+            <a:r>
+              <a:rPr lang="en-US" altLang="zh-CN" dirty="0" err="1" smtClean="0"/>
+              <a:t>dll</a:t>
+            </a:r>
+            <a:r>
+              <a:rPr lang="zh-CN" altLang="en-US" dirty="0"/>
+              <a:t>，</a:t>
+            </a:r>
+            <a:r>
+              <a:rPr lang="en-US" altLang="zh-CN" dirty="0"/>
+              <a:t>exe</a:t>
+            </a:r>
+            <a:r>
+              <a:rPr lang="zh-CN" altLang="en-US" dirty="0" smtClean="0"/>
+              <a:t>）</a:t>
             </a:r>
             <a:endParaRPr lang="en-US" altLang="zh-CN" dirty="0" smtClean="0"/>
           </a:p>
           <a:p>
-            <a:r>
-              <a:rPr lang="zh-CN" altLang="en-US" dirty="0" smtClean="0"/>
-              <a:t>如果</a:t>
-            </a:r>
+            <a:pPr marL="0" indent="0">
+              <a:buNone/>
+            </a:pPr>
+            <a:endParaRPr lang="en-US" altLang="zh-CN" dirty="0"/>
+          </a:p>
+          <a:p>
+            <a:pPr marL="0" indent="0">
+              <a:buNone/>
+            </a:pPr>
+            <a:r>
+              <a:rPr lang="zh-CN" altLang="en-US" dirty="0" smtClean="0"/>
+              <a:t>缺点：不能控制线程启动先后顺序，纯用</a:t>
+            </a:r>
+            <a:r>
+              <a:rPr lang="en-US" altLang="zh-CN" dirty="0" err="1" smtClean="0"/>
+              <a:t>threadpool</a:t>
+            </a:r>
+            <a:r>
+              <a:rPr lang="zh-CN" altLang="en-US" dirty="0" smtClean="0"/>
+              <a:t>不能控制线程状态</a:t>
+            </a:r>
+            <a:endParaRPr lang="en-US" altLang="zh-CN" dirty="0" smtClean="0"/>
+          </a:p>
+          <a:p>
+            <a:pPr marL="0" indent="0">
+              <a:buNone/>
+            </a:pPr>
+            <a:endParaRPr lang="en-US" altLang="zh-CN" dirty="0" smtClean="0"/>
+          </a:p>
+        </p:txBody>
+      </p:sp>
+    </p:spTree>
+    <p:extLst>
+      <p:ext uri="{BB962C8B-B14F-4D97-AF65-F5344CB8AC3E}">
+        <p14:creationId xmlns:p14="http://schemas.microsoft.com/office/powerpoint/2010/main" val="3792937881"/>
+      </p:ext>
+    </p:extLst>
+  </p:cSld>
+  <p:clrMapOvr>
+    <a:masterClrMapping/>
+  </p:clrMapOvr>
+</p:sld>
+</file>
+
+<file path=ppt/slides/slide12.xml><?xml version="1.0" encoding="utf-8"?>
+<p:sld xmlns:a="http://schemas.openxmlformats.org/drawingml/2006/main" xmlns:r="http://schemas.openxmlformats.org/officeDocument/2006/relationships" xmlns:p="http://schemas.openxmlformats.org/presentationml/2006/main">
+  <p:cSld>
+    <p:spTree>
+      <p:nvGrpSpPr>
+        <p:cNvPr id="1" name=""/>
+        <p:cNvGrpSpPr/>
+        <p:nvPr/>
+      </p:nvGrpSpPr>
+      <p:grpSpPr>
+        <a:xfrm>
+          <a:off x="0" y="0"/>
+          <a:ext cx="0" cy="0"/>
+          <a:chOff x="0" y="0"/>
+          <a:chExt cx="0" cy="0"/>
+        </a:xfrm>
+      </p:grpSpPr>
+      <p:sp>
+        <p:nvSpPr>
+          <p:cNvPr id="2" name="标题 1"/>
+          <p:cNvSpPr>
+            <a:spLocks noGrp="1"/>
+          </p:cNvSpPr>
+          <p:nvPr>
+            <p:ph type="title"/>
+          </p:nvPr>
+        </p:nvSpPr>
+        <p:spPr/>
+        <p:txBody>
+          <a:bodyPr/>
+          <a:lstStyle/>
+          <a:p>
+            <a:r>
+              <a:rPr lang="en-US" altLang="zh-CN" dirty="0" err="1" smtClean="0"/>
+              <a:t>ThreadPool</a:t>
+            </a:r>
+            <a:r>
+              <a:rPr lang="zh-CN" altLang="en-US" dirty="0" smtClean="0"/>
+              <a:t>定时器任务</a:t>
+            </a:r>
+            <a:endParaRPr lang="zh-CN" altLang="en-US" dirty="0" smtClean="0"/>
+          </a:p>
+        </p:txBody>
+      </p:sp>
+      <p:sp>
+        <p:nvSpPr>
+          <p:cNvPr id="3" name="内容占位符 2"/>
+          <p:cNvSpPr>
+            <a:spLocks noGrp="1"/>
+          </p:cNvSpPr>
+          <p:nvPr>
+            <p:ph sz="quarter" idx="11"/>
+          </p:nvPr>
+        </p:nvSpPr>
+        <p:spPr/>
+        <p:txBody>
+          <a:bodyPr/>
+          <a:lstStyle/>
+          <a:p>
+            <a:pPr marL="0" indent="0">
+              <a:buNone/>
+            </a:pPr>
+            <a:r>
+              <a:rPr lang="zh-CN" altLang="en-US" dirty="0" smtClean="0"/>
+              <a:t>正常开发中，一般不用</a:t>
+            </a:r>
+            <a:r>
+              <a:rPr lang="en-US" altLang="zh-CN" dirty="0" err="1" smtClean="0"/>
+              <a:t>threading.time</a:t>
+            </a:r>
+            <a:r>
+              <a:rPr lang="zh-CN" altLang="en-US" dirty="0" smtClean="0"/>
+              <a:t>或者</a:t>
+            </a:r>
+            <a:r>
+              <a:rPr lang="en-US" altLang="zh-CN" dirty="0" smtClean="0"/>
+              <a:t>timer</a:t>
+            </a:r>
+            <a:r>
+              <a:rPr lang="zh-CN" altLang="en-US" dirty="0" smtClean="0"/>
+              <a:t>或者</a:t>
+            </a:r>
+            <a:r>
+              <a:rPr lang="en-US" altLang="zh-CN" dirty="0" err="1" smtClean="0"/>
+              <a:t>threadpool</a:t>
+            </a:r>
+            <a:r>
+              <a:rPr lang="zh-CN" altLang="en-US" dirty="0" smtClean="0"/>
+              <a:t>的定时器功能，用</a:t>
+            </a:r>
+            <a:r>
+              <a:rPr lang="en-US" altLang="zh-CN" dirty="0" smtClean="0"/>
+              <a:t>quartz</a:t>
+            </a:r>
+            <a:r>
+              <a:rPr lang="zh-CN" altLang="en-US" dirty="0" smtClean="0"/>
+              <a:t>比较多。</a:t>
+            </a:r>
+            <a:endParaRPr lang="en-US" altLang="zh-CN" dirty="0" smtClean="0"/>
+          </a:p>
+        </p:txBody>
+      </p:sp>
+      <p:pic>
+        <p:nvPicPr>
+          <p:cNvPr id="5" name="图片 4"/>
+          <p:cNvPicPr>
+            <a:picLocks noChangeAspect="1"/>
+          </p:cNvPicPr>
+          <p:nvPr/>
+        </p:nvPicPr>
+        <p:blipFill>
+          <a:blip r:embed="rId2"/>
+          <a:stretch>
+            <a:fillRect/>
+          </a:stretch>
+        </p:blipFill>
+        <p:spPr>
+          <a:xfrm>
+            <a:off x="453726" y="1988840"/>
+            <a:ext cx="9734550" cy="2990850"/>
+          </a:xfrm>
+          <a:prstGeom prst="rect">
+            <a:avLst/>
+          </a:prstGeom>
+        </p:spPr>
+      </p:pic>
+    </p:spTree>
+    <p:extLst>
+      <p:ext uri="{BB962C8B-B14F-4D97-AF65-F5344CB8AC3E}">
+        <p14:creationId xmlns:p14="http://schemas.microsoft.com/office/powerpoint/2010/main" val="3572276948"/>
+      </p:ext>
+    </p:extLst>
+  </p:cSld>
+  <p:clrMapOvr>
+    <a:masterClrMapping/>
+  </p:clrMapOvr>
+</p:sld>
+</file>
+
+<file path=ppt/slides/slide13.xml><?xml version="1.0" encoding="utf-8"?>
+<p:sld xmlns:a="http://schemas.openxmlformats.org/drawingml/2006/main" xmlns:r="http://schemas.openxmlformats.org/officeDocument/2006/relationships" xmlns:p="http://schemas.openxmlformats.org/presentationml/2006/main">
+  <p:cSld>
+    <p:spTree>
+      <p:nvGrpSpPr>
+        <p:cNvPr id="1" name=""/>
+        <p:cNvGrpSpPr/>
+        <p:nvPr/>
+      </p:nvGrpSpPr>
+      <p:grpSpPr>
+        <a:xfrm>
+          <a:off x="0" y="0"/>
+          <a:ext cx="0" cy="0"/>
+          <a:chOff x="0" y="0"/>
+          <a:chExt cx="0" cy="0"/>
+        </a:xfrm>
+      </p:grpSpPr>
+      <p:sp>
+        <p:nvSpPr>
+          <p:cNvPr id="2" name="标题 1"/>
+          <p:cNvSpPr>
+            <a:spLocks noGrp="1"/>
+          </p:cNvSpPr>
+          <p:nvPr>
+            <p:ph type="title"/>
+          </p:nvPr>
+        </p:nvSpPr>
+        <p:spPr/>
+        <p:txBody>
+          <a:bodyPr/>
+          <a:lstStyle/>
+          <a:p>
             <a:r>
               <a:rPr lang="en-US" altLang="zh-CN" dirty="0" smtClean="0"/>
               <a:t>Task</a:t>
             </a:r>
-            <a:r>
-              <a:rPr lang="zh-CN" altLang="en-US" dirty="0"/>
-              <a:t>上的</a:t>
+            <a:endParaRPr lang="zh-CN" altLang="en-US" dirty="0"/>
+          </a:p>
+        </p:txBody>
+      </p:sp>
+      <p:sp>
+        <p:nvSpPr>
+          <p:cNvPr id="3" name="内容占位符 2"/>
+          <p:cNvSpPr>
+            <a:spLocks noGrp="1"/>
+          </p:cNvSpPr>
+          <p:nvPr>
+            <p:ph sz="quarter" idx="11"/>
+          </p:nvPr>
+        </p:nvSpPr>
+        <p:spPr/>
+        <p:txBody>
+          <a:bodyPr/>
+          <a:lstStyle/>
+          <a:p>
+            <a:r>
+              <a:rPr lang="en-US" altLang="zh-CN" dirty="0" smtClean="0"/>
+              <a:t>Task</a:t>
+            </a:r>
+            <a:r>
+              <a:rPr lang="zh-CN" altLang="en-US" dirty="0" smtClean="0"/>
+              <a:t>是对</a:t>
+            </a:r>
+            <a:r>
+              <a:rPr lang="en-US" altLang="zh-CN" dirty="0" smtClean="0"/>
+              <a:t>thread</a:t>
+            </a:r>
+            <a:r>
+              <a:rPr lang="zh-CN" altLang="en-US" dirty="0" smtClean="0"/>
+              <a:t>和</a:t>
+            </a:r>
+            <a:r>
+              <a:rPr lang="en-US" altLang="zh-CN" dirty="0" err="1" smtClean="0"/>
+              <a:t>threadpool</a:t>
+            </a:r>
+            <a:r>
+              <a:rPr lang="zh-CN" altLang="en-US" dirty="0" smtClean="0"/>
+              <a:t>的封装</a:t>
+            </a:r>
+            <a:endParaRPr lang="en-US" altLang="zh-CN" dirty="0" smtClean="0"/>
+          </a:p>
+          <a:p>
+            <a:endParaRPr lang="en-US" altLang="zh-CN" dirty="0"/>
+          </a:p>
+          <a:p>
+            <a:r>
+              <a:rPr lang="en-US" altLang="zh-CN" dirty="0" smtClean="0"/>
+              <a:t>Thread:</a:t>
+            </a:r>
+            <a:r>
+              <a:rPr lang="zh-CN" altLang="en-US" dirty="0" smtClean="0"/>
+              <a:t>空间</a:t>
+            </a:r>
+            <a:r>
+              <a:rPr lang="en-US" altLang="zh-CN" dirty="0" smtClean="0"/>
+              <a:t>+</a:t>
+            </a:r>
+            <a:r>
+              <a:rPr lang="zh-CN" altLang="en-US" dirty="0" smtClean="0"/>
+              <a:t>时间开销，使用不当线程过多，造成时间片切换</a:t>
+            </a:r>
+            <a:endParaRPr lang="en-US" altLang="zh-CN" dirty="0" smtClean="0"/>
+          </a:p>
+          <a:p>
+            <a:r>
+              <a:rPr lang="en-US" altLang="zh-CN" dirty="0" err="1" smtClean="0"/>
+              <a:t>Threadpool</a:t>
+            </a:r>
+            <a:r>
+              <a:rPr lang="en-US" altLang="zh-CN" dirty="0" smtClean="0"/>
+              <a:t>:</a:t>
+            </a:r>
+            <a:r>
+              <a:rPr lang="zh-CN" altLang="en-US" dirty="0" smtClean="0"/>
+              <a:t>不能</a:t>
+            </a:r>
+            <a:r>
+              <a:rPr lang="zh-CN" altLang="en-US" dirty="0"/>
+              <a:t>控制线程启动先后顺序，纯用</a:t>
             </a:r>
             <a:r>
               <a:rPr lang="en-US" altLang="zh-CN" dirty="0" err="1"/>
-              <a:t>TaskCreationOptions</a:t>
-            </a:r>
-            <a:r>
-              <a:rPr lang="zh-CN" altLang="en-US" dirty="0"/>
-              <a:t>设置为</a:t>
-            </a:r>
-            <a:r>
-              <a:rPr lang="en-US" altLang="zh-CN" dirty="0" err="1"/>
-              <a:t>LongRunning</a:t>
-            </a:r>
-            <a:r>
-              <a:rPr lang="zh-CN" altLang="en-US" dirty="0" smtClean="0"/>
-              <a:t>的，长</a:t>
-            </a:r>
-            <a:r>
-              <a:rPr lang="zh-CN" altLang="en-US" dirty="0"/>
-              <a:t>时间运行的</a:t>
-            </a:r>
-            <a:r>
-              <a:rPr lang="en-US" altLang="zh-CN" dirty="0"/>
+              <a:t>threadpool</a:t>
+            </a:r>
+            <a:r>
+              <a:rPr lang="zh-CN" altLang="en-US" dirty="0"/>
+              <a:t>不能控制线程</a:t>
+            </a:r>
+            <a:r>
+              <a:rPr lang="zh-CN" altLang="en-US" dirty="0" smtClean="0"/>
+              <a:t>状态</a:t>
+            </a:r>
+            <a:r>
+              <a:rPr lang="en-US" altLang="zh-CN" dirty="0" smtClean="0"/>
+              <a:t>(</a:t>
+            </a:r>
+            <a:r>
+              <a:rPr lang="zh-CN" altLang="en-US" dirty="0" smtClean="0"/>
+              <a:t>延续阻塞超时完成</a:t>
+            </a:r>
+            <a:r>
+              <a:rPr lang="en-US" altLang="zh-CN" dirty="0" smtClean="0"/>
+              <a:t>,</a:t>
+            </a:r>
+            <a:r>
+              <a:rPr lang="zh-CN" altLang="en-US" dirty="0" smtClean="0"/>
+              <a:t>控制权在</a:t>
+            </a:r>
+            <a:r>
+              <a:rPr lang="en-US" altLang="zh-CN" dirty="0" smtClean="0"/>
+              <a:t>CLR</a:t>
+            </a:r>
+            <a:r>
+              <a:rPr lang="zh-CN" altLang="en-US" dirty="0" smtClean="0"/>
+              <a:t>层面</a:t>
+            </a:r>
+            <a:r>
+              <a:rPr lang="en-US" altLang="zh-CN" dirty="0" smtClean="0"/>
+              <a:t>)</a:t>
+            </a:r>
+            <a:endParaRPr lang="en-US" altLang="zh-CN" dirty="0"/>
+          </a:p>
+          <a:p>
+            <a:endParaRPr lang="en-US" altLang="zh-CN" dirty="0" smtClean="0"/>
+          </a:p>
+          <a:p>
+            <a:r>
+              <a:rPr lang="en-US" altLang="zh-CN" dirty="0" err="1" smtClean="0"/>
+              <a:t>.net</a:t>
+            </a:r>
+            <a:r>
+              <a:rPr lang="en-US" altLang="zh-CN" dirty="0" smtClean="0"/>
+              <a:t> 4.0</a:t>
+            </a:r>
+            <a:r>
+              <a:rPr lang="zh-CN" altLang="en-US" dirty="0" smtClean="0"/>
+              <a:t>后微软推荐使用</a:t>
+            </a:r>
+            <a:r>
+              <a:rPr lang="en-US" altLang="zh-CN" dirty="0" smtClean="0"/>
               <a:t>task</a:t>
             </a:r>
             <a:r>
-              <a:rPr lang="zh-CN" altLang="en-US" dirty="0"/>
-              <a:t>占用着</a:t>
-            </a:r>
-            <a:r>
-              <a:rPr lang="en-US" altLang="zh-CN" dirty="0" err="1"/>
-              <a:t>ThreadPool</a:t>
-            </a:r>
-            <a:r>
-              <a:rPr lang="zh-CN" altLang="en-US" dirty="0"/>
-              <a:t>的线程，这时候</a:t>
-            </a:r>
-            <a:r>
-              <a:rPr lang="en-US" altLang="zh-CN" dirty="0" err="1"/>
-              <a:t>ThreadPool</a:t>
-            </a:r>
-            <a:r>
-              <a:rPr lang="zh-CN" altLang="en-US" dirty="0"/>
-              <a:t>为了保证线程充足，会再次开辟一些</a:t>
-            </a:r>
-            <a:r>
-              <a:rPr lang="en-US" altLang="zh-CN" dirty="0"/>
-              <a:t>Thread</a:t>
-            </a:r>
-            <a:r>
-              <a:rPr lang="zh-CN" altLang="en-US" dirty="0"/>
-              <a:t>，如果耗时任务此时释放</a:t>
-            </a:r>
-            <a:r>
-              <a:rPr lang="zh-CN" altLang="en-US" dirty="0" smtClean="0"/>
-              <a:t>了</a:t>
-            </a:r>
-            <a:endParaRPr lang="en-US" altLang="zh-CN" dirty="0" smtClean="0"/>
-          </a:p>
-          <a:p>
+              <a:rPr lang="zh-CN" altLang="en-US" dirty="0" smtClean="0"/>
+              <a:t>替换</a:t>
+            </a:r>
+            <a:r>
+              <a:rPr lang="en-US" altLang="zh-CN" dirty="0" smtClean="0"/>
+              <a:t>thread </a:t>
+            </a:r>
             <a:r>
               <a:rPr lang="en-US" altLang="zh-CN" dirty="0" err="1" smtClean="0"/>
-              <a:t>WaitAny</a:t>
-            </a:r>
-            <a:r>
-              <a:rPr lang="zh-CN" altLang="en-US" dirty="0" smtClean="0"/>
-              <a:t>，首先循环</a:t>
-            </a:r>
-            <a:r>
-              <a:rPr lang="en-US" altLang="zh-CN" dirty="0"/>
-              <a:t>Task[]</a:t>
-            </a:r>
-            <a:r>
-              <a:rPr lang="zh-CN" altLang="en-US" dirty="0"/>
-              <a:t>，检查里面是否有</a:t>
-            </a:r>
-            <a:r>
-              <a:rPr lang="en-US" altLang="zh-CN" dirty="0"/>
-              <a:t>Task</a:t>
-            </a:r>
-            <a:r>
-              <a:rPr lang="zh-CN" altLang="en-US" dirty="0"/>
-              <a:t>已经完成，如果有则直接</a:t>
-            </a:r>
-            <a:r>
-              <a:rPr lang="zh-CN" altLang="en-US" dirty="0" smtClean="0"/>
-              <a:t>返回，否</a:t>
-            </a:r>
-            <a:r>
-              <a:rPr lang="zh-CN" altLang="en-US" dirty="0"/>
-              <a:t>者我们调用</a:t>
-            </a:r>
-            <a:r>
-              <a:rPr lang="en-US" altLang="zh-CN" dirty="0"/>
-              <a:t>Task&lt;Task&gt; </a:t>
-            </a:r>
-            <a:r>
-              <a:rPr lang="en-US" altLang="zh-CN" dirty="0" err="1"/>
-              <a:t>firstCompleted</a:t>
-            </a:r>
-            <a:r>
-              <a:rPr lang="en-US" altLang="zh-CN" dirty="0"/>
-              <a:t> = </a:t>
-            </a:r>
-            <a:r>
-              <a:rPr lang="en-US" altLang="zh-CN" dirty="0" err="1"/>
-              <a:t>TaskFactory.CommonCWAnyLogic</a:t>
-            </a:r>
-            <a:r>
-              <a:rPr lang="en-US" altLang="zh-CN" dirty="0"/>
-              <a:t>(tasks);</a:t>
-            </a:r>
-            <a:r>
-              <a:rPr lang="zh-CN" altLang="en-US" dirty="0"/>
-              <a:t>返回一个</a:t>
-            </a:r>
-            <a:r>
-              <a:rPr lang="en-US" altLang="zh-CN" dirty="0"/>
-              <a:t>Task</a:t>
-            </a:r>
-            <a:r>
-              <a:rPr lang="zh-CN" altLang="en-US" dirty="0"/>
-              <a:t>，然后调用该</a:t>
-            </a:r>
-            <a:r>
-              <a:rPr lang="en-US" altLang="zh-CN" dirty="0"/>
-              <a:t>Task</a:t>
-            </a:r>
-            <a:r>
-              <a:rPr lang="zh-CN" altLang="en-US" dirty="0"/>
-              <a:t>的</a:t>
-            </a:r>
-            <a:r>
-              <a:rPr lang="en-US" altLang="zh-CN" dirty="0"/>
-              <a:t>Wait</a:t>
-            </a:r>
-            <a:r>
-              <a:rPr lang="zh-CN" altLang="en-US" dirty="0"/>
-              <a:t>方法</a:t>
-            </a:r>
-            <a:endParaRPr lang="en-US" altLang="zh-CN" dirty="0" smtClean="0"/>
-          </a:p>
-          <a:p>
-            <a:r>
-              <a:rPr lang="en-US" altLang="zh-CN" dirty="0" err="1" smtClean="0"/>
-              <a:t>WaitAll</a:t>
-            </a:r>
-            <a:r>
-              <a:rPr lang="en-US" altLang="zh-CN" dirty="0" smtClean="0"/>
-              <a:t>,</a:t>
-            </a:r>
-            <a:r>
-              <a:rPr lang="zh-CN" altLang="en-US" dirty="0"/>
-              <a:t>检查</a:t>
-            </a:r>
-            <a:r>
-              <a:rPr lang="en-US" altLang="zh-CN" dirty="0"/>
-              <a:t>Task</a:t>
-            </a:r>
-            <a:r>
-              <a:rPr lang="zh-CN" altLang="en-US" dirty="0"/>
-              <a:t>数组中每个</a:t>
-            </a:r>
-            <a:r>
-              <a:rPr lang="en-US" altLang="zh-CN" dirty="0"/>
-              <a:t>Task</a:t>
-            </a:r>
-            <a:r>
-              <a:rPr lang="zh-CN" altLang="en-US" dirty="0"/>
-              <a:t>实例，检查</a:t>
-            </a:r>
-            <a:r>
-              <a:rPr lang="en-US" altLang="zh-CN" dirty="0"/>
-              <a:t>Task</a:t>
-            </a:r>
-            <a:r>
-              <a:rPr lang="zh-CN" altLang="en-US" dirty="0"/>
-              <a:t>是否已经完成，如果没有完成就把</a:t>
-            </a:r>
-            <a:r>
-              <a:rPr lang="en-US" altLang="zh-CN" dirty="0"/>
-              <a:t>Task</a:t>
-            </a:r>
-            <a:r>
-              <a:rPr lang="zh-CN" altLang="en-US" dirty="0"/>
-              <a:t>添加到</a:t>
-            </a:r>
-            <a:r>
-              <a:rPr lang="en-US" altLang="zh-CN" dirty="0" err="1"/>
-              <a:t>waitedOnTaskList</a:t>
-            </a:r>
-            <a:r>
-              <a:rPr lang="zh-CN" altLang="en-US" dirty="0"/>
-              <a:t>集合</a:t>
-            </a:r>
-            <a:r>
-              <a:rPr lang="zh-CN" altLang="en-US" dirty="0" smtClean="0"/>
-              <a:t>中</a:t>
-            </a:r>
-            <a:r>
-              <a:rPr lang="en-US" altLang="zh-CN" dirty="0" smtClean="0"/>
-              <a:t>,</a:t>
-            </a:r>
-            <a:r>
-              <a:rPr lang="zh-CN" altLang="en-US" dirty="0"/>
-              <a:t>如果</a:t>
-            </a:r>
-            <a:r>
-              <a:rPr lang="en-US" altLang="zh-CN" dirty="0" err="1"/>
-              <a:t>waitedOnTaskList</a:t>
-            </a:r>
-            <a:r>
-              <a:rPr lang="zh-CN" altLang="en-US" dirty="0"/>
-              <a:t>集合有元素那么，我们就调用</a:t>
-            </a:r>
-            <a:r>
-              <a:rPr lang="en-US" altLang="zh-CN" dirty="0" err="1"/>
-              <a:t>WaitAllBlockingCore</a:t>
-            </a:r>
-            <a:r>
-              <a:rPr lang="zh-CN" altLang="en-US" dirty="0"/>
-              <a:t>来实现真正的</a:t>
-            </a:r>
-            <a:r>
-              <a:rPr lang="zh-CN" altLang="en-US" dirty="0" smtClean="0"/>
-              <a:t>等待</a:t>
+              <a:t>threadpool</a:t>
             </a:r>
             <a:endParaRPr lang="zh-CN" altLang="en-US" dirty="0"/>
           </a:p>
@@ -5646,6 +5897,11 @@
         </p:txBody>
       </p:sp>
     </p:spTree>
+    <p:extLst>
+      <p:ext uri="{BB962C8B-B14F-4D97-AF65-F5344CB8AC3E}">
+        <p14:creationId xmlns:p14="http://schemas.microsoft.com/office/powerpoint/2010/main" val="2335562467"/>
+      </p:ext>
+    </p:extLst>
   </p:cSld>
   <p:clrMapOvr>
     <a:masterClrMapping/>
@@ -5653,7 +5909,7 @@
 </p:sld>
 </file>
 
-<file path=ppt/slides/slide12.xml><?xml version="1.0" encoding="utf-8"?>
+<file path=ppt/slides/slide14.xml><?xml version="1.0" encoding="utf-8"?>
 <p:sld xmlns:a="http://schemas.openxmlformats.org/drawingml/2006/main" xmlns:r="http://schemas.openxmlformats.org/officeDocument/2006/relationships" xmlns:p="http://schemas.openxmlformats.org/presentationml/2006/main">
   <p:cSld>
     <p:spTree>
@@ -5687,7 +5943,11 @@
           <a:p>
             <a:r>
               <a:rPr lang="en-US" altLang="zh-CN" dirty="0" smtClean="0"/>
-              <a:t>Task</a:t>
+              <a:t>Task </a:t>
+            </a:r>
+            <a:r>
+              <a:rPr lang="zh-CN" altLang="en-US" dirty="0" smtClean="0"/>
+              <a:t>使用方法</a:t>
             </a:r>
             <a:endParaRPr lang="zh-CN" altLang="en-US" dirty="0"/>
           </a:p>
@@ -5709,397 +5969,18 @@
           <a:lstStyle/>
           <a:p>
             <a:r>
-              <a:rPr lang="en-US" altLang="zh-CN" dirty="0" err="1" smtClean="0"/>
-              <a:t>WhenAll:</a:t>
-            </a:r>
-            <a:r>
-              <a:rPr lang="en-US" altLang="zh-CN" sz="2400" dirty="0" err="1" smtClean="0"/>
-              <a:t>WhenAll</a:t>
-            </a:r>
-            <a:r>
-              <a:rPr lang="en-US" altLang="zh-CN" sz="2400" dirty="0" smtClean="0"/>
-              <a:t> </a:t>
-            </a:r>
-            <a:r>
-              <a:rPr lang="zh-CN" altLang="en-US" sz="2400" dirty="0"/>
-              <a:t>是创建一个异步（不阻塞当前线程）的</a:t>
-            </a:r>
-            <a:r>
-              <a:rPr lang="en-US" altLang="zh-CN" sz="2400" dirty="0"/>
+              <a:rPr lang="en-US" altLang="zh-CN" dirty="0" smtClean="0"/>
               <a:t>Task</a:t>
             </a:r>
             <a:r>
-              <a:rPr lang="zh-CN" altLang="en-US" sz="2400" dirty="0"/>
-              <a:t>，这个</a:t>
-            </a:r>
-            <a:r>
-              <a:rPr lang="en-US" altLang="zh-CN" sz="2400" dirty="0"/>
-              <a:t>Task</a:t>
-            </a:r>
-            <a:r>
-              <a:rPr lang="zh-CN" altLang="en-US" sz="2400" dirty="0"/>
-              <a:t>等待所有其他任务完毕</a:t>
-            </a:r>
-            <a:endParaRPr lang="en-US" altLang="zh-CN" sz="2400" dirty="0"/>
-          </a:p>
-          <a:p>
-            <a:pPr lvl="0"/>
-            <a:r>
-              <a:rPr lang="zh-CN" altLang="zh-CN" sz="2400" dirty="0" smtClean="0">
-                <a:solidFill>
-                  <a:srgbClr val="000000"/>
-                </a:solidFill>
-                <a:latin typeface="Courier New" panose="02070309020205020404" pitchFamily="49" charset="0"/>
-                <a:cs typeface="Courier New" panose="02070309020205020404" pitchFamily="49" charset="0"/>
-              </a:rPr>
-              <a:t>Task</a:t>
-            </a:r>
-            <a:r>
-              <a:rPr lang="zh-CN" altLang="zh-CN" sz="2400" dirty="0">
-                <a:solidFill>
-                  <a:srgbClr val="000000"/>
-                </a:solidFill>
-                <a:latin typeface="Courier New" panose="02070309020205020404" pitchFamily="49" charset="0"/>
-                <a:cs typeface="Courier New" panose="02070309020205020404" pitchFamily="49" charset="0"/>
-              </a:rPr>
-              <a:t>.WhenAll(task1, task2).ContinueWith</a:t>
-            </a:r>
-            <a:r>
-              <a:rPr lang="zh-CN" altLang="zh-CN" sz="800" dirty="0"/>
-              <a:t> </a:t>
-            </a:r>
-            <a:r>
-              <a:rPr lang="zh-CN" altLang="en-US" sz="800" dirty="0" smtClean="0"/>
-              <a:t>，</a:t>
-            </a:r>
-            <a:r>
-              <a:rPr lang="en-US" altLang="zh-CN" sz="800" dirty="0" smtClean="0">
-                <a:latin typeface="Arial" panose="020B0604020202020204" pitchFamily="34" charset="0"/>
-              </a:rPr>
-              <a:t>+</a:t>
-            </a:r>
-            <a:endParaRPr lang="zh-CN" altLang="zh-CN" sz="5400" dirty="0">
-              <a:latin typeface="Arial" panose="020B0604020202020204" pitchFamily="34" charset="0"/>
-            </a:endParaRPr>
-          </a:p>
-          <a:p>
-            <a:endParaRPr lang="zh-CN" altLang="en-US" dirty="0"/>
-          </a:p>
-        </p:txBody>
-      </p:sp>
-      <p:sp>
-        <p:nvSpPr>
-          <p:cNvPr id="4" name="Rectangle 1"/>
-          <p:cNvSpPr>
-            <a:spLocks noChangeArrowheads="1"/>
-          </p:cNvSpPr>
-          <p:nvPr/>
-        </p:nvSpPr>
-        <p:spPr bwMode="auto">
-          <a:xfrm>
-            <a:off x="0" y="90100"/>
-            <a:ext cx="65" cy="276999"/>
-          </a:xfrm>
-          <a:prstGeom prst="rect">
-            <a:avLst/>
-          </a:prstGeom>
-          <a:noFill/>
-          <a:ln>
-            <a:noFill/>
-          </a:ln>
-          <a:effectLst/>
-          <a:extLst>
-            <a:ext uri="{909E8E84-426E-40DD-AFC4-6F175D3DCCD1}">
-              <a14:hiddenFill xmlns:a14="http://schemas.microsoft.com/office/drawing/2010/main">
-                <a:solidFill>
-                  <a:schemeClr val="accent1"/>
-                </a:solidFill>
-              </a14:hiddenFill>
-            </a:ext>
-            <a:ext uri="{91240B29-F687-4F45-9708-019B960494DF}">
-              <a14:hiddenLine xmlns:a14="http://schemas.microsoft.com/office/drawing/2010/main" w="9525">
-                <a:solidFill>
-                  <a:schemeClr val="tx1"/>
-                </a:solidFill>
-                <a:miter lim="800000"/>
-                <a:headEnd/>
-                <a:tailEnd/>
-              </a14:hiddenLine>
-            </a:ext>
-            <a:ext uri="{AF507438-7753-43E0-B8FC-AC1667EBCBE1}">
-              <a14:hiddenEffects xmlns:a14="http://schemas.microsoft.com/office/drawing/2010/main">
-                <a:effectLst>
-                  <a:outerShdw dist="35921" dir="2700000" algn="ctr" rotWithShape="0">
-                    <a:schemeClr val="bg2"/>
-                  </a:outerShdw>
-                </a:effectLst>
-              </a14:hiddenEffects>
-            </a:ext>
-          </a:extLst>
-        </p:spPr>
-        <p:txBody>
-          <a:bodyPr vert="horz" wrap="none" lIns="0" tIns="0" rIns="0" bIns="0" numCol="1" anchor="ctr" anchorCtr="0" compatLnSpc="1">
-            <a:spAutoFit/>
-          </a:bodyPr>
-          <a:lstStyle/>
-          <a:p>
-            <a:pPr marL="0" marR="0" lvl="0" indent="0" algn="l" defTabSz="914400" rtl="0" eaLnBrk="0" fontAlgn="base" latinLnBrk="0" hangingPunct="0">
-              <a:lnSpc>
-                <a:spcPct val="100000"/>
-              </a:lnSpc>
-              <a:spcBef>
-                <a:spcPct val="0"/>
-              </a:spcBef>
-              <a:spcAft>
-                <a:spcPct val="0"/>
-              </a:spcAft>
-              <a:buClrTx/>
-              <a:buSzTx/>
-              <a:buFontTx/>
-              <a:buNone/>
-            </a:pPr>
-            <a:endParaRPr kumimoji="0" lang="zh-CN" altLang="zh-CN" sz="1800" b="0" i="0" u="none" strike="noStrike" cap="none" normalizeH="0" baseline="0" dirty="0" smtClean="0">
-              <a:ln>
-                <a:noFill/>
-              </a:ln>
-              <a:solidFill>
-                <a:schemeClr val="tx1"/>
-              </a:solidFill>
-              <a:effectLst/>
-              <a:latin typeface="Arial" panose="020B0604020202020204" pitchFamily="34" charset="0"/>
-            </a:endParaRPr>
-          </a:p>
-        </p:txBody>
-      </p:sp>
-      <p:sp>
-        <p:nvSpPr>
-          <p:cNvPr id="5" name="Rectangle 2"/>
-          <p:cNvSpPr>
-            <a:spLocks noChangeArrowheads="1"/>
-          </p:cNvSpPr>
-          <p:nvPr/>
-        </p:nvSpPr>
-        <p:spPr bwMode="auto">
-          <a:xfrm>
-            <a:off x="152400" y="242500"/>
-            <a:ext cx="9144000" cy="276999"/>
-          </a:xfrm>
-          <a:prstGeom prst="rect">
-            <a:avLst/>
-          </a:prstGeom>
-          <a:noFill/>
-          <a:ln>
-            <a:noFill/>
-          </a:ln>
-          <a:effectLst/>
-          <a:extLst>
-            <a:ext uri="{909E8E84-426E-40DD-AFC4-6F175D3DCCD1}">
-              <a14:hiddenFill xmlns:a14="http://schemas.microsoft.com/office/drawing/2010/main">
-                <a:solidFill>
-                  <a:schemeClr val="accent1"/>
-                </a:solidFill>
-              </a14:hiddenFill>
-            </a:ext>
-            <a:ext uri="{91240B29-F687-4F45-9708-019B960494DF}">
-              <a14:hiddenLine xmlns:a14="http://schemas.microsoft.com/office/drawing/2010/main" w="9525">
-                <a:solidFill>
-                  <a:schemeClr val="tx1"/>
-                </a:solidFill>
-                <a:miter lim="800000"/>
-                <a:headEnd/>
-                <a:tailEnd/>
-              </a14:hiddenLine>
-            </a:ext>
-            <a:ext uri="{AF507438-7753-43E0-B8FC-AC1667EBCBE1}">
-              <a14:hiddenEffects xmlns:a14="http://schemas.microsoft.com/office/drawing/2010/main">
-                <a:effectLst>
-                  <a:outerShdw dist="35921" dir="2700000" algn="ctr" rotWithShape="0">
-                    <a:schemeClr val="bg2"/>
-                  </a:outerShdw>
-                </a:effectLst>
-              </a14:hiddenEffects>
-            </a:ext>
-          </a:extLst>
-        </p:spPr>
-        <p:txBody>
-          <a:bodyPr vert="horz" wrap="square" lIns="0" tIns="0" rIns="0" bIns="0" numCol="1" anchor="ctr" anchorCtr="0" compatLnSpc="1">
-            <a:spAutoFit/>
-          </a:bodyPr>
-          <a:lstStyle/>
-          <a:p>
-            <a:pPr marL="0" marR="0" lvl="0" indent="0" algn="l" defTabSz="914400" rtl="0" eaLnBrk="0" fontAlgn="base" latinLnBrk="0" hangingPunct="0">
-              <a:lnSpc>
-                <a:spcPct val="100000"/>
-              </a:lnSpc>
-              <a:spcBef>
-                <a:spcPct val="0"/>
-              </a:spcBef>
-              <a:spcAft>
-                <a:spcPct val="0"/>
-              </a:spcAft>
-              <a:buClrTx/>
-              <a:buSzTx/>
-              <a:buFontTx/>
-              <a:buNone/>
-            </a:pPr>
-            <a:endParaRPr kumimoji="0" lang="zh-CN" altLang="zh-CN" sz="1800" b="0" i="0" u="none" strike="noStrike" cap="none" normalizeH="0" baseline="0" dirty="0" smtClean="0">
-              <a:ln>
-                <a:noFill/>
-              </a:ln>
-              <a:solidFill>
-                <a:schemeClr val="tx1"/>
-              </a:solidFill>
-              <a:effectLst/>
-              <a:latin typeface="Arial" panose="020B0604020202020204" pitchFamily="34" charset="0"/>
-            </a:endParaRPr>
-          </a:p>
-        </p:txBody>
-      </p:sp>
-    </p:spTree>
-  </p:cSld>
-  <p:clrMapOvr>
-    <a:masterClrMapping/>
-  </p:clrMapOvr>
-</p:sld>
-</file>
-
-<file path=ppt/slides/slide13.xml><?xml version="1.0" encoding="utf-8"?>
-<p:sld xmlns:a="http://schemas.openxmlformats.org/drawingml/2006/main" xmlns:r="http://schemas.openxmlformats.org/officeDocument/2006/relationships" xmlns:p="http://schemas.openxmlformats.org/presentationml/2006/main">
-  <p:cSld>
-    <p:spTree>
-      <p:nvGrpSpPr>
-        <p:cNvPr id="1" name=""/>
-        <p:cNvGrpSpPr/>
-        <p:nvPr/>
-      </p:nvGrpSpPr>
-      <p:grpSpPr>
-        <a:xfrm>
-          <a:off x="0" y="0"/>
-          <a:ext cx="0" cy="0"/>
-          <a:chOff x="0" y="0"/>
-          <a:chExt cx="0" cy="0"/>
-        </a:xfrm>
-      </p:grpSpPr>
-      <p:sp>
-        <p:nvSpPr>
-          <p:cNvPr id="2" name="标题 1"/>
-          <p:cNvSpPr>
-            <a:spLocks noGrp="1"/>
-          </p:cNvSpPr>
-          <p:nvPr>
-            <p:ph type="title"/>
-          </p:nvPr>
-        </p:nvSpPr>
-        <p:spPr/>
-        <p:txBody>
-          <a:bodyPr/>
-          <a:lstStyle/>
-          <a:p>
-            <a:r>
-              <a:rPr lang="zh-CN" altLang="en-US" dirty="0" smtClean="0"/>
-              <a:t>多线程间的同步</a:t>
-            </a:r>
-            <a:endParaRPr lang="zh-CN" altLang="en-US" dirty="0"/>
-          </a:p>
-        </p:txBody>
-      </p:sp>
-      <p:sp>
-        <p:nvSpPr>
-          <p:cNvPr id="3" name="内容占位符 2"/>
-          <p:cNvSpPr>
-            <a:spLocks noGrp="1"/>
-          </p:cNvSpPr>
-          <p:nvPr>
-            <p:ph sz="quarter" idx="11"/>
-          </p:nvPr>
-        </p:nvSpPr>
-        <p:spPr/>
-        <p:txBody>
-          <a:bodyPr/>
-          <a:lstStyle/>
-          <a:p>
-            <a:r>
-              <a:rPr lang="en-US" altLang="zh-CN" dirty="0" smtClean="0"/>
-              <a:t>1.</a:t>
-            </a:r>
-            <a:r>
-              <a:rPr lang="zh-CN" altLang="en-US" dirty="0" smtClean="0"/>
-              <a:t>锁机制（</a:t>
-            </a:r>
-            <a:r>
-              <a:rPr lang="en-US" altLang="zh-CN" dirty="0" smtClean="0"/>
-              <a:t>Monitor, </a:t>
-            </a:r>
-            <a:r>
-              <a:rPr lang="en-US" altLang="zh-CN" dirty="0" err="1"/>
-              <a:t>ReaderWriterLock</a:t>
-            </a:r>
-            <a:r>
-              <a:rPr lang="zh-CN" altLang="en-US" dirty="0" smtClean="0"/>
-              <a:t>）</a:t>
+              <a:rPr lang="zh-CN" altLang="en-US" dirty="0" smtClean="0"/>
+              <a:t>启动的几种方法：</a:t>
+            </a:r>
+            <a:r>
+              <a:rPr lang="en-US" altLang="zh-CN" dirty="0"/>
+              <a:t>ConsoleApplication10</a:t>
             </a:r>
             <a:endParaRPr lang="en-US" altLang="zh-CN" dirty="0" smtClean="0"/>
-          </a:p>
-          <a:p>
-            <a:r>
-              <a:rPr lang="en-US" altLang="zh-CN" dirty="0" smtClean="0"/>
-              <a:t>2.thread.join</a:t>
-            </a:r>
-            <a:endParaRPr lang="en-US" altLang="zh-CN" dirty="0" smtClean="0"/>
-          </a:p>
-          <a:p>
-            <a:r>
-              <a:rPr lang="en-US" altLang="zh-CN" dirty="0" smtClean="0"/>
-              <a:t>3.</a:t>
-            </a:r>
-            <a:r>
-              <a:rPr lang="zh-CN" altLang="en-US" dirty="0" smtClean="0"/>
-              <a:t>互斥</a:t>
-            </a:r>
-            <a:r>
-              <a:rPr lang="en-US" altLang="zh-CN" dirty="0" err="1" smtClean="0"/>
-              <a:t>mutex</a:t>
-            </a:r>
-            <a:endParaRPr lang="en-US" altLang="zh-CN" dirty="0" smtClean="0"/>
-          </a:p>
-          <a:p>
-            <a:r>
-              <a:rPr lang="en-US" altLang="zh-CN" dirty="0" smtClean="0"/>
-              <a:t>4.</a:t>
-            </a:r>
-            <a:r>
-              <a:rPr lang="zh-CN" altLang="en-US" dirty="0" smtClean="0"/>
-              <a:t>信号量（</a:t>
-            </a:r>
-            <a:r>
-              <a:rPr lang="en-US" altLang="zh-CN" dirty="0" err="1" smtClean="0"/>
-              <a:t>ManualResetEvent</a:t>
-            </a:r>
-            <a:r>
-              <a:rPr lang="zh-CN" altLang="en-US" dirty="0" smtClean="0"/>
-              <a:t>、</a:t>
-            </a:r>
-            <a:r>
-              <a:rPr lang="en-US" altLang="zh-CN" dirty="0" err="1" smtClean="0"/>
-              <a:t>AutoResetEvent</a:t>
-            </a:r>
-            <a:r>
-              <a:rPr lang="zh-CN" altLang="en-US" dirty="0" smtClean="0"/>
-              <a:t>、</a:t>
-            </a:r>
-            <a:r>
-              <a:rPr lang="en-US" altLang="zh-CN" dirty="0"/>
-              <a:t> </a:t>
-            </a:r>
-            <a:r>
-              <a:rPr lang="en-US" altLang="zh-CN" dirty="0" smtClean="0"/>
-              <a:t>Semaphore</a:t>
-            </a:r>
-            <a:r>
-              <a:rPr lang="zh-CN" altLang="en-US" dirty="0" smtClean="0"/>
-              <a:t>）</a:t>
-            </a:r>
-            <a:endParaRPr lang="zh-CN" altLang="en-US" dirty="0"/>
           </a:p>
         </p:txBody>
       </p:sp>
@@ -6186,7 +6067,7 @@
                 <a:latin typeface="Courier New" panose="02070309020205020404" pitchFamily="49" charset="0"/>
                 <a:cs typeface="Courier New" panose="02070309020205020404" pitchFamily="49" charset="0"/>
               </a:rPr>
-              <a:t>WaitOne</a:t>
+              <a:t>Task.WhenAll(task1, task2).ContinueWith</a:t>
             </a:r>
             <a:r>
               <a:rPr kumimoji="0" lang="zh-CN" altLang="zh-CN" sz="600" b="0" i="0" u="none" strike="noStrike" cap="none" normalizeH="0" baseline="0" smtClean="0">
@@ -6213,168 +6094,122 @@
           </a:p>
         </p:txBody>
       </p:sp>
-    </p:spTree>
-  </p:cSld>
-  <p:clrMapOvr>
-    <a:masterClrMapping/>
-  </p:clrMapOvr>
-</p:sld>
-</file>
-
-<file path=ppt/slides/slide14.xml><?xml version="1.0" encoding="utf-8"?>
-<p:sld xmlns:a="http://schemas.openxmlformats.org/drawingml/2006/main" xmlns:r="http://schemas.openxmlformats.org/officeDocument/2006/relationships" xmlns:p="http://schemas.openxmlformats.org/presentationml/2006/main">
-  <p:cSld>
-    <p:spTree>
-      <p:nvGrpSpPr>
-        <p:cNvPr id="1" name=""/>
-        <p:cNvGrpSpPr/>
-        <p:nvPr/>
-      </p:nvGrpSpPr>
-      <p:grpSpPr>
-        <a:xfrm>
-          <a:off x="0" y="0"/>
-          <a:ext cx="0" cy="0"/>
-          <a:chOff x="0" y="0"/>
-          <a:chExt cx="0" cy="0"/>
-        </a:xfrm>
-      </p:grpSpPr>
       <p:sp>
         <p:nvSpPr>
-          <p:cNvPr id="2" name="标题 1"/>
+          <p:cNvPr id="5" name="Rectangle 2"/>
           <p:cNvSpPr>
-            <a:spLocks noGrp="1"/>
+            <a:spLocks noChangeArrowheads="1"/>
           </p:cNvSpPr>
-          <p:nvPr>
-            <p:ph type="title"/>
-          </p:nvPr>
+          <p:nvPr/>
         </p:nvSpPr>
-        <p:spPr/>
+        <p:spPr bwMode="auto">
+          <a:xfrm>
+            <a:off x="152400" y="152400"/>
+            <a:ext cx="9144000" cy="457200"/>
+          </a:xfrm>
+          <a:prstGeom prst="rect">
+            <a:avLst/>
+          </a:prstGeom>
+          <a:noFill/>
+          <a:ln>
+            <a:noFill/>
+          </a:ln>
+          <a:effectLst/>
+          <a:extLst>
+            <a:ext uri="{909E8E84-426E-40DD-AFC4-6F175D3DCCD1}">
+              <a14:hiddenFill xmlns:a14="http://schemas.microsoft.com/office/drawing/2010/main">
+                <a:solidFill>
+                  <a:schemeClr val="accent1"/>
+                </a:solidFill>
+              </a14:hiddenFill>
+            </a:ext>
+            <a:ext uri="{91240B29-F687-4F45-9708-019B960494DF}">
+              <a14:hiddenLine xmlns:a14="http://schemas.microsoft.com/office/drawing/2010/main" w="9525">
+                <a:solidFill>
+                  <a:schemeClr val="tx1"/>
+                </a:solidFill>
+                <a:miter lim="800000"/>
+                <a:headEnd/>
+                <a:tailEnd/>
+              </a14:hiddenLine>
+            </a:ext>
+            <a:ext uri="{AF507438-7753-43E0-B8FC-AC1667EBCBE1}">
+              <a14:hiddenEffects xmlns:a14="http://schemas.microsoft.com/office/drawing/2010/main">
+                <a:effectLst>
+                  <a:outerShdw dist="35921" dir="2700000" algn="ctr" rotWithShape="0">
+                    <a:schemeClr val="bg2"/>
+                  </a:outerShdw>
+                </a:effectLst>
+              </a14:hiddenEffects>
+            </a:ext>
+          </a:extLst>
+        </p:spPr>
         <p:txBody>
-          <a:bodyPr/>
+          <a:bodyPr vert="horz" wrap="none" lIns="0" tIns="0" rIns="0" bIns="0" numCol="1" anchor="ctr" anchorCtr="0" compatLnSpc="1">
+            <a:spAutoFit/>
+          </a:bodyPr>
           <a:lstStyle/>
           <a:p>
-            <a:r>
-              <a:rPr lang="en-US" altLang="zh-CN" dirty="0"/>
-              <a:t>Asynchronous Programming Model APM</a:t>
-            </a:r>
-            <a:endParaRPr lang="zh-CN" altLang="en-US" dirty="0"/>
-          </a:p>
-        </p:txBody>
-      </p:sp>
-      <p:sp>
-        <p:nvSpPr>
-          <p:cNvPr id="3" name="内容占位符 2"/>
-          <p:cNvSpPr>
-            <a:spLocks noGrp="1"/>
-          </p:cNvSpPr>
-          <p:nvPr>
-            <p:ph sz="quarter" idx="11"/>
-          </p:nvPr>
-        </p:nvSpPr>
-        <p:spPr/>
-        <p:txBody>
-          <a:bodyPr/>
-          <a:lstStyle/>
-          <a:p>
-            <a:r>
-              <a:rPr lang="en-US" altLang="zh-CN" dirty="0"/>
-              <a:t>– </a:t>
-            </a:r>
-            <a:r>
-              <a:rPr lang="zh-CN" altLang="en-US" dirty="0"/>
-              <a:t>异步编程模型</a:t>
-            </a:r>
-            <a:r>
-              <a:rPr lang="en-US" altLang="zh-CN" dirty="0"/>
-              <a:t>(Asynchronous Programming Model APM) </a:t>
-            </a:r>
-            <a:endParaRPr lang="en-US" altLang="zh-CN" dirty="0"/>
-          </a:p>
-          <a:p>
-            <a:r>
-              <a:rPr lang="en-US" altLang="zh-CN" dirty="0" err="1"/>
-              <a:t>.Net</a:t>
-            </a:r>
-            <a:r>
-              <a:rPr lang="en-US" altLang="zh-CN" dirty="0"/>
-              <a:t> Framework 1 </a:t>
-            </a:r>
-            <a:r>
-              <a:rPr lang="zh-CN" altLang="en-US" dirty="0"/>
-              <a:t>已经引入了这个模式，也称</a:t>
-            </a:r>
-            <a:r>
-              <a:rPr lang="en-US" altLang="zh-CN" dirty="0"/>
-              <a:t>Begin/End </a:t>
-            </a:r>
-            <a:r>
-              <a:rPr lang="zh-CN" altLang="en-US" dirty="0"/>
-              <a:t>模式。一个 以</a:t>
-            </a:r>
-            <a:r>
-              <a:rPr lang="en-US" altLang="zh-CN" dirty="0"/>
-              <a:t>Begin</a:t>
-            </a:r>
-            <a:r>
-              <a:rPr lang="zh-CN" altLang="en-US" dirty="0"/>
-              <a:t>为前缀 的方法加载异步执行，并返回一个</a:t>
-            </a:r>
-            <a:r>
-              <a:rPr lang="en-US" altLang="zh-CN" dirty="0" err="1"/>
-              <a:t>System.IAsyncResult</a:t>
-            </a:r>
-            <a:r>
-              <a:rPr lang="zh-CN" altLang="en-US" dirty="0"/>
-              <a:t>对象，这个对象表示这个异步操作的状态。</a:t>
-            </a:r>
-            <a:r>
-              <a:rPr lang="en-US" altLang="zh-CN" dirty="0"/>
-              <a:t>Begin</a:t>
-            </a:r>
-            <a:r>
-              <a:rPr lang="zh-CN" altLang="en-US" dirty="0"/>
-              <a:t>方法可以接受一些与异步操作相关的参数，和一个</a:t>
-            </a:r>
-            <a:r>
-              <a:rPr lang="en-US" altLang="zh-CN" dirty="0" err="1"/>
-              <a:t>System.AsyncCallback</a:t>
-            </a:r>
-            <a:r>
-              <a:rPr lang="zh-CN" altLang="en-US" dirty="0"/>
-              <a:t>对象。这个对象表示异步操作结束时要调用的方法。然后可以调用以</a:t>
-            </a:r>
-            <a:r>
-              <a:rPr lang="en-US" altLang="zh-CN" dirty="0"/>
-              <a:t>End</a:t>
-            </a:r>
-            <a:r>
-              <a:rPr lang="zh-CN" altLang="en-US" dirty="0"/>
-              <a:t>为前缀的方法，以</a:t>
-            </a:r>
-            <a:r>
-              <a:rPr lang="en-US" altLang="zh-CN" dirty="0"/>
-              <a:t>End</a:t>
-            </a:r>
-            <a:r>
-              <a:rPr lang="zh-CN" altLang="en-US" dirty="0"/>
-              <a:t>为前缀的方法会阻塞当前任务或线程，直到</a:t>
-            </a:r>
-            <a:r>
-              <a:rPr lang="en-US" altLang="zh-CN" dirty="0"/>
-              <a:t>I/O</a:t>
-            </a:r>
-            <a:r>
-              <a:rPr lang="zh-CN" altLang="en-US" dirty="0"/>
-              <a:t>线程完成。它还可以返回操作结果相关的信息。</a:t>
-            </a:r>
-            <a:endParaRPr lang="zh-CN" altLang="en-US" dirty="0"/>
-          </a:p>
-          <a:p>
-            <a:endParaRPr lang="zh-CN" altLang="en-US" dirty="0"/>
+            <a:pPr marL="0" marR="0" lvl="0" indent="0" algn="l" defTabSz="914400" rtl="0" eaLnBrk="0" fontAlgn="base" latinLnBrk="0" hangingPunct="0">
+              <a:lnSpc>
+                <a:spcPct val="100000"/>
+              </a:lnSpc>
+              <a:spcBef>
+                <a:spcPct val="0"/>
+              </a:spcBef>
+              <a:spcAft>
+                <a:spcPct val="0"/>
+              </a:spcAft>
+              <a:buClrTx/>
+              <a:buSzTx/>
+              <a:buFontTx/>
+              <a:buNone/>
+            </a:pPr>
+            <a:r>
+              <a:rPr kumimoji="0" lang="zh-CN" altLang="zh-CN" sz="900" b="0" i="0" u="none" strike="noStrike" cap="none" normalizeH="0" baseline="0" smtClean="0">
+                <a:ln>
+                  <a:noFill/>
+                </a:ln>
+                <a:solidFill>
+                  <a:srgbClr val="000000"/>
+                </a:solidFill>
+                <a:effectLst/>
+                <a:latin typeface="Courier New" panose="02070309020205020404" pitchFamily="49" charset="0"/>
+                <a:cs typeface="Courier New" panose="02070309020205020404" pitchFamily="49" charset="0"/>
+              </a:rPr>
+              <a:t>Task.WhenAll(task1, task2).ContinueWith</a:t>
+            </a:r>
+            <a:r>
+              <a:rPr kumimoji="0" lang="zh-CN" altLang="zh-CN" sz="600" b="0" i="0" u="none" strike="noStrike" cap="none" normalizeH="0" baseline="0" smtClean="0">
+                <a:ln>
+                  <a:noFill/>
+                </a:ln>
+                <a:solidFill>
+                  <a:schemeClr val="tx1"/>
+                </a:solidFill>
+                <a:effectLst/>
+              </a:rPr>
+              <a:t> </a:t>
+            </a:r>
+            <a:endParaRPr kumimoji="0" lang="zh-CN" altLang="zh-CN" sz="1800" b="0" i="0" u="none" strike="noStrike" cap="none" normalizeH="0" baseline="0" smtClean="0">
+              <a:ln>
+                <a:noFill/>
+              </a:ln>
+              <a:solidFill>
+                <a:schemeClr val="tx1"/>
+              </a:solidFill>
+              <a:effectLst/>
+              <a:latin typeface="Arial" panose="020B0604020202020204" pitchFamily="34" charset="0"/>
+            </a:endParaRPr>
           </a:p>
         </p:txBody>
       </p:sp>
     </p:spTree>
+    <p:extLst>
+      <p:ext uri="{BB962C8B-B14F-4D97-AF65-F5344CB8AC3E}">
+        <p14:creationId xmlns:p14="http://schemas.microsoft.com/office/powerpoint/2010/main" val="2434692781"/>
+      </p:ext>
+    </p:extLst>
   </p:cSld>
   <p:clrMapOvr>
     <a:masterClrMapping/>
@@ -6415,16 +6250,8 @@
           <a:lstStyle/>
           <a:p>
             <a:r>
-              <a:rPr lang="zh-CN" altLang="en-US" dirty="0" smtClean="0"/>
-              <a:t>基于委托的</a:t>
-            </a:r>
-            <a:r>
-              <a:rPr lang="en-US" altLang="zh-CN" dirty="0" smtClean="0"/>
-              <a:t>Invoke </a:t>
-            </a:r>
-            <a:r>
-              <a:rPr lang="en-US" altLang="zh-CN" dirty="0" err="1" smtClean="0"/>
-              <a:t>BeginInvoke</a:t>
+              <a:rPr lang="en-US" altLang="zh-CN" dirty="0" smtClean="0"/>
+              <a:t>Task</a:t>
             </a:r>
             <a:endParaRPr lang="zh-CN" altLang="en-US" dirty="0"/>
           </a:p>
@@ -6432,7 +6259,7 @@
       </p:sp>
       <p:sp>
         <p:nvSpPr>
-          <p:cNvPr id="4" name="内容占位符 3"/>
+          <p:cNvPr id="3" name="内容占位符 2"/>
           <p:cNvSpPr>
             <a:spLocks noGrp="1"/>
           </p:cNvSpPr>
@@ -6446,89 +6273,133 @@
           <a:lstStyle/>
           <a:p>
             <a:r>
-              <a:rPr lang="en-US" altLang="zh-CN" dirty="0" smtClean="0"/>
-              <a:t>CLR</a:t>
-            </a:r>
-            <a:r>
-              <a:rPr lang="zh-CN" altLang="en-US" dirty="0"/>
-              <a:t>为每一个委托类型提供了一个</a:t>
+              <a:rPr lang="zh-CN" altLang="en-US" dirty="0" smtClean="0"/>
+              <a:t>底层的</a:t>
+            </a:r>
+            <a:r>
+              <a:rPr lang="en-US" altLang="zh-CN" dirty="0" smtClean="0"/>
+              <a:t>task</a:t>
+            </a:r>
+            <a:r>
+              <a:rPr lang="zh-CN" altLang="en-US" dirty="0" smtClean="0"/>
+              <a:t>是由不同的</a:t>
+            </a:r>
+            <a:r>
+              <a:rPr lang="en-US" altLang="zh-CN" dirty="0" err="1" smtClean="0"/>
+              <a:t>TaskScheduler</a:t>
+            </a:r>
+            <a:r>
+              <a:rPr lang="zh-CN" altLang="en-US" dirty="0" smtClean="0"/>
+              <a:t>实现的</a:t>
+            </a:r>
+            <a:endParaRPr lang="en-US" altLang="zh-CN" dirty="0" smtClean="0"/>
+          </a:p>
+          <a:p>
+            <a:r>
+              <a:rPr lang="zh-CN" altLang="en-US" dirty="0" smtClean="0"/>
+              <a:t>默认的</a:t>
+            </a:r>
+            <a:r>
+              <a:rPr lang="en-US" altLang="zh-CN" dirty="0" err="1" smtClean="0"/>
+              <a:t>TaskScheduler</a:t>
+            </a:r>
+            <a:r>
+              <a:rPr lang="zh-CN" altLang="en-US" dirty="0" smtClean="0"/>
+              <a:t>的实现是</a:t>
+            </a:r>
+            <a:r>
+              <a:rPr lang="en-US" altLang="zh-CN" dirty="0" err="1" smtClean="0"/>
+              <a:t>ThreadPoolTaskScheduler</a:t>
+            </a:r>
+            <a:endParaRPr lang="en-US" altLang="zh-CN" dirty="0" smtClean="0"/>
+          </a:p>
+          <a:p>
+            <a:r>
+              <a:rPr lang="en-US" altLang="zh-CN" dirty="0" err="1" smtClean="0"/>
+              <a:t>Wpf</a:t>
+            </a:r>
+            <a:r>
+              <a:rPr lang="zh-CN" altLang="en-US" dirty="0" smtClean="0"/>
+              <a:t>默认的</a:t>
+            </a:r>
+            <a:r>
+              <a:rPr lang="en-US" altLang="zh-CN" dirty="0" err="1" smtClean="0"/>
+              <a:t>TaskScheduler</a:t>
+            </a:r>
+            <a:r>
+              <a:rPr lang="zh-CN" altLang="en-US" dirty="0" smtClean="0"/>
+              <a:t>是</a:t>
+            </a:r>
+            <a:r>
+              <a:rPr lang="en-US" altLang="zh-CN" dirty="0" err="1" smtClean="0"/>
+              <a:t>SynchronizationContextTaskScheduler</a:t>
+            </a:r>
+            <a:r>
+              <a:rPr lang="zh-CN" altLang="en-US" dirty="0" smtClean="0"/>
+              <a:t>（</a:t>
+            </a:r>
+            <a:r>
+              <a:rPr lang="en-US" altLang="zh-CN" dirty="0" err="1" smtClean="0"/>
+              <a:t>winform</a:t>
+            </a:r>
+            <a:r>
+              <a:rPr lang="zh-CN" altLang="en-US" dirty="0" smtClean="0"/>
+              <a:t>可能直接写</a:t>
+            </a:r>
+            <a:r>
+              <a:rPr lang="en-US" altLang="zh-CN" dirty="0" smtClean="0"/>
+              <a:t>invoke </a:t>
+            </a:r>
+            <a:r>
+              <a:rPr lang="en-US" altLang="zh-CN" dirty="0" err="1" smtClean="0"/>
+              <a:t>begininvoke</a:t>
+            </a:r>
+            <a:r>
+              <a:rPr lang="zh-CN" altLang="en-US" dirty="0" smtClean="0"/>
+              <a:t>）</a:t>
+            </a:r>
+            <a:endParaRPr lang="en-US" altLang="zh-CN" dirty="0" smtClean="0"/>
+          </a:p>
+          <a:p>
+            <a:r>
+              <a:rPr lang="zh-CN" altLang="en-US" dirty="0" smtClean="0"/>
+              <a:t>如果</a:t>
+            </a:r>
+            <a:r>
+              <a:rPr lang="en-US" altLang="zh-CN" dirty="0" smtClean="0"/>
+              <a:t>Task</a:t>
+            </a:r>
+            <a:r>
+              <a:rPr lang="zh-CN" altLang="en-US" dirty="0"/>
+              <a:t>上的</a:t>
+            </a:r>
+            <a:r>
+              <a:rPr lang="en-US" altLang="zh-CN" dirty="0" err="1"/>
+              <a:t>TaskCreationOptions</a:t>
+            </a:r>
+            <a:r>
+              <a:rPr lang="zh-CN" altLang="en-US" dirty="0"/>
+              <a:t>设置为</a:t>
+            </a:r>
+            <a:r>
+              <a:rPr lang="en-US" altLang="zh-CN" dirty="0" err="1"/>
+              <a:t>LongRunning</a:t>
+            </a:r>
+            <a:r>
+              <a:rPr lang="zh-CN" altLang="en-US" dirty="0" smtClean="0"/>
+              <a:t>的，长</a:t>
+            </a:r>
+            <a:r>
+              <a:rPr lang="zh-CN" altLang="en-US" dirty="0"/>
+              <a:t>时间运行的</a:t>
             </a:r>
             <a:r>
               <a:rPr lang="en-US" altLang="zh-CN" dirty="0"/>
-              <a:t>Invoke</a:t>
-            </a:r>
-            <a:r>
-              <a:rPr lang="zh-CN" altLang="en-US" dirty="0"/>
-              <a:t>方法，并且该方法和</a:t>
-            </a:r>
-            <a:r>
-              <a:rPr lang="en-US" altLang="zh-CN" dirty="0"/>
-              <a:t>delegate</a:t>
-            </a:r>
-            <a:r>
-              <a:rPr lang="zh-CN" altLang="en-US" dirty="0"/>
-              <a:t>拥有相同的</a:t>
-            </a:r>
-            <a:r>
-              <a:rPr lang="zh-CN" altLang="en-US" dirty="0" smtClean="0"/>
-              <a:t>签名</a:t>
-            </a:r>
-            <a:endParaRPr lang="en-US" altLang="zh-CN" dirty="0" smtClean="0"/>
-          </a:p>
-          <a:p>
-            <a:r>
-              <a:rPr lang="en-US" altLang="zh-CN" dirty="0" smtClean="0"/>
-              <a:t>CLR</a:t>
-            </a:r>
-            <a:r>
-              <a:rPr lang="zh-CN" altLang="en-US" dirty="0"/>
-              <a:t>为每一个委托类型提供了</a:t>
-            </a:r>
-            <a:r>
-              <a:rPr lang="en-US" altLang="zh-CN" dirty="0" err="1"/>
-              <a:t>BeginInvoke</a:t>
-            </a:r>
-            <a:r>
-              <a:rPr lang="zh-CN" altLang="en-US" dirty="0"/>
-              <a:t>和</a:t>
-            </a:r>
-            <a:r>
-              <a:rPr lang="en-US" altLang="zh-CN" dirty="0" err="1"/>
-              <a:t>EndInvoke</a:t>
-            </a:r>
-            <a:r>
-              <a:rPr lang="zh-CN" altLang="en-US" dirty="0"/>
-              <a:t>方法，来确保委托的异步</a:t>
-            </a:r>
-            <a:r>
-              <a:rPr lang="zh-CN" altLang="en-US" dirty="0" smtClean="0"/>
-              <a:t>调用</a:t>
-            </a:r>
-            <a:endParaRPr lang="en-US" altLang="zh-CN" dirty="0" smtClean="0"/>
-          </a:p>
-          <a:p>
-            <a:endParaRPr lang="en-US" altLang="zh-CN" dirty="0"/>
-          </a:p>
-          <a:p>
-            <a:r>
-              <a:rPr lang="zh-CN" altLang="en-US" dirty="0"/>
-              <a:t>通过一个委托来进行同步方法的异步调用，也是</a:t>
-            </a:r>
-            <a:r>
-              <a:rPr lang="en-US" altLang="zh-CN" dirty="0" err="1"/>
-              <a:t>.net</a:t>
-            </a:r>
-            <a:r>
-              <a:rPr lang="zh-CN" altLang="en-US" dirty="0"/>
-              <a:t>提供的异步调用机制之一。但是</a:t>
-            </a:r>
-            <a:r>
-              <a:rPr lang="en-US" altLang="zh-CN" dirty="0" err="1"/>
-              <a:t>Delegate.BeginInvoke</a:t>
-            </a:r>
-            <a:r>
-              <a:rPr lang="zh-CN" altLang="en-US" dirty="0"/>
-              <a:t>方法是从</a:t>
+              <a:t>task</a:t>
+            </a:r>
+            <a:r>
+              <a:rPr lang="zh-CN" altLang="en-US" dirty="0"/>
+              <a:t>占用着</a:t>
             </a:r>
             <a:r>
               <a:rPr lang="en-US" altLang="zh-CN" dirty="0" err="1"/>
@@ -6536,15 +6407,279 @@
             </a:r>
             <a:r>
               <a:rPr lang="zh-CN" altLang="en-US" dirty="0"/>
-              <a:t>取出一个线程来执行这个方法，以获得异步执行效果的。也就是说，如果采用这种方式提交多个异步委托，那么这些调用的顺序无法得到保证。而且由于是使用线程池里面的线程来完成任务，使用频繁，会对系统的性能造成影响。</a:t>
+              <a:t>的线程，这时候</a:t>
+            </a:r>
+            <a:r>
+              <a:rPr lang="en-US" altLang="zh-CN" dirty="0" err="1"/>
+              <a:t>ThreadPool</a:t>
+            </a:r>
+            <a:r>
+              <a:rPr lang="zh-CN" altLang="en-US" dirty="0"/>
+              <a:t>为了保证线程充足，会再次开辟一些</a:t>
+            </a:r>
+            <a:r>
+              <a:rPr lang="en-US" altLang="zh-CN" dirty="0"/>
+              <a:t>Thread</a:t>
+            </a:r>
+            <a:r>
+              <a:rPr lang="zh-CN" altLang="en-US" dirty="0"/>
+              <a:t>，如果耗时任务此时释放</a:t>
+            </a:r>
+            <a:r>
+              <a:rPr lang="zh-CN" altLang="en-US" dirty="0" smtClean="0"/>
+              <a:t>了</a:t>
             </a:r>
             <a:endParaRPr lang="en-US" altLang="zh-CN" dirty="0" smtClean="0"/>
           </a:p>
           <a:p>
-            <a:endParaRPr lang="zh-CN" altLang="en-US" dirty="0"/>
+            <a:endParaRPr lang="en-US" altLang="zh-CN" dirty="0" smtClean="0"/>
           </a:p>
         </p:txBody>
       </p:sp>
+      <p:sp>
+        <p:nvSpPr>
+          <p:cNvPr id="4" name="Rectangle 1"/>
+          <p:cNvSpPr>
+            <a:spLocks noChangeArrowheads="1"/>
+          </p:cNvSpPr>
+          <p:nvPr/>
+        </p:nvSpPr>
+        <p:spPr bwMode="auto">
+          <a:xfrm>
+            <a:off x="0" y="0"/>
+            <a:ext cx="9144000" cy="457200"/>
+          </a:xfrm>
+          <a:prstGeom prst="rect">
+            <a:avLst/>
+          </a:prstGeom>
+          <a:noFill/>
+          <a:ln>
+            <a:noFill/>
+          </a:ln>
+          <a:effectLst/>
+          <a:extLst>
+            <a:ext uri="{909E8E84-426E-40DD-AFC4-6F175D3DCCD1}">
+              <a14:hiddenFill xmlns:a14="http://schemas.microsoft.com/office/drawing/2010/main">
+                <a:solidFill>
+                  <a:schemeClr val="accent1"/>
+                </a:solidFill>
+              </a14:hiddenFill>
+            </a:ext>
+            <a:ext uri="{91240B29-F687-4F45-9708-019B960494DF}">
+              <a14:hiddenLine xmlns:a14="http://schemas.microsoft.com/office/drawing/2010/main" w="9525">
+                <a:solidFill>
+                  <a:schemeClr val="tx1"/>
+                </a:solidFill>
+                <a:miter lim="800000"/>
+                <a:headEnd/>
+                <a:tailEnd/>
+              </a14:hiddenLine>
+            </a:ext>
+            <a:ext uri="{AF507438-7753-43E0-B8FC-AC1667EBCBE1}">
+              <a14:hiddenEffects xmlns:a14="http://schemas.microsoft.com/office/drawing/2010/main">
+                <a:effectLst>
+                  <a:outerShdw dist="35921" dir="2700000" algn="ctr" rotWithShape="0">
+                    <a:schemeClr val="bg2"/>
+                  </a:outerShdw>
+                </a:effectLst>
+              </a14:hiddenEffects>
+            </a:ext>
+          </a:extLst>
+        </p:spPr>
+        <p:txBody>
+          <a:bodyPr vert="horz" wrap="none" lIns="0" tIns="0" rIns="0" bIns="0" numCol="1" anchor="ctr" anchorCtr="0" compatLnSpc="1">
+            <a:spAutoFit/>
+          </a:bodyPr>
+          <a:lstStyle/>
+          <a:p>
+            <a:pPr marL="0" marR="0" lvl="0" indent="0" algn="l" defTabSz="914400" rtl="0" eaLnBrk="0" fontAlgn="base" latinLnBrk="0" hangingPunct="0">
+              <a:lnSpc>
+                <a:spcPct val="100000"/>
+              </a:lnSpc>
+              <a:spcBef>
+                <a:spcPct val="0"/>
+              </a:spcBef>
+              <a:spcAft>
+                <a:spcPct val="0"/>
+              </a:spcAft>
+              <a:buClrTx/>
+              <a:buSzTx/>
+              <a:buFontTx/>
+              <a:buNone/>
+            </a:pPr>
+            <a:r>
+              <a:rPr kumimoji="0" lang="zh-CN" altLang="zh-CN" sz="900" b="0" i="0" u="none" strike="noStrike" cap="none" normalizeH="0" baseline="0" smtClean="0">
+                <a:ln>
+                  <a:noFill/>
+                </a:ln>
+                <a:solidFill>
+                  <a:srgbClr val="000000"/>
+                </a:solidFill>
+                <a:effectLst/>
+                <a:latin typeface="Courier New" panose="02070309020205020404" pitchFamily="49" charset="0"/>
+                <a:cs typeface="Courier New" panose="02070309020205020404" pitchFamily="49" charset="0"/>
+              </a:rPr>
+              <a:t>Task.WhenAll(task1, task2).ContinueWith</a:t>
+            </a:r>
+            <a:r>
+              <a:rPr kumimoji="0" lang="zh-CN" altLang="zh-CN" sz="600" b="0" i="0" u="none" strike="noStrike" cap="none" normalizeH="0" baseline="0" smtClean="0">
+                <a:ln>
+                  <a:noFill/>
+                </a:ln>
+                <a:solidFill>
+                  <a:schemeClr val="tx1"/>
+                </a:solidFill>
+                <a:effectLst/>
+              </a:rPr>
+              <a:t> </a:t>
+            </a:r>
+            <a:endParaRPr kumimoji="0" lang="zh-CN" altLang="zh-CN" sz="1800" b="0" i="0" u="none" strike="noStrike" cap="none" normalizeH="0" baseline="0" smtClean="0">
+              <a:ln>
+                <a:noFill/>
+              </a:ln>
+              <a:solidFill>
+                <a:schemeClr val="tx1"/>
+              </a:solidFill>
+              <a:effectLst/>
+              <a:latin typeface="Arial" panose="020B0604020202020204" pitchFamily="34" charset="0"/>
+            </a:endParaRPr>
+          </a:p>
+        </p:txBody>
+      </p:sp>
+      <p:sp>
+        <p:nvSpPr>
+          <p:cNvPr id="5" name="Rectangle 2"/>
+          <p:cNvSpPr>
+            <a:spLocks noChangeArrowheads="1"/>
+          </p:cNvSpPr>
+          <p:nvPr/>
+        </p:nvSpPr>
+        <p:spPr bwMode="auto">
+          <a:xfrm>
+            <a:off x="152400" y="152400"/>
+            <a:ext cx="9144000" cy="457200"/>
+          </a:xfrm>
+          <a:prstGeom prst="rect">
+            <a:avLst/>
+          </a:prstGeom>
+          <a:noFill/>
+          <a:ln>
+            <a:noFill/>
+          </a:ln>
+          <a:effectLst/>
+          <a:extLst>
+            <a:ext uri="{909E8E84-426E-40DD-AFC4-6F175D3DCCD1}">
+              <a14:hiddenFill xmlns:a14="http://schemas.microsoft.com/office/drawing/2010/main">
+                <a:solidFill>
+                  <a:schemeClr val="accent1"/>
+                </a:solidFill>
+              </a14:hiddenFill>
+            </a:ext>
+            <a:ext uri="{91240B29-F687-4F45-9708-019B960494DF}">
+              <a14:hiddenLine xmlns:a14="http://schemas.microsoft.com/office/drawing/2010/main" w="9525">
+                <a:solidFill>
+                  <a:schemeClr val="tx1"/>
+                </a:solidFill>
+                <a:miter lim="800000"/>
+                <a:headEnd/>
+                <a:tailEnd/>
+              </a14:hiddenLine>
+            </a:ext>
+            <a:ext uri="{AF507438-7753-43E0-B8FC-AC1667EBCBE1}">
+              <a14:hiddenEffects xmlns:a14="http://schemas.microsoft.com/office/drawing/2010/main">
+                <a:effectLst>
+                  <a:outerShdw dist="35921" dir="2700000" algn="ctr" rotWithShape="0">
+                    <a:schemeClr val="bg2"/>
+                  </a:outerShdw>
+                </a:effectLst>
+              </a14:hiddenEffects>
+            </a:ext>
+          </a:extLst>
+        </p:spPr>
+        <p:txBody>
+          <a:bodyPr vert="horz" wrap="none" lIns="0" tIns="0" rIns="0" bIns="0" numCol="1" anchor="ctr" anchorCtr="0" compatLnSpc="1">
+            <a:spAutoFit/>
+          </a:bodyPr>
+          <a:lstStyle/>
+          <a:p>
+            <a:pPr marL="0" marR="0" lvl="0" indent="0" algn="l" defTabSz="914400" rtl="0" eaLnBrk="0" fontAlgn="base" latinLnBrk="0" hangingPunct="0">
+              <a:lnSpc>
+                <a:spcPct val="100000"/>
+              </a:lnSpc>
+              <a:spcBef>
+                <a:spcPct val="0"/>
+              </a:spcBef>
+              <a:spcAft>
+                <a:spcPct val="0"/>
+              </a:spcAft>
+              <a:buClrTx/>
+              <a:buSzTx/>
+              <a:buFontTx/>
+              <a:buNone/>
+            </a:pPr>
+            <a:r>
+              <a:rPr kumimoji="0" lang="zh-CN" altLang="zh-CN" sz="900" b="0" i="0" u="none" strike="noStrike" cap="none" normalizeH="0" baseline="0" smtClean="0">
+                <a:ln>
+                  <a:noFill/>
+                </a:ln>
+                <a:solidFill>
+                  <a:srgbClr val="000000"/>
+                </a:solidFill>
+                <a:effectLst/>
+                <a:latin typeface="Courier New" panose="02070309020205020404" pitchFamily="49" charset="0"/>
+                <a:cs typeface="Courier New" panose="02070309020205020404" pitchFamily="49" charset="0"/>
+              </a:rPr>
+              <a:t>Task.WhenAll(task1, task2).ContinueWith</a:t>
+            </a:r>
+            <a:r>
+              <a:rPr kumimoji="0" lang="zh-CN" altLang="zh-CN" sz="600" b="0" i="0" u="none" strike="noStrike" cap="none" normalizeH="0" baseline="0" smtClean="0">
+                <a:ln>
+                  <a:noFill/>
+                </a:ln>
+                <a:solidFill>
+                  <a:schemeClr val="tx1"/>
+                </a:solidFill>
+                <a:effectLst/>
+              </a:rPr>
+              <a:t> </a:t>
+            </a:r>
+            <a:endParaRPr kumimoji="0" lang="zh-CN" altLang="zh-CN" sz="1800" b="0" i="0" u="none" strike="noStrike" cap="none" normalizeH="0" baseline="0" smtClean="0">
+              <a:ln>
+                <a:noFill/>
+              </a:ln>
+              <a:solidFill>
+                <a:schemeClr val="tx1"/>
+              </a:solidFill>
+              <a:effectLst/>
+              <a:latin typeface="Arial" panose="020B0604020202020204" pitchFamily="34" charset="0"/>
+            </a:endParaRPr>
+          </a:p>
+        </p:txBody>
+      </p:sp>
+      <p:pic>
+        <p:nvPicPr>
+          <p:cNvPr id="6" name="图片 5"/>
+          <p:cNvPicPr>
+            <a:picLocks noChangeAspect="1"/>
+          </p:cNvPicPr>
+          <p:nvPr/>
+        </p:nvPicPr>
+        <p:blipFill>
+          <a:blip r:embed="rId2"/>
+          <a:stretch>
+            <a:fillRect/>
+          </a:stretch>
+        </p:blipFill>
+        <p:spPr>
+          <a:xfrm>
+            <a:off x="323528" y="4005064"/>
+            <a:ext cx="8172450" cy="3429000"/>
+          </a:xfrm>
+          <a:prstGeom prst="rect">
+            <a:avLst/>
+          </a:prstGeom>
+        </p:spPr>
+      </p:pic>
     </p:spTree>
   </p:cSld>
   <p:clrMapOvr>
@@ -6587,19 +6722,15 @@
           <a:p>
             <a:r>
               <a:rPr lang="en-US" altLang="zh-CN" dirty="0" smtClean="0"/>
-              <a:t>Controller</a:t>
-            </a:r>
-            <a:r>
-              <a:rPr lang="zh-CN" altLang="en-US" dirty="0" smtClean="0"/>
-              <a:t>的</a:t>
-            </a:r>
-            <a:r>
-              <a:rPr lang="en-US" altLang="zh-CN" dirty="0" smtClean="0"/>
-              <a:t>Invoke </a:t>
-            </a:r>
-            <a:r>
-              <a:rPr lang="en-US" altLang="zh-CN" dirty="0" err="1" smtClean="0"/>
-              <a:t>BeginInvoke</a:t>
+              <a:t>Task</a:t>
+            </a:r>
+            <a:r>
+              <a:rPr lang="zh-CN" altLang="en-US" dirty="0" smtClean="0"/>
+              <a:t>几种种阻塞方式</a:t>
+            </a:r>
+            <a:r>
+              <a:rPr lang="zh-CN" altLang="en-US" dirty="0" smtClean="0"/>
+              <a:t>、延续</a:t>
             </a:r>
             <a:endParaRPr lang="zh-CN" altLang="en-US" dirty="0"/>
           </a:p>
@@ -6607,7 +6738,7 @@
       </p:sp>
       <p:sp>
         <p:nvSpPr>
-          <p:cNvPr id="5" name="内容占位符 4"/>
+          <p:cNvPr id="3" name="内容占位符 2"/>
           <p:cNvSpPr>
             <a:spLocks noGrp="1"/>
           </p:cNvSpPr>
@@ -6621,39 +6752,116 @@
           <a:lstStyle/>
           <a:p>
             <a:r>
-              <a:rPr lang="en-US" altLang="zh-CN" dirty="0"/>
-              <a:t>Windows GUI</a:t>
-            </a:r>
-            <a:r>
-              <a:rPr lang="zh-CN" altLang="en-US" dirty="0"/>
-              <a:t>程序是基于消息机制的，有个主线程维护着一个消息</a:t>
-            </a:r>
-            <a:r>
-              <a:rPr lang="zh-CN" altLang="en-US" dirty="0" smtClean="0"/>
-              <a:t>泵。这个</a:t>
-            </a:r>
-            <a:r>
-              <a:rPr lang="zh-CN" altLang="en-US" dirty="0"/>
-              <a:t>消息泵让</a:t>
-            </a:r>
-            <a:r>
-              <a:rPr lang="en-US" altLang="zh-CN" dirty="0"/>
-              <a:t>windows</a:t>
-            </a:r>
-            <a:r>
-              <a:rPr lang="zh-CN" altLang="en-US" dirty="0"/>
-              <a:t>程序生生不息</a:t>
-            </a:r>
-            <a:r>
-              <a:rPr lang="zh-CN" altLang="en-US" dirty="0" smtClean="0"/>
-              <a:t>。</a:t>
+              <a:rPr lang="en-US" altLang="zh-CN" dirty="0" smtClean="0"/>
+              <a:t>Thread </a:t>
+            </a:r>
+            <a:r>
+              <a:rPr lang="en-US" altLang="zh-CN" dirty="0" err="1" smtClean="0"/>
+              <a:t>join,sleep</a:t>
+            </a:r>
+            <a:r>
+              <a:rPr lang="zh-CN" altLang="en-US" dirty="0" smtClean="0"/>
+              <a:t>等。</a:t>
             </a:r>
             <a:endParaRPr lang="en-US" altLang="zh-CN" dirty="0" smtClean="0"/>
           </a:p>
           <a:p>
+            <a:r>
+              <a:rPr lang="zh-CN" altLang="en-US" dirty="0" smtClean="0"/>
+              <a:t>用</a:t>
+            </a:r>
+            <a:r>
+              <a:rPr lang="en-US" altLang="zh-CN" dirty="0" smtClean="0"/>
+              <a:t>thread</a:t>
+            </a:r>
+            <a:r>
+              <a:rPr lang="zh-CN" altLang="en-US" dirty="0" smtClean="0"/>
+              <a:t>实现</a:t>
+            </a:r>
+            <a:r>
+              <a:rPr lang="en-US" altLang="zh-CN" dirty="0" err="1" smtClean="0"/>
+              <a:t>waitall</a:t>
+            </a:r>
+            <a:r>
+              <a:rPr lang="zh-CN" altLang="en-US" dirty="0" smtClean="0"/>
+              <a:t>特别痛苦</a:t>
+            </a:r>
             <a:endParaRPr lang="en-US" altLang="zh-CN" dirty="0" smtClean="0"/>
           </a:p>
           <a:p>
+            <a:r>
+              <a:rPr lang="en-US" altLang="zh-CN" dirty="0" err="1"/>
+              <a:t>WhenAll:</a:t>
+            </a:r>
+            <a:r>
+              <a:rPr lang="en-US" altLang="zh-CN" sz="2000" dirty="0" err="1"/>
+              <a:t>WhenAll</a:t>
+            </a:r>
+            <a:r>
+              <a:rPr lang="en-US" altLang="zh-CN" sz="2000" dirty="0"/>
+              <a:t> </a:t>
+            </a:r>
+            <a:r>
+              <a:rPr lang="zh-CN" altLang="en-US" sz="2000" dirty="0"/>
+              <a:t>是创建一个异步（不阻塞当前线程）的</a:t>
+            </a:r>
+            <a:r>
+              <a:rPr lang="en-US" altLang="zh-CN" sz="2000" dirty="0"/>
+              <a:t>Task</a:t>
+            </a:r>
+            <a:r>
+              <a:rPr lang="zh-CN" altLang="en-US" sz="2000" dirty="0"/>
+              <a:t>，这个</a:t>
+            </a:r>
+            <a:r>
+              <a:rPr lang="en-US" altLang="zh-CN" sz="2000" dirty="0"/>
+              <a:t>Task</a:t>
+            </a:r>
+            <a:r>
+              <a:rPr lang="zh-CN" altLang="en-US" sz="2000" dirty="0"/>
+              <a:t>等待所有其他任务</a:t>
+            </a:r>
+            <a:r>
+              <a:rPr lang="zh-CN" altLang="en-US" sz="2000" dirty="0" smtClean="0"/>
+              <a:t>完毕</a:t>
+            </a:r>
+            <a:endParaRPr lang="en-US" altLang="zh-CN" sz="2000" dirty="0" smtClean="0"/>
+          </a:p>
+          <a:p>
+            <a:r>
+              <a:rPr lang="en-US" altLang="zh-CN" sz="2000" dirty="0" err="1" smtClean="0"/>
+              <a:t>whenany</a:t>
+            </a:r>
+            <a:endParaRPr lang="en-US" altLang="zh-CN" sz="2000" dirty="0"/>
+          </a:p>
+          <a:p>
+            <a:r>
+              <a:rPr lang="en-US" altLang="zh-CN" dirty="0" err="1" smtClean="0"/>
+              <a:t>Waitall</a:t>
+            </a:r>
+            <a:r>
+              <a:rPr lang="en-US" altLang="zh-CN" dirty="0" smtClean="0"/>
+              <a:t>,</a:t>
+            </a:r>
+            <a:r>
+              <a:rPr lang="zh-CN" altLang="en-US" dirty="0" smtClean="0"/>
+              <a:t>阻塞当前线程，线程数组全部完成才继续</a:t>
+            </a:r>
+            <a:endParaRPr lang="en-US" altLang="zh-CN" dirty="0" smtClean="0"/>
+          </a:p>
+          <a:p>
+            <a:r>
+              <a:rPr lang="en-US" altLang="zh-CN" dirty="0" err="1" smtClean="0"/>
+              <a:t>Waitany</a:t>
+            </a:r>
+            <a:r>
+              <a:rPr lang="en-US" altLang="zh-CN" dirty="0" smtClean="0"/>
+              <a:t>,</a:t>
+            </a:r>
+            <a:r>
+              <a:rPr lang="zh-CN" altLang="en-US" dirty="0" smtClean="0"/>
+              <a:t>任意一个线程完成继续</a:t>
+            </a:r>
             <a:endParaRPr lang="en-US" altLang="zh-CN" dirty="0" smtClean="0"/>
           </a:p>
           <a:p>
@@ -6661,31 +6869,232 @@
           </a:p>
         </p:txBody>
       </p:sp>
-      <p:pic>
-        <p:nvPicPr>
-          <p:cNvPr id="6" name="图片 5"/>
-          <p:cNvPicPr>
-            <a:picLocks noChangeAspect="1"/>
-          </p:cNvPicPr>
+      <p:sp>
+        <p:nvSpPr>
+          <p:cNvPr id="4" name="Rectangle 1"/>
+          <p:cNvSpPr>
+            <a:spLocks noChangeArrowheads="1"/>
+          </p:cNvSpPr>
           <p:nvPr/>
-        </p:nvPicPr>
-        <p:blipFill>
-          <a:blip r:embed="rId1"/>
-          <a:stretch>
-            <a:fillRect/>
-          </a:stretch>
-        </p:blipFill>
-        <p:spPr>
+        </p:nvSpPr>
+        <p:spPr bwMode="auto">
           <a:xfrm>
-            <a:off x="827584" y="2204864"/>
-            <a:ext cx="5229225" cy="3562350"/>
+            <a:off x="0" y="0"/>
+            <a:ext cx="9144000" cy="457200"/>
           </a:xfrm>
           <a:prstGeom prst="rect">
             <a:avLst/>
           </a:prstGeom>
+          <a:noFill/>
+          <a:ln>
+            <a:noFill/>
+          </a:ln>
+          <a:effectLst/>
+          <a:extLst>
+            <a:ext uri="{909E8E84-426E-40DD-AFC4-6F175D3DCCD1}">
+              <a14:hiddenFill xmlns:a14="http://schemas.microsoft.com/office/drawing/2010/main">
+                <a:solidFill>
+                  <a:schemeClr val="accent1"/>
+                </a:solidFill>
+              </a14:hiddenFill>
+            </a:ext>
+            <a:ext uri="{91240B29-F687-4F45-9708-019B960494DF}">
+              <a14:hiddenLine xmlns:a14="http://schemas.microsoft.com/office/drawing/2010/main" w="9525">
+                <a:solidFill>
+                  <a:schemeClr val="tx1"/>
+                </a:solidFill>
+                <a:miter lim="800000"/>
+                <a:headEnd/>
+                <a:tailEnd/>
+              </a14:hiddenLine>
+            </a:ext>
+            <a:ext uri="{AF507438-7753-43E0-B8FC-AC1667EBCBE1}">
+              <a14:hiddenEffects xmlns:a14="http://schemas.microsoft.com/office/drawing/2010/main">
+                <a:effectLst>
+                  <a:outerShdw dist="35921" dir="2700000" algn="ctr" rotWithShape="0">
+                    <a:schemeClr val="bg2"/>
+                  </a:outerShdw>
+                </a:effectLst>
+              </a14:hiddenEffects>
+            </a:ext>
+          </a:extLst>
         </p:spPr>
-      </p:pic>
+        <p:txBody>
+          <a:bodyPr vert="horz" wrap="none" lIns="0" tIns="0" rIns="0" bIns="0" numCol="1" anchor="ctr" anchorCtr="0" compatLnSpc="1">
+            <a:spAutoFit/>
+          </a:bodyPr>
+          <a:lstStyle/>
+          <a:p>
+            <a:pPr marL="0" marR="0" lvl="0" indent="0" algn="l" defTabSz="914400" rtl="0" eaLnBrk="0" fontAlgn="base" latinLnBrk="0" hangingPunct="0">
+              <a:lnSpc>
+                <a:spcPct val="100000"/>
+              </a:lnSpc>
+              <a:spcBef>
+                <a:spcPct val="0"/>
+              </a:spcBef>
+              <a:spcAft>
+                <a:spcPct val="0"/>
+              </a:spcAft>
+              <a:buClrTx/>
+              <a:buSzTx/>
+              <a:buFontTx/>
+              <a:buNone/>
+            </a:pPr>
+            <a:r>
+              <a:rPr kumimoji="0" lang="zh-CN" altLang="zh-CN" sz="900" b="0" i="0" u="none" strike="noStrike" cap="none" normalizeH="0" baseline="0" smtClean="0">
+                <a:ln>
+                  <a:noFill/>
+                </a:ln>
+                <a:solidFill>
+                  <a:srgbClr val="000000"/>
+                </a:solidFill>
+                <a:effectLst/>
+                <a:latin typeface="Courier New" panose="02070309020205020404" pitchFamily="49" charset="0"/>
+                <a:cs typeface="Courier New" panose="02070309020205020404" pitchFamily="49" charset="0"/>
+              </a:rPr>
+              <a:t>Task.WhenAll(task1, task2).ContinueWith</a:t>
+            </a:r>
+            <a:r>
+              <a:rPr kumimoji="0" lang="zh-CN" altLang="zh-CN" sz="600" b="0" i="0" u="none" strike="noStrike" cap="none" normalizeH="0" baseline="0" smtClean="0">
+                <a:ln>
+                  <a:noFill/>
+                </a:ln>
+                <a:solidFill>
+                  <a:schemeClr val="tx1"/>
+                </a:solidFill>
+                <a:effectLst/>
+              </a:rPr>
+              <a:t> </a:t>
+            </a:r>
+            <a:endParaRPr kumimoji="0" lang="zh-CN" altLang="zh-CN" sz="1800" b="0" i="0" u="none" strike="noStrike" cap="none" normalizeH="0" baseline="0" smtClean="0">
+              <a:ln>
+                <a:noFill/>
+              </a:ln>
+              <a:solidFill>
+                <a:schemeClr val="tx1"/>
+              </a:solidFill>
+              <a:effectLst/>
+              <a:latin typeface="Arial" panose="020B0604020202020204" pitchFamily="34" charset="0"/>
+            </a:endParaRPr>
+          </a:p>
+        </p:txBody>
+      </p:sp>
+      <p:sp>
+        <p:nvSpPr>
+          <p:cNvPr id="5" name="Rectangle 2"/>
+          <p:cNvSpPr>
+            <a:spLocks noChangeArrowheads="1"/>
+          </p:cNvSpPr>
+          <p:nvPr/>
+        </p:nvSpPr>
+        <p:spPr bwMode="auto">
+          <a:xfrm>
+            <a:off x="152400" y="152400"/>
+            <a:ext cx="9144000" cy="457200"/>
+          </a:xfrm>
+          <a:prstGeom prst="rect">
+            <a:avLst/>
+          </a:prstGeom>
+          <a:noFill/>
+          <a:ln>
+            <a:noFill/>
+          </a:ln>
+          <a:effectLst/>
+          <a:extLst>
+            <a:ext uri="{909E8E84-426E-40DD-AFC4-6F175D3DCCD1}">
+              <a14:hiddenFill xmlns:a14="http://schemas.microsoft.com/office/drawing/2010/main">
+                <a:solidFill>
+                  <a:schemeClr val="accent1"/>
+                </a:solidFill>
+              </a14:hiddenFill>
+            </a:ext>
+            <a:ext uri="{91240B29-F687-4F45-9708-019B960494DF}">
+              <a14:hiddenLine xmlns:a14="http://schemas.microsoft.com/office/drawing/2010/main" w="9525">
+                <a:solidFill>
+                  <a:schemeClr val="tx1"/>
+                </a:solidFill>
+                <a:miter lim="800000"/>
+                <a:headEnd/>
+                <a:tailEnd/>
+              </a14:hiddenLine>
+            </a:ext>
+            <a:ext uri="{AF507438-7753-43E0-B8FC-AC1667EBCBE1}">
+              <a14:hiddenEffects xmlns:a14="http://schemas.microsoft.com/office/drawing/2010/main">
+                <a:effectLst>
+                  <a:outerShdw dist="35921" dir="2700000" algn="ctr" rotWithShape="0">
+                    <a:schemeClr val="bg2"/>
+                  </a:outerShdw>
+                </a:effectLst>
+              </a14:hiddenEffects>
+            </a:ext>
+          </a:extLst>
+        </p:spPr>
+        <p:txBody>
+          <a:bodyPr vert="horz" wrap="none" lIns="0" tIns="0" rIns="0" bIns="0" numCol="1" anchor="ctr" anchorCtr="0" compatLnSpc="1">
+            <a:spAutoFit/>
+          </a:bodyPr>
+          <a:lstStyle/>
+          <a:p>
+            <a:pPr marL="0" marR="0" lvl="0" indent="0" algn="l" defTabSz="914400" rtl="0" eaLnBrk="0" fontAlgn="base" latinLnBrk="0" hangingPunct="0">
+              <a:lnSpc>
+                <a:spcPct val="100000"/>
+              </a:lnSpc>
+              <a:spcBef>
+                <a:spcPct val="0"/>
+              </a:spcBef>
+              <a:spcAft>
+                <a:spcPct val="0"/>
+              </a:spcAft>
+              <a:buClrTx/>
+              <a:buSzTx/>
+              <a:buFontTx/>
+              <a:buNone/>
+            </a:pPr>
+            <a:r>
+              <a:rPr kumimoji="0" lang="zh-CN" altLang="zh-CN" sz="900" b="0" i="0" u="none" strike="noStrike" cap="none" normalizeH="0" baseline="0" smtClean="0">
+                <a:ln>
+                  <a:noFill/>
+                </a:ln>
+                <a:solidFill>
+                  <a:srgbClr val="000000"/>
+                </a:solidFill>
+                <a:effectLst/>
+                <a:latin typeface="Courier New" panose="02070309020205020404" pitchFamily="49" charset="0"/>
+                <a:cs typeface="Courier New" panose="02070309020205020404" pitchFamily="49" charset="0"/>
+              </a:rPr>
+              <a:t>Task.WhenAll(task1, task2).ContinueWith</a:t>
+            </a:r>
+            <a:r>
+              <a:rPr kumimoji="0" lang="zh-CN" altLang="zh-CN" sz="600" b="0" i="0" u="none" strike="noStrike" cap="none" normalizeH="0" baseline="0" smtClean="0">
+                <a:ln>
+                  <a:noFill/>
+                </a:ln>
+                <a:solidFill>
+                  <a:schemeClr val="tx1"/>
+                </a:solidFill>
+                <a:effectLst/>
+              </a:rPr>
+              <a:t> </a:t>
+            </a:r>
+            <a:endParaRPr kumimoji="0" lang="zh-CN" altLang="zh-CN" sz="1800" b="0" i="0" u="none" strike="noStrike" cap="none" normalizeH="0" baseline="0" smtClean="0">
+              <a:ln>
+                <a:noFill/>
+              </a:ln>
+              <a:solidFill>
+                <a:schemeClr val="tx1"/>
+              </a:solidFill>
+              <a:effectLst/>
+              <a:latin typeface="Arial" panose="020B0604020202020204" pitchFamily="34" charset="0"/>
+            </a:endParaRPr>
+          </a:p>
+        </p:txBody>
+      </p:sp>
     </p:spTree>
+    <p:extLst>
+      <p:ext uri="{BB962C8B-B14F-4D97-AF65-F5344CB8AC3E}">
+        <p14:creationId xmlns:p14="http://schemas.microsoft.com/office/powerpoint/2010/main" val="1472530942"/>
+      </p:ext>
+    </p:extLst>
   </p:cSld>
   <p:clrMapOvr>
     <a:masterClrMapping/>
@@ -6727,19 +7136,11 @@
           <a:p>
             <a:r>
               <a:rPr lang="en-US" altLang="zh-CN" dirty="0" smtClean="0"/>
-              <a:t>Controller</a:t>
-            </a:r>
-            <a:r>
-              <a:rPr lang="zh-CN" altLang="en-US" dirty="0" smtClean="0"/>
-              <a:t>的</a:t>
-            </a:r>
-            <a:r>
-              <a:rPr lang="en-US" altLang="zh-CN" dirty="0" smtClean="0"/>
-              <a:t>Invoke </a:t>
-            </a:r>
-            <a:r>
-              <a:rPr lang="en-US" altLang="zh-CN" dirty="0" err="1" smtClean="0"/>
-              <a:t>BeginInvoke</a:t>
+              <a:t>Task</a:t>
+            </a:r>
+            <a:r>
+              <a:rPr lang="zh-CN" altLang="en-US" dirty="0" smtClean="0"/>
+              <a:t>枚举</a:t>
             </a:r>
             <a:endParaRPr lang="zh-CN" altLang="en-US" dirty="0"/>
           </a:p>
@@ -6747,7 +7148,7 @@
       </p:sp>
       <p:sp>
         <p:nvSpPr>
-          <p:cNvPr id="5" name="内容占位符 4"/>
+          <p:cNvPr id="3" name="内容占位符 2"/>
           <p:cNvSpPr>
             <a:spLocks noGrp="1"/>
           </p:cNvSpPr>
@@ -6760,78 +7161,330 @@
           <a:bodyPr/>
           <a:lstStyle/>
           <a:p>
-            <a:pPr marL="0" indent="0">
+            <a:r>
+              <a:rPr lang="en-US" altLang="zh-CN" dirty="0" err="1" smtClean="0"/>
+              <a:t>TaskCreationOptions</a:t>
+            </a:r>
+            <a:r>
+              <a:rPr lang="en-US" altLang="zh-CN" dirty="0" smtClean="0"/>
+              <a:t>(</a:t>
+            </a:r>
+            <a:r>
+              <a:rPr lang="en-US" altLang="zh-CN" dirty="0" err="1" smtClean="0"/>
+              <a:t>HideScheduler</a:t>
+            </a:r>
+            <a:r>
+              <a:rPr lang="en-US" altLang="zh-CN" dirty="0" smtClean="0"/>
+              <a:t>,</a:t>
+            </a:r>
+            <a:r>
+              <a:rPr lang="zh-CN" altLang="en-US" dirty="0" smtClean="0"/>
+              <a:t>子任务跟父任务用的不是一个</a:t>
+            </a:r>
+            <a:r>
+              <a:rPr lang="en-US" altLang="zh-CN" dirty="0" err="1" smtClean="0"/>
+              <a:t>TaskScheduler</a:t>
+            </a:r>
+            <a:r>
+              <a:rPr lang="en-US" altLang="zh-CN" dirty="0"/>
+              <a:t>; </a:t>
+            </a:r>
+            <a:r>
+              <a:rPr lang="en-US" altLang="zh-CN" dirty="0" err="1" smtClean="0"/>
+              <a:t>PreferFairness</a:t>
+            </a:r>
+            <a:r>
+              <a:rPr lang="en-US" altLang="zh-CN" dirty="0" smtClean="0"/>
+              <a:t>,</a:t>
+            </a:r>
+            <a:r>
+              <a:rPr lang="zh-CN" altLang="en-US" dirty="0" smtClean="0"/>
+              <a:t>会将任务放到</a:t>
+            </a:r>
+            <a:r>
+              <a:rPr lang="en-US" altLang="zh-CN" dirty="0" err="1" smtClean="0"/>
+              <a:t>threadpool</a:t>
+            </a:r>
+            <a:r>
+              <a:rPr lang="zh-CN" altLang="en-US" dirty="0" smtClean="0"/>
+              <a:t>的工作线程池中去争抢，</a:t>
+            </a:r>
+            <a:r>
+              <a:rPr lang="en-US" altLang="zh-CN" dirty="0" smtClean="0"/>
+              <a:t>task</a:t>
+            </a:r>
+            <a:r>
+              <a:rPr lang="zh-CN" altLang="en-US" dirty="0" smtClean="0"/>
+              <a:t>默认使用的是自己的队列</a:t>
+            </a:r>
+            <a:r>
+              <a:rPr lang="en-US" altLang="zh-CN" dirty="0" err="1"/>
+              <a:t>ThreadPoolWorkQueue</a:t>
+            </a:r>
+            <a:r>
+              <a:rPr lang="en-US" altLang="zh-CN" dirty="0"/>
+              <a:t>)</a:t>
+            </a:r>
+            <a:endParaRPr lang="en-US" altLang="zh-CN" dirty="0" smtClean="0"/>
+          </a:p>
+          <a:p>
+            <a:endParaRPr lang="en-US" altLang="zh-CN" dirty="0" smtClean="0"/>
+          </a:p>
+          <a:p>
+            <a:endParaRPr lang="zh-CN" altLang="en-US" dirty="0"/>
+          </a:p>
+        </p:txBody>
+      </p:sp>
+      <p:sp>
+        <p:nvSpPr>
+          <p:cNvPr id="4" name="Rectangle 1"/>
+          <p:cNvSpPr>
+            <a:spLocks noChangeArrowheads="1"/>
+          </p:cNvSpPr>
+          <p:nvPr/>
+        </p:nvSpPr>
+        <p:spPr bwMode="auto">
+          <a:xfrm>
+            <a:off x="0" y="0"/>
+            <a:ext cx="9144000" cy="457200"/>
+          </a:xfrm>
+          <a:prstGeom prst="rect">
+            <a:avLst/>
+          </a:prstGeom>
+          <a:noFill/>
+          <a:ln>
+            <a:noFill/>
+          </a:ln>
+          <a:effectLst/>
+          <a:extLst>
+            <a:ext uri="{909E8E84-426E-40DD-AFC4-6F175D3DCCD1}">
+              <a14:hiddenFill xmlns:a14="http://schemas.microsoft.com/office/drawing/2010/main">
+                <a:solidFill>
+                  <a:schemeClr val="accent1"/>
+                </a:solidFill>
+              </a14:hiddenFill>
+            </a:ext>
+            <a:ext uri="{91240B29-F687-4F45-9708-019B960494DF}">
+              <a14:hiddenLine xmlns:a14="http://schemas.microsoft.com/office/drawing/2010/main" w="9525">
+                <a:solidFill>
+                  <a:schemeClr val="tx1"/>
+                </a:solidFill>
+                <a:miter lim="800000"/>
+                <a:headEnd/>
+                <a:tailEnd/>
+              </a14:hiddenLine>
+            </a:ext>
+            <a:ext uri="{AF507438-7753-43E0-B8FC-AC1667EBCBE1}">
+              <a14:hiddenEffects xmlns:a14="http://schemas.microsoft.com/office/drawing/2010/main">
+                <a:effectLst>
+                  <a:outerShdw dist="35921" dir="2700000" algn="ctr" rotWithShape="0">
+                    <a:schemeClr val="bg2"/>
+                  </a:outerShdw>
+                </a:effectLst>
+              </a14:hiddenEffects>
+            </a:ext>
+          </a:extLst>
+        </p:spPr>
+        <p:txBody>
+          <a:bodyPr vert="horz" wrap="none" lIns="0" tIns="0" rIns="0" bIns="0" numCol="1" anchor="ctr" anchorCtr="0" compatLnSpc="1">
+            <a:spAutoFit/>
+          </a:bodyPr>
+          <a:lstStyle/>
+          <a:p>
+            <a:pPr marL="0" marR="0" lvl="0" indent="0" algn="l" defTabSz="914400" rtl="0" eaLnBrk="0" fontAlgn="base" latinLnBrk="0" hangingPunct="0">
+              <a:lnSpc>
+                <a:spcPct val="100000"/>
+              </a:lnSpc>
+              <a:spcBef>
+                <a:spcPct val="0"/>
+              </a:spcBef>
+              <a:spcAft>
+                <a:spcPct val="0"/>
+              </a:spcAft>
+              <a:buClrTx/>
+              <a:buSzTx/>
+              <a:buFontTx/>
               <a:buNone/>
             </a:pPr>
             <a:r>
-              <a:rPr lang="en-US" altLang="zh-CN" dirty="0" smtClean="0"/>
-              <a:t>Windows</a:t>
-            </a:r>
-            <a:r>
-              <a:rPr lang="zh-CN" altLang="en-US" dirty="0" smtClean="0"/>
-              <a:t>程序有个消息队列，窗体上的所有消息是这个队列里面消息的最主要来源。这里的</a:t>
-            </a:r>
-            <a:r>
-              <a:rPr lang="en-US" altLang="zh-CN" dirty="0" smtClean="0"/>
-              <a:t>while</a:t>
-            </a:r>
-            <a:r>
-              <a:rPr lang="zh-CN" altLang="en-US" dirty="0" smtClean="0"/>
-              <a:t>循环使用了</a:t>
-            </a:r>
-            <a:r>
-              <a:rPr lang="en-US" altLang="zh-CN" dirty="0" err="1" smtClean="0"/>
-              <a:t>GetMessage</a:t>
-            </a:r>
-            <a:r>
-              <a:rPr lang="zh-CN" altLang="en-US" dirty="0" smtClean="0"/>
-              <a:t>（）这个方法，这是个阻塞方法，也就是队列为空时方法就会被阻塞，从而这个</a:t>
-            </a:r>
-            <a:r>
-              <a:rPr lang="en-US" altLang="zh-CN" dirty="0" smtClean="0"/>
-              <a:t>while</a:t>
-            </a:r>
-            <a:r>
-              <a:rPr lang="zh-CN" altLang="en-US" dirty="0" smtClean="0"/>
-              <a:t>循环停止运动，这避免了一个程序把</a:t>
-            </a:r>
-            <a:r>
-              <a:rPr lang="en-US" altLang="zh-CN" dirty="0" err="1" smtClean="0"/>
-              <a:t>cpu</a:t>
-            </a:r>
-            <a:r>
-              <a:rPr lang="zh-CN" altLang="en-US" dirty="0" smtClean="0"/>
-              <a:t>无缘无故地耗尽，让其它程序难以得到响应。防止</a:t>
-            </a:r>
-            <a:r>
-              <a:rPr lang="en-US" altLang="zh-CN" dirty="0" smtClean="0"/>
-              <a:t>windows</a:t>
-            </a:r>
-            <a:r>
-              <a:rPr lang="zh-CN" altLang="en-US" dirty="0" smtClean="0"/>
-              <a:t>被阻塞可以通过</a:t>
-            </a:r>
-            <a:r>
-              <a:rPr lang="en-US" altLang="zh-CN" dirty="0" smtClean="0"/>
+              <a:rPr kumimoji="0" lang="zh-CN" altLang="zh-CN" sz="900" b="0" i="0" u="none" strike="noStrike" cap="none" normalizeH="0" baseline="0" smtClean="0">
+                <a:ln>
+                  <a:noFill/>
+                </a:ln>
+                <a:solidFill>
+                  <a:srgbClr val="000000"/>
+                </a:solidFill>
+                <a:effectLst/>
+                <a:latin typeface="Courier New" panose="02070309020205020404" pitchFamily="49" charset="0"/>
+                <a:cs typeface="Courier New" panose="02070309020205020404" pitchFamily="49" charset="0"/>
+              </a:rPr>
+              <a:t>Task.WhenAll(task1, task2).ContinueWith</a:t>
+            </a:r>
+            <a:r>
+              <a:rPr kumimoji="0" lang="zh-CN" altLang="zh-CN" sz="600" b="0" i="0" u="none" strike="noStrike" cap="none" normalizeH="0" baseline="0" smtClean="0">
+                <a:ln>
+                  <a:noFill/>
+                </a:ln>
+                <a:solidFill>
+                  <a:schemeClr val="tx1"/>
+                </a:solidFill>
+                <a:effectLst/>
+              </a:rPr>
               <a:t> </a:t>
             </a:r>
-            <a:r>
-              <a:rPr lang="en-US" altLang="zh-CN" dirty="0" err="1"/>
-              <a:t>PeekMessage</a:t>
-            </a:r>
-            <a:r>
-              <a:rPr lang="en-US" altLang="zh-CN" dirty="0"/>
-              <a:t> </a:t>
-            </a:r>
-            <a:r>
-              <a:rPr lang="zh-CN" altLang="en-US" dirty="0" smtClean="0"/>
-              <a:t>处理消息。</a:t>
-            </a:r>
-            <a:endParaRPr lang="zh-CN" altLang="en-US" dirty="0"/>
+            <a:endParaRPr kumimoji="0" lang="zh-CN" altLang="zh-CN" sz="1800" b="0" i="0" u="none" strike="noStrike" cap="none" normalizeH="0" baseline="0" smtClean="0">
+              <a:ln>
+                <a:noFill/>
+              </a:ln>
+              <a:solidFill>
+                <a:schemeClr val="tx1"/>
+              </a:solidFill>
+              <a:effectLst/>
+              <a:latin typeface="Arial" panose="020B0604020202020204" pitchFamily="34" charset="0"/>
+            </a:endParaRPr>
           </a:p>
         </p:txBody>
       </p:sp>
+      <p:sp>
+        <p:nvSpPr>
+          <p:cNvPr id="5" name="Rectangle 2"/>
+          <p:cNvSpPr>
+            <a:spLocks noChangeArrowheads="1"/>
+          </p:cNvSpPr>
+          <p:nvPr/>
+        </p:nvSpPr>
+        <p:spPr bwMode="auto">
+          <a:xfrm>
+            <a:off x="152400" y="152400"/>
+            <a:ext cx="9144000" cy="457200"/>
+          </a:xfrm>
+          <a:prstGeom prst="rect">
+            <a:avLst/>
+          </a:prstGeom>
+          <a:noFill/>
+          <a:ln>
+            <a:noFill/>
+          </a:ln>
+          <a:effectLst/>
+          <a:extLst>
+            <a:ext uri="{909E8E84-426E-40DD-AFC4-6F175D3DCCD1}">
+              <a14:hiddenFill xmlns:a14="http://schemas.microsoft.com/office/drawing/2010/main">
+                <a:solidFill>
+                  <a:schemeClr val="accent1"/>
+                </a:solidFill>
+              </a14:hiddenFill>
+            </a:ext>
+            <a:ext uri="{91240B29-F687-4F45-9708-019B960494DF}">
+              <a14:hiddenLine xmlns:a14="http://schemas.microsoft.com/office/drawing/2010/main" w="9525">
+                <a:solidFill>
+                  <a:schemeClr val="tx1"/>
+                </a:solidFill>
+                <a:miter lim="800000"/>
+                <a:headEnd/>
+                <a:tailEnd/>
+              </a14:hiddenLine>
+            </a:ext>
+            <a:ext uri="{AF507438-7753-43E0-B8FC-AC1667EBCBE1}">
+              <a14:hiddenEffects xmlns:a14="http://schemas.microsoft.com/office/drawing/2010/main">
+                <a:effectLst>
+                  <a:outerShdw dist="35921" dir="2700000" algn="ctr" rotWithShape="0">
+                    <a:schemeClr val="bg2"/>
+                  </a:outerShdw>
+                </a:effectLst>
+              </a14:hiddenEffects>
+            </a:ext>
+          </a:extLst>
+        </p:spPr>
+        <p:txBody>
+          <a:bodyPr vert="horz" wrap="none" lIns="0" tIns="0" rIns="0" bIns="0" numCol="1" anchor="ctr" anchorCtr="0" compatLnSpc="1">
+            <a:spAutoFit/>
+          </a:bodyPr>
+          <a:lstStyle/>
+          <a:p>
+            <a:pPr marL="0" marR="0" lvl="0" indent="0" algn="l" defTabSz="914400" rtl="0" eaLnBrk="0" fontAlgn="base" latinLnBrk="0" hangingPunct="0">
+              <a:lnSpc>
+                <a:spcPct val="100000"/>
+              </a:lnSpc>
+              <a:spcBef>
+                <a:spcPct val="0"/>
+              </a:spcBef>
+              <a:spcAft>
+                <a:spcPct val="0"/>
+              </a:spcAft>
+              <a:buClrTx/>
+              <a:buSzTx/>
+              <a:buFontTx/>
+              <a:buNone/>
+            </a:pPr>
+            <a:r>
+              <a:rPr kumimoji="0" lang="zh-CN" altLang="zh-CN" sz="900" b="0" i="0" u="none" strike="noStrike" cap="none" normalizeH="0" baseline="0" smtClean="0">
+                <a:ln>
+                  <a:noFill/>
+                </a:ln>
+                <a:solidFill>
+                  <a:srgbClr val="000000"/>
+                </a:solidFill>
+                <a:effectLst/>
+                <a:latin typeface="Courier New" panose="02070309020205020404" pitchFamily="49" charset="0"/>
+                <a:cs typeface="Courier New" panose="02070309020205020404" pitchFamily="49" charset="0"/>
+              </a:rPr>
+              <a:t>Task.WhenAll(task1, task2).ContinueWith</a:t>
+            </a:r>
+            <a:r>
+              <a:rPr kumimoji="0" lang="zh-CN" altLang="zh-CN" sz="600" b="0" i="0" u="none" strike="noStrike" cap="none" normalizeH="0" baseline="0" smtClean="0">
+                <a:ln>
+                  <a:noFill/>
+                </a:ln>
+                <a:solidFill>
+                  <a:schemeClr val="tx1"/>
+                </a:solidFill>
+                <a:effectLst/>
+              </a:rPr>
+              <a:t> </a:t>
+            </a:r>
+            <a:endParaRPr kumimoji="0" lang="zh-CN" altLang="zh-CN" sz="1800" b="0" i="0" u="none" strike="noStrike" cap="none" normalizeH="0" baseline="0" smtClean="0">
+              <a:ln>
+                <a:noFill/>
+              </a:ln>
+              <a:solidFill>
+                <a:schemeClr val="tx1"/>
+              </a:solidFill>
+              <a:effectLst/>
+              <a:latin typeface="Arial" panose="020B0604020202020204" pitchFamily="34" charset="0"/>
+            </a:endParaRPr>
+          </a:p>
+        </p:txBody>
+      </p:sp>
+      <p:pic>
+        <p:nvPicPr>
+          <p:cNvPr id="9" name="图片 8"/>
+          <p:cNvPicPr>
+            <a:picLocks noChangeAspect="1"/>
+          </p:cNvPicPr>
+          <p:nvPr/>
+        </p:nvPicPr>
+        <p:blipFill>
+          <a:blip r:embed="rId2"/>
+          <a:stretch>
+            <a:fillRect/>
+          </a:stretch>
+        </p:blipFill>
+        <p:spPr>
+          <a:xfrm>
+            <a:off x="611560" y="2685496"/>
+            <a:ext cx="6912074" cy="3485116"/>
+          </a:xfrm>
+          <a:prstGeom prst="rect">
+            <a:avLst/>
+          </a:prstGeom>
+        </p:spPr>
+      </p:pic>
     </p:spTree>
+    <p:extLst>
+      <p:ext uri="{BB962C8B-B14F-4D97-AF65-F5344CB8AC3E}">
+        <p14:creationId xmlns:p14="http://schemas.microsoft.com/office/powerpoint/2010/main" val="2023694674"/>
+      </p:ext>
+    </p:extLst>
   </p:cSld>
   <p:clrMapOvr>
     <a:masterClrMapping/>
@@ -6872,20 +7525,8 @@
           <a:lstStyle/>
           <a:p>
             <a:r>
-              <a:rPr lang="en-US" altLang="zh-CN" dirty="0" smtClean="0"/>
-              <a:t>Controller</a:t>
-            </a:r>
-            <a:r>
-              <a:rPr lang="zh-CN" altLang="en-US" dirty="0" smtClean="0"/>
-              <a:t>的</a:t>
-            </a:r>
-            <a:r>
-              <a:rPr lang="en-US" altLang="zh-CN" dirty="0" smtClean="0"/>
-              <a:t>Invoke </a:t>
-            </a:r>
-            <a:r>
-              <a:rPr lang="en-US" altLang="zh-CN" dirty="0" err="1" smtClean="0"/>
-              <a:t>BeginInvoke</a:t>
+              <a:rPr lang="zh-CN" altLang="en-US" dirty="0" smtClean="0"/>
+              <a:t>多线程间的同步</a:t>
             </a:r>
             <a:endParaRPr lang="zh-CN" altLang="en-US" dirty="0"/>
           </a:p>
@@ -6893,7 +7534,7 @@
       </p:sp>
       <p:sp>
         <p:nvSpPr>
-          <p:cNvPr id="5" name="内容占位符 4"/>
+          <p:cNvPr id="3" name="内容占位符 2"/>
           <p:cNvSpPr>
             <a:spLocks noGrp="1"/>
           </p:cNvSpPr>
@@ -6907,88 +7548,199 @@
           <a:lstStyle/>
           <a:p>
             <a:r>
+              <a:rPr lang="en-US" altLang="zh-CN" dirty="0" smtClean="0"/>
+              <a:t>1.</a:t>
+            </a:r>
+            <a:r>
+              <a:rPr lang="zh-CN" altLang="en-US" dirty="0" smtClean="0"/>
+              <a:t>锁机制（</a:t>
+            </a:r>
+            <a:r>
+              <a:rPr lang="en-US" altLang="zh-CN" dirty="0" smtClean="0"/>
+              <a:t>Monitor, </a:t>
+            </a:r>
+            <a:r>
+              <a:rPr lang="en-US" altLang="zh-CN" dirty="0" err="1"/>
+              <a:t>ReaderWriterLock</a:t>
+            </a:r>
+            <a:r>
+              <a:rPr lang="zh-CN" altLang="en-US" dirty="0" smtClean="0"/>
+              <a:t>）</a:t>
+            </a:r>
+            <a:endParaRPr lang="en-US" altLang="zh-CN" dirty="0" smtClean="0"/>
+          </a:p>
+          <a:p>
+            <a:r>
+              <a:rPr lang="en-US" altLang="zh-CN" dirty="0" smtClean="0"/>
+              <a:t>2.thread.join</a:t>
+            </a:r>
+          </a:p>
+          <a:p>
+            <a:r>
+              <a:rPr lang="en-US" altLang="zh-CN" dirty="0" smtClean="0"/>
+              <a:t>3.</a:t>
+            </a:r>
+            <a:r>
+              <a:rPr lang="zh-CN" altLang="en-US" dirty="0" smtClean="0"/>
+              <a:t>互斥</a:t>
+            </a:r>
+            <a:r>
+              <a:rPr lang="en-US" altLang="zh-CN" dirty="0" err="1" smtClean="0"/>
+              <a:t>mutex</a:t>
+            </a:r>
+            <a:endParaRPr lang="en-US" altLang="zh-CN" dirty="0" smtClean="0"/>
+          </a:p>
+          <a:p>
+            <a:r>
+              <a:rPr lang="en-US" altLang="zh-CN" dirty="0" smtClean="0"/>
+              <a:t>4.</a:t>
+            </a:r>
+            <a:r>
+              <a:rPr lang="zh-CN" altLang="en-US" dirty="0" smtClean="0"/>
+              <a:t>信号量（</a:t>
+            </a:r>
+            <a:r>
+              <a:rPr lang="en-US" altLang="zh-CN" dirty="0" err="1" smtClean="0"/>
+              <a:t>ManualResetEvent</a:t>
+            </a:r>
+            <a:r>
+              <a:rPr lang="zh-CN" altLang="en-US" dirty="0" smtClean="0"/>
+              <a:t>、</a:t>
+            </a:r>
+            <a:r>
+              <a:rPr lang="en-US" altLang="zh-CN" dirty="0" err="1" smtClean="0"/>
+              <a:t>AutoResetEvent</a:t>
+            </a:r>
+            <a:r>
+              <a:rPr lang="zh-CN" altLang="en-US" dirty="0" smtClean="0"/>
+              <a:t>、</a:t>
+            </a:r>
+            <a:r>
               <a:rPr lang="en-US" altLang="zh-CN" dirty="0"/>
-              <a:t>Windows</a:t>
-            </a:r>
-            <a:r>
-              <a:rPr lang="zh-CN" altLang="en-US" dirty="0"/>
-              <a:t>提供了一些</a:t>
-            </a:r>
-            <a:r>
-              <a:rPr lang="en-US" altLang="zh-CN" dirty="0" err="1"/>
-              <a:t>api</a:t>
-            </a:r>
-            <a:r>
-              <a:rPr lang="zh-CN" altLang="en-US" dirty="0"/>
-              <a:t>用来向一个线程的消息队列发送消息。因此，一个线程可以向另一个线程的消息队列发送消息从而告诉对方做什么，这样就完成了线程间的通信。有些</a:t>
-            </a:r>
-            <a:r>
-              <a:rPr lang="en-US" altLang="zh-CN" dirty="0" err="1"/>
-              <a:t>api</a:t>
-            </a:r>
-            <a:r>
-              <a:rPr lang="zh-CN" altLang="en-US" dirty="0"/>
-              <a:t>发送消息需要一个窗口句柄，</a:t>
-            </a:r>
-            <a:r>
-              <a:rPr lang="en-US" altLang="zh-CN" dirty="0"/>
-              <a:t>b31.org </a:t>
-            </a:r>
-            <a:r>
-              <a:rPr lang="zh-CN" altLang="en-US" dirty="0"/>
-              <a:t>这种函数可以把消息发送到指定窗口的主线程消息队列；而有些则可以直接通过线程句柄，把消息发送到该线程消息队列中。</a:t>
-            </a:r>
-            <a:endParaRPr lang="en-US" altLang="zh-CN" dirty="0" smtClean="0"/>
-          </a:p>
-          <a:p>
-            <a:endParaRPr lang="en-US" altLang="zh-CN" dirty="0" smtClean="0"/>
-          </a:p>
-          <a:p>
+              <a:t> </a:t>
+            </a:r>
+            <a:r>
+              <a:rPr lang="en-US" altLang="zh-CN" dirty="0" smtClean="0"/>
+              <a:t>Semaphore</a:t>
+            </a:r>
+            <a:r>
+              <a:rPr lang="zh-CN" altLang="en-US" dirty="0" smtClean="0"/>
+              <a:t>）</a:t>
+            </a:r>
             <a:endParaRPr lang="zh-CN" altLang="en-US" dirty="0"/>
           </a:p>
         </p:txBody>
       </p:sp>
-      <p:pic>
-        <p:nvPicPr>
-          <p:cNvPr id="2050" name="Picture 2" descr="https://images2015.cnblogs.com/blog/1081714/201612/1081714-20161222141322182-1918604562.png"/>
-          <p:cNvPicPr>
-            <a:picLocks noChangeAspect="1" noChangeArrowheads="1"/>
-          </p:cNvPicPr>
+      <p:sp>
+        <p:nvSpPr>
+          <p:cNvPr id="4" name="Rectangle 1"/>
+          <p:cNvSpPr>
+            <a:spLocks noChangeArrowheads="1"/>
+          </p:cNvSpPr>
           <p:nvPr/>
-        </p:nvPicPr>
-        <p:blipFill>
-          <a:blip r:embed="rId1">
-            <a:extLst>
-              <a:ext uri="{28A0092B-C50C-407E-A947-70E740481C1C}">
-                <a14:useLocalDpi xmlns:a14="http://schemas.microsoft.com/office/drawing/2010/main" val="0"/>
-              </a:ext>
-            </a:extLst>
-          </a:blip>
-          <a:srcRect/>
-          <a:stretch>
-            <a:fillRect/>
-          </a:stretch>
-        </p:blipFill>
+        </p:nvSpPr>
         <p:spPr bwMode="auto">
           <a:xfrm>
-            <a:off x="899592" y="3457484"/>
-            <a:ext cx="5953125" cy="2771776"/>
+            <a:off x="0" y="0"/>
+            <a:ext cx="9144000" cy="457200"/>
           </a:xfrm>
           <a:prstGeom prst="rect">
             <a:avLst/>
           </a:prstGeom>
           <a:noFill/>
+          <a:ln>
+            <a:noFill/>
+          </a:ln>
+          <a:effectLst/>
           <a:extLst>
             <a:ext uri="{909E8E84-426E-40DD-AFC4-6F175D3DCCD1}">
               <a14:hiddenFill xmlns:a14="http://schemas.microsoft.com/office/drawing/2010/main">
                 <a:solidFill>
-                  <a:srgbClr val="FFFFFF"/>
+                  <a:schemeClr val="accent1"/>
                 </a:solidFill>
               </a14:hiddenFill>
             </a:ext>
+            <a:ext uri="{91240B29-F687-4F45-9708-019B960494DF}">
+              <a14:hiddenLine xmlns:a14="http://schemas.microsoft.com/office/drawing/2010/main" w="9525">
+                <a:solidFill>
+                  <a:schemeClr val="tx1"/>
+                </a:solidFill>
+                <a:miter lim="800000"/>
+                <a:headEnd/>
+                <a:tailEnd/>
+              </a14:hiddenLine>
+            </a:ext>
+            <a:ext uri="{AF507438-7753-43E0-B8FC-AC1667EBCBE1}">
+              <a14:hiddenEffects xmlns:a14="http://schemas.microsoft.com/office/drawing/2010/main">
+                <a:effectLst>
+                  <a:outerShdw dist="35921" dir="2700000" algn="ctr" rotWithShape="0">
+                    <a:schemeClr val="bg2"/>
+                  </a:outerShdw>
+                </a:effectLst>
+              </a14:hiddenEffects>
+            </a:ext>
           </a:extLst>
         </p:spPr>
-      </p:pic>
+        <p:txBody>
+          <a:bodyPr vert="horz" wrap="none" lIns="0" tIns="0" rIns="0" bIns="0" numCol="1" anchor="ctr" anchorCtr="0" compatLnSpc="1">
+            <a:spAutoFit/>
+          </a:bodyPr>
+          <a:lstStyle/>
+          <a:p>
+            <a:pPr marL="0" marR="0" lvl="0" indent="0" algn="l" defTabSz="914400" rtl="0" eaLnBrk="0" fontAlgn="base" latinLnBrk="0" hangingPunct="0">
+              <a:lnSpc>
+                <a:spcPct val="100000"/>
+              </a:lnSpc>
+              <a:spcBef>
+                <a:spcPct val="0"/>
+              </a:spcBef>
+              <a:spcAft>
+                <a:spcPct val="0"/>
+              </a:spcAft>
+              <a:buClrTx/>
+              <a:buSzTx/>
+              <a:buFontTx/>
+              <a:buNone/>
+            </a:pPr>
+            <a:r>
+              <a:rPr kumimoji="0" lang="zh-CN" altLang="zh-CN" sz="900" b="0" i="0" u="none" strike="noStrike" cap="none" normalizeH="0" baseline="0" smtClean="0">
+                <a:ln>
+                  <a:noFill/>
+                </a:ln>
+                <a:solidFill>
+                  <a:srgbClr val="000000"/>
+                </a:solidFill>
+                <a:effectLst/>
+                <a:latin typeface="Courier New" panose="02070309020205020404" pitchFamily="49" charset="0"/>
+                <a:cs typeface="Courier New" panose="02070309020205020404" pitchFamily="49" charset="0"/>
+              </a:rPr>
+              <a:t>WaitOne</a:t>
+            </a:r>
+            <a:r>
+              <a:rPr kumimoji="0" lang="zh-CN" altLang="zh-CN" sz="600" b="0" i="0" u="none" strike="noStrike" cap="none" normalizeH="0" baseline="0" smtClean="0">
+                <a:ln>
+                  <a:noFill/>
+                </a:ln>
+                <a:solidFill>
+                  <a:schemeClr val="tx1"/>
+                </a:solidFill>
+                <a:effectLst/>
+              </a:rPr>
+              <a:t> </a:t>
+            </a:r>
+            <a:endParaRPr kumimoji="0" lang="zh-CN" altLang="zh-CN" sz="1800" b="0" i="0" u="none" strike="noStrike" cap="none" normalizeH="0" baseline="0" smtClean="0">
+              <a:ln>
+                <a:noFill/>
+              </a:ln>
+              <a:solidFill>
+                <a:schemeClr val="tx1"/>
+              </a:solidFill>
+              <a:effectLst/>
+              <a:latin typeface="Arial" panose="020B0604020202020204" pitchFamily="34" charset="0"/>
+            </a:endParaRPr>
+          </a:p>
+        </p:txBody>
+      </p:sp>
     </p:spTree>
   </p:cSld>
   <p:clrMapOvr>
@@ -7030,20 +7782,8 @@
           <a:lstStyle/>
           <a:p>
             <a:r>
-              <a:rPr lang="en-US" altLang="zh-CN" dirty="0" smtClean="0"/>
-              <a:t>Controller</a:t>
-            </a:r>
-            <a:r>
-              <a:rPr lang="zh-CN" altLang="en-US" dirty="0" smtClean="0"/>
-              <a:t>的</a:t>
-            </a:r>
-            <a:r>
-              <a:rPr lang="en-US" altLang="zh-CN" dirty="0" smtClean="0"/>
-              <a:t>Invoke </a:t>
-            </a:r>
-            <a:r>
-              <a:rPr lang="en-US" altLang="zh-CN" dirty="0" err="1" smtClean="0"/>
-              <a:t>BeginInvoke</a:t>
+              <a:rPr lang="en-US" altLang="zh-CN" dirty="0"/>
+              <a:t>Asynchronous Programming Model APM</a:t>
             </a:r>
             <a:endParaRPr lang="zh-CN" altLang="en-US" dirty="0"/>
           </a:p>
@@ -7051,7 +7791,7 @@
       </p:sp>
       <p:sp>
         <p:nvSpPr>
-          <p:cNvPr id="5" name="内容占位符 4"/>
+          <p:cNvPr id="3" name="内容占位符 2"/>
           <p:cNvSpPr>
             <a:spLocks noGrp="1"/>
           </p:cNvSpPr>
@@ -7065,101 +7805,97 @@
           <a:lstStyle/>
           <a:p>
             <a:r>
-              <a:rPr lang="zh-CN" altLang="en-US" dirty="0" smtClean="0"/>
-              <a:t>实现</a:t>
-            </a:r>
-            <a:r>
-              <a:rPr lang="en-US" altLang="zh-CN" dirty="0" smtClean="0"/>
-              <a:t>controller</a:t>
-            </a:r>
-            <a:r>
-              <a:rPr lang="zh-CN" altLang="en-US" dirty="0" smtClean="0"/>
-              <a:t>同步异步的关键类：</a:t>
-            </a:r>
-            <a:endParaRPr lang="en-US" altLang="zh-CN" dirty="0" smtClean="0"/>
+              <a:rPr lang="en-US" altLang="zh-CN" dirty="0"/>
+              <a:t>– </a:t>
+            </a:r>
+            <a:r>
+              <a:rPr lang="zh-CN" altLang="en-US" dirty="0"/>
+              <a:t>异步编程模型</a:t>
+            </a:r>
+            <a:r>
+              <a:rPr lang="en-US" altLang="zh-CN" dirty="0"/>
+              <a:t>(Asynchronous Programming Model APM) </a:t>
+            </a:r>
           </a:p>
           <a:p>
             <a:r>
               <a:rPr lang="en-US" altLang="zh-CN" dirty="0" err="1"/>
-              <a:t>FindMarshalingControl</a:t>
-            </a:r>
-            <a:r>
-              <a:rPr lang="zh-CN" altLang="en-US" dirty="0"/>
-              <a:t>方法通过一个循环向上回溯，从当前控件开始回溯父控件，直到找到最顶级的父控件，用它作为封送对象</a:t>
-            </a:r>
-            <a:r>
-              <a:rPr lang="zh-CN" altLang="en-US" dirty="0" smtClean="0"/>
-              <a:t>。</a:t>
-            </a:r>
-            <a:endParaRPr lang="en-US" altLang="zh-CN" dirty="0" smtClean="0"/>
-          </a:p>
-          <a:p>
-            <a:r>
-              <a:rPr lang="en-US" altLang="zh-CN" b="1" dirty="0" err="1"/>
-              <a:t>MarshaledInvoke</a:t>
-            </a:r>
-            <a:endParaRPr lang="en-US" altLang="zh-CN" b="1" dirty="0"/>
-          </a:p>
-          <a:p>
-            <a:r>
-              <a:rPr lang="zh-CN" altLang="en-US" dirty="0"/>
-              <a:t>通过</a:t>
+              <a:t>.Net</a:t>
             </a:r>
             <a:r>
               <a:rPr lang="en-US" altLang="zh-CN" dirty="0"/>
-              <a:t>windows</a:t>
-            </a:r>
-            <a:r>
-              <a:rPr lang="zh-CN" altLang="en-US" dirty="0"/>
-              <a:t>消息机制实现了封送。而需要封送的委托方法作为消息的参数进行了传递</a:t>
-            </a:r>
-            <a:r>
-              <a:rPr lang="zh-CN" altLang="en-US" dirty="0" smtClean="0"/>
-              <a:t>。</a:t>
-            </a:r>
-            <a:endParaRPr lang="en-US" altLang="zh-CN" dirty="0" smtClean="0"/>
-          </a:p>
-          <a:p>
+              <a:t> Framework 1 </a:t>
+            </a:r>
+            <a:r>
+              <a:rPr lang="zh-CN" altLang="en-US" dirty="0"/>
+              <a:t>已经引入了这个模式，也称</a:t>
+            </a:r>
+            <a:r>
+              <a:rPr lang="en-US" altLang="zh-CN" dirty="0"/>
+              <a:t>Begin/End </a:t>
+            </a:r>
+            <a:r>
+              <a:rPr lang="zh-CN" altLang="en-US" dirty="0"/>
+              <a:t>模式。一个 以</a:t>
+            </a:r>
+            <a:r>
+              <a:rPr lang="en-US" altLang="zh-CN" dirty="0"/>
+              <a:t>Begin</a:t>
+            </a:r>
+            <a:r>
+              <a:rPr lang="zh-CN" altLang="en-US" dirty="0"/>
+              <a:t>为前缀 的方法加载异步执行，并返回一个</a:t>
+            </a:r>
             <a:r>
               <a:rPr lang="en-US" altLang="zh-CN" dirty="0" err="1"/>
-              <a:t>UnsafeNativeMethods.PostMessage</a:t>
+              <a:t>System.IAsyncResult</a:t>
+            </a:r>
+            <a:r>
+              <a:rPr lang="zh-CN" altLang="en-US" dirty="0"/>
+              <a:t>对象，这个对象表示这个异步操作的状态。</a:t>
             </a:r>
             <a:r>
               <a:rPr lang="en-US" altLang="zh-CN" dirty="0"/>
-              <a:t>(new </a:t>
+              <a:t>Begin</a:t>
+            </a:r>
+            <a:r>
+              <a:rPr lang="zh-CN" altLang="en-US" dirty="0"/>
+              <a:t>方法可以接受一些与异步操作相关的参数，和一个</a:t>
             </a:r>
             <a:r>
               <a:rPr lang="en-US" altLang="zh-CN" dirty="0" err="1"/>
-              <a:t>HandleRef</a:t>
+              <a:t>System.AsyncCallback</a:t>
+            </a:r>
+            <a:r>
+              <a:rPr lang="zh-CN" altLang="en-US" dirty="0"/>
+              <a:t>对象。这个对象表示异步操作结束时要调用的方法。然后可以调用以</a:t>
             </a:r>
             <a:r>
               <a:rPr lang="en-US" altLang="zh-CN" dirty="0"/>
-              <a:t>(this, Handle), </a:t>
-            </a:r>
-            <a:r>
-              <a:rPr lang="en-US" altLang="zh-CN" dirty="0" err="1"/>
-              <a:t>threadCallbackMessage</a:t>
+              <a:t>End</a:t>
+            </a:r>
+            <a:r>
+              <a:rPr lang="zh-CN" altLang="en-US" dirty="0"/>
+              <a:t>为前缀的方法，以</a:t>
             </a:r>
             <a:r>
               <a:rPr lang="en-US" altLang="zh-CN" dirty="0"/>
-              <a:t>, </a:t>
-            </a:r>
-            <a:r>
-              <a:rPr lang="en-US" altLang="zh-CN" dirty="0" err="1"/>
-              <a:t>IntPtr.Zero</a:t>
+              <a:t>End</a:t>
+            </a:r>
+            <a:r>
+              <a:rPr lang="zh-CN" altLang="en-US" dirty="0"/>
+              <a:t>为前缀的方法会阻塞当前任务或线程，直到</a:t>
             </a:r>
             <a:r>
               <a:rPr lang="en-US" altLang="zh-CN" dirty="0"/>
-              <a:t>, </a:t>
-            </a:r>
-            <a:r>
-              <a:rPr lang="en-US" altLang="zh-CN" dirty="0" err="1"/>
-              <a:t>IntPtr.Zero</a:t>
-            </a:r>
-            <a:r>
-              <a:rPr lang="en-US" altLang="zh-CN" dirty="0"/>
-              <a:t>);</a:t>
-            </a:r>
+              <a:t>I/O</a:t>
+            </a:r>
+            <a:r>
+              <a:rPr lang="zh-CN" altLang="en-US" dirty="0"/>
+              <a:t>线程完成。它还可以返回操作结果相关的信息。</a:t>
+            </a:r>
+          </a:p>
+          <a:p>
             <a:endParaRPr lang="zh-CN" altLang="en-US" dirty="0"/>
           </a:p>
         </p:txBody>
@@ -7249,19 +7985,16 @@
             </a:pPr>
             <a:r>
               <a:rPr lang="en-US" altLang="zh-CN" dirty="0">
-                <a:hlinkClick r:id="rId1"/>
+                <a:hlinkClick r:id="rId2"/>
               </a:rPr>
               <a:t>http://</a:t>
             </a:r>
             <a:r>
               <a:rPr lang="en-US" altLang="zh-CN" dirty="0" smtClean="0">
-                <a:hlinkClick r:id="rId1"/>
+                <a:hlinkClick r:id="rId2"/>
               </a:rPr>
               <a:t>www.cnblogs.com/happyhippy/archive/2007/04/08/710933.html</a:t>
             </a:r>
-            <a:endParaRPr lang="en-US" altLang="zh-CN" dirty="0" smtClean="0">
-              <a:hlinkClick r:id="rId1"/>
-            </a:endParaRPr>
           </a:p>
           <a:p>
             <a:pPr marL="0" indent="0">
@@ -7271,7 +8004,6 @@
               <a:rPr lang="en-US" altLang="zh-CN" dirty="0" smtClean="0"/>
               <a:t>https://down.52pojie.cn/Tools/Debuggers/</a:t>
             </a:r>
-            <a:endParaRPr lang="en-US" altLang="zh-CN" dirty="0" smtClean="0"/>
           </a:p>
           <a:p>
             <a:pPr marL="0" indent="0">
@@ -7295,7 +8027,6 @@
               <a:rPr lang="en-US" altLang="zh-CN" dirty="0" smtClean="0"/>
               <a:t>NT_SYMBOL_PATH</a:t>
             </a:r>
-            <a:endParaRPr lang="en-US" altLang="zh-CN" dirty="0" smtClean="0"/>
           </a:p>
           <a:p>
             <a:pPr marL="0" indent="0">
@@ -7315,13 +8046,13 @@
             </a:r>
             <a:r>
               <a:rPr lang="en-US" altLang="zh-CN" dirty="0">
-                <a:hlinkClick r:id="rId2"/>
+                <a:hlinkClick r:id="rId3"/>
               </a:rPr>
               <a:t>http://</a:t>
             </a:r>
             <a:r>
               <a:rPr lang="en-US" altLang="zh-CN" dirty="0" smtClean="0">
-                <a:hlinkClick r:id="rId2"/>
+                <a:hlinkClick r:id="rId3"/>
               </a:rPr>
               <a:t>msdl.microsoft.com/download/symbols</a:t>
             </a:r>
@@ -7394,12 +8125,16 @@
           <a:lstStyle/>
           <a:p>
             <a:r>
-              <a:rPr lang="en-US" altLang="zh-CN" dirty="0" smtClean="0"/>
-              <a:t>Framework </a:t>
-            </a:r>
-            <a:r>
-              <a:rPr lang="zh-CN" altLang="en-US" dirty="0" smtClean="0"/>
-              <a:t>其他的异步实现</a:t>
+              <a:rPr lang="zh-CN" altLang="en-US" dirty="0" smtClean="0"/>
+              <a:t>基于委托的</a:t>
+            </a:r>
+            <a:r>
+              <a:rPr lang="en-US" altLang="zh-CN" dirty="0" smtClean="0"/>
+              <a:t>Invoke </a:t>
+            </a:r>
+            <a:r>
+              <a:rPr lang="en-US" altLang="zh-CN" dirty="0" err="1" smtClean="0"/>
+              <a:t>BeginInvoke</a:t>
             </a:r>
             <a:endParaRPr lang="zh-CN" altLang="en-US" dirty="0"/>
           </a:p>
@@ -7407,7 +8142,7 @@
       </p:sp>
       <p:sp>
         <p:nvSpPr>
-          <p:cNvPr id="5" name="内容占位符 4"/>
+          <p:cNvPr id="4" name="内容占位符 3"/>
           <p:cNvSpPr>
             <a:spLocks noGrp="1"/>
           </p:cNvSpPr>
@@ -7421,12 +8156,98 @@
           <a:lstStyle/>
           <a:p>
             <a:r>
-              <a:rPr lang="en-US" altLang="zh-CN" dirty="0" err="1" smtClean="0"/>
-              <a:t>ISynchronizeInvoke</a:t>
+              <a:rPr lang="en-US" altLang="zh-CN" dirty="0" smtClean="0"/>
+              <a:t>CLR</a:t>
+            </a:r>
+            <a:r>
+              <a:rPr lang="zh-CN" altLang="en-US" dirty="0"/>
+              <a:t>为每一个委托类型提供了一个</a:t>
+            </a:r>
+            <a:r>
+              <a:rPr lang="en-US" altLang="zh-CN" dirty="0"/>
+              <a:t>Invoke</a:t>
+            </a:r>
+            <a:r>
+              <a:rPr lang="zh-CN" altLang="en-US" dirty="0"/>
+              <a:t>方法，并且该方法和</a:t>
+            </a:r>
+            <a:r>
+              <a:rPr lang="en-US" altLang="zh-CN" dirty="0"/>
+              <a:t>delegate</a:t>
+            </a:r>
+            <a:r>
+              <a:rPr lang="zh-CN" altLang="en-US" dirty="0"/>
+              <a:t>拥有相同的</a:t>
+            </a:r>
+            <a:r>
+              <a:rPr lang="zh-CN" altLang="en-US" dirty="0" smtClean="0"/>
+              <a:t>签名</a:t>
             </a:r>
             <a:endParaRPr lang="en-US" altLang="zh-CN" dirty="0" smtClean="0"/>
           </a:p>
           <a:p>
+            <a:r>
+              <a:rPr lang="en-US" altLang="zh-CN" dirty="0" smtClean="0"/>
+              <a:t>CLR</a:t>
+            </a:r>
+            <a:r>
+              <a:rPr lang="zh-CN" altLang="en-US" dirty="0"/>
+              <a:t>为每一个委托类型提供了</a:t>
+            </a:r>
+            <a:r>
+              <a:rPr lang="en-US" altLang="zh-CN" dirty="0" err="1"/>
+              <a:t>BeginInvoke</a:t>
+            </a:r>
+            <a:r>
+              <a:rPr lang="zh-CN" altLang="en-US" dirty="0"/>
+              <a:t>和</a:t>
+            </a:r>
+            <a:r>
+              <a:rPr lang="en-US" altLang="zh-CN" dirty="0" err="1"/>
+              <a:t>EndInvoke</a:t>
+            </a:r>
+            <a:r>
+              <a:rPr lang="zh-CN" altLang="en-US" dirty="0"/>
+              <a:t>方法，来确保委托的异步</a:t>
+            </a:r>
+            <a:r>
+              <a:rPr lang="zh-CN" altLang="en-US" dirty="0" smtClean="0"/>
+              <a:t>调用</a:t>
+            </a:r>
+            <a:endParaRPr lang="en-US" altLang="zh-CN" dirty="0" smtClean="0"/>
+          </a:p>
+          <a:p>
+            <a:endParaRPr lang="en-US" altLang="zh-CN" dirty="0"/>
+          </a:p>
+          <a:p>
+            <a:r>
+              <a:rPr lang="zh-CN" altLang="en-US" dirty="0"/>
+              <a:t>通过一个委托来进行同步方法的异步调用，也是</a:t>
+            </a:r>
+            <a:r>
+              <a:rPr lang="en-US" altLang="zh-CN" dirty="0" err="1"/>
+              <a:t>.net</a:t>
+            </a:r>
+            <a:r>
+              <a:rPr lang="zh-CN" altLang="en-US" dirty="0"/>
+              <a:t>提供的异步调用机制之一。但是</a:t>
+            </a:r>
+            <a:r>
+              <a:rPr lang="en-US" altLang="zh-CN" dirty="0" err="1"/>
+              <a:t>Delegate.BeginInvoke</a:t>
+            </a:r>
+            <a:r>
+              <a:rPr lang="zh-CN" altLang="en-US" dirty="0"/>
+              <a:t>方法是从</a:t>
+            </a:r>
+            <a:r>
+              <a:rPr lang="en-US" altLang="zh-CN" dirty="0" err="1"/>
+              <a:t>ThreadPool</a:t>
+            </a:r>
+            <a:r>
+              <a:rPr lang="zh-CN" altLang="en-US" dirty="0"/>
+              <a:t>取出一个线程来执行这个方法，以获得异步执行效果的。也就是说，如果采用这种方式提交多个异步委托，那么这些调用的顺序无法得到保证。而且由于是使用线程池里面的线程来完成任务，使用频繁，会对系统的性能造成影响。</a:t>
+            </a:r>
             <a:endParaRPr lang="en-US" altLang="zh-CN" dirty="0" smtClean="0"/>
           </a:p>
           <a:p>
@@ -7475,12 +8296,20 @@
           <a:lstStyle/>
           <a:p>
             <a:r>
-              <a:rPr lang="zh-CN" altLang="en-US" dirty="0"/>
-              <a:t>基于事件的异步编程模式</a:t>
-            </a:r>
-            <a:r>
-              <a:rPr lang="en-US" altLang="zh-CN" dirty="0"/>
-              <a:t>(Event-Based Asynchronous Pattern EAP) </a:t>
+              <a:rPr lang="en-US" altLang="zh-CN" dirty="0" smtClean="0"/>
+              <a:t>Controller</a:t>
+            </a:r>
+            <a:r>
+              <a:rPr lang="zh-CN" altLang="en-US" dirty="0" smtClean="0"/>
+              <a:t>的</a:t>
+            </a:r>
+            <a:r>
+              <a:rPr lang="en-US" altLang="zh-CN" dirty="0" smtClean="0"/>
+              <a:t>Invoke </a:t>
+            </a:r>
+            <a:r>
+              <a:rPr lang="en-US" altLang="zh-CN" dirty="0" err="1" smtClean="0"/>
+              <a:t>BeginInvoke</a:t>
             </a:r>
             <a:endParaRPr lang="zh-CN" altLang="en-US" dirty="0"/>
           </a:p>
@@ -7488,7 +8317,7 @@
       </p:sp>
       <p:sp>
         <p:nvSpPr>
-          <p:cNvPr id="3" name="内容占位符 2"/>
+          <p:cNvPr id="5" name="内容占位符 4"/>
           <p:cNvSpPr>
             <a:spLocks noGrp="1"/>
           </p:cNvSpPr>
@@ -7503,114 +8332,69 @@
           <a:p>
             <a:r>
               <a:rPr lang="en-US" altLang="zh-CN" dirty="0"/>
-              <a:t>– </a:t>
-            </a:r>
-            <a:r>
-              <a:rPr lang="en-US" altLang="zh-CN" dirty="0" smtClean="0"/>
-              <a:t>EAP</a:t>
-            </a:r>
-            <a:endParaRPr lang="en-US" altLang="zh-CN" dirty="0"/>
-          </a:p>
-          <a:p>
-            <a:r>
-              <a:rPr lang="en-US" altLang="zh-CN" dirty="0" err="1"/>
-              <a:t>.Net</a:t>
+              <a:t>Windows GUI</a:t>
+            </a:r>
+            <a:r>
+              <a:rPr lang="zh-CN" altLang="en-US" dirty="0"/>
+              <a:t>程序是基于消息机制的，有个主线程维护着一个消息</a:t>
+            </a:r>
+            <a:r>
+              <a:rPr lang="zh-CN" altLang="en-US" dirty="0" smtClean="0"/>
+              <a:t>泵。这个</a:t>
+            </a:r>
+            <a:r>
+              <a:rPr lang="zh-CN" altLang="en-US" dirty="0"/>
+              <a:t>消息泵让</a:t>
             </a:r>
             <a:r>
               <a:rPr lang="en-US" altLang="zh-CN" dirty="0"/>
-              <a:t> Framework 2 </a:t>
-            </a:r>
-            <a:r>
-              <a:rPr lang="zh-CN" altLang="en-US" dirty="0"/>
-              <a:t>为异步操作引入了这个模式。一个以</a:t>
-            </a:r>
-            <a:r>
-              <a:rPr lang="en-US" altLang="zh-CN" dirty="0" err="1"/>
-              <a:t>Async</a:t>
-            </a:r>
-            <a:r>
-              <a:rPr lang="zh-CN" altLang="en-US" dirty="0"/>
-              <a:t>为后缀的方法加载异步执行，当异步执行完成或取消时，异步操作会抛出一个事件，一个委托可以与这个事件绑定，并提供处理事件的回调函数</a:t>
-            </a:r>
-            <a:r>
-              <a:rPr lang="zh-CN" altLang="en-US" dirty="0" smtClean="0"/>
-              <a:t>。（多文件下载</a:t>
-            </a:r>
-            <a:r>
-              <a:rPr lang="en-US" altLang="zh-CN" dirty="0" smtClean="0"/>
-              <a:t>demo</a:t>
-            </a:r>
-            <a:r>
-              <a:rPr lang="zh-CN" altLang="en-US" dirty="0" smtClean="0"/>
-              <a:t>）</a:t>
+              <a:t>windows</a:t>
+            </a:r>
+            <a:r>
+              <a:rPr lang="zh-CN" altLang="en-US" dirty="0"/>
+              <a:t>程序生生不息</a:t>
+            </a:r>
+            <a:r>
+              <a:rPr lang="zh-CN" altLang="en-US" dirty="0" smtClean="0"/>
+              <a:t>。</a:t>
             </a:r>
             <a:endParaRPr lang="en-US" altLang="zh-CN" dirty="0" smtClean="0"/>
           </a:p>
           <a:p>
-            <a:pPr latinLnBrk="0"/>
-            <a:r>
-              <a:rPr lang="en-US" altLang="zh-CN" dirty="0"/>
-              <a:t>1</a:t>
-            </a:r>
-            <a:r>
-              <a:rPr lang="zh-CN" altLang="en-US" dirty="0"/>
-              <a:t>、要进行异步的方法其方法名应该以</a:t>
-            </a:r>
-            <a:r>
-              <a:rPr lang="en-US" altLang="zh-CN" dirty="0" err="1"/>
-              <a:t>XXXAsync</a:t>
-            </a:r>
-            <a:r>
-              <a:rPr lang="zh-CN" altLang="en-US" dirty="0"/>
-              <a:t>结尾</a:t>
-            </a:r>
-            <a:endParaRPr lang="zh-CN" altLang="en-US" dirty="0"/>
-          </a:p>
-          <a:p>
-            <a:pPr latinLnBrk="0"/>
-            <a:r>
-              <a:rPr lang="en-US" altLang="zh-CN" dirty="0"/>
-              <a:t>2</a:t>
-            </a:r>
-            <a:r>
-              <a:rPr lang="zh-CN" altLang="en-US" dirty="0"/>
-              <a:t>、要有一个名为</a:t>
-            </a:r>
-            <a:r>
-              <a:rPr lang="en-US" altLang="zh-CN" dirty="0" err="1"/>
-              <a:t>XXXCompleted</a:t>
-            </a:r>
-            <a:r>
-              <a:rPr lang="zh-CN" altLang="en-US" dirty="0"/>
-              <a:t>的事件监听异步方法的完成</a:t>
-            </a:r>
-            <a:endParaRPr lang="zh-CN" altLang="en-US" dirty="0"/>
-          </a:p>
-          <a:p>
-            <a:pPr latinLnBrk="0"/>
-            <a:r>
-              <a:rPr lang="en-US" altLang="zh-CN" dirty="0"/>
-              <a:t>3</a:t>
-            </a:r>
-            <a:r>
-              <a:rPr lang="zh-CN" altLang="en-US" dirty="0"/>
-              <a:t>、可增加一个</a:t>
-            </a:r>
-            <a:r>
-              <a:rPr lang="en-US" altLang="zh-CN" dirty="0" err="1"/>
-              <a:t>CancelAsync</a:t>
-            </a:r>
-            <a:r>
-              <a:rPr lang="zh-CN" altLang="en-US" dirty="0"/>
-              <a:t>方法用于取消正在执行的异步方法（可选）</a:t>
-            </a:r>
-            <a:endParaRPr lang="zh-CN" altLang="en-US" dirty="0"/>
+            <a:endParaRPr lang="en-US" altLang="zh-CN" dirty="0" smtClean="0"/>
+          </a:p>
+          <a:p>
+            <a:endParaRPr lang="en-US" altLang="zh-CN" dirty="0" smtClean="0"/>
           </a:p>
           <a:p>
             <a:endParaRPr lang="zh-CN" altLang="en-US" dirty="0"/>
           </a:p>
         </p:txBody>
       </p:sp>
+      <p:pic>
+        <p:nvPicPr>
+          <p:cNvPr id="6" name="图片 5"/>
+          <p:cNvPicPr>
+            <a:picLocks noChangeAspect="1"/>
+          </p:cNvPicPr>
+          <p:nvPr/>
+        </p:nvPicPr>
+        <p:blipFill>
+          <a:blip r:embed="rId2"/>
+          <a:stretch>
+            <a:fillRect/>
+          </a:stretch>
+        </p:blipFill>
+        <p:spPr>
+          <a:xfrm>
+            <a:off x="827584" y="2204864"/>
+            <a:ext cx="5229225" cy="3562350"/>
+          </a:xfrm>
+          <a:prstGeom prst="rect">
+            <a:avLst/>
+          </a:prstGeom>
+        </p:spPr>
+      </p:pic>
     </p:spTree>
   </p:cSld>
   <p:clrMapOvr>
@@ -7652,16 +8436,21 @@
           <a:lstStyle/>
           <a:p>
             <a:r>
-              <a:rPr lang="en-US" altLang="zh-CN" b="1" dirty="0" err="1" smtClean="0"/>
-              <a:t>async</a:t>
-            </a:r>
-            <a:r>
-              <a:rPr lang="en-US" altLang="zh-CN" b="1" dirty="0" smtClean="0"/>
-              <a:t>/await</a:t>
-            </a:r>
-            <a:br>
-              <a:rPr lang="en-US" altLang="zh-CN" b="1" dirty="0" smtClean="0"/>
-            </a:br>
+              <a:rPr lang="en-US" altLang="zh-CN" dirty="0" smtClean="0"/>
+              <a:t>Controller</a:t>
+            </a:r>
+            <a:r>
+              <a:rPr lang="zh-CN" altLang="en-US" dirty="0" smtClean="0"/>
+              <a:t>的</a:t>
+            </a:r>
+            <a:r>
+              <a:rPr lang="en-US" altLang="zh-CN" dirty="0" smtClean="0"/>
+              <a:t>Invoke </a:t>
+            </a:r>
+            <a:r>
+              <a:rPr lang="en-US" altLang="zh-CN" dirty="0" err="1" smtClean="0"/>
+              <a:t>BeginInvoke</a:t>
+            </a:r>
             <a:endParaRPr lang="zh-CN" altLang="en-US" dirty="0"/>
           </a:p>
         </p:txBody>
@@ -7681,216 +8470,72 @@
           <a:bodyPr/>
           <a:lstStyle/>
           <a:p>
-            <a:r>
-              <a:rPr lang="en-US" altLang="zh-CN" dirty="0" smtClean="0"/>
-              <a:t>C#5.0</a:t>
-            </a:r>
-            <a:r>
-              <a:rPr lang="zh-CN" altLang="en-US" dirty="0" smtClean="0"/>
-              <a:t>出来的语法糖</a:t>
-            </a:r>
-            <a:endParaRPr lang="en-US" altLang="zh-CN" dirty="0" smtClean="0"/>
-          </a:p>
-          <a:p>
-            <a:r>
-              <a:rPr lang="zh-CN" altLang="en-US" dirty="0" smtClean="0"/>
-              <a:t>它的好处是代码易读性高</a:t>
-            </a:r>
-            <a:endParaRPr lang="en-US" altLang="zh-CN" dirty="0" smtClean="0"/>
-          </a:p>
-          <a:p>
-            <a:r>
-              <a:rPr lang="zh-CN" altLang="en-US" dirty="0" smtClean="0"/>
-              <a:t>特别对于网站，网站的并发量是由</a:t>
-            </a:r>
-            <a:r>
-              <a:rPr lang="en-US" altLang="zh-CN" dirty="0" smtClean="0"/>
-              <a:t>IIS</a:t>
-            </a:r>
-            <a:r>
-              <a:rPr lang="zh-CN" altLang="en-US" dirty="0" smtClean="0"/>
-              <a:t>相应站点配置的应用池队列大小、最大工作进程数和最大并发连接数决定的</a:t>
-            </a:r>
-            <a:endParaRPr lang="en-US" altLang="zh-CN" dirty="0" smtClean="0"/>
-          </a:p>
-          <a:p>
-            <a:r>
-              <a:rPr lang="en-US" altLang="zh-CN" dirty="0" smtClean="0"/>
-              <a:t>IIS</a:t>
-            </a:r>
-            <a:r>
-              <a:rPr lang="zh-CN" altLang="en-US" dirty="0"/>
-              <a:t>最大并发连接数 </a:t>
+            <a:pPr marL="0" indent="0">
+              <a:buNone/>
+            </a:pPr>
+            <a:r>
+              <a:rPr lang="en-US" altLang="zh-CN" dirty="0" smtClean="0"/>
+              <a:t>Windows</a:t>
+            </a:r>
+            <a:r>
+              <a:rPr lang="zh-CN" altLang="en-US" dirty="0" smtClean="0"/>
+              <a:t>程序有个消息队列，窗体上的所有消息是这个队列里面消息的最主要来源。这里的</a:t>
+            </a:r>
+            <a:r>
+              <a:rPr lang="en-US" altLang="zh-CN" dirty="0" smtClean="0"/>
+              <a:t>while</a:t>
+            </a:r>
+            <a:r>
+              <a:rPr lang="zh-CN" altLang="en-US" dirty="0" smtClean="0"/>
+              <a:t>循环使用了</a:t>
+            </a:r>
+            <a:r>
+              <a:rPr lang="en-US" altLang="zh-CN" dirty="0" err="1" smtClean="0"/>
+              <a:t>GetMessage</a:t>
+            </a:r>
+            <a:r>
+              <a:rPr lang="zh-CN" altLang="en-US" dirty="0" smtClean="0"/>
+              <a:t>（）这个方法，这是个阻塞方法，也就是队列为空时方法就会被阻塞，从而这个</a:t>
+            </a:r>
+            <a:r>
+              <a:rPr lang="en-US" altLang="zh-CN" dirty="0" smtClean="0"/>
+              <a:t>while</a:t>
+            </a:r>
+            <a:r>
+              <a:rPr lang="zh-CN" altLang="en-US" dirty="0" smtClean="0"/>
+              <a:t>循环停止运动，这避免了一个程序把</a:t>
+            </a:r>
+            <a:r>
+              <a:rPr lang="en-US" altLang="zh-CN" dirty="0" err="1" smtClean="0"/>
+              <a:t>cpu</a:t>
+            </a:r>
+            <a:r>
+              <a:rPr lang="zh-CN" altLang="en-US" dirty="0" smtClean="0"/>
+              <a:t>无缘无故地耗尽，让其它程序难以得到响应。防止</a:t>
+            </a:r>
+            <a:r>
+              <a:rPr lang="en-US" altLang="zh-CN" dirty="0" smtClean="0"/>
+              <a:t>windows</a:t>
+            </a:r>
+            <a:r>
+              <a:rPr lang="zh-CN" altLang="en-US" dirty="0" smtClean="0"/>
+              <a:t>被阻塞可以通过</a:t>
+            </a:r>
+            <a:r>
+              <a:rPr lang="en-US" altLang="zh-CN" dirty="0" smtClean="0"/>
+              <a:t> </a:t>
+            </a:r>
+            <a:r>
+              <a:rPr lang="en-US" altLang="zh-CN" dirty="0" err="1"/>
+              <a:t>PeekMessage</a:t>
             </a:r>
             <a:r>
               <a:rPr lang="en-US" altLang="zh-CN" dirty="0"/>
-              <a:t>= </a:t>
-            </a:r>
-            <a:r>
-              <a:rPr lang="zh-CN" altLang="en-US" dirty="0"/>
-              <a:t>队列长度 </a:t>
-            </a:r>
-            <a:r>
-              <a:rPr lang="en-US" altLang="zh-CN" dirty="0"/>
-              <a:t>+ IIS</a:t>
-            </a:r>
-            <a:r>
-              <a:rPr lang="zh-CN" altLang="en-US" dirty="0"/>
-              <a:t>最大并发</a:t>
-            </a:r>
-            <a:r>
-              <a:rPr lang="zh-CN" altLang="en-US" dirty="0" smtClean="0"/>
-              <a:t>工作线程数</a:t>
-            </a:r>
-            <a:endParaRPr lang="en-US" altLang="zh-CN" dirty="0"/>
-          </a:p>
-          <a:p>
-            <a:r>
-              <a:rPr lang="en-US" altLang="zh-CN" dirty="0"/>
-              <a:t>IIS</a:t>
-            </a:r>
-            <a:r>
-              <a:rPr lang="zh-CN" altLang="en-US" dirty="0"/>
-              <a:t>的默认值对我们网站并发处理能力的影响。</a:t>
-            </a:r>
-            <a:r>
-              <a:rPr lang="en-US" altLang="zh-CN" dirty="0"/>
-              <a:t>IIS</a:t>
-            </a:r>
-            <a:r>
-              <a:rPr lang="zh-CN" altLang="en-US" dirty="0"/>
-              <a:t>默认的</a:t>
-            </a:r>
-            <a:r>
-              <a:rPr lang="en-US" altLang="zh-CN" dirty="0"/>
-              <a:t>【</a:t>
-            </a:r>
-            <a:r>
-              <a:rPr lang="zh-CN" altLang="en-US" dirty="0"/>
-              <a:t>最大并发连接数</a:t>
-            </a:r>
-            <a:r>
-              <a:rPr lang="en-US" altLang="zh-CN" dirty="0"/>
-              <a:t>】</a:t>
-            </a:r>
-            <a:r>
-              <a:rPr lang="zh-CN" altLang="en-US" dirty="0"/>
-              <a:t>为</a:t>
-            </a:r>
-            <a:r>
-              <a:rPr lang="en-US" altLang="zh-CN" dirty="0"/>
-              <a:t>4294967295</a:t>
-            </a:r>
-            <a:r>
-              <a:rPr lang="zh-CN" altLang="en-US" dirty="0"/>
-              <a:t>（</a:t>
-            </a:r>
-            <a:r>
-              <a:rPr lang="en-US" altLang="zh-CN" dirty="0"/>
-              <a:t>42</a:t>
-            </a:r>
-            <a:r>
-              <a:rPr lang="zh-CN" altLang="en-US" dirty="0"/>
-              <a:t>亿多），而</a:t>
-            </a:r>
-            <a:r>
-              <a:rPr lang="en-US" altLang="zh-CN" dirty="0"/>
-              <a:t>【</a:t>
-            </a:r>
-            <a:r>
-              <a:rPr lang="zh-CN" altLang="en-US" dirty="0"/>
-              <a:t>队列长度</a:t>
-            </a:r>
-            <a:r>
-              <a:rPr lang="en-US" altLang="zh-CN" dirty="0"/>
-              <a:t>】</a:t>
-            </a:r>
-            <a:r>
-              <a:rPr lang="zh-CN" altLang="en-US" dirty="0"/>
-              <a:t>默认值为</a:t>
-            </a:r>
-            <a:r>
-              <a:rPr lang="en-US" altLang="zh-CN" dirty="0"/>
-              <a:t>1000</a:t>
-            </a:r>
-            <a:r>
-              <a:rPr lang="zh-CN" altLang="en-US" dirty="0"/>
-              <a:t>。对于</a:t>
-            </a:r>
-            <a:r>
-              <a:rPr lang="en-US" altLang="zh-CN" dirty="0"/>
-              <a:t>windows server</a:t>
-            </a:r>
-            <a:r>
-              <a:rPr lang="zh-CN" altLang="en-US" dirty="0"/>
-              <a:t>版本的</a:t>
-            </a:r>
-            <a:r>
-              <a:rPr lang="en-US" altLang="zh-CN" dirty="0"/>
-              <a:t>IIS</a:t>
-            </a:r>
-            <a:r>
-              <a:rPr lang="zh-CN" altLang="en-US" dirty="0"/>
-              <a:t>，最大并发工作线程数可能几百（猜测，可能没有限制），按照这个默认值，那么</a:t>
-            </a:r>
-            <a:r>
-              <a:rPr lang="en-US" altLang="zh-CN" dirty="0"/>
-              <a:t>IIS</a:t>
-            </a:r>
-            <a:r>
-              <a:rPr lang="zh-CN" altLang="en-US" dirty="0"/>
-              <a:t>同时处理的请求数也就</a:t>
-            </a:r>
-            <a:r>
-              <a:rPr lang="en-US" altLang="zh-CN" dirty="0"/>
-              <a:t>1000</a:t>
-            </a:r>
-            <a:r>
-              <a:rPr lang="zh-CN" altLang="en-US" dirty="0"/>
-              <a:t>多</a:t>
-            </a:r>
-            <a:r>
-              <a:rPr lang="zh-CN" altLang="en-US" dirty="0" smtClean="0"/>
-              <a:t>。</a:t>
-            </a:r>
-            <a:endParaRPr lang="en-US" altLang="zh-CN" dirty="0" smtClean="0"/>
-          </a:p>
-          <a:p>
-            <a:r>
-              <a:rPr lang="en-US" altLang="zh-CN" dirty="0" err="1" smtClean="0"/>
-              <a:t>Async</a:t>
-            </a:r>
-            <a:r>
-              <a:rPr lang="en-US" altLang="zh-CN" dirty="0" smtClean="0"/>
-              <a:t> await </a:t>
-            </a:r>
-            <a:r>
-              <a:rPr lang="zh-CN" altLang="en-US" dirty="0" smtClean="0"/>
-              <a:t>可以有效的释放当前的</a:t>
-            </a:r>
-            <a:r>
-              <a:rPr lang="en-US" altLang="zh-CN" dirty="0" smtClean="0"/>
-              <a:t>worker</a:t>
-            </a:r>
-            <a:r>
-              <a:rPr lang="zh-CN" altLang="en-US" dirty="0" smtClean="0"/>
-              <a:t>线程，调用</a:t>
-            </a:r>
-            <a:r>
-              <a:rPr lang="en-US" altLang="zh-CN" dirty="0" smtClean="0"/>
-              <a:t>CLR</a:t>
-            </a:r>
-            <a:r>
-              <a:rPr lang="zh-CN" altLang="en-US" dirty="0" smtClean="0"/>
-              <a:t>线程池执行异步操作，</a:t>
-            </a:r>
-            <a:r>
-              <a:rPr lang="en-US" altLang="zh-CN" dirty="0" smtClean="0"/>
-              <a:t>worker</a:t>
-            </a:r>
-            <a:r>
-              <a:rPr lang="zh-CN" altLang="en-US" dirty="0" smtClean="0"/>
-              <a:t>线程可以处理其他请求，提高了网站的并发量</a:t>
+              <a:t> </a:t>
+            </a:r>
+            <a:r>
+              <a:rPr lang="zh-CN" altLang="en-US" dirty="0" smtClean="0"/>
+              <a:t>处理消息。</a:t>
             </a:r>
             <a:endParaRPr lang="zh-CN" altLang="en-US" dirty="0"/>
           </a:p>
@@ -7937,16 +8582,21 @@
           <a:lstStyle/>
           <a:p>
             <a:r>
-              <a:rPr lang="en-US" altLang="zh-CN" b="1" dirty="0" err="1" smtClean="0"/>
-              <a:t>async</a:t>
-            </a:r>
-            <a:r>
-              <a:rPr lang="en-US" altLang="zh-CN" b="1" dirty="0" smtClean="0"/>
-              <a:t>/await</a:t>
-            </a:r>
-            <a:br>
-              <a:rPr lang="en-US" altLang="zh-CN" b="1" dirty="0" smtClean="0"/>
-            </a:br>
+              <a:rPr lang="en-US" altLang="zh-CN" dirty="0" smtClean="0"/>
+              <a:t>Controller</a:t>
+            </a:r>
+            <a:r>
+              <a:rPr lang="zh-CN" altLang="en-US" dirty="0" smtClean="0"/>
+              <a:t>的</a:t>
+            </a:r>
+            <a:r>
+              <a:rPr lang="en-US" altLang="zh-CN" dirty="0" smtClean="0"/>
+              <a:t>Invoke </a:t>
+            </a:r>
+            <a:r>
+              <a:rPr lang="en-US" altLang="zh-CN" dirty="0" err="1" smtClean="0"/>
+              <a:t>BeginInvoke</a:t>
+            </a:r>
             <a:endParaRPr lang="zh-CN" altLang="en-US" dirty="0"/>
           </a:p>
         </p:txBody>
@@ -7967,421 +8617,88 @@
           <a:lstStyle/>
           <a:p>
             <a:r>
-              <a:rPr lang="zh-CN" altLang="en-US" dirty="0"/>
-              <a:t>多</a:t>
-            </a:r>
-            <a:r>
-              <a:rPr lang="zh-CN" altLang="en-US" dirty="0" smtClean="0"/>
-              <a:t>线程并发可以提升多任务的效率，</a:t>
-            </a:r>
-            <a:r>
-              <a:rPr lang="zh-CN" altLang="en-US" dirty="0"/>
-              <a:t>不会</a:t>
-            </a:r>
-            <a:r>
-              <a:rPr lang="zh-CN" altLang="en-US" dirty="0" smtClean="0"/>
-              <a:t>提高响应速度。</a:t>
+              <a:rPr lang="en-US" altLang="zh-CN" dirty="0"/>
+              <a:t>Windows</a:t>
+            </a:r>
+            <a:r>
+              <a:rPr lang="zh-CN" altLang="en-US" dirty="0"/>
+              <a:t>提供了一些</a:t>
+            </a:r>
+            <a:r>
+              <a:rPr lang="en-US" altLang="zh-CN" dirty="0" err="1"/>
+              <a:t>api</a:t>
+            </a:r>
+            <a:r>
+              <a:rPr lang="zh-CN" altLang="en-US" dirty="0"/>
+              <a:t>用来向一个线程的消息队列发送消息。因此，一个线程可以向另一个线程的消息队列发送消息从而告诉对方做什么，这样就完成了线程间的通信。有些</a:t>
+            </a:r>
+            <a:r>
+              <a:rPr lang="en-US" altLang="zh-CN" dirty="0" err="1"/>
+              <a:t>api</a:t>
+            </a:r>
+            <a:r>
+              <a:rPr lang="zh-CN" altLang="en-US" dirty="0"/>
+              <a:t>发送消息需要一个窗口句柄，</a:t>
+            </a:r>
+            <a:r>
+              <a:rPr lang="en-US" altLang="zh-CN" dirty="0"/>
+              <a:t>b31.org </a:t>
+            </a:r>
+            <a:r>
+              <a:rPr lang="zh-CN" altLang="en-US" dirty="0"/>
+              <a:t>这种函数可以把消息发送到指定窗口的主线程消息队列；而有些则可以直接通过线程句柄，把消息发送到该线程消息队列中。</a:t>
             </a:r>
             <a:endParaRPr lang="en-US" altLang="zh-CN" dirty="0" smtClean="0"/>
           </a:p>
           <a:p>
-            <a:r>
-              <a:rPr lang="zh-CN" altLang="en-US" dirty="0" smtClean="0"/>
-              <a:t>异步</a:t>
-            </a:r>
-            <a:r>
-              <a:rPr lang="en-US" altLang="zh-CN" dirty="0" smtClean="0"/>
-              <a:t>action</a:t>
-            </a:r>
-            <a:r>
-              <a:rPr lang="zh-CN" altLang="en-US" dirty="0" smtClean="0"/>
-              <a:t>可能由两个</a:t>
-            </a:r>
-            <a:r>
-              <a:rPr lang="en-US" altLang="zh-CN" dirty="0" smtClean="0"/>
-              <a:t>worker</a:t>
-            </a:r>
-            <a:r>
-              <a:rPr lang="zh-CN" altLang="en-US" dirty="0" smtClean="0"/>
-              <a:t>线程处理</a:t>
-            </a:r>
             <a:endParaRPr lang="en-US" altLang="zh-CN" dirty="0" smtClean="0"/>
           </a:p>
           <a:p>
-            <a:endParaRPr lang="en-US" altLang="zh-CN" dirty="0"/>
-          </a:p>
-          <a:p>
-            <a:r>
-              <a:rPr lang="en-US" altLang="zh-CN" b="1" dirty="0" err="1"/>
-              <a:t>FileStream</a:t>
-            </a:r>
-            <a:r>
-              <a:rPr lang="zh-CN" altLang="en-US" b="1" dirty="0"/>
-              <a:t>操作：</a:t>
-            </a:r>
-            <a:r>
-              <a:rPr lang="en-US" altLang="zh-CN" dirty="0" err="1"/>
-              <a:t>BeginRead</a:t>
-            </a:r>
-            <a:r>
-              <a:rPr lang="zh-CN" altLang="en-US" dirty="0"/>
-              <a:t>、</a:t>
-            </a:r>
-            <a:r>
-              <a:rPr lang="en-US" altLang="zh-CN" dirty="0" err="1"/>
-              <a:t>BeginWrite</a:t>
-            </a:r>
-            <a:r>
-              <a:rPr lang="zh-CN" altLang="en-US" dirty="0"/>
-              <a:t>。调用</a:t>
-            </a:r>
-            <a:r>
-              <a:rPr lang="en-US" altLang="zh-CN" dirty="0" err="1"/>
-              <a:t>BeginRead</a:t>
-            </a:r>
-            <a:r>
-              <a:rPr lang="en-US" altLang="zh-CN" dirty="0"/>
-              <a:t>/</a:t>
-            </a:r>
-            <a:r>
-              <a:rPr lang="en-US" altLang="zh-CN" dirty="0" err="1"/>
-              <a:t>BeginWrite</a:t>
-            </a:r>
-            <a:r>
-              <a:rPr lang="zh-CN" altLang="en-US" dirty="0"/>
-              <a:t>时会发起一个异步操作，但是只有在创建</a:t>
-            </a:r>
-            <a:r>
-              <a:rPr lang="en-US" altLang="zh-CN" dirty="0" err="1"/>
-              <a:t>FileStream</a:t>
-            </a:r>
-            <a:r>
-              <a:rPr lang="zh-CN" altLang="en-US" dirty="0"/>
-              <a:t>时传入</a:t>
-            </a:r>
-            <a:r>
-              <a:rPr lang="en-US" altLang="zh-CN" dirty="0" err="1"/>
-              <a:t>FileOptions.Asynchronous</a:t>
-            </a:r>
-            <a:r>
-              <a:rPr lang="zh-CN" altLang="en-US" dirty="0"/>
-              <a:t>参数才能获取真正的</a:t>
-            </a:r>
-            <a:r>
-              <a:rPr lang="en-US" altLang="zh-CN" dirty="0"/>
-              <a:t>IOCP</a:t>
-            </a:r>
-            <a:r>
-              <a:rPr lang="zh-CN" altLang="en-US" dirty="0"/>
-              <a:t>支持，否则</a:t>
-            </a:r>
-            <a:r>
-              <a:rPr lang="en-US" altLang="zh-CN" dirty="0" err="1"/>
-              <a:t>BeginXXX</a:t>
-            </a:r>
-            <a:r>
-              <a:rPr lang="zh-CN" altLang="en-US" dirty="0"/>
-              <a:t>方法将会使用默认定义在</a:t>
-            </a:r>
-            <a:r>
-              <a:rPr lang="en-US" altLang="zh-CN" dirty="0"/>
-              <a:t>Stream</a:t>
-            </a:r>
-            <a:r>
-              <a:rPr lang="zh-CN" altLang="en-US" dirty="0"/>
-              <a:t>基类上的实现。</a:t>
-            </a:r>
-            <a:r>
-              <a:rPr lang="en-US" altLang="zh-CN" dirty="0"/>
-              <a:t>Stream</a:t>
-            </a:r>
-            <a:r>
-              <a:rPr lang="zh-CN" altLang="en-US" dirty="0"/>
-              <a:t>基类中</a:t>
-            </a:r>
-            <a:r>
-              <a:rPr lang="en-US" altLang="zh-CN" dirty="0" err="1"/>
-              <a:t>BeginXXX</a:t>
-            </a:r>
-            <a:r>
-              <a:rPr lang="zh-CN" altLang="en-US" dirty="0"/>
-              <a:t>方法会使用委托的</a:t>
-            </a:r>
-            <a:r>
-              <a:rPr lang="en-US" altLang="zh-CN" dirty="0" err="1"/>
-              <a:t>BeginInvoke</a:t>
-            </a:r>
-            <a:r>
-              <a:rPr lang="zh-CN" altLang="en-US" dirty="0"/>
-              <a:t>方法来发起异步调用</a:t>
-            </a:r>
-            <a:r>
-              <a:rPr lang="en-US" altLang="zh-CN" dirty="0"/>
-              <a:t>——</a:t>
-            </a:r>
-            <a:r>
-              <a:rPr lang="zh-CN" altLang="en-US" dirty="0"/>
-              <a:t>这会使用一个额外的线程来执行任务。虽然当前调用线程立即返回了，但是数据的读取或写入操作依旧占用着另一个线程（</a:t>
-            </a:r>
-            <a:r>
-              <a:rPr lang="en-US" altLang="zh-CN" dirty="0"/>
-              <a:t>IOCP</a:t>
-            </a:r>
-            <a:r>
-              <a:rPr lang="zh-CN" altLang="en-US" dirty="0"/>
-              <a:t>支持的异步操作时不需要线程的），因此并没有任何“节省”，反而还很有可能降低了应用程序的性能，因为额外的线程切换会造成性能损失。</a:t>
-            </a:r>
-            <a:endParaRPr lang="zh-CN" altLang="en-US" dirty="0"/>
-          </a:p>
-          <a:p>
-            <a:r>
-              <a:rPr lang="en-US" altLang="zh-CN" b="1" dirty="0"/>
-              <a:t>DNS</a:t>
-            </a:r>
-            <a:r>
-              <a:rPr lang="zh-CN" altLang="en-US" b="1" dirty="0"/>
-              <a:t>操作：</a:t>
-            </a:r>
-            <a:r>
-              <a:rPr lang="en-US" altLang="zh-CN" dirty="0" err="1"/>
-              <a:t>BeginGetHostByName</a:t>
-            </a:r>
-            <a:r>
-              <a:rPr lang="zh-CN" altLang="en-US" dirty="0"/>
-              <a:t>、</a:t>
-            </a:r>
-            <a:r>
-              <a:rPr lang="en-US" altLang="zh-CN" dirty="0" err="1"/>
-              <a:t>BeginResolve</a:t>
-            </a:r>
-            <a:r>
-              <a:rPr lang="zh-CN" altLang="en-US" dirty="0"/>
-              <a:t>。</a:t>
-            </a:r>
-            <a:endParaRPr lang="zh-CN" altLang="en-US" dirty="0"/>
-          </a:p>
-          <a:p>
-            <a:r>
-              <a:rPr lang="en-US" altLang="zh-CN" b="1" dirty="0"/>
-              <a:t>Socket</a:t>
-            </a:r>
-            <a:r>
-              <a:rPr lang="zh-CN" altLang="en-US" b="1" dirty="0"/>
-              <a:t>操作：</a:t>
-            </a:r>
-            <a:r>
-              <a:rPr lang="en-US" altLang="zh-CN" dirty="0" err="1"/>
-              <a:t>BeginAccept</a:t>
-            </a:r>
-            <a:r>
-              <a:rPr lang="zh-CN" altLang="en-US" dirty="0"/>
-              <a:t>、</a:t>
-            </a:r>
-            <a:r>
-              <a:rPr lang="en-US" altLang="zh-CN" dirty="0" err="1"/>
-              <a:t>BeginConnect</a:t>
-            </a:r>
-            <a:r>
-              <a:rPr lang="zh-CN" altLang="en-US" dirty="0"/>
-              <a:t>、</a:t>
-            </a:r>
-            <a:r>
-              <a:rPr lang="en-US" altLang="zh-CN" dirty="0" err="1"/>
-              <a:t>BeginReceive</a:t>
-            </a:r>
-            <a:r>
-              <a:rPr lang="zh-CN" altLang="en-US" dirty="0"/>
-              <a:t>等等。</a:t>
-            </a:r>
-            <a:endParaRPr lang="zh-CN" altLang="en-US" dirty="0"/>
-          </a:p>
-          <a:p>
-            <a:r>
-              <a:rPr lang="en-US" altLang="zh-CN" b="1" dirty="0" err="1"/>
-              <a:t>WebRequest</a:t>
-            </a:r>
-            <a:r>
-              <a:rPr lang="zh-CN" altLang="en-US" b="1" dirty="0"/>
-              <a:t>操作：</a:t>
-            </a:r>
-            <a:r>
-              <a:rPr lang="en-US" altLang="zh-CN" dirty="0" err="1"/>
-              <a:t>BeginGetRequestStream</a:t>
-            </a:r>
-            <a:r>
-              <a:rPr lang="zh-CN" altLang="en-US" dirty="0"/>
-              <a:t>、</a:t>
-            </a:r>
-            <a:r>
-              <a:rPr lang="en-US" altLang="zh-CN" dirty="0" err="1"/>
-              <a:t>BeginGetResponse</a:t>
-            </a:r>
-            <a:r>
-              <a:rPr lang="zh-CN" altLang="en-US" dirty="0"/>
-              <a:t>。</a:t>
-            </a:r>
-            <a:endParaRPr lang="zh-CN" altLang="en-US" dirty="0"/>
-          </a:p>
-          <a:p>
-            <a:r>
-              <a:rPr lang="en-US" altLang="zh-CN" b="1" dirty="0" err="1"/>
-              <a:t>SqlCommand</a:t>
-            </a:r>
-            <a:r>
-              <a:rPr lang="zh-CN" altLang="en-US" b="1" dirty="0"/>
-              <a:t>操作：</a:t>
-            </a:r>
-            <a:r>
-              <a:rPr lang="en-US" altLang="zh-CN" dirty="0" err="1"/>
-              <a:t>BeginExecuteReader</a:t>
-            </a:r>
-            <a:r>
-              <a:rPr lang="zh-CN" altLang="en-US" dirty="0"/>
-              <a:t>、</a:t>
-            </a:r>
-            <a:r>
-              <a:rPr lang="en-US" altLang="zh-CN" dirty="0" err="1"/>
-              <a:t>BeginExecuteNonQuery</a:t>
-            </a:r>
-            <a:r>
-              <a:rPr lang="zh-CN" altLang="en-US" dirty="0"/>
-              <a:t>等等。这可能是开发一个</a:t>
-            </a:r>
-            <a:r>
-              <a:rPr lang="en-US" altLang="zh-CN" dirty="0"/>
-              <a:t>Web</a:t>
-            </a:r>
-            <a:r>
-              <a:rPr lang="zh-CN" altLang="en-US" dirty="0"/>
-              <a:t>应用时最常用的异步操作了。如果需要在执行数据库操作时得到</a:t>
-            </a:r>
-            <a:r>
-              <a:rPr lang="en-US" altLang="zh-CN" dirty="0"/>
-              <a:t>IOCP</a:t>
-            </a:r>
-            <a:r>
-              <a:rPr lang="zh-CN" altLang="en-US" dirty="0"/>
-              <a:t>支持，那么需要在连接字符串中标记</a:t>
-            </a:r>
-            <a:r>
-              <a:rPr lang="en-US" altLang="zh-CN" dirty="0"/>
-              <a:t>Asynchronous Processing</a:t>
-            </a:r>
-            <a:r>
-              <a:rPr lang="zh-CN" altLang="en-US" dirty="0"/>
-              <a:t>为</a:t>
-            </a:r>
-            <a:r>
-              <a:rPr lang="en-US" altLang="zh-CN" dirty="0"/>
-              <a:t>true</a:t>
-            </a:r>
-            <a:r>
-              <a:rPr lang="zh-CN" altLang="en-US" dirty="0"/>
-              <a:t>（默认为</a:t>
-            </a:r>
-            <a:r>
-              <a:rPr lang="en-US" altLang="zh-CN" dirty="0"/>
-              <a:t>false</a:t>
-            </a:r>
-            <a:r>
-              <a:rPr lang="zh-CN" altLang="en-US" dirty="0"/>
-              <a:t>），否则在调用</a:t>
-            </a:r>
-            <a:r>
-              <a:rPr lang="en-US" altLang="zh-CN" dirty="0" err="1"/>
-              <a:t>BeginXXX</a:t>
-            </a:r>
-            <a:r>
-              <a:rPr lang="zh-CN" altLang="en-US" dirty="0"/>
-              <a:t>操作时就会抛出异常。</a:t>
-            </a:r>
-            <a:endParaRPr lang="zh-CN" altLang="en-US" dirty="0"/>
-          </a:p>
-          <a:p>
-            <a:r>
-              <a:rPr lang="en-US" altLang="zh-CN" b="1" dirty="0" err="1"/>
-              <a:t>WebServcie</a:t>
-            </a:r>
-            <a:r>
-              <a:rPr lang="zh-CN" altLang="en-US" b="1" dirty="0"/>
-              <a:t>调用操作：</a:t>
-            </a:r>
-            <a:r>
-              <a:rPr lang="zh-CN" altLang="en-US" dirty="0"/>
-              <a:t>例如</a:t>
-            </a:r>
-            <a:r>
-              <a:rPr lang="en-US" altLang="zh-CN" dirty="0"/>
-              <a:t>.NET 2.0</a:t>
-            </a:r>
-            <a:r>
-              <a:rPr lang="zh-CN" altLang="en-US" dirty="0"/>
-              <a:t>或</a:t>
-            </a:r>
-            <a:r>
-              <a:rPr lang="en-US" altLang="zh-CN" dirty="0"/>
-              <a:t>WCF</a:t>
-            </a:r>
-            <a:r>
-              <a:rPr lang="zh-CN" altLang="en-US" dirty="0"/>
-              <a:t>生成的</a:t>
-            </a:r>
-            <a:r>
-              <a:rPr lang="en-US" altLang="zh-CN" dirty="0"/>
-              <a:t>Web Service Proxy</a:t>
-            </a:r>
-            <a:r>
-              <a:rPr lang="zh-CN" altLang="en-US" dirty="0"/>
-              <a:t>中的</a:t>
-            </a:r>
-            <a:r>
-              <a:rPr lang="en-US" altLang="zh-CN" dirty="0" err="1"/>
-              <a:t>BeginXXX</a:t>
-            </a:r>
-            <a:r>
-              <a:rPr lang="zh-CN" altLang="en-US" dirty="0"/>
-              <a:t>方法、</a:t>
-            </a:r>
-            <a:r>
-              <a:rPr lang="en-US" altLang="zh-CN" dirty="0"/>
-              <a:t>WCF</a:t>
-            </a:r>
-            <a:r>
-              <a:rPr lang="zh-CN" altLang="en-US" dirty="0"/>
-              <a:t>中</a:t>
-            </a:r>
-            <a:r>
-              <a:rPr lang="en-US" altLang="zh-CN" dirty="0" err="1"/>
-              <a:t>ClientBase</a:t>
-            </a:r>
-            <a:r>
-              <a:rPr lang="en-US" altLang="zh-CN" dirty="0"/>
-              <a:t>&lt;</a:t>
-            </a:r>
-            <a:r>
-              <a:rPr lang="en-US" altLang="zh-CN" dirty="0" err="1"/>
-              <a:t>TChannel</a:t>
-            </a:r>
-            <a:r>
-              <a:rPr lang="en-US" altLang="zh-CN" dirty="0"/>
-              <a:t>&gt;</a:t>
-            </a:r>
-            <a:r>
-              <a:rPr lang="zh-CN" altLang="en-US" dirty="0"/>
-              <a:t>的</a:t>
-            </a:r>
-            <a:r>
-              <a:rPr lang="en-US" altLang="zh-CN" dirty="0" err="1"/>
-              <a:t>InvokeAsync</a:t>
-            </a:r>
-            <a:r>
-              <a:rPr lang="zh-CN" altLang="en-US" dirty="0"/>
-              <a:t>方法</a:t>
-            </a:r>
             <a:endParaRPr lang="zh-CN" altLang="en-US" dirty="0"/>
           </a:p>
         </p:txBody>
       </p:sp>
+      <p:pic>
+        <p:nvPicPr>
+          <p:cNvPr id="2050" name="Picture 2" descr="https://images2015.cnblogs.com/blog/1081714/201612/1081714-20161222141322182-1918604562.png"/>
+          <p:cNvPicPr>
+            <a:picLocks noChangeAspect="1" noChangeArrowheads="1"/>
+          </p:cNvPicPr>
+          <p:nvPr/>
+        </p:nvPicPr>
+        <p:blipFill>
+          <a:blip r:embed="rId2">
+            <a:extLst>
+              <a:ext uri="{28A0092B-C50C-407E-A947-70E740481C1C}">
+                <a14:useLocalDpi xmlns:a14="http://schemas.microsoft.com/office/drawing/2010/main" val="0"/>
+              </a:ext>
+            </a:extLst>
+          </a:blip>
+          <a:srcRect/>
+          <a:stretch>
+            <a:fillRect/>
+          </a:stretch>
+        </p:blipFill>
+        <p:spPr bwMode="auto">
+          <a:xfrm>
+            <a:off x="899592" y="3457484"/>
+            <a:ext cx="5953125" cy="2771776"/>
+          </a:xfrm>
+          <a:prstGeom prst="rect">
+            <a:avLst/>
+          </a:prstGeom>
+          <a:noFill/>
+          <a:extLst>
+            <a:ext uri="{909E8E84-426E-40DD-AFC4-6F175D3DCCD1}">
+              <a14:hiddenFill xmlns:a14="http://schemas.microsoft.com/office/drawing/2010/main">
+                <a:solidFill>
+                  <a:srgbClr val="FFFFFF"/>
+                </a:solidFill>
+              </a14:hiddenFill>
+            </a:ext>
+          </a:extLst>
+        </p:spPr>
+      </p:pic>
     </p:spTree>
   </p:cSld>
   <p:clrMapOvr>
@@ -8424,11 +8741,19 @@
           <a:p>
             <a:r>
               <a:rPr lang="en-US" altLang="zh-CN" dirty="0" smtClean="0"/>
-              <a:t>Framework</a:t>
-            </a:r>
-            <a:r>
-              <a:rPr lang="zh-CN" altLang="en-US" dirty="0" smtClean="0"/>
-              <a:t>源码</a:t>
+              <a:t>Controller</a:t>
+            </a:r>
+            <a:r>
+              <a:rPr lang="zh-CN" altLang="en-US" dirty="0" smtClean="0"/>
+              <a:t>的</a:t>
+            </a:r>
+            <a:r>
+              <a:rPr lang="en-US" altLang="zh-CN" dirty="0" smtClean="0"/>
+              <a:t>Invoke </a:t>
+            </a:r>
+            <a:r>
+              <a:rPr lang="en-US" altLang="zh-CN" dirty="0" err="1" smtClean="0"/>
+              <a:t>BeginInvoke</a:t>
             </a:r>
             <a:endParaRPr lang="zh-CN" altLang="en-US" dirty="0"/>
           </a:p>
@@ -8436,7 +8761,7 @@
       </p:sp>
       <p:sp>
         <p:nvSpPr>
-          <p:cNvPr id="3" name="内容占位符 2"/>
+          <p:cNvPr id="5" name="内容占位符 4"/>
           <p:cNvSpPr>
             <a:spLocks noGrp="1"/>
           </p:cNvSpPr>
@@ -8449,31 +8774,102 @@
           <a:bodyPr/>
           <a:lstStyle/>
           <a:p>
-            <a:pPr marL="0" indent="0">
-              <a:buNone/>
-            </a:pPr>
+            <a:r>
+              <a:rPr lang="zh-CN" altLang="en-US" dirty="0" smtClean="0"/>
+              <a:t>实现</a:t>
+            </a:r>
+            <a:r>
+              <a:rPr lang="en-US" altLang="zh-CN" dirty="0" smtClean="0"/>
+              <a:t>controller</a:t>
+            </a:r>
+            <a:r>
+              <a:rPr lang="zh-CN" altLang="en-US" dirty="0" smtClean="0"/>
+              <a:t>同步异步的关键类：</a:t>
+            </a:r>
+            <a:endParaRPr lang="en-US" altLang="zh-CN" dirty="0" smtClean="0"/>
+          </a:p>
+          <a:p>
+            <a:r>
+              <a:rPr lang="en-US" altLang="zh-CN" dirty="0" err="1"/>
+              <a:t>FindMarshalingControl</a:t>
+            </a:r>
+            <a:r>
+              <a:rPr lang="zh-CN" altLang="en-US" dirty="0"/>
+              <a:t>方法通过一个循环向上回溯，从当前控件开始回溯父控件，直到找到最顶级的父控件，用它作为封送对象</a:t>
+            </a:r>
+            <a:r>
+              <a:rPr lang="zh-CN" altLang="en-US" dirty="0" smtClean="0"/>
+              <a:t>。</a:t>
+            </a:r>
+            <a:endParaRPr lang="en-US" altLang="zh-CN" dirty="0" smtClean="0"/>
+          </a:p>
+          <a:p>
+            <a:r>
+              <a:rPr lang="en-US" altLang="zh-CN" b="1" dirty="0" err="1"/>
+              <a:t>MarshaledInvoke</a:t>
+            </a:r>
+            <a:endParaRPr lang="en-US" altLang="zh-CN" b="1" dirty="0"/>
+          </a:p>
+          <a:p>
+            <a:r>
+              <a:rPr lang="zh-CN" altLang="en-US" dirty="0"/>
+              <a:t>通过</a:t>
+            </a:r>
             <a:r>
               <a:rPr lang="en-US" altLang="zh-CN" dirty="0"/>
-              <a:t>https://referencesource.microsoft.com/download.html</a:t>
-            </a:r>
-            <a:endParaRPr lang="en-US" altLang="zh-CN" dirty="0"/>
-          </a:p>
-          <a:p>
-            <a:pPr marL="0" indent="0">
-              <a:buNone/>
-            </a:pPr>
-            <a:endParaRPr lang="en-US" altLang="zh-CN" dirty="0"/>
-          </a:p>
-          <a:p>
-            <a:pPr marL="0" indent="0">
-              <a:buNone/>
-            </a:pPr>
-            <a:endParaRPr lang="en-US" altLang="zh-CN" dirty="0"/>
-          </a:p>
-          <a:p>
-            <a:pPr marL="0" indent="0">
-              <a:buNone/>
-            </a:pPr>
+              <a:t>windows</a:t>
+            </a:r>
+            <a:r>
+              <a:rPr lang="zh-CN" altLang="en-US" dirty="0"/>
+              <a:t>消息机制实现了封送。而需要封送的委托方法作为消息的参数进行了传递</a:t>
+            </a:r>
+            <a:r>
+              <a:rPr lang="zh-CN" altLang="en-US" dirty="0" smtClean="0"/>
+              <a:t>。</a:t>
+            </a:r>
+            <a:endParaRPr lang="en-US" altLang="zh-CN" dirty="0" smtClean="0"/>
+          </a:p>
+          <a:p>
+            <a:r>
+              <a:rPr lang="en-US" altLang="zh-CN" dirty="0" err="1"/>
+              <a:t>UnsafeNativeMethods.PostMessage</a:t>
+            </a:r>
+            <a:r>
+              <a:rPr lang="en-US" altLang="zh-CN" dirty="0"/>
+              <a:t>(new </a:t>
+            </a:r>
+            <a:r>
+              <a:rPr lang="en-US" altLang="zh-CN" dirty="0" err="1"/>
+              <a:t>HandleRef</a:t>
+            </a:r>
+            <a:r>
+              <a:rPr lang="en-US" altLang="zh-CN" dirty="0"/>
+              <a:t>(this, Handle), </a:t>
+            </a:r>
+            <a:r>
+              <a:rPr lang="en-US" altLang="zh-CN" dirty="0" err="1"/>
+              <a:t>threadCallbackMessage</a:t>
+            </a:r>
+            <a:r>
+              <a:rPr lang="en-US" altLang="zh-CN" dirty="0"/>
+              <a:t>, </a:t>
+            </a:r>
+            <a:r>
+              <a:rPr lang="en-US" altLang="zh-CN" dirty="0" err="1"/>
+              <a:t>IntPtr.Zero</a:t>
+            </a:r>
+            <a:r>
+              <a:rPr lang="en-US" altLang="zh-CN" dirty="0"/>
+              <a:t>, </a:t>
+            </a:r>
+            <a:r>
+              <a:rPr lang="en-US" altLang="zh-CN" dirty="0" err="1"/>
+              <a:t>IntPtr.Zero</a:t>
+            </a:r>
+            <a:r>
+              <a:rPr lang="en-US" altLang="zh-CN" dirty="0"/>
+              <a:t>);</a:t>
+            </a:r>
             <a:endParaRPr lang="zh-CN" altLang="en-US" dirty="0"/>
           </a:p>
         </p:txBody>
@@ -8519,12 +8915,93 @@
           <a:lstStyle/>
           <a:p>
             <a:r>
-              <a:rPr lang="zh-CN" altLang="en-US" dirty="0" smtClean="0"/>
-              <a:t>个人期望的</a:t>
-            </a:r>
-            <a:r>
-              <a:rPr lang="en-US" altLang="zh-CN" dirty="0" smtClean="0"/>
-              <a:t>training</a:t>
+              <a:rPr lang="en-US" altLang="zh-CN" dirty="0" smtClean="0"/>
+              <a:t>Framework </a:t>
+            </a:r>
+            <a:r>
+              <a:rPr lang="zh-CN" altLang="en-US" dirty="0" smtClean="0"/>
+              <a:t>其他的异步实现</a:t>
+            </a:r>
+            <a:endParaRPr lang="zh-CN" altLang="en-US" dirty="0"/>
+          </a:p>
+        </p:txBody>
+      </p:sp>
+      <p:sp>
+        <p:nvSpPr>
+          <p:cNvPr id="5" name="内容占位符 4"/>
+          <p:cNvSpPr>
+            <a:spLocks noGrp="1"/>
+          </p:cNvSpPr>
+          <p:nvPr>
+            <p:ph sz="quarter" idx="11"/>
+          </p:nvPr>
+        </p:nvSpPr>
+        <p:spPr/>
+        <p:txBody>
+          <a:bodyPr/>
+          <a:lstStyle/>
+          <a:p>
+            <a:r>
+              <a:rPr lang="en-US" altLang="zh-CN" dirty="0" err="1" smtClean="0"/>
+              <a:t>ISynchronizeInvoke</a:t>
+            </a:r>
+            <a:endParaRPr lang="en-US" altLang="zh-CN" dirty="0" smtClean="0"/>
+          </a:p>
+          <a:p>
+            <a:endParaRPr lang="en-US" altLang="zh-CN" dirty="0" smtClean="0"/>
+          </a:p>
+          <a:p>
+            <a:endParaRPr lang="zh-CN" altLang="en-US" dirty="0"/>
+          </a:p>
+        </p:txBody>
+      </p:sp>
+    </p:spTree>
+  </p:cSld>
+  <p:clrMapOvr>
+    <a:masterClrMapping/>
+  </p:clrMapOvr>
+</p:sld>
+</file>
+
+<file path=ppt/slides/slide26.xml><?xml version="1.0" encoding="utf-8"?>
+<p:sld xmlns:a="http://schemas.openxmlformats.org/drawingml/2006/main" xmlns:r="http://schemas.openxmlformats.org/officeDocument/2006/relationships" xmlns:p="http://schemas.openxmlformats.org/presentationml/2006/main">
+  <p:cSld>
+    <p:spTree>
+      <p:nvGrpSpPr>
+        <p:cNvPr id="1" name=""/>
+        <p:cNvGrpSpPr/>
+        <p:nvPr/>
+      </p:nvGrpSpPr>
+      <p:grpSpPr>
+        <a:xfrm>
+          <a:off x="0" y="0"/>
+          <a:ext cx="0" cy="0"/>
+          <a:chOff x="0" y="0"/>
+          <a:chExt cx="0" cy="0"/>
+        </a:xfrm>
+      </p:grpSpPr>
+      <p:sp>
+        <p:nvSpPr>
+          <p:cNvPr id="2" name="标题 1"/>
+          <p:cNvSpPr>
+            <a:spLocks noGrp="1"/>
+          </p:cNvSpPr>
+          <p:nvPr>
+            <p:ph type="title"/>
+          </p:nvPr>
+        </p:nvSpPr>
+        <p:spPr/>
+        <p:txBody>
+          <a:bodyPr/>
+          <a:lstStyle/>
+          <a:p>
+            <a:r>
+              <a:rPr lang="zh-CN" altLang="en-US" dirty="0"/>
+              <a:t>基于事件的异步编程模式</a:t>
+            </a:r>
+            <a:r>
+              <a:rPr lang="en-US" altLang="zh-CN" dirty="0"/>
+              <a:t>(Event-Based Asynchronous Pattern EAP) </a:t>
             </a:r>
             <a:endParaRPr lang="zh-CN" altLang="en-US" dirty="0"/>
           </a:p>
@@ -8545,185 +9022,957 @@
           <a:bodyPr/>
           <a:lstStyle/>
           <a:p>
+            <a:r>
+              <a:rPr lang="en-US" altLang="zh-CN" dirty="0"/>
+              <a:t>– </a:t>
+            </a:r>
+            <a:r>
+              <a:rPr lang="en-US" altLang="zh-CN" dirty="0" smtClean="0"/>
+              <a:t>EAP</a:t>
+            </a:r>
+            <a:endParaRPr lang="en-US" altLang="zh-CN" dirty="0"/>
+          </a:p>
+          <a:p>
+            <a:r>
+              <a:rPr lang="en-US" altLang="zh-CN" dirty="0" err="1"/>
+              <a:t>.Net</a:t>
+            </a:r>
+            <a:r>
+              <a:rPr lang="en-US" altLang="zh-CN" dirty="0"/>
+              <a:t> Framework 2 </a:t>
+            </a:r>
+            <a:r>
+              <a:rPr lang="zh-CN" altLang="en-US" dirty="0"/>
+              <a:t>为异步操作引入了这个模式。一个以</a:t>
+            </a:r>
+            <a:r>
+              <a:rPr lang="en-US" altLang="zh-CN" dirty="0" err="1"/>
+              <a:t>Async</a:t>
+            </a:r>
+            <a:r>
+              <a:rPr lang="zh-CN" altLang="en-US" dirty="0"/>
+              <a:t>为后缀的方法加载异步执行，当异步执行完成或取消时，异步操作会抛出一个事件，一个委托可以与这个事件绑定，并提供处理事件的回调函数</a:t>
+            </a:r>
+            <a:r>
+              <a:rPr lang="zh-CN" altLang="en-US" dirty="0" smtClean="0"/>
+              <a:t>。（多文件下载</a:t>
+            </a:r>
+            <a:r>
+              <a:rPr lang="en-US" altLang="zh-CN" dirty="0" smtClean="0"/>
+              <a:t>demo</a:t>
+            </a:r>
+            <a:r>
+              <a:rPr lang="zh-CN" altLang="en-US" dirty="0" smtClean="0"/>
+              <a:t>）</a:t>
+            </a:r>
+            <a:endParaRPr lang="en-US" altLang="zh-CN" dirty="0" smtClean="0"/>
+          </a:p>
+          <a:p>
+            <a:pPr latinLnBrk="0"/>
+            <a:r>
+              <a:rPr lang="en-US" altLang="zh-CN" dirty="0"/>
+              <a:t>1</a:t>
+            </a:r>
+            <a:r>
+              <a:rPr lang="zh-CN" altLang="en-US" dirty="0"/>
+              <a:t>、要进行异步的方法其方法名应该以</a:t>
+            </a:r>
+            <a:r>
+              <a:rPr lang="en-US" altLang="zh-CN" dirty="0" err="1"/>
+              <a:t>XXXAsync</a:t>
+            </a:r>
+            <a:r>
+              <a:rPr lang="zh-CN" altLang="en-US" dirty="0"/>
+              <a:t>结尾</a:t>
+            </a:r>
+          </a:p>
+          <a:p>
+            <a:pPr latinLnBrk="0"/>
+            <a:r>
+              <a:rPr lang="en-US" altLang="zh-CN" dirty="0"/>
+              <a:t>2</a:t>
+            </a:r>
+            <a:r>
+              <a:rPr lang="zh-CN" altLang="en-US" dirty="0"/>
+              <a:t>、要有一个名为</a:t>
+            </a:r>
+            <a:r>
+              <a:rPr lang="en-US" altLang="zh-CN" dirty="0" err="1"/>
+              <a:t>XXXCompleted</a:t>
+            </a:r>
+            <a:r>
+              <a:rPr lang="zh-CN" altLang="en-US" dirty="0"/>
+              <a:t>的事件监听异步方法的完成</a:t>
+            </a:r>
+          </a:p>
+          <a:p>
+            <a:pPr latinLnBrk="0"/>
+            <a:r>
+              <a:rPr lang="en-US" altLang="zh-CN" dirty="0"/>
+              <a:t>3</a:t>
+            </a:r>
+            <a:r>
+              <a:rPr lang="zh-CN" altLang="en-US" dirty="0"/>
+              <a:t>、可增加一个</a:t>
+            </a:r>
+            <a:r>
+              <a:rPr lang="en-US" altLang="zh-CN" dirty="0" err="1"/>
+              <a:t>CancelAsync</a:t>
+            </a:r>
+            <a:r>
+              <a:rPr lang="zh-CN" altLang="en-US" dirty="0"/>
+              <a:t>方法用于取消正在执行的异步方法（可选）</a:t>
+            </a:r>
+          </a:p>
+          <a:p>
+            <a:endParaRPr lang="zh-CN" altLang="en-US" dirty="0"/>
+          </a:p>
+        </p:txBody>
+      </p:sp>
+    </p:spTree>
+  </p:cSld>
+  <p:clrMapOvr>
+    <a:masterClrMapping/>
+  </p:clrMapOvr>
+</p:sld>
+</file>
+
+<file path=ppt/slides/slide27.xml><?xml version="1.0" encoding="utf-8"?>
+<p:sld xmlns:a="http://schemas.openxmlformats.org/drawingml/2006/main" xmlns:r="http://schemas.openxmlformats.org/officeDocument/2006/relationships" xmlns:p="http://schemas.openxmlformats.org/presentationml/2006/main">
+  <p:cSld>
+    <p:spTree>
+      <p:nvGrpSpPr>
+        <p:cNvPr id="1" name=""/>
+        <p:cNvGrpSpPr/>
+        <p:nvPr/>
+      </p:nvGrpSpPr>
+      <p:grpSpPr>
+        <a:xfrm>
+          <a:off x="0" y="0"/>
+          <a:ext cx="0" cy="0"/>
+          <a:chOff x="0" y="0"/>
+          <a:chExt cx="0" cy="0"/>
+        </a:xfrm>
+      </p:grpSpPr>
+      <p:sp>
+        <p:nvSpPr>
+          <p:cNvPr id="2" name="标题 1"/>
+          <p:cNvSpPr>
+            <a:spLocks noGrp="1"/>
+          </p:cNvSpPr>
+          <p:nvPr>
+            <p:ph type="title"/>
+          </p:nvPr>
+        </p:nvSpPr>
+        <p:spPr/>
+        <p:txBody>
+          <a:bodyPr/>
+          <a:lstStyle/>
+          <a:p>
+            <a:r>
+              <a:rPr lang="en-US" altLang="zh-CN" b="1" dirty="0" err="1" smtClean="0"/>
+              <a:t>async</a:t>
+            </a:r>
+            <a:r>
+              <a:rPr lang="en-US" altLang="zh-CN" b="1" dirty="0" smtClean="0"/>
+              <a:t>/await</a:t>
+            </a:r>
+            <a:br>
+              <a:rPr lang="en-US" altLang="zh-CN" b="1" dirty="0" smtClean="0"/>
+            </a:br>
+            <a:endParaRPr lang="zh-CN" altLang="en-US" dirty="0"/>
+          </a:p>
+        </p:txBody>
+      </p:sp>
+      <p:sp>
+        <p:nvSpPr>
+          <p:cNvPr id="5" name="内容占位符 4"/>
+          <p:cNvSpPr>
+            <a:spLocks noGrp="1"/>
+          </p:cNvSpPr>
+          <p:nvPr>
+            <p:ph sz="quarter" idx="11"/>
+          </p:nvPr>
+        </p:nvSpPr>
+        <p:spPr/>
+        <p:txBody>
+          <a:bodyPr/>
+          <a:lstStyle/>
+          <a:p>
+            <a:r>
+              <a:rPr lang="en-US" altLang="zh-CN" dirty="0" smtClean="0"/>
+              <a:t>C#5.0</a:t>
+            </a:r>
+            <a:r>
+              <a:rPr lang="zh-CN" altLang="en-US" dirty="0" smtClean="0"/>
+              <a:t>出来的语法糖</a:t>
+            </a:r>
+            <a:endParaRPr lang="en-US" altLang="zh-CN" dirty="0" smtClean="0"/>
+          </a:p>
+          <a:p>
+            <a:r>
+              <a:rPr lang="zh-CN" altLang="en-US" dirty="0" smtClean="0"/>
+              <a:t>它的好处是代码易读性高</a:t>
+            </a:r>
+            <a:endParaRPr lang="en-US" altLang="zh-CN" dirty="0" smtClean="0"/>
+          </a:p>
+          <a:p>
+            <a:r>
+              <a:rPr lang="zh-CN" altLang="en-US" dirty="0" smtClean="0"/>
+              <a:t>特别对于网站，网站的并发量是由</a:t>
+            </a:r>
+            <a:r>
+              <a:rPr lang="en-US" altLang="zh-CN" dirty="0" smtClean="0"/>
+              <a:t>IIS</a:t>
+            </a:r>
+            <a:r>
+              <a:rPr lang="zh-CN" altLang="en-US" dirty="0" smtClean="0"/>
+              <a:t>相应站点配置的应用池队列大小、最大工作进程数和最大并发连接数决定的</a:t>
+            </a:r>
+            <a:endParaRPr lang="en-US" altLang="zh-CN" dirty="0" smtClean="0"/>
+          </a:p>
+          <a:p>
+            <a:r>
+              <a:rPr lang="en-US" altLang="zh-CN" dirty="0" smtClean="0"/>
+              <a:t>IIS</a:t>
+            </a:r>
+            <a:r>
+              <a:rPr lang="zh-CN" altLang="en-US" dirty="0"/>
+              <a:t>最大并发连接数 </a:t>
+            </a:r>
+            <a:r>
+              <a:rPr lang="en-US" altLang="zh-CN" dirty="0"/>
+              <a:t>= </a:t>
+            </a:r>
+            <a:r>
+              <a:rPr lang="zh-CN" altLang="en-US" dirty="0"/>
+              <a:t>队列长度 </a:t>
+            </a:r>
+            <a:r>
+              <a:rPr lang="en-US" altLang="zh-CN" dirty="0"/>
+              <a:t>+ IIS</a:t>
+            </a:r>
+            <a:r>
+              <a:rPr lang="zh-CN" altLang="en-US" dirty="0"/>
+              <a:t>最大并发</a:t>
+            </a:r>
+            <a:r>
+              <a:rPr lang="zh-CN" altLang="en-US" dirty="0" smtClean="0"/>
+              <a:t>工作线程数</a:t>
+            </a:r>
+            <a:endParaRPr lang="en-US" altLang="zh-CN" dirty="0"/>
+          </a:p>
+          <a:p>
+            <a:r>
+              <a:rPr lang="en-US" altLang="zh-CN" dirty="0"/>
+              <a:t>IIS</a:t>
+            </a:r>
+            <a:r>
+              <a:rPr lang="zh-CN" altLang="en-US" dirty="0"/>
+              <a:t>的默认值对我们网站并发处理能力的影响。</a:t>
+            </a:r>
+            <a:r>
+              <a:rPr lang="en-US" altLang="zh-CN" dirty="0"/>
+              <a:t>IIS</a:t>
+            </a:r>
+            <a:r>
+              <a:rPr lang="zh-CN" altLang="en-US" dirty="0"/>
+              <a:t>默认的</a:t>
+            </a:r>
+            <a:r>
+              <a:rPr lang="en-US" altLang="zh-CN" dirty="0"/>
+              <a:t>【</a:t>
+            </a:r>
+            <a:r>
+              <a:rPr lang="zh-CN" altLang="en-US" dirty="0"/>
+              <a:t>最大并发连接数</a:t>
+            </a:r>
+            <a:r>
+              <a:rPr lang="en-US" altLang="zh-CN" dirty="0"/>
+              <a:t>】</a:t>
+            </a:r>
+            <a:r>
+              <a:rPr lang="zh-CN" altLang="en-US" dirty="0"/>
+              <a:t>为</a:t>
+            </a:r>
+            <a:r>
+              <a:rPr lang="en-US" altLang="zh-CN" dirty="0"/>
+              <a:t>4294967295</a:t>
+            </a:r>
+            <a:r>
+              <a:rPr lang="zh-CN" altLang="en-US" dirty="0"/>
+              <a:t>（</a:t>
+            </a:r>
+            <a:r>
+              <a:rPr lang="en-US" altLang="zh-CN" dirty="0"/>
+              <a:t>42</a:t>
+            </a:r>
+            <a:r>
+              <a:rPr lang="zh-CN" altLang="en-US" dirty="0"/>
+              <a:t>亿多），而</a:t>
+            </a:r>
+            <a:r>
+              <a:rPr lang="en-US" altLang="zh-CN" dirty="0"/>
+              <a:t>【</a:t>
+            </a:r>
+            <a:r>
+              <a:rPr lang="zh-CN" altLang="en-US" dirty="0"/>
+              <a:t>队列长度</a:t>
+            </a:r>
+            <a:r>
+              <a:rPr lang="en-US" altLang="zh-CN" dirty="0"/>
+              <a:t>】</a:t>
+            </a:r>
+            <a:r>
+              <a:rPr lang="zh-CN" altLang="en-US" dirty="0"/>
+              <a:t>默认值为</a:t>
+            </a:r>
+            <a:r>
+              <a:rPr lang="en-US" altLang="zh-CN" dirty="0"/>
+              <a:t>1000</a:t>
+            </a:r>
+            <a:r>
+              <a:rPr lang="zh-CN" altLang="en-US" dirty="0"/>
+              <a:t>。对于</a:t>
+            </a:r>
+            <a:r>
+              <a:rPr lang="en-US" altLang="zh-CN" dirty="0"/>
+              <a:t>windows server</a:t>
+            </a:r>
+            <a:r>
+              <a:rPr lang="zh-CN" altLang="en-US" dirty="0"/>
+              <a:t>版本的</a:t>
+            </a:r>
+            <a:r>
+              <a:rPr lang="en-US" altLang="zh-CN" dirty="0"/>
+              <a:t>IIS</a:t>
+            </a:r>
+            <a:r>
+              <a:rPr lang="zh-CN" altLang="en-US" dirty="0"/>
+              <a:t>，最大并发工作线程数可能几百（猜测，可能没有限制），按照这个默认值，那么</a:t>
+            </a:r>
+            <a:r>
+              <a:rPr lang="en-US" altLang="zh-CN" dirty="0"/>
+              <a:t>IIS</a:t>
+            </a:r>
+            <a:r>
+              <a:rPr lang="zh-CN" altLang="en-US" dirty="0"/>
+              <a:t>同时处理的请求数也就</a:t>
+            </a:r>
+            <a:r>
+              <a:rPr lang="en-US" altLang="zh-CN" dirty="0"/>
+              <a:t>1000</a:t>
+            </a:r>
+            <a:r>
+              <a:rPr lang="zh-CN" altLang="en-US" dirty="0"/>
+              <a:t>多</a:t>
+            </a:r>
+            <a:r>
+              <a:rPr lang="zh-CN" altLang="en-US" dirty="0" smtClean="0"/>
+              <a:t>。</a:t>
+            </a:r>
+            <a:endParaRPr lang="en-US" altLang="zh-CN" dirty="0" smtClean="0"/>
+          </a:p>
+          <a:p>
+            <a:r>
+              <a:rPr lang="en-US" altLang="zh-CN" dirty="0" err="1" smtClean="0"/>
+              <a:t>Async</a:t>
+            </a:r>
+            <a:r>
+              <a:rPr lang="en-US" altLang="zh-CN" dirty="0" smtClean="0"/>
+              <a:t> await </a:t>
+            </a:r>
+            <a:r>
+              <a:rPr lang="zh-CN" altLang="en-US" dirty="0" smtClean="0"/>
+              <a:t>可以有效的释放当前的</a:t>
+            </a:r>
+            <a:r>
+              <a:rPr lang="en-US" altLang="zh-CN" dirty="0" smtClean="0"/>
+              <a:t>worker</a:t>
+            </a:r>
+            <a:r>
+              <a:rPr lang="zh-CN" altLang="en-US" dirty="0" smtClean="0"/>
+              <a:t>线程，调用</a:t>
+            </a:r>
+            <a:r>
+              <a:rPr lang="en-US" altLang="zh-CN" dirty="0" smtClean="0"/>
+              <a:t>CLR</a:t>
+            </a:r>
+            <a:r>
+              <a:rPr lang="zh-CN" altLang="en-US" dirty="0" smtClean="0"/>
+              <a:t>线程池执行异步操作，</a:t>
+            </a:r>
+            <a:r>
+              <a:rPr lang="en-US" altLang="zh-CN" dirty="0" smtClean="0"/>
+              <a:t>worker</a:t>
+            </a:r>
+            <a:r>
+              <a:rPr lang="zh-CN" altLang="en-US" dirty="0" smtClean="0"/>
+              <a:t>线程可以处理其他请求，提高了网站的并发量</a:t>
+            </a:r>
+            <a:endParaRPr lang="zh-CN" altLang="en-US" dirty="0"/>
+          </a:p>
+        </p:txBody>
+      </p:sp>
+    </p:spTree>
+  </p:cSld>
+  <p:clrMapOvr>
+    <a:masterClrMapping/>
+  </p:clrMapOvr>
+</p:sld>
+</file>
+
+<file path=ppt/slides/slide28.xml><?xml version="1.0" encoding="utf-8"?>
+<p:sld xmlns:a="http://schemas.openxmlformats.org/drawingml/2006/main" xmlns:r="http://schemas.openxmlformats.org/officeDocument/2006/relationships" xmlns:p="http://schemas.openxmlformats.org/presentationml/2006/main">
+  <p:cSld>
+    <p:spTree>
+      <p:nvGrpSpPr>
+        <p:cNvPr id="1" name=""/>
+        <p:cNvGrpSpPr/>
+        <p:nvPr/>
+      </p:nvGrpSpPr>
+      <p:grpSpPr>
+        <a:xfrm>
+          <a:off x="0" y="0"/>
+          <a:ext cx="0" cy="0"/>
+          <a:chOff x="0" y="0"/>
+          <a:chExt cx="0" cy="0"/>
+        </a:xfrm>
+      </p:grpSpPr>
+      <p:sp>
+        <p:nvSpPr>
+          <p:cNvPr id="2" name="标题 1"/>
+          <p:cNvSpPr>
+            <a:spLocks noGrp="1"/>
+          </p:cNvSpPr>
+          <p:nvPr>
+            <p:ph type="title"/>
+          </p:nvPr>
+        </p:nvSpPr>
+        <p:spPr/>
+        <p:txBody>
+          <a:bodyPr/>
+          <a:lstStyle/>
+          <a:p>
+            <a:r>
+              <a:rPr lang="en-US" altLang="zh-CN" b="1" dirty="0" err="1" smtClean="0"/>
+              <a:t>async</a:t>
+            </a:r>
+            <a:r>
+              <a:rPr lang="en-US" altLang="zh-CN" b="1" dirty="0" smtClean="0"/>
+              <a:t>/await</a:t>
+            </a:r>
+            <a:br>
+              <a:rPr lang="en-US" altLang="zh-CN" b="1" dirty="0" smtClean="0"/>
+            </a:br>
+            <a:endParaRPr lang="zh-CN" altLang="en-US" dirty="0"/>
+          </a:p>
+        </p:txBody>
+      </p:sp>
+      <p:sp>
+        <p:nvSpPr>
+          <p:cNvPr id="5" name="内容占位符 4"/>
+          <p:cNvSpPr>
+            <a:spLocks noGrp="1"/>
+          </p:cNvSpPr>
+          <p:nvPr>
+            <p:ph sz="quarter" idx="11"/>
+          </p:nvPr>
+        </p:nvSpPr>
+        <p:spPr/>
+        <p:txBody>
+          <a:bodyPr/>
+          <a:lstStyle/>
+          <a:p>
+            <a:r>
+              <a:rPr lang="zh-CN" altLang="en-US" dirty="0"/>
+              <a:t>多</a:t>
+            </a:r>
+            <a:r>
+              <a:rPr lang="zh-CN" altLang="en-US" dirty="0" smtClean="0"/>
+              <a:t>线程并发可以提升多任务的效率，</a:t>
+            </a:r>
+            <a:r>
+              <a:rPr lang="zh-CN" altLang="en-US" dirty="0"/>
+              <a:t>不会</a:t>
+            </a:r>
+            <a:r>
+              <a:rPr lang="zh-CN" altLang="en-US" dirty="0" smtClean="0"/>
+              <a:t>提高响应速度。</a:t>
+            </a:r>
+            <a:endParaRPr lang="en-US" altLang="zh-CN" dirty="0" smtClean="0"/>
+          </a:p>
+          <a:p>
+            <a:r>
+              <a:rPr lang="zh-CN" altLang="en-US" dirty="0" smtClean="0"/>
+              <a:t>异步</a:t>
+            </a:r>
+            <a:r>
+              <a:rPr lang="en-US" altLang="zh-CN" dirty="0" smtClean="0"/>
+              <a:t>action</a:t>
+            </a:r>
+            <a:r>
+              <a:rPr lang="zh-CN" altLang="en-US" dirty="0" smtClean="0"/>
+              <a:t>可能由两个</a:t>
+            </a:r>
+            <a:r>
+              <a:rPr lang="en-US" altLang="zh-CN" dirty="0" smtClean="0"/>
+              <a:t>worker</a:t>
+            </a:r>
+            <a:r>
+              <a:rPr lang="zh-CN" altLang="en-US" dirty="0" smtClean="0"/>
+              <a:t>线程处理</a:t>
+            </a:r>
+            <a:endParaRPr lang="en-US" altLang="zh-CN" dirty="0" smtClean="0"/>
+          </a:p>
+          <a:p>
+            <a:endParaRPr lang="en-US" altLang="zh-CN" dirty="0"/>
+          </a:p>
+          <a:p>
+            <a:r>
+              <a:rPr lang="en-US" altLang="zh-CN" b="1" dirty="0" err="1"/>
+              <a:t>FileStream</a:t>
+            </a:r>
+            <a:r>
+              <a:rPr lang="zh-CN" altLang="en-US" b="1" dirty="0"/>
+              <a:t>操作：</a:t>
+            </a:r>
+            <a:r>
+              <a:rPr lang="en-US" altLang="zh-CN" dirty="0" err="1"/>
+              <a:t>BeginRead</a:t>
+            </a:r>
+            <a:r>
+              <a:rPr lang="zh-CN" altLang="en-US" dirty="0"/>
+              <a:t>、</a:t>
+            </a:r>
+            <a:r>
+              <a:rPr lang="en-US" altLang="zh-CN" dirty="0" err="1"/>
+              <a:t>BeginWrite</a:t>
+            </a:r>
+            <a:r>
+              <a:rPr lang="zh-CN" altLang="en-US" dirty="0"/>
+              <a:t>。调用</a:t>
+            </a:r>
+            <a:r>
+              <a:rPr lang="en-US" altLang="zh-CN" dirty="0" err="1"/>
+              <a:t>BeginRead</a:t>
+            </a:r>
+            <a:r>
+              <a:rPr lang="en-US" altLang="zh-CN" dirty="0"/>
+              <a:t>/</a:t>
+            </a:r>
+            <a:r>
+              <a:rPr lang="en-US" altLang="zh-CN" dirty="0" err="1"/>
+              <a:t>BeginWrite</a:t>
+            </a:r>
+            <a:r>
+              <a:rPr lang="zh-CN" altLang="en-US" dirty="0"/>
+              <a:t>时会发起一个异步操作，但是只有在创建</a:t>
+            </a:r>
+            <a:r>
+              <a:rPr lang="en-US" altLang="zh-CN" dirty="0" err="1"/>
+              <a:t>FileStream</a:t>
+            </a:r>
+            <a:r>
+              <a:rPr lang="zh-CN" altLang="en-US" dirty="0"/>
+              <a:t>时传入</a:t>
+            </a:r>
+            <a:r>
+              <a:rPr lang="en-US" altLang="zh-CN" dirty="0" err="1"/>
+              <a:t>FileOptions.Asynchronous</a:t>
+            </a:r>
+            <a:r>
+              <a:rPr lang="zh-CN" altLang="en-US" dirty="0"/>
+              <a:t>参数才能获取真正的</a:t>
+            </a:r>
+            <a:r>
+              <a:rPr lang="en-US" altLang="zh-CN" dirty="0"/>
+              <a:t>IOCP</a:t>
+            </a:r>
+            <a:r>
+              <a:rPr lang="zh-CN" altLang="en-US" dirty="0"/>
+              <a:t>支持，否则</a:t>
+            </a:r>
+            <a:r>
+              <a:rPr lang="en-US" altLang="zh-CN" dirty="0" err="1"/>
+              <a:t>BeginXXX</a:t>
+            </a:r>
+            <a:r>
+              <a:rPr lang="zh-CN" altLang="en-US" dirty="0"/>
+              <a:t>方法将会使用默认定义在</a:t>
+            </a:r>
+            <a:r>
+              <a:rPr lang="en-US" altLang="zh-CN" dirty="0"/>
+              <a:t>Stream</a:t>
+            </a:r>
+            <a:r>
+              <a:rPr lang="zh-CN" altLang="en-US" dirty="0"/>
+              <a:t>基类上的实现。</a:t>
+            </a:r>
+            <a:r>
+              <a:rPr lang="en-US" altLang="zh-CN" dirty="0"/>
+              <a:t>Stream</a:t>
+            </a:r>
+            <a:r>
+              <a:rPr lang="zh-CN" altLang="en-US" dirty="0"/>
+              <a:t>基类中</a:t>
+            </a:r>
+            <a:r>
+              <a:rPr lang="en-US" altLang="zh-CN" dirty="0" err="1"/>
+              <a:t>BeginXXX</a:t>
+            </a:r>
+            <a:r>
+              <a:rPr lang="zh-CN" altLang="en-US" dirty="0"/>
+              <a:t>方法会使用委托的</a:t>
+            </a:r>
+            <a:r>
+              <a:rPr lang="en-US" altLang="zh-CN" dirty="0" err="1"/>
+              <a:t>BeginInvoke</a:t>
+            </a:r>
+            <a:r>
+              <a:rPr lang="zh-CN" altLang="en-US" dirty="0"/>
+              <a:t>方法来发起异步调用</a:t>
+            </a:r>
+            <a:r>
+              <a:rPr lang="en-US" altLang="zh-CN" dirty="0"/>
+              <a:t>——</a:t>
+            </a:r>
+            <a:r>
+              <a:rPr lang="zh-CN" altLang="en-US" dirty="0"/>
+              <a:t>这会使用一个额外的线程来执行任务。虽然当前调用线程立即返回了，但是数据的读取或写入操作依旧占用着另一个线程（</a:t>
+            </a:r>
+            <a:r>
+              <a:rPr lang="en-US" altLang="zh-CN" dirty="0"/>
+              <a:t>IOCP</a:t>
+            </a:r>
+            <a:r>
+              <a:rPr lang="zh-CN" altLang="en-US" dirty="0"/>
+              <a:t>支持的异步操作时不需要线程的），因此并没有任何“节省”，反而还很有可能降低了应用程序的性能，因为额外的线程切换会造成性能损失。</a:t>
+            </a:r>
+          </a:p>
+          <a:p>
+            <a:r>
+              <a:rPr lang="en-US" altLang="zh-CN" b="1" dirty="0"/>
+              <a:t>DNS</a:t>
+            </a:r>
+            <a:r>
+              <a:rPr lang="zh-CN" altLang="en-US" b="1" dirty="0"/>
+              <a:t>操作：</a:t>
+            </a:r>
+            <a:r>
+              <a:rPr lang="en-US" altLang="zh-CN" dirty="0" err="1"/>
+              <a:t>BeginGetHostByName</a:t>
+            </a:r>
+            <a:r>
+              <a:rPr lang="zh-CN" altLang="en-US" dirty="0"/>
+              <a:t>、</a:t>
+            </a:r>
+            <a:r>
+              <a:rPr lang="en-US" altLang="zh-CN" dirty="0" err="1"/>
+              <a:t>BeginResolve</a:t>
+            </a:r>
+            <a:r>
+              <a:rPr lang="zh-CN" altLang="en-US" dirty="0"/>
+              <a:t>。</a:t>
+            </a:r>
+          </a:p>
+          <a:p>
+            <a:r>
+              <a:rPr lang="en-US" altLang="zh-CN" b="1" dirty="0"/>
+              <a:t>Socket</a:t>
+            </a:r>
+            <a:r>
+              <a:rPr lang="zh-CN" altLang="en-US" b="1" dirty="0"/>
+              <a:t>操作：</a:t>
+            </a:r>
+            <a:r>
+              <a:rPr lang="en-US" altLang="zh-CN" dirty="0" err="1"/>
+              <a:t>BeginAccept</a:t>
+            </a:r>
+            <a:r>
+              <a:rPr lang="zh-CN" altLang="en-US" dirty="0"/>
+              <a:t>、</a:t>
+            </a:r>
+            <a:r>
+              <a:rPr lang="en-US" altLang="zh-CN" dirty="0" err="1"/>
+              <a:t>BeginConnect</a:t>
+            </a:r>
+            <a:r>
+              <a:rPr lang="zh-CN" altLang="en-US" dirty="0"/>
+              <a:t>、</a:t>
+            </a:r>
+            <a:r>
+              <a:rPr lang="en-US" altLang="zh-CN" dirty="0" err="1"/>
+              <a:t>BeginReceive</a:t>
+            </a:r>
+            <a:r>
+              <a:rPr lang="zh-CN" altLang="en-US" dirty="0"/>
+              <a:t>等等。</a:t>
+            </a:r>
+          </a:p>
+          <a:p>
+            <a:r>
+              <a:rPr lang="en-US" altLang="zh-CN" b="1" dirty="0" err="1"/>
+              <a:t>WebRequest</a:t>
+            </a:r>
+            <a:r>
+              <a:rPr lang="zh-CN" altLang="en-US" b="1" dirty="0"/>
+              <a:t>操作：</a:t>
+            </a:r>
+            <a:r>
+              <a:rPr lang="en-US" altLang="zh-CN" dirty="0" err="1"/>
+              <a:t>BeginGetRequestStream</a:t>
+            </a:r>
+            <a:r>
+              <a:rPr lang="zh-CN" altLang="en-US" dirty="0"/>
+              <a:t>、</a:t>
+            </a:r>
+            <a:r>
+              <a:rPr lang="en-US" altLang="zh-CN" dirty="0" err="1"/>
+              <a:t>BeginGetResponse</a:t>
+            </a:r>
+            <a:r>
+              <a:rPr lang="zh-CN" altLang="en-US" dirty="0"/>
+              <a:t>。</a:t>
+            </a:r>
+          </a:p>
+          <a:p>
+            <a:r>
+              <a:rPr lang="en-US" altLang="zh-CN" b="1" dirty="0" err="1"/>
+              <a:t>SqlCommand</a:t>
+            </a:r>
+            <a:r>
+              <a:rPr lang="zh-CN" altLang="en-US" b="1" dirty="0"/>
+              <a:t>操作：</a:t>
+            </a:r>
+            <a:r>
+              <a:rPr lang="en-US" altLang="zh-CN" dirty="0" err="1"/>
+              <a:t>BeginExecuteReader</a:t>
+            </a:r>
+            <a:r>
+              <a:rPr lang="zh-CN" altLang="en-US" dirty="0"/>
+              <a:t>、</a:t>
+            </a:r>
+            <a:r>
+              <a:rPr lang="en-US" altLang="zh-CN" dirty="0" err="1"/>
+              <a:t>BeginExecuteNonQuery</a:t>
+            </a:r>
+            <a:r>
+              <a:rPr lang="zh-CN" altLang="en-US" dirty="0"/>
+              <a:t>等等。这可能是开发一个</a:t>
+            </a:r>
+            <a:r>
+              <a:rPr lang="en-US" altLang="zh-CN" dirty="0"/>
+              <a:t>Web</a:t>
+            </a:r>
+            <a:r>
+              <a:rPr lang="zh-CN" altLang="en-US" dirty="0"/>
+              <a:t>应用时最常用的异步操作了。如果需要在执行数据库操作时得到</a:t>
+            </a:r>
+            <a:r>
+              <a:rPr lang="en-US" altLang="zh-CN" dirty="0"/>
+              <a:t>IOCP</a:t>
+            </a:r>
+            <a:r>
+              <a:rPr lang="zh-CN" altLang="en-US" dirty="0"/>
+              <a:t>支持，那么需要在连接字符串中标记</a:t>
+            </a:r>
+            <a:r>
+              <a:rPr lang="en-US" altLang="zh-CN" dirty="0"/>
+              <a:t>Asynchronous Processing</a:t>
+            </a:r>
+            <a:r>
+              <a:rPr lang="zh-CN" altLang="en-US" dirty="0"/>
+              <a:t>为</a:t>
+            </a:r>
+            <a:r>
+              <a:rPr lang="en-US" altLang="zh-CN" dirty="0"/>
+              <a:t>true</a:t>
+            </a:r>
+            <a:r>
+              <a:rPr lang="zh-CN" altLang="en-US" dirty="0"/>
+              <a:t>（默认为</a:t>
+            </a:r>
+            <a:r>
+              <a:rPr lang="en-US" altLang="zh-CN" dirty="0"/>
+              <a:t>false</a:t>
+            </a:r>
+            <a:r>
+              <a:rPr lang="zh-CN" altLang="en-US" dirty="0"/>
+              <a:t>），否则在调用</a:t>
+            </a:r>
+            <a:r>
+              <a:rPr lang="en-US" altLang="zh-CN" dirty="0" err="1"/>
+              <a:t>BeginXXX</a:t>
+            </a:r>
+            <a:r>
+              <a:rPr lang="zh-CN" altLang="en-US" dirty="0"/>
+              <a:t>操作时就会抛出异常。</a:t>
+            </a:r>
+          </a:p>
+          <a:p>
+            <a:r>
+              <a:rPr lang="en-US" altLang="zh-CN" b="1" dirty="0" err="1"/>
+              <a:t>WebServcie</a:t>
+            </a:r>
+            <a:r>
+              <a:rPr lang="zh-CN" altLang="en-US" b="1" dirty="0"/>
+              <a:t>调用操作：</a:t>
+            </a:r>
+            <a:r>
+              <a:rPr lang="zh-CN" altLang="en-US" dirty="0"/>
+              <a:t>例如</a:t>
+            </a:r>
+            <a:r>
+              <a:rPr lang="en-US" altLang="zh-CN" dirty="0"/>
+              <a:t>.NET 2.0</a:t>
+            </a:r>
+            <a:r>
+              <a:rPr lang="zh-CN" altLang="en-US" dirty="0"/>
+              <a:t>或</a:t>
+            </a:r>
+            <a:r>
+              <a:rPr lang="en-US" altLang="zh-CN" dirty="0"/>
+              <a:t>WCF</a:t>
+            </a:r>
+            <a:r>
+              <a:rPr lang="zh-CN" altLang="en-US" dirty="0"/>
+              <a:t>生成的</a:t>
+            </a:r>
+            <a:r>
+              <a:rPr lang="en-US" altLang="zh-CN" dirty="0"/>
+              <a:t>Web Service Proxy</a:t>
+            </a:r>
+            <a:r>
+              <a:rPr lang="zh-CN" altLang="en-US" dirty="0"/>
+              <a:t>中的</a:t>
+            </a:r>
+            <a:r>
+              <a:rPr lang="en-US" altLang="zh-CN" dirty="0" err="1"/>
+              <a:t>BeginXXX</a:t>
+            </a:r>
+            <a:r>
+              <a:rPr lang="zh-CN" altLang="en-US" dirty="0"/>
+              <a:t>方法、</a:t>
+            </a:r>
+            <a:r>
+              <a:rPr lang="en-US" altLang="zh-CN" dirty="0"/>
+              <a:t>WCF</a:t>
+            </a:r>
+            <a:r>
+              <a:rPr lang="zh-CN" altLang="en-US" dirty="0"/>
+              <a:t>中</a:t>
+            </a:r>
+            <a:r>
+              <a:rPr lang="en-US" altLang="zh-CN" dirty="0" err="1"/>
+              <a:t>ClientBase</a:t>
+            </a:r>
+            <a:r>
+              <a:rPr lang="en-US" altLang="zh-CN" dirty="0"/>
+              <a:t>&lt;</a:t>
+            </a:r>
+            <a:r>
+              <a:rPr lang="en-US" altLang="zh-CN" dirty="0" err="1"/>
+              <a:t>TChannel</a:t>
+            </a:r>
+            <a:r>
+              <a:rPr lang="en-US" altLang="zh-CN" dirty="0"/>
+              <a:t>&gt;</a:t>
+            </a:r>
+            <a:r>
+              <a:rPr lang="zh-CN" altLang="en-US" dirty="0"/>
+              <a:t>的</a:t>
+            </a:r>
+            <a:r>
+              <a:rPr lang="en-US" altLang="zh-CN" dirty="0" err="1"/>
+              <a:t>InvokeAsync</a:t>
+            </a:r>
+            <a:r>
+              <a:rPr lang="zh-CN" altLang="en-US" dirty="0"/>
+              <a:t>方法</a:t>
+            </a:r>
+          </a:p>
+        </p:txBody>
+      </p:sp>
+    </p:spTree>
+  </p:cSld>
+  <p:clrMapOvr>
+    <a:masterClrMapping/>
+  </p:clrMapOvr>
+</p:sld>
+</file>
+
+<file path=ppt/slides/slide29.xml><?xml version="1.0" encoding="utf-8"?>
+<p:sld xmlns:a="http://schemas.openxmlformats.org/drawingml/2006/main" xmlns:r="http://schemas.openxmlformats.org/officeDocument/2006/relationships" xmlns:p="http://schemas.openxmlformats.org/presentationml/2006/main">
+  <p:cSld>
+    <p:spTree>
+      <p:nvGrpSpPr>
+        <p:cNvPr id="1" name=""/>
+        <p:cNvGrpSpPr/>
+        <p:nvPr/>
+      </p:nvGrpSpPr>
+      <p:grpSpPr>
+        <a:xfrm>
+          <a:off x="0" y="0"/>
+          <a:ext cx="0" cy="0"/>
+          <a:chOff x="0" y="0"/>
+          <a:chExt cx="0" cy="0"/>
+        </a:xfrm>
+      </p:grpSpPr>
+      <p:sp>
+        <p:nvSpPr>
+          <p:cNvPr id="2" name="标题 1"/>
+          <p:cNvSpPr>
+            <a:spLocks noGrp="1"/>
+          </p:cNvSpPr>
+          <p:nvPr>
+            <p:ph type="title"/>
+          </p:nvPr>
+        </p:nvSpPr>
+        <p:spPr/>
+        <p:txBody>
+          <a:bodyPr/>
+          <a:lstStyle/>
+          <a:p>
+            <a:r>
+              <a:rPr lang="en-US" altLang="zh-CN" dirty="0" smtClean="0"/>
+              <a:t>Framework</a:t>
+            </a:r>
+            <a:r>
+              <a:rPr lang="zh-CN" altLang="en-US" dirty="0" smtClean="0"/>
+              <a:t>源码</a:t>
+            </a:r>
+            <a:endParaRPr lang="zh-CN" altLang="en-US" dirty="0"/>
+          </a:p>
+        </p:txBody>
+      </p:sp>
+      <p:sp>
+        <p:nvSpPr>
+          <p:cNvPr id="3" name="内容占位符 2"/>
+          <p:cNvSpPr>
+            <a:spLocks noGrp="1"/>
+          </p:cNvSpPr>
+          <p:nvPr>
+            <p:ph sz="quarter" idx="11"/>
+          </p:nvPr>
+        </p:nvSpPr>
+        <p:spPr/>
+        <p:txBody>
+          <a:bodyPr/>
+          <a:lstStyle/>
+          <a:p>
             <a:pPr marL="0" indent="0">
               <a:buNone/>
             </a:pPr>
             <a:r>
-              <a:rPr lang="en-US" altLang="zh-CN" dirty="0" smtClean="0"/>
-              <a:t>Java</a:t>
-            </a:r>
-            <a:r>
-              <a:rPr lang="zh-CN" altLang="en-US" dirty="0" smtClean="0"/>
-              <a:t>多线程</a:t>
-            </a:r>
-            <a:endParaRPr lang="en-US" altLang="zh-CN" dirty="0" smtClean="0"/>
+              <a:rPr lang="en-US" altLang="zh-CN" dirty="0"/>
+              <a:t>https://referencesource.microsoft.com/download.html</a:t>
+            </a:r>
           </a:p>
           <a:p>
             <a:pPr marL="0" indent="0">
               <a:buNone/>
             </a:pPr>
-            <a:r>
-              <a:rPr lang="en-US" altLang="zh-CN" dirty="0" smtClean="0"/>
-              <a:t>Java maven</a:t>
-            </a:r>
-            <a:endParaRPr lang="en-US" altLang="zh-CN" dirty="0" smtClean="0"/>
-          </a:p>
-          <a:p>
-            <a:pPr marL="0" indent="0">
-              <a:buNone/>
-            </a:pPr>
-            <a:r>
-              <a:rPr lang="en-US" altLang="zh-CN" dirty="0" smtClean="0"/>
-              <a:t>Eclipse/Idea</a:t>
-            </a:r>
-            <a:endParaRPr lang="en-US" altLang="zh-CN" dirty="0" smtClean="0"/>
-          </a:p>
-          <a:p>
-            <a:pPr marL="0" indent="0">
-              <a:buNone/>
-            </a:pPr>
-            <a:r>
-              <a:rPr lang="en-US" altLang="zh-CN" dirty="0" smtClean="0"/>
-              <a:t>Spring </a:t>
-            </a:r>
-            <a:r>
-              <a:rPr lang="en-US" altLang="zh-CN" dirty="0" err="1" smtClean="0"/>
-              <a:t>springmvc</a:t>
-            </a:r>
-            <a:endParaRPr lang="en-US" altLang="zh-CN" dirty="0" smtClean="0"/>
-          </a:p>
-          <a:p>
-            <a:pPr marL="0" indent="0">
-              <a:buNone/>
-            </a:pPr>
-            <a:r>
-              <a:rPr lang="en-US" altLang="zh-CN" dirty="0" smtClean="0"/>
-              <a:t>Java </a:t>
-            </a:r>
-            <a:r>
-              <a:rPr lang="en-US" altLang="zh-CN" dirty="0" err="1" smtClean="0"/>
-              <a:t>ssh</a:t>
-            </a:r>
-            <a:r>
-              <a:rPr lang="en-US" altLang="zh-CN" dirty="0" smtClean="0"/>
-              <a:t>/</a:t>
-            </a:r>
-            <a:r>
-              <a:rPr lang="en-US" altLang="zh-CN" dirty="0" err="1" smtClean="0"/>
-              <a:t>ssm</a:t>
-            </a:r>
-            <a:endParaRPr lang="en-US" altLang="zh-CN" dirty="0" smtClean="0"/>
-          </a:p>
-          <a:p>
-            <a:pPr marL="0" indent="0">
-              <a:buNone/>
-            </a:pPr>
-            <a:r>
-              <a:rPr lang="en-US" altLang="zh-CN" dirty="0" err="1" smtClean="0"/>
-              <a:t>es</a:t>
-            </a:r>
-            <a:r>
-              <a:rPr lang="en-US" altLang="zh-CN" dirty="0" smtClean="0"/>
-              <a:t>/</a:t>
-            </a:r>
-            <a:r>
-              <a:rPr lang="en-US" altLang="zh-CN" dirty="0" err="1" smtClean="0"/>
-              <a:t>solr</a:t>
-            </a:r>
-            <a:r>
-              <a:rPr lang="en-US" altLang="zh-CN" dirty="0" smtClean="0"/>
-              <a:t>/</a:t>
-            </a:r>
-            <a:r>
-              <a:rPr lang="en-US" altLang="zh-CN" dirty="0" err="1" smtClean="0"/>
-              <a:t>hadoop</a:t>
-            </a:r>
-            <a:endParaRPr lang="en-US" altLang="zh-CN" dirty="0" smtClean="0"/>
-          </a:p>
-          <a:p>
-            <a:pPr marL="0" indent="0">
-              <a:buNone/>
-            </a:pPr>
-            <a:endParaRPr lang="en-US" altLang="zh-CN" dirty="0"/>
-          </a:p>
-          <a:p>
-            <a:pPr marL="0" indent="0">
-              <a:buNone/>
-            </a:pPr>
-            <a:r>
-              <a:rPr lang="en-US" altLang="zh-CN" dirty="0" err="1" smtClean="0"/>
-              <a:t>.Net</a:t>
-            </a:r>
-            <a:r>
-              <a:rPr lang="en-US" altLang="zh-CN" dirty="0" smtClean="0"/>
-              <a:t>:</a:t>
-            </a:r>
-            <a:endParaRPr lang="en-US" altLang="zh-CN" dirty="0" smtClean="0"/>
-          </a:p>
-          <a:p>
-            <a:pPr marL="0" indent="0">
-              <a:buNone/>
-            </a:pPr>
-            <a:r>
-              <a:rPr lang="en-US" altLang="zh-CN" dirty="0" err="1" smtClean="0"/>
-              <a:t>MVC,webapi</a:t>
-            </a:r>
-            <a:r>
-              <a:rPr lang="zh-CN" altLang="en-US" dirty="0" smtClean="0"/>
-              <a:t>源码解析</a:t>
-            </a:r>
-            <a:r>
-              <a:rPr lang="en-US" altLang="zh-CN" dirty="0" smtClean="0"/>
-              <a:t>(</a:t>
-            </a:r>
-            <a:r>
-              <a:rPr lang="zh-CN" altLang="en-US" dirty="0"/>
-              <a:t>蒋金楠</a:t>
-            </a:r>
-            <a:r>
-              <a:rPr lang="en-US" altLang="zh-CN" dirty="0" smtClean="0"/>
-              <a:t>)</a:t>
-            </a:r>
-            <a:endParaRPr lang="en-US" altLang="zh-CN" dirty="0" smtClean="0"/>
-          </a:p>
-          <a:p>
-            <a:pPr marL="0" indent="0">
-              <a:buNone/>
-            </a:pPr>
-            <a:r>
-              <a:rPr lang="en-US" altLang="zh-CN" dirty="0" smtClean="0"/>
-              <a:t>WCF</a:t>
-            </a:r>
-            <a:r>
-              <a:rPr lang="zh-CN" altLang="en-US" dirty="0" smtClean="0"/>
-              <a:t>（蒋金楠）</a:t>
-            </a:r>
-            <a:endParaRPr lang="en-US" altLang="zh-CN" dirty="0" smtClean="0"/>
-          </a:p>
-          <a:p>
-            <a:pPr marL="0" indent="0">
-              <a:buNone/>
-            </a:pPr>
-            <a:endParaRPr lang="en-US" altLang="zh-CN" dirty="0"/>
-          </a:p>
-          <a:p>
-            <a:pPr marL="0" indent="0">
-              <a:buNone/>
-            </a:pPr>
-            <a:r>
-              <a:rPr lang="zh-CN" altLang="en-US" dirty="0" smtClean="0"/>
-              <a:t>其他优秀的框架源码解读</a:t>
-            </a:r>
-            <a:endParaRPr lang="en-US" altLang="zh-CN" dirty="0" smtClean="0"/>
-          </a:p>
-          <a:p>
-            <a:pPr marL="0" indent="0">
-              <a:buNone/>
-            </a:pPr>
-            <a:r>
-              <a:rPr lang="zh-CN" altLang="en-US" dirty="0"/>
-              <a:t>软件脱壳破解技术</a:t>
-            </a:r>
             <a:endParaRPr lang="en-US" altLang="zh-CN" dirty="0"/>
           </a:p>
           <a:p>
@@ -8811,21 +10060,18 @@
               <a:rPr lang="en-US" altLang="zh-CN" dirty="0" smtClean="0"/>
               <a:t>Start</a:t>
             </a:r>
-            <a:endParaRPr lang="en-US" altLang="zh-CN" dirty="0" smtClean="0"/>
           </a:p>
           <a:p>
             <a:r>
               <a:rPr lang="en-US" altLang="zh-CN" dirty="0" smtClean="0"/>
               <a:t>Suspend</a:t>
             </a:r>
-            <a:endParaRPr lang="en-US" altLang="zh-CN" dirty="0" smtClean="0"/>
           </a:p>
           <a:p>
             <a:r>
               <a:rPr lang="en-US" altLang="zh-CN" dirty="0" smtClean="0"/>
               <a:t>Resume</a:t>
             </a:r>
-            <a:endParaRPr lang="en-US" altLang="zh-CN" dirty="0" smtClean="0"/>
           </a:p>
           <a:p>
             <a:r>
@@ -8848,7 +10094,6 @@
               <a:rPr lang="en-US" altLang="zh-CN" dirty="0" smtClean="0"/>
               <a:t>)</a:t>
             </a:r>
-            <a:endParaRPr lang="en-US" altLang="zh-CN" dirty="0" smtClean="0"/>
           </a:p>
           <a:p>
             <a:r>
@@ -8886,29 +10131,363 @@
               <a:rPr lang="en-US" altLang="zh-CN" dirty="0" smtClean="0"/>
               <a:t>Abort</a:t>
             </a:r>
+          </a:p>
+          <a:p>
+            <a:r>
+              <a:rPr lang="zh-CN" altLang="en-US" dirty="0" smtClean="0"/>
+              <a:t>这些核心方法都是</a:t>
+            </a:r>
+            <a:r>
+              <a:rPr lang="en-US" altLang="zh-CN" dirty="0" smtClean="0"/>
+              <a:t>CLR</a:t>
+            </a:r>
+            <a:r>
+              <a:rPr lang="zh-CN" altLang="en-US" dirty="0" smtClean="0"/>
+              <a:t>实现的，</a:t>
+            </a:r>
+            <a:r>
+              <a:rPr lang="en-US" altLang="zh-CN" dirty="0" smtClean="0"/>
+              <a:t>framework</a:t>
+            </a:r>
+            <a:r>
+              <a:rPr lang="zh-CN" altLang="en-US" dirty="0" smtClean="0"/>
+              <a:t>只是一个</a:t>
+            </a:r>
+            <a:r>
+              <a:rPr lang="zh-CN" altLang="en-US" dirty="0" smtClean="0"/>
+              <a:t>皮</a:t>
+            </a:r>
             <a:endParaRPr lang="en-US" altLang="zh-CN" dirty="0" smtClean="0"/>
           </a:p>
           <a:p>
-            <a:r>
-              <a:rPr lang="zh-CN" altLang="en-US" dirty="0" smtClean="0"/>
-              <a:t>这些核心方法都是</a:t>
-            </a:r>
-            <a:r>
-              <a:rPr lang="en-US" altLang="zh-CN" dirty="0" smtClean="0"/>
-              <a:t>CLR</a:t>
-            </a:r>
-            <a:r>
-              <a:rPr lang="zh-CN" altLang="en-US" dirty="0" smtClean="0"/>
-              <a:t>实现的，</a:t>
-            </a:r>
-            <a:r>
-              <a:rPr lang="en-US" altLang="zh-CN" dirty="0" smtClean="0"/>
-              <a:t>framework</a:t>
-            </a:r>
-            <a:r>
-              <a:rPr lang="zh-CN" altLang="en-US" dirty="0" smtClean="0"/>
-              <a:t>只是一个皮</a:t>
-            </a:r>
+            <a:endParaRPr lang="en-US" altLang="zh-CN" dirty="0"/>
+          </a:p>
+          <a:p>
+            <a:endParaRPr lang="en-US" altLang="zh-CN" dirty="0" smtClean="0"/>
+          </a:p>
+          <a:p>
+            <a:r>
+              <a:rPr lang="zh-CN" altLang="en-US" dirty="0"/>
+              <a:t>前台线程和后台线程的区别和联系：</a:t>
+            </a:r>
+          </a:p>
+          <a:p>
+            <a:r>
+              <a:rPr lang="en-US" altLang="zh-CN" dirty="0"/>
+              <a:t>1</a:t>
+            </a:r>
+            <a:r>
+              <a:rPr lang="zh-CN" altLang="en-US" dirty="0"/>
+              <a:t>、后台线程不会阻止进程的终止。属于某个进程的所有前台线程都终止后，该进程就会被终止。所有剩余的后台线程都会停止且不会完成。</a:t>
+            </a:r>
+          </a:p>
+          <a:p>
+            <a:r>
+              <a:rPr lang="en-US" altLang="zh-CN" dirty="0"/>
+              <a:t>2</a:t>
+            </a:r>
+            <a:r>
+              <a:rPr lang="zh-CN" altLang="en-US" dirty="0"/>
+              <a:t>、可以在任何时候将前台线程修改为后台线程，方式是设置</a:t>
+            </a:r>
+            <a:r>
+              <a:rPr lang="en-US" altLang="zh-CN" dirty="0" err="1">
+                <a:hlinkClick r:id="rId2"/>
+              </a:rPr>
+              <a:t>Thread.IsBackground</a:t>
+            </a:r>
+            <a:r>
+              <a:rPr lang="zh-CN" altLang="en-US" dirty="0"/>
+              <a:t> 属性。</a:t>
+            </a:r>
+          </a:p>
+          <a:p>
+            <a:r>
+              <a:rPr lang="en-US" altLang="zh-CN" dirty="0"/>
+              <a:t>3</a:t>
+            </a:r>
+            <a:r>
+              <a:rPr lang="zh-CN" altLang="en-US" dirty="0"/>
+              <a:t>、不管是前台线程还是后台线程，如果线程内出现了异常，都会导致进程的终止。</a:t>
+            </a:r>
+          </a:p>
+          <a:p>
+            <a:r>
+              <a:rPr lang="en-US" altLang="zh-CN" dirty="0"/>
+              <a:t>4</a:t>
+            </a:r>
+            <a:r>
+              <a:rPr lang="zh-CN" altLang="en-US" dirty="0"/>
+              <a:t>、托管线程池中的线程都是后台线程，使用</a:t>
+            </a:r>
+            <a:r>
+              <a:rPr lang="en-US" altLang="zh-CN" dirty="0"/>
+              <a:t>new Thread</a:t>
+            </a:r>
+            <a:r>
+              <a:rPr lang="zh-CN" altLang="en-US" dirty="0"/>
+              <a:t>方式创建的线程默认都是前台线程。</a:t>
+            </a:r>
+          </a:p>
+          <a:p>
+            <a:endParaRPr lang="zh-CN" altLang="en-US" dirty="0"/>
+          </a:p>
+        </p:txBody>
+      </p:sp>
+    </p:spTree>
+  </p:cSld>
+  <p:clrMapOvr>
+    <a:masterClrMapping/>
+  </p:clrMapOvr>
+</p:sld>
+</file>
+
+<file path=ppt/slides/slide30.xml><?xml version="1.0" encoding="utf-8"?>
+<p:sld xmlns:a="http://schemas.openxmlformats.org/drawingml/2006/main" xmlns:r="http://schemas.openxmlformats.org/officeDocument/2006/relationships" xmlns:p="http://schemas.openxmlformats.org/presentationml/2006/main">
+  <p:cSld>
+    <p:spTree>
+      <p:nvGrpSpPr>
+        <p:cNvPr id="1" name=""/>
+        <p:cNvGrpSpPr/>
+        <p:nvPr/>
+      </p:nvGrpSpPr>
+      <p:grpSpPr>
+        <a:xfrm>
+          <a:off x="0" y="0"/>
+          <a:ext cx="0" cy="0"/>
+          <a:chOff x="0" y="0"/>
+          <a:chExt cx="0" cy="0"/>
+        </a:xfrm>
+      </p:grpSpPr>
+      <p:sp>
+        <p:nvSpPr>
+          <p:cNvPr id="2" name="标题 1"/>
+          <p:cNvSpPr>
+            <a:spLocks noGrp="1"/>
+          </p:cNvSpPr>
+          <p:nvPr>
+            <p:ph type="title"/>
+          </p:nvPr>
+        </p:nvSpPr>
+        <p:spPr/>
+        <p:txBody>
+          <a:bodyPr/>
+          <a:lstStyle/>
+          <a:p>
+            <a:r>
+              <a:rPr lang="zh-CN" altLang="en-US" dirty="0" smtClean="0"/>
+              <a:t>个人期望的</a:t>
+            </a:r>
+            <a:r>
+              <a:rPr lang="en-US" altLang="zh-CN" dirty="0" smtClean="0"/>
+              <a:t>training</a:t>
+            </a:r>
+            <a:endParaRPr lang="zh-CN" altLang="en-US" dirty="0"/>
+          </a:p>
+        </p:txBody>
+      </p:sp>
+      <p:sp>
+        <p:nvSpPr>
+          <p:cNvPr id="3" name="内容占位符 2"/>
+          <p:cNvSpPr>
+            <a:spLocks noGrp="1"/>
+          </p:cNvSpPr>
+          <p:nvPr>
+            <p:ph sz="quarter" idx="11"/>
+          </p:nvPr>
+        </p:nvSpPr>
+        <p:spPr/>
+        <p:txBody>
+          <a:bodyPr/>
+          <a:lstStyle/>
+          <a:p>
+            <a:pPr marL="0" indent="0">
+              <a:buNone/>
+            </a:pPr>
+            <a:r>
+              <a:rPr lang="en-US" altLang="zh-CN" dirty="0" smtClean="0"/>
+              <a:t>Java</a:t>
+            </a:r>
+            <a:r>
+              <a:rPr lang="zh-CN" altLang="en-US" dirty="0" smtClean="0"/>
+              <a:t>多线程</a:t>
+            </a:r>
+            <a:endParaRPr lang="en-US" altLang="zh-CN" dirty="0" smtClean="0"/>
+          </a:p>
+          <a:p>
+            <a:pPr marL="0" indent="0">
+              <a:buNone/>
+            </a:pPr>
+            <a:r>
+              <a:rPr lang="en-US" altLang="zh-CN" dirty="0" smtClean="0"/>
+              <a:t>Java maven</a:t>
+            </a:r>
+          </a:p>
+          <a:p>
+            <a:pPr marL="0" indent="0">
+              <a:buNone/>
+            </a:pPr>
+            <a:r>
+              <a:rPr lang="en-US" altLang="zh-CN" dirty="0" smtClean="0"/>
+              <a:t>Eclipse/Idea</a:t>
+            </a:r>
+          </a:p>
+          <a:p>
+            <a:pPr marL="0" indent="0">
+              <a:buNone/>
+            </a:pPr>
+            <a:r>
+              <a:rPr lang="en-US" altLang="zh-CN" dirty="0" smtClean="0"/>
+              <a:t>Spring </a:t>
+            </a:r>
+            <a:r>
+              <a:rPr lang="en-US" altLang="zh-CN" dirty="0" err="1" smtClean="0"/>
+              <a:t>springmvc</a:t>
+            </a:r>
+            <a:endParaRPr lang="en-US" altLang="zh-CN" dirty="0" smtClean="0"/>
+          </a:p>
+          <a:p>
+            <a:pPr marL="0" indent="0">
+              <a:buNone/>
+            </a:pPr>
+            <a:r>
+              <a:rPr lang="en-US" altLang="zh-CN" dirty="0" smtClean="0"/>
+              <a:t>Java </a:t>
+            </a:r>
+            <a:r>
+              <a:rPr lang="en-US" altLang="zh-CN" dirty="0" err="1" smtClean="0"/>
+              <a:t>ssh</a:t>
+            </a:r>
+            <a:r>
+              <a:rPr lang="en-US" altLang="zh-CN" dirty="0" smtClean="0"/>
+              <a:t>/</a:t>
+            </a:r>
+            <a:r>
+              <a:rPr lang="en-US" altLang="zh-CN" dirty="0" err="1" smtClean="0"/>
+              <a:t>ssm</a:t>
+            </a:r>
+            <a:endParaRPr lang="en-US" altLang="zh-CN" dirty="0" smtClean="0"/>
+          </a:p>
+          <a:p>
+            <a:pPr marL="0" indent="0">
+              <a:buNone/>
+            </a:pPr>
+            <a:r>
+              <a:rPr lang="en-US" altLang="zh-CN" dirty="0" err="1" smtClean="0"/>
+              <a:t>es</a:t>
+            </a:r>
+            <a:r>
+              <a:rPr lang="en-US" altLang="zh-CN" dirty="0" smtClean="0"/>
+              <a:t>/</a:t>
+            </a:r>
+            <a:r>
+              <a:rPr lang="en-US" altLang="zh-CN" dirty="0" err="1" smtClean="0"/>
+              <a:t>solr</a:t>
+            </a:r>
+            <a:r>
+              <a:rPr lang="en-US" altLang="zh-CN" dirty="0" smtClean="0"/>
+              <a:t>/</a:t>
+            </a:r>
+            <a:r>
+              <a:rPr lang="en-US" altLang="zh-CN" dirty="0" err="1" smtClean="0"/>
+              <a:t>hadoop</a:t>
+            </a:r>
+            <a:endParaRPr lang="en-US" altLang="zh-CN" dirty="0" smtClean="0"/>
+          </a:p>
+          <a:p>
+            <a:pPr marL="0" indent="0">
+              <a:buNone/>
+            </a:pPr>
+            <a:endParaRPr lang="en-US" altLang="zh-CN" dirty="0"/>
+          </a:p>
+          <a:p>
+            <a:pPr marL="0" indent="0">
+              <a:buNone/>
+            </a:pPr>
+            <a:r>
+              <a:rPr lang="en-US" altLang="zh-CN" dirty="0" err="1" smtClean="0"/>
+              <a:t>.Net</a:t>
+            </a:r>
+            <a:r>
+              <a:rPr lang="en-US" altLang="zh-CN" dirty="0" smtClean="0"/>
+              <a:t>:</a:t>
+            </a:r>
+          </a:p>
+          <a:p>
+            <a:pPr marL="0" indent="0">
+              <a:buNone/>
+            </a:pPr>
+            <a:r>
+              <a:rPr lang="en-US" altLang="zh-CN" dirty="0" err="1" smtClean="0"/>
+              <a:t>MVC,webapi</a:t>
+            </a:r>
+            <a:r>
+              <a:rPr lang="zh-CN" altLang="en-US" dirty="0" smtClean="0"/>
+              <a:t>源码解析</a:t>
+            </a:r>
+            <a:r>
+              <a:rPr lang="en-US" altLang="zh-CN" dirty="0" smtClean="0"/>
+              <a:t>(</a:t>
+            </a:r>
+            <a:r>
+              <a:rPr lang="zh-CN" altLang="en-US" dirty="0"/>
+              <a:t>蒋金楠</a:t>
+            </a:r>
+            <a:r>
+              <a:rPr lang="en-US" altLang="zh-CN" dirty="0" smtClean="0"/>
+              <a:t>)</a:t>
+            </a:r>
+          </a:p>
+          <a:p>
+            <a:pPr marL="0" indent="0">
+              <a:buNone/>
+            </a:pPr>
+            <a:r>
+              <a:rPr lang="en-US" altLang="zh-CN" dirty="0" smtClean="0"/>
+              <a:t>WCF</a:t>
+            </a:r>
+            <a:r>
+              <a:rPr lang="zh-CN" altLang="en-US" dirty="0" smtClean="0"/>
+              <a:t>（蒋金楠）</a:t>
+            </a:r>
+            <a:endParaRPr lang="en-US" altLang="zh-CN" dirty="0" smtClean="0"/>
+          </a:p>
+          <a:p>
+            <a:pPr marL="0" indent="0">
+              <a:buNone/>
+            </a:pPr>
+            <a:endParaRPr lang="en-US" altLang="zh-CN" dirty="0"/>
+          </a:p>
+          <a:p>
+            <a:pPr marL="0" indent="0">
+              <a:buNone/>
+            </a:pPr>
+            <a:r>
+              <a:rPr lang="zh-CN" altLang="en-US" dirty="0" smtClean="0"/>
+              <a:t>其他优秀的框架源码解读</a:t>
+            </a:r>
+            <a:endParaRPr lang="en-US" altLang="zh-CN" dirty="0" smtClean="0"/>
+          </a:p>
+          <a:p>
+            <a:pPr marL="0" indent="0">
+              <a:buNone/>
+            </a:pPr>
+            <a:r>
+              <a:rPr lang="zh-CN" altLang="en-US" dirty="0"/>
+              <a:t>软件脱壳破解技术</a:t>
+            </a:r>
+            <a:endParaRPr lang="en-US" altLang="zh-CN" dirty="0"/>
+          </a:p>
+          <a:p>
+            <a:pPr marL="0" indent="0">
+              <a:buNone/>
+            </a:pPr>
+            <a:endParaRPr lang="en-US" altLang="zh-CN" dirty="0"/>
+          </a:p>
+          <a:p>
+            <a:pPr marL="0" indent="0">
+              <a:buNone/>
+            </a:pPr>
             <a:endParaRPr lang="zh-CN" altLang="en-US" dirty="0"/>
           </a:p>
         </p:txBody>
@@ -9053,7 +10632,6 @@
               <a:rPr lang="en-US" altLang="zh-CN" dirty="0" smtClean="0"/>
               <a:t>30ms.</a:t>
             </a:r>
-            <a:endParaRPr lang="en-US" altLang="zh-CN" dirty="0" smtClean="0"/>
           </a:p>
           <a:p>
             <a:pPr marL="0" indent="0">
@@ -9113,7 +10691,6 @@
               <a:rPr lang="en-US" altLang="zh-CN" dirty="0" smtClean="0"/>
               <a:t>.</a:t>
             </a:r>
-            <a:endParaRPr lang="en-US" altLang="zh-CN" dirty="0" smtClean="0"/>
           </a:p>
           <a:p>
             <a:pPr marL="0" indent="0">
@@ -9151,7 +10728,6 @@
               <a:rPr lang="en-US" altLang="zh-CN" dirty="0" smtClean="0"/>
               <a:t> </a:t>
             </a:r>
-            <a:endParaRPr lang="en-US" altLang="zh-CN" dirty="0" smtClean="0"/>
           </a:p>
           <a:p>
             <a:pPr marL="0" indent="0">
@@ -9445,7 +11021,6 @@
               <a:rPr lang="en-US" altLang="zh-CN" dirty="0" smtClean="0"/>
               <a:t>.</a:t>
             </a:r>
-            <a:endParaRPr lang="en-US" altLang="zh-CN" dirty="0" smtClean="0"/>
           </a:p>
           <a:p>
             <a:pPr marL="0" indent="0">
@@ -9553,7 +11128,6 @@
               <a:rPr lang="en-US" altLang="zh-CN" dirty="0" smtClean="0"/>
               <a:t>30ms</a:t>
             </a:r>
-            <a:endParaRPr lang="en-US" altLang="zh-CN" dirty="0" smtClean="0"/>
           </a:p>
           <a:p>
             <a:pPr marL="0" indent="0">
@@ -9639,7 +11213,6 @@
               <a:rPr lang="zh-CN" altLang="en-US" dirty="0" smtClean="0"/>
               <a:t>静态方法</a:t>
             </a:r>
-            <a:endParaRPr lang="zh-CN" altLang="en-US" dirty="0" smtClean="0"/>
           </a:p>
         </p:txBody>
       </p:sp>
@@ -9662,35 +11235,30 @@
               <a:rPr lang="zh-CN" altLang="en-US" dirty="0"/>
               <a:t>AllocateDataSlot</a:t>
             </a:r>
-            <a:endParaRPr lang="zh-CN" altLang="en-US" dirty="0"/>
           </a:p>
           <a:p>
             <a:r>
               <a:rPr lang="zh-CN" altLang="en-US" dirty="0"/>
               <a:t>AllocateNamedDataSlot（给所有的线程分配数据槽）</a:t>
             </a:r>
-            <a:endParaRPr lang="zh-CN" altLang="en-US" dirty="0"/>
           </a:p>
           <a:p>
             <a:r>
               <a:rPr lang="zh-CN" altLang="en-US" dirty="0"/>
               <a:t>GetNamedDataSlot</a:t>
             </a:r>
-            <a:endParaRPr lang="zh-CN" altLang="en-US" dirty="0"/>
           </a:p>
           <a:p>
             <a:r>
               <a:rPr lang="zh-CN" altLang="en-US" dirty="0"/>
               <a:t>FreeNamedDataSlot</a:t>
             </a:r>
-            <a:endParaRPr lang="zh-CN" altLang="en-US" dirty="0"/>
           </a:p>
           <a:p>
             <a:r>
               <a:rPr lang="zh-CN" altLang="en-US" dirty="0"/>
               <a:t>多个线程间共享数据，存在锁 的问题</a:t>
             </a:r>
-            <a:endParaRPr lang="zh-CN" altLang="en-US" dirty="0"/>
           </a:p>
           <a:p>
             <a:endParaRPr lang="zh-CN" altLang="en-US" dirty="0"/>
@@ -9708,14 +11276,12 @@
               <a:rPr lang="en-US" altLang="zh-CN" dirty="0"/>
               <a:t>)</a:t>
             </a:r>
-            <a:endParaRPr lang="en-US" altLang="zh-CN" dirty="0"/>
           </a:p>
           <a:p>
             <a:r>
               <a:rPr lang="en-US" altLang="zh-CN" dirty="0"/>
               <a:t>ThreadLocal</a:t>
             </a:r>
-            <a:endParaRPr lang="en-US" altLang="zh-CN" dirty="0"/>
           </a:p>
           <a:p>
             <a:endParaRPr lang="en-US" altLang="zh-CN" dirty="0"/>
@@ -9731,14 +11297,22 @@
             </a:r>
             <a:r>
               <a:rPr lang="zh-CN" altLang="en-US" dirty="0"/>
-              <a:t>查看（</a:t>
-            </a:r>
-            <a:r>
-              <a:rPr lang="en-US" altLang="zh-CN" dirty="0"/>
-              <a:t>!clrstack</a:t>
-            </a:r>
-            <a:r>
-              <a:rPr lang="zh-CN" altLang="en-US" dirty="0"/>
+              <a:t>查看</a:t>
+            </a:r>
+            <a:r>
+              <a:rPr lang="zh-CN" altLang="en-US" dirty="0" smtClean="0"/>
+              <a:t>（</a:t>
+            </a:r>
+            <a:r>
+              <a:rPr lang="en-US" altLang="zh-CN" dirty="0" smtClean="0"/>
+              <a:t>!</a:t>
+            </a:r>
+            <a:r>
+              <a:rPr lang="en-US" altLang="zh-CN" dirty="0" err="1" smtClean="0"/>
+              <a:t>clrstack</a:t>
+            </a:r>
+            <a:r>
+              <a:rPr lang="zh-CN" altLang="en-US" dirty="0" smtClean="0"/>
               <a:t>）</a:t>
             </a:r>
             <a:endParaRPr lang="zh-CN" altLang="en-US" dirty="0"/>
@@ -9813,7 +11387,6 @@
               <a:rPr lang="en-US" altLang="zh-CN" dirty="0" smtClean="0"/>
               <a:t>)</a:t>
             </a:r>
-            <a:endParaRPr lang="en-US" altLang="zh-CN" dirty="0" smtClean="0"/>
           </a:p>
         </p:txBody>
       </p:sp>
@@ -9869,9 +11442,15 @@
               <a:t>bug</a:t>
             </a:r>
             <a:r>
-              <a:rPr lang="zh-CN" altLang="en-US" dirty="0"/>
+              <a:rPr lang="zh-CN" altLang="en-US" dirty="0" smtClean="0"/>
               <a:t>。</a:t>
             </a:r>
+            <a:endParaRPr lang="en-US" altLang="zh-CN" dirty="0" smtClean="0"/>
+          </a:p>
+          <a:p>
+            <a:endParaRPr lang="en-US" altLang="zh-CN" dirty="0"/>
+          </a:p>
+          <a:p>
             <a:endParaRPr lang="zh-CN" altLang="en-US" dirty="0"/>
           </a:p>
           <a:p>
@@ -10054,12 +11633,6 @@
                         </a:rPr>
                         <a:t>剩余空闲线程数</a:t>
                       </a:r>
-                      <a:endParaRPr lang="zh-CN" altLang="en-US">
-                        <a:solidFill>
-                          <a:srgbClr val="4F4F4F"/>
-                        </a:solidFill>
-                        <a:effectLst/>
-                      </a:endParaRPr>
                     </a:p>
                   </a:txBody>
                   <a:tcPr marL="28575" marR="28575" marT="28575" marB="28575" anchor="ctr">
@@ -10186,12 +11759,6 @@
                         </a:rPr>
                         <a:t>最多可用线程数，所有大于此数目的请求将保持排队状态，直到线程池线程变为可用</a:t>
                       </a:r>
-                      <a:endParaRPr lang="zh-CN" altLang="en-US">
-                        <a:solidFill>
-                          <a:srgbClr val="4F4F4F"/>
-                        </a:solidFill>
-                        <a:effectLst/>
-                      </a:endParaRPr>
                     </a:p>
                   </a:txBody>
                   <a:tcPr marL="28575" marR="28575" marT="28575" marB="28575" anchor="ctr">
@@ -10253,12 +11820,6 @@
                         </a:rPr>
                         <a:t>GetMinThreads</a:t>
                       </a:r>
-                      <a:endParaRPr lang="en-US">
-                        <a:solidFill>
-                          <a:srgbClr val="4F4F4F"/>
-                        </a:solidFill>
-                        <a:effectLst/>
-                      </a:endParaRPr>
                     </a:p>
                   </a:txBody>
                   <a:tcPr marL="28575" marR="28575" marT="28575" marB="28575" anchor="ctr">
@@ -10318,12 +11879,6 @@
                         </a:rPr>
                         <a:t>检索线程池在新请求预测中维护的空闲线程数。</a:t>
                       </a:r>
-                      <a:endParaRPr lang="zh-CN" altLang="en-US">
-                        <a:solidFill>
-                          <a:srgbClr val="4F4F4F"/>
-                        </a:solidFill>
-                        <a:effectLst/>
-                      </a:endParaRPr>
                     </a:p>
                   </a:txBody>
                   <a:tcPr marL="28575" marR="28575" marT="28575" marB="28575" anchor="ctr">
@@ -10477,12 +12032,6 @@
                         </a:rPr>
                         <a:t>)</a:t>
                       </a:r>
-                      <a:endParaRPr lang="en-US" altLang="zh-CN">
-                        <a:solidFill>
-                          <a:srgbClr val="4F4F4F"/>
-                        </a:solidFill>
-                        <a:effectLst/>
-                      </a:endParaRPr>
                     </a:p>
                   </a:txBody>
                   <a:tcPr marL="28575" marR="28575" marT="28575" marB="28575" anchor="ctr">
@@ -10609,12 +12158,6 @@
                         </a:rPr>
                         <a:t>设置线程池中的最大线程数</a:t>
                       </a:r>
-                      <a:endParaRPr lang="zh-CN" altLang="en-US">
-                        <a:solidFill>
-                          <a:srgbClr val="4F4F4F"/>
-                        </a:solidFill>
-                        <a:effectLst/>
-                      </a:endParaRPr>
                     </a:p>
                   </a:txBody>
                   <a:tcPr marL="28575" marR="28575" marT="28575" marB="28575" anchor="ctr">
@@ -10676,12 +12219,6 @@
                         </a:rPr>
                         <a:t>SetMinThreads</a:t>
                       </a:r>
-                      <a:endParaRPr lang="en-US">
-                        <a:solidFill>
-                          <a:srgbClr val="4F4F4F"/>
-                        </a:solidFill>
-                        <a:effectLst/>
-                      </a:endParaRPr>
                     </a:p>
                   </a:txBody>
                   <a:tcPr marL="28575" marR="28575" marT="28575" marB="28575" anchor="ctr">
@@ -10741,12 +12278,6 @@
                         </a:rPr>
                         <a:t>设置线程池最少需要保留的线程数</a:t>
                       </a:r>
-                      <a:endParaRPr lang="zh-CN" altLang="en-US" dirty="0">
-                        <a:solidFill>
-                          <a:srgbClr val="4F4F4F"/>
-                        </a:solidFill>
-                        <a:effectLst/>
-                      </a:endParaRPr>
                     </a:p>
                   </a:txBody>
                   <a:tcPr marL="28575" marR="28575" marT="28575" marB="28575" anchor="ctr">
@@ -10852,7 +12383,6 @@
               <a:rPr lang="zh-CN" altLang="en-US" dirty="0" err="1" smtClean="0"/>
               <a:t>区别</a:t>
             </a:r>
-            <a:endParaRPr lang="zh-CN" altLang="en-US" dirty="0" err="1" smtClean="0"/>
           </a:p>
         </p:txBody>
       </p:sp>
@@ -10930,7 +12460,6 @@
               <a:rPr lang="zh-CN" altLang="en-US" dirty="0"/>
               <a:t>个任务给线程池。</a:t>
             </a:r>
-            <a:endParaRPr lang="zh-CN" altLang="en-US" dirty="0"/>
           </a:p>
           <a:p>
             <a:pPr marL="0" indent="0">
@@ -10946,7 +12475,6 @@
               <a:rPr lang="zh-CN" altLang="en-US" dirty="0"/>
               <a:t> ~Thread()</a:t>
             </a:r>
-            <a:endParaRPr lang="zh-CN" altLang="en-US" dirty="0"/>
           </a:p>
           <a:p>
             <a:pPr marL="0" indent="0">
@@ -10956,7 +12484,6 @@
               <a:rPr lang="zh-CN" altLang="en-US" dirty="0"/>
               <a:t>        {</a:t>
             </a:r>
-            <a:endParaRPr lang="zh-CN" altLang="en-US" dirty="0"/>
           </a:p>
           <a:p>
             <a:pPr marL="0" indent="0">
@@ -10966,7 +12493,6 @@
               <a:rPr lang="zh-CN" altLang="en-US" dirty="0"/>
               <a:t>            // Delegate to the unmanaged portion.</a:t>
             </a:r>
-            <a:endParaRPr lang="zh-CN" altLang="en-US" dirty="0"/>
           </a:p>
           <a:p>
             <a:pPr marL="0" indent="0">
@@ -10976,7 +12502,6 @@
               <a:rPr lang="zh-CN" altLang="en-US" dirty="0"/>
               <a:t>            InternalFinalize();</a:t>
             </a:r>
-            <a:endParaRPr lang="zh-CN" altLang="en-US" dirty="0"/>
           </a:p>
           <a:p>
             <a:pPr marL="0" indent="0">
@@ -10986,7 +12511,6 @@
               <a:rPr lang="zh-CN" altLang="en-US" dirty="0"/>
               <a:t>        }</a:t>
             </a:r>
-            <a:endParaRPr lang="zh-CN" altLang="en-US" dirty="0"/>
           </a:p>
           <a:p>
             <a:pPr marL="0" indent="0">
@@ -11008,7 +12532,6 @@
               <a:rPr lang="en-US" altLang="zh-CN" dirty="0"/>
               <a:t>,</a:t>
             </a:r>
-            <a:endParaRPr lang="en-US" altLang="zh-CN" dirty="0"/>
           </a:p>
           <a:p>
             <a:pPr marL="0" indent="0">
@@ -11034,7 +12557,6 @@
               <a:rPr lang="zh-CN" altLang="en-US" dirty="0"/>
               <a:t>回收，也可能复活（!FinalizeQueue）</a:t>
             </a:r>
-            <a:endParaRPr lang="zh-CN" altLang="en-US" dirty="0"/>
           </a:p>
         </p:txBody>
       </p:sp>
@@ -11376,6 +12898,7 @@
       </a:lstStyle>
     </a:txDef>
   </a:objectDefaults>
+  <a:extraClrSchemeLst/>
   <a:extLst>
     <a:ext uri="{05A4C25C-085E-4340-85A3-A5531E510DB2}">
       <thm15:themeFamily xmlns:thm15="http://schemas.microsoft.com/office/thememl/2012/main" name="Office Theme" id="{62F939B6-93AF-4DB8-9C6B-D6C7DFDC589F}" vid="{4A3C46E8-61CC-4603-A589-7422A47A8E4A}"/>
@@ -11714,6 +13237,7 @@
       </a:lstStyle>
     </a:txDef>
   </a:objectDefaults>
+  <a:extraClrSchemeLst/>
   <a:extLst>
     <a:ext uri="{05A4C25C-085E-4340-85A3-A5531E510DB2}">
       <thm15:themeFamily xmlns:thm15="http://schemas.microsoft.com/office/thememl/2012/main" name="Office Theme" id="{62F939B6-93AF-4DB8-9C6B-D6C7DFDC589F}" vid="{4A3C46E8-61CC-4603-A589-7422A47A8E4A}"/>
@@ -12065,6 +13589,7 @@
       </a:lstStyle>
     </a:txDef>
   </a:objectDefaults>
+  <a:extraClrSchemeLst/>
   <a:extLst>
     <a:ext uri="{05A4C25C-085E-4340-85A3-A5531E510DB2}">
       <thm15:themeFamily xmlns:thm15="http://schemas.microsoft.com/office/thememl/2012/main" name="Office Theme" id="{62F939B6-93AF-4DB8-9C6B-D6C7DFDC589F}" vid="{4A3C46E8-61CC-4603-A589-7422A47A8E4A}"/>
@@ -12387,6 +13912,7 @@
       </a:style>
     </a:lnDef>
   </a:objectDefaults>
+  <a:extraClrSchemeLst/>
   <a:extLst>
     <a:ext uri="{05A4C25C-085E-4340-85A3-A5531E510DB2}">
       <thm15:themeFamily xmlns:thm15="http://schemas.microsoft.com/office/thememl/2012/main" name="Office Theme" id="{62F939B6-93AF-4DB8-9C6B-D6C7DFDC589F}" vid="{4A3C46E8-61CC-4603-A589-7422A47A8E4A}"/>
@@ -12709,6 +14235,7 @@
       </a:style>
     </a:lnDef>
   </a:objectDefaults>
+  <a:extraClrSchemeLst/>
   <a:extLst>
     <a:ext uri="{05A4C25C-085E-4340-85A3-A5531E510DB2}">
       <thm15:themeFamily xmlns:thm15="http://schemas.microsoft.com/office/thememl/2012/main" name="Office Theme" id="{62F939B6-93AF-4DB8-9C6B-D6C7DFDC589F}" vid="{4A3C46E8-61CC-4603-A589-7422A47A8E4A}"/>

--- a/异步编程.pptx
+++ b/异步编程.pptx
@@ -7,10 +7,10 @@
     <p:sldMasterId id="2147483654" r:id="rId3"/>
   </p:sldMasterIdLst>
   <p:notesMasterIdLst>
-    <p:notesMasterId r:id="rId34"/>
+    <p:notesMasterId r:id="rId39"/>
   </p:notesMasterIdLst>
   <p:handoutMasterIdLst>
-    <p:handoutMasterId r:id="rId35"/>
+    <p:handoutMasterId r:id="rId40"/>
   </p:handoutMasterIdLst>
   <p:sldIdLst>
     <p:sldId id="291" r:id="rId4"/>
@@ -30,19 +30,24 @@
     <p:sldId id="337" r:id="rId18"/>
     <p:sldId id="385" r:id="rId19"/>
     <p:sldId id="386" r:id="rId20"/>
-    <p:sldId id="338" r:id="rId21"/>
-    <p:sldId id="334" r:id="rId22"/>
-    <p:sldId id="292" r:id="rId23"/>
-    <p:sldId id="325" r:id="rId24"/>
-    <p:sldId id="326" r:id="rId25"/>
-    <p:sldId id="327" r:id="rId26"/>
-    <p:sldId id="328" r:id="rId27"/>
-    <p:sldId id="329" r:id="rId28"/>
-    <p:sldId id="331" r:id="rId29"/>
-    <p:sldId id="330" r:id="rId30"/>
-    <p:sldId id="332" r:id="rId31"/>
-    <p:sldId id="293" r:id="rId32"/>
-    <p:sldId id="343" r:id="rId33"/>
+    <p:sldId id="388" r:id="rId21"/>
+    <p:sldId id="389" r:id="rId22"/>
+    <p:sldId id="390" r:id="rId23"/>
+    <p:sldId id="338" r:id="rId24"/>
+    <p:sldId id="394" r:id="rId25"/>
+    <p:sldId id="334" r:id="rId26"/>
+    <p:sldId id="292" r:id="rId27"/>
+    <p:sldId id="325" r:id="rId28"/>
+    <p:sldId id="326" r:id="rId29"/>
+    <p:sldId id="327" r:id="rId30"/>
+    <p:sldId id="328" r:id="rId31"/>
+    <p:sldId id="329" r:id="rId32"/>
+    <p:sldId id="331" r:id="rId33"/>
+    <p:sldId id="391" r:id="rId34"/>
+    <p:sldId id="392" r:id="rId35"/>
+    <p:sldId id="330" r:id="rId36"/>
+    <p:sldId id="332" r:id="rId37"/>
+    <p:sldId id="293" r:id="rId38"/>
   </p:sldIdLst>
   <p:sldSz cx="9144000" cy="6858000" type="screen4x3"/>
   <p:notesSz cx="6858000" cy="9144000"/>
@@ -193,7 +198,11 @@
             <p14:sldId id="337"/>
             <p14:sldId id="385"/>
             <p14:sldId id="386"/>
+            <p14:sldId id="388"/>
+            <p14:sldId id="389"/>
+            <p14:sldId id="390"/>
             <p14:sldId id="338"/>
+            <p14:sldId id="394"/>
             <p14:sldId id="334"/>
             <p14:sldId id="292"/>
             <p14:sldId id="325"/>
@@ -202,10 +211,11 @@
             <p14:sldId id="328"/>
             <p14:sldId id="329"/>
             <p14:sldId id="331"/>
+            <p14:sldId id="391"/>
+            <p14:sldId id="392"/>
             <p14:sldId id="330"/>
             <p14:sldId id="332"/>
             <p14:sldId id="293"/>
-            <p14:sldId id="343"/>
           </p14:sldIdLst>
         </p14:section>
         <p14:section name="无标题节" id="{CD6B1EA8-99B9-4FAD-B9FF-EEFD719E4314}">
@@ -5230,7 +5240,11 @@
             </a:r>
             <a:r>
               <a:rPr lang="zh-CN" altLang="en-US" dirty="0" smtClean="0"/>
-              <a:t>个线程解决</a:t>
+              <a:t>个线程</a:t>
+            </a:r>
+            <a:r>
+              <a:rPr lang="zh-CN" altLang="en-US" dirty="0" smtClean="0"/>
+              <a:t>解决</a:t>
             </a:r>
             <a:r>
               <a:rPr lang="en-US" altLang="zh-CN" dirty="0" smtClean="0"/>
@@ -5266,7 +5280,11 @@
             </a:r>
             <a:r>
               <a:rPr lang="zh-CN" altLang="en-US" dirty="0" smtClean="0"/>
-              <a:t>的任务，节省了空间（</a:t>
+              <a:t>的任务，节省了空间</a:t>
+            </a:r>
+            <a:r>
+              <a:rPr lang="zh-CN" altLang="en-US" dirty="0" smtClean="0"/>
+              <a:t>（</a:t>
             </a:r>
             <a:r>
               <a:rPr lang="en-US" altLang="zh-CN" dirty="0" err="1" smtClean="0"/>
@@ -5274,7 +5292,11 @@
             </a:r>
             <a:r>
               <a:rPr lang="zh-CN" altLang="en-US" dirty="0" smtClean="0"/>
-              <a:t>结构）和时间（托管和非托管</a:t>
+              <a:t>结构</a:t>
+            </a:r>
+            <a:r>
+              <a:rPr lang="zh-CN" altLang="en-US" dirty="0" smtClean="0"/>
+              <a:t>）和时间（托管和非托管</a:t>
             </a:r>
             <a:r>
               <a:rPr lang="en-US" altLang="zh-CN" dirty="0" err="1" smtClean="0"/>
@@ -5379,7 +5401,6 @@
               <a:rPr lang="zh-CN" altLang="en-US" dirty="0" smtClean="0"/>
               <a:t>定时器任务</a:t>
             </a:r>
-            <a:endParaRPr lang="zh-CN" altLang="en-US" dirty="0" smtClean="0"/>
           </a:p>
         </p:txBody>
       </p:sp>
@@ -6726,11 +6747,7 @@
             </a:r>
             <a:r>
               <a:rPr lang="zh-CN" altLang="en-US" dirty="0" smtClean="0"/>
-              <a:t>几种种阻塞方式</a:t>
-            </a:r>
-            <a:r>
-              <a:rPr lang="zh-CN" altLang="en-US" dirty="0" smtClean="0"/>
-              <a:t>、延续</a:t>
+              <a:t>几种种阻塞方式、延续</a:t>
             </a:r>
             <a:endParaRPr lang="zh-CN" altLang="en-US" dirty="0"/>
           </a:p>
@@ -6851,6 +6868,81 @@
           </a:p>
           <a:p>
             <a:r>
+              <a:rPr lang="zh-CN" altLang="en-US" dirty="0"/>
+              <a:t>检查</a:t>
+            </a:r>
+            <a:r>
+              <a:rPr lang="en-US" altLang="zh-CN" dirty="0"/>
+              <a:t>Task</a:t>
+            </a:r>
+            <a:r>
+              <a:rPr lang="zh-CN" altLang="en-US" dirty="0"/>
+              <a:t>数组中每个</a:t>
+            </a:r>
+            <a:r>
+              <a:rPr lang="en-US" altLang="zh-CN" dirty="0"/>
+              <a:t>Task</a:t>
+            </a:r>
+            <a:r>
+              <a:rPr lang="zh-CN" altLang="en-US" dirty="0"/>
+              <a:t>实例，检查</a:t>
+            </a:r>
+            <a:r>
+              <a:rPr lang="en-US" altLang="zh-CN" dirty="0"/>
+              <a:t>Task</a:t>
+            </a:r>
+            <a:r>
+              <a:rPr lang="zh-CN" altLang="en-US" dirty="0"/>
+              <a:t>是否已经完成，如果没有完成就把</a:t>
+            </a:r>
+            <a:r>
+              <a:rPr lang="en-US" altLang="zh-CN" dirty="0"/>
+              <a:t>Task</a:t>
+            </a:r>
+            <a:r>
+              <a:rPr lang="zh-CN" altLang="en-US" dirty="0"/>
+              <a:t>添加到</a:t>
+            </a:r>
+            <a:r>
+              <a:rPr lang="en-US" altLang="zh-CN" dirty="0" err="1"/>
+              <a:t>waitedOnTaskList</a:t>
+            </a:r>
+            <a:r>
+              <a:rPr lang="zh-CN" altLang="en-US" dirty="0"/>
+              <a:t>集合中</a:t>
+            </a:r>
+            <a:r>
+              <a:rPr lang="en-US" altLang="zh-CN" dirty="0"/>
+              <a:t>,</a:t>
+            </a:r>
+            <a:r>
+              <a:rPr lang="zh-CN" altLang="en-US" dirty="0"/>
+              <a:t>如果</a:t>
+            </a:r>
+            <a:r>
+              <a:rPr lang="en-US" altLang="zh-CN" dirty="0" err="1"/>
+              <a:t>waitedOnTaskList</a:t>
+            </a:r>
+            <a:r>
+              <a:rPr lang="zh-CN" altLang="en-US" dirty="0"/>
+              <a:t>集合有元素那么，我们就调用</a:t>
+            </a:r>
+            <a:r>
+              <a:rPr lang="en-US" altLang="zh-CN" dirty="0" err="1"/>
+              <a:t>WaitAllBlockingCore</a:t>
+            </a:r>
+            <a:r>
+              <a:rPr lang="zh-CN" altLang="en-US" dirty="0"/>
+              <a:t>来实现真正的</a:t>
+            </a:r>
+            <a:r>
+              <a:rPr lang="zh-CN" altLang="en-US" dirty="0" smtClean="0"/>
+              <a:t>等待</a:t>
+            </a:r>
+            <a:endParaRPr lang="en-US" altLang="zh-CN" dirty="0" smtClean="0"/>
+          </a:p>
+          <a:p>
+            <a:r>
               <a:rPr lang="en-US" altLang="zh-CN" dirty="0" err="1" smtClean="0"/>
               <a:t>Waitany</a:t>
             </a:r>
@@ -6865,6 +6957,93 @@
             <a:endParaRPr lang="en-US" altLang="zh-CN" dirty="0" smtClean="0"/>
           </a:p>
           <a:p>
+            <a:r>
+              <a:rPr lang="zh-CN" altLang="en-US" dirty="0" smtClean="0"/>
+              <a:t>首先</a:t>
+            </a:r>
+            <a:r>
+              <a:rPr lang="zh-CN" altLang="en-US" dirty="0"/>
+              <a:t>循环</a:t>
+            </a:r>
+            <a:r>
+              <a:rPr lang="en-US" altLang="zh-CN" dirty="0"/>
+              <a:t>Task[]</a:t>
+            </a:r>
+            <a:r>
+              <a:rPr lang="zh-CN" altLang="en-US" dirty="0"/>
+              <a:t>，检查里面是否有</a:t>
+            </a:r>
+            <a:r>
+              <a:rPr lang="en-US" altLang="zh-CN" dirty="0"/>
+              <a:t>Task</a:t>
+            </a:r>
+            <a:r>
+              <a:rPr lang="zh-CN" altLang="en-US" dirty="0"/>
+              <a:t>已经完成，如果有则直接返回，否者我们调用</a:t>
+            </a:r>
+            <a:r>
+              <a:rPr lang="en-US" altLang="zh-CN" dirty="0"/>
+              <a:t>Task&lt;Task&gt; </a:t>
+            </a:r>
+            <a:r>
+              <a:rPr lang="en-US" altLang="zh-CN" dirty="0" err="1"/>
+              <a:t>firstCompleted</a:t>
+            </a:r>
+            <a:r>
+              <a:rPr lang="en-US" altLang="zh-CN" dirty="0"/>
+              <a:t> </a:t>
+            </a:r>
+            <a:r>
+              <a:rPr lang="en-US" altLang="zh-CN" dirty="0" smtClean="0"/>
+              <a:t>= </a:t>
+            </a:r>
+            <a:r>
+              <a:rPr lang="en-US" altLang="zh-CN" dirty="0" err="1" smtClean="0"/>
+              <a:t>TaskFactory.CommonCWAnyLogic</a:t>
+            </a:r>
+            <a:r>
+              <a:rPr lang="en-US" altLang="zh-CN" dirty="0" smtClean="0"/>
+              <a:t>(tasks);</a:t>
+            </a:r>
+            <a:r>
+              <a:rPr lang="zh-CN" altLang="en-US" dirty="0"/>
+              <a:t>返回一个</a:t>
+            </a:r>
+            <a:r>
+              <a:rPr lang="en-US" altLang="zh-CN" dirty="0"/>
+              <a:t>Task</a:t>
+            </a:r>
+            <a:r>
+              <a:rPr lang="zh-CN" altLang="en-US" dirty="0"/>
+              <a:t>，然后调用该</a:t>
+            </a:r>
+            <a:r>
+              <a:rPr lang="en-US" altLang="zh-CN" dirty="0"/>
+              <a:t>Task</a:t>
+            </a:r>
+            <a:r>
+              <a:rPr lang="zh-CN" altLang="en-US" dirty="0"/>
+              <a:t>的</a:t>
+            </a:r>
+            <a:r>
+              <a:rPr lang="en-US" altLang="zh-CN" dirty="0"/>
+              <a:t>Wait</a:t>
+            </a:r>
+            <a:r>
+              <a:rPr lang="zh-CN" altLang="en-US" dirty="0" smtClean="0"/>
+              <a:t>方法</a:t>
+            </a:r>
+            <a:endParaRPr lang="en-US" altLang="zh-CN" dirty="0"/>
+          </a:p>
+          <a:p>
+            <a:r>
+              <a:rPr lang="en-US" altLang="zh-CN" dirty="0" err="1"/>
+              <a:t>WaitAll</a:t>
+            </a:r>
+            <a:r>
+              <a:rPr lang="en-US" altLang="zh-CN" dirty="0" smtClean="0"/>
+              <a:t>,</a:t>
+            </a:r>
             <a:endParaRPr lang="zh-CN" altLang="en-US" dirty="0"/>
           </a:p>
         </p:txBody>
@@ -7525,8 +7704,12 @@
           <a:lstStyle/>
           <a:p>
             <a:r>
-              <a:rPr lang="zh-CN" altLang="en-US" dirty="0" smtClean="0"/>
-              <a:t>多线程间的同步</a:t>
+              <a:rPr lang="en-US" altLang="zh-CN" dirty="0" smtClean="0"/>
+              <a:t>Task</a:t>
+            </a:r>
+            <a:r>
+              <a:rPr lang="zh-CN" altLang="en-US" dirty="0" smtClean="0"/>
+              <a:t>取消</a:t>
             </a:r>
             <a:endParaRPr lang="zh-CN" altLang="en-US" dirty="0"/>
           </a:p>
@@ -7548,85 +7731,139 @@
           <a:lstStyle/>
           <a:p>
             <a:r>
+              <a:rPr lang="en-US" altLang="zh-CN" dirty="0" err="1" smtClean="0"/>
+              <a:t>CancellationTokenSource</a:t>
+            </a:r>
+            <a:r>
+              <a:rPr lang="zh-CN" altLang="en-US" dirty="0" smtClean="0"/>
+              <a:t>这个比自己写</a:t>
+            </a:r>
+            <a:r>
+              <a:rPr lang="en-US" altLang="zh-CN" dirty="0" smtClean="0"/>
+              <a:t>thread</a:t>
+            </a:r>
+            <a:r>
+              <a:rPr lang="zh-CN" altLang="en-US" dirty="0" smtClean="0"/>
+              <a:t>加</a:t>
+            </a:r>
+            <a:r>
+              <a:rPr lang="en-US" altLang="zh-CN" dirty="0" smtClean="0"/>
+              <a:t>running</a:t>
+            </a:r>
+            <a:r>
+              <a:rPr lang="zh-CN" altLang="en-US" dirty="0" smtClean="0"/>
+              <a:t>状态的参数要强很多</a:t>
+            </a:r>
+            <a:endParaRPr lang="en-US" altLang="zh-CN" dirty="0" smtClean="0"/>
+          </a:p>
+          <a:p>
+            <a:r>
               <a:rPr lang="en-US" altLang="zh-CN" dirty="0" smtClean="0"/>
               <a:t>1.</a:t>
             </a:r>
             <a:r>
               <a:rPr lang="zh-CN" altLang="en-US" dirty="0" smtClean="0"/>
-              <a:t>锁机制（</a:t>
-            </a:r>
-            <a:r>
-              <a:rPr lang="en-US" altLang="zh-CN" dirty="0" smtClean="0"/>
-              <a:t>Monitor, </a:t>
+              <a:t>当</a:t>
+            </a:r>
+            <a:r>
+              <a:rPr lang="zh-CN" altLang="en-US" dirty="0"/>
+              <a:t>任务取消的时候，我希望有一个函数能够被触发，这个触发可以做一些资源的清理</a:t>
+            </a:r>
+            <a:r>
+              <a:rPr lang="zh-CN" altLang="en-US" dirty="0" smtClean="0"/>
+              <a:t>，或者</a:t>
+            </a:r>
+            <a:r>
+              <a:rPr lang="zh-CN" altLang="en-US" dirty="0"/>
+              <a:t>是更新数据库</a:t>
+            </a:r>
+            <a:r>
+              <a:rPr lang="zh-CN" altLang="en-US" dirty="0" smtClean="0"/>
+              <a:t>信息</a:t>
+            </a:r>
+            <a:r>
+              <a:rPr lang="en-US" altLang="zh-CN" dirty="0"/>
+              <a:t>(ConsoleApplication16)</a:t>
+            </a:r>
+          </a:p>
+          <a:p>
+            <a:r>
+              <a:rPr lang="en-US" altLang="zh-CN" dirty="0" smtClean="0"/>
+              <a:t>2.</a:t>
+            </a:r>
+            <a:r>
+              <a:rPr lang="zh-CN" altLang="en-US" dirty="0" smtClean="0"/>
+              <a:t>延迟取消：</a:t>
+            </a:r>
+            <a:r>
+              <a:rPr lang="en-US" altLang="zh-CN" dirty="0" err="1" smtClean="0"/>
+              <a:t>CancelAfter</a:t>
+            </a:r>
+            <a:r>
+              <a:rPr lang="zh-CN" altLang="en-US" dirty="0" smtClean="0"/>
+              <a:t>，构造函数</a:t>
+            </a:r>
+            <a:endParaRPr lang="en-US" altLang="zh-CN" dirty="0" smtClean="0"/>
+          </a:p>
+          <a:p>
+            <a:r>
+              <a:rPr lang="en-US" altLang="zh-CN" dirty="0" smtClean="0"/>
+              <a:t>3.</a:t>
+            </a:r>
+            <a:r>
+              <a:rPr lang="zh-CN" altLang="en-US" dirty="0"/>
+              <a:t>取消的</a:t>
+            </a:r>
+            <a:r>
+              <a:rPr lang="zh-CN" altLang="en-US" dirty="0" smtClean="0"/>
+              <a:t>组合，将</a:t>
             </a:r>
             <a:r>
               <a:rPr lang="en-US" altLang="zh-CN" dirty="0" err="1"/>
-              <a:t>ReaderWriterLock</a:t>
-            </a:r>
-            <a:r>
-              <a:rPr lang="zh-CN" altLang="en-US" dirty="0" smtClean="0"/>
-              <a:t>）</a:t>
-            </a:r>
-            <a:endParaRPr lang="en-US" altLang="zh-CN" dirty="0" smtClean="0"/>
-          </a:p>
-          <a:p>
-            <a:r>
-              <a:rPr lang="en-US" altLang="zh-CN" dirty="0" smtClean="0"/>
-              <a:t>2.thread.join</a:t>
-            </a:r>
-          </a:p>
-          <a:p>
-            <a:r>
-              <a:rPr lang="en-US" altLang="zh-CN" dirty="0" smtClean="0"/>
-              <a:t>3.</a:t>
-            </a:r>
-            <a:r>
-              <a:rPr lang="zh-CN" altLang="en-US" dirty="0" smtClean="0"/>
-              <a:t>互斥</a:t>
-            </a:r>
-            <a:r>
-              <a:rPr lang="en-US" altLang="zh-CN" dirty="0" err="1" smtClean="0"/>
-              <a:t>mutex</a:t>
-            </a:r>
-            <a:endParaRPr lang="en-US" altLang="zh-CN" dirty="0" smtClean="0"/>
-          </a:p>
-          <a:p>
-            <a:r>
-              <a:rPr lang="en-US" altLang="zh-CN" dirty="0" smtClean="0"/>
-              <a:t>4.</a:t>
-            </a:r>
-            <a:r>
-              <a:rPr lang="zh-CN" altLang="en-US" dirty="0" smtClean="0"/>
-              <a:t>信号量（</a:t>
-            </a:r>
-            <a:r>
-              <a:rPr lang="en-US" altLang="zh-CN" dirty="0" err="1" smtClean="0"/>
-              <a:t>ManualResetEvent</a:t>
-            </a:r>
-            <a:r>
-              <a:rPr lang="zh-CN" altLang="en-US" dirty="0" smtClean="0"/>
-              <a:t>、</a:t>
-            </a:r>
-            <a:r>
-              <a:rPr lang="en-US" altLang="zh-CN" dirty="0" err="1" smtClean="0"/>
-              <a:t>AutoResetEvent</a:t>
-            </a:r>
-            <a:r>
-              <a:rPr lang="zh-CN" altLang="en-US" dirty="0" smtClean="0"/>
-              <a:t>、</a:t>
+              <a:t>CancellationTokenSource</a:t>
             </a:r>
             <a:r>
               <a:rPr lang="en-US" altLang="zh-CN" dirty="0"/>
               <a:t> </a:t>
             </a:r>
             <a:r>
-              <a:rPr lang="en-US" altLang="zh-CN" dirty="0" smtClean="0"/>
-              <a:t>Semaphore</a:t>
-            </a:r>
-            <a:r>
-              <a:rPr lang="zh-CN" altLang="en-US" dirty="0" smtClean="0"/>
-              <a:t>）</a:t>
-            </a:r>
+              <a:rPr lang="zh-CN" altLang="en-US" dirty="0"/>
+              <a:t>组合成一个</a:t>
+            </a:r>
+            <a:r>
+              <a:rPr lang="zh-CN" altLang="en-US" dirty="0" smtClean="0"/>
+              <a:t>链表</a:t>
+            </a:r>
+            <a:endParaRPr lang="en-US" altLang="zh-CN" dirty="0" smtClean="0"/>
+          </a:p>
+          <a:p>
+            <a:r>
+              <a:rPr lang="en-US" altLang="zh-CN" dirty="0" smtClean="0"/>
+              <a:t>4.</a:t>
+            </a:r>
+            <a:r>
+              <a:rPr lang="zh-CN" altLang="en-US" dirty="0" smtClean="0"/>
+              <a:t>任务取消抛出异常</a:t>
+            </a:r>
+            <a:r>
+              <a:rPr lang="en-US" altLang="zh-CN" dirty="0"/>
+              <a:t>if(</a:t>
+            </a:r>
+            <a:r>
+              <a:rPr lang="en-US" altLang="zh-CN" dirty="0" err="1"/>
+              <a:t>IsCancellationRequested</a:t>
+            </a:r>
+            <a:r>
+              <a:rPr lang="en-US" altLang="zh-CN" dirty="0"/>
+              <a:t>) throw new Exception</a:t>
+            </a:r>
+            <a:r>
+              <a:rPr lang="en-US" altLang="zh-CN" dirty="0" smtClean="0"/>
+              <a:t>(“exception aborted");</a:t>
+            </a:r>
+            <a:endParaRPr lang="zh-CN" altLang="en-US" dirty="0"/>
+          </a:p>
+          <a:p>
             <a:endParaRPr lang="zh-CN" altLang="en-US" dirty="0"/>
           </a:p>
         </p:txBody>
@@ -7714,7 +7951,7 @@
                 <a:latin typeface="Courier New" panose="02070309020205020404" pitchFamily="49" charset="0"/>
                 <a:cs typeface="Courier New" panose="02070309020205020404" pitchFamily="49" charset="0"/>
               </a:rPr>
-              <a:t>WaitOne</a:t>
+              <a:t>Task.WhenAll(task1, task2).ContinueWith</a:t>
             </a:r>
             <a:r>
               <a:rPr kumimoji="0" lang="zh-CN" altLang="zh-CN" sz="600" b="0" i="0" u="none" strike="noStrike" cap="none" normalizeH="0" baseline="0" smtClean="0">
@@ -7741,7 +7978,122 @@
           </a:p>
         </p:txBody>
       </p:sp>
+      <p:sp>
+        <p:nvSpPr>
+          <p:cNvPr id="5" name="Rectangle 2"/>
+          <p:cNvSpPr>
+            <a:spLocks noChangeArrowheads="1"/>
+          </p:cNvSpPr>
+          <p:nvPr/>
+        </p:nvSpPr>
+        <p:spPr bwMode="auto">
+          <a:xfrm>
+            <a:off x="152400" y="152400"/>
+            <a:ext cx="9144000" cy="457200"/>
+          </a:xfrm>
+          <a:prstGeom prst="rect">
+            <a:avLst/>
+          </a:prstGeom>
+          <a:noFill/>
+          <a:ln>
+            <a:noFill/>
+          </a:ln>
+          <a:effectLst/>
+          <a:extLst>
+            <a:ext uri="{909E8E84-426E-40DD-AFC4-6F175D3DCCD1}">
+              <a14:hiddenFill xmlns:a14="http://schemas.microsoft.com/office/drawing/2010/main">
+                <a:solidFill>
+                  <a:schemeClr val="accent1"/>
+                </a:solidFill>
+              </a14:hiddenFill>
+            </a:ext>
+            <a:ext uri="{91240B29-F687-4F45-9708-019B960494DF}">
+              <a14:hiddenLine xmlns:a14="http://schemas.microsoft.com/office/drawing/2010/main" w="9525">
+                <a:solidFill>
+                  <a:schemeClr val="tx1"/>
+                </a:solidFill>
+                <a:miter lim="800000"/>
+                <a:headEnd/>
+                <a:tailEnd/>
+              </a14:hiddenLine>
+            </a:ext>
+            <a:ext uri="{AF507438-7753-43E0-B8FC-AC1667EBCBE1}">
+              <a14:hiddenEffects xmlns:a14="http://schemas.microsoft.com/office/drawing/2010/main">
+                <a:effectLst>
+                  <a:outerShdw dist="35921" dir="2700000" algn="ctr" rotWithShape="0">
+                    <a:schemeClr val="bg2"/>
+                  </a:outerShdw>
+                </a:effectLst>
+              </a14:hiddenEffects>
+            </a:ext>
+          </a:extLst>
+        </p:spPr>
+        <p:txBody>
+          <a:bodyPr vert="horz" wrap="none" lIns="0" tIns="0" rIns="0" bIns="0" numCol="1" anchor="ctr" anchorCtr="0" compatLnSpc="1">
+            <a:spAutoFit/>
+          </a:bodyPr>
+          <a:lstStyle/>
+          <a:p>
+            <a:pPr marL="0" marR="0" lvl="0" indent="0" algn="l" defTabSz="914400" rtl="0" eaLnBrk="0" fontAlgn="base" latinLnBrk="0" hangingPunct="0">
+              <a:lnSpc>
+                <a:spcPct val="100000"/>
+              </a:lnSpc>
+              <a:spcBef>
+                <a:spcPct val="0"/>
+              </a:spcBef>
+              <a:spcAft>
+                <a:spcPct val="0"/>
+              </a:spcAft>
+              <a:buClrTx/>
+              <a:buSzTx/>
+              <a:buFontTx/>
+              <a:buNone/>
+            </a:pPr>
+            <a:r>
+              <a:rPr kumimoji="0" lang="zh-CN" altLang="zh-CN" sz="900" b="0" i="0" u="none" strike="noStrike" cap="none" normalizeH="0" baseline="0" smtClean="0">
+                <a:ln>
+                  <a:noFill/>
+                </a:ln>
+                <a:solidFill>
+                  <a:srgbClr val="000000"/>
+                </a:solidFill>
+                <a:effectLst/>
+                <a:latin typeface="Courier New" panose="02070309020205020404" pitchFamily="49" charset="0"/>
+                <a:cs typeface="Courier New" panose="02070309020205020404" pitchFamily="49" charset="0"/>
+              </a:rPr>
+              <a:t>Task.WhenAll(task1, task2).ContinueWith</a:t>
+            </a:r>
+            <a:r>
+              <a:rPr kumimoji="0" lang="zh-CN" altLang="zh-CN" sz="600" b="0" i="0" u="none" strike="noStrike" cap="none" normalizeH="0" baseline="0" smtClean="0">
+                <a:ln>
+                  <a:noFill/>
+                </a:ln>
+                <a:solidFill>
+                  <a:schemeClr val="tx1"/>
+                </a:solidFill>
+                <a:effectLst/>
+              </a:rPr>
+              <a:t> </a:t>
+            </a:r>
+            <a:endParaRPr kumimoji="0" lang="zh-CN" altLang="zh-CN" sz="1800" b="0" i="0" u="none" strike="noStrike" cap="none" normalizeH="0" baseline="0" smtClean="0">
+              <a:ln>
+                <a:noFill/>
+              </a:ln>
+              <a:solidFill>
+                <a:schemeClr val="tx1"/>
+              </a:solidFill>
+              <a:effectLst/>
+              <a:latin typeface="Arial" panose="020B0604020202020204" pitchFamily="34" charset="0"/>
+            </a:endParaRPr>
+          </a:p>
+        </p:txBody>
+      </p:sp>
     </p:spTree>
+    <p:extLst>
+      <p:ext uri="{BB962C8B-B14F-4D97-AF65-F5344CB8AC3E}">
+        <p14:creationId xmlns:p14="http://schemas.microsoft.com/office/powerpoint/2010/main" val="1600261723"/>
+      </p:ext>
+    </p:extLst>
   </p:cSld>
   <p:clrMapOvr>
     <a:masterClrMapping/>
@@ -7782,8 +8134,12 @@
           <a:lstStyle/>
           <a:p>
             <a:r>
-              <a:rPr lang="en-US" altLang="zh-CN" dirty="0"/>
-              <a:t>Asynchronous Programming Model APM</a:t>
+              <a:rPr lang="zh-CN" altLang="en-US" dirty="0" smtClean="0"/>
+              <a:t>带有返回值的</a:t>
+            </a:r>
+            <a:r>
+              <a:rPr lang="en-US" altLang="zh-CN" dirty="0" smtClean="0"/>
+              <a:t>Task</a:t>
             </a:r>
             <a:endParaRPr lang="zh-CN" altLang="en-US" dirty="0"/>
           </a:p>
@@ -7805,102 +8161,268 @@
           <a:lstStyle/>
           <a:p>
             <a:r>
-              <a:rPr lang="en-US" altLang="zh-CN" dirty="0"/>
-              <a:t>– </a:t>
-            </a:r>
-            <a:r>
-              <a:rPr lang="zh-CN" altLang="en-US" dirty="0"/>
-              <a:t>异步编程模型</a:t>
-            </a:r>
-            <a:r>
-              <a:rPr lang="en-US" altLang="zh-CN" dirty="0"/>
-              <a:t>(Asynchronous Programming Model APM) </a:t>
-            </a:r>
-          </a:p>
-          <a:p>
+              <a:rPr lang="zh-CN" altLang="en-US" dirty="0" smtClean="0"/>
+              <a:t>具有返回值的</a:t>
+            </a:r>
+            <a:r>
+              <a:rPr lang="en-US" altLang="zh-CN" dirty="0" smtClean="0"/>
+              <a:t>task</a:t>
+            </a:r>
+            <a:r>
+              <a:rPr lang="zh-CN" altLang="en-US" dirty="0" smtClean="0"/>
+              <a:t>：</a:t>
+            </a:r>
+            <a:r>
+              <a:rPr lang="en-US" altLang="zh-CN" dirty="0" smtClean="0"/>
+              <a:t>ConsoleApplication20</a:t>
+            </a:r>
+          </a:p>
+          <a:p>
+            <a:r>
+              <a:rPr lang="en-US" altLang="zh-CN" dirty="0" err="1" smtClean="0"/>
+              <a:t>Wait:InternalWait</a:t>
+            </a:r>
+            <a:endParaRPr lang="en-US" altLang="zh-CN" dirty="0" smtClean="0"/>
+          </a:p>
+          <a:p>
+            <a:r>
+              <a:rPr lang="en-US" altLang="zh-CN" dirty="0" err="1" smtClean="0"/>
+              <a:t>Result:</a:t>
+            </a:r>
             <a:r>
               <a:rPr lang="en-US" altLang="zh-CN" dirty="0" err="1"/>
-              <a:t>.Net</a:t>
-            </a:r>
-            <a:r>
-              <a:rPr lang="en-US" altLang="zh-CN" dirty="0"/>
-              <a:t> Framework 1 </a:t>
-            </a:r>
-            <a:r>
-              <a:rPr lang="zh-CN" altLang="en-US" dirty="0"/>
-              <a:t>已经引入了这个模式，也称</a:t>
-            </a:r>
-            <a:r>
-              <a:rPr lang="en-US" altLang="zh-CN" dirty="0"/>
-              <a:t>Begin/End </a:t>
-            </a:r>
-            <a:r>
-              <a:rPr lang="zh-CN" altLang="en-US" dirty="0"/>
-              <a:t>模式。一个 以</a:t>
-            </a:r>
-            <a:r>
-              <a:rPr lang="en-US" altLang="zh-CN" dirty="0"/>
-              <a:t>Begin</a:t>
-            </a:r>
-            <a:r>
-              <a:rPr lang="zh-CN" altLang="en-US" dirty="0"/>
-              <a:t>为前缀 的方法加载异步执行，并返回一个</a:t>
-            </a:r>
-            <a:r>
-              <a:rPr lang="en-US" altLang="zh-CN" dirty="0" err="1"/>
-              <a:t>System.IAsyncResult</a:t>
-            </a:r>
-            <a:r>
-              <a:rPr lang="zh-CN" altLang="en-US" dirty="0"/>
-              <a:t>对象，这个对象表示这个异步操作的状态。</a:t>
-            </a:r>
-            <a:r>
-              <a:rPr lang="en-US" altLang="zh-CN" dirty="0"/>
-              <a:t>Begin</a:t>
-            </a:r>
-            <a:r>
-              <a:rPr lang="zh-CN" altLang="en-US" dirty="0"/>
-              <a:t>方法可以接受一些与异步操作相关的参数，和一个</a:t>
-            </a:r>
-            <a:r>
-              <a:rPr lang="en-US" altLang="zh-CN" dirty="0" err="1"/>
-              <a:t>System.AsyncCallback</a:t>
-            </a:r>
-            <a:r>
-              <a:rPr lang="zh-CN" altLang="en-US" dirty="0"/>
-              <a:t>对象。这个对象表示异步操作结束时要调用的方法。然后可以调用以</a:t>
-            </a:r>
-            <a:r>
-              <a:rPr lang="en-US" altLang="zh-CN" dirty="0"/>
-              <a:t>End</a:t>
-            </a:r>
-            <a:r>
-              <a:rPr lang="zh-CN" altLang="en-US" dirty="0"/>
-              <a:t>为前缀的方法，以</a:t>
-            </a:r>
-            <a:r>
-              <a:rPr lang="en-US" altLang="zh-CN" dirty="0"/>
-              <a:t>End</a:t>
-            </a:r>
-            <a:r>
-              <a:rPr lang="zh-CN" altLang="en-US" dirty="0"/>
-              <a:t>为前缀的方法会阻塞当前任务或线程，直到</a:t>
-            </a:r>
-            <a:r>
-              <a:rPr lang="en-US" altLang="zh-CN" dirty="0"/>
-              <a:t>I/O</a:t>
-            </a:r>
-            <a:r>
-              <a:rPr lang="zh-CN" altLang="en-US" dirty="0"/>
-              <a:t>线程完成。它还可以返回操作结果相关的信息。</a:t>
-            </a:r>
-          </a:p>
-          <a:p>
+              <a:t>GetResultCore</a:t>
+            </a:r>
             <a:endParaRPr lang="zh-CN" altLang="en-US" dirty="0"/>
+          </a:p>
+        </p:txBody>
+      </p:sp>
+      <p:sp>
+        <p:nvSpPr>
+          <p:cNvPr id="4" name="Rectangle 1"/>
+          <p:cNvSpPr>
+            <a:spLocks noChangeArrowheads="1"/>
+          </p:cNvSpPr>
+          <p:nvPr/>
+        </p:nvSpPr>
+        <p:spPr bwMode="auto">
+          <a:xfrm>
+            <a:off x="0" y="0"/>
+            <a:ext cx="9144000" cy="457200"/>
+          </a:xfrm>
+          <a:prstGeom prst="rect">
+            <a:avLst/>
+          </a:prstGeom>
+          <a:noFill/>
+          <a:ln>
+            <a:noFill/>
+          </a:ln>
+          <a:effectLst/>
+          <a:extLst>
+            <a:ext uri="{909E8E84-426E-40DD-AFC4-6F175D3DCCD1}">
+              <a14:hiddenFill xmlns:a14="http://schemas.microsoft.com/office/drawing/2010/main">
+                <a:solidFill>
+                  <a:schemeClr val="accent1"/>
+                </a:solidFill>
+              </a14:hiddenFill>
+            </a:ext>
+            <a:ext uri="{91240B29-F687-4F45-9708-019B960494DF}">
+              <a14:hiddenLine xmlns:a14="http://schemas.microsoft.com/office/drawing/2010/main" w="9525">
+                <a:solidFill>
+                  <a:schemeClr val="tx1"/>
+                </a:solidFill>
+                <a:miter lim="800000"/>
+                <a:headEnd/>
+                <a:tailEnd/>
+              </a14:hiddenLine>
+            </a:ext>
+            <a:ext uri="{AF507438-7753-43E0-B8FC-AC1667EBCBE1}">
+              <a14:hiddenEffects xmlns:a14="http://schemas.microsoft.com/office/drawing/2010/main">
+                <a:effectLst>
+                  <a:outerShdw dist="35921" dir="2700000" algn="ctr" rotWithShape="0">
+                    <a:schemeClr val="bg2"/>
+                  </a:outerShdw>
+                </a:effectLst>
+              </a14:hiddenEffects>
+            </a:ext>
+          </a:extLst>
+        </p:spPr>
+        <p:txBody>
+          <a:bodyPr vert="horz" wrap="none" lIns="0" tIns="0" rIns="0" bIns="0" numCol="1" anchor="ctr" anchorCtr="0" compatLnSpc="1">
+            <a:spAutoFit/>
+          </a:bodyPr>
+          <a:lstStyle/>
+          <a:p>
+            <a:pPr marL="0" marR="0" lvl="0" indent="0" algn="l" defTabSz="914400" rtl="0" eaLnBrk="0" fontAlgn="base" latinLnBrk="0" hangingPunct="0">
+              <a:lnSpc>
+                <a:spcPct val="100000"/>
+              </a:lnSpc>
+              <a:spcBef>
+                <a:spcPct val="0"/>
+              </a:spcBef>
+              <a:spcAft>
+                <a:spcPct val="0"/>
+              </a:spcAft>
+              <a:buClrTx/>
+              <a:buSzTx/>
+              <a:buFontTx/>
+              <a:buNone/>
+            </a:pPr>
+            <a:r>
+              <a:rPr kumimoji="0" lang="zh-CN" altLang="zh-CN" sz="900" b="0" i="0" u="none" strike="noStrike" cap="none" normalizeH="0" baseline="0" smtClean="0">
+                <a:ln>
+                  <a:noFill/>
+                </a:ln>
+                <a:solidFill>
+                  <a:srgbClr val="000000"/>
+                </a:solidFill>
+                <a:effectLst/>
+                <a:latin typeface="Courier New" panose="02070309020205020404" pitchFamily="49" charset="0"/>
+                <a:cs typeface="Courier New" panose="02070309020205020404" pitchFamily="49" charset="0"/>
+              </a:rPr>
+              <a:t>Task.WhenAll(task1, task2).ContinueWith</a:t>
+            </a:r>
+            <a:r>
+              <a:rPr kumimoji="0" lang="zh-CN" altLang="zh-CN" sz="600" b="0" i="0" u="none" strike="noStrike" cap="none" normalizeH="0" baseline="0" smtClean="0">
+                <a:ln>
+                  <a:noFill/>
+                </a:ln>
+                <a:solidFill>
+                  <a:schemeClr val="tx1"/>
+                </a:solidFill>
+                <a:effectLst/>
+              </a:rPr>
+              <a:t> </a:t>
+            </a:r>
+            <a:endParaRPr kumimoji="0" lang="zh-CN" altLang="zh-CN" sz="1800" b="0" i="0" u="none" strike="noStrike" cap="none" normalizeH="0" baseline="0" smtClean="0">
+              <a:ln>
+                <a:noFill/>
+              </a:ln>
+              <a:solidFill>
+                <a:schemeClr val="tx1"/>
+              </a:solidFill>
+              <a:effectLst/>
+              <a:latin typeface="Arial" panose="020B0604020202020204" pitchFamily="34" charset="0"/>
+            </a:endParaRPr>
+          </a:p>
+        </p:txBody>
+      </p:sp>
+      <p:sp>
+        <p:nvSpPr>
+          <p:cNvPr id="5" name="Rectangle 2"/>
+          <p:cNvSpPr>
+            <a:spLocks noChangeArrowheads="1"/>
+          </p:cNvSpPr>
+          <p:nvPr/>
+        </p:nvSpPr>
+        <p:spPr bwMode="auto">
+          <a:xfrm>
+            <a:off x="152400" y="152400"/>
+            <a:ext cx="9144000" cy="457200"/>
+          </a:xfrm>
+          <a:prstGeom prst="rect">
+            <a:avLst/>
+          </a:prstGeom>
+          <a:noFill/>
+          <a:ln>
+            <a:noFill/>
+          </a:ln>
+          <a:effectLst/>
+          <a:extLst>
+            <a:ext uri="{909E8E84-426E-40DD-AFC4-6F175D3DCCD1}">
+              <a14:hiddenFill xmlns:a14="http://schemas.microsoft.com/office/drawing/2010/main">
+                <a:solidFill>
+                  <a:schemeClr val="accent1"/>
+                </a:solidFill>
+              </a14:hiddenFill>
+            </a:ext>
+            <a:ext uri="{91240B29-F687-4F45-9708-019B960494DF}">
+              <a14:hiddenLine xmlns:a14="http://schemas.microsoft.com/office/drawing/2010/main" w="9525">
+                <a:solidFill>
+                  <a:schemeClr val="tx1"/>
+                </a:solidFill>
+                <a:miter lim="800000"/>
+                <a:headEnd/>
+                <a:tailEnd/>
+              </a14:hiddenLine>
+            </a:ext>
+            <a:ext uri="{AF507438-7753-43E0-B8FC-AC1667EBCBE1}">
+              <a14:hiddenEffects xmlns:a14="http://schemas.microsoft.com/office/drawing/2010/main">
+                <a:effectLst>
+                  <a:outerShdw dist="35921" dir="2700000" algn="ctr" rotWithShape="0">
+                    <a:schemeClr val="bg2"/>
+                  </a:outerShdw>
+                </a:effectLst>
+              </a14:hiddenEffects>
+            </a:ext>
+          </a:extLst>
+        </p:spPr>
+        <p:txBody>
+          <a:bodyPr vert="horz" wrap="none" lIns="0" tIns="0" rIns="0" bIns="0" numCol="1" anchor="ctr" anchorCtr="0" compatLnSpc="1">
+            <a:spAutoFit/>
+          </a:bodyPr>
+          <a:lstStyle/>
+          <a:p>
+            <a:pPr marL="0" marR="0" lvl="0" indent="0" algn="l" defTabSz="914400" rtl="0" eaLnBrk="0" fontAlgn="base" latinLnBrk="0" hangingPunct="0">
+              <a:lnSpc>
+                <a:spcPct val="100000"/>
+              </a:lnSpc>
+              <a:spcBef>
+                <a:spcPct val="0"/>
+              </a:spcBef>
+              <a:spcAft>
+                <a:spcPct val="0"/>
+              </a:spcAft>
+              <a:buClrTx/>
+              <a:buSzTx/>
+              <a:buFontTx/>
+              <a:buNone/>
+            </a:pPr>
+            <a:r>
+              <a:rPr kumimoji="0" lang="zh-CN" altLang="zh-CN" sz="900" b="0" i="0" u="none" strike="noStrike" cap="none" normalizeH="0" baseline="0" smtClean="0">
+                <a:ln>
+                  <a:noFill/>
+                </a:ln>
+                <a:solidFill>
+                  <a:srgbClr val="000000"/>
+                </a:solidFill>
+                <a:effectLst/>
+                <a:latin typeface="Courier New" panose="02070309020205020404" pitchFamily="49" charset="0"/>
+                <a:cs typeface="Courier New" panose="02070309020205020404" pitchFamily="49" charset="0"/>
+              </a:rPr>
+              <a:t>Task.WhenAll(task1, task2).ContinueWith</a:t>
+            </a:r>
+            <a:r>
+              <a:rPr kumimoji="0" lang="zh-CN" altLang="zh-CN" sz="600" b="0" i="0" u="none" strike="noStrike" cap="none" normalizeH="0" baseline="0" smtClean="0">
+                <a:ln>
+                  <a:noFill/>
+                </a:ln>
+                <a:solidFill>
+                  <a:schemeClr val="tx1"/>
+                </a:solidFill>
+                <a:effectLst/>
+              </a:rPr>
+              <a:t> </a:t>
+            </a:r>
+            <a:endParaRPr kumimoji="0" lang="zh-CN" altLang="zh-CN" sz="1800" b="0" i="0" u="none" strike="noStrike" cap="none" normalizeH="0" baseline="0" smtClean="0">
+              <a:ln>
+                <a:noFill/>
+              </a:ln>
+              <a:solidFill>
+                <a:schemeClr val="tx1"/>
+              </a:solidFill>
+              <a:effectLst/>
+              <a:latin typeface="Arial" panose="020B0604020202020204" pitchFamily="34" charset="0"/>
+            </a:endParaRPr>
           </a:p>
         </p:txBody>
       </p:sp>
     </p:spTree>
+    <p:extLst>
+      <p:ext uri="{BB962C8B-B14F-4D97-AF65-F5344CB8AC3E}">
+        <p14:creationId xmlns:p14="http://schemas.microsoft.com/office/powerpoint/2010/main" val="3831738660"/>
+      </p:ext>
+    </p:extLst>
   </p:cSld>
   <p:clrMapOvr>
     <a:masterClrMapping/>
@@ -8089,6 +8611,13 @@
   <p:clrMapOvr>
     <a:masterClrMapping/>
   </p:clrMapOvr>
+  <p:timing>
+    <p:tnLst>
+      <p:par>
+        <p:cTn id="1" dur="indefinite" restart="never" nodeType="tmRoot"/>
+      </p:par>
+    </p:tnLst>
+  </p:timing>
 </p:sld>
 </file>
 
@@ -8125,16 +8654,16 @@
           <a:lstStyle/>
           <a:p>
             <a:r>
-              <a:rPr lang="zh-CN" altLang="en-US" dirty="0" smtClean="0"/>
-              <a:t>基于委托的</a:t>
-            </a:r>
-            <a:r>
-              <a:rPr lang="en-US" altLang="zh-CN" dirty="0" smtClean="0"/>
-              <a:t>Invoke </a:t>
-            </a:r>
-            <a:r>
-              <a:rPr lang="en-US" altLang="zh-CN" dirty="0" err="1" smtClean="0"/>
-              <a:t>BeginInvoke</a:t>
+              <a:rPr lang="en-US" altLang="zh-CN" dirty="0" smtClean="0"/>
+              <a:t>Task</a:t>
+            </a:r>
+            <a:r>
+              <a:rPr lang="zh-CN" altLang="en-US" dirty="0" smtClean="0"/>
+              <a:t>异常处理</a:t>
+            </a:r>
+            <a:r>
+              <a:rPr lang="en-US" altLang="zh-CN" dirty="0"/>
+              <a:t>ConsoleApplication23</a:t>
             </a:r>
             <a:endParaRPr lang="zh-CN" altLang="en-US" dirty="0"/>
           </a:p>
@@ -8142,7 +8671,7 @@
       </p:sp>
       <p:sp>
         <p:nvSpPr>
-          <p:cNvPr id="4" name="内容占位符 3"/>
+          <p:cNvPr id="3" name="内容占位符 2"/>
           <p:cNvSpPr>
             <a:spLocks noGrp="1"/>
           </p:cNvSpPr>
@@ -8156,97 +8685,105 @@
           <a:lstStyle/>
           <a:p>
             <a:r>
-              <a:rPr lang="en-US" altLang="zh-CN" dirty="0" smtClean="0"/>
-              <a:t>CLR</a:t>
-            </a:r>
-            <a:r>
-              <a:rPr lang="zh-CN" altLang="en-US" dirty="0"/>
-              <a:t>为每一个委托类型提供了一个</a:t>
+              <a:rPr lang="en-US" altLang="zh-CN" dirty="0" err="1" smtClean="0"/>
+              <a:t>AggregateException</a:t>
+            </a:r>
+            <a:r>
+              <a:rPr lang="en-US" altLang="zh-CN" dirty="0" smtClean="0"/>
+              <a:t>:</a:t>
+            </a:r>
+            <a:r>
+              <a:rPr lang="zh-CN" altLang="en-US" dirty="0" smtClean="0"/>
+              <a:t>集合</a:t>
+            </a:r>
+            <a:r>
+              <a:rPr lang="en-US" altLang="zh-CN" dirty="0" smtClean="0"/>
+              <a:t>,</a:t>
+            </a:r>
+            <a:r>
+              <a:rPr lang="zh-CN" altLang="en-US" dirty="0"/>
+              <a:t> </a:t>
             </a:r>
             <a:r>
               <a:rPr lang="en-US" altLang="zh-CN" dirty="0"/>
-              <a:t>Invoke</a:t>
-            </a:r>
-            <a:r>
-              <a:rPr lang="zh-CN" altLang="en-US" dirty="0"/>
-              <a:t>方法，并且该方法和</a:t>
-            </a:r>
+              <a:t>task</a:t>
+            </a:r>
+            <a:r>
+              <a:rPr lang="zh-CN" altLang="en-US" dirty="0"/>
+              <a:t>中可能会抛出多个异常，所以我们需要一种新的</a:t>
+            </a:r>
+            <a:r>
+              <a:rPr lang="zh-CN" altLang="en-US" dirty="0" smtClean="0"/>
+              <a:t>类型把</a:t>
+            </a:r>
+            <a:r>
+              <a:rPr lang="zh-CN" altLang="en-US" dirty="0"/>
+              <a:t>这些异常都追加到一个集合</a:t>
+            </a:r>
+            <a:r>
+              <a:rPr lang="zh-CN" altLang="en-US" dirty="0" smtClean="0"/>
+              <a:t>中</a:t>
+            </a:r>
+            <a:endParaRPr lang="en-US" altLang="zh-CN" dirty="0" smtClean="0"/>
+          </a:p>
+          <a:p>
+            <a:r>
+              <a:rPr lang="zh-CN" altLang="en-US" dirty="0" smtClean="0"/>
+              <a:t>在获取</a:t>
+            </a:r>
+            <a:r>
+              <a:rPr lang="en-US" altLang="zh-CN" dirty="0" smtClean="0"/>
+              <a:t>wait</a:t>
+            </a:r>
+            <a:r>
+              <a:rPr lang="zh-CN" altLang="en-US" dirty="0" smtClean="0"/>
+              <a:t>或者</a:t>
+            </a:r>
+            <a:r>
+              <a:rPr lang="en-US" altLang="zh-CN" dirty="0" smtClean="0"/>
+              <a:t>result</a:t>
+            </a:r>
+            <a:r>
+              <a:rPr lang="zh-CN" altLang="en-US" dirty="0" smtClean="0"/>
+              <a:t>的时候抛出异常</a:t>
+            </a:r>
+            <a:endParaRPr lang="en-US" altLang="zh-CN" dirty="0" smtClean="0"/>
+          </a:p>
+          <a:p>
+            <a:endParaRPr lang="en-US" altLang="zh-CN" dirty="0"/>
+          </a:p>
+          <a:p>
             <a:r>
               <a:rPr lang="en-US" altLang="zh-CN" dirty="0"/>
-              <a:t>delegate</a:t>
-            </a:r>
-            <a:r>
-              <a:rPr lang="zh-CN" altLang="en-US" dirty="0"/>
-              <a:t>拥有相同的</a:t>
-            </a:r>
-            <a:r>
-              <a:rPr lang="zh-CN" altLang="en-US" dirty="0" smtClean="0"/>
-              <a:t>签名</a:t>
-            </a:r>
-            <a:endParaRPr lang="en-US" altLang="zh-CN" dirty="0" smtClean="0"/>
-          </a:p>
-          <a:p>
-            <a:r>
-              <a:rPr lang="en-US" altLang="zh-CN" dirty="0" smtClean="0"/>
-              <a:t>CLR</a:t>
-            </a:r>
-            <a:r>
-              <a:rPr lang="zh-CN" altLang="en-US" dirty="0"/>
-              <a:t>为每一个委托类型提供了</a:t>
-            </a:r>
-            <a:r>
-              <a:rPr lang="en-US" altLang="zh-CN" dirty="0" err="1"/>
-              <a:t>BeginInvoke</a:t>
-            </a:r>
-            <a:r>
-              <a:rPr lang="zh-CN" altLang="en-US" dirty="0"/>
-              <a:t>和</a:t>
-            </a:r>
-            <a:r>
-              <a:rPr lang="en-US" altLang="zh-CN" dirty="0" err="1"/>
-              <a:t>EndInvoke</a:t>
-            </a:r>
-            <a:r>
-              <a:rPr lang="zh-CN" altLang="en-US" dirty="0"/>
-              <a:t>方法，来确保委托的异步</a:t>
-            </a:r>
-            <a:r>
-              <a:rPr lang="zh-CN" altLang="en-US" dirty="0" smtClean="0"/>
-              <a:t>调用</a:t>
-            </a:r>
-            <a:endParaRPr lang="en-US" altLang="zh-CN" dirty="0" smtClean="0"/>
-          </a:p>
-          <a:p>
-            <a:endParaRPr lang="en-US" altLang="zh-CN" dirty="0"/>
-          </a:p>
-          <a:p>
-            <a:r>
-              <a:rPr lang="zh-CN" altLang="en-US" dirty="0"/>
-              <a:t>通过一个委托来进行同步方法的异步调用，也是</a:t>
-            </a:r>
-            <a:r>
-              <a:rPr lang="en-US" altLang="zh-CN" dirty="0" err="1"/>
-              <a:t>.net</a:t>
-            </a:r>
-            <a:r>
-              <a:rPr lang="zh-CN" altLang="en-US" dirty="0"/>
-              <a:t>提供的异步调用机制之一。但是</a:t>
-            </a:r>
-            <a:r>
-              <a:rPr lang="en-US" altLang="zh-CN" dirty="0" err="1"/>
-              <a:t>Delegate.BeginInvoke</a:t>
-            </a:r>
-            <a:r>
-              <a:rPr lang="zh-CN" altLang="en-US" dirty="0"/>
-              <a:t>方法是从</a:t>
-            </a:r>
-            <a:r>
-              <a:rPr lang="en-US" altLang="zh-CN" dirty="0" err="1"/>
-              <a:t>ThreadPool</a:t>
-            </a:r>
-            <a:r>
-              <a:rPr lang="zh-CN" altLang="en-US" dirty="0"/>
-              <a:t>取出一个线程来执行这个方法，以获得异步执行效果的。也就是说，如果采用这种方式提交多个异步委托，那么这些调用的顺序无法得到保证。而且由于是使用线程池里面的线程来完成任务，使用频繁，会对系统的性能造成影响。</a:t>
+              <a:t>Handle</a:t>
+            </a:r>
+            <a:r>
+              <a:rPr lang="zh-CN" altLang="en-US" dirty="0" smtClean="0"/>
+              <a:t>方法</a:t>
+            </a:r>
+            <a:r>
+              <a:rPr lang="en-US" altLang="zh-CN" dirty="0" smtClean="0"/>
+              <a:t>:</a:t>
+            </a:r>
+            <a:r>
+              <a:rPr lang="zh-CN" altLang="en-US" dirty="0" smtClean="0"/>
+              <a:t>就是</a:t>
+            </a:r>
+            <a:r>
+              <a:rPr lang="zh-CN" altLang="en-US" dirty="0"/>
+              <a:t>处理当前的异常数组，判断上一层我当前哪些已经处理好了</a:t>
+            </a:r>
+            <a:r>
+              <a:rPr lang="zh-CN" altLang="en-US" dirty="0" smtClean="0"/>
+              <a:t>，没有</a:t>
+            </a:r>
+            <a:r>
+              <a:rPr lang="zh-CN" altLang="en-US" dirty="0"/>
+              <a:t>处理好的，还需要向上抛出。。</a:t>
+            </a:r>
+            <a:r>
+              <a:rPr lang="zh-CN" altLang="en-US" dirty="0" smtClean="0"/>
+              <a:t>。</a:t>
             </a:r>
             <a:endParaRPr lang="en-US" altLang="zh-CN" dirty="0" smtClean="0"/>
           </a:p>
@@ -8255,7 +8792,256 @@
           </a:p>
         </p:txBody>
       </p:sp>
+      <p:sp>
+        <p:nvSpPr>
+          <p:cNvPr id="4" name="Rectangle 1"/>
+          <p:cNvSpPr>
+            <a:spLocks noChangeArrowheads="1"/>
+          </p:cNvSpPr>
+          <p:nvPr/>
+        </p:nvSpPr>
+        <p:spPr bwMode="auto">
+          <a:xfrm>
+            <a:off x="0" y="0"/>
+            <a:ext cx="9144000" cy="457200"/>
+          </a:xfrm>
+          <a:prstGeom prst="rect">
+            <a:avLst/>
+          </a:prstGeom>
+          <a:noFill/>
+          <a:ln>
+            <a:noFill/>
+          </a:ln>
+          <a:effectLst/>
+          <a:extLst>
+            <a:ext uri="{909E8E84-426E-40DD-AFC4-6F175D3DCCD1}">
+              <a14:hiddenFill xmlns:a14="http://schemas.microsoft.com/office/drawing/2010/main">
+                <a:solidFill>
+                  <a:schemeClr val="accent1"/>
+                </a:solidFill>
+              </a14:hiddenFill>
+            </a:ext>
+            <a:ext uri="{91240B29-F687-4F45-9708-019B960494DF}">
+              <a14:hiddenLine xmlns:a14="http://schemas.microsoft.com/office/drawing/2010/main" w="9525">
+                <a:solidFill>
+                  <a:schemeClr val="tx1"/>
+                </a:solidFill>
+                <a:miter lim="800000"/>
+                <a:headEnd/>
+                <a:tailEnd/>
+              </a14:hiddenLine>
+            </a:ext>
+            <a:ext uri="{AF507438-7753-43E0-B8FC-AC1667EBCBE1}">
+              <a14:hiddenEffects xmlns:a14="http://schemas.microsoft.com/office/drawing/2010/main">
+                <a:effectLst>
+                  <a:outerShdw dist="35921" dir="2700000" algn="ctr" rotWithShape="0">
+                    <a:schemeClr val="bg2"/>
+                  </a:outerShdw>
+                </a:effectLst>
+              </a14:hiddenEffects>
+            </a:ext>
+          </a:extLst>
+        </p:spPr>
+        <p:txBody>
+          <a:bodyPr vert="horz" wrap="none" lIns="0" tIns="0" rIns="0" bIns="0" numCol="1" anchor="ctr" anchorCtr="0" compatLnSpc="1">
+            <a:spAutoFit/>
+          </a:bodyPr>
+          <a:lstStyle/>
+          <a:p>
+            <a:pPr marL="0" marR="0" lvl="0" indent="0" algn="l" defTabSz="914400" rtl="0" eaLnBrk="0" fontAlgn="base" latinLnBrk="0" hangingPunct="0">
+              <a:lnSpc>
+                <a:spcPct val="100000"/>
+              </a:lnSpc>
+              <a:spcBef>
+                <a:spcPct val="0"/>
+              </a:spcBef>
+              <a:spcAft>
+                <a:spcPct val="0"/>
+              </a:spcAft>
+              <a:buClrTx/>
+              <a:buSzTx/>
+              <a:buFontTx/>
+              <a:buNone/>
+            </a:pPr>
+            <a:r>
+              <a:rPr kumimoji="0" lang="zh-CN" altLang="zh-CN" sz="900" b="0" i="0" u="none" strike="noStrike" cap="none" normalizeH="0" baseline="0" smtClean="0">
+                <a:ln>
+                  <a:noFill/>
+                </a:ln>
+                <a:solidFill>
+                  <a:srgbClr val="000000"/>
+                </a:solidFill>
+                <a:effectLst/>
+                <a:latin typeface="Courier New" panose="02070309020205020404" pitchFamily="49" charset="0"/>
+                <a:cs typeface="Courier New" panose="02070309020205020404" pitchFamily="49" charset="0"/>
+              </a:rPr>
+              <a:t>Task.WhenAll(task1, task2).ContinueWith</a:t>
+            </a:r>
+            <a:r>
+              <a:rPr kumimoji="0" lang="zh-CN" altLang="zh-CN" sz="600" b="0" i="0" u="none" strike="noStrike" cap="none" normalizeH="0" baseline="0" smtClean="0">
+                <a:ln>
+                  <a:noFill/>
+                </a:ln>
+                <a:solidFill>
+                  <a:schemeClr val="tx1"/>
+                </a:solidFill>
+                <a:effectLst/>
+              </a:rPr>
+              <a:t> </a:t>
+            </a:r>
+            <a:endParaRPr kumimoji="0" lang="zh-CN" altLang="zh-CN" sz="1800" b="0" i="0" u="none" strike="noStrike" cap="none" normalizeH="0" baseline="0" smtClean="0">
+              <a:ln>
+                <a:noFill/>
+              </a:ln>
+              <a:solidFill>
+                <a:schemeClr val="tx1"/>
+              </a:solidFill>
+              <a:effectLst/>
+              <a:latin typeface="Arial" panose="020B0604020202020204" pitchFamily="34" charset="0"/>
+            </a:endParaRPr>
+          </a:p>
+        </p:txBody>
+      </p:sp>
+      <p:sp>
+        <p:nvSpPr>
+          <p:cNvPr id="5" name="Rectangle 2"/>
+          <p:cNvSpPr>
+            <a:spLocks noChangeArrowheads="1"/>
+          </p:cNvSpPr>
+          <p:nvPr/>
+        </p:nvSpPr>
+        <p:spPr bwMode="auto">
+          <a:xfrm>
+            <a:off x="152400" y="152400"/>
+            <a:ext cx="9144000" cy="457200"/>
+          </a:xfrm>
+          <a:prstGeom prst="rect">
+            <a:avLst/>
+          </a:prstGeom>
+          <a:noFill/>
+          <a:ln>
+            <a:noFill/>
+          </a:ln>
+          <a:effectLst/>
+          <a:extLst>
+            <a:ext uri="{909E8E84-426E-40DD-AFC4-6F175D3DCCD1}">
+              <a14:hiddenFill xmlns:a14="http://schemas.microsoft.com/office/drawing/2010/main">
+                <a:solidFill>
+                  <a:schemeClr val="accent1"/>
+                </a:solidFill>
+              </a14:hiddenFill>
+            </a:ext>
+            <a:ext uri="{91240B29-F687-4F45-9708-019B960494DF}">
+              <a14:hiddenLine xmlns:a14="http://schemas.microsoft.com/office/drawing/2010/main" w="9525">
+                <a:solidFill>
+                  <a:schemeClr val="tx1"/>
+                </a:solidFill>
+                <a:miter lim="800000"/>
+                <a:headEnd/>
+                <a:tailEnd/>
+              </a14:hiddenLine>
+            </a:ext>
+            <a:ext uri="{AF507438-7753-43E0-B8FC-AC1667EBCBE1}">
+              <a14:hiddenEffects xmlns:a14="http://schemas.microsoft.com/office/drawing/2010/main">
+                <a:effectLst>
+                  <a:outerShdw dist="35921" dir="2700000" algn="ctr" rotWithShape="0">
+                    <a:schemeClr val="bg2"/>
+                  </a:outerShdw>
+                </a:effectLst>
+              </a14:hiddenEffects>
+            </a:ext>
+          </a:extLst>
+        </p:spPr>
+        <p:txBody>
+          <a:bodyPr vert="horz" wrap="none" lIns="0" tIns="0" rIns="0" bIns="0" numCol="1" anchor="ctr" anchorCtr="0" compatLnSpc="1">
+            <a:spAutoFit/>
+          </a:bodyPr>
+          <a:lstStyle/>
+          <a:p>
+            <a:pPr marL="0" marR="0" lvl="0" indent="0" algn="l" defTabSz="914400" rtl="0" eaLnBrk="0" fontAlgn="base" latinLnBrk="0" hangingPunct="0">
+              <a:lnSpc>
+                <a:spcPct val="100000"/>
+              </a:lnSpc>
+              <a:spcBef>
+                <a:spcPct val="0"/>
+              </a:spcBef>
+              <a:spcAft>
+                <a:spcPct val="0"/>
+              </a:spcAft>
+              <a:buClrTx/>
+              <a:buSzTx/>
+              <a:buFontTx/>
+              <a:buNone/>
+            </a:pPr>
+            <a:r>
+              <a:rPr kumimoji="0" lang="zh-CN" altLang="zh-CN" sz="900" b="0" i="0" u="none" strike="noStrike" cap="none" normalizeH="0" baseline="0" smtClean="0">
+                <a:ln>
+                  <a:noFill/>
+                </a:ln>
+                <a:solidFill>
+                  <a:srgbClr val="000000"/>
+                </a:solidFill>
+                <a:effectLst/>
+                <a:latin typeface="Courier New" panose="02070309020205020404" pitchFamily="49" charset="0"/>
+                <a:cs typeface="Courier New" panose="02070309020205020404" pitchFamily="49" charset="0"/>
+              </a:rPr>
+              <a:t>Task.WhenAll(task1, task2).ContinueWith</a:t>
+            </a:r>
+            <a:r>
+              <a:rPr kumimoji="0" lang="zh-CN" altLang="zh-CN" sz="600" b="0" i="0" u="none" strike="noStrike" cap="none" normalizeH="0" baseline="0" smtClean="0">
+                <a:ln>
+                  <a:noFill/>
+                </a:ln>
+                <a:solidFill>
+                  <a:schemeClr val="tx1"/>
+                </a:solidFill>
+                <a:effectLst/>
+              </a:rPr>
+              <a:t> </a:t>
+            </a:r>
+            <a:endParaRPr kumimoji="0" lang="zh-CN" altLang="zh-CN" sz="1800" b="0" i="0" u="none" strike="noStrike" cap="none" normalizeH="0" baseline="0" smtClean="0">
+              <a:ln>
+                <a:noFill/>
+              </a:ln>
+              <a:solidFill>
+                <a:schemeClr val="tx1"/>
+              </a:solidFill>
+              <a:effectLst/>
+              <a:latin typeface="Arial" panose="020B0604020202020204" pitchFamily="34" charset="0"/>
+            </a:endParaRPr>
+          </a:p>
+        </p:txBody>
+      </p:sp>
+      <p:pic>
+        <p:nvPicPr>
+          <p:cNvPr id="6" name="图片 5"/>
+          <p:cNvPicPr>
+            <a:picLocks noChangeAspect="1"/>
+          </p:cNvPicPr>
+          <p:nvPr/>
+        </p:nvPicPr>
+        <p:blipFill>
+          <a:blip r:embed="rId2"/>
+          <a:stretch>
+            <a:fillRect/>
+          </a:stretch>
+        </p:blipFill>
+        <p:spPr>
+          <a:xfrm>
+            <a:off x="323528" y="3284984"/>
+            <a:ext cx="7457960" cy="2795985"/>
+          </a:xfrm>
+          <a:prstGeom prst="rect">
+            <a:avLst/>
+          </a:prstGeom>
+        </p:spPr>
+      </p:pic>
     </p:spTree>
+    <p:extLst>
+      <p:ext uri="{BB962C8B-B14F-4D97-AF65-F5344CB8AC3E}">
+        <p14:creationId xmlns:p14="http://schemas.microsoft.com/office/powerpoint/2010/main" val="4292219306"/>
+      </p:ext>
+    </p:extLst>
   </p:cSld>
   <p:clrMapOvr>
     <a:masterClrMapping/>
@@ -8296,20 +9082,16 @@
           <a:lstStyle/>
           <a:p>
             <a:r>
-              <a:rPr lang="en-US" altLang="zh-CN" dirty="0" smtClean="0"/>
-              <a:t>Controller</a:t>
-            </a:r>
-            <a:r>
-              <a:rPr lang="zh-CN" altLang="en-US" dirty="0" smtClean="0"/>
-              <a:t>的</a:t>
-            </a:r>
-            <a:r>
-              <a:rPr lang="en-US" altLang="zh-CN" dirty="0" smtClean="0"/>
-              <a:t>Invoke </a:t>
-            </a:r>
-            <a:r>
-              <a:rPr lang="en-US" altLang="zh-CN" dirty="0" err="1" smtClean="0"/>
-              <a:t>BeginInvoke</a:t>
+              <a:rPr lang="zh-CN" altLang="en-US" dirty="0" smtClean="0"/>
+              <a:t>多线程间的</a:t>
+            </a:r>
+            <a:r>
+              <a:rPr lang="zh-CN" altLang="en-US" dirty="0"/>
+              <a:t>同步（用户模式和内核模式</a:t>
+            </a:r>
+            <a:r>
+              <a:rPr lang="zh-CN" altLang="en-US" dirty="0" smtClean="0"/>
+              <a:t>锁）</a:t>
             </a:r>
             <a:endParaRPr lang="zh-CN" altLang="en-US" dirty="0"/>
           </a:p>
@@ -8317,7 +9099,7 @@
       </p:sp>
       <p:sp>
         <p:nvSpPr>
-          <p:cNvPr id="5" name="内容占位符 4"/>
+          <p:cNvPr id="3" name="内容占位符 2"/>
           <p:cNvSpPr>
             <a:spLocks noGrp="1"/>
           </p:cNvSpPr>
@@ -8331,70 +9113,346 @@
           <a:lstStyle/>
           <a:p>
             <a:r>
+              <a:rPr lang="en-US" altLang="zh-CN" dirty="0" smtClean="0"/>
+              <a:t>N</a:t>
+            </a:r>
+            <a:r>
+              <a:rPr lang="zh-CN" altLang="en-US" dirty="0" smtClean="0"/>
+              <a:t>个</a:t>
+            </a:r>
+            <a:r>
+              <a:rPr lang="zh-CN" altLang="en-US" dirty="0"/>
+              <a:t>线程对一个“共享资源”进行操作的时候，容易</a:t>
+            </a:r>
+            <a:r>
+              <a:rPr lang="zh-CN" altLang="en-US" dirty="0" smtClean="0"/>
+              <a:t>出问题，共享</a:t>
+            </a:r>
+            <a:r>
+              <a:rPr lang="zh-CN" altLang="en-US" dirty="0"/>
+              <a:t>资源混乱。。。</a:t>
+            </a:r>
+            <a:endParaRPr lang="en-US" altLang="zh-CN" dirty="0" smtClean="0"/>
+          </a:p>
+          <a:p>
+            <a:r>
+              <a:rPr lang="en-US" altLang="zh-CN" dirty="0" smtClean="0"/>
+              <a:t>1.</a:t>
+            </a:r>
+            <a:r>
+              <a:rPr lang="zh-CN" altLang="en-US" dirty="0" smtClean="0"/>
+              <a:t>锁机制（</a:t>
+            </a:r>
+            <a:r>
+              <a:rPr lang="en-US" altLang="zh-CN" dirty="0" smtClean="0"/>
+              <a:t>Monitor, </a:t>
+            </a:r>
+            <a:r>
+              <a:rPr lang="en-US" altLang="zh-CN" dirty="0" err="1"/>
+              <a:t>ReaderWriterLock</a:t>
+            </a:r>
+            <a:r>
+              <a:rPr lang="zh-CN" altLang="en-US" dirty="0" smtClean="0"/>
+              <a:t>）</a:t>
+            </a:r>
+            <a:endParaRPr lang="en-US" altLang="zh-CN" dirty="0" smtClean="0"/>
+          </a:p>
+          <a:p>
+            <a:r>
+              <a:rPr lang="en-US" altLang="zh-CN" dirty="0" smtClean="0"/>
+              <a:t>2.thread.join</a:t>
+            </a:r>
+          </a:p>
+          <a:p>
+            <a:r>
+              <a:rPr lang="en-US" altLang="zh-CN" dirty="0" smtClean="0"/>
+              <a:t>3.</a:t>
+            </a:r>
+            <a:r>
+              <a:rPr lang="zh-CN" altLang="en-US" dirty="0" smtClean="0"/>
+              <a:t>互斥</a:t>
+            </a:r>
+            <a:r>
+              <a:rPr lang="en-US" altLang="zh-CN" dirty="0" err="1" smtClean="0"/>
+              <a:t>mutex</a:t>
+            </a:r>
+            <a:endParaRPr lang="en-US" altLang="zh-CN" dirty="0" smtClean="0"/>
+          </a:p>
+          <a:p>
+            <a:r>
+              <a:rPr lang="en-US" altLang="zh-CN" dirty="0" smtClean="0"/>
+              <a:t>4.</a:t>
+            </a:r>
+            <a:r>
+              <a:rPr lang="zh-CN" altLang="en-US" dirty="0" smtClean="0"/>
+              <a:t>信号量（</a:t>
+            </a:r>
+            <a:r>
+              <a:rPr lang="en-US" altLang="zh-CN" dirty="0" err="1" smtClean="0"/>
+              <a:t>ManualResetEvent</a:t>
+            </a:r>
+            <a:r>
+              <a:rPr lang="zh-CN" altLang="en-US" dirty="0" smtClean="0"/>
+              <a:t>、</a:t>
+            </a:r>
+            <a:r>
+              <a:rPr lang="en-US" altLang="zh-CN" dirty="0" err="1" smtClean="0"/>
+              <a:t>AutoResetEvent</a:t>
+            </a:r>
+            <a:r>
+              <a:rPr lang="zh-CN" altLang="en-US" dirty="0" smtClean="0"/>
+              <a:t>、</a:t>
+            </a:r>
+            <a:r>
               <a:rPr lang="en-US" altLang="zh-CN" dirty="0"/>
-              <a:t>Windows GUI</a:t>
-            </a:r>
-            <a:r>
-              <a:rPr lang="zh-CN" altLang="en-US" dirty="0"/>
-              <a:t>程序是基于消息机制的，有个主线程维护着一个消息</a:t>
-            </a:r>
-            <a:r>
-              <a:rPr lang="zh-CN" altLang="en-US" dirty="0" smtClean="0"/>
-              <a:t>泵。这个</a:t>
-            </a:r>
-            <a:r>
-              <a:rPr lang="zh-CN" altLang="en-US" dirty="0"/>
-              <a:t>消息泵让</a:t>
+              <a:t> </a:t>
+            </a:r>
+            <a:r>
+              <a:rPr lang="en-US" altLang="zh-CN" dirty="0" smtClean="0"/>
+              <a:t>Semaphore</a:t>
+            </a:r>
+            <a:r>
+              <a:rPr lang="zh-CN" altLang="en-US" dirty="0" smtClean="0"/>
+              <a:t>）</a:t>
+            </a:r>
+            <a:endParaRPr lang="en-US" altLang="zh-CN" dirty="0" smtClean="0"/>
+          </a:p>
+          <a:p>
+            <a:endParaRPr lang="en-US" altLang="zh-CN" dirty="0" smtClean="0"/>
+          </a:p>
+          <a:p>
+            <a:r>
+              <a:rPr lang="en-US" altLang="zh-CN" dirty="0" smtClean="0"/>
+              <a:t>.1.</a:t>
+            </a:r>
+            <a:r>
+              <a:rPr lang="zh-CN" altLang="en-US" dirty="0"/>
+              <a:t> 用户模式锁  </a:t>
             </a:r>
             <a:r>
               <a:rPr lang="en-US" altLang="zh-CN" dirty="0"/>
-              <a:t>windows</a:t>
-            </a:r>
-            <a:r>
-              <a:rPr lang="zh-CN" altLang="en-US" dirty="0"/>
-              <a:t>程序生生不息</a:t>
-            </a:r>
-            <a:r>
-              <a:rPr lang="zh-CN" altLang="en-US" dirty="0" smtClean="0"/>
-              <a:t>。</a:t>
+              <a:t>【</a:t>
+            </a:r>
+            <a:r>
+              <a:rPr lang="zh-CN" altLang="en-US" dirty="0"/>
+              <a:t>就是通过一些</a:t>
+            </a:r>
+            <a:r>
+              <a:rPr lang="en-US" altLang="zh-CN" dirty="0" err="1"/>
+              <a:t>cpu</a:t>
+            </a:r>
+            <a:r>
+              <a:rPr lang="zh-CN" altLang="en-US" dirty="0"/>
+              <a:t>指令或者一个死循环</a:t>
+            </a:r>
+            <a:r>
+              <a:rPr lang="en-US" altLang="zh-CN" dirty="0"/>
+              <a:t>】</a:t>
+            </a:r>
+            <a:r>
+              <a:rPr lang="zh-CN" altLang="en-US" dirty="0"/>
+              <a:t>在达到</a:t>
+            </a:r>
+            <a:r>
+              <a:rPr lang="en-US" altLang="zh-CN" dirty="0"/>
+              <a:t>thread</a:t>
+            </a:r>
+            <a:r>
+              <a:rPr lang="zh-CN" altLang="en-US" dirty="0"/>
+              <a:t>等待和</a:t>
+            </a:r>
+            <a:r>
+              <a:rPr lang="zh-CN" altLang="en-US" dirty="0" smtClean="0"/>
+              <a:t>休眠</a:t>
             </a:r>
             <a:endParaRPr lang="en-US" altLang="zh-CN" dirty="0" smtClean="0"/>
           </a:p>
           <a:p>
+            <a:r>
+              <a:rPr lang="en-US" altLang="zh-CN" dirty="0" smtClean="0"/>
+              <a:t>2.</a:t>
+            </a:r>
+            <a:r>
+              <a:rPr lang="zh-CN" altLang="en-US" dirty="0"/>
+              <a:t>内核模式</a:t>
+            </a:r>
+            <a:r>
+              <a:rPr lang="zh-CN" altLang="en-US" dirty="0" smtClean="0"/>
+              <a:t>锁，就是</a:t>
+            </a:r>
+            <a:r>
+              <a:rPr lang="zh-CN" altLang="en-US" dirty="0"/>
+              <a:t>调用</a:t>
+            </a:r>
+            <a:r>
+              <a:rPr lang="en-US" altLang="zh-CN" dirty="0"/>
+              <a:t>win32</a:t>
+            </a:r>
+            <a:r>
+              <a:rPr lang="zh-CN" altLang="en-US" dirty="0"/>
+              <a:t>底层的代码，来实现</a:t>
+            </a:r>
+            <a:r>
+              <a:rPr lang="en-US" altLang="zh-CN" dirty="0"/>
+              <a:t>thread</a:t>
+            </a:r>
+            <a:r>
+              <a:rPr lang="zh-CN" altLang="en-US" dirty="0"/>
+              <a:t>的各种操作 </a:t>
+            </a:r>
+            <a:r>
+              <a:rPr lang="en-US" altLang="zh-CN" dirty="0" err="1" smtClean="0"/>
+              <a:t>Thread.Sleep</a:t>
+            </a:r>
             <a:endParaRPr lang="en-US" altLang="zh-CN" dirty="0" smtClean="0"/>
           </a:p>
           <a:p>
-            <a:endParaRPr lang="en-US" altLang="zh-CN" dirty="0" smtClean="0"/>
-          </a:p>
-          <a:p>
-            <a:endParaRPr lang="zh-CN" altLang="en-US" dirty="0"/>
+            <a:r>
+              <a:rPr lang="en-US" altLang="zh-CN" dirty="0" smtClean="0"/>
+              <a:t>3.</a:t>
+            </a:r>
+            <a:r>
+              <a:rPr lang="zh-CN" altLang="en-US" dirty="0"/>
+              <a:t>混合</a:t>
+            </a:r>
+            <a:r>
+              <a:rPr lang="zh-CN" altLang="en-US" dirty="0" smtClean="0"/>
+              <a:t>锁：用户</a:t>
+            </a:r>
+            <a:r>
+              <a:rPr lang="zh-CN" altLang="en-US" dirty="0"/>
+              <a:t>模式 </a:t>
+            </a:r>
+            <a:r>
+              <a:rPr lang="en-US" altLang="zh-CN" dirty="0"/>
+              <a:t>+ </a:t>
+            </a:r>
+            <a:r>
+              <a:rPr lang="zh-CN" altLang="en-US" dirty="0"/>
+              <a:t>内核</a:t>
+            </a:r>
+            <a:r>
+              <a:rPr lang="zh-CN" altLang="en-US" dirty="0" smtClean="0"/>
+              <a:t>模式  </a:t>
+            </a:r>
+            <a:r>
+              <a:rPr lang="en-US" altLang="zh-CN" dirty="0" smtClean="0"/>
+              <a:t>lock</a:t>
+            </a:r>
+            <a:endParaRPr lang="en-US" altLang="zh-CN" dirty="0"/>
           </a:p>
         </p:txBody>
       </p:sp>
-      <p:pic>
-        <p:nvPicPr>
-          <p:cNvPr id="6" name="图片 5"/>
-          <p:cNvPicPr>
-            <a:picLocks noChangeAspect="1"/>
-          </p:cNvPicPr>
+      <p:sp>
+        <p:nvSpPr>
+          <p:cNvPr id="4" name="Rectangle 1"/>
+          <p:cNvSpPr>
+            <a:spLocks noChangeArrowheads="1"/>
+          </p:cNvSpPr>
           <p:nvPr/>
-        </p:nvPicPr>
-        <p:blipFill>
-          <a:blip r:embed="rId2"/>
-          <a:stretch>
-            <a:fillRect/>
-          </a:stretch>
-        </p:blipFill>
-        <p:spPr>
+        </p:nvSpPr>
+        <p:spPr bwMode="auto">
           <a:xfrm>
-            <a:off x="827584" y="2204864"/>
-            <a:ext cx="5229225" cy="3562350"/>
+            <a:off x="0" y="0"/>
+            <a:ext cx="9144000" cy="457200"/>
           </a:xfrm>
           <a:prstGeom prst="rect">
             <a:avLst/>
           </a:prstGeom>
+          <a:noFill/>
+          <a:ln>
+            <a:noFill/>
+          </a:ln>
+          <a:effectLst/>
+          <a:extLst>
+            <a:ext uri="{909E8E84-426E-40DD-AFC4-6F175D3DCCD1}">
+              <a14:hiddenFill xmlns:a14="http://schemas.microsoft.com/office/drawing/2010/main">
+                <a:solidFill>
+                  <a:schemeClr val="accent1"/>
+                </a:solidFill>
+              </a14:hiddenFill>
+            </a:ext>
+            <a:ext uri="{91240B29-F687-4F45-9708-019B960494DF}">
+              <a14:hiddenLine xmlns:a14="http://schemas.microsoft.com/office/drawing/2010/main" w="9525">
+                <a:solidFill>
+                  <a:schemeClr val="tx1"/>
+                </a:solidFill>
+                <a:miter lim="800000"/>
+                <a:headEnd/>
+                <a:tailEnd/>
+              </a14:hiddenLine>
+            </a:ext>
+            <a:ext uri="{AF507438-7753-43E0-B8FC-AC1667EBCBE1}">
+              <a14:hiddenEffects xmlns:a14="http://schemas.microsoft.com/office/drawing/2010/main">
+                <a:effectLst>
+                  <a:outerShdw dist="35921" dir="2700000" algn="ctr" rotWithShape="0">
+                    <a:schemeClr val="bg2"/>
+                  </a:outerShdw>
+                </a:effectLst>
+              </a14:hiddenEffects>
+            </a:ext>
+          </a:extLst>
         </p:spPr>
-      </p:pic>
+        <p:txBody>
+          <a:bodyPr vert="horz" wrap="none" lIns="0" tIns="0" rIns="0" bIns="0" numCol="1" anchor="ctr" anchorCtr="0" compatLnSpc="1">
+            <a:spAutoFit/>
+          </a:bodyPr>
+          <a:lstStyle/>
+          <a:p>
+            <a:pPr marL="0" marR="0" lvl="0" indent="0" algn="l" defTabSz="914400" rtl="0" eaLnBrk="0" fontAlgn="base" latinLnBrk="0" hangingPunct="0">
+              <a:lnSpc>
+                <a:spcPct val="100000"/>
+              </a:lnSpc>
+              <a:spcBef>
+                <a:spcPct val="0"/>
+              </a:spcBef>
+              <a:spcAft>
+                <a:spcPct val="0"/>
+              </a:spcAft>
+              <a:buClrTx/>
+              <a:buSzTx/>
+              <a:buFontTx/>
+              <a:buNone/>
+            </a:pPr>
+            <a:r>
+              <a:rPr kumimoji="0" lang="zh-CN" altLang="zh-CN" sz="900" b="0" i="0" u="none" strike="noStrike" cap="none" normalizeH="0" baseline="0" smtClean="0">
+                <a:ln>
+                  <a:noFill/>
+                </a:ln>
+                <a:solidFill>
+                  <a:srgbClr val="000000"/>
+                </a:solidFill>
+                <a:effectLst/>
+                <a:latin typeface="Courier New" panose="02070309020205020404" pitchFamily="49" charset="0"/>
+                <a:cs typeface="Courier New" panose="02070309020205020404" pitchFamily="49" charset="0"/>
+              </a:rPr>
+              <a:t>WaitOne</a:t>
+            </a:r>
+            <a:r>
+              <a:rPr kumimoji="0" lang="zh-CN" altLang="zh-CN" sz="600" b="0" i="0" u="none" strike="noStrike" cap="none" normalizeH="0" baseline="0" smtClean="0">
+                <a:ln>
+                  <a:noFill/>
+                </a:ln>
+                <a:solidFill>
+                  <a:schemeClr val="tx1"/>
+                </a:solidFill>
+                <a:effectLst/>
+              </a:rPr>
+              <a:t> </a:t>
+            </a:r>
+            <a:endParaRPr kumimoji="0" lang="zh-CN" altLang="zh-CN" sz="1800" b="0" i="0" u="none" strike="noStrike" cap="none" normalizeH="0" baseline="0" smtClean="0">
+              <a:ln>
+                <a:noFill/>
+              </a:ln>
+              <a:solidFill>
+                <a:schemeClr val="tx1"/>
+              </a:solidFill>
+              <a:effectLst/>
+              <a:latin typeface="Arial" panose="020B0604020202020204" pitchFamily="34" charset="0"/>
+            </a:endParaRPr>
+          </a:p>
+        </p:txBody>
+      </p:sp>
     </p:spTree>
   </p:cSld>
   <p:clrMapOvr>
@@ -8436,6 +9494,798 @@
           <a:lstStyle/>
           <a:p>
             <a:r>
+              <a:rPr lang="zh-CN" altLang="en-US" dirty="0" smtClean="0"/>
+              <a:t>用户模式锁</a:t>
+            </a:r>
+            <a:endParaRPr lang="zh-CN" altLang="en-US" dirty="0"/>
+          </a:p>
+        </p:txBody>
+      </p:sp>
+      <p:sp>
+        <p:nvSpPr>
+          <p:cNvPr id="3" name="内容占位符 2"/>
+          <p:cNvSpPr>
+            <a:spLocks noGrp="1"/>
+          </p:cNvSpPr>
+          <p:nvPr>
+            <p:ph sz="quarter" idx="11"/>
+          </p:nvPr>
+        </p:nvSpPr>
+        <p:spPr/>
+        <p:txBody>
+          <a:bodyPr/>
+          <a:lstStyle/>
+          <a:p>
+            <a:pPr marL="0" indent="0">
+              <a:buNone/>
+            </a:pPr>
+            <a:r>
+              <a:rPr lang="en-US" altLang="zh-CN" dirty="0" smtClean="0"/>
+              <a:t>1.</a:t>
+            </a:r>
+            <a:r>
+              <a:rPr lang="zh-CN" altLang="en-US" dirty="0" smtClean="0"/>
+              <a:t>易变结构</a:t>
+            </a:r>
+            <a:endParaRPr lang="en-US" altLang="zh-CN" dirty="0" smtClean="0"/>
+          </a:p>
+          <a:p>
+            <a:pPr marL="0" indent="0">
+              <a:buNone/>
+            </a:pPr>
+            <a:r>
+              <a:rPr lang="en-US" altLang="zh-CN" dirty="0" err="1"/>
+              <a:t>Thread.MemoryBarrier</a:t>
+            </a:r>
+            <a:r>
+              <a:rPr lang="en-US" altLang="zh-CN" dirty="0"/>
+              <a:t> ,  </a:t>
+            </a:r>
+            <a:r>
+              <a:rPr lang="en-US" altLang="zh-CN" dirty="0" err="1" smtClean="0"/>
+              <a:t>VolatileRead</a:t>
+            </a:r>
+            <a:endParaRPr lang="en-US" altLang="zh-CN" dirty="0" smtClean="0"/>
+          </a:p>
+          <a:p>
+            <a:pPr marL="0" indent="0">
+              <a:buNone/>
+            </a:pPr>
+            <a:r>
+              <a:rPr lang="en-US" altLang="zh-CN" dirty="0"/>
+              <a:t>volatile</a:t>
+            </a:r>
+            <a:r>
+              <a:rPr lang="zh-CN" altLang="en-US" dirty="0"/>
+              <a:t>关键字：</a:t>
+            </a:r>
+            <a:r>
+              <a:rPr lang="en-US" altLang="zh-CN" dirty="0"/>
+              <a:t>1.</a:t>
+            </a:r>
+            <a:r>
+              <a:rPr lang="zh-CN" altLang="en-US" dirty="0"/>
+              <a:t>不可以底层对代码进行</a:t>
+            </a:r>
+            <a:r>
+              <a:rPr lang="zh-CN" altLang="en-US" dirty="0" smtClean="0"/>
+              <a:t>优化</a:t>
+            </a:r>
+            <a:endParaRPr lang="zh-CN" altLang="en-US" dirty="0"/>
+          </a:p>
+          <a:p>
+            <a:pPr marL="0" indent="0">
+              <a:buNone/>
+            </a:pPr>
+            <a:r>
+              <a:rPr lang="zh-CN" altLang="en-US" dirty="0"/>
+              <a:t>                  </a:t>
+            </a:r>
+            <a:r>
+              <a:rPr lang="en-US" altLang="zh-CN" dirty="0"/>
+              <a:t>2.</a:t>
+            </a:r>
+            <a:r>
+              <a:rPr lang="zh-CN" altLang="en-US" dirty="0"/>
+              <a:t>我的</a:t>
+            </a:r>
+            <a:r>
+              <a:rPr lang="en-US" altLang="zh-CN" dirty="0"/>
+              <a:t>read</a:t>
+            </a:r>
+            <a:r>
+              <a:rPr lang="zh-CN" altLang="en-US" dirty="0"/>
+              <a:t>和</a:t>
+            </a:r>
+            <a:r>
+              <a:rPr lang="en-US" altLang="zh-CN" dirty="0"/>
+              <a:t>write</a:t>
+            </a:r>
+            <a:r>
+              <a:rPr lang="zh-CN" altLang="en-US" dirty="0"/>
+              <a:t>都是从</a:t>
+            </a:r>
+            <a:r>
+              <a:rPr lang="en-US" altLang="zh-CN" dirty="0" err="1"/>
+              <a:t>memrory</a:t>
+            </a:r>
+            <a:r>
+              <a:rPr lang="zh-CN" altLang="en-US" dirty="0"/>
+              <a:t>中</a:t>
+            </a:r>
+            <a:r>
+              <a:rPr lang="zh-CN" altLang="en-US" dirty="0" smtClean="0"/>
+              <a:t>读取</a:t>
+            </a:r>
+            <a:r>
+              <a:rPr lang="en-US" altLang="zh-CN" dirty="0" smtClean="0"/>
+              <a:t>,</a:t>
+            </a:r>
+            <a:r>
+              <a:rPr lang="zh-CN" altLang="en-US" dirty="0" smtClean="0"/>
+              <a:t>最新的，同步锁</a:t>
+            </a:r>
+            <a:endParaRPr lang="en-US" altLang="zh-CN" dirty="0" smtClean="0"/>
+          </a:p>
+          <a:p>
+            <a:pPr marL="0" indent="0">
+              <a:buNone/>
+            </a:pPr>
+            <a:r>
+              <a:rPr lang="en-US" altLang="zh-CN" dirty="0" smtClean="0"/>
+              <a:t>2.</a:t>
+            </a:r>
+            <a:r>
+              <a:rPr lang="zh-CN" altLang="en-US" dirty="0"/>
+              <a:t>互锁</a:t>
+            </a:r>
+            <a:r>
+              <a:rPr lang="zh-CN" altLang="en-US" dirty="0" smtClean="0"/>
+              <a:t>结构</a:t>
+            </a:r>
+            <a:r>
+              <a:rPr lang="en-US" altLang="zh-CN" dirty="0"/>
+              <a:t>Interlocked </a:t>
+            </a:r>
+            <a:endParaRPr lang="en-US" altLang="zh-CN" dirty="0" smtClean="0"/>
+          </a:p>
+          <a:p>
+            <a:pPr marL="0" indent="0">
+              <a:buNone/>
+            </a:pPr>
+            <a:r>
+              <a:rPr lang="en-US" altLang="zh-CN" dirty="0" smtClean="0"/>
+              <a:t>Increment</a:t>
+            </a:r>
+            <a:r>
+              <a:rPr lang="zh-CN" altLang="en-US" dirty="0"/>
+              <a:t>：自增操作</a:t>
+            </a:r>
+          </a:p>
+          <a:p>
+            <a:pPr marL="0" indent="0">
+              <a:buNone/>
+            </a:pPr>
+            <a:r>
+              <a:rPr lang="zh-CN" altLang="en-US" dirty="0"/>
+              <a:t>    </a:t>
+            </a:r>
+            <a:r>
+              <a:rPr lang="en-US" altLang="zh-CN" dirty="0"/>
+              <a:t>Decrement</a:t>
+            </a:r>
+            <a:r>
+              <a:rPr lang="zh-CN" altLang="en-US" dirty="0"/>
+              <a:t>：自减操作</a:t>
+            </a:r>
+          </a:p>
+          <a:p>
+            <a:pPr marL="0" indent="0">
+              <a:buNone/>
+            </a:pPr>
+            <a:r>
+              <a:rPr lang="zh-CN" altLang="en-US" dirty="0"/>
+              <a:t>    </a:t>
+            </a:r>
+            <a:r>
+              <a:rPr lang="en-US" altLang="zh-CN" dirty="0"/>
+              <a:t>Add</a:t>
+            </a:r>
+            <a:r>
+              <a:rPr lang="zh-CN" altLang="en-US" dirty="0"/>
+              <a:t>：      增加指定的值</a:t>
+            </a:r>
+          </a:p>
+          <a:p>
+            <a:pPr marL="0" indent="0">
+              <a:buNone/>
+            </a:pPr>
+            <a:r>
+              <a:rPr lang="zh-CN" altLang="en-US" dirty="0"/>
+              <a:t>    </a:t>
+            </a:r>
+            <a:r>
+              <a:rPr lang="en-US" altLang="zh-CN" dirty="0"/>
+              <a:t>Exchange</a:t>
+            </a:r>
+            <a:r>
+              <a:rPr lang="zh-CN" altLang="en-US" dirty="0"/>
+              <a:t>： 赋值</a:t>
+            </a:r>
+          </a:p>
+          <a:p>
+            <a:pPr marL="0" indent="0">
+              <a:buNone/>
+            </a:pPr>
+            <a:r>
+              <a:rPr lang="zh-CN" altLang="en-US" dirty="0"/>
+              <a:t>    </a:t>
+            </a:r>
+            <a:r>
+              <a:rPr lang="en-US" altLang="zh-CN" dirty="0" err="1"/>
+              <a:t>CompareExchange</a:t>
+            </a:r>
+            <a:r>
+              <a:rPr lang="zh-CN" altLang="en-US" dirty="0"/>
+              <a:t>： 比较</a:t>
+            </a:r>
+            <a:r>
+              <a:rPr lang="zh-CN" altLang="en-US" dirty="0" smtClean="0"/>
+              <a:t>赋值</a:t>
+            </a:r>
+            <a:endParaRPr lang="en-US" altLang="zh-CN" dirty="0" smtClean="0"/>
+          </a:p>
+          <a:p>
+            <a:pPr marL="0" indent="0">
+              <a:buNone/>
+            </a:pPr>
+            <a:r>
+              <a:rPr lang="en-US" altLang="zh-CN" dirty="0" smtClean="0"/>
+              <a:t>3.</a:t>
+            </a:r>
+            <a:r>
+              <a:rPr lang="zh-CN" altLang="en-US" dirty="0"/>
+              <a:t>旋转</a:t>
+            </a:r>
+            <a:r>
+              <a:rPr lang="zh-CN" altLang="en-US" dirty="0" smtClean="0"/>
+              <a:t>锁</a:t>
+            </a:r>
+            <a:r>
+              <a:rPr lang="en-US" altLang="zh-CN" dirty="0" err="1"/>
+              <a:t>SpinLock</a:t>
+            </a:r>
+            <a:r>
+              <a:rPr lang="en-US" altLang="zh-CN" dirty="0"/>
+              <a:t> (ConsoleApplication29)</a:t>
+            </a:r>
+          </a:p>
+          <a:p>
+            <a:pPr marL="0" indent="0">
+              <a:buNone/>
+            </a:pPr>
+            <a:r>
+              <a:rPr lang="en-US" altLang="zh-CN" dirty="0"/>
+              <a:t>    </a:t>
+            </a:r>
+            <a:r>
+              <a:rPr lang="zh-CN" altLang="en-US" dirty="0"/>
+              <a:t>特殊的业务逻辑让</a:t>
+            </a:r>
+            <a:r>
+              <a:rPr lang="en-US" altLang="zh-CN" dirty="0"/>
+              <a:t>thread</a:t>
+            </a:r>
+            <a:r>
+              <a:rPr lang="zh-CN" altLang="en-US" dirty="0"/>
+              <a:t>在用户模式下进行自选，欺骗</a:t>
+            </a:r>
+            <a:r>
+              <a:rPr lang="en-US" altLang="zh-CN" dirty="0" err="1"/>
+              <a:t>cpu</a:t>
+            </a:r>
+            <a:r>
+              <a:rPr lang="zh-CN" altLang="en-US" dirty="0"/>
+              <a:t>当前</a:t>
+            </a:r>
+            <a:r>
+              <a:rPr lang="en-US" altLang="zh-CN" dirty="0"/>
+              <a:t>thread</a:t>
+            </a:r>
+            <a:r>
+              <a:rPr lang="zh-CN" altLang="en-US" dirty="0"/>
+              <a:t>正在运行中</a:t>
+            </a:r>
+            <a:endParaRPr lang="en-US" altLang="zh-CN" dirty="0" smtClean="0"/>
+          </a:p>
+        </p:txBody>
+      </p:sp>
+      <p:sp>
+        <p:nvSpPr>
+          <p:cNvPr id="4" name="Rectangle 1"/>
+          <p:cNvSpPr>
+            <a:spLocks noChangeArrowheads="1"/>
+          </p:cNvSpPr>
+          <p:nvPr/>
+        </p:nvSpPr>
+        <p:spPr bwMode="auto">
+          <a:xfrm>
+            <a:off x="0" y="0"/>
+            <a:ext cx="9144000" cy="457200"/>
+          </a:xfrm>
+          <a:prstGeom prst="rect">
+            <a:avLst/>
+          </a:prstGeom>
+          <a:noFill/>
+          <a:ln>
+            <a:noFill/>
+          </a:ln>
+          <a:effectLst/>
+          <a:extLst>
+            <a:ext uri="{909E8E84-426E-40DD-AFC4-6F175D3DCCD1}">
+              <a14:hiddenFill xmlns:a14="http://schemas.microsoft.com/office/drawing/2010/main">
+                <a:solidFill>
+                  <a:schemeClr val="accent1"/>
+                </a:solidFill>
+              </a14:hiddenFill>
+            </a:ext>
+            <a:ext uri="{91240B29-F687-4F45-9708-019B960494DF}">
+              <a14:hiddenLine xmlns:a14="http://schemas.microsoft.com/office/drawing/2010/main" w="9525">
+                <a:solidFill>
+                  <a:schemeClr val="tx1"/>
+                </a:solidFill>
+                <a:miter lim="800000"/>
+                <a:headEnd/>
+                <a:tailEnd/>
+              </a14:hiddenLine>
+            </a:ext>
+            <a:ext uri="{AF507438-7753-43E0-B8FC-AC1667EBCBE1}">
+              <a14:hiddenEffects xmlns:a14="http://schemas.microsoft.com/office/drawing/2010/main">
+                <a:effectLst>
+                  <a:outerShdw dist="35921" dir="2700000" algn="ctr" rotWithShape="0">
+                    <a:schemeClr val="bg2"/>
+                  </a:outerShdw>
+                </a:effectLst>
+              </a14:hiddenEffects>
+            </a:ext>
+          </a:extLst>
+        </p:spPr>
+        <p:txBody>
+          <a:bodyPr vert="horz" wrap="none" lIns="0" tIns="0" rIns="0" bIns="0" numCol="1" anchor="ctr" anchorCtr="0" compatLnSpc="1">
+            <a:spAutoFit/>
+          </a:bodyPr>
+          <a:lstStyle/>
+          <a:p>
+            <a:pPr marL="0" marR="0" lvl="0" indent="0" algn="l" defTabSz="914400" rtl="0" eaLnBrk="0" fontAlgn="base" latinLnBrk="0" hangingPunct="0">
+              <a:lnSpc>
+                <a:spcPct val="100000"/>
+              </a:lnSpc>
+              <a:spcBef>
+                <a:spcPct val="0"/>
+              </a:spcBef>
+              <a:spcAft>
+                <a:spcPct val="0"/>
+              </a:spcAft>
+              <a:buClrTx/>
+              <a:buSzTx/>
+              <a:buFontTx/>
+              <a:buNone/>
+            </a:pPr>
+            <a:r>
+              <a:rPr kumimoji="0" lang="zh-CN" altLang="zh-CN" sz="900" b="0" i="0" u="none" strike="noStrike" cap="none" normalizeH="0" baseline="0" smtClean="0">
+                <a:ln>
+                  <a:noFill/>
+                </a:ln>
+                <a:solidFill>
+                  <a:srgbClr val="000000"/>
+                </a:solidFill>
+                <a:effectLst/>
+                <a:latin typeface="Courier New" panose="02070309020205020404" pitchFamily="49" charset="0"/>
+                <a:cs typeface="Courier New" panose="02070309020205020404" pitchFamily="49" charset="0"/>
+              </a:rPr>
+              <a:t>WaitOne</a:t>
+            </a:r>
+            <a:r>
+              <a:rPr kumimoji="0" lang="zh-CN" altLang="zh-CN" sz="600" b="0" i="0" u="none" strike="noStrike" cap="none" normalizeH="0" baseline="0" smtClean="0">
+                <a:ln>
+                  <a:noFill/>
+                </a:ln>
+                <a:solidFill>
+                  <a:schemeClr val="tx1"/>
+                </a:solidFill>
+                <a:effectLst/>
+              </a:rPr>
+              <a:t> </a:t>
+            </a:r>
+            <a:endParaRPr kumimoji="0" lang="zh-CN" altLang="zh-CN" sz="1800" b="0" i="0" u="none" strike="noStrike" cap="none" normalizeH="0" baseline="0" smtClean="0">
+              <a:ln>
+                <a:noFill/>
+              </a:ln>
+              <a:solidFill>
+                <a:schemeClr val="tx1"/>
+              </a:solidFill>
+              <a:effectLst/>
+              <a:latin typeface="Arial" panose="020B0604020202020204" pitchFamily="34" charset="0"/>
+            </a:endParaRPr>
+          </a:p>
+        </p:txBody>
+      </p:sp>
+    </p:spTree>
+    <p:extLst>
+      <p:ext uri="{BB962C8B-B14F-4D97-AF65-F5344CB8AC3E}">
+        <p14:creationId xmlns:p14="http://schemas.microsoft.com/office/powerpoint/2010/main" val="2046497727"/>
+      </p:ext>
+    </p:extLst>
+  </p:cSld>
+  <p:clrMapOvr>
+    <a:masterClrMapping/>
+  </p:clrMapOvr>
+</p:sld>
+</file>
+
+<file path=ppt/slides/slide23.xml><?xml version="1.0" encoding="utf-8"?>
+<p:sld xmlns:a="http://schemas.openxmlformats.org/drawingml/2006/main" xmlns:r="http://schemas.openxmlformats.org/officeDocument/2006/relationships" xmlns:p="http://schemas.openxmlformats.org/presentationml/2006/main">
+  <p:cSld>
+    <p:spTree>
+      <p:nvGrpSpPr>
+        <p:cNvPr id="1" name=""/>
+        <p:cNvGrpSpPr/>
+        <p:nvPr/>
+      </p:nvGrpSpPr>
+      <p:grpSpPr>
+        <a:xfrm>
+          <a:off x="0" y="0"/>
+          <a:ext cx="0" cy="0"/>
+          <a:chOff x="0" y="0"/>
+          <a:chExt cx="0" cy="0"/>
+        </a:xfrm>
+      </p:grpSpPr>
+      <p:sp>
+        <p:nvSpPr>
+          <p:cNvPr id="2" name="标题 1"/>
+          <p:cNvSpPr>
+            <a:spLocks noGrp="1"/>
+          </p:cNvSpPr>
+          <p:nvPr>
+            <p:ph type="title"/>
+          </p:nvPr>
+        </p:nvSpPr>
+        <p:spPr/>
+        <p:txBody>
+          <a:bodyPr/>
+          <a:lstStyle/>
+          <a:p>
+            <a:r>
+              <a:rPr lang="en-US" altLang="zh-CN" dirty="0"/>
+              <a:t>Asynchronous Programming Model APM</a:t>
+            </a:r>
+            <a:endParaRPr lang="zh-CN" altLang="en-US" dirty="0"/>
+          </a:p>
+        </p:txBody>
+      </p:sp>
+      <p:sp>
+        <p:nvSpPr>
+          <p:cNvPr id="3" name="内容占位符 2"/>
+          <p:cNvSpPr>
+            <a:spLocks noGrp="1"/>
+          </p:cNvSpPr>
+          <p:nvPr>
+            <p:ph sz="quarter" idx="11"/>
+          </p:nvPr>
+        </p:nvSpPr>
+        <p:spPr/>
+        <p:txBody>
+          <a:bodyPr/>
+          <a:lstStyle/>
+          <a:p>
+            <a:r>
+              <a:rPr lang="en-US" altLang="zh-CN" dirty="0"/>
+              <a:t>– </a:t>
+            </a:r>
+            <a:r>
+              <a:rPr lang="zh-CN" altLang="en-US" dirty="0"/>
+              <a:t>异步编程模型</a:t>
+            </a:r>
+            <a:r>
+              <a:rPr lang="en-US" altLang="zh-CN" dirty="0"/>
+              <a:t>(Asynchronous Programming Model APM) </a:t>
+            </a:r>
+          </a:p>
+          <a:p>
+            <a:r>
+              <a:rPr lang="en-US" altLang="zh-CN" dirty="0" err="1"/>
+              <a:t>.Net</a:t>
+            </a:r>
+            <a:r>
+              <a:rPr lang="en-US" altLang="zh-CN" dirty="0"/>
+              <a:t> Framework 1 </a:t>
+            </a:r>
+            <a:r>
+              <a:rPr lang="zh-CN" altLang="en-US" dirty="0"/>
+              <a:t>已经引入了这个模式，也称</a:t>
+            </a:r>
+            <a:r>
+              <a:rPr lang="en-US" altLang="zh-CN" dirty="0"/>
+              <a:t>Begin/End </a:t>
+            </a:r>
+            <a:r>
+              <a:rPr lang="zh-CN" altLang="en-US" dirty="0"/>
+              <a:t>模式。一个 以</a:t>
+            </a:r>
+            <a:r>
+              <a:rPr lang="en-US" altLang="zh-CN" dirty="0"/>
+              <a:t>Begin</a:t>
+            </a:r>
+            <a:r>
+              <a:rPr lang="zh-CN" altLang="en-US" dirty="0"/>
+              <a:t>为前缀 的方法加载异步执行，并返回一个</a:t>
+            </a:r>
+            <a:r>
+              <a:rPr lang="en-US" altLang="zh-CN" dirty="0" err="1"/>
+              <a:t>System.IAsyncResult</a:t>
+            </a:r>
+            <a:r>
+              <a:rPr lang="zh-CN" altLang="en-US" dirty="0"/>
+              <a:t>对象，这个对象表示这个异步操作的状态。</a:t>
+            </a:r>
+            <a:r>
+              <a:rPr lang="en-US" altLang="zh-CN" dirty="0"/>
+              <a:t>Begin</a:t>
+            </a:r>
+            <a:r>
+              <a:rPr lang="zh-CN" altLang="en-US" dirty="0"/>
+              <a:t>方法可以接受一些与异步操作相关的参数，和一个</a:t>
+            </a:r>
+            <a:r>
+              <a:rPr lang="en-US" altLang="zh-CN" dirty="0" err="1"/>
+              <a:t>System.AsyncCallback</a:t>
+            </a:r>
+            <a:r>
+              <a:rPr lang="zh-CN" altLang="en-US" dirty="0"/>
+              <a:t>对象。这个对象表示异步操作结束时要调用的方法。然后可以调用以</a:t>
+            </a:r>
+            <a:r>
+              <a:rPr lang="en-US" altLang="zh-CN" dirty="0"/>
+              <a:t>End</a:t>
+            </a:r>
+            <a:r>
+              <a:rPr lang="zh-CN" altLang="en-US" dirty="0"/>
+              <a:t>为前缀的方法，以</a:t>
+            </a:r>
+            <a:r>
+              <a:rPr lang="en-US" altLang="zh-CN" dirty="0"/>
+              <a:t>End</a:t>
+            </a:r>
+            <a:r>
+              <a:rPr lang="zh-CN" altLang="en-US" dirty="0"/>
+              <a:t>为前缀的方法会阻塞当前任务或线程，直到</a:t>
+            </a:r>
+            <a:r>
+              <a:rPr lang="en-US" altLang="zh-CN" dirty="0"/>
+              <a:t>I/O</a:t>
+            </a:r>
+            <a:r>
+              <a:rPr lang="zh-CN" altLang="en-US" dirty="0"/>
+              <a:t>线程完成。它还可以返回操作结果相关的信息。</a:t>
+            </a:r>
+          </a:p>
+          <a:p>
+            <a:endParaRPr lang="zh-CN" altLang="en-US" dirty="0"/>
+          </a:p>
+        </p:txBody>
+      </p:sp>
+    </p:spTree>
+  </p:cSld>
+  <p:clrMapOvr>
+    <a:masterClrMapping/>
+  </p:clrMapOvr>
+</p:sld>
+</file>
+
+<file path=ppt/slides/slide24.xml><?xml version="1.0" encoding="utf-8"?>
+<p:sld xmlns:a="http://schemas.openxmlformats.org/drawingml/2006/main" xmlns:r="http://schemas.openxmlformats.org/officeDocument/2006/relationships" xmlns:p="http://schemas.openxmlformats.org/presentationml/2006/main">
+  <p:cSld>
+    <p:spTree>
+      <p:nvGrpSpPr>
+        <p:cNvPr id="1" name=""/>
+        <p:cNvGrpSpPr/>
+        <p:nvPr/>
+      </p:nvGrpSpPr>
+      <p:grpSpPr>
+        <a:xfrm>
+          <a:off x="0" y="0"/>
+          <a:ext cx="0" cy="0"/>
+          <a:chOff x="0" y="0"/>
+          <a:chExt cx="0" cy="0"/>
+        </a:xfrm>
+      </p:grpSpPr>
+      <p:sp>
+        <p:nvSpPr>
+          <p:cNvPr id="2" name="标题 1"/>
+          <p:cNvSpPr>
+            <a:spLocks noGrp="1"/>
+          </p:cNvSpPr>
+          <p:nvPr>
+            <p:ph type="title"/>
+          </p:nvPr>
+        </p:nvSpPr>
+        <p:spPr/>
+        <p:txBody>
+          <a:bodyPr/>
+          <a:lstStyle/>
+          <a:p>
+            <a:r>
+              <a:rPr lang="zh-CN" altLang="en-US" dirty="0" smtClean="0"/>
+              <a:t>基于委托的</a:t>
+            </a:r>
+            <a:r>
+              <a:rPr lang="en-US" altLang="zh-CN" dirty="0" smtClean="0"/>
+              <a:t>Invoke </a:t>
+            </a:r>
+            <a:r>
+              <a:rPr lang="en-US" altLang="zh-CN" dirty="0" err="1" smtClean="0"/>
+              <a:t>BeginInvoke</a:t>
+            </a:r>
+            <a:endParaRPr lang="zh-CN" altLang="en-US" dirty="0"/>
+          </a:p>
+        </p:txBody>
+      </p:sp>
+      <p:sp>
+        <p:nvSpPr>
+          <p:cNvPr id="4" name="内容占位符 3"/>
+          <p:cNvSpPr>
+            <a:spLocks noGrp="1"/>
+          </p:cNvSpPr>
+          <p:nvPr>
+            <p:ph sz="quarter" idx="11"/>
+          </p:nvPr>
+        </p:nvSpPr>
+        <p:spPr/>
+        <p:txBody>
+          <a:bodyPr/>
+          <a:lstStyle/>
+          <a:p>
+            <a:r>
+              <a:rPr lang="en-US" altLang="zh-CN" dirty="0" smtClean="0"/>
+              <a:t>CLR</a:t>
+            </a:r>
+            <a:r>
+              <a:rPr lang="zh-CN" altLang="en-US" dirty="0"/>
+              <a:t>为每一个委托类型提供了一个</a:t>
+            </a:r>
+            <a:r>
+              <a:rPr lang="en-US" altLang="zh-CN" dirty="0"/>
+              <a:t>Invoke</a:t>
+            </a:r>
+            <a:r>
+              <a:rPr lang="zh-CN" altLang="en-US" dirty="0"/>
+              <a:t>方法，并且该方法和</a:t>
+            </a:r>
+            <a:r>
+              <a:rPr lang="en-US" altLang="zh-CN" dirty="0"/>
+              <a:t>delegate</a:t>
+            </a:r>
+            <a:r>
+              <a:rPr lang="zh-CN" altLang="en-US" dirty="0"/>
+              <a:t>拥有相同的</a:t>
+            </a:r>
+            <a:r>
+              <a:rPr lang="zh-CN" altLang="en-US" dirty="0" smtClean="0"/>
+              <a:t>签名</a:t>
+            </a:r>
+            <a:endParaRPr lang="en-US" altLang="zh-CN" dirty="0" smtClean="0"/>
+          </a:p>
+          <a:p>
+            <a:r>
+              <a:rPr lang="en-US" altLang="zh-CN" dirty="0" smtClean="0"/>
+              <a:t>CLR</a:t>
+            </a:r>
+            <a:r>
+              <a:rPr lang="zh-CN" altLang="en-US" dirty="0"/>
+              <a:t>为每一个委托类型提供了</a:t>
+            </a:r>
+            <a:r>
+              <a:rPr lang="en-US" altLang="zh-CN" dirty="0" err="1"/>
+              <a:t>BeginInvoke</a:t>
+            </a:r>
+            <a:r>
+              <a:rPr lang="zh-CN" altLang="en-US" dirty="0"/>
+              <a:t>和</a:t>
+            </a:r>
+            <a:r>
+              <a:rPr lang="en-US" altLang="zh-CN" dirty="0" err="1"/>
+              <a:t>EndInvoke</a:t>
+            </a:r>
+            <a:r>
+              <a:rPr lang="zh-CN" altLang="en-US" dirty="0"/>
+              <a:t>方法，来确保委托的异步</a:t>
+            </a:r>
+            <a:r>
+              <a:rPr lang="zh-CN" altLang="en-US" dirty="0" smtClean="0"/>
+              <a:t>调用</a:t>
+            </a:r>
+            <a:endParaRPr lang="en-US" altLang="zh-CN" dirty="0" smtClean="0"/>
+          </a:p>
+          <a:p>
+            <a:endParaRPr lang="en-US" altLang="zh-CN" dirty="0"/>
+          </a:p>
+          <a:p>
+            <a:r>
+              <a:rPr lang="zh-CN" altLang="en-US" dirty="0"/>
+              <a:t>通过一个委托来进行同步方法的异步调用，也是</a:t>
+            </a:r>
+            <a:r>
+              <a:rPr lang="en-US" altLang="zh-CN" dirty="0" err="1"/>
+              <a:t>.net</a:t>
+            </a:r>
+            <a:r>
+              <a:rPr lang="zh-CN" altLang="en-US" dirty="0"/>
+              <a:t>提供的异步调用机制之一。但是</a:t>
+            </a:r>
+            <a:r>
+              <a:rPr lang="en-US" altLang="zh-CN" dirty="0" err="1"/>
+              <a:t>Delegate.BeginInvoke</a:t>
+            </a:r>
+            <a:r>
+              <a:rPr lang="zh-CN" altLang="en-US" dirty="0"/>
+              <a:t>方法是从</a:t>
+            </a:r>
+            <a:r>
+              <a:rPr lang="en-US" altLang="zh-CN" dirty="0" err="1"/>
+              <a:t>ThreadPool</a:t>
+            </a:r>
+            <a:r>
+              <a:rPr lang="zh-CN" altLang="en-US" dirty="0"/>
+              <a:t>取出一个线程来执行这个方法，以获得异步执行效果的。也就是说，如果采用这种方式提交多个异步委托，那么这些调用的顺序无法得到保证。而且由于是使用线程池里面的线程来完成任务，使用频繁，会对系统的性能造成影响。</a:t>
+            </a:r>
+            <a:endParaRPr lang="en-US" altLang="zh-CN" dirty="0" smtClean="0"/>
+          </a:p>
+          <a:p>
+            <a:endParaRPr lang="zh-CN" altLang="en-US" dirty="0"/>
+          </a:p>
+        </p:txBody>
+      </p:sp>
+    </p:spTree>
+  </p:cSld>
+  <p:clrMapOvr>
+    <a:masterClrMapping/>
+  </p:clrMapOvr>
+</p:sld>
+</file>
+
+<file path=ppt/slides/slide25.xml><?xml version="1.0" encoding="utf-8"?>
+<p:sld xmlns:a="http://schemas.openxmlformats.org/drawingml/2006/main" xmlns:r="http://schemas.openxmlformats.org/officeDocument/2006/relationships" xmlns:p="http://schemas.openxmlformats.org/presentationml/2006/main">
+  <p:cSld>
+    <p:spTree>
+      <p:nvGrpSpPr>
+        <p:cNvPr id="1" name=""/>
+        <p:cNvGrpSpPr/>
+        <p:nvPr/>
+      </p:nvGrpSpPr>
+      <p:grpSpPr>
+        <a:xfrm>
+          <a:off x="0" y="0"/>
+          <a:ext cx="0" cy="0"/>
+          <a:chOff x="0" y="0"/>
+          <a:chExt cx="0" cy="0"/>
+        </a:xfrm>
+      </p:grpSpPr>
+      <p:sp>
+        <p:nvSpPr>
+          <p:cNvPr id="2" name="标题 1"/>
+          <p:cNvSpPr>
+            <a:spLocks noGrp="1"/>
+          </p:cNvSpPr>
+          <p:nvPr>
+            <p:ph type="title"/>
+          </p:nvPr>
+        </p:nvSpPr>
+        <p:spPr/>
+        <p:txBody>
+          <a:bodyPr/>
+          <a:lstStyle/>
+          <a:p>
+            <a:r>
               <a:rPr lang="en-US" altLang="zh-CN" dirty="0" smtClean="0"/>
               <a:t>Controller</a:t>
             </a:r>
@@ -8470,6 +10320,146 @@
           <a:bodyPr/>
           <a:lstStyle/>
           <a:p>
+            <a:r>
+              <a:rPr lang="en-US" altLang="zh-CN" dirty="0"/>
+              <a:t>Windows GUI</a:t>
+            </a:r>
+            <a:r>
+              <a:rPr lang="zh-CN" altLang="en-US" dirty="0"/>
+              <a:t>程序是基于消息机制的，有个主线程维护着一个消息</a:t>
+            </a:r>
+            <a:r>
+              <a:rPr lang="zh-CN" altLang="en-US" dirty="0" smtClean="0"/>
+              <a:t>泵。这个</a:t>
+            </a:r>
+            <a:r>
+              <a:rPr lang="zh-CN" altLang="en-US" dirty="0"/>
+              <a:t>消息泵让</a:t>
+            </a:r>
+            <a:r>
+              <a:rPr lang="en-US" altLang="zh-CN" dirty="0"/>
+              <a:t>windows</a:t>
+            </a:r>
+            <a:r>
+              <a:rPr lang="zh-CN" altLang="en-US" dirty="0"/>
+              <a:t>程序生生不息</a:t>
+            </a:r>
+            <a:r>
+              <a:rPr lang="zh-CN" altLang="en-US" dirty="0" smtClean="0"/>
+              <a:t>。</a:t>
+            </a:r>
+            <a:endParaRPr lang="en-US" altLang="zh-CN" dirty="0" smtClean="0"/>
+          </a:p>
+          <a:p>
+            <a:endParaRPr lang="en-US" altLang="zh-CN" dirty="0" smtClean="0"/>
+          </a:p>
+          <a:p>
+            <a:endParaRPr lang="en-US" altLang="zh-CN" dirty="0" smtClean="0"/>
+          </a:p>
+          <a:p>
+            <a:endParaRPr lang="zh-CN" altLang="en-US" dirty="0"/>
+          </a:p>
+        </p:txBody>
+      </p:sp>
+      <p:pic>
+        <p:nvPicPr>
+          <p:cNvPr id="6" name="图片 5"/>
+          <p:cNvPicPr>
+            <a:picLocks noChangeAspect="1"/>
+          </p:cNvPicPr>
+          <p:nvPr/>
+        </p:nvPicPr>
+        <p:blipFill>
+          <a:blip r:embed="rId2"/>
+          <a:stretch>
+            <a:fillRect/>
+          </a:stretch>
+        </p:blipFill>
+        <p:spPr>
+          <a:xfrm>
+            <a:off x="827584" y="2204864"/>
+            <a:ext cx="5229225" cy="3562350"/>
+          </a:xfrm>
+          <a:prstGeom prst="rect">
+            <a:avLst/>
+          </a:prstGeom>
+        </p:spPr>
+      </p:pic>
+    </p:spTree>
+  </p:cSld>
+  <p:clrMapOvr>
+    <a:masterClrMapping/>
+  </p:clrMapOvr>
+</p:sld>
+</file>
+
+<file path=ppt/slides/slide26.xml><?xml version="1.0" encoding="utf-8"?>
+<p:sld xmlns:a="http://schemas.openxmlformats.org/drawingml/2006/main" xmlns:r="http://schemas.openxmlformats.org/officeDocument/2006/relationships" xmlns:p="http://schemas.openxmlformats.org/presentationml/2006/main">
+  <p:cSld>
+    <p:spTree>
+      <p:nvGrpSpPr>
+        <p:cNvPr id="1" name=""/>
+        <p:cNvGrpSpPr/>
+        <p:nvPr/>
+      </p:nvGrpSpPr>
+      <p:grpSpPr>
+        <a:xfrm>
+          <a:off x="0" y="0"/>
+          <a:ext cx="0" cy="0"/>
+          <a:chOff x="0" y="0"/>
+          <a:chExt cx="0" cy="0"/>
+        </a:xfrm>
+      </p:grpSpPr>
+      <p:sp>
+        <p:nvSpPr>
+          <p:cNvPr id="2" name="标题 1"/>
+          <p:cNvSpPr>
+            <a:spLocks noGrp="1"/>
+          </p:cNvSpPr>
+          <p:nvPr>
+            <p:ph type="title"/>
+          </p:nvPr>
+        </p:nvSpPr>
+        <p:spPr/>
+        <p:txBody>
+          <a:bodyPr/>
+          <a:lstStyle/>
+          <a:p>
+            <a:r>
+              <a:rPr lang="en-US" altLang="zh-CN" dirty="0" smtClean="0"/>
+              <a:t>Controller</a:t>
+            </a:r>
+            <a:r>
+              <a:rPr lang="zh-CN" altLang="en-US" dirty="0" smtClean="0"/>
+              <a:t>的</a:t>
+            </a:r>
+            <a:r>
+              <a:rPr lang="en-US" altLang="zh-CN" dirty="0" smtClean="0"/>
+              <a:t>Invoke </a:t>
+            </a:r>
+            <a:r>
+              <a:rPr lang="en-US" altLang="zh-CN" dirty="0" err="1" smtClean="0"/>
+              <a:t>BeginInvoke</a:t>
+            </a:r>
+            <a:endParaRPr lang="zh-CN" altLang="en-US" dirty="0"/>
+          </a:p>
+        </p:txBody>
+      </p:sp>
+      <p:sp>
+        <p:nvSpPr>
+          <p:cNvPr id="5" name="内容占位符 4"/>
+          <p:cNvSpPr>
+            <a:spLocks noGrp="1"/>
+          </p:cNvSpPr>
+          <p:nvPr>
+            <p:ph sz="quarter" idx="11"/>
+          </p:nvPr>
+        </p:nvSpPr>
+        <p:spPr/>
+        <p:txBody>
+          <a:bodyPr/>
+          <a:lstStyle/>
+          <a:p>
             <a:pPr marL="0" indent="0">
               <a:buNone/>
             </a:pPr>
@@ -8549,7 +10539,7 @@
 </p:sld>
 </file>
 
-<file path=ppt/slides/slide23.xml><?xml version="1.0" encoding="utf-8"?>
+<file path=ppt/slides/slide27.xml><?xml version="1.0" encoding="utf-8"?>
 <p:sld xmlns:a="http://schemas.openxmlformats.org/drawingml/2006/main" xmlns:r="http://schemas.openxmlformats.org/officeDocument/2006/relationships" xmlns:p="http://schemas.openxmlformats.org/presentationml/2006/main">
   <p:cSld>
     <p:spTree>
@@ -8707,721 +10697,6 @@
 </p:sld>
 </file>
 
-<file path=ppt/slides/slide24.xml><?xml version="1.0" encoding="utf-8"?>
-<p:sld xmlns:a="http://schemas.openxmlformats.org/drawingml/2006/main" xmlns:r="http://schemas.openxmlformats.org/officeDocument/2006/relationships" xmlns:p="http://schemas.openxmlformats.org/presentationml/2006/main">
-  <p:cSld>
-    <p:spTree>
-      <p:nvGrpSpPr>
-        <p:cNvPr id="1" name=""/>
-        <p:cNvGrpSpPr/>
-        <p:nvPr/>
-      </p:nvGrpSpPr>
-      <p:grpSpPr>
-        <a:xfrm>
-          <a:off x="0" y="0"/>
-          <a:ext cx="0" cy="0"/>
-          <a:chOff x="0" y="0"/>
-          <a:chExt cx="0" cy="0"/>
-        </a:xfrm>
-      </p:grpSpPr>
-      <p:sp>
-        <p:nvSpPr>
-          <p:cNvPr id="2" name="标题 1"/>
-          <p:cNvSpPr>
-            <a:spLocks noGrp="1"/>
-          </p:cNvSpPr>
-          <p:nvPr>
-            <p:ph type="title"/>
-          </p:nvPr>
-        </p:nvSpPr>
-        <p:spPr/>
-        <p:txBody>
-          <a:bodyPr/>
-          <a:lstStyle/>
-          <a:p>
-            <a:r>
-              <a:rPr lang="en-US" altLang="zh-CN" dirty="0" smtClean="0"/>
-              <a:t>Controller</a:t>
-            </a:r>
-            <a:r>
-              <a:rPr lang="zh-CN" altLang="en-US" dirty="0" smtClean="0"/>
-              <a:t>的</a:t>
-            </a:r>
-            <a:r>
-              <a:rPr lang="en-US" altLang="zh-CN" dirty="0" smtClean="0"/>
-              <a:t>Invoke </a:t>
-            </a:r>
-            <a:r>
-              <a:rPr lang="en-US" altLang="zh-CN" dirty="0" err="1" smtClean="0"/>
-              <a:t>BeginInvoke</a:t>
-            </a:r>
-            <a:endParaRPr lang="zh-CN" altLang="en-US" dirty="0"/>
-          </a:p>
-        </p:txBody>
-      </p:sp>
-      <p:sp>
-        <p:nvSpPr>
-          <p:cNvPr id="5" name="内容占位符 4"/>
-          <p:cNvSpPr>
-            <a:spLocks noGrp="1"/>
-          </p:cNvSpPr>
-          <p:nvPr>
-            <p:ph sz="quarter" idx="11"/>
-          </p:nvPr>
-        </p:nvSpPr>
-        <p:spPr/>
-        <p:txBody>
-          <a:bodyPr/>
-          <a:lstStyle/>
-          <a:p>
-            <a:r>
-              <a:rPr lang="zh-CN" altLang="en-US" dirty="0" smtClean="0"/>
-              <a:t>实现</a:t>
-            </a:r>
-            <a:r>
-              <a:rPr lang="en-US" altLang="zh-CN" dirty="0" smtClean="0"/>
-              <a:t>controller</a:t>
-            </a:r>
-            <a:r>
-              <a:rPr lang="zh-CN" altLang="en-US" dirty="0" smtClean="0"/>
-              <a:t>同步异步的关键类：</a:t>
-            </a:r>
-            <a:endParaRPr lang="en-US" altLang="zh-CN" dirty="0" smtClean="0"/>
-          </a:p>
-          <a:p>
-            <a:r>
-              <a:rPr lang="en-US" altLang="zh-CN" dirty="0" err="1"/>
-              <a:t>FindMarshalingControl</a:t>
-            </a:r>
-            <a:r>
-              <a:rPr lang="zh-CN" altLang="en-US" dirty="0"/>
-              <a:t>方法通过一个循环向上回溯，从当前控件开始回溯父控件，直到找到最顶级的父控件，用它作为封送对象</a:t>
-            </a:r>
-            <a:r>
-              <a:rPr lang="zh-CN" altLang="en-US" dirty="0" smtClean="0"/>
-              <a:t>。</a:t>
-            </a:r>
-            <a:endParaRPr lang="en-US" altLang="zh-CN" dirty="0" smtClean="0"/>
-          </a:p>
-          <a:p>
-            <a:r>
-              <a:rPr lang="en-US" altLang="zh-CN" b="1" dirty="0" err="1"/>
-              <a:t>MarshaledInvoke</a:t>
-            </a:r>
-            <a:endParaRPr lang="en-US" altLang="zh-CN" b="1" dirty="0"/>
-          </a:p>
-          <a:p>
-            <a:r>
-              <a:rPr lang="zh-CN" altLang="en-US" dirty="0"/>
-              <a:t>通过</a:t>
-            </a:r>
-            <a:r>
-              <a:rPr lang="en-US" altLang="zh-CN" dirty="0"/>
-              <a:t>windows</a:t>
-            </a:r>
-            <a:r>
-              <a:rPr lang="zh-CN" altLang="en-US" dirty="0"/>
-              <a:t>消息机制实现了封送。而需要封送的委托方法作为消息的参数进行了传递</a:t>
-            </a:r>
-            <a:r>
-              <a:rPr lang="zh-CN" altLang="en-US" dirty="0" smtClean="0"/>
-              <a:t>。</a:t>
-            </a:r>
-            <a:endParaRPr lang="en-US" altLang="zh-CN" dirty="0" smtClean="0"/>
-          </a:p>
-          <a:p>
-            <a:r>
-              <a:rPr lang="en-US" altLang="zh-CN" dirty="0" err="1"/>
-              <a:t>UnsafeNativeMethods.PostMessage</a:t>
-            </a:r>
-            <a:r>
-              <a:rPr lang="en-US" altLang="zh-CN" dirty="0"/>
-              <a:t>(new </a:t>
-            </a:r>
-            <a:r>
-              <a:rPr lang="en-US" altLang="zh-CN" dirty="0" err="1"/>
-              <a:t>HandleRef</a:t>
-            </a:r>
-            <a:r>
-              <a:rPr lang="en-US" altLang="zh-CN" dirty="0"/>
-              <a:t>(this, Handle), </a:t>
-            </a:r>
-            <a:r>
-              <a:rPr lang="en-US" altLang="zh-CN" dirty="0" err="1"/>
-              <a:t>threadCallbackMessage</a:t>
-            </a:r>
-            <a:r>
-              <a:rPr lang="en-US" altLang="zh-CN" dirty="0"/>
-              <a:t>, </a:t>
-            </a:r>
-            <a:r>
-              <a:rPr lang="en-US" altLang="zh-CN" dirty="0" err="1"/>
-              <a:t>IntPtr.Zero</a:t>
-            </a:r>
-            <a:r>
-              <a:rPr lang="en-US" altLang="zh-CN" dirty="0"/>
-              <a:t>, </a:t>
-            </a:r>
-            <a:r>
-              <a:rPr lang="en-US" altLang="zh-CN" dirty="0" err="1"/>
-              <a:t>IntPtr.Zero</a:t>
-            </a:r>
-            <a:r>
-              <a:rPr lang="en-US" altLang="zh-CN" dirty="0"/>
-              <a:t>);</a:t>
-            </a:r>
-            <a:endParaRPr lang="zh-CN" altLang="en-US" dirty="0"/>
-          </a:p>
-        </p:txBody>
-      </p:sp>
-    </p:spTree>
-  </p:cSld>
-  <p:clrMapOvr>
-    <a:masterClrMapping/>
-  </p:clrMapOvr>
-</p:sld>
-</file>
-
-<file path=ppt/slides/slide25.xml><?xml version="1.0" encoding="utf-8"?>
-<p:sld xmlns:a="http://schemas.openxmlformats.org/drawingml/2006/main" xmlns:r="http://schemas.openxmlformats.org/officeDocument/2006/relationships" xmlns:p="http://schemas.openxmlformats.org/presentationml/2006/main">
-  <p:cSld>
-    <p:spTree>
-      <p:nvGrpSpPr>
-        <p:cNvPr id="1" name=""/>
-        <p:cNvGrpSpPr/>
-        <p:nvPr/>
-      </p:nvGrpSpPr>
-      <p:grpSpPr>
-        <a:xfrm>
-          <a:off x="0" y="0"/>
-          <a:ext cx="0" cy="0"/>
-          <a:chOff x="0" y="0"/>
-          <a:chExt cx="0" cy="0"/>
-        </a:xfrm>
-      </p:grpSpPr>
-      <p:sp>
-        <p:nvSpPr>
-          <p:cNvPr id="2" name="标题 1"/>
-          <p:cNvSpPr>
-            <a:spLocks noGrp="1"/>
-          </p:cNvSpPr>
-          <p:nvPr>
-            <p:ph type="title"/>
-          </p:nvPr>
-        </p:nvSpPr>
-        <p:spPr/>
-        <p:txBody>
-          <a:bodyPr/>
-          <a:lstStyle/>
-          <a:p>
-            <a:r>
-              <a:rPr lang="en-US" altLang="zh-CN" dirty="0" smtClean="0"/>
-              <a:t>Framework </a:t>
-            </a:r>
-            <a:r>
-              <a:rPr lang="zh-CN" altLang="en-US" dirty="0" smtClean="0"/>
-              <a:t>其他的异步实现</a:t>
-            </a:r>
-            <a:endParaRPr lang="zh-CN" altLang="en-US" dirty="0"/>
-          </a:p>
-        </p:txBody>
-      </p:sp>
-      <p:sp>
-        <p:nvSpPr>
-          <p:cNvPr id="5" name="内容占位符 4"/>
-          <p:cNvSpPr>
-            <a:spLocks noGrp="1"/>
-          </p:cNvSpPr>
-          <p:nvPr>
-            <p:ph sz="quarter" idx="11"/>
-          </p:nvPr>
-        </p:nvSpPr>
-        <p:spPr/>
-        <p:txBody>
-          <a:bodyPr/>
-          <a:lstStyle/>
-          <a:p>
-            <a:r>
-              <a:rPr lang="en-US" altLang="zh-CN" dirty="0" err="1" smtClean="0"/>
-              <a:t>ISynchronizeInvoke</a:t>
-            </a:r>
-            <a:endParaRPr lang="en-US" altLang="zh-CN" dirty="0" smtClean="0"/>
-          </a:p>
-          <a:p>
-            <a:endParaRPr lang="en-US" altLang="zh-CN" dirty="0" smtClean="0"/>
-          </a:p>
-          <a:p>
-            <a:endParaRPr lang="zh-CN" altLang="en-US" dirty="0"/>
-          </a:p>
-        </p:txBody>
-      </p:sp>
-    </p:spTree>
-  </p:cSld>
-  <p:clrMapOvr>
-    <a:masterClrMapping/>
-  </p:clrMapOvr>
-</p:sld>
-</file>
-
-<file path=ppt/slides/slide26.xml><?xml version="1.0" encoding="utf-8"?>
-<p:sld xmlns:a="http://schemas.openxmlformats.org/drawingml/2006/main" xmlns:r="http://schemas.openxmlformats.org/officeDocument/2006/relationships" xmlns:p="http://schemas.openxmlformats.org/presentationml/2006/main">
-  <p:cSld>
-    <p:spTree>
-      <p:nvGrpSpPr>
-        <p:cNvPr id="1" name=""/>
-        <p:cNvGrpSpPr/>
-        <p:nvPr/>
-      </p:nvGrpSpPr>
-      <p:grpSpPr>
-        <a:xfrm>
-          <a:off x="0" y="0"/>
-          <a:ext cx="0" cy="0"/>
-          <a:chOff x="0" y="0"/>
-          <a:chExt cx="0" cy="0"/>
-        </a:xfrm>
-      </p:grpSpPr>
-      <p:sp>
-        <p:nvSpPr>
-          <p:cNvPr id="2" name="标题 1"/>
-          <p:cNvSpPr>
-            <a:spLocks noGrp="1"/>
-          </p:cNvSpPr>
-          <p:nvPr>
-            <p:ph type="title"/>
-          </p:nvPr>
-        </p:nvSpPr>
-        <p:spPr/>
-        <p:txBody>
-          <a:bodyPr/>
-          <a:lstStyle/>
-          <a:p>
-            <a:r>
-              <a:rPr lang="zh-CN" altLang="en-US" dirty="0"/>
-              <a:t>基于事件的异步编程模式</a:t>
-            </a:r>
-            <a:r>
-              <a:rPr lang="en-US" altLang="zh-CN" dirty="0"/>
-              <a:t>(Event-Based Asynchronous Pattern EAP) </a:t>
-            </a:r>
-            <a:endParaRPr lang="zh-CN" altLang="en-US" dirty="0"/>
-          </a:p>
-        </p:txBody>
-      </p:sp>
-      <p:sp>
-        <p:nvSpPr>
-          <p:cNvPr id="3" name="内容占位符 2"/>
-          <p:cNvSpPr>
-            <a:spLocks noGrp="1"/>
-          </p:cNvSpPr>
-          <p:nvPr>
-            <p:ph sz="quarter" idx="11"/>
-          </p:nvPr>
-        </p:nvSpPr>
-        <p:spPr/>
-        <p:txBody>
-          <a:bodyPr/>
-          <a:lstStyle/>
-          <a:p>
-            <a:r>
-              <a:rPr lang="en-US" altLang="zh-CN" dirty="0"/>
-              <a:t>– </a:t>
-            </a:r>
-            <a:r>
-              <a:rPr lang="en-US" altLang="zh-CN" dirty="0" smtClean="0"/>
-              <a:t>EAP</a:t>
-            </a:r>
-            <a:endParaRPr lang="en-US" altLang="zh-CN" dirty="0"/>
-          </a:p>
-          <a:p>
-            <a:r>
-              <a:rPr lang="en-US" altLang="zh-CN" dirty="0" err="1"/>
-              <a:t>.Net</a:t>
-            </a:r>
-            <a:r>
-              <a:rPr lang="en-US" altLang="zh-CN" dirty="0"/>
-              <a:t> Framework 2 </a:t>
-            </a:r>
-            <a:r>
-              <a:rPr lang="zh-CN" altLang="en-US" dirty="0"/>
-              <a:t>为异步操作引入了这个模式。一个以</a:t>
-            </a:r>
-            <a:r>
-              <a:rPr lang="en-US" altLang="zh-CN" dirty="0" err="1"/>
-              <a:t>Async</a:t>
-            </a:r>
-            <a:r>
-              <a:rPr lang="zh-CN" altLang="en-US" dirty="0"/>
-              <a:t>为后缀的方法加载异步执行，当异步执行完成或取消时，异步操作会抛出一个事件，一个委托可以与这个事件绑定，并提供处理事件的回调函数</a:t>
-            </a:r>
-            <a:r>
-              <a:rPr lang="zh-CN" altLang="en-US" dirty="0" smtClean="0"/>
-              <a:t>。（多文件下载</a:t>
-            </a:r>
-            <a:r>
-              <a:rPr lang="en-US" altLang="zh-CN" dirty="0" smtClean="0"/>
-              <a:t>demo</a:t>
-            </a:r>
-            <a:r>
-              <a:rPr lang="zh-CN" altLang="en-US" dirty="0" smtClean="0"/>
-              <a:t>）</a:t>
-            </a:r>
-            <a:endParaRPr lang="en-US" altLang="zh-CN" dirty="0" smtClean="0"/>
-          </a:p>
-          <a:p>
-            <a:pPr latinLnBrk="0"/>
-            <a:r>
-              <a:rPr lang="en-US" altLang="zh-CN" dirty="0"/>
-              <a:t>1</a:t>
-            </a:r>
-            <a:r>
-              <a:rPr lang="zh-CN" altLang="en-US" dirty="0"/>
-              <a:t>、要进行异步的方法其方法名应该以</a:t>
-            </a:r>
-            <a:r>
-              <a:rPr lang="en-US" altLang="zh-CN" dirty="0" err="1"/>
-              <a:t>XXXAsync</a:t>
-            </a:r>
-            <a:r>
-              <a:rPr lang="zh-CN" altLang="en-US" dirty="0"/>
-              <a:t>结尾</a:t>
-            </a:r>
-          </a:p>
-          <a:p>
-            <a:pPr latinLnBrk="0"/>
-            <a:r>
-              <a:rPr lang="en-US" altLang="zh-CN" dirty="0"/>
-              <a:t>2</a:t>
-            </a:r>
-            <a:r>
-              <a:rPr lang="zh-CN" altLang="en-US" dirty="0"/>
-              <a:t>、要有一个名为</a:t>
-            </a:r>
-            <a:r>
-              <a:rPr lang="en-US" altLang="zh-CN" dirty="0" err="1"/>
-              <a:t>XXXCompleted</a:t>
-            </a:r>
-            <a:r>
-              <a:rPr lang="zh-CN" altLang="en-US" dirty="0"/>
-              <a:t>的事件监听异步方法的完成</a:t>
-            </a:r>
-          </a:p>
-          <a:p>
-            <a:pPr latinLnBrk="0"/>
-            <a:r>
-              <a:rPr lang="en-US" altLang="zh-CN" dirty="0"/>
-              <a:t>3</a:t>
-            </a:r>
-            <a:r>
-              <a:rPr lang="zh-CN" altLang="en-US" dirty="0"/>
-              <a:t>、可增加一个</a:t>
-            </a:r>
-            <a:r>
-              <a:rPr lang="en-US" altLang="zh-CN" dirty="0" err="1"/>
-              <a:t>CancelAsync</a:t>
-            </a:r>
-            <a:r>
-              <a:rPr lang="zh-CN" altLang="en-US" dirty="0"/>
-              <a:t>方法用于取消正在执行的异步方法（可选）</a:t>
-            </a:r>
-          </a:p>
-          <a:p>
-            <a:endParaRPr lang="zh-CN" altLang="en-US" dirty="0"/>
-          </a:p>
-        </p:txBody>
-      </p:sp>
-    </p:spTree>
-  </p:cSld>
-  <p:clrMapOvr>
-    <a:masterClrMapping/>
-  </p:clrMapOvr>
-</p:sld>
-</file>
-
-<file path=ppt/slides/slide27.xml><?xml version="1.0" encoding="utf-8"?>
-<p:sld xmlns:a="http://schemas.openxmlformats.org/drawingml/2006/main" xmlns:r="http://schemas.openxmlformats.org/officeDocument/2006/relationships" xmlns:p="http://schemas.openxmlformats.org/presentationml/2006/main">
-  <p:cSld>
-    <p:spTree>
-      <p:nvGrpSpPr>
-        <p:cNvPr id="1" name=""/>
-        <p:cNvGrpSpPr/>
-        <p:nvPr/>
-      </p:nvGrpSpPr>
-      <p:grpSpPr>
-        <a:xfrm>
-          <a:off x="0" y="0"/>
-          <a:ext cx="0" cy="0"/>
-          <a:chOff x="0" y="0"/>
-          <a:chExt cx="0" cy="0"/>
-        </a:xfrm>
-      </p:grpSpPr>
-      <p:sp>
-        <p:nvSpPr>
-          <p:cNvPr id="2" name="标题 1"/>
-          <p:cNvSpPr>
-            <a:spLocks noGrp="1"/>
-          </p:cNvSpPr>
-          <p:nvPr>
-            <p:ph type="title"/>
-          </p:nvPr>
-        </p:nvSpPr>
-        <p:spPr/>
-        <p:txBody>
-          <a:bodyPr/>
-          <a:lstStyle/>
-          <a:p>
-            <a:r>
-              <a:rPr lang="en-US" altLang="zh-CN" b="1" dirty="0" err="1" smtClean="0"/>
-              <a:t>async</a:t>
-            </a:r>
-            <a:r>
-              <a:rPr lang="en-US" altLang="zh-CN" b="1" dirty="0" smtClean="0"/>
-              <a:t>/await</a:t>
-            </a:r>
-            <a:br>
-              <a:rPr lang="en-US" altLang="zh-CN" b="1" dirty="0" smtClean="0"/>
-            </a:br>
-            <a:endParaRPr lang="zh-CN" altLang="en-US" dirty="0"/>
-          </a:p>
-        </p:txBody>
-      </p:sp>
-      <p:sp>
-        <p:nvSpPr>
-          <p:cNvPr id="5" name="内容占位符 4"/>
-          <p:cNvSpPr>
-            <a:spLocks noGrp="1"/>
-          </p:cNvSpPr>
-          <p:nvPr>
-            <p:ph sz="quarter" idx="11"/>
-          </p:nvPr>
-        </p:nvSpPr>
-        <p:spPr/>
-        <p:txBody>
-          <a:bodyPr/>
-          <a:lstStyle/>
-          <a:p>
-            <a:r>
-              <a:rPr lang="en-US" altLang="zh-CN" dirty="0" smtClean="0"/>
-              <a:t>C#5.0</a:t>
-            </a:r>
-            <a:r>
-              <a:rPr lang="zh-CN" altLang="en-US" dirty="0" smtClean="0"/>
-              <a:t>出来的语法糖</a:t>
-            </a:r>
-            <a:endParaRPr lang="en-US" altLang="zh-CN" dirty="0" smtClean="0"/>
-          </a:p>
-          <a:p>
-            <a:r>
-              <a:rPr lang="zh-CN" altLang="en-US" dirty="0" smtClean="0"/>
-              <a:t>它的好处是代码易读性高</a:t>
-            </a:r>
-            <a:endParaRPr lang="en-US" altLang="zh-CN" dirty="0" smtClean="0"/>
-          </a:p>
-          <a:p>
-            <a:r>
-              <a:rPr lang="zh-CN" altLang="en-US" dirty="0" smtClean="0"/>
-              <a:t>特别对于网站，网站的并发量是由</a:t>
-            </a:r>
-            <a:r>
-              <a:rPr lang="en-US" altLang="zh-CN" dirty="0" smtClean="0"/>
-              <a:t>IIS</a:t>
-            </a:r>
-            <a:r>
-              <a:rPr lang="zh-CN" altLang="en-US" dirty="0" smtClean="0"/>
-              <a:t>相应站点配置的应用池队列大小、最大工作进程数和最大并发连接数决定的</a:t>
-            </a:r>
-            <a:endParaRPr lang="en-US" altLang="zh-CN" dirty="0" smtClean="0"/>
-          </a:p>
-          <a:p>
-            <a:r>
-              <a:rPr lang="en-US" altLang="zh-CN" dirty="0" smtClean="0"/>
-              <a:t>IIS</a:t>
-            </a:r>
-            <a:r>
-              <a:rPr lang="zh-CN" altLang="en-US" dirty="0"/>
-              <a:t>最大并发连接数 </a:t>
-            </a:r>
-            <a:r>
-              <a:rPr lang="en-US" altLang="zh-CN" dirty="0"/>
-              <a:t>= </a:t>
-            </a:r>
-            <a:r>
-              <a:rPr lang="zh-CN" altLang="en-US" dirty="0"/>
-              <a:t>队列长度 </a:t>
-            </a:r>
-            <a:r>
-              <a:rPr lang="en-US" altLang="zh-CN" dirty="0"/>
-              <a:t>+ IIS</a:t>
-            </a:r>
-            <a:r>
-              <a:rPr lang="zh-CN" altLang="en-US" dirty="0"/>
-              <a:t>最大并发</a:t>
-            </a:r>
-            <a:r>
-              <a:rPr lang="zh-CN" altLang="en-US" dirty="0" smtClean="0"/>
-              <a:t>工作线程数</a:t>
-            </a:r>
-            <a:endParaRPr lang="en-US" altLang="zh-CN" dirty="0"/>
-          </a:p>
-          <a:p>
-            <a:r>
-              <a:rPr lang="en-US" altLang="zh-CN" dirty="0"/>
-              <a:t>IIS</a:t>
-            </a:r>
-            <a:r>
-              <a:rPr lang="zh-CN" altLang="en-US" dirty="0"/>
-              <a:t>的默认值对我们网站并发处理能力的影响。</a:t>
-            </a:r>
-            <a:r>
-              <a:rPr lang="en-US" altLang="zh-CN" dirty="0"/>
-              <a:t>IIS</a:t>
-            </a:r>
-            <a:r>
-              <a:rPr lang="zh-CN" altLang="en-US" dirty="0"/>
-              <a:t>默认的</a:t>
-            </a:r>
-            <a:r>
-              <a:rPr lang="en-US" altLang="zh-CN" dirty="0"/>
-              <a:t>【</a:t>
-            </a:r>
-            <a:r>
-              <a:rPr lang="zh-CN" altLang="en-US" dirty="0"/>
-              <a:t>最大并发连接数</a:t>
-            </a:r>
-            <a:r>
-              <a:rPr lang="en-US" altLang="zh-CN" dirty="0"/>
-              <a:t>】</a:t>
-            </a:r>
-            <a:r>
-              <a:rPr lang="zh-CN" altLang="en-US" dirty="0"/>
-              <a:t>为</a:t>
-            </a:r>
-            <a:r>
-              <a:rPr lang="en-US" altLang="zh-CN" dirty="0"/>
-              <a:t>4294967295</a:t>
-            </a:r>
-            <a:r>
-              <a:rPr lang="zh-CN" altLang="en-US" dirty="0"/>
-              <a:t>（</a:t>
-            </a:r>
-            <a:r>
-              <a:rPr lang="en-US" altLang="zh-CN" dirty="0"/>
-              <a:t>42</a:t>
-            </a:r>
-            <a:r>
-              <a:rPr lang="zh-CN" altLang="en-US" dirty="0"/>
-              <a:t>亿多），而</a:t>
-            </a:r>
-            <a:r>
-              <a:rPr lang="en-US" altLang="zh-CN" dirty="0"/>
-              <a:t>【</a:t>
-            </a:r>
-            <a:r>
-              <a:rPr lang="zh-CN" altLang="en-US" dirty="0"/>
-              <a:t>队列长度</a:t>
-            </a:r>
-            <a:r>
-              <a:rPr lang="en-US" altLang="zh-CN" dirty="0"/>
-              <a:t>】</a:t>
-            </a:r>
-            <a:r>
-              <a:rPr lang="zh-CN" altLang="en-US" dirty="0"/>
-              <a:t>默认值为</a:t>
-            </a:r>
-            <a:r>
-              <a:rPr lang="en-US" altLang="zh-CN" dirty="0"/>
-              <a:t>1000</a:t>
-            </a:r>
-            <a:r>
-              <a:rPr lang="zh-CN" altLang="en-US" dirty="0"/>
-              <a:t>。对于</a:t>
-            </a:r>
-            <a:r>
-              <a:rPr lang="en-US" altLang="zh-CN" dirty="0"/>
-              <a:t>windows server</a:t>
-            </a:r>
-            <a:r>
-              <a:rPr lang="zh-CN" altLang="en-US" dirty="0"/>
-              <a:t>版本的</a:t>
-            </a:r>
-            <a:r>
-              <a:rPr lang="en-US" altLang="zh-CN" dirty="0"/>
-              <a:t>IIS</a:t>
-            </a:r>
-            <a:r>
-              <a:rPr lang="zh-CN" altLang="en-US" dirty="0"/>
-              <a:t>，最大并发工作线程数可能几百（猜测，可能没有限制），按照这个默认值，那么</a:t>
-            </a:r>
-            <a:r>
-              <a:rPr lang="en-US" altLang="zh-CN" dirty="0"/>
-              <a:t>IIS</a:t>
-            </a:r>
-            <a:r>
-              <a:rPr lang="zh-CN" altLang="en-US" dirty="0"/>
-              <a:t>同时处理的请求数也就</a:t>
-            </a:r>
-            <a:r>
-              <a:rPr lang="en-US" altLang="zh-CN" dirty="0"/>
-              <a:t>1000</a:t>
-            </a:r>
-            <a:r>
-              <a:rPr lang="zh-CN" altLang="en-US" dirty="0"/>
-              <a:t>多</a:t>
-            </a:r>
-            <a:r>
-              <a:rPr lang="zh-CN" altLang="en-US" dirty="0" smtClean="0"/>
-              <a:t>。</a:t>
-            </a:r>
-            <a:endParaRPr lang="en-US" altLang="zh-CN" dirty="0" smtClean="0"/>
-          </a:p>
-          <a:p>
-            <a:r>
-              <a:rPr lang="en-US" altLang="zh-CN" dirty="0" err="1" smtClean="0"/>
-              <a:t>Async</a:t>
-            </a:r>
-            <a:r>
-              <a:rPr lang="en-US" altLang="zh-CN" dirty="0" smtClean="0"/>
-              <a:t> await </a:t>
-            </a:r>
-            <a:r>
-              <a:rPr lang="zh-CN" altLang="en-US" dirty="0" smtClean="0"/>
-              <a:t>可以有效的释放当前的</a:t>
-            </a:r>
-            <a:r>
-              <a:rPr lang="en-US" altLang="zh-CN" dirty="0" smtClean="0"/>
-              <a:t>worker</a:t>
-            </a:r>
-            <a:r>
-              <a:rPr lang="zh-CN" altLang="en-US" dirty="0" smtClean="0"/>
-              <a:t>线程，调用</a:t>
-            </a:r>
-            <a:r>
-              <a:rPr lang="en-US" altLang="zh-CN" dirty="0" smtClean="0"/>
-              <a:t>CLR</a:t>
-            </a:r>
-            <a:r>
-              <a:rPr lang="zh-CN" altLang="en-US" dirty="0" smtClean="0"/>
-              <a:t>线程池执行异步操作，</a:t>
-            </a:r>
-            <a:r>
-              <a:rPr lang="en-US" altLang="zh-CN" dirty="0" smtClean="0"/>
-              <a:t>worker</a:t>
-            </a:r>
-            <a:r>
-              <a:rPr lang="zh-CN" altLang="en-US" dirty="0" smtClean="0"/>
-              <a:t>线程可以处理其他请求，提高了网站的并发量</a:t>
-            </a:r>
-            <a:endParaRPr lang="zh-CN" altLang="en-US" dirty="0"/>
-          </a:p>
-        </p:txBody>
-      </p:sp>
-    </p:spTree>
-  </p:cSld>
-  <p:clrMapOvr>
-    <a:masterClrMapping/>
-  </p:clrMapOvr>
-</p:sld>
-</file>
-
 <file path=ppt/slides/slide28.xml><?xml version="1.0" encoding="utf-8"?>
 <p:sld xmlns:a="http://schemas.openxmlformats.org/drawingml/2006/main" xmlns:r="http://schemas.openxmlformats.org/officeDocument/2006/relationships" xmlns:p="http://schemas.openxmlformats.org/presentationml/2006/main">
   <p:cSld>
@@ -9455,16 +10730,21 @@
           <a:lstStyle/>
           <a:p>
             <a:r>
-              <a:rPr lang="en-US" altLang="zh-CN" b="1" dirty="0" err="1" smtClean="0"/>
-              <a:t>async</a:t>
-            </a:r>
-            <a:r>
-              <a:rPr lang="en-US" altLang="zh-CN" b="1" dirty="0" smtClean="0"/>
-              <a:t>/await</a:t>
-            </a:r>
-            <a:br>
-              <a:rPr lang="en-US" altLang="zh-CN" b="1" dirty="0" smtClean="0"/>
-            </a:br>
+              <a:rPr lang="en-US" altLang="zh-CN" dirty="0" smtClean="0"/>
+              <a:t>Controller</a:t>
+            </a:r>
+            <a:r>
+              <a:rPr lang="zh-CN" altLang="en-US" dirty="0" smtClean="0"/>
+              <a:t>的</a:t>
+            </a:r>
+            <a:r>
+              <a:rPr lang="en-US" altLang="zh-CN" dirty="0" smtClean="0"/>
+              <a:t>Invoke </a:t>
+            </a:r>
+            <a:r>
+              <a:rPr lang="en-US" altLang="zh-CN" dirty="0" err="1" smtClean="0"/>
+              <a:t>BeginInvoke</a:t>
+            </a:r>
             <a:endParaRPr lang="zh-CN" altLang="en-US" dirty="0"/>
           </a:p>
         </p:txBody>
@@ -9485,412 +10765,102 @@
           <a:lstStyle/>
           <a:p>
             <a:r>
-              <a:rPr lang="zh-CN" altLang="en-US" dirty="0"/>
-              <a:t>多</a:t>
-            </a:r>
-            <a:r>
-              <a:rPr lang="zh-CN" altLang="en-US" dirty="0" smtClean="0"/>
-              <a:t>线程并发可以提升多任务的效率，</a:t>
-            </a:r>
-            <a:r>
-              <a:rPr lang="zh-CN" altLang="en-US" dirty="0"/>
-              <a:t>不会</a:t>
-            </a:r>
-            <a:r>
-              <a:rPr lang="zh-CN" altLang="en-US" dirty="0" smtClean="0"/>
-              <a:t>提高响应速度。</a:t>
+              <a:rPr lang="zh-CN" altLang="en-US" dirty="0" smtClean="0"/>
+              <a:t>实现</a:t>
+            </a:r>
+            <a:r>
+              <a:rPr lang="en-US" altLang="zh-CN" dirty="0" smtClean="0"/>
+              <a:t>controller</a:t>
+            </a:r>
+            <a:r>
+              <a:rPr lang="zh-CN" altLang="en-US" dirty="0" smtClean="0"/>
+              <a:t>同步异步的关键类：</a:t>
             </a:r>
             <a:endParaRPr lang="en-US" altLang="zh-CN" dirty="0" smtClean="0"/>
           </a:p>
           <a:p>
             <a:r>
-              <a:rPr lang="zh-CN" altLang="en-US" dirty="0" smtClean="0"/>
-              <a:t>异步</a:t>
-            </a:r>
-            <a:r>
-              <a:rPr lang="en-US" altLang="zh-CN" dirty="0" smtClean="0"/>
-              <a:t>action</a:t>
-            </a:r>
-            <a:r>
-              <a:rPr lang="zh-CN" altLang="en-US" dirty="0" smtClean="0"/>
-              <a:t>可能由两个</a:t>
-            </a:r>
-            <a:r>
-              <a:rPr lang="en-US" altLang="zh-CN" dirty="0" smtClean="0"/>
-              <a:t>worker</a:t>
-            </a:r>
-            <a:r>
-              <a:rPr lang="zh-CN" altLang="en-US" dirty="0" smtClean="0"/>
-              <a:t>线程处理</a:t>
+              <a:rPr lang="en-US" altLang="zh-CN" dirty="0" err="1"/>
+              <a:t>FindMarshalingControl</a:t>
+            </a:r>
+            <a:r>
+              <a:rPr lang="zh-CN" altLang="en-US" dirty="0"/>
+              <a:t>方法通过一个循环向上回溯，从当前控件开始回溯父控件，直到找到最顶级的父控件，用它作为封送对象</a:t>
+            </a:r>
+            <a:r>
+              <a:rPr lang="zh-CN" altLang="en-US" dirty="0" smtClean="0"/>
+              <a:t>。</a:t>
             </a:r>
             <a:endParaRPr lang="en-US" altLang="zh-CN" dirty="0" smtClean="0"/>
           </a:p>
           <a:p>
-            <a:endParaRPr lang="en-US" altLang="zh-CN" dirty="0"/>
-          </a:p>
-          <a:p>
             <a:r>
               <a:rPr lang="en-US" altLang="zh-CN" b="1" dirty="0" err="1"/>
-              <a:t>FileStream</a:t>
-            </a:r>
-            <a:r>
-              <a:rPr lang="zh-CN" altLang="en-US" b="1" dirty="0"/>
-              <a:t>操作：</a:t>
-            </a:r>
+              <a:t>MarshaledInvoke</a:t>
+            </a:r>
+            <a:endParaRPr lang="en-US" altLang="zh-CN" b="1" dirty="0"/>
+          </a:p>
+          <a:p>
+            <a:r>
+              <a:rPr lang="zh-CN" altLang="en-US" dirty="0"/>
+              <a:t>通过</a:t>
+            </a:r>
+            <a:r>
+              <a:rPr lang="en-US" altLang="zh-CN" dirty="0"/>
+              <a:t>windows</a:t>
+            </a:r>
+            <a:r>
+              <a:rPr lang="zh-CN" altLang="en-US" dirty="0"/>
+              <a:t>消息机制实现了封送。而需要封送的委托方法作为消息的参数进行了传递</a:t>
+            </a:r>
+            <a:r>
+              <a:rPr lang="zh-CN" altLang="en-US" dirty="0" smtClean="0"/>
+              <a:t>。</a:t>
+            </a:r>
+            <a:endParaRPr lang="en-US" altLang="zh-CN" dirty="0" smtClean="0"/>
+          </a:p>
+          <a:p>
             <a:r>
               <a:rPr lang="en-US" altLang="zh-CN" dirty="0" err="1"/>
-              <a:t>BeginRead</a:t>
-            </a:r>
-            <a:r>
-              <a:rPr lang="zh-CN" altLang="en-US" dirty="0"/>
-              <a:t>、</a:t>
+              <a:t>UnsafeNativeMethods.PostMessage</a:t>
+            </a:r>
+            <a:r>
+              <a:rPr lang="en-US" altLang="zh-CN" dirty="0"/>
+              <a:t>(new </a:t>
             </a:r>
             <a:r>
               <a:rPr lang="en-US" altLang="zh-CN" dirty="0" err="1"/>
-              <a:t>BeginWrite</a:t>
-            </a:r>
-            <a:r>
-              <a:rPr lang="zh-CN" altLang="en-US" dirty="0"/>
-              <a:t>。调用</a:t>
+              <a:t>HandleRef</a:t>
+            </a:r>
+            <a:r>
+              <a:rPr lang="en-US" altLang="zh-CN" dirty="0"/>
+              <a:t>(this, Handle), </a:t>
             </a:r>
             <a:r>
               <a:rPr lang="en-US" altLang="zh-CN" dirty="0" err="1"/>
-              <a:t>BeginRead</a:t>
+              <a:t>threadCallbackMessage</a:t>
             </a:r>
             <a:r>
               <a:rPr lang="en-US" altLang="zh-CN" dirty="0"/>
-              <a:t>/</a:t>
+              <a:t>, </a:t>
             </a:r>
             <a:r>
               <a:rPr lang="en-US" altLang="zh-CN" dirty="0" err="1"/>
-              <a:t>BeginWrite</a:t>
-            </a:r>
-            <a:r>
-              <a:rPr lang="zh-CN" altLang="en-US" dirty="0"/>
-              <a:t>时会发起一个异步操作，但是只有在创建</a:t>
+              <a:t>IntPtr.Zero</a:t>
+            </a:r>
+            <a:r>
+              <a:rPr lang="en-US" altLang="zh-CN" dirty="0"/>
+              <a:t>, </a:t>
             </a:r>
             <a:r>
               <a:rPr lang="en-US" altLang="zh-CN" dirty="0" err="1"/>
-              <a:t>FileStream</a:t>
-            </a:r>
-            <a:r>
-              <a:rPr lang="zh-CN" altLang="en-US" dirty="0"/>
-              <a:t>时传入</a:t>
-            </a:r>
-            <a:r>
-              <a:rPr lang="en-US" altLang="zh-CN" dirty="0" err="1"/>
-              <a:t>FileOptions.Asynchronous</a:t>
-            </a:r>
-            <a:r>
-              <a:rPr lang="zh-CN" altLang="en-US" dirty="0"/>
-              <a:t>参数才能获取真正的</a:t>
+              <a:t>IntPtr.Zero</a:t>
             </a:r>
             <a:r>
               <a:rPr lang="en-US" altLang="zh-CN" dirty="0"/>
-              <a:t>IOCP</a:t>
-            </a:r>
-            <a:r>
-              <a:rPr lang="zh-CN" altLang="en-US" dirty="0"/>
-              <a:t>支持，否则</a:t>
-            </a:r>
-            <a:r>
-              <a:rPr lang="en-US" altLang="zh-CN" dirty="0" err="1"/>
-              <a:t>BeginXXX</a:t>
-            </a:r>
-            <a:r>
-              <a:rPr lang="zh-CN" altLang="en-US" dirty="0"/>
-              <a:t>方法将会使用默认定义在</a:t>
-            </a:r>
-            <a:r>
-              <a:rPr lang="en-US" altLang="zh-CN" dirty="0"/>
-              <a:t>Stream</a:t>
-            </a:r>
-            <a:r>
-              <a:rPr lang="zh-CN" altLang="en-US" dirty="0"/>
-              <a:t>基类上的实现。</a:t>
-            </a:r>
-            <a:r>
-              <a:rPr lang="en-US" altLang="zh-CN" dirty="0"/>
-              <a:t>Stream</a:t>
-            </a:r>
-            <a:r>
-              <a:rPr lang="zh-CN" altLang="en-US" dirty="0"/>
-              <a:t>基类中</a:t>
-            </a:r>
-            <a:r>
-              <a:rPr lang="en-US" altLang="zh-CN" dirty="0" err="1"/>
-              <a:t>BeginXXX</a:t>
-            </a:r>
-            <a:r>
-              <a:rPr lang="zh-CN" altLang="en-US" dirty="0"/>
-              <a:t>方法会使用委托的</a:t>
-            </a:r>
-            <a:r>
-              <a:rPr lang="en-US" altLang="zh-CN" dirty="0" err="1"/>
-              <a:t>BeginInvoke</a:t>
-            </a:r>
-            <a:r>
-              <a:rPr lang="zh-CN" altLang="en-US" dirty="0"/>
-              <a:t>方法来发起异步调用</a:t>
-            </a:r>
-            <a:r>
-              <a:rPr lang="en-US" altLang="zh-CN" dirty="0"/>
-              <a:t>——</a:t>
-            </a:r>
-            <a:r>
-              <a:rPr lang="zh-CN" altLang="en-US" dirty="0"/>
-              <a:t>这会使用一个额外的线程来执行任务。虽然当前调用线程立即返回了，但是数据的读取或写入操作依旧占用着另一个线程（</a:t>
-            </a:r>
-            <a:r>
-              <a:rPr lang="en-US" altLang="zh-CN" dirty="0"/>
-              <a:t>IOCP</a:t>
-            </a:r>
-            <a:r>
-              <a:rPr lang="zh-CN" altLang="en-US" dirty="0"/>
-              <a:t>支持的异步操作时不需要线程的），因此并没有任何“节省”，反而还很有可能降低了应用程序的性能，因为额外的线程切换会造成性能损失。</a:t>
-            </a:r>
-          </a:p>
-          <a:p>
-            <a:r>
-              <a:rPr lang="en-US" altLang="zh-CN" b="1" dirty="0"/>
-              <a:t>DNS</a:t>
-            </a:r>
-            <a:r>
-              <a:rPr lang="zh-CN" altLang="en-US" b="1" dirty="0"/>
-              <a:t>操作：</a:t>
-            </a:r>
-            <a:r>
-              <a:rPr lang="en-US" altLang="zh-CN" dirty="0" err="1"/>
-              <a:t>BeginGetHostByName</a:t>
-            </a:r>
-            <a:r>
-              <a:rPr lang="zh-CN" altLang="en-US" dirty="0"/>
-              <a:t>、</a:t>
-            </a:r>
-            <a:r>
-              <a:rPr lang="en-US" altLang="zh-CN" dirty="0" err="1"/>
-              <a:t>BeginResolve</a:t>
-            </a:r>
-            <a:r>
-              <a:rPr lang="zh-CN" altLang="en-US" dirty="0"/>
-              <a:t>。</a:t>
-            </a:r>
-          </a:p>
-          <a:p>
-            <a:r>
-              <a:rPr lang="en-US" altLang="zh-CN" b="1" dirty="0"/>
-              <a:t>Socket</a:t>
-            </a:r>
-            <a:r>
-              <a:rPr lang="zh-CN" altLang="en-US" b="1" dirty="0"/>
-              <a:t>操作：</a:t>
-            </a:r>
-            <a:r>
-              <a:rPr lang="en-US" altLang="zh-CN" dirty="0" err="1"/>
-              <a:t>BeginAccept</a:t>
-            </a:r>
-            <a:r>
-              <a:rPr lang="zh-CN" altLang="en-US" dirty="0"/>
-              <a:t>、</a:t>
-            </a:r>
-            <a:r>
-              <a:rPr lang="en-US" altLang="zh-CN" dirty="0" err="1"/>
-              <a:t>BeginConnect</a:t>
-            </a:r>
-            <a:r>
-              <a:rPr lang="zh-CN" altLang="en-US" dirty="0"/>
-              <a:t>、</a:t>
-            </a:r>
-            <a:r>
-              <a:rPr lang="en-US" altLang="zh-CN" dirty="0" err="1"/>
-              <a:t>BeginReceive</a:t>
-            </a:r>
-            <a:r>
-              <a:rPr lang="zh-CN" altLang="en-US" dirty="0"/>
-              <a:t>等等。</a:t>
-            </a:r>
-          </a:p>
-          <a:p>
-            <a:r>
-              <a:rPr lang="en-US" altLang="zh-CN" b="1" dirty="0" err="1"/>
-              <a:t>WebRequest</a:t>
-            </a:r>
-            <a:r>
-              <a:rPr lang="zh-CN" altLang="en-US" b="1" dirty="0"/>
-              <a:t>操作：</a:t>
-            </a:r>
-            <a:r>
-              <a:rPr lang="en-US" altLang="zh-CN" dirty="0" err="1"/>
-              <a:t>BeginGetRequestStream</a:t>
-            </a:r>
-            <a:r>
-              <a:rPr lang="zh-CN" altLang="en-US" dirty="0"/>
-              <a:t>、</a:t>
-            </a:r>
-            <a:r>
-              <a:rPr lang="en-US" altLang="zh-CN" dirty="0" err="1"/>
-              <a:t>BeginGetResponse</a:t>
-            </a:r>
-            <a:r>
-              <a:rPr lang="zh-CN" altLang="en-US" dirty="0"/>
-              <a:t>。</a:t>
-            </a:r>
-          </a:p>
-          <a:p>
-            <a:r>
-              <a:rPr lang="en-US" altLang="zh-CN" b="1" dirty="0" err="1"/>
-              <a:t>SqlCommand</a:t>
-            </a:r>
-            <a:r>
-              <a:rPr lang="zh-CN" altLang="en-US" b="1" dirty="0"/>
-              <a:t>操作：</a:t>
-            </a:r>
-            <a:r>
-              <a:rPr lang="en-US" altLang="zh-CN" dirty="0" err="1"/>
-              <a:t>BeginExecuteReader</a:t>
-            </a:r>
-            <a:r>
-              <a:rPr lang="zh-CN" altLang="en-US" dirty="0"/>
-              <a:t>、</a:t>
-            </a:r>
-            <a:r>
-              <a:rPr lang="en-US" altLang="zh-CN" dirty="0" err="1"/>
-              <a:t>BeginExecuteNonQuery</a:t>
-            </a:r>
-            <a:r>
-              <a:rPr lang="zh-CN" altLang="en-US" dirty="0"/>
-              <a:t>等等。这可能是开发一个</a:t>
-            </a:r>
-            <a:r>
-              <a:rPr lang="en-US" altLang="zh-CN" dirty="0"/>
-              <a:t>Web</a:t>
-            </a:r>
-            <a:r>
-              <a:rPr lang="zh-CN" altLang="en-US" dirty="0"/>
-              <a:t>应用时最常用的异步操作了。如果需要在执行数据库操作时得到</a:t>
-            </a:r>
-            <a:r>
-              <a:rPr lang="en-US" altLang="zh-CN" dirty="0"/>
-              <a:t>IOCP</a:t>
-            </a:r>
-            <a:r>
-              <a:rPr lang="zh-CN" altLang="en-US" dirty="0"/>
-              <a:t>支持，那么需要在连接字符串中标记</a:t>
-            </a:r>
-            <a:r>
-              <a:rPr lang="en-US" altLang="zh-CN" dirty="0"/>
-              <a:t>Asynchronous Processing</a:t>
-            </a:r>
-            <a:r>
-              <a:rPr lang="zh-CN" altLang="en-US" dirty="0"/>
-              <a:t>为</a:t>
-            </a:r>
-            <a:r>
-              <a:rPr lang="en-US" altLang="zh-CN" dirty="0"/>
-              <a:t>true</a:t>
-            </a:r>
-            <a:r>
-              <a:rPr lang="zh-CN" altLang="en-US" dirty="0"/>
-              <a:t>（默认为</a:t>
-            </a:r>
-            <a:r>
-              <a:rPr lang="en-US" altLang="zh-CN" dirty="0"/>
-              <a:t>false</a:t>
-            </a:r>
-            <a:r>
-              <a:rPr lang="zh-CN" altLang="en-US" dirty="0"/>
-              <a:t>），否则在调用</a:t>
-            </a:r>
-            <a:r>
-              <a:rPr lang="en-US" altLang="zh-CN" dirty="0" err="1"/>
-              <a:t>BeginXXX</a:t>
-            </a:r>
-            <a:r>
-              <a:rPr lang="zh-CN" altLang="en-US" dirty="0"/>
-              <a:t>操作时就会抛出异常。</a:t>
-            </a:r>
-          </a:p>
-          <a:p>
-            <a:r>
-              <a:rPr lang="en-US" altLang="zh-CN" b="1" dirty="0" err="1"/>
-              <a:t>WebServcie</a:t>
-            </a:r>
-            <a:r>
-              <a:rPr lang="zh-CN" altLang="en-US" b="1" dirty="0"/>
-              <a:t>调用操作：</a:t>
-            </a:r>
-            <a:r>
-              <a:rPr lang="zh-CN" altLang="en-US" dirty="0"/>
-              <a:t>例如</a:t>
-            </a:r>
-            <a:r>
-              <a:rPr lang="en-US" altLang="zh-CN" dirty="0"/>
-              <a:t>.NET 2.0</a:t>
-            </a:r>
-            <a:r>
-              <a:rPr lang="zh-CN" altLang="en-US" dirty="0"/>
-              <a:t>或</a:t>
-            </a:r>
-            <a:r>
-              <a:rPr lang="en-US" altLang="zh-CN" dirty="0"/>
-              <a:t>WCF</a:t>
-            </a:r>
-            <a:r>
-              <a:rPr lang="zh-CN" altLang="en-US" dirty="0"/>
-              <a:t>生成的</a:t>
-            </a:r>
-            <a:r>
-              <a:rPr lang="en-US" altLang="zh-CN" dirty="0"/>
-              <a:t>Web Service Proxy</a:t>
-            </a:r>
-            <a:r>
-              <a:rPr lang="zh-CN" altLang="en-US" dirty="0"/>
-              <a:t>中的</a:t>
-            </a:r>
-            <a:r>
-              <a:rPr lang="en-US" altLang="zh-CN" dirty="0" err="1"/>
-              <a:t>BeginXXX</a:t>
-            </a:r>
-            <a:r>
-              <a:rPr lang="zh-CN" altLang="en-US" dirty="0"/>
-              <a:t>方法、</a:t>
-            </a:r>
-            <a:r>
-              <a:rPr lang="en-US" altLang="zh-CN" dirty="0"/>
-              <a:t>WCF</a:t>
-            </a:r>
-            <a:r>
-              <a:rPr lang="zh-CN" altLang="en-US" dirty="0"/>
-              <a:t>中</a:t>
-            </a:r>
-            <a:r>
-              <a:rPr lang="en-US" altLang="zh-CN" dirty="0" err="1"/>
-              <a:t>ClientBase</a:t>
-            </a:r>
-            <a:r>
-              <a:rPr lang="en-US" altLang="zh-CN" dirty="0"/>
-              <a:t>&lt;</a:t>
-            </a:r>
-            <a:r>
-              <a:rPr lang="en-US" altLang="zh-CN" dirty="0" err="1"/>
-              <a:t>TChannel</a:t>
-            </a:r>
-            <a:r>
-              <a:rPr lang="en-US" altLang="zh-CN" dirty="0"/>
-              <a:t>&gt;</a:t>
-            </a:r>
-            <a:r>
-              <a:rPr lang="zh-CN" altLang="en-US" dirty="0"/>
-              <a:t>的</a:t>
-            </a:r>
-            <a:r>
-              <a:rPr lang="en-US" altLang="zh-CN" dirty="0" err="1"/>
-              <a:t>InvokeAsync</a:t>
-            </a:r>
-            <a:r>
-              <a:rPr lang="zh-CN" altLang="en-US" dirty="0"/>
-              <a:t>方法</a:t>
-            </a:r>
+              <a:t>);</a:t>
+            </a:r>
+            <a:endParaRPr lang="zh-CN" altLang="en-US" dirty="0"/>
           </a:p>
         </p:txBody>
       </p:sp>
@@ -9936,11 +10906,11 @@
           <a:p>
             <a:r>
               <a:rPr lang="en-US" altLang="zh-CN" dirty="0" smtClean="0"/>
-              <a:t>Framework</a:t>
-            </a:r>
-            <a:r>
-              <a:rPr lang="zh-CN" altLang="en-US" dirty="0" smtClean="0"/>
-              <a:t>源码</a:t>
+              <a:t>Framework </a:t>
+            </a:r>
+            <a:r>
+              <a:rPr lang="zh-CN" altLang="en-US" dirty="0" smtClean="0"/>
+              <a:t>其他的异步实现</a:t>
             </a:r>
             <a:endParaRPr lang="zh-CN" altLang="en-US" dirty="0"/>
           </a:p>
@@ -9948,7 +10918,7 @@
       </p:sp>
       <p:sp>
         <p:nvSpPr>
-          <p:cNvPr id="3" name="内容占位符 2"/>
+          <p:cNvPr id="5" name="内容占位符 4"/>
           <p:cNvSpPr>
             <a:spLocks noGrp="1"/>
           </p:cNvSpPr>
@@ -9961,30 +10931,16 @@
           <a:bodyPr/>
           <a:lstStyle/>
           <a:p>
-            <a:pPr marL="0" indent="0">
-              <a:buNone/>
-            </a:pPr>
-            <a:r>
-              <a:rPr lang="en-US" altLang="zh-CN" dirty="0"/>
-              <a:t>https://referencesource.microsoft.com/download.html</a:t>
-            </a:r>
-          </a:p>
-          <a:p>
-            <a:pPr marL="0" indent="0">
-              <a:buNone/>
-            </a:pPr>
-            <a:endParaRPr lang="en-US" altLang="zh-CN" dirty="0"/>
-          </a:p>
-          <a:p>
-            <a:pPr marL="0" indent="0">
-              <a:buNone/>
-            </a:pPr>
-            <a:endParaRPr lang="en-US" altLang="zh-CN" dirty="0"/>
-          </a:p>
-          <a:p>
-            <a:pPr marL="0" indent="0">
-              <a:buNone/>
-            </a:pPr>
+            <a:r>
+              <a:rPr lang="en-US" altLang="zh-CN" dirty="0" err="1" smtClean="0"/>
+              <a:t>ISynchronizeInvoke</a:t>
+            </a:r>
+            <a:endParaRPr lang="en-US" altLang="zh-CN" dirty="0" smtClean="0"/>
+          </a:p>
+          <a:p>
+            <a:endParaRPr lang="en-US" altLang="zh-CN" dirty="0" smtClean="0"/>
+          </a:p>
+          <a:p>
             <a:endParaRPr lang="zh-CN" altLang="en-US" dirty="0"/>
           </a:p>
         </p:txBody>
@@ -10151,11 +11107,7 @@
             </a:r>
             <a:r>
               <a:rPr lang="zh-CN" altLang="en-US" dirty="0" smtClean="0"/>
-              <a:t>只是一个</a:t>
-            </a:r>
-            <a:r>
-              <a:rPr lang="zh-CN" altLang="en-US" dirty="0" smtClean="0"/>
-              <a:t>皮</a:t>
+              <a:t>只是一个皮</a:t>
             </a:r>
             <a:endParaRPr lang="en-US" altLang="zh-CN" dirty="0" smtClean="0"/>
           </a:p>
@@ -10239,6 +11191,13 @@
   <p:clrMapOvr>
     <a:masterClrMapping/>
   </p:clrMapOvr>
+  <p:timing>
+    <p:tnLst>
+      <p:par>
+        <p:cTn id="1" dur="indefinite" restart="never" nodeType="tmRoot"/>
+      </p:par>
+    </p:tnLst>
+  </p:timing>
 </p:sld>
 </file>
 
@@ -10275,12 +11234,12 @@
           <a:lstStyle/>
           <a:p>
             <a:r>
-              <a:rPr lang="zh-CN" altLang="en-US" dirty="0" smtClean="0"/>
-              <a:t>个人期望的</a:t>
-            </a:r>
-            <a:r>
-              <a:rPr lang="en-US" altLang="zh-CN" dirty="0" smtClean="0"/>
-              <a:t>training</a:t>
+              <a:rPr lang="zh-CN" altLang="en-US" dirty="0"/>
+              <a:t>基于事件的异步编程模式</a:t>
+            </a:r>
+            <a:r>
+              <a:rPr lang="en-US" altLang="zh-CN" dirty="0"/>
+              <a:t>(Event-Based Asynchronous Pattern EAP) </a:t>
             </a:r>
             <a:endParaRPr lang="zh-CN" altLang="en-US" dirty="0"/>
           </a:p>
@@ -10301,181 +11260,1460 @@
           <a:bodyPr/>
           <a:lstStyle/>
           <a:p>
+            <a:r>
+              <a:rPr lang="en-US" altLang="zh-CN" dirty="0"/>
+              <a:t>– </a:t>
+            </a:r>
+            <a:r>
+              <a:rPr lang="en-US" altLang="zh-CN" dirty="0" smtClean="0"/>
+              <a:t>EAP</a:t>
+            </a:r>
+            <a:endParaRPr lang="en-US" altLang="zh-CN" dirty="0"/>
+          </a:p>
+          <a:p>
+            <a:r>
+              <a:rPr lang="en-US" altLang="zh-CN" dirty="0" err="1"/>
+              <a:t>.Net</a:t>
+            </a:r>
+            <a:r>
+              <a:rPr lang="en-US" altLang="zh-CN" dirty="0"/>
+              <a:t> Framework 2 </a:t>
+            </a:r>
+            <a:r>
+              <a:rPr lang="zh-CN" altLang="en-US" dirty="0"/>
+              <a:t>为异步操作引入了这个模式。一个以</a:t>
+            </a:r>
+            <a:r>
+              <a:rPr lang="en-US" altLang="zh-CN" dirty="0" err="1"/>
+              <a:t>Async</a:t>
+            </a:r>
+            <a:r>
+              <a:rPr lang="zh-CN" altLang="en-US" dirty="0"/>
+              <a:t>为后缀的方法加载异步执行，当异步执行完成或取消时，异步操作会抛出一个事件，一个委托可以与这个事件绑定，并提供处理事件的回调函数</a:t>
+            </a:r>
+            <a:r>
+              <a:rPr lang="zh-CN" altLang="en-US" dirty="0" smtClean="0"/>
+              <a:t>。（多文件下载</a:t>
+            </a:r>
+            <a:r>
+              <a:rPr lang="en-US" altLang="zh-CN" dirty="0" smtClean="0"/>
+              <a:t>demo</a:t>
+            </a:r>
+            <a:r>
+              <a:rPr lang="zh-CN" altLang="en-US" dirty="0" smtClean="0"/>
+              <a:t>）</a:t>
+            </a:r>
+            <a:endParaRPr lang="en-US" altLang="zh-CN" dirty="0" smtClean="0"/>
+          </a:p>
+          <a:p>
+            <a:pPr latinLnBrk="0"/>
+            <a:r>
+              <a:rPr lang="en-US" altLang="zh-CN" dirty="0"/>
+              <a:t>1</a:t>
+            </a:r>
+            <a:r>
+              <a:rPr lang="zh-CN" altLang="en-US" dirty="0"/>
+              <a:t>、要进行异步的方法其方法名应该以</a:t>
+            </a:r>
+            <a:r>
+              <a:rPr lang="en-US" altLang="zh-CN" dirty="0" err="1"/>
+              <a:t>XXXAsync</a:t>
+            </a:r>
+            <a:r>
+              <a:rPr lang="zh-CN" altLang="en-US" dirty="0"/>
+              <a:t>结尾</a:t>
+            </a:r>
+          </a:p>
+          <a:p>
+            <a:pPr latinLnBrk="0"/>
+            <a:r>
+              <a:rPr lang="en-US" altLang="zh-CN" dirty="0"/>
+              <a:t>2</a:t>
+            </a:r>
+            <a:r>
+              <a:rPr lang="zh-CN" altLang="en-US" dirty="0"/>
+              <a:t>、要有一个名为</a:t>
+            </a:r>
+            <a:r>
+              <a:rPr lang="en-US" altLang="zh-CN" dirty="0" err="1"/>
+              <a:t>XXXCompleted</a:t>
+            </a:r>
+            <a:r>
+              <a:rPr lang="zh-CN" altLang="en-US" dirty="0"/>
+              <a:t>的事件监听异步方法的完成</a:t>
+            </a:r>
+          </a:p>
+          <a:p>
+            <a:pPr latinLnBrk="0"/>
+            <a:r>
+              <a:rPr lang="en-US" altLang="zh-CN" dirty="0"/>
+              <a:t>3</a:t>
+            </a:r>
+            <a:r>
+              <a:rPr lang="zh-CN" altLang="en-US" dirty="0"/>
+              <a:t>、可增加一个</a:t>
+            </a:r>
+            <a:r>
+              <a:rPr lang="en-US" altLang="zh-CN" dirty="0" err="1"/>
+              <a:t>CancelAsync</a:t>
+            </a:r>
+            <a:r>
+              <a:rPr lang="zh-CN" altLang="en-US" dirty="0"/>
+              <a:t>方法用于取消正在执行的异步方法（可选）</a:t>
+            </a:r>
+          </a:p>
+          <a:p>
+            <a:endParaRPr lang="zh-CN" altLang="en-US" dirty="0"/>
+          </a:p>
+        </p:txBody>
+      </p:sp>
+    </p:spTree>
+  </p:cSld>
+  <p:clrMapOvr>
+    <a:masterClrMapping/>
+  </p:clrMapOvr>
+</p:sld>
+</file>
+
+<file path=ppt/slides/slide31.xml><?xml version="1.0" encoding="utf-8"?>
+<p:sld xmlns:a="http://schemas.openxmlformats.org/drawingml/2006/main" xmlns:r="http://schemas.openxmlformats.org/officeDocument/2006/relationships" xmlns:p="http://schemas.openxmlformats.org/presentationml/2006/main">
+  <p:cSld>
+    <p:spTree>
+      <p:nvGrpSpPr>
+        <p:cNvPr id="1" name=""/>
+        <p:cNvGrpSpPr/>
+        <p:nvPr/>
+      </p:nvGrpSpPr>
+      <p:grpSpPr>
+        <a:xfrm>
+          <a:off x="0" y="0"/>
+          <a:ext cx="0" cy="0"/>
+          <a:chOff x="0" y="0"/>
+          <a:chExt cx="0" cy="0"/>
+        </a:xfrm>
+      </p:grpSpPr>
+      <p:sp>
+        <p:nvSpPr>
+          <p:cNvPr id="2" name="标题 1"/>
+          <p:cNvSpPr>
+            <a:spLocks noGrp="1"/>
+          </p:cNvSpPr>
+          <p:nvPr>
+            <p:ph type="title"/>
+          </p:nvPr>
+        </p:nvSpPr>
+        <p:spPr/>
+        <p:txBody>
+          <a:bodyPr/>
+          <a:lstStyle/>
+          <a:p>
+            <a:r>
+              <a:rPr lang="en-US" altLang="zh-CN" dirty="0" smtClean="0"/>
+              <a:t>TASK</a:t>
+            </a:r>
+            <a:r>
+              <a:rPr lang="zh-CN" altLang="en-US" dirty="0" smtClean="0"/>
+              <a:t>封装</a:t>
+            </a:r>
+            <a:r>
+              <a:rPr lang="en-US" altLang="zh-CN" dirty="0" smtClean="0"/>
+              <a:t>EAP,APM</a:t>
+            </a:r>
+            <a:endParaRPr lang="zh-CN" altLang="en-US" dirty="0"/>
+          </a:p>
+        </p:txBody>
+      </p:sp>
+      <p:sp>
+        <p:nvSpPr>
+          <p:cNvPr id="3" name="内容占位符 2"/>
+          <p:cNvSpPr>
+            <a:spLocks noGrp="1"/>
+          </p:cNvSpPr>
+          <p:nvPr>
+            <p:ph sz="quarter" idx="11"/>
+          </p:nvPr>
+        </p:nvSpPr>
+        <p:spPr/>
+        <p:txBody>
+          <a:bodyPr/>
+          <a:lstStyle/>
+          <a:p>
+            <a:r>
+              <a:rPr lang="zh-CN" altLang="en-US" dirty="0"/>
+              <a:t>微软大力推广</a:t>
+            </a:r>
+            <a:r>
+              <a:rPr lang="en-US" altLang="zh-CN" dirty="0"/>
+              <a:t>Task</a:t>
+            </a:r>
+            <a:r>
+              <a:rPr lang="zh-CN" altLang="en-US" dirty="0"/>
+              <a:t>的时候，</a:t>
+            </a:r>
+            <a:r>
+              <a:rPr lang="en-US" altLang="zh-CN" dirty="0"/>
+              <a:t>APM</a:t>
+            </a:r>
+            <a:r>
+              <a:rPr lang="zh-CN" altLang="en-US" dirty="0"/>
+              <a:t>和</a:t>
+            </a:r>
+            <a:r>
+              <a:rPr lang="en-US" altLang="zh-CN" dirty="0"/>
+              <a:t>EAP</a:t>
+            </a:r>
+            <a:r>
+              <a:rPr lang="zh-CN" altLang="en-US" dirty="0"/>
+              <a:t>都能包装成</a:t>
+            </a:r>
+            <a:r>
+              <a:rPr lang="en-US" altLang="zh-CN" dirty="0"/>
+              <a:t>Task</a:t>
+            </a:r>
+            <a:r>
+              <a:rPr lang="zh-CN" altLang="en-US" dirty="0" smtClean="0"/>
+              <a:t>使用</a:t>
+            </a:r>
+            <a:endParaRPr lang="en-US" altLang="zh-CN" dirty="0" smtClean="0"/>
+          </a:p>
+          <a:p>
+            <a:r>
+              <a:rPr lang="en-US" altLang="zh-CN" dirty="0" smtClean="0"/>
+              <a:t>Task</a:t>
+            </a:r>
+            <a:r>
+              <a:rPr lang="zh-CN" altLang="en-US" dirty="0" smtClean="0"/>
+              <a:t>封装</a:t>
+            </a:r>
+            <a:r>
+              <a:rPr lang="en-US" altLang="zh-CN" dirty="0"/>
+              <a:t>APM </a:t>
+            </a:r>
+            <a:r>
+              <a:rPr lang="en-US" altLang="zh-CN" dirty="0" smtClean="0"/>
+              <a:t>ConsoleApplication25</a:t>
+            </a:r>
+          </a:p>
+          <a:p>
+            <a:r>
+              <a:rPr lang="en-US" altLang="zh-CN" dirty="0" smtClean="0"/>
+              <a:t>Task</a:t>
+            </a:r>
+            <a:r>
+              <a:rPr lang="zh-CN" altLang="en-US" dirty="0" smtClean="0"/>
+              <a:t>包装</a:t>
+            </a:r>
+            <a:r>
+              <a:rPr lang="en-US" altLang="zh-CN" dirty="0"/>
+              <a:t>EAP ConsoleApplication26</a:t>
+            </a:r>
+            <a:endParaRPr lang="zh-CN" altLang="en-US" dirty="0"/>
+          </a:p>
+          <a:p>
+            <a:endParaRPr lang="zh-CN" altLang="en-US" dirty="0"/>
+          </a:p>
+        </p:txBody>
+      </p:sp>
+    </p:spTree>
+    <p:extLst>
+      <p:ext uri="{BB962C8B-B14F-4D97-AF65-F5344CB8AC3E}">
+        <p14:creationId xmlns:p14="http://schemas.microsoft.com/office/powerpoint/2010/main" val="976216981"/>
+      </p:ext>
+    </p:extLst>
+  </p:cSld>
+  <p:clrMapOvr>
+    <a:masterClrMapping/>
+  </p:clrMapOvr>
+</p:sld>
+</file>
+
+<file path=ppt/slides/slide32.xml><?xml version="1.0" encoding="utf-8"?>
+<p:sld xmlns:a="http://schemas.openxmlformats.org/drawingml/2006/main" xmlns:r="http://schemas.openxmlformats.org/officeDocument/2006/relationships" xmlns:p="http://schemas.openxmlformats.org/presentationml/2006/main">
+  <p:cSld>
+    <p:spTree>
+      <p:nvGrpSpPr>
+        <p:cNvPr id="1" name=""/>
+        <p:cNvGrpSpPr/>
+        <p:nvPr/>
+      </p:nvGrpSpPr>
+      <p:grpSpPr>
+        <a:xfrm>
+          <a:off x="0" y="0"/>
+          <a:ext cx="0" cy="0"/>
+          <a:chOff x="0" y="0"/>
+          <a:chExt cx="0" cy="0"/>
+        </a:xfrm>
+      </p:grpSpPr>
+      <p:sp>
+        <p:nvSpPr>
+          <p:cNvPr id="2" name="标题 1"/>
+          <p:cNvSpPr>
+            <a:spLocks noGrp="1"/>
+          </p:cNvSpPr>
+          <p:nvPr>
+            <p:ph type="title"/>
+          </p:nvPr>
+        </p:nvSpPr>
+        <p:spPr/>
+        <p:txBody>
+          <a:bodyPr/>
+          <a:lstStyle/>
+          <a:p>
+            <a:r>
+              <a:rPr lang="en-US" altLang="zh-CN" b="1" dirty="0" err="1" smtClean="0"/>
+              <a:t>async</a:t>
+            </a:r>
+            <a:r>
+              <a:rPr lang="en-US" altLang="zh-CN" b="1" dirty="0" smtClean="0"/>
+              <a:t>/await</a:t>
+            </a:r>
+            <a:br>
+              <a:rPr lang="en-US" altLang="zh-CN" b="1" dirty="0" smtClean="0"/>
+            </a:br>
+            <a:endParaRPr lang="zh-CN" altLang="en-US" dirty="0"/>
+          </a:p>
+        </p:txBody>
+      </p:sp>
+      <p:sp>
+        <p:nvSpPr>
+          <p:cNvPr id="5" name="内容占位符 4"/>
+          <p:cNvSpPr>
+            <a:spLocks noGrp="1"/>
+          </p:cNvSpPr>
+          <p:nvPr>
+            <p:ph sz="quarter" idx="11"/>
+          </p:nvPr>
+        </p:nvSpPr>
+        <p:spPr/>
+        <p:txBody>
+          <a:bodyPr/>
+          <a:lstStyle/>
+          <a:p>
+            <a:r>
+              <a:rPr lang="zh-CN" altLang="en-US" dirty="0"/>
+              <a:t>专用于处理</a:t>
+            </a:r>
+            <a:r>
+              <a:rPr lang="zh-CN" altLang="en-US" dirty="0" smtClean="0"/>
+              <a:t>一些</a:t>
+            </a:r>
+            <a:r>
+              <a:rPr lang="en-US" altLang="zh-CN" dirty="0" smtClean="0"/>
+              <a:t>IO</a:t>
+            </a:r>
+            <a:r>
+              <a:rPr lang="zh-CN" altLang="en-US" dirty="0" smtClean="0"/>
+              <a:t>，默认使用</a:t>
+            </a:r>
+            <a:r>
+              <a:rPr lang="en-US" altLang="zh-CN" dirty="0" err="1" smtClean="0"/>
+              <a:t>ThreadPool</a:t>
+            </a:r>
+            <a:r>
+              <a:rPr lang="en-US" altLang="zh-CN" dirty="0" smtClean="0"/>
+              <a:t> </a:t>
+            </a:r>
+            <a:r>
+              <a:rPr lang="en-US" altLang="zh-CN" dirty="0" err="1" smtClean="0"/>
+              <a:t>IOthread</a:t>
+            </a:r>
+            <a:endParaRPr lang="en-US" altLang="zh-CN" dirty="0"/>
+          </a:p>
+          <a:p>
+            <a:r>
+              <a:rPr lang="zh-CN" altLang="en-US" dirty="0" smtClean="0"/>
+              <a:t>网络</a:t>
+            </a:r>
+            <a:r>
+              <a:rPr lang="en-US" altLang="zh-CN" dirty="0"/>
+              <a:t>IO</a:t>
+            </a:r>
+            <a:r>
+              <a:rPr lang="zh-CN" altLang="en-US" dirty="0"/>
+              <a:t>，文件</a:t>
+            </a:r>
+            <a:r>
+              <a:rPr lang="en-US" altLang="zh-CN" dirty="0"/>
+              <a:t>IO</a:t>
+            </a:r>
+            <a:r>
+              <a:rPr lang="zh-CN" altLang="en-US" dirty="0"/>
+              <a:t>都有一些异步方法。  </a:t>
+            </a:r>
+            <a:r>
+              <a:rPr lang="en-US" altLang="zh-CN" dirty="0" err="1"/>
+              <a:t>MemoryStream</a:t>
+            </a:r>
+            <a:r>
+              <a:rPr lang="zh-CN" altLang="en-US" dirty="0"/>
+              <a:t>，</a:t>
+            </a:r>
+            <a:r>
+              <a:rPr lang="en-US" altLang="zh-CN" dirty="0" err="1"/>
+              <a:t>FileStream</a:t>
+            </a:r>
+            <a:r>
+              <a:rPr lang="zh-CN" altLang="en-US" dirty="0"/>
+              <a:t>。</a:t>
+            </a:r>
+            <a:r>
+              <a:rPr lang="en-US" altLang="zh-CN" dirty="0" err="1" smtClean="0"/>
+              <a:t>WebRequest</a:t>
+            </a:r>
+            <a:endParaRPr lang="en-US" altLang="zh-CN" dirty="0" smtClean="0"/>
+          </a:p>
+          <a:p>
+            <a:endParaRPr lang="en-US" altLang="zh-CN" dirty="0"/>
+          </a:p>
+          <a:p>
+            <a:r>
+              <a:rPr lang="en-US" altLang="zh-CN" dirty="0" smtClean="0"/>
+              <a:t>ConsoleApplication27,  </a:t>
+            </a:r>
+            <a:r>
+              <a:rPr lang="zh-CN" altLang="en-US" dirty="0" smtClean="0"/>
+              <a:t>并且反编译查看代码</a:t>
+            </a:r>
+            <a:endParaRPr lang="en-US" altLang="zh-CN" dirty="0" smtClean="0"/>
+          </a:p>
+          <a:p>
+            <a:r>
+              <a:rPr lang="zh-CN" altLang="en-US" dirty="0" smtClean="0"/>
+              <a:t>等同于</a:t>
+            </a:r>
+            <a:r>
+              <a:rPr lang="en-US" altLang="zh-CN" dirty="0" smtClean="0"/>
+              <a:t>ConsoleApplication28</a:t>
+            </a:r>
+          </a:p>
+          <a:p>
+            <a:r>
+              <a:rPr lang="en-US" altLang="zh-CN" dirty="0"/>
+              <a:t>1. </a:t>
+            </a:r>
+            <a:r>
+              <a:rPr lang="en-US" altLang="zh-CN" dirty="0" err="1"/>
+              <a:t>AsyncTaskMethodBuilder</a:t>
+            </a:r>
+            <a:r>
+              <a:rPr lang="en-US" altLang="zh-CN" dirty="0"/>
+              <a:t> </a:t>
+            </a:r>
+            <a:r>
+              <a:rPr lang="zh-CN" altLang="en-US" dirty="0" smtClean="0"/>
+              <a:t>扮演</a:t>
+            </a:r>
+            <a:r>
+              <a:rPr lang="en-US" altLang="zh-CN" dirty="0" err="1" smtClean="0"/>
+              <a:t>TaskcomplationSource</a:t>
+            </a:r>
+            <a:r>
+              <a:rPr lang="zh-CN" altLang="en-US" dirty="0" smtClean="0"/>
+              <a:t>角色</a:t>
+            </a:r>
+            <a:r>
+              <a:rPr lang="zh-CN" altLang="en-US" dirty="0"/>
+              <a:t>，就是</a:t>
+            </a:r>
+            <a:r>
+              <a:rPr lang="zh-CN" altLang="en-US" dirty="0" smtClean="0"/>
+              <a:t>做</a:t>
+            </a:r>
+            <a:r>
+              <a:rPr lang="en-US" altLang="zh-CN" dirty="0" smtClean="0"/>
+              <a:t>Task</a:t>
+            </a:r>
+            <a:r>
+              <a:rPr lang="zh-CN" altLang="en-US" dirty="0"/>
+              <a:t>的包装器</a:t>
+            </a:r>
+            <a:r>
+              <a:rPr lang="zh-CN" altLang="en-US" dirty="0" smtClean="0"/>
+              <a:t>。</a:t>
+            </a:r>
+            <a:endParaRPr lang="zh-CN" altLang="en-US" dirty="0"/>
+          </a:p>
+          <a:p>
+            <a:r>
+              <a:rPr lang="en-US" altLang="zh-CN" dirty="0"/>
+              <a:t>2. state</a:t>
+            </a:r>
+            <a:r>
+              <a:rPr lang="zh-CN" altLang="en-US" dirty="0"/>
+              <a:t>：扮演者状态机状态的</a:t>
+            </a:r>
+            <a:r>
+              <a:rPr lang="zh-CN" altLang="en-US" dirty="0" smtClean="0"/>
+              <a:t>角色</a:t>
+            </a:r>
+            <a:endParaRPr lang="zh-CN" altLang="en-US" dirty="0"/>
+          </a:p>
+          <a:p>
+            <a:r>
+              <a:rPr lang="en-US" altLang="zh-CN" dirty="0"/>
+              <a:t>3. </a:t>
+            </a:r>
+            <a:r>
+              <a:rPr lang="en-US" altLang="zh-CN" dirty="0" err="1"/>
+              <a:t>AwaitUnsafeOnCompleted</a:t>
+            </a:r>
+            <a:r>
+              <a:rPr lang="en-US" altLang="zh-CN" dirty="0"/>
+              <a:t> </a:t>
+            </a:r>
+            <a:r>
+              <a:rPr lang="zh-CN" altLang="en-US" dirty="0"/>
+              <a:t>这个函数是丢给线程池去执行的，当某一时刻执行</a:t>
+            </a:r>
+          </a:p>
+          <a:p>
+            <a:r>
+              <a:rPr lang="zh-CN" altLang="en-US" dirty="0"/>
+              <a:t>			  结束，会调用</a:t>
+            </a:r>
+            <a:r>
+              <a:rPr lang="en-US" altLang="zh-CN" dirty="0" err="1"/>
+              <a:t>Movenext</a:t>
+            </a:r>
+            <a:r>
+              <a:rPr lang="zh-CN" altLang="en-US" dirty="0"/>
+              <a:t>。。。</a:t>
+            </a:r>
+          </a:p>
+          <a:p>
+            <a:r>
+              <a:rPr lang="en-US" altLang="zh-CN" dirty="0"/>
+              <a:t>private static void </a:t>
+            </a:r>
+            <a:r>
+              <a:rPr lang="en-US" altLang="zh-CN" dirty="0" err="1"/>
+              <a:t>InvokeMoveNext</a:t>
+            </a:r>
+            <a:r>
+              <a:rPr lang="en-US" altLang="zh-CN" dirty="0"/>
+              <a:t>(object </a:t>
+            </a:r>
+            <a:r>
+              <a:rPr lang="en-US" altLang="zh-CN" dirty="0" err="1"/>
+              <a:t>stateMachine</a:t>
+            </a:r>
+            <a:r>
+              <a:rPr lang="en-US" altLang="zh-CN" dirty="0"/>
+              <a:t>)</a:t>
+            </a:r>
+          </a:p>
+          <a:p>
+            <a:r>
+              <a:rPr lang="en-US" altLang="zh-CN" dirty="0"/>
+              <a:t>	{</a:t>
+            </a:r>
+          </a:p>
+          <a:p>
+            <a:r>
+              <a:rPr lang="en-US" altLang="zh-CN" dirty="0"/>
+              <a:t>		((</a:t>
+            </a:r>
+            <a:r>
+              <a:rPr lang="en-US" altLang="zh-CN" dirty="0" err="1"/>
+              <a:t>IAsyncStateMachine</a:t>
+            </a:r>
+            <a:r>
+              <a:rPr lang="en-US" altLang="zh-CN" dirty="0"/>
+              <a:t>)</a:t>
+            </a:r>
+            <a:r>
+              <a:rPr lang="en-US" altLang="zh-CN" dirty="0" err="1"/>
+              <a:t>stateMachine</a:t>
+            </a:r>
+            <a:r>
+              <a:rPr lang="en-US" altLang="zh-CN" dirty="0"/>
+              <a:t>).</a:t>
+            </a:r>
+            <a:r>
+              <a:rPr lang="en-US" altLang="zh-CN" dirty="0" err="1"/>
+              <a:t>MoveNext</a:t>
+            </a:r>
+            <a:r>
+              <a:rPr lang="en-US" altLang="zh-CN" dirty="0"/>
+              <a:t>();</a:t>
+            </a:r>
+          </a:p>
+          <a:p>
+            <a:r>
+              <a:rPr lang="en-US" altLang="zh-CN" dirty="0"/>
+              <a:t>	}</a:t>
+            </a:r>
+          </a:p>
+          <a:p>
+            <a:endParaRPr lang="zh-CN" altLang="en-US" dirty="0"/>
+          </a:p>
+        </p:txBody>
+      </p:sp>
+    </p:spTree>
+    <p:extLst>
+      <p:ext uri="{BB962C8B-B14F-4D97-AF65-F5344CB8AC3E}">
+        <p14:creationId xmlns:p14="http://schemas.microsoft.com/office/powerpoint/2010/main" val="983522891"/>
+      </p:ext>
+    </p:extLst>
+  </p:cSld>
+  <p:clrMapOvr>
+    <a:masterClrMapping/>
+  </p:clrMapOvr>
+</p:sld>
+</file>
+
+<file path=ppt/slides/slide33.xml><?xml version="1.0" encoding="utf-8"?>
+<p:sld xmlns:a="http://schemas.openxmlformats.org/drawingml/2006/main" xmlns:r="http://schemas.openxmlformats.org/officeDocument/2006/relationships" xmlns:p="http://schemas.openxmlformats.org/presentationml/2006/main">
+  <p:cSld>
+    <p:spTree>
+      <p:nvGrpSpPr>
+        <p:cNvPr id="1" name=""/>
+        <p:cNvGrpSpPr/>
+        <p:nvPr/>
+      </p:nvGrpSpPr>
+      <p:grpSpPr>
+        <a:xfrm>
+          <a:off x="0" y="0"/>
+          <a:ext cx="0" cy="0"/>
+          <a:chOff x="0" y="0"/>
+          <a:chExt cx="0" cy="0"/>
+        </a:xfrm>
+      </p:grpSpPr>
+      <p:sp>
+        <p:nvSpPr>
+          <p:cNvPr id="2" name="标题 1"/>
+          <p:cNvSpPr>
+            <a:spLocks noGrp="1"/>
+          </p:cNvSpPr>
+          <p:nvPr>
+            <p:ph type="title"/>
+          </p:nvPr>
+        </p:nvSpPr>
+        <p:spPr/>
+        <p:txBody>
+          <a:bodyPr/>
+          <a:lstStyle/>
+          <a:p>
+            <a:r>
+              <a:rPr lang="en-US" altLang="zh-CN" b="1" dirty="0" err="1" smtClean="0"/>
+              <a:t>async</a:t>
+            </a:r>
+            <a:r>
+              <a:rPr lang="en-US" altLang="zh-CN" b="1" dirty="0" smtClean="0"/>
+              <a:t>/await</a:t>
+            </a:r>
+            <a:br>
+              <a:rPr lang="en-US" altLang="zh-CN" b="1" dirty="0" smtClean="0"/>
+            </a:br>
+            <a:endParaRPr lang="zh-CN" altLang="en-US" dirty="0"/>
+          </a:p>
+        </p:txBody>
+      </p:sp>
+      <p:sp>
+        <p:nvSpPr>
+          <p:cNvPr id="5" name="内容占位符 4"/>
+          <p:cNvSpPr>
+            <a:spLocks noGrp="1"/>
+          </p:cNvSpPr>
+          <p:nvPr>
+            <p:ph sz="quarter" idx="11"/>
+          </p:nvPr>
+        </p:nvSpPr>
+        <p:spPr/>
+        <p:txBody>
+          <a:bodyPr/>
+          <a:lstStyle/>
+          <a:p>
+            <a:r>
+              <a:rPr lang="en-US" altLang="zh-CN" dirty="0" smtClean="0"/>
+              <a:t>C#5.0</a:t>
+            </a:r>
+            <a:r>
+              <a:rPr lang="zh-CN" altLang="en-US" dirty="0" smtClean="0"/>
+              <a:t>出来的语法糖</a:t>
+            </a:r>
+            <a:endParaRPr lang="en-US" altLang="zh-CN" dirty="0" smtClean="0"/>
+          </a:p>
+          <a:p>
+            <a:r>
+              <a:rPr lang="zh-CN" altLang="en-US" dirty="0" smtClean="0"/>
+              <a:t>它的好处是代码</a:t>
+            </a:r>
+            <a:r>
+              <a:rPr lang="zh-CN" altLang="en-US" dirty="0"/>
+              <a:t>易读性</a:t>
+            </a:r>
+            <a:r>
+              <a:rPr lang="zh-CN" altLang="en-US" dirty="0" smtClean="0"/>
+              <a:t>高</a:t>
+            </a:r>
+            <a:r>
+              <a:rPr lang="en-US" altLang="zh-CN" dirty="0" smtClean="0"/>
+              <a:t>,</a:t>
+            </a:r>
+            <a:r>
+              <a:rPr lang="zh-CN" altLang="en-US" dirty="0" smtClean="0"/>
+              <a:t>代码</a:t>
+            </a:r>
+            <a:r>
+              <a:rPr lang="zh-CN" altLang="en-US" dirty="0"/>
+              <a:t>简洁，把异步的代码形式写成了同步</a:t>
+            </a:r>
+            <a:r>
+              <a:rPr lang="zh-CN" altLang="en-US" dirty="0" smtClean="0"/>
+              <a:t>方式</a:t>
+            </a:r>
+            <a:endParaRPr lang="en-US" altLang="zh-CN" dirty="0" smtClean="0"/>
+          </a:p>
+          <a:p>
+            <a:r>
+              <a:rPr lang="zh-CN" altLang="en-US" dirty="0" smtClean="0"/>
+              <a:t>特别对于网站，网站的并发量是由</a:t>
+            </a:r>
+            <a:r>
+              <a:rPr lang="en-US" altLang="zh-CN" dirty="0" smtClean="0"/>
+              <a:t>IIS</a:t>
+            </a:r>
+            <a:r>
+              <a:rPr lang="zh-CN" altLang="en-US" dirty="0" smtClean="0"/>
+              <a:t>相应站点配置的应用池队列大小、最大工作进程数和最大并发连接数决定的</a:t>
+            </a:r>
+            <a:endParaRPr lang="en-US" altLang="zh-CN" dirty="0" smtClean="0"/>
+          </a:p>
+          <a:p>
+            <a:r>
+              <a:rPr lang="en-US" altLang="zh-CN" dirty="0" smtClean="0"/>
+              <a:t>IIS</a:t>
+            </a:r>
+            <a:r>
+              <a:rPr lang="zh-CN" altLang="en-US" dirty="0" smtClean="0"/>
+              <a:t>最大并发连接数 </a:t>
+            </a:r>
+            <a:r>
+              <a:rPr lang="en-US" altLang="zh-CN" dirty="0" smtClean="0"/>
+              <a:t>= </a:t>
+            </a:r>
+            <a:r>
+              <a:rPr lang="zh-CN" altLang="en-US" dirty="0" smtClean="0"/>
+              <a:t>队列长度 </a:t>
+            </a:r>
+            <a:r>
+              <a:rPr lang="en-US" altLang="zh-CN" dirty="0" smtClean="0"/>
+              <a:t>+ IIS</a:t>
+            </a:r>
+            <a:r>
+              <a:rPr lang="zh-CN" altLang="en-US" dirty="0" smtClean="0"/>
+              <a:t>最大并发工作线程数</a:t>
+            </a:r>
+            <a:endParaRPr lang="en-US" altLang="zh-CN" dirty="0" smtClean="0"/>
+          </a:p>
+          <a:p>
+            <a:r>
+              <a:rPr lang="en-US" altLang="zh-CN" dirty="0" smtClean="0"/>
+              <a:t>IIS</a:t>
+            </a:r>
+            <a:r>
+              <a:rPr lang="zh-CN" altLang="en-US" dirty="0" smtClean="0"/>
+              <a:t>的默认值对我们网站并发处理能力的影响。</a:t>
+            </a:r>
+            <a:r>
+              <a:rPr lang="en-US" altLang="zh-CN" dirty="0" smtClean="0"/>
+              <a:t>IIS</a:t>
+            </a:r>
+            <a:r>
+              <a:rPr lang="zh-CN" altLang="en-US" dirty="0" smtClean="0"/>
+              <a:t>默认的</a:t>
+            </a:r>
+            <a:r>
+              <a:rPr lang="en-US" altLang="zh-CN" dirty="0" smtClean="0"/>
+              <a:t>【</a:t>
+            </a:r>
+            <a:r>
+              <a:rPr lang="zh-CN" altLang="en-US" dirty="0" smtClean="0"/>
+              <a:t>最大并发连接数</a:t>
+            </a:r>
+            <a:r>
+              <a:rPr lang="en-US" altLang="zh-CN" dirty="0" smtClean="0"/>
+              <a:t>】</a:t>
+            </a:r>
+            <a:r>
+              <a:rPr lang="zh-CN" altLang="en-US" dirty="0" smtClean="0"/>
+              <a:t>为</a:t>
+            </a:r>
+            <a:r>
+              <a:rPr lang="en-US" altLang="zh-CN" dirty="0" smtClean="0"/>
+              <a:t>4294967295</a:t>
+            </a:r>
+            <a:r>
+              <a:rPr lang="zh-CN" altLang="en-US" dirty="0" smtClean="0"/>
+              <a:t>（</a:t>
+            </a:r>
+            <a:r>
+              <a:rPr lang="en-US" altLang="zh-CN" dirty="0" smtClean="0"/>
+              <a:t>42</a:t>
+            </a:r>
+            <a:r>
+              <a:rPr lang="zh-CN" altLang="en-US" dirty="0" smtClean="0"/>
+              <a:t>亿多），而</a:t>
+            </a:r>
+            <a:r>
+              <a:rPr lang="en-US" altLang="zh-CN" dirty="0" smtClean="0"/>
+              <a:t>【</a:t>
+            </a:r>
+            <a:r>
+              <a:rPr lang="zh-CN" altLang="en-US" dirty="0" smtClean="0"/>
+              <a:t>队列长度</a:t>
+            </a:r>
+            <a:r>
+              <a:rPr lang="en-US" altLang="zh-CN" dirty="0" smtClean="0"/>
+              <a:t>】</a:t>
+            </a:r>
+            <a:r>
+              <a:rPr lang="zh-CN" altLang="en-US" dirty="0" smtClean="0"/>
+              <a:t>默认值为</a:t>
+            </a:r>
+            <a:r>
+              <a:rPr lang="en-US" altLang="zh-CN" dirty="0" smtClean="0"/>
+              <a:t>1000</a:t>
+            </a:r>
+            <a:r>
+              <a:rPr lang="zh-CN" altLang="en-US" dirty="0" smtClean="0"/>
+              <a:t>。对于</a:t>
+            </a:r>
+            <a:r>
+              <a:rPr lang="en-US" altLang="zh-CN" dirty="0" smtClean="0"/>
+              <a:t>windows server</a:t>
+            </a:r>
+            <a:r>
+              <a:rPr lang="zh-CN" altLang="en-US" dirty="0" smtClean="0"/>
+              <a:t>版本的</a:t>
+            </a:r>
+            <a:r>
+              <a:rPr lang="en-US" altLang="zh-CN" dirty="0" smtClean="0"/>
+              <a:t>IIS</a:t>
+            </a:r>
+            <a:r>
+              <a:rPr lang="zh-CN" altLang="en-US" dirty="0" smtClean="0"/>
+              <a:t>，最大并发工作线程数可能几百（猜测，可能没有限制），按照这个默认值，那么</a:t>
+            </a:r>
+            <a:r>
+              <a:rPr lang="en-US" altLang="zh-CN" dirty="0" smtClean="0"/>
+              <a:t>IIS</a:t>
+            </a:r>
+            <a:r>
+              <a:rPr lang="zh-CN" altLang="en-US" dirty="0" smtClean="0"/>
+              <a:t>同时处理的请求数也就</a:t>
+            </a:r>
+            <a:r>
+              <a:rPr lang="en-US" altLang="zh-CN" dirty="0" smtClean="0"/>
+              <a:t>1000</a:t>
+            </a:r>
+            <a:r>
+              <a:rPr lang="zh-CN" altLang="en-US" dirty="0" smtClean="0"/>
+              <a:t>多。</a:t>
+            </a:r>
+            <a:endParaRPr lang="en-US" altLang="zh-CN" dirty="0" smtClean="0"/>
+          </a:p>
+          <a:p>
+            <a:r>
+              <a:rPr lang="en-US" altLang="zh-CN" dirty="0" err="1" smtClean="0"/>
+              <a:t>Async</a:t>
+            </a:r>
+            <a:r>
+              <a:rPr lang="en-US" altLang="zh-CN" dirty="0" smtClean="0"/>
+              <a:t> await </a:t>
+            </a:r>
+            <a:r>
+              <a:rPr lang="zh-CN" altLang="en-US" dirty="0" smtClean="0"/>
+              <a:t>可以有效的释放当前的</a:t>
+            </a:r>
+            <a:r>
+              <a:rPr lang="en-US" altLang="zh-CN" dirty="0" smtClean="0"/>
+              <a:t>worker</a:t>
+            </a:r>
+            <a:r>
+              <a:rPr lang="zh-CN" altLang="en-US" dirty="0" smtClean="0"/>
+              <a:t>线程，调用</a:t>
+            </a:r>
+            <a:r>
+              <a:rPr lang="en-US" altLang="zh-CN" dirty="0" smtClean="0"/>
+              <a:t>CLR</a:t>
+            </a:r>
+            <a:r>
+              <a:rPr lang="zh-CN" altLang="en-US" dirty="0" smtClean="0"/>
+              <a:t>线程池执行异步操作，</a:t>
+            </a:r>
+            <a:r>
+              <a:rPr lang="en-US" altLang="zh-CN" dirty="0" smtClean="0"/>
+              <a:t>worker</a:t>
+            </a:r>
+            <a:r>
+              <a:rPr lang="zh-CN" altLang="en-US" dirty="0" smtClean="0"/>
+              <a:t>线程可以处理其他请求，提高了网站的并发量</a:t>
+            </a:r>
+            <a:endParaRPr lang="zh-CN" altLang="en-US" dirty="0"/>
+          </a:p>
+        </p:txBody>
+      </p:sp>
+    </p:spTree>
+  </p:cSld>
+  <p:clrMapOvr>
+    <a:masterClrMapping/>
+  </p:clrMapOvr>
+</p:sld>
+</file>
+
+<file path=ppt/slides/slide34.xml><?xml version="1.0" encoding="utf-8"?>
+<p:sld xmlns:a="http://schemas.openxmlformats.org/drawingml/2006/main" xmlns:r="http://schemas.openxmlformats.org/officeDocument/2006/relationships" xmlns:p="http://schemas.openxmlformats.org/presentationml/2006/main">
+  <p:cSld>
+    <p:spTree>
+      <p:nvGrpSpPr>
+        <p:cNvPr id="1" name=""/>
+        <p:cNvGrpSpPr/>
+        <p:nvPr/>
+      </p:nvGrpSpPr>
+      <p:grpSpPr>
+        <a:xfrm>
+          <a:off x="0" y="0"/>
+          <a:ext cx="0" cy="0"/>
+          <a:chOff x="0" y="0"/>
+          <a:chExt cx="0" cy="0"/>
+        </a:xfrm>
+      </p:grpSpPr>
+      <p:sp>
+        <p:nvSpPr>
+          <p:cNvPr id="2" name="标题 1"/>
+          <p:cNvSpPr>
+            <a:spLocks noGrp="1"/>
+          </p:cNvSpPr>
+          <p:nvPr>
+            <p:ph type="title"/>
+          </p:nvPr>
+        </p:nvSpPr>
+        <p:spPr/>
+        <p:txBody>
+          <a:bodyPr/>
+          <a:lstStyle/>
+          <a:p>
+            <a:r>
+              <a:rPr lang="en-US" altLang="zh-CN" b="1" dirty="0" err="1" smtClean="0"/>
+              <a:t>async</a:t>
+            </a:r>
+            <a:r>
+              <a:rPr lang="en-US" altLang="zh-CN" b="1" dirty="0" smtClean="0"/>
+              <a:t>/await</a:t>
+            </a:r>
+            <a:br>
+              <a:rPr lang="en-US" altLang="zh-CN" b="1" dirty="0" smtClean="0"/>
+            </a:br>
+            <a:endParaRPr lang="zh-CN" altLang="en-US" dirty="0"/>
+          </a:p>
+        </p:txBody>
+      </p:sp>
+      <p:sp>
+        <p:nvSpPr>
+          <p:cNvPr id="5" name="内容占位符 4"/>
+          <p:cNvSpPr>
+            <a:spLocks noGrp="1"/>
+          </p:cNvSpPr>
+          <p:nvPr>
+            <p:ph sz="quarter" idx="11"/>
+          </p:nvPr>
+        </p:nvSpPr>
+        <p:spPr/>
+        <p:txBody>
+          <a:bodyPr/>
+          <a:lstStyle/>
+          <a:p>
+            <a:r>
+              <a:rPr lang="zh-CN" altLang="en-US" dirty="0"/>
+              <a:t>多</a:t>
+            </a:r>
+            <a:r>
+              <a:rPr lang="zh-CN" altLang="en-US" dirty="0" smtClean="0"/>
+              <a:t>线程并发可以提升多任务的效率，</a:t>
+            </a:r>
+            <a:r>
+              <a:rPr lang="zh-CN" altLang="en-US" dirty="0"/>
+              <a:t>不会</a:t>
+            </a:r>
+            <a:r>
+              <a:rPr lang="zh-CN" altLang="en-US" dirty="0" smtClean="0"/>
+              <a:t>提高响应速度。</a:t>
+            </a:r>
+            <a:endParaRPr lang="en-US" altLang="zh-CN" dirty="0" smtClean="0"/>
+          </a:p>
+          <a:p>
+            <a:r>
+              <a:rPr lang="zh-CN" altLang="en-US" dirty="0" smtClean="0"/>
+              <a:t>异步</a:t>
+            </a:r>
+            <a:r>
+              <a:rPr lang="en-US" altLang="zh-CN" dirty="0" smtClean="0"/>
+              <a:t>action</a:t>
+            </a:r>
+            <a:r>
+              <a:rPr lang="zh-CN" altLang="en-US" dirty="0" smtClean="0"/>
+              <a:t>可能由两个</a:t>
+            </a:r>
+            <a:r>
+              <a:rPr lang="en-US" altLang="zh-CN" dirty="0" smtClean="0"/>
+              <a:t>worker</a:t>
+            </a:r>
+            <a:r>
+              <a:rPr lang="zh-CN" altLang="en-US" dirty="0" smtClean="0"/>
+              <a:t>线程处理</a:t>
+            </a:r>
+            <a:endParaRPr lang="en-US" altLang="zh-CN" dirty="0" smtClean="0"/>
+          </a:p>
+          <a:p>
+            <a:endParaRPr lang="en-US" altLang="zh-CN" dirty="0"/>
+          </a:p>
+          <a:p>
+            <a:r>
+              <a:rPr lang="en-US" altLang="zh-CN" b="1" dirty="0" err="1"/>
+              <a:t>FileStream</a:t>
+            </a:r>
+            <a:r>
+              <a:rPr lang="zh-CN" altLang="en-US" b="1" dirty="0"/>
+              <a:t>操作：</a:t>
+            </a:r>
+            <a:r>
+              <a:rPr lang="en-US" altLang="zh-CN" dirty="0" err="1"/>
+              <a:t>BeginRead</a:t>
+            </a:r>
+            <a:r>
+              <a:rPr lang="zh-CN" altLang="en-US" dirty="0"/>
+              <a:t>、</a:t>
+            </a:r>
+            <a:r>
+              <a:rPr lang="en-US" altLang="zh-CN" dirty="0" err="1"/>
+              <a:t>BeginWrite</a:t>
+            </a:r>
+            <a:r>
+              <a:rPr lang="zh-CN" altLang="en-US" dirty="0"/>
+              <a:t>。调用</a:t>
+            </a:r>
+            <a:r>
+              <a:rPr lang="en-US" altLang="zh-CN" dirty="0" err="1"/>
+              <a:t>BeginRead</a:t>
+            </a:r>
+            <a:r>
+              <a:rPr lang="en-US" altLang="zh-CN" dirty="0"/>
+              <a:t>/</a:t>
+            </a:r>
+            <a:r>
+              <a:rPr lang="en-US" altLang="zh-CN" dirty="0" err="1"/>
+              <a:t>BeginWrite</a:t>
+            </a:r>
+            <a:r>
+              <a:rPr lang="zh-CN" altLang="en-US" dirty="0"/>
+              <a:t>时会发起一个异步操作，但是只有在创建</a:t>
+            </a:r>
+            <a:r>
+              <a:rPr lang="en-US" altLang="zh-CN" dirty="0" err="1"/>
+              <a:t>FileStream</a:t>
+            </a:r>
+            <a:r>
+              <a:rPr lang="zh-CN" altLang="en-US" dirty="0"/>
+              <a:t>时传入</a:t>
+            </a:r>
+            <a:r>
+              <a:rPr lang="en-US" altLang="zh-CN" dirty="0" err="1"/>
+              <a:t>FileOptions.Asynchronous</a:t>
+            </a:r>
+            <a:r>
+              <a:rPr lang="zh-CN" altLang="en-US" dirty="0"/>
+              <a:t>参数才能获取真正的</a:t>
+            </a:r>
+            <a:r>
+              <a:rPr lang="en-US" altLang="zh-CN" dirty="0"/>
+              <a:t>IOCP</a:t>
+            </a:r>
+            <a:r>
+              <a:rPr lang="zh-CN" altLang="en-US" dirty="0"/>
+              <a:t>支持，否则</a:t>
+            </a:r>
+            <a:r>
+              <a:rPr lang="en-US" altLang="zh-CN" dirty="0" err="1"/>
+              <a:t>BeginXXX</a:t>
+            </a:r>
+            <a:r>
+              <a:rPr lang="zh-CN" altLang="en-US" dirty="0"/>
+              <a:t>方法将会使用默认定义在</a:t>
+            </a:r>
+            <a:r>
+              <a:rPr lang="en-US" altLang="zh-CN" dirty="0"/>
+              <a:t>Stream</a:t>
+            </a:r>
+            <a:r>
+              <a:rPr lang="zh-CN" altLang="en-US" dirty="0"/>
+              <a:t>基类上的实现。</a:t>
+            </a:r>
+            <a:r>
+              <a:rPr lang="en-US" altLang="zh-CN" dirty="0"/>
+              <a:t>Stream</a:t>
+            </a:r>
+            <a:r>
+              <a:rPr lang="zh-CN" altLang="en-US" dirty="0"/>
+              <a:t>基类中</a:t>
+            </a:r>
+            <a:r>
+              <a:rPr lang="en-US" altLang="zh-CN" dirty="0" err="1"/>
+              <a:t>BeginXXX</a:t>
+            </a:r>
+            <a:r>
+              <a:rPr lang="zh-CN" altLang="en-US" dirty="0"/>
+              <a:t>方法会使用委托的</a:t>
+            </a:r>
+            <a:r>
+              <a:rPr lang="en-US" altLang="zh-CN" dirty="0" err="1"/>
+              <a:t>BeginInvoke</a:t>
+            </a:r>
+            <a:r>
+              <a:rPr lang="zh-CN" altLang="en-US" dirty="0"/>
+              <a:t>方法来发起异步调用</a:t>
+            </a:r>
+            <a:r>
+              <a:rPr lang="en-US" altLang="zh-CN" dirty="0"/>
+              <a:t>——</a:t>
+            </a:r>
+            <a:r>
+              <a:rPr lang="zh-CN" altLang="en-US" dirty="0"/>
+              <a:t>这会使用一个额外的线程来执行任务。虽然当前调用线程立即返回了，但是数据的读取或写入操作依旧占用着另一个线程（</a:t>
+            </a:r>
+            <a:r>
+              <a:rPr lang="en-US" altLang="zh-CN" dirty="0"/>
+              <a:t>IOCP</a:t>
+            </a:r>
+            <a:r>
+              <a:rPr lang="zh-CN" altLang="en-US" dirty="0"/>
+              <a:t>支持的异步操作时不需要线程的），因此并没有任何“节省”，反而还很有可能降低了应用程序的性能，因为额外的线程切换会造成性能损失。</a:t>
+            </a:r>
+          </a:p>
+          <a:p>
+            <a:r>
+              <a:rPr lang="en-US" altLang="zh-CN" b="1" dirty="0"/>
+              <a:t>DNS</a:t>
+            </a:r>
+            <a:r>
+              <a:rPr lang="zh-CN" altLang="en-US" b="1" dirty="0"/>
+              <a:t>操作：</a:t>
+            </a:r>
+            <a:r>
+              <a:rPr lang="en-US" altLang="zh-CN" dirty="0" err="1"/>
+              <a:t>BeginGetHostByName</a:t>
+            </a:r>
+            <a:r>
+              <a:rPr lang="zh-CN" altLang="en-US" dirty="0"/>
+              <a:t>、</a:t>
+            </a:r>
+            <a:r>
+              <a:rPr lang="en-US" altLang="zh-CN" dirty="0" err="1"/>
+              <a:t>BeginResolve</a:t>
+            </a:r>
+            <a:r>
+              <a:rPr lang="zh-CN" altLang="en-US" dirty="0"/>
+              <a:t>。</a:t>
+            </a:r>
+          </a:p>
+          <a:p>
+            <a:r>
+              <a:rPr lang="en-US" altLang="zh-CN" b="1" dirty="0"/>
+              <a:t>Socket</a:t>
+            </a:r>
+            <a:r>
+              <a:rPr lang="zh-CN" altLang="en-US" b="1" dirty="0"/>
+              <a:t>操作：</a:t>
+            </a:r>
+            <a:r>
+              <a:rPr lang="en-US" altLang="zh-CN" dirty="0" err="1"/>
+              <a:t>BeginAccept</a:t>
+            </a:r>
+            <a:r>
+              <a:rPr lang="zh-CN" altLang="en-US" dirty="0"/>
+              <a:t>、</a:t>
+            </a:r>
+            <a:r>
+              <a:rPr lang="en-US" altLang="zh-CN" dirty="0" err="1"/>
+              <a:t>BeginConnect</a:t>
+            </a:r>
+            <a:r>
+              <a:rPr lang="zh-CN" altLang="en-US" dirty="0"/>
+              <a:t>、</a:t>
+            </a:r>
+            <a:r>
+              <a:rPr lang="en-US" altLang="zh-CN" dirty="0" err="1"/>
+              <a:t>BeginReceive</a:t>
+            </a:r>
+            <a:r>
+              <a:rPr lang="zh-CN" altLang="en-US" dirty="0"/>
+              <a:t>等等。</a:t>
+            </a:r>
+          </a:p>
+          <a:p>
+            <a:r>
+              <a:rPr lang="en-US" altLang="zh-CN" b="1" dirty="0" err="1"/>
+              <a:t>WebRequest</a:t>
+            </a:r>
+            <a:r>
+              <a:rPr lang="zh-CN" altLang="en-US" b="1" dirty="0"/>
+              <a:t>操作：</a:t>
+            </a:r>
+            <a:r>
+              <a:rPr lang="en-US" altLang="zh-CN" dirty="0" err="1"/>
+              <a:t>BeginGetRequestStream</a:t>
+            </a:r>
+            <a:r>
+              <a:rPr lang="zh-CN" altLang="en-US" dirty="0"/>
+              <a:t>、</a:t>
+            </a:r>
+            <a:r>
+              <a:rPr lang="en-US" altLang="zh-CN" dirty="0" err="1"/>
+              <a:t>BeginGetResponse</a:t>
+            </a:r>
+            <a:r>
+              <a:rPr lang="zh-CN" altLang="en-US" dirty="0"/>
+              <a:t>。</a:t>
+            </a:r>
+          </a:p>
+          <a:p>
+            <a:r>
+              <a:rPr lang="en-US" altLang="zh-CN" b="1" dirty="0" err="1"/>
+              <a:t>SqlCommand</a:t>
+            </a:r>
+            <a:r>
+              <a:rPr lang="zh-CN" altLang="en-US" b="1" dirty="0"/>
+              <a:t>操作：</a:t>
+            </a:r>
+            <a:r>
+              <a:rPr lang="en-US" altLang="zh-CN" dirty="0" err="1"/>
+              <a:t>BeginExecuteReader</a:t>
+            </a:r>
+            <a:r>
+              <a:rPr lang="zh-CN" altLang="en-US" dirty="0"/>
+              <a:t>、</a:t>
+            </a:r>
+            <a:r>
+              <a:rPr lang="en-US" altLang="zh-CN" dirty="0" err="1"/>
+              <a:t>BeginExecuteNonQuery</a:t>
+            </a:r>
+            <a:r>
+              <a:rPr lang="zh-CN" altLang="en-US" dirty="0"/>
+              <a:t>等等。这可能是开发一个</a:t>
+            </a:r>
+            <a:r>
+              <a:rPr lang="en-US" altLang="zh-CN" dirty="0"/>
+              <a:t>Web</a:t>
+            </a:r>
+            <a:r>
+              <a:rPr lang="zh-CN" altLang="en-US" dirty="0"/>
+              <a:t>应用时最常用的异步操作了。如果需要在执行数据库操作时得到</a:t>
+            </a:r>
+            <a:r>
+              <a:rPr lang="en-US" altLang="zh-CN" dirty="0"/>
+              <a:t>IOCP</a:t>
+            </a:r>
+            <a:r>
+              <a:rPr lang="zh-CN" altLang="en-US" dirty="0"/>
+              <a:t>支持，那么需要在连接字符串中标记</a:t>
+            </a:r>
+            <a:r>
+              <a:rPr lang="en-US" altLang="zh-CN" dirty="0"/>
+              <a:t>Asynchronous Processing</a:t>
+            </a:r>
+            <a:r>
+              <a:rPr lang="zh-CN" altLang="en-US" dirty="0"/>
+              <a:t>为</a:t>
+            </a:r>
+            <a:r>
+              <a:rPr lang="en-US" altLang="zh-CN" dirty="0"/>
+              <a:t>true</a:t>
+            </a:r>
+            <a:r>
+              <a:rPr lang="zh-CN" altLang="en-US" dirty="0"/>
+              <a:t>（默认为</a:t>
+            </a:r>
+            <a:r>
+              <a:rPr lang="en-US" altLang="zh-CN" dirty="0"/>
+              <a:t>false</a:t>
+            </a:r>
+            <a:r>
+              <a:rPr lang="zh-CN" altLang="en-US" dirty="0"/>
+              <a:t>），否则在调用</a:t>
+            </a:r>
+            <a:r>
+              <a:rPr lang="en-US" altLang="zh-CN" dirty="0" err="1"/>
+              <a:t>BeginXXX</a:t>
+            </a:r>
+            <a:r>
+              <a:rPr lang="zh-CN" altLang="en-US" dirty="0"/>
+              <a:t>操作时就会抛出异常。</a:t>
+            </a:r>
+          </a:p>
+          <a:p>
+            <a:r>
+              <a:rPr lang="en-US" altLang="zh-CN" b="1" dirty="0" err="1"/>
+              <a:t>WebServcie</a:t>
+            </a:r>
+            <a:r>
+              <a:rPr lang="zh-CN" altLang="en-US" b="1" dirty="0"/>
+              <a:t>调用操作：</a:t>
+            </a:r>
+            <a:r>
+              <a:rPr lang="zh-CN" altLang="en-US" dirty="0"/>
+              <a:t>例如</a:t>
+            </a:r>
+            <a:r>
+              <a:rPr lang="en-US" altLang="zh-CN" dirty="0"/>
+              <a:t>.NET 2.0</a:t>
+            </a:r>
+            <a:r>
+              <a:rPr lang="zh-CN" altLang="en-US" dirty="0"/>
+              <a:t>或</a:t>
+            </a:r>
+            <a:r>
+              <a:rPr lang="en-US" altLang="zh-CN" dirty="0"/>
+              <a:t>WCF</a:t>
+            </a:r>
+            <a:r>
+              <a:rPr lang="zh-CN" altLang="en-US" dirty="0"/>
+              <a:t>生成的</a:t>
+            </a:r>
+            <a:r>
+              <a:rPr lang="en-US" altLang="zh-CN" dirty="0"/>
+              <a:t>Web Service Proxy</a:t>
+            </a:r>
+            <a:r>
+              <a:rPr lang="zh-CN" altLang="en-US" dirty="0"/>
+              <a:t>中的</a:t>
+            </a:r>
+            <a:r>
+              <a:rPr lang="en-US" altLang="zh-CN" dirty="0" err="1"/>
+              <a:t>BeginXXX</a:t>
+            </a:r>
+            <a:r>
+              <a:rPr lang="zh-CN" altLang="en-US" dirty="0"/>
+              <a:t>方法、</a:t>
+            </a:r>
+            <a:r>
+              <a:rPr lang="en-US" altLang="zh-CN" dirty="0"/>
+              <a:t>WCF</a:t>
+            </a:r>
+            <a:r>
+              <a:rPr lang="zh-CN" altLang="en-US" dirty="0"/>
+              <a:t>中</a:t>
+            </a:r>
+            <a:r>
+              <a:rPr lang="en-US" altLang="zh-CN" dirty="0" err="1"/>
+              <a:t>ClientBase</a:t>
+            </a:r>
+            <a:r>
+              <a:rPr lang="en-US" altLang="zh-CN" dirty="0"/>
+              <a:t>&lt;</a:t>
+            </a:r>
+            <a:r>
+              <a:rPr lang="en-US" altLang="zh-CN" dirty="0" err="1"/>
+              <a:t>TChannel</a:t>
+            </a:r>
+            <a:r>
+              <a:rPr lang="en-US" altLang="zh-CN" dirty="0"/>
+              <a:t>&gt;</a:t>
+            </a:r>
+            <a:r>
+              <a:rPr lang="zh-CN" altLang="en-US" dirty="0"/>
+              <a:t>的</a:t>
+            </a:r>
+            <a:r>
+              <a:rPr lang="en-US" altLang="zh-CN" dirty="0" err="1"/>
+              <a:t>InvokeAsync</a:t>
+            </a:r>
+            <a:r>
+              <a:rPr lang="zh-CN" altLang="en-US" dirty="0"/>
+              <a:t>方法</a:t>
+            </a:r>
+          </a:p>
+        </p:txBody>
+      </p:sp>
+    </p:spTree>
+  </p:cSld>
+  <p:clrMapOvr>
+    <a:masterClrMapping/>
+  </p:clrMapOvr>
+</p:sld>
+</file>
+
+<file path=ppt/slides/slide35.xml><?xml version="1.0" encoding="utf-8"?>
+<p:sld xmlns:a="http://schemas.openxmlformats.org/drawingml/2006/main" xmlns:r="http://schemas.openxmlformats.org/officeDocument/2006/relationships" xmlns:p="http://schemas.openxmlformats.org/presentationml/2006/main">
+  <p:cSld>
+    <p:spTree>
+      <p:nvGrpSpPr>
+        <p:cNvPr id="1" name=""/>
+        <p:cNvGrpSpPr/>
+        <p:nvPr/>
+      </p:nvGrpSpPr>
+      <p:grpSpPr>
+        <a:xfrm>
+          <a:off x="0" y="0"/>
+          <a:ext cx="0" cy="0"/>
+          <a:chOff x="0" y="0"/>
+          <a:chExt cx="0" cy="0"/>
+        </a:xfrm>
+      </p:grpSpPr>
+      <p:sp>
+        <p:nvSpPr>
+          <p:cNvPr id="2" name="标题 1"/>
+          <p:cNvSpPr>
+            <a:spLocks noGrp="1"/>
+          </p:cNvSpPr>
+          <p:nvPr>
+            <p:ph type="title"/>
+          </p:nvPr>
+        </p:nvSpPr>
+        <p:spPr/>
+        <p:txBody>
+          <a:bodyPr/>
+          <a:lstStyle/>
+          <a:p>
+            <a:r>
+              <a:rPr lang="en-US" altLang="zh-CN" dirty="0" smtClean="0"/>
+              <a:t>Framework</a:t>
+            </a:r>
+            <a:r>
+              <a:rPr lang="zh-CN" altLang="en-US" dirty="0" smtClean="0"/>
+              <a:t>源码</a:t>
+            </a:r>
+            <a:endParaRPr lang="zh-CN" altLang="en-US" dirty="0"/>
+          </a:p>
+        </p:txBody>
+      </p:sp>
+      <p:sp>
+        <p:nvSpPr>
+          <p:cNvPr id="3" name="内容占位符 2"/>
+          <p:cNvSpPr>
+            <a:spLocks noGrp="1"/>
+          </p:cNvSpPr>
+          <p:nvPr>
+            <p:ph sz="quarter" idx="11"/>
+          </p:nvPr>
+        </p:nvSpPr>
+        <p:spPr/>
+        <p:txBody>
+          <a:bodyPr/>
+          <a:lstStyle/>
+          <a:p>
             <a:pPr marL="0" indent="0">
               <a:buNone/>
             </a:pPr>
             <a:r>
-              <a:rPr lang="en-US" altLang="zh-CN" dirty="0" smtClean="0"/>
-              <a:t>Java</a:t>
-            </a:r>
-            <a:r>
-              <a:rPr lang="zh-CN" altLang="en-US" dirty="0" smtClean="0"/>
-              <a:t>多线程</a:t>
-            </a:r>
-            <a:endParaRPr lang="en-US" altLang="zh-CN" dirty="0" smtClean="0"/>
+              <a:rPr lang="en-US" altLang="zh-CN" dirty="0"/>
+              <a:t>https://referencesource.microsoft.com/download.html</a:t>
+            </a:r>
           </a:p>
           <a:p>
             <a:pPr marL="0" indent="0">
               <a:buNone/>
             </a:pPr>
-            <a:r>
-              <a:rPr lang="en-US" altLang="zh-CN" dirty="0" smtClean="0"/>
-              <a:t>Java maven</a:t>
-            </a:r>
-          </a:p>
-          <a:p>
-            <a:pPr marL="0" indent="0">
-              <a:buNone/>
-            </a:pPr>
-            <a:r>
-              <a:rPr lang="en-US" altLang="zh-CN" dirty="0" smtClean="0"/>
-              <a:t>Eclipse/Idea</a:t>
-            </a:r>
-          </a:p>
-          <a:p>
-            <a:pPr marL="0" indent="0">
-              <a:buNone/>
-            </a:pPr>
-            <a:r>
-              <a:rPr lang="en-US" altLang="zh-CN" dirty="0" smtClean="0"/>
-              <a:t>Spring </a:t>
-            </a:r>
-            <a:r>
-              <a:rPr lang="en-US" altLang="zh-CN" dirty="0" err="1" smtClean="0"/>
-              <a:t>springmvc</a:t>
-            </a:r>
-            <a:endParaRPr lang="en-US" altLang="zh-CN" dirty="0" smtClean="0"/>
-          </a:p>
-          <a:p>
-            <a:pPr marL="0" indent="0">
-              <a:buNone/>
-            </a:pPr>
-            <a:r>
-              <a:rPr lang="en-US" altLang="zh-CN" dirty="0" smtClean="0"/>
-              <a:t>Java </a:t>
-            </a:r>
-            <a:r>
-              <a:rPr lang="en-US" altLang="zh-CN" dirty="0" err="1" smtClean="0"/>
-              <a:t>ssh</a:t>
-            </a:r>
-            <a:r>
-              <a:rPr lang="en-US" altLang="zh-CN" dirty="0" smtClean="0"/>
-              <a:t>/</a:t>
-            </a:r>
-            <a:r>
-              <a:rPr lang="en-US" altLang="zh-CN" dirty="0" err="1" smtClean="0"/>
-              <a:t>ssm</a:t>
-            </a:r>
-            <a:endParaRPr lang="en-US" altLang="zh-CN" dirty="0" smtClean="0"/>
-          </a:p>
-          <a:p>
-            <a:pPr marL="0" indent="0">
-              <a:buNone/>
-            </a:pPr>
-            <a:r>
-              <a:rPr lang="en-US" altLang="zh-CN" dirty="0" err="1" smtClean="0"/>
-              <a:t>es</a:t>
-            </a:r>
-            <a:r>
-              <a:rPr lang="en-US" altLang="zh-CN" dirty="0" smtClean="0"/>
-              <a:t>/</a:t>
-            </a:r>
-            <a:r>
-              <a:rPr lang="en-US" altLang="zh-CN" dirty="0" err="1" smtClean="0"/>
-              <a:t>solr</a:t>
-            </a:r>
-            <a:r>
-              <a:rPr lang="en-US" altLang="zh-CN" dirty="0" smtClean="0"/>
-              <a:t>/</a:t>
-            </a:r>
-            <a:r>
-              <a:rPr lang="en-US" altLang="zh-CN" dirty="0" err="1" smtClean="0"/>
-              <a:t>hadoop</a:t>
-            </a:r>
-            <a:endParaRPr lang="en-US" altLang="zh-CN" dirty="0" smtClean="0"/>
-          </a:p>
-          <a:p>
-            <a:pPr marL="0" indent="0">
-              <a:buNone/>
-            </a:pPr>
-            <a:endParaRPr lang="en-US" altLang="zh-CN" dirty="0"/>
-          </a:p>
-          <a:p>
-            <a:pPr marL="0" indent="0">
-              <a:buNone/>
-            </a:pPr>
-            <a:r>
-              <a:rPr lang="en-US" altLang="zh-CN" dirty="0" err="1" smtClean="0"/>
-              <a:t>.Net</a:t>
-            </a:r>
-            <a:r>
-              <a:rPr lang="en-US" altLang="zh-CN" dirty="0" smtClean="0"/>
-              <a:t>:</a:t>
-            </a:r>
-          </a:p>
-          <a:p>
-            <a:pPr marL="0" indent="0">
-              <a:buNone/>
-            </a:pPr>
-            <a:r>
-              <a:rPr lang="en-US" altLang="zh-CN" dirty="0" err="1" smtClean="0"/>
-              <a:t>MVC,webapi</a:t>
-            </a:r>
-            <a:r>
-              <a:rPr lang="zh-CN" altLang="en-US" dirty="0" smtClean="0"/>
-              <a:t>源码解析</a:t>
-            </a:r>
-            <a:r>
-              <a:rPr lang="en-US" altLang="zh-CN" dirty="0" smtClean="0"/>
-              <a:t>(</a:t>
-            </a:r>
-            <a:r>
-              <a:rPr lang="zh-CN" altLang="en-US" dirty="0"/>
-              <a:t>蒋金楠</a:t>
-            </a:r>
-            <a:r>
-              <a:rPr lang="en-US" altLang="zh-CN" dirty="0" smtClean="0"/>
-              <a:t>)</a:t>
-            </a:r>
-          </a:p>
-          <a:p>
-            <a:pPr marL="0" indent="0">
-              <a:buNone/>
-            </a:pPr>
-            <a:r>
-              <a:rPr lang="en-US" altLang="zh-CN" dirty="0" smtClean="0"/>
-              <a:t>WCF</a:t>
-            </a:r>
-            <a:r>
-              <a:rPr lang="zh-CN" altLang="en-US" dirty="0" smtClean="0"/>
-              <a:t>（蒋金楠）</a:t>
-            </a:r>
-            <a:endParaRPr lang="en-US" altLang="zh-CN" dirty="0" smtClean="0"/>
-          </a:p>
-          <a:p>
-            <a:pPr marL="0" indent="0">
-              <a:buNone/>
-            </a:pPr>
-            <a:endParaRPr lang="en-US" altLang="zh-CN" dirty="0"/>
-          </a:p>
-          <a:p>
-            <a:pPr marL="0" indent="0">
-              <a:buNone/>
-            </a:pPr>
-            <a:r>
-              <a:rPr lang="zh-CN" altLang="en-US" dirty="0" smtClean="0"/>
-              <a:t>其他优秀的框架源码解读</a:t>
-            </a:r>
-            <a:endParaRPr lang="en-US" altLang="zh-CN" dirty="0" smtClean="0"/>
-          </a:p>
-          <a:p>
-            <a:pPr marL="0" indent="0">
-              <a:buNone/>
-            </a:pPr>
-            <a:r>
-              <a:rPr lang="zh-CN" altLang="en-US" dirty="0"/>
-              <a:t>软件脱壳破解技术</a:t>
-            </a:r>
             <a:endParaRPr lang="en-US" altLang="zh-CN" dirty="0"/>
           </a:p>
           <a:p>
@@ -10846,6 +13084,13 @@
   <p:clrMapOvr>
     <a:masterClrMapping/>
   </p:clrMapOvr>
+  <p:timing>
+    <p:tnLst>
+      <p:par>
+        <p:cTn id="1" dur="indefinite" restart="never" nodeType="tmRoot"/>
+      </p:par>
+    </p:tnLst>
+  </p:timing>
 </p:sld>
 </file>
 
@@ -11250,15 +13495,10 @@
           </a:p>
           <a:p>
             <a:r>
-              <a:rPr lang="zh-CN" altLang="en-US" dirty="0"/>
+              <a:rPr lang="zh-CN" altLang="en-US" dirty="0" smtClean="0"/>
               <a:t>FreeNamedDataSlot</a:t>
             </a:r>
-          </a:p>
-          <a:p>
-            <a:r>
-              <a:rPr lang="zh-CN" altLang="en-US" dirty="0"/>
-              <a:t>多个线程间共享数据，存在锁 的问题</a:t>
-            </a:r>
+            <a:endParaRPr lang="en-US" altLang="zh-CN" dirty="0" smtClean="0"/>
           </a:p>
           <a:p>
             <a:endParaRPr lang="zh-CN" altLang="en-US" dirty="0"/>
@@ -11372,8 +13612,12 @@
               <a:t>(</a:t>
             </a:r>
             <a:r>
-              <a:rPr lang="zh-CN" altLang="en-US" dirty="0" smtClean="0"/>
-              <a:t>内存【非</a:t>
+              <a:rPr lang="zh-CN" altLang="en-US" dirty="0"/>
+              <a:t>内存栅栏【</a:t>
+            </a:r>
+            <a:r>
+              <a:rPr lang="zh-CN" altLang="en-US" dirty="0" smtClean="0"/>
+              <a:t>非</a:t>
             </a:r>
             <a:r>
               <a:rPr lang="en-US" altLang="zh-CN" dirty="0" smtClean="0"/>
@@ -11448,6 +13692,21 @@
             <a:endParaRPr lang="en-US" altLang="zh-CN" dirty="0" smtClean="0"/>
           </a:p>
           <a:p>
+            <a:endParaRPr lang="en-US" altLang="zh-CN" dirty="0" smtClean="0"/>
+          </a:p>
+          <a:p>
+            <a:r>
+              <a:rPr lang="en-US" altLang="zh-CN" dirty="0" err="1"/>
+              <a:t>Thread.MemoryBarrier</a:t>
+            </a:r>
+            <a:r>
+              <a:rPr lang="en-US" altLang="zh-CN" dirty="0"/>
+              <a:t> ,  </a:t>
+            </a:r>
+            <a:r>
+              <a:rPr lang="en-US" altLang="zh-CN" dirty="0" err="1"/>
+              <a:t>VolatileRead</a:t>
+            </a:r>
             <a:endParaRPr lang="en-US" altLang="zh-CN" dirty="0"/>
           </a:p>
           <a:p>
@@ -11812,7 +14071,7 @@
                     <a:p>
                       <a:pPr algn="l"/>
                       <a:r>
-                        <a:rPr lang="en-US">
+                        <a:rPr lang="en-US" dirty="0" err="1">
                           <a:solidFill>
                             <a:srgbClr val="4F4F4F"/>
                           </a:solidFill>
@@ -11820,6 +14079,12 @@
                         </a:rPr>
                         <a:t>GetMinThreads</a:t>
                       </a:r>
+                      <a:endParaRPr lang="en-US" dirty="0">
+                        <a:solidFill>
+                          <a:srgbClr val="4F4F4F"/>
+                        </a:solidFill>
+                        <a:effectLst/>
+                      </a:endParaRPr>
                     </a:p>
                   </a:txBody>
                   <a:tcPr marL="28575" marR="28575" marT="28575" marB="28575" anchor="ctr">
@@ -11997,7 +14262,7 @@
                     <a:p>
                       <a:pPr algn="l"/>
                       <a:r>
-                        <a:rPr lang="zh-CN" altLang="en-US">
+                        <a:rPr lang="zh-CN" altLang="en-US" dirty="0">
                           <a:solidFill>
                             <a:srgbClr val="4F4F4F"/>
                           </a:solidFill>
@@ -12006,7 +14271,7 @@
                         <a:t>启动线程池里得一个线程</a:t>
                       </a:r>
                       <a:r>
-                        <a:rPr lang="en-US" altLang="zh-CN">
+                        <a:rPr lang="en-US" altLang="zh-CN" dirty="0">
                           <a:solidFill>
                             <a:srgbClr val="4F4F4F"/>
                           </a:solidFill>
@@ -12015,7 +14280,7 @@
                         <a:t>(</a:t>
                       </a:r>
                       <a:r>
-                        <a:rPr lang="zh-CN" altLang="en-US">
+                        <a:rPr lang="zh-CN" altLang="en-US" dirty="0">
                           <a:solidFill>
                             <a:srgbClr val="4F4F4F"/>
                           </a:solidFill>
@@ -12024,7 +14289,7 @@
                         <a:t>队列的方式，如线程池暂时没空闲线程，则进入队列排队</a:t>
                       </a:r>
                       <a:r>
-                        <a:rPr lang="en-US" altLang="zh-CN">
+                        <a:rPr lang="en-US" altLang="zh-CN" dirty="0">
                           <a:solidFill>
                             <a:srgbClr val="4F4F4F"/>
                           </a:solidFill>
@@ -12150,7 +14415,7 @@
                     <a:p>
                       <a:pPr algn="l"/>
                       <a:r>
-                        <a:rPr lang="zh-CN" altLang="en-US">
+                        <a:rPr lang="zh-CN" altLang="en-US" dirty="0">
                           <a:solidFill>
                             <a:srgbClr val="4F4F4F"/>
                           </a:solidFill>

--- a/异步编程.pptx
+++ b/异步编程.pptx
@@ -5240,11 +5240,7 @@
             </a:r>
             <a:r>
               <a:rPr lang="zh-CN" altLang="en-US" dirty="0" smtClean="0"/>
-              <a:t>个线程</a:t>
-            </a:r>
-            <a:r>
-              <a:rPr lang="zh-CN" altLang="en-US" dirty="0" smtClean="0"/>
-              <a:t>解决</a:t>
+              <a:t>个线程解决</a:t>
             </a:r>
             <a:r>
               <a:rPr lang="en-US" altLang="zh-CN" dirty="0" smtClean="0"/>
@@ -5280,11 +5276,7 @@
             </a:r>
             <a:r>
               <a:rPr lang="zh-CN" altLang="en-US" dirty="0" smtClean="0"/>
-              <a:t>的任务，节省了空间</a:t>
-            </a:r>
-            <a:r>
-              <a:rPr lang="zh-CN" altLang="en-US" dirty="0" smtClean="0"/>
-              <a:t>（</a:t>
+              <a:t>的任务，节省了空间（</a:t>
             </a:r>
             <a:r>
               <a:rPr lang="en-US" altLang="zh-CN" dirty="0" err="1" smtClean="0"/>
@@ -5292,11 +5284,7 @@
             </a:r>
             <a:r>
               <a:rPr lang="zh-CN" altLang="en-US" dirty="0" smtClean="0"/>
-              <a:t>结构</a:t>
-            </a:r>
-            <a:r>
-              <a:rPr lang="zh-CN" altLang="en-US" dirty="0" smtClean="0"/>
-              <a:t>）和时间（托管和非托管</a:t>
+              <a:t>结构）和时间（托管和非托管</a:t>
             </a:r>
             <a:r>
               <a:rPr lang="en-US" altLang="zh-CN" dirty="0" err="1" smtClean="0"/>
@@ -11293,7 +11281,11 @@
             </a:r>
             <a:r>
               <a:rPr lang="zh-CN" altLang="en-US" dirty="0" smtClean="0"/>
-              <a:t>。（多文件下载</a:t>
+              <a:t>。</a:t>
+            </a:r>
+            <a:r>
+              <a:rPr lang="zh-CN" altLang="en-US" dirty="0" smtClean="0"/>
+              <a:t>（多文件下载</a:t>
             </a:r>
             <a:r>
               <a:rPr lang="en-US" altLang="zh-CN" dirty="0" smtClean="0"/>
@@ -11313,7 +11305,11 @@
             </a:r>
             <a:r>
               <a:rPr lang="zh-CN" altLang="en-US" dirty="0"/>
-              <a:t>、要进行异步的方法其方法名应该以</a:t>
+              <a:t>、要进行异步的方法其方法名</a:t>
+            </a:r>
+            <a:r>
+              <a:rPr lang="zh-CN" altLang="en-US" dirty="0" smtClean="0"/>
+              <a:t>应该以</a:t>
             </a:r>
             <a:r>
               <a:rPr lang="en-US" altLang="zh-CN" dirty="0" err="1"/>
@@ -12231,15 +12227,11 @@
             </a:r>
             <a:r>
               <a:rPr lang="zh-CN" altLang="en-US" dirty="0" smtClean="0"/>
-              <a:t>线程并发可以提升多任务的效率，</a:t>
-            </a:r>
-            <a:r>
-              <a:rPr lang="zh-CN" altLang="en-US" dirty="0"/>
-              <a:t>不会</a:t>
-            </a:r>
-            <a:r>
-              <a:rPr lang="zh-CN" altLang="en-US" dirty="0" smtClean="0"/>
-              <a:t>提高响应速度。</a:t>
+              <a:t>线程并发可以提升多任务的效率</a:t>
+            </a:r>
+            <a:r>
+              <a:rPr lang="zh-CN" altLang="en-US" smtClean="0"/>
+              <a:t>，不会减少总的时间。</a:t>
             </a:r>
             <a:endParaRPr lang="en-US" altLang="zh-CN" dirty="0" smtClean="0"/>
           </a:p>
